--- a/CS301_ProjectPresentation.pptx
+++ b/CS301_ProjectPresentation.pptx
@@ -5,17 +5,19 @@
     <p:sldMasterId id="2147483672" r:id="rId1"/>
   </p:sldMasterIdLst>
   <p:notesMasterIdLst>
-    <p:notesMasterId r:id="rId7"/>
+    <p:notesMasterId r:id="rId9"/>
   </p:notesMasterIdLst>
   <p:handoutMasterIdLst>
-    <p:handoutMasterId r:id="rId8"/>
+    <p:handoutMasterId r:id="rId10"/>
   </p:handoutMasterIdLst>
   <p:sldIdLst>
     <p:sldId id="256" r:id="rId2"/>
     <p:sldId id="261" r:id="rId3"/>
-    <p:sldId id="258" r:id="rId4"/>
-    <p:sldId id="259" r:id="rId5"/>
-    <p:sldId id="260" r:id="rId6"/>
+    <p:sldId id="262" r:id="rId4"/>
+    <p:sldId id="263" r:id="rId5"/>
+    <p:sldId id="264" r:id="rId6"/>
+    <p:sldId id="258" r:id="rId7"/>
+    <p:sldId id="260" r:id="rId8"/>
   </p:sldIdLst>
   <p:sldSz cx="12192000" cy="6858000"/>
   <p:notesSz cx="6858000" cy="9144000"/>
@@ -792,753 +794,6 @@
     <dgm:fillClrLst meth="repeat">
       <a:schemeClr val="bg1">
         <a:lumMod val="95000"/>
-      </a:schemeClr>
-    </dgm:fillClrLst>
-    <dgm:linClrLst meth="repeat">
-      <a:schemeClr val="accent2"/>
-    </dgm:linClrLst>
-    <dgm:effectClrLst/>
-    <dgm:txLinClrLst/>
-    <dgm:txFillClrLst meth="repeat">
-      <a:schemeClr val="dk1"/>
-    </dgm:txFillClrLst>
-    <dgm:txEffectClrLst/>
-  </dgm:styleLbl>
-  <dgm:styleLbl name="dkBgShp">
-    <dgm:fillClrLst meth="repeat">
-      <a:schemeClr val="accent2">
-        <a:shade val="80000"/>
-      </a:schemeClr>
-    </dgm:fillClrLst>
-    <dgm:linClrLst meth="repeat">
-      <a:schemeClr val="accent2"/>
-    </dgm:linClrLst>
-    <dgm:effectClrLst/>
-    <dgm:txLinClrLst/>
-    <dgm:txFillClrLst meth="repeat">
-      <a:schemeClr val="lt1"/>
-    </dgm:txFillClrLst>
-    <dgm:txEffectClrLst/>
-  </dgm:styleLbl>
-  <dgm:styleLbl name="trBgShp">
-    <dgm:fillClrLst meth="repeat">
-      <a:schemeClr val="accent2">
-        <a:tint val="50000"/>
-        <a:alpha val="40000"/>
-      </a:schemeClr>
-    </dgm:fillClrLst>
-    <dgm:linClrLst meth="repeat">
-      <a:schemeClr val="accent2"/>
-    </dgm:linClrLst>
-    <dgm:effectClrLst/>
-    <dgm:txLinClrLst/>
-    <dgm:txFillClrLst meth="repeat">
-      <a:schemeClr val="lt1"/>
-    </dgm:txFillClrLst>
-    <dgm:txEffectClrLst/>
-  </dgm:styleLbl>
-  <dgm:styleLbl name="fgShp">
-    <dgm:fillClrLst meth="repeat">
-      <a:schemeClr val="accent2">
-        <a:tint val="60000"/>
-      </a:schemeClr>
-    </dgm:fillClrLst>
-    <dgm:linClrLst meth="repeat">
-      <a:schemeClr val="lt1"/>
-    </dgm:linClrLst>
-    <dgm:effectClrLst/>
-    <dgm:txLinClrLst/>
-    <dgm:txFillClrLst meth="repeat">
-      <a:schemeClr val="dk1"/>
-    </dgm:txFillClrLst>
-    <dgm:txEffectClrLst/>
-  </dgm:styleLbl>
-  <dgm:styleLbl name="revTx">
-    <dgm:fillClrLst meth="repeat">
-      <a:schemeClr val="lt1">
-        <a:alpha val="0"/>
-      </a:schemeClr>
-    </dgm:fillClrLst>
-    <dgm:linClrLst meth="repeat">
-      <a:schemeClr val="dk1">
-        <a:alpha val="0"/>
-      </a:schemeClr>
-    </dgm:linClrLst>
-    <dgm:effectClrLst/>
-    <dgm:txLinClrLst/>
-    <dgm:txFillClrLst meth="repeat">
-      <a:schemeClr val="tx1"/>
-    </dgm:txFillClrLst>
-    <dgm:txEffectClrLst/>
-  </dgm:styleLbl>
-</dgm:colorsDef>
-</file>
-
-<file path=ppt/diagrams/colors2.xml><?xml version="1.0" encoding="utf-8"?>
-<dgm:colorsDef xmlns:dgm="http://schemas.openxmlformats.org/drawingml/2006/diagram" xmlns:a="http://schemas.openxmlformats.org/drawingml/2006/main" uniqueId="urn:microsoft.com/office/officeart/2005/8/colors/accent2_2">
-  <dgm:title val=""/>
-  <dgm:desc val=""/>
-  <dgm:catLst>
-    <dgm:cat type="accent2" pri="11200"/>
-  </dgm:catLst>
-  <dgm:styleLbl name="node0">
-    <dgm:fillClrLst meth="repeat">
-      <a:schemeClr val="accent2"/>
-    </dgm:fillClrLst>
-    <dgm:linClrLst meth="repeat">
-      <a:schemeClr val="lt1"/>
-    </dgm:linClrLst>
-    <dgm:effectClrLst/>
-    <dgm:txLinClrLst/>
-    <dgm:txFillClrLst/>
-    <dgm:txEffectClrLst/>
-  </dgm:styleLbl>
-  <dgm:styleLbl name="node1">
-    <dgm:fillClrLst meth="repeat">
-      <a:schemeClr val="accent2"/>
-    </dgm:fillClrLst>
-    <dgm:linClrLst meth="repeat">
-      <a:schemeClr val="lt1"/>
-    </dgm:linClrLst>
-    <dgm:effectClrLst/>
-    <dgm:txLinClrLst/>
-    <dgm:txFillClrLst/>
-    <dgm:txEffectClrLst/>
-  </dgm:styleLbl>
-  <dgm:styleLbl name="alignNode1">
-    <dgm:fillClrLst meth="repeat">
-      <a:schemeClr val="accent2"/>
-    </dgm:fillClrLst>
-    <dgm:linClrLst meth="repeat">
-      <a:schemeClr val="accent2"/>
-    </dgm:linClrLst>
-    <dgm:effectClrLst/>
-    <dgm:txLinClrLst/>
-    <dgm:txFillClrLst/>
-    <dgm:txEffectClrLst/>
-  </dgm:styleLbl>
-  <dgm:styleLbl name="lnNode1">
-    <dgm:fillClrLst meth="repeat">
-      <a:schemeClr val="accent2"/>
-    </dgm:fillClrLst>
-    <dgm:linClrLst meth="repeat">
-      <a:schemeClr val="lt1"/>
-    </dgm:linClrLst>
-    <dgm:effectClrLst/>
-    <dgm:txLinClrLst/>
-    <dgm:txFillClrLst/>
-    <dgm:txEffectClrLst/>
-  </dgm:styleLbl>
-  <dgm:styleLbl name="vennNode1">
-    <dgm:fillClrLst meth="repeat">
-      <a:schemeClr val="accent2">
-        <a:alpha val="50000"/>
-      </a:schemeClr>
-    </dgm:fillClrLst>
-    <dgm:linClrLst meth="repeat">
-      <a:schemeClr val="lt1"/>
-    </dgm:linClrLst>
-    <dgm:effectClrLst/>
-    <dgm:txLinClrLst/>
-    <dgm:txFillClrLst/>
-    <dgm:txEffectClrLst/>
-  </dgm:styleLbl>
-  <dgm:styleLbl name="node2">
-    <dgm:fillClrLst meth="repeat">
-      <a:schemeClr val="accent2"/>
-    </dgm:fillClrLst>
-    <dgm:linClrLst meth="repeat">
-      <a:schemeClr val="lt1"/>
-    </dgm:linClrLst>
-    <dgm:effectClrLst/>
-    <dgm:txLinClrLst/>
-    <dgm:txFillClrLst/>
-    <dgm:txEffectClrLst/>
-  </dgm:styleLbl>
-  <dgm:styleLbl name="node3">
-    <dgm:fillClrLst meth="repeat">
-      <a:schemeClr val="accent2"/>
-    </dgm:fillClrLst>
-    <dgm:linClrLst meth="repeat">
-      <a:schemeClr val="lt1"/>
-    </dgm:linClrLst>
-    <dgm:effectClrLst/>
-    <dgm:txLinClrLst/>
-    <dgm:txFillClrLst/>
-    <dgm:txEffectClrLst/>
-  </dgm:styleLbl>
-  <dgm:styleLbl name="node4">
-    <dgm:fillClrLst meth="repeat">
-      <a:schemeClr val="accent2"/>
-    </dgm:fillClrLst>
-    <dgm:linClrLst meth="repeat">
-      <a:schemeClr val="lt1"/>
-    </dgm:linClrLst>
-    <dgm:effectClrLst/>
-    <dgm:txLinClrLst/>
-    <dgm:txFillClrLst/>
-    <dgm:txEffectClrLst/>
-  </dgm:styleLbl>
-  <dgm:styleLbl name="fgImgPlace1">
-    <dgm:fillClrLst meth="repeat">
-      <a:schemeClr val="accent2">
-        <a:tint val="50000"/>
-      </a:schemeClr>
-    </dgm:fillClrLst>
-    <dgm:linClrLst meth="repeat">
-      <a:schemeClr val="lt1"/>
-    </dgm:linClrLst>
-    <dgm:effectClrLst/>
-    <dgm:txLinClrLst/>
-    <dgm:txFillClrLst meth="repeat">
-      <a:schemeClr val="lt1"/>
-    </dgm:txFillClrLst>
-    <dgm:txEffectClrLst/>
-  </dgm:styleLbl>
-  <dgm:styleLbl name="alignImgPlace1">
-    <dgm:fillClrLst meth="repeat">
-      <a:schemeClr val="accent2">
-        <a:tint val="50000"/>
-      </a:schemeClr>
-    </dgm:fillClrLst>
-    <dgm:linClrLst meth="repeat">
-      <a:schemeClr val="lt1"/>
-    </dgm:linClrLst>
-    <dgm:effectClrLst/>
-    <dgm:txLinClrLst/>
-    <dgm:txFillClrLst meth="repeat">
-      <a:schemeClr val="lt1"/>
-    </dgm:txFillClrLst>
-    <dgm:txEffectClrLst/>
-  </dgm:styleLbl>
-  <dgm:styleLbl name="bgImgPlace1">
-    <dgm:fillClrLst meth="repeat">
-      <a:schemeClr val="accent2">
-        <a:tint val="50000"/>
-      </a:schemeClr>
-    </dgm:fillClrLst>
-    <dgm:linClrLst meth="repeat">
-      <a:schemeClr val="lt1"/>
-    </dgm:linClrLst>
-    <dgm:effectClrLst/>
-    <dgm:txLinClrLst/>
-    <dgm:txFillClrLst meth="repeat">
-      <a:schemeClr val="lt1"/>
-    </dgm:txFillClrLst>
-    <dgm:txEffectClrLst/>
-  </dgm:styleLbl>
-  <dgm:styleLbl name="sibTrans2D1">
-    <dgm:fillClrLst meth="repeat">
-      <a:schemeClr val="accent2">
-        <a:tint val="60000"/>
-      </a:schemeClr>
-    </dgm:fillClrLst>
-    <dgm:linClrLst meth="repeat">
-      <a:schemeClr val="accent2">
-        <a:tint val="60000"/>
-      </a:schemeClr>
-    </dgm:linClrLst>
-    <dgm:effectClrLst/>
-    <dgm:txLinClrLst/>
-    <dgm:txFillClrLst/>
-    <dgm:txEffectClrLst/>
-  </dgm:styleLbl>
-  <dgm:styleLbl name="fgSibTrans2D1">
-    <dgm:fillClrLst meth="repeat">
-      <a:schemeClr val="accent2">
-        <a:tint val="60000"/>
-      </a:schemeClr>
-    </dgm:fillClrLst>
-    <dgm:linClrLst meth="repeat">
-      <a:schemeClr val="accent2">
-        <a:tint val="60000"/>
-      </a:schemeClr>
-    </dgm:linClrLst>
-    <dgm:effectClrLst/>
-    <dgm:txLinClrLst/>
-    <dgm:txFillClrLst/>
-    <dgm:txEffectClrLst/>
-  </dgm:styleLbl>
-  <dgm:styleLbl name="bgSibTrans2D1">
-    <dgm:fillClrLst meth="repeat">
-      <a:schemeClr val="accent2">
-        <a:tint val="60000"/>
-      </a:schemeClr>
-    </dgm:fillClrLst>
-    <dgm:linClrLst meth="repeat">
-      <a:schemeClr val="accent2">
-        <a:tint val="60000"/>
-      </a:schemeClr>
-    </dgm:linClrLst>
-    <dgm:effectClrLst/>
-    <dgm:txLinClrLst/>
-    <dgm:txFillClrLst/>
-    <dgm:txEffectClrLst/>
-  </dgm:styleLbl>
-  <dgm:styleLbl name="sibTrans1D1">
-    <dgm:fillClrLst meth="repeat">
-      <a:schemeClr val="accent2"/>
-    </dgm:fillClrLst>
-    <dgm:linClrLst meth="repeat">
-      <a:schemeClr val="accent2"/>
-    </dgm:linClrLst>
-    <dgm:effectClrLst/>
-    <dgm:txLinClrLst/>
-    <dgm:txFillClrLst meth="repeat">
-      <a:schemeClr val="tx1"/>
-    </dgm:txFillClrLst>
-    <dgm:txEffectClrLst/>
-  </dgm:styleLbl>
-  <dgm:styleLbl name="callout">
-    <dgm:fillClrLst meth="repeat">
-      <a:schemeClr val="accent2"/>
-    </dgm:fillClrLst>
-    <dgm:linClrLst meth="repeat">
-      <a:schemeClr val="accent2">
-        <a:tint val="50000"/>
-      </a:schemeClr>
-    </dgm:linClrLst>
-    <dgm:effectClrLst/>
-    <dgm:txLinClrLst/>
-    <dgm:txFillClrLst meth="repeat">
-      <a:schemeClr val="tx1"/>
-    </dgm:txFillClrLst>
-    <dgm:txEffectClrLst/>
-  </dgm:styleLbl>
-  <dgm:styleLbl name="asst0">
-    <dgm:fillClrLst meth="repeat">
-      <a:schemeClr val="accent2"/>
-    </dgm:fillClrLst>
-    <dgm:linClrLst meth="repeat">
-      <a:schemeClr val="lt1"/>
-    </dgm:linClrLst>
-    <dgm:effectClrLst/>
-    <dgm:txLinClrLst/>
-    <dgm:txFillClrLst/>
-    <dgm:txEffectClrLst/>
-  </dgm:styleLbl>
-  <dgm:styleLbl name="asst1">
-    <dgm:fillClrLst meth="repeat">
-      <a:schemeClr val="accent2"/>
-    </dgm:fillClrLst>
-    <dgm:linClrLst meth="repeat">
-      <a:schemeClr val="lt1"/>
-    </dgm:linClrLst>
-    <dgm:effectClrLst/>
-    <dgm:txLinClrLst/>
-    <dgm:txFillClrLst/>
-    <dgm:txEffectClrLst/>
-  </dgm:styleLbl>
-  <dgm:styleLbl name="asst2">
-    <dgm:fillClrLst meth="repeat">
-      <a:schemeClr val="accent2"/>
-    </dgm:fillClrLst>
-    <dgm:linClrLst meth="repeat">
-      <a:schemeClr val="lt1"/>
-    </dgm:linClrLst>
-    <dgm:effectClrLst/>
-    <dgm:txLinClrLst/>
-    <dgm:txFillClrLst/>
-    <dgm:txEffectClrLst/>
-  </dgm:styleLbl>
-  <dgm:styleLbl name="asst3">
-    <dgm:fillClrLst meth="repeat">
-      <a:schemeClr val="accent2"/>
-    </dgm:fillClrLst>
-    <dgm:linClrLst meth="repeat">
-      <a:schemeClr val="lt1"/>
-    </dgm:linClrLst>
-    <dgm:effectClrLst/>
-    <dgm:txLinClrLst/>
-    <dgm:txFillClrLst/>
-    <dgm:txEffectClrLst/>
-  </dgm:styleLbl>
-  <dgm:styleLbl name="asst4">
-    <dgm:fillClrLst meth="repeat">
-      <a:schemeClr val="accent2"/>
-    </dgm:fillClrLst>
-    <dgm:linClrLst meth="repeat">
-      <a:schemeClr val="lt1"/>
-    </dgm:linClrLst>
-    <dgm:effectClrLst/>
-    <dgm:txLinClrLst/>
-    <dgm:txFillClrLst/>
-    <dgm:txEffectClrLst/>
-  </dgm:styleLbl>
-  <dgm:styleLbl name="parChTrans2D1">
-    <dgm:fillClrLst meth="repeat">
-      <a:schemeClr val="accent2">
-        <a:tint val="60000"/>
-      </a:schemeClr>
-    </dgm:fillClrLst>
-    <dgm:linClrLst meth="repeat">
-      <a:schemeClr val="accent2">
-        <a:tint val="60000"/>
-      </a:schemeClr>
-    </dgm:linClrLst>
-    <dgm:effectClrLst/>
-    <dgm:txLinClrLst/>
-    <dgm:txFillClrLst meth="repeat">
-      <a:schemeClr val="lt1"/>
-    </dgm:txFillClrLst>
-    <dgm:txEffectClrLst/>
-  </dgm:styleLbl>
-  <dgm:styleLbl name="parChTrans2D2">
-    <dgm:fillClrLst meth="repeat">
-      <a:schemeClr val="accent2"/>
-    </dgm:fillClrLst>
-    <dgm:linClrLst meth="repeat">
-      <a:schemeClr val="accent2"/>
-    </dgm:linClrLst>
-    <dgm:effectClrLst/>
-    <dgm:txLinClrLst/>
-    <dgm:txFillClrLst meth="repeat">
-      <a:schemeClr val="lt1"/>
-    </dgm:txFillClrLst>
-    <dgm:txEffectClrLst/>
-  </dgm:styleLbl>
-  <dgm:styleLbl name="parChTrans2D3">
-    <dgm:fillClrLst meth="repeat">
-      <a:schemeClr val="accent2"/>
-    </dgm:fillClrLst>
-    <dgm:linClrLst meth="repeat">
-      <a:schemeClr val="accent2"/>
-    </dgm:linClrLst>
-    <dgm:effectClrLst/>
-    <dgm:txLinClrLst/>
-    <dgm:txFillClrLst meth="repeat">
-      <a:schemeClr val="lt1"/>
-    </dgm:txFillClrLst>
-    <dgm:txEffectClrLst/>
-  </dgm:styleLbl>
-  <dgm:styleLbl name="parChTrans2D4">
-    <dgm:fillClrLst meth="repeat">
-      <a:schemeClr val="accent2"/>
-    </dgm:fillClrLst>
-    <dgm:linClrLst meth="repeat">
-      <a:schemeClr val="accent2"/>
-    </dgm:linClrLst>
-    <dgm:effectClrLst/>
-    <dgm:txLinClrLst/>
-    <dgm:txFillClrLst meth="repeat">
-      <a:schemeClr val="lt1"/>
-    </dgm:txFillClrLst>
-    <dgm:txEffectClrLst/>
-  </dgm:styleLbl>
-  <dgm:styleLbl name="parChTrans1D1">
-    <dgm:fillClrLst meth="repeat">
-      <a:schemeClr val="accent2"/>
-    </dgm:fillClrLst>
-    <dgm:linClrLst meth="repeat">
-      <a:schemeClr val="accent2">
-        <a:shade val="60000"/>
-      </a:schemeClr>
-    </dgm:linClrLst>
-    <dgm:effectClrLst/>
-    <dgm:txLinClrLst/>
-    <dgm:txFillClrLst meth="repeat">
-      <a:schemeClr val="tx1"/>
-    </dgm:txFillClrLst>
-    <dgm:txEffectClrLst/>
-  </dgm:styleLbl>
-  <dgm:styleLbl name="parChTrans1D2">
-    <dgm:fillClrLst meth="repeat">
-      <a:schemeClr val="accent2"/>
-    </dgm:fillClrLst>
-    <dgm:linClrLst meth="repeat">
-      <a:schemeClr val="accent2">
-        <a:shade val="60000"/>
-      </a:schemeClr>
-    </dgm:linClrLst>
-    <dgm:effectClrLst/>
-    <dgm:txLinClrLst/>
-    <dgm:txFillClrLst meth="repeat">
-      <a:schemeClr val="tx1"/>
-    </dgm:txFillClrLst>
-    <dgm:txEffectClrLst/>
-  </dgm:styleLbl>
-  <dgm:styleLbl name="parChTrans1D3">
-    <dgm:fillClrLst meth="repeat">
-      <a:schemeClr val="accent2"/>
-    </dgm:fillClrLst>
-    <dgm:linClrLst meth="repeat">
-      <a:schemeClr val="accent2">
-        <a:shade val="80000"/>
-      </a:schemeClr>
-    </dgm:linClrLst>
-    <dgm:effectClrLst/>
-    <dgm:txLinClrLst/>
-    <dgm:txFillClrLst meth="repeat">
-      <a:schemeClr val="tx1"/>
-    </dgm:txFillClrLst>
-    <dgm:txEffectClrLst/>
-  </dgm:styleLbl>
-  <dgm:styleLbl name="parChTrans1D4">
-    <dgm:fillClrLst meth="repeat">
-      <a:schemeClr val="accent2"/>
-    </dgm:fillClrLst>
-    <dgm:linClrLst meth="repeat">
-      <a:schemeClr val="accent2">
-        <a:shade val="80000"/>
-      </a:schemeClr>
-    </dgm:linClrLst>
-    <dgm:effectClrLst/>
-    <dgm:txLinClrLst/>
-    <dgm:txFillClrLst meth="repeat">
-      <a:schemeClr val="tx1"/>
-    </dgm:txFillClrLst>
-    <dgm:txEffectClrLst/>
-  </dgm:styleLbl>
-  <dgm:styleLbl name="fgAcc1">
-    <dgm:fillClrLst meth="repeat">
-      <a:schemeClr val="lt1">
-        <a:alpha val="90000"/>
-      </a:schemeClr>
-    </dgm:fillClrLst>
-    <dgm:linClrLst meth="repeat">
-      <a:schemeClr val="accent2"/>
-    </dgm:linClrLst>
-    <dgm:effectClrLst/>
-    <dgm:txLinClrLst/>
-    <dgm:txFillClrLst meth="repeat">
-      <a:schemeClr val="dk1"/>
-    </dgm:txFillClrLst>
-    <dgm:txEffectClrLst/>
-  </dgm:styleLbl>
-  <dgm:styleLbl name="conFgAcc1">
-    <dgm:fillClrLst meth="repeat">
-      <a:schemeClr val="lt1">
-        <a:alpha val="90000"/>
-      </a:schemeClr>
-    </dgm:fillClrLst>
-    <dgm:linClrLst meth="repeat">
-      <a:schemeClr val="accent2"/>
-    </dgm:linClrLst>
-    <dgm:effectClrLst/>
-    <dgm:txLinClrLst/>
-    <dgm:txFillClrLst meth="repeat">
-      <a:schemeClr val="dk1"/>
-    </dgm:txFillClrLst>
-    <dgm:txEffectClrLst/>
-  </dgm:styleLbl>
-  <dgm:styleLbl name="alignAcc1">
-    <dgm:fillClrLst meth="repeat">
-      <a:schemeClr val="lt1">
-        <a:alpha val="90000"/>
-      </a:schemeClr>
-    </dgm:fillClrLst>
-    <dgm:linClrLst meth="repeat">
-      <a:schemeClr val="accent2"/>
-    </dgm:linClrLst>
-    <dgm:effectClrLst/>
-    <dgm:txLinClrLst/>
-    <dgm:txFillClrLst meth="repeat">
-      <a:schemeClr val="dk1"/>
-    </dgm:txFillClrLst>
-    <dgm:txEffectClrLst/>
-  </dgm:styleLbl>
-  <dgm:styleLbl name="trAlignAcc1">
-    <dgm:fillClrLst meth="repeat">
-      <a:schemeClr val="lt1">
-        <a:alpha val="40000"/>
-      </a:schemeClr>
-    </dgm:fillClrLst>
-    <dgm:linClrLst meth="repeat">
-      <a:schemeClr val="accent2"/>
-    </dgm:linClrLst>
-    <dgm:effectClrLst/>
-    <dgm:txLinClrLst/>
-    <dgm:txFillClrLst meth="repeat">
-      <a:schemeClr val="dk1"/>
-    </dgm:txFillClrLst>
-    <dgm:txEffectClrLst/>
-  </dgm:styleLbl>
-  <dgm:styleLbl name="bgAcc1">
-    <dgm:fillClrLst meth="repeat">
-      <a:schemeClr val="lt1">
-        <a:alpha val="90000"/>
-      </a:schemeClr>
-    </dgm:fillClrLst>
-    <dgm:linClrLst meth="repeat">
-      <a:schemeClr val="accent2"/>
-    </dgm:linClrLst>
-    <dgm:effectClrLst/>
-    <dgm:txLinClrLst/>
-    <dgm:txFillClrLst meth="repeat">
-      <a:schemeClr val="dk1"/>
-    </dgm:txFillClrLst>
-    <dgm:txEffectClrLst/>
-  </dgm:styleLbl>
-  <dgm:styleLbl name="solidFgAcc1">
-    <dgm:fillClrLst meth="repeat">
-      <a:schemeClr val="lt1"/>
-    </dgm:fillClrLst>
-    <dgm:linClrLst meth="repeat">
-      <a:schemeClr val="accent2"/>
-    </dgm:linClrLst>
-    <dgm:effectClrLst/>
-    <dgm:txLinClrLst/>
-    <dgm:txFillClrLst meth="repeat">
-      <a:schemeClr val="dk1"/>
-    </dgm:txFillClrLst>
-    <dgm:txEffectClrLst/>
-  </dgm:styleLbl>
-  <dgm:styleLbl name="solidAlignAcc1">
-    <dgm:fillClrLst meth="repeat">
-      <a:schemeClr val="lt1"/>
-    </dgm:fillClrLst>
-    <dgm:linClrLst meth="repeat">
-      <a:schemeClr val="accent2"/>
-    </dgm:linClrLst>
-    <dgm:effectClrLst/>
-    <dgm:txLinClrLst/>
-    <dgm:txFillClrLst meth="repeat">
-      <a:schemeClr val="dk1"/>
-    </dgm:txFillClrLst>
-    <dgm:txEffectClrLst/>
-  </dgm:styleLbl>
-  <dgm:styleLbl name="solidBgAcc1">
-    <dgm:fillClrLst meth="repeat">
-      <a:schemeClr val="lt1"/>
-    </dgm:fillClrLst>
-    <dgm:linClrLst meth="repeat">
-      <a:schemeClr val="accent2"/>
-    </dgm:linClrLst>
-    <dgm:effectClrLst/>
-    <dgm:txLinClrLst/>
-    <dgm:txFillClrLst meth="repeat">
-      <a:schemeClr val="dk1"/>
-    </dgm:txFillClrLst>
-    <dgm:txEffectClrLst/>
-  </dgm:styleLbl>
-  <dgm:styleLbl name="fgAccFollowNode1">
-    <dgm:fillClrLst meth="repeat">
-      <a:schemeClr val="accent2">
-        <a:alpha val="90000"/>
-        <a:tint val="40000"/>
-      </a:schemeClr>
-    </dgm:fillClrLst>
-    <dgm:linClrLst meth="repeat">
-      <a:schemeClr val="accent2">
-        <a:alpha val="90000"/>
-        <a:tint val="40000"/>
-      </a:schemeClr>
-    </dgm:linClrLst>
-    <dgm:effectClrLst/>
-    <dgm:txLinClrLst/>
-    <dgm:txFillClrLst meth="repeat">
-      <a:schemeClr val="dk1"/>
-    </dgm:txFillClrLst>
-    <dgm:txEffectClrLst/>
-  </dgm:styleLbl>
-  <dgm:styleLbl name="alignAccFollowNode1">
-    <dgm:fillClrLst meth="repeat">
-      <a:schemeClr val="accent2">
-        <a:alpha val="90000"/>
-        <a:tint val="40000"/>
-      </a:schemeClr>
-    </dgm:fillClrLst>
-    <dgm:linClrLst meth="repeat">
-      <a:schemeClr val="accent2">
-        <a:alpha val="90000"/>
-        <a:tint val="40000"/>
-      </a:schemeClr>
-    </dgm:linClrLst>
-    <dgm:effectClrLst/>
-    <dgm:txLinClrLst/>
-    <dgm:txFillClrLst meth="repeat">
-      <a:schemeClr val="dk1"/>
-    </dgm:txFillClrLst>
-    <dgm:txEffectClrLst/>
-  </dgm:styleLbl>
-  <dgm:styleLbl name="bgAccFollowNode1">
-    <dgm:fillClrLst meth="repeat">
-      <a:schemeClr val="accent2">
-        <a:alpha val="90000"/>
-        <a:tint val="40000"/>
-      </a:schemeClr>
-    </dgm:fillClrLst>
-    <dgm:linClrLst meth="repeat">
-      <a:schemeClr val="accent2">
-        <a:alpha val="90000"/>
-        <a:tint val="40000"/>
-      </a:schemeClr>
-    </dgm:linClrLst>
-    <dgm:effectClrLst/>
-    <dgm:txLinClrLst/>
-    <dgm:txFillClrLst meth="repeat">
-      <a:schemeClr val="dk1"/>
-    </dgm:txFillClrLst>
-    <dgm:txEffectClrLst/>
-  </dgm:styleLbl>
-  <dgm:styleLbl name="fgAcc0">
-    <dgm:fillClrLst meth="repeat">
-      <a:schemeClr val="lt1">
-        <a:alpha val="90000"/>
-      </a:schemeClr>
-    </dgm:fillClrLst>
-    <dgm:linClrLst meth="repeat">
-      <a:schemeClr val="accent2"/>
-    </dgm:linClrLst>
-    <dgm:effectClrLst/>
-    <dgm:txLinClrLst/>
-    <dgm:txFillClrLst meth="repeat">
-      <a:schemeClr val="dk1"/>
-    </dgm:txFillClrLst>
-    <dgm:txEffectClrLst/>
-  </dgm:styleLbl>
-  <dgm:styleLbl name="fgAcc2">
-    <dgm:fillClrLst meth="repeat">
-      <a:schemeClr val="lt1">
-        <a:alpha val="90000"/>
-      </a:schemeClr>
-    </dgm:fillClrLst>
-    <dgm:linClrLst meth="repeat">
-      <a:schemeClr val="accent2"/>
-    </dgm:linClrLst>
-    <dgm:effectClrLst/>
-    <dgm:txLinClrLst/>
-    <dgm:txFillClrLst meth="repeat">
-      <a:schemeClr val="dk1"/>
-    </dgm:txFillClrLst>
-    <dgm:txEffectClrLst/>
-  </dgm:styleLbl>
-  <dgm:styleLbl name="fgAcc3">
-    <dgm:fillClrLst meth="repeat">
-      <a:schemeClr val="lt1">
-        <a:alpha val="90000"/>
-      </a:schemeClr>
-    </dgm:fillClrLst>
-    <dgm:linClrLst meth="repeat">
-      <a:schemeClr val="accent2"/>
-    </dgm:linClrLst>
-    <dgm:effectClrLst/>
-    <dgm:txLinClrLst/>
-    <dgm:txFillClrLst meth="repeat">
-      <a:schemeClr val="dk1"/>
-    </dgm:txFillClrLst>
-    <dgm:txEffectClrLst/>
-  </dgm:styleLbl>
-  <dgm:styleLbl name="fgAcc4">
-    <dgm:fillClrLst meth="repeat">
-      <a:schemeClr val="lt1">
-        <a:alpha val="90000"/>
-      </a:schemeClr>
-    </dgm:fillClrLst>
-    <dgm:linClrLst meth="repeat">
-      <a:schemeClr val="accent2"/>
-    </dgm:linClrLst>
-    <dgm:effectClrLst/>
-    <dgm:txLinClrLst/>
-    <dgm:txFillClrLst meth="repeat">
-      <a:schemeClr val="dk1"/>
-    </dgm:txFillClrLst>
-    <dgm:txEffectClrLst/>
-  </dgm:styleLbl>
-  <dgm:styleLbl name="bgShp">
-    <dgm:fillClrLst meth="repeat">
-      <a:schemeClr val="accent2">
-        <a:tint val="40000"/>
       </a:schemeClr>
     </dgm:fillClrLst>
     <dgm:linClrLst meth="repeat">
@@ -1920,261 +1175,6 @@
     </a:ext>
     <a:ext uri="{C62137D5-CB1D-491B-B009-E17868A290BF}">
       <dgm14:recolorImg xmlns:dgm14="http://schemas.microsoft.com/office/drawing/2010/diagram" val="1"/>
-    </a:ext>
-  </dgm:extLst>
-</dgm:dataModel>
-</file>
-
-<file path=ppt/diagrams/data2.xml><?xml version="1.0" encoding="utf-8"?>
-<dgm:dataModel xmlns:dgm="http://schemas.openxmlformats.org/drawingml/2006/diagram" xmlns:a="http://schemas.openxmlformats.org/drawingml/2006/main">
-  <dgm:ptLst>
-    <dgm:pt modelId="{7E5AA53B-3EEE-4DE4-BB81-9044890C2946}" type="doc">
-      <dgm:prSet loTypeId="urn:microsoft.com/office/officeart/2008/layout/VerticalCurvedList" loCatId="list" qsTypeId="urn:microsoft.com/office/officeart/2005/8/quickstyle/simple4" qsCatId="simple" csTypeId="urn:microsoft.com/office/officeart/2005/8/colors/accent2_2" csCatId="accent2" phldr="1"/>
-      <dgm:spPr/>
-      <dgm:t>
-        <a:bodyPr/>
-        <a:lstStyle/>
-        <a:p>
-          <a:endParaRPr lang="en-US"/>
-        </a:p>
-      </dgm:t>
-    </dgm:pt>
-    <dgm:pt modelId="{6750AC01-D39D-4F3A-9DC8-2A211EE986A2}">
-      <dgm:prSet phldrT="[Text]"/>
-      <dgm:spPr/>
-      <dgm:t>
-        <a:bodyPr/>
-        <a:lstStyle/>
-        <a:p>
-          <a:pPr>
-            <a:lnSpc>
-              <a:spcPct val="100000"/>
-            </a:lnSpc>
-          </a:pPr>
-          <a:r>
-            <a:rPr lang="en-US" dirty="0"/>
-            <a:t>Cloud	</a:t>
-          </a:r>
-        </a:p>
-      </dgm:t>
-    </dgm:pt>
-    <dgm:pt modelId="{720680DC-AAA4-4434-A582-60EBCC5BA355}" type="parTrans" cxnId="{0B5DAE5F-BCDC-4BF7-A6E7-CF856886A64D}">
-      <dgm:prSet/>
-      <dgm:spPr/>
-      <dgm:t>
-        <a:bodyPr/>
-        <a:lstStyle/>
-        <a:p>
-          <a:endParaRPr lang="en-US"/>
-        </a:p>
-      </dgm:t>
-    </dgm:pt>
-    <dgm:pt modelId="{CA077D98-8478-47EA-B6A9-99ACE60C64D4}" type="sibTrans" cxnId="{0B5DAE5F-BCDC-4BF7-A6E7-CF856886A64D}">
-      <dgm:prSet/>
-      <dgm:spPr/>
-      <dgm:t>
-        <a:bodyPr/>
-        <a:lstStyle/>
-        <a:p>
-          <a:endParaRPr lang="en-US"/>
-        </a:p>
-      </dgm:t>
-    </dgm:pt>
-    <dgm:pt modelId="{0BEF68B8-1228-47BB-83B5-7B9CD1E3F84E}">
-      <dgm:prSet phldrT="[Text]"/>
-      <dgm:spPr/>
-      <dgm:t>
-        <a:bodyPr/>
-        <a:lstStyle/>
-        <a:p>
-          <a:pPr>
-            <a:lnSpc>
-              <a:spcPct val="100000"/>
-            </a:lnSpc>
-          </a:pPr>
-          <a:r>
-            <a:rPr lang="en-US" dirty="0"/>
-            <a:t>Local</a:t>
-          </a:r>
-        </a:p>
-      </dgm:t>
-    </dgm:pt>
-    <dgm:pt modelId="{ED3A4BC2-B75A-4952-A38B-A42B5995DF05}" type="parTrans" cxnId="{EDEF4F82-1237-4639-A0F7-385C1897CE66}">
-      <dgm:prSet/>
-      <dgm:spPr/>
-      <dgm:t>
-        <a:bodyPr/>
-        <a:lstStyle/>
-        <a:p>
-          <a:endParaRPr lang="en-US"/>
-        </a:p>
-      </dgm:t>
-    </dgm:pt>
-    <dgm:pt modelId="{FD949706-EDCC-4ADC-8EDF-8EDA49C92325}" type="sibTrans" cxnId="{EDEF4F82-1237-4639-A0F7-385C1897CE66}">
-      <dgm:prSet/>
-      <dgm:spPr/>
-      <dgm:t>
-        <a:bodyPr/>
-        <a:lstStyle/>
-        <a:p>
-          <a:endParaRPr lang="en-US"/>
-        </a:p>
-      </dgm:t>
-    </dgm:pt>
-    <dgm:pt modelId="{5605D28D-2CE6-4513-8566-952984E21E14}">
-      <dgm:prSet phldrT="[Text]"/>
-      <dgm:spPr/>
-      <dgm:t>
-        <a:bodyPr/>
-        <a:lstStyle/>
-        <a:p>
-          <a:pPr>
-            <a:lnSpc>
-              <a:spcPct val="100000"/>
-            </a:lnSpc>
-          </a:pPr>
-          <a:r>
-            <a:rPr lang="en-US" dirty="0"/>
-            <a:t>Hybrid</a:t>
-          </a:r>
-        </a:p>
-      </dgm:t>
-    </dgm:pt>
-    <dgm:pt modelId="{EB15AB98-362B-4E70-A3DA-995FC3E8BA79}" type="parTrans" cxnId="{FAF3F884-F0CF-440F-8CB1-B7648AB1B138}">
-      <dgm:prSet/>
-      <dgm:spPr/>
-      <dgm:t>
-        <a:bodyPr/>
-        <a:lstStyle/>
-        <a:p>
-          <a:endParaRPr lang="en-US"/>
-        </a:p>
-      </dgm:t>
-    </dgm:pt>
-    <dgm:pt modelId="{823D1971-2C4D-4EC5-A874-2F463DE37109}" type="sibTrans" cxnId="{FAF3F884-F0CF-440F-8CB1-B7648AB1B138}">
-      <dgm:prSet/>
-      <dgm:spPr/>
-      <dgm:t>
-        <a:bodyPr/>
-        <a:lstStyle/>
-        <a:p>
-          <a:endParaRPr lang="en-US"/>
-        </a:p>
-      </dgm:t>
-    </dgm:pt>
-    <dgm:pt modelId="{57806726-6E60-4ACC-9C1C-7DF9CC365A10}" type="pres">
-      <dgm:prSet presAssocID="{7E5AA53B-3EEE-4DE4-BB81-9044890C2946}" presName="Name0" presStyleCnt="0">
-        <dgm:presLayoutVars>
-          <dgm:chMax val="7"/>
-          <dgm:chPref val="7"/>
-          <dgm:dir/>
-        </dgm:presLayoutVars>
-      </dgm:prSet>
-      <dgm:spPr/>
-    </dgm:pt>
-    <dgm:pt modelId="{90561C55-3C6E-4D53-85E1-2C50BCDDA392}" type="pres">
-      <dgm:prSet presAssocID="{7E5AA53B-3EEE-4DE4-BB81-9044890C2946}" presName="Name1" presStyleCnt="0"/>
-      <dgm:spPr/>
-    </dgm:pt>
-    <dgm:pt modelId="{B6CD42EC-5AD4-4004-AE5B-47EDA668DAA8}" type="pres">
-      <dgm:prSet presAssocID="{7E5AA53B-3EEE-4DE4-BB81-9044890C2946}" presName="cycle" presStyleCnt="0"/>
-      <dgm:spPr/>
-    </dgm:pt>
-    <dgm:pt modelId="{963B8EE3-40CC-4A0A-B420-D0BF920973CE}" type="pres">
-      <dgm:prSet presAssocID="{7E5AA53B-3EEE-4DE4-BB81-9044890C2946}" presName="srcNode" presStyleLbl="node1" presStyleIdx="0" presStyleCnt="3"/>
-      <dgm:spPr/>
-    </dgm:pt>
-    <dgm:pt modelId="{D79B43FC-100B-4A0D-A4D5-0D2D04B99064}" type="pres">
-      <dgm:prSet presAssocID="{7E5AA53B-3EEE-4DE4-BB81-9044890C2946}" presName="conn" presStyleLbl="parChTrans1D2" presStyleIdx="0" presStyleCnt="1"/>
-      <dgm:spPr/>
-    </dgm:pt>
-    <dgm:pt modelId="{3CAD8DA1-8D53-445C-ACE8-D8449E4F0F55}" type="pres">
-      <dgm:prSet presAssocID="{7E5AA53B-3EEE-4DE4-BB81-9044890C2946}" presName="extraNode" presStyleLbl="node1" presStyleIdx="0" presStyleCnt="3"/>
-      <dgm:spPr/>
-    </dgm:pt>
-    <dgm:pt modelId="{429CABD1-4116-474B-81BF-735E2CA9DD00}" type="pres">
-      <dgm:prSet presAssocID="{7E5AA53B-3EEE-4DE4-BB81-9044890C2946}" presName="dstNode" presStyleLbl="node1" presStyleIdx="0" presStyleCnt="3"/>
-      <dgm:spPr/>
-    </dgm:pt>
-    <dgm:pt modelId="{58319267-C71E-43C9-94E1-827D0616C7A7}" type="pres">
-      <dgm:prSet presAssocID="{6750AC01-D39D-4F3A-9DC8-2A211EE986A2}" presName="text_1" presStyleLbl="node1" presStyleIdx="0" presStyleCnt="3">
-        <dgm:presLayoutVars>
-          <dgm:bulletEnabled val="1"/>
-        </dgm:presLayoutVars>
-      </dgm:prSet>
-      <dgm:spPr/>
-    </dgm:pt>
-    <dgm:pt modelId="{79F9B8A9-2412-4B74-84A9-69422DB81CDC}" type="pres">
-      <dgm:prSet presAssocID="{6750AC01-D39D-4F3A-9DC8-2A211EE986A2}" presName="accent_1" presStyleCnt="0"/>
-      <dgm:spPr/>
-    </dgm:pt>
-    <dgm:pt modelId="{07CB3071-D555-47DA-A36A-69EB91531FD8}" type="pres">
-      <dgm:prSet presAssocID="{6750AC01-D39D-4F3A-9DC8-2A211EE986A2}" presName="accentRepeatNode" presStyleLbl="solidFgAcc1" presStyleIdx="0" presStyleCnt="3"/>
-      <dgm:spPr/>
-    </dgm:pt>
-    <dgm:pt modelId="{95DE6538-27BD-44AF-A1A8-CA8F6B10FDD2}" type="pres">
-      <dgm:prSet presAssocID="{0BEF68B8-1228-47BB-83B5-7B9CD1E3F84E}" presName="text_2" presStyleLbl="node1" presStyleIdx="1" presStyleCnt="3">
-        <dgm:presLayoutVars>
-          <dgm:bulletEnabled val="1"/>
-        </dgm:presLayoutVars>
-      </dgm:prSet>
-      <dgm:spPr/>
-    </dgm:pt>
-    <dgm:pt modelId="{312BDEE8-85BD-4F02-B35B-2CC8E701C98B}" type="pres">
-      <dgm:prSet presAssocID="{0BEF68B8-1228-47BB-83B5-7B9CD1E3F84E}" presName="accent_2" presStyleCnt="0"/>
-      <dgm:spPr/>
-    </dgm:pt>
-    <dgm:pt modelId="{3F8116AC-FAC3-4E95-9865-93CCFEB191B9}" type="pres">
-      <dgm:prSet presAssocID="{0BEF68B8-1228-47BB-83B5-7B9CD1E3F84E}" presName="accentRepeatNode" presStyleLbl="solidFgAcc1" presStyleIdx="1" presStyleCnt="3"/>
-      <dgm:spPr/>
-    </dgm:pt>
-    <dgm:pt modelId="{E131CE4A-9776-44F4-BC03-867682E21374}" type="pres">
-      <dgm:prSet presAssocID="{5605D28D-2CE6-4513-8566-952984E21E14}" presName="text_3" presStyleLbl="node1" presStyleIdx="2" presStyleCnt="3">
-        <dgm:presLayoutVars>
-          <dgm:bulletEnabled val="1"/>
-        </dgm:presLayoutVars>
-      </dgm:prSet>
-      <dgm:spPr/>
-    </dgm:pt>
-    <dgm:pt modelId="{AC9A216A-8375-48F9-A4E6-8E0B64C0209B}" type="pres">
-      <dgm:prSet presAssocID="{5605D28D-2CE6-4513-8566-952984E21E14}" presName="accent_3" presStyleCnt="0"/>
-      <dgm:spPr/>
-    </dgm:pt>
-    <dgm:pt modelId="{A965097E-32F1-4AB8-8C4E-2814A7596B2F}" type="pres">
-      <dgm:prSet presAssocID="{5605D28D-2CE6-4513-8566-952984E21E14}" presName="accentRepeatNode" presStyleLbl="solidFgAcc1" presStyleIdx="2" presStyleCnt="3"/>
-      <dgm:spPr/>
-    </dgm:pt>
-  </dgm:ptLst>
-  <dgm:cxnLst>
-    <dgm:cxn modelId="{A11E3B12-1828-45A7-86C3-BB85832DF84D}" type="presOf" srcId="{CA077D98-8478-47EA-B6A9-99ACE60C64D4}" destId="{D79B43FC-100B-4A0D-A4D5-0D2D04B99064}" srcOrd="0" destOrd="0" presId="urn:microsoft.com/office/officeart/2008/layout/VerticalCurvedList"/>
-    <dgm:cxn modelId="{0B5DAE5F-BCDC-4BF7-A6E7-CF856886A64D}" srcId="{7E5AA53B-3EEE-4DE4-BB81-9044890C2946}" destId="{6750AC01-D39D-4F3A-9DC8-2A211EE986A2}" srcOrd="0" destOrd="0" parTransId="{720680DC-AAA4-4434-A582-60EBCC5BA355}" sibTransId="{CA077D98-8478-47EA-B6A9-99ACE60C64D4}"/>
-    <dgm:cxn modelId="{29DA474E-5DFA-4C66-882F-319C49ABBB19}" type="presOf" srcId="{6750AC01-D39D-4F3A-9DC8-2A211EE986A2}" destId="{58319267-C71E-43C9-94E1-827D0616C7A7}" srcOrd="0" destOrd="0" presId="urn:microsoft.com/office/officeart/2008/layout/VerticalCurvedList"/>
-    <dgm:cxn modelId="{7084AA77-BACB-46CB-AE4A-77B62D3ED1AF}" type="presOf" srcId="{5605D28D-2CE6-4513-8566-952984E21E14}" destId="{E131CE4A-9776-44F4-BC03-867682E21374}" srcOrd="0" destOrd="0" presId="urn:microsoft.com/office/officeart/2008/layout/VerticalCurvedList"/>
-    <dgm:cxn modelId="{EDEF4F82-1237-4639-A0F7-385C1897CE66}" srcId="{7E5AA53B-3EEE-4DE4-BB81-9044890C2946}" destId="{0BEF68B8-1228-47BB-83B5-7B9CD1E3F84E}" srcOrd="1" destOrd="0" parTransId="{ED3A4BC2-B75A-4952-A38B-A42B5995DF05}" sibTransId="{FD949706-EDCC-4ADC-8EDF-8EDA49C92325}"/>
-    <dgm:cxn modelId="{FAF3F884-F0CF-440F-8CB1-B7648AB1B138}" srcId="{7E5AA53B-3EEE-4DE4-BB81-9044890C2946}" destId="{5605D28D-2CE6-4513-8566-952984E21E14}" srcOrd="2" destOrd="0" parTransId="{EB15AB98-362B-4E70-A3DA-995FC3E8BA79}" sibTransId="{823D1971-2C4D-4EC5-A874-2F463DE37109}"/>
-    <dgm:cxn modelId="{4F65CC8F-B5A8-40BE-A32B-05862B543D6A}" type="presOf" srcId="{7E5AA53B-3EEE-4DE4-BB81-9044890C2946}" destId="{57806726-6E60-4ACC-9C1C-7DF9CC365A10}" srcOrd="0" destOrd="0" presId="urn:microsoft.com/office/officeart/2008/layout/VerticalCurvedList"/>
-    <dgm:cxn modelId="{4A378892-5CCC-4F0D-8A38-4BEAECF30F24}" type="presOf" srcId="{0BEF68B8-1228-47BB-83B5-7B9CD1E3F84E}" destId="{95DE6538-27BD-44AF-A1A8-CA8F6B10FDD2}" srcOrd="0" destOrd="0" presId="urn:microsoft.com/office/officeart/2008/layout/VerticalCurvedList"/>
-    <dgm:cxn modelId="{4E25B52E-70EF-4A0F-B410-0B49263AF380}" type="presParOf" srcId="{57806726-6E60-4ACC-9C1C-7DF9CC365A10}" destId="{90561C55-3C6E-4D53-85E1-2C50BCDDA392}" srcOrd="0" destOrd="0" presId="urn:microsoft.com/office/officeart/2008/layout/VerticalCurvedList"/>
-    <dgm:cxn modelId="{2B3DD9E4-EC9C-4B92-B380-F89BF82E7CF3}" type="presParOf" srcId="{90561C55-3C6E-4D53-85E1-2C50BCDDA392}" destId="{B6CD42EC-5AD4-4004-AE5B-47EDA668DAA8}" srcOrd="0" destOrd="0" presId="urn:microsoft.com/office/officeart/2008/layout/VerticalCurvedList"/>
-    <dgm:cxn modelId="{EA357085-80A4-4D1D-9BD2-56B1E9A721FB}" type="presParOf" srcId="{B6CD42EC-5AD4-4004-AE5B-47EDA668DAA8}" destId="{963B8EE3-40CC-4A0A-B420-D0BF920973CE}" srcOrd="0" destOrd="0" presId="urn:microsoft.com/office/officeart/2008/layout/VerticalCurvedList"/>
-    <dgm:cxn modelId="{F175C6D0-411C-40FD-A19B-860D49F42061}" type="presParOf" srcId="{B6CD42EC-5AD4-4004-AE5B-47EDA668DAA8}" destId="{D79B43FC-100B-4A0D-A4D5-0D2D04B99064}" srcOrd="1" destOrd="0" presId="urn:microsoft.com/office/officeart/2008/layout/VerticalCurvedList"/>
-    <dgm:cxn modelId="{794BB944-68C0-47A5-9792-652802EB36AC}" type="presParOf" srcId="{B6CD42EC-5AD4-4004-AE5B-47EDA668DAA8}" destId="{3CAD8DA1-8D53-445C-ACE8-D8449E4F0F55}" srcOrd="2" destOrd="0" presId="urn:microsoft.com/office/officeart/2008/layout/VerticalCurvedList"/>
-    <dgm:cxn modelId="{B8CC75C4-3D1A-49E7-80D2-915668C1368C}" type="presParOf" srcId="{B6CD42EC-5AD4-4004-AE5B-47EDA668DAA8}" destId="{429CABD1-4116-474B-81BF-735E2CA9DD00}" srcOrd="3" destOrd="0" presId="urn:microsoft.com/office/officeart/2008/layout/VerticalCurvedList"/>
-    <dgm:cxn modelId="{28110BB8-F33F-498C-9A75-98364B05EFA5}" type="presParOf" srcId="{90561C55-3C6E-4D53-85E1-2C50BCDDA392}" destId="{58319267-C71E-43C9-94E1-827D0616C7A7}" srcOrd="1" destOrd="0" presId="urn:microsoft.com/office/officeart/2008/layout/VerticalCurvedList"/>
-    <dgm:cxn modelId="{3866F6C9-5521-48F2-B6C3-40C9896E1605}" type="presParOf" srcId="{90561C55-3C6E-4D53-85E1-2C50BCDDA392}" destId="{79F9B8A9-2412-4B74-84A9-69422DB81CDC}" srcOrd="2" destOrd="0" presId="urn:microsoft.com/office/officeart/2008/layout/VerticalCurvedList"/>
-    <dgm:cxn modelId="{D2205A4F-BB7A-4399-BC2F-78E18EC6EAFE}" type="presParOf" srcId="{79F9B8A9-2412-4B74-84A9-69422DB81CDC}" destId="{07CB3071-D555-47DA-A36A-69EB91531FD8}" srcOrd="0" destOrd="0" presId="urn:microsoft.com/office/officeart/2008/layout/VerticalCurvedList"/>
-    <dgm:cxn modelId="{602753E6-8A03-492B-861A-6B9532B5AA28}" type="presParOf" srcId="{90561C55-3C6E-4D53-85E1-2C50BCDDA392}" destId="{95DE6538-27BD-44AF-A1A8-CA8F6B10FDD2}" srcOrd="3" destOrd="0" presId="urn:microsoft.com/office/officeart/2008/layout/VerticalCurvedList"/>
-    <dgm:cxn modelId="{AEC540A3-E86A-4075-8BE4-263F4AFF4EA1}" type="presParOf" srcId="{90561C55-3C6E-4D53-85E1-2C50BCDDA392}" destId="{312BDEE8-85BD-4F02-B35B-2CC8E701C98B}" srcOrd="4" destOrd="0" presId="urn:microsoft.com/office/officeart/2008/layout/VerticalCurvedList"/>
-    <dgm:cxn modelId="{CD5D1014-B7CB-4B47-9A02-5FBF90928A73}" type="presParOf" srcId="{312BDEE8-85BD-4F02-B35B-2CC8E701C98B}" destId="{3F8116AC-FAC3-4E95-9865-93CCFEB191B9}" srcOrd="0" destOrd="0" presId="urn:microsoft.com/office/officeart/2008/layout/VerticalCurvedList"/>
-    <dgm:cxn modelId="{987EB7C0-CA3E-4874-85E0-01E9060A2D35}" type="presParOf" srcId="{90561C55-3C6E-4D53-85E1-2C50BCDDA392}" destId="{E131CE4A-9776-44F4-BC03-867682E21374}" srcOrd="5" destOrd="0" presId="urn:microsoft.com/office/officeart/2008/layout/VerticalCurvedList"/>
-    <dgm:cxn modelId="{91E55363-8DCA-455E-A203-06A9410994CB}" type="presParOf" srcId="{90561C55-3C6E-4D53-85E1-2C50BCDDA392}" destId="{AC9A216A-8375-48F9-A4E6-8E0B64C0209B}" srcOrd="6" destOrd="0" presId="urn:microsoft.com/office/officeart/2008/layout/VerticalCurvedList"/>
-    <dgm:cxn modelId="{D866D586-1293-4049-B6E3-B467C1D5ED64}" type="presParOf" srcId="{AC9A216A-8375-48F9-A4E6-8E0B64C0209B}" destId="{A965097E-32F1-4AB8-8C4E-2814A7596B2F}" srcOrd="0" destOrd="0" presId="urn:microsoft.com/office/officeart/2008/layout/VerticalCurvedList"/>
-  </dgm:cxnLst>
-  <dgm:bg/>
-  <dgm:whole/>
-  <dgm:extLst>
-    <a:ext uri="http://schemas.microsoft.com/office/drawing/2008/diagram">
-      <dsp:dataModelExt xmlns:dsp="http://schemas.microsoft.com/office/drawing/2008/diagram" relId="rId8" minVer="http://schemas.openxmlformats.org/drawingml/2006/diagram"/>
     </a:ext>
   </dgm:extLst>
 </dgm:dataModel>
@@ -2519,480 +1519,6 @@
 </dsp:drawing>
 </file>
 
-<file path=ppt/diagrams/drawing2.xml><?xml version="1.0" encoding="utf-8"?>
-<dsp:drawing xmlns:dgm="http://schemas.openxmlformats.org/drawingml/2006/diagram" xmlns:dsp="http://schemas.microsoft.com/office/drawing/2008/diagram" xmlns:a="http://schemas.openxmlformats.org/drawingml/2006/main">
-  <dsp:spTree>
-    <dsp:nvGrpSpPr>
-      <dsp:cNvPr id="0" name=""/>
-      <dsp:cNvGrpSpPr/>
-    </dsp:nvGrpSpPr>
-    <dsp:grpSpPr/>
-    <dsp:sp modelId="{D79B43FC-100B-4A0D-A4D5-0D2D04B99064}">
-      <dsp:nvSpPr>
-        <dsp:cNvPr id="0" name=""/>
-        <dsp:cNvSpPr/>
-      </dsp:nvSpPr>
-      <dsp:spPr>
-        <a:xfrm>
-          <a:off x="-4028574" y="-618397"/>
-          <a:ext cx="4800732" cy="4800732"/>
-        </a:xfrm>
-        <a:prstGeom prst="blockArc">
-          <a:avLst>
-            <a:gd name="adj1" fmla="val 18900000"/>
-            <a:gd name="adj2" fmla="val 2700000"/>
-            <a:gd name="adj3" fmla="val 450"/>
-          </a:avLst>
-        </a:prstGeom>
-        <a:noFill/>
-        <a:ln w="12700" cap="rnd" cmpd="sng" algn="ctr">
-          <a:solidFill>
-            <a:schemeClr val="accent2">
-              <a:shade val="60000"/>
-              <a:hueOff val="0"/>
-              <a:satOff val="0"/>
-              <a:lumOff val="0"/>
-              <a:alphaOff val="0"/>
-            </a:schemeClr>
-          </a:solidFill>
-          <a:prstDash val="solid"/>
-        </a:ln>
-        <a:effectLst/>
-      </dsp:spPr>
-      <dsp:style>
-        <a:lnRef idx="1">
-          <a:scrgbClr r="0" g="0" b="0"/>
-        </a:lnRef>
-        <a:fillRef idx="0">
-          <a:scrgbClr r="0" g="0" b="0"/>
-        </a:fillRef>
-        <a:effectRef idx="0">
-          <a:scrgbClr r="0" g="0" b="0"/>
-        </a:effectRef>
-        <a:fontRef idx="minor"/>
-      </dsp:style>
-    </dsp:sp>
-    <dsp:sp modelId="{58319267-C71E-43C9-94E1-827D0616C7A7}">
-      <dsp:nvSpPr>
-        <dsp:cNvPr id="0" name=""/>
-        <dsp:cNvSpPr/>
-      </dsp:nvSpPr>
-      <dsp:spPr>
-        <a:xfrm>
-          <a:off x="496568" y="356393"/>
-          <a:ext cx="6310391" cy="712787"/>
-        </a:xfrm>
-        <a:prstGeom prst="rect">
-          <a:avLst/>
-        </a:prstGeom>
-        <a:gradFill rotWithShape="0">
-          <a:gsLst>
-            <a:gs pos="0">
-              <a:schemeClr val="accent2">
-                <a:hueOff val="0"/>
-                <a:satOff val="0"/>
-                <a:lumOff val="0"/>
-                <a:alphaOff val="0"/>
-                <a:tint val="98000"/>
-                <a:lumMod val="110000"/>
-              </a:schemeClr>
-            </a:gs>
-            <a:gs pos="84000">
-              <a:schemeClr val="accent2">
-                <a:hueOff val="0"/>
-                <a:satOff val="0"/>
-                <a:lumOff val="0"/>
-                <a:alphaOff val="0"/>
-                <a:shade val="90000"/>
-                <a:lumMod val="88000"/>
-              </a:schemeClr>
-            </a:gs>
-          </a:gsLst>
-          <a:lin ang="5400000" scaled="0"/>
-        </a:gradFill>
-        <a:ln>
-          <a:noFill/>
-        </a:ln>
-        <a:effectLst>
-          <a:outerShdw blurRad="38100" dist="25400" dir="5400000" rotWithShape="0">
-            <a:srgbClr val="000000">
-              <a:alpha val="55000"/>
-            </a:srgbClr>
-          </a:outerShdw>
-        </a:effectLst>
-      </dsp:spPr>
-      <dsp:style>
-        <a:lnRef idx="0">
-          <a:scrgbClr r="0" g="0" b="0"/>
-        </a:lnRef>
-        <a:fillRef idx="3">
-          <a:scrgbClr r="0" g="0" b="0"/>
-        </a:fillRef>
-        <a:effectRef idx="2">
-          <a:scrgbClr r="0" g="0" b="0"/>
-        </a:effectRef>
-        <a:fontRef idx="minor">
-          <a:schemeClr val="lt1"/>
-        </a:fontRef>
-      </dsp:style>
-      <dsp:txBody>
-        <a:bodyPr spcFirstLastPara="0" vert="horz" wrap="square" lIns="565775" tIns="88900" rIns="88900" bIns="88900" numCol="1" spcCol="1270" anchor="ctr" anchorCtr="0">
-          <a:noAutofit/>
-        </a:bodyPr>
-        <a:lstStyle/>
-        <a:p>
-          <a:pPr marL="0" lvl="0" indent="0" algn="l" defTabSz="1555750">
-            <a:lnSpc>
-              <a:spcPct val="100000"/>
-            </a:lnSpc>
-            <a:spcBef>
-              <a:spcPct val="0"/>
-            </a:spcBef>
-            <a:spcAft>
-              <a:spcPct val="35000"/>
-            </a:spcAft>
-            <a:buNone/>
-          </a:pPr>
-          <a:r>
-            <a:rPr lang="en-US" sz="3500" kern="1200" dirty="0"/>
-            <a:t>Cloud	</a:t>
-          </a:r>
-        </a:p>
-      </dsp:txBody>
-      <dsp:txXfrm>
-        <a:off x="496568" y="356393"/>
-        <a:ext cx="6310391" cy="712787"/>
-      </dsp:txXfrm>
-    </dsp:sp>
-    <dsp:sp modelId="{07CB3071-D555-47DA-A36A-69EB91531FD8}">
-      <dsp:nvSpPr>
-        <dsp:cNvPr id="0" name=""/>
-        <dsp:cNvSpPr/>
-      </dsp:nvSpPr>
-      <dsp:spPr>
-        <a:xfrm>
-          <a:off x="51076" y="267295"/>
-          <a:ext cx="890984" cy="890984"/>
-        </a:xfrm>
-        <a:prstGeom prst="ellipse">
-          <a:avLst/>
-        </a:prstGeom>
-        <a:solidFill>
-          <a:schemeClr val="lt1">
-            <a:hueOff val="0"/>
-            <a:satOff val="0"/>
-            <a:lumOff val="0"/>
-            <a:alphaOff val="0"/>
-          </a:schemeClr>
-        </a:solidFill>
-        <a:ln w="12700" cap="rnd" cmpd="sng" algn="ctr">
-          <a:solidFill>
-            <a:schemeClr val="accent2">
-              <a:hueOff val="0"/>
-              <a:satOff val="0"/>
-              <a:lumOff val="0"/>
-              <a:alphaOff val="0"/>
-            </a:schemeClr>
-          </a:solidFill>
-          <a:prstDash val="solid"/>
-        </a:ln>
-        <a:effectLst/>
-      </dsp:spPr>
-      <dsp:style>
-        <a:lnRef idx="1">
-          <a:scrgbClr r="0" g="0" b="0"/>
-        </a:lnRef>
-        <a:fillRef idx="1">
-          <a:scrgbClr r="0" g="0" b="0"/>
-        </a:fillRef>
-        <a:effectRef idx="0">
-          <a:scrgbClr r="0" g="0" b="0"/>
-        </a:effectRef>
-        <a:fontRef idx="minor"/>
-      </dsp:style>
-    </dsp:sp>
-    <dsp:sp modelId="{95DE6538-27BD-44AF-A1A8-CA8F6B10FDD2}">
-      <dsp:nvSpPr>
-        <dsp:cNvPr id="0" name=""/>
-        <dsp:cNvSpPr/>
-      </dsp:nvSpPr>
-      <dsp:spPr>
-        <a:xfrm>
-          <a:off x="755666" y="1425575"/>
-          <a:ext cx="6051292" cy="712787"/>
-        </a:xfrm>
-        <a:prstGeom prst="rect">
-          <a:avLst/>
-        </a:prstGeom>
-        <a:gradFill rotWithShape="0">
-          <a:gsLst>
-            <a:gs pos="0">
-              <a:schemeClr val="accent2">
-                <a:hueOff val="0"/>
-                <a:satOff val="0"/>
-                <a:lumOff val="0"/>
-                <a:alphaOff val="0"/>
-                <a:tint val="98000"/>
-                <a:lumMod val="110000"/>
-              </a:schemeClr>
-            </a:gs>
-            <a:gs pos="84000">
-              <a:schemeClr val="accent2">
-                <a:hueOff val="0"/>
-                <a:satOff val="0"/>
-                <a:lumOff val="0"/>
-                <a:alphaOff val="0"/>
-                <a:shade val="90000"/>
-                <a:lumMod val="88000"/>
-              </a:schemeClr>
-            </a:gs>
-          </a:gsLst>
-          <a:lin ang="5400000" scaled="0"/>
-        </a:gradFill>
-        <a:ln>
-          <a:noFill/>
-        </a:ln>
-        <a:effectLst>
-          <a:outerShdw blurRad="38100" dist="25400" dir="5400000" rotWithShape="0">
-            <a:srgbClr val="000000">
-              <a:alpha val="55000"/>
-            </a:srgbClr>
-          </a:outerShdw>
-        </a:effectLst>
-      </dsp:spPr>
-      <dsp:style>
-        <a:lnRef idx="0">
-          <a:scrgbClr r="0" g="0" b="0"/>
-        </a:lnRef>
-        <a:fillRef idx="3">
-          <a:scrgbClr r="0" g="0" b="0"/>
-        </a:fillRef>
-        <a:effectRef idx="2">
-          <a:scrgbClr r="0" g="0" b="0"/>
-        </a:effectRef>
-        <a:fontRef idx="minor">
-          <a:schemeClr val="lt1"/>
-        </a:fontRef>
-      </dsp:style>
-      <dsp:txBody>
-        <a:bodyPr spcFirstLastPara="0" vert="horz" wrap="square" lIns="565775" tIns="88900" rIns="88900" bIns="88900" numCol="1" spcCol="1270" anchor="ctr" anchorCtr="0">
-          <a:noAutofit/>
-        </a:bodyPr>
-        <a:lstStyle/>
-        <a:p>
-          <a:pPr marL="0" lvl="0" indent="0" algn="l" defTabSz="1555750">
-            <a:lnSpc>
-              <a:spcPct val="100000"/>
-            </a:lnSpc>
-            <a:spcBef>
-              <a:spcPct val="0"/>
-            </a:spcBef>
-            <a:spcAft>
-              <a:spcPct val="35000"/>
-            </a:spcAft>
-            <a:buNone/>
-          </a:pPr>
-          <a:r>
-            <a:rPr lang="en-US" sz="3500" kern="1200" dirty="0"/>
-            <a:t>Local</a:t>
-          </a:r>
-        </a:p>
-      </dsp:txBody>
-      <dsp:txXfrm>
-        <a:off x="755666" y="1425575"/>
-        <a:ext cx="6051292" cy="712787"/>
-      </dsp:txXfrm>
-    </dsp:sp>
-    <dsp:sp modelId="{3F8116AC-FAC3-4E95-9865-93CCFEB191B9}">
-      <dsp:nvSpPr>
-        <dsp:cNvPr id="0" name=""/>
-        <dsp:cNvSpPr/>
-      </dsp:nvSpPr>
-      <dsp:spPr>
-        <a:xfrm>
-          <a:off x="310174" y="1336476"/>
-          <a:ext cx="890984" cy="890984"/>
-        </a:xfrm>
-        <a:prstGeom prst="ellipse">
-          <a:avLst/>
-        </a:prstGeom>
-        <a:solidFill>
-          <a:schemeClr val="lt1">
-            <a:hueOff val="0"/>
-            <a:satOff val="0"/>
-            <a:lumOff val="0"/>
-            <a:alphaOff val="0"/>
-          </a:schemeClr>
-        </a:solidFill>
-        <a:ln w="12700" cap="rnd" cmpd="sng" algn="ctr">
-          <a:solidFill>
-            <a:schemeClr val="accent2">
-              <a:hueOff val="0"/>
-              <a:satOff val="0"/>
-              <a:lumOff val="0"/>
-              <a:alphaOff val="0"/>
-            </a:schemeClr>
-          </a:solidFill>
-          <a:prstDash val="solid"/>
-        </a:ln>
-        <a:effectLst/>
-      </dsp:spPr>
-      <dsp:style>
-        <a:lnRef idx="1">
-          <a:scrgbClr r="0" g="0" b="0"/>
-        </a:lnRef>
-        <a:fillRef idx="1">
-          <a:scrgbClr r="0" g="0" b="0"/>
-        </a:fillRef>
-        <a:effectRef idx="0">
-          <a:scrgbClr r="0" g="0" b="0"/>
-        </a:effectRef>
-        <a:fontRef idx="minor"/>
-      </dsp:style>
-    </dsp:sp>
-    <dsp:sp modelId="{E131CE4A-9776-44F4-BC03-867682E21374}">
-      <dsp:nvSpPr>
-        <dsp:cNvPr id="0" name=""/>
-        <dsp:cNvSpPr/>
-      </dsp:nvSpPr>
-      <dsp:spPr>
-        <a:xfrm>
-          <a:off x="496568" y="2494756"/>
-          <a:ext cx="6310391" cy="712787"/>
-        </a:xfrm>
-        <a:prstGeom prst="rect">
-          <a:avLst/>
-        </a:prstGeom>
-        <a:gradFill rotWithShape="0">
-          <a:gsLst>
-            <a:gs pos="0">
-              <a:schemeClr val="accent2">
-                <a:hueOff val="0"/>
-                <a:satOff val="0"/>
-                <a:lumOff val="0"/>
-                <a:alphaOff val="0"/>
-                <a:tint val="98000"/>
-                <a:lumMod val="110000"/>
-              </a:schemeClr>
-            </a:gs>
-            <a:gs pos="84000">
-              <a:schemeClr val="accent2">
-                <a:hueOff val="0"/>
-                <a:satOff val="0"/>
-                <a:lumOff val="0"/>
-                <a:alphaOff val="0"/>
-                <a:shade val="90000"/>
-                <a:lumMod val="88000"/>
-              </a:schemeClr>
-            </a:gs>
-          </a:gsLst>
-          <a:lin ang="5400000" scaled="0"/>
-        </a:gradFill>
-        <a:ln>
-          <a:noFill/>
-        </a:ln>
-        <a:effectLst>
-          <a:outerShdw blurRad="38100" dist="25400" dir="5400000" rotWithShape="0">
-            <a:srgbClr val="000000">
-              <a:alpha val="55000"/>
-            </a:srgbClr>
-          </a:outerShdw>
-        </a:effectLst>
-      </dsp:spPr>
-      <dsp:style>
-        <a:lnRef idx="0">
-          <a:scrgbClr r="0" g="0" b="0"/>
-        </a:lnRef>
-        <a:fillRef idx="3">
-          <a:scrgbClr r="0" g="0" b="0"/>
-        </a:fillRef>
-        <a:effectRef idx="2">
-          <a:scrgbClr r="0" g="0" b="0"/>
-        </a:effectRef>
-        <a:fontRef idx="minor">
-          <a:schemeClr val="lt1"/>
-        </a:fontRef>
-      </dsp:style>
-      <dsp:txBody>
-        <a:bodyPr spcFirstLastPara="0" vert="horz" wrap="square" lIns="565775" tIns="88900" rIns="88900" bIns="88900" numCol="1" spcCol="1270" anchor="ctr" anchorCtr="0">
-          <a:noAutofit/>
-        </a:bodyPr>
-        <a:lstStyle/>
-        <a:p>
-          <a:pPr marL="0" lvl="0" indent="0" algn="l" defTabSz="1555750">
-            <a:lnSpc>
-              <a:spcPct val="100000"/>
-            </a:lnSpc>
-            <a:spcBef>
-              <a:spcPct val="0"/>
-            </a:spcBef>
-            <a:spcAft>
-              <a:spcPct val="35000"/>
-            </a:spcAft>
-            <a:buNone/>
-          </a:pPr>
-          <a:r>
-            <a:rPr lang="en-US" sz="3500" kern="1200" dirty="0"/>
-            <a:t>Hybrid</a:t>
-          </a:r>
-        </a:p>
-      </dsp:txBody>
-      <dsp:txXfrm>
-        <a:off x="496568" y="2494756"/>
-        <a:ext cx="6310391" cy="712787"/>
-      </dsp:txXfrm>
-    </dsp:sp>
-    <dsp:sp modelId="{A965097E-32F1-4AB8-8C4E-2814A7596B2F}">
-      <dsp:nvSpPr>
-        <dsp:cNvPr id="0" name=""/>
-        <dsp:cNvSpPr/>
-      </dsp:nvSpPr>
-      <dsp:spPr>
-        <a:xfrm>
-          <a:off x="51076" y="2405658"/>
-          <a:ext cx="890984" cy="890984"/>
-        </a:xfrm>
-        <a:prstGeom prst="ellipse">
-          <a:avLst/>
-        </a:prstGeom>
-        <a:solidFill>
-          <a:schemeClr val="lt1">
-            <a:hueOff val="0"/>
-            <a:satOff val="0"/>
-            <a:lumOff val="0"/>
-            <a:alphaOff val="0"/>
-          </a:schemeClr>
-        </a:solidFill>
-        <a:ln w="12700" cap="rnd" cmpd="sng" algn="ctr">
-          <a:solidFill>
-            <a:schemeClr val="accent2">
-              <a:hueOff val="0"/>
-              <a:satOff val="0"/>
-              <a:lumOff val="0"/>
-              <a:alphaOff val="0"/>
-            </a:schemeClr>
-          </a:solidFill>
-          <a:prstDash val="solid"/>
-        </a:ln>
-        <a:effectLst/>
-      </dsp:spPr>
-      <dsp:style>
-        <a:lnRef idx="1">
-          <a:scrgbClr r="0" g="0" b="0"/>
-        </a:lnRef>
-        <a:fillRef idx="1">
-          <a:scrgbClr r="0" g="0" b="0"/>
-        </a:fillRef>
-        <a:effectRef idx="0">
-          <a:scrgbClr r="0" g="0" b="0"/>
-        </a:effectRef>
-        <a:fontRef idx="minor"/>
-      </dsp:style>
-    </dsp:sp>
-  </dsp:spTree>
-</dsp:drawing>
-</file>
-
 <file path=ppt/diagrams/layout1.xml><?xml version="1.0" encoding="utf-8"?>
 <dgm:layoutDef xmlns:dgm="http://schemas.openxmlformats.org/drawingml/2006/diagram" xmlns:a="http://schemas.openxmlformats.org/drawingml/2006/main" uniqueId="urn:microsoft.com/office/officeart/2018/2/layout/IconLabelList">
   <dgm:title val="Icon Label List"/>
@@ -3183,1284 +1709,6 @@
 </dgm:layoutDef>
 </file>
 
-<file path=ppt/diagrams/layout2.xml><?xml version="1.0" encoding="utf-8"?>
-<dgm:layoutDef xmlns:dgm="http://schemas.openxmlformats.org/drawingml/2006/diagram" xmlns:a="http://schemas.openxmlformats.org/drawingml/2006/main" uniqueId="urn:microsoft.com/office/officeart/2008/layout/VerticalCurvedList">
-  <dgm:title val=""/>
-  <dgm:desc val=""/>
-  <dgm:catLst>
-    <dgm:cat type="list" pri="20000"/>
-  </dgm:catLst>
-  <dgm:sampData>
-    <dgm:dataModel>
-      <dgm:ptLst>
-        <dgm:pt modelId="0" type="doc"/>
-        <dgm:pt modelId="1">
-          <dgm:prSet phldr="1"/>
-        </dgm:pt>
-        <dgm:pt modelId="2">
-          <dgm:prSet phldr="1"/>
-        </dgm:pt>
-        <dgm:pt modelId="3">
-          <dgm:prSet phldr="1"/>
-        </dgm:pt>
-      </dgm:ptLst>
-      <dgm:cxnLst>
-        <dgm:cxn modelId="4" srcId="0" destId="1" srcOrd="0" destOrd="0"/>
-        <dgm:cxn modelId="5" srcId="0" destId="2" srcOrd="1" destOrd="0"/>
-        <dgm:cxn modelId="6" srcId="0" destId="3" srcOrd="2" destOrd="0"/>
-      </dgm:cxnLst>
-      <dgm:bg/>
-      <dgm:whole/>
-    </dgm:dataModel>
-  </dgm:sampData>
-  <dgm:styleData>
-    <dgm:dataModel>
-      <dgm:ptLst>
-        <dgm:pt modelId="0" type="doc"/>
-        <dgm:pt modelId="1">
-          <dgm:prSet phldr="1"/>
-        </dgm:pt>
-        <dgm:pt modelId="2">
-          <dgm:prSet phldr="1"/>
-        </dgm:pt>
-      </dgm:ptLst>
-      <dgm:cxnLst>
-        <dgm:cxn modelId="3" srcId="0" destId="1" srcOrd="0" destOrd="0"/>
-        <dgm:cxn modelId="4" srcId="0" destId="2" srcOrd="1" destOrd="0"/>
-      </dgm:cxnLst>
-      <dgm:bg/>
-      <dgm:whole/>
-    </dgm:dataModel>
-  </dgm:styleData>
-  <dgm:clrData>
-    <dgm:dataModel>
-      <dgm:ptLst>
-        <dgm:pt modelId="0" type="doc"/>
-        <dgm:pt modelId="1">
-          <dgm:prSet phldr="1"/>
-        </dgm:pt>
-        <dgm:pt modelId="2">
-          <dgm:prSet phldr="1"/>
-        </dgm:pt>
-        <dgm:pt modelId="3">
-          <dgm:prSet phldr="1"/>
-        </dgm:pt>
-        <dgm:pt modelId="4">
-          <dgm:prSet phldr="1"/>
-        </dgm:pt>
-      </dgm:ptLst>
-      <dgm:cxnLst>
-        <dgm:cxn modelId="5" srcId="0" destId="1" srcOrd="0" destOrd="0"/>
-        <dgm:cxn modelId="6" srcId="0" destId="2" srcOrd="1" destOrd="0"/>
-        <dgm:cxn modelId="7" srcId="0" destId="3" srcOrd="2" destOrd="0"/>
-        <dgm:cxn modelId="8" srcId="0" destId="4" srcOrd="3" destOrd="0"/>
-      </dgm:cxnLst>
-      <dgm:bg/>
-      <dgm:whole/>
-    </dgm:dataModel>
-  </dgm:clrData>
-  <dgm:layoutNode name="Name0">
-    <dgm:varLst>
-      <dgm:chMax val="7"/>
-      <dgm:chPref val="7"/>
-      <dgm:dir/>
-    </dgm:varLst>
-    <dgm:alg type="composite"/>
-    <dgm:shape xmlns:r="http://schemas.openxmlformats.org/officeDocument/2006/relationships" r:blip="">
-      <dgm:adjLst/>
-    </dgm:shape>
-    <dgm:constrLst>
-      <dgm:constr type="w" for="ch" refType="h" refFor="ch" op="gte" fact="0.8"/>
-    </dgm:constrLst>
-    <dgm:layoutNode name="Name1">
-      <dgm:alg type="composite"/>
-      <dgm:shape xmlns:r="http://schemas.openxmlformats.org/officeDocument/2006/relationships" r:blip="">
-        <dgm:adjLst/>
-      </dgm:shape>
-      <dgm:choose name="Name2">
-        <dgm:if name="Name3" func="var" arg="dir" op="equ" val="norm">
-          <dgm:choose name="Name4">
-            <dgm:if name="Name5" axis="ch" ptType="node" func="cnt" op="equ" val="1">
-              <dgm:constrLst>
-                <dgm:constr type="h" for="ch" forName="cycle" refType="h"/>
-                <dgm:constr type="w" for="ch" forName="cycle" refType="h" refFor="ch" refForName="cycle" fact="0.26"/>
-                <dgm:constr type="l" for="ch" forName="cycle"/>
-                <dgm:constr type="ctrY" for="ch" forName="cycle" refType="h" fact="0.5"/>
-                <dgm:constr type="diam" for="ch" forName="cycle" refType="h" fact="1.344"/>
-                <dgm:constr type="h" for="ch" forName="accent_1" refType="h" fact="0.625"/>
-                <dgm:constr type="w" for="ch" forName="accent_1" refType="h" refFor="ch" refForName="accent_1" op="equ"/>
-                <dgm:constr type="ctrY" for="ch" forName="accent_1" refType="h" fact="0.5"/>
-                <dgm:constr type="ctrX" for="ch" forName="accent_1" refType="h" fact="0.2253"/>
-                <dgm:constr type="l" for="ch" forName="text_1" refType="ctrX" refFor="ch" refForName="accent_1"/>
-                <dgm:constr type="r" for="ch" forName="text_1" refType="w"/>
-                <dgm:constr type="w" for="ch" forName="text_1" refType="h" refFor="ch" refForName="text_1" op="gte"/>
-                <dgm:constr type="h" for="ch" forName="text_1" refType="h" refFor="ch" refForName="accent_1" fact="0.8"/>
-                <dgm:constr type="ctrY" for="ch" forName="text_1" refType="ctrY" refFor="ch" refForName="accent_1"/>
-                <dgm:constr type="lMarg" for="ch" forName="text_1" refType="w" refFor="ch" refForName="accent_1" fact="1.8"/>
-                <dgm:constr type="primFontSz" for="ch" ptType="node" op="equ" val="65"/>
-              </dgm:constrLst>
-            </dgm:if>
-            <dgm:if name="Name6" axis="ch" ptType="node" func="cnt" op="equ" val="2">
-              <dgm:constrLst>
-                <dgm:constr type="h" for="ch" forName="cycle" refType="h"/>
-                <dgm:constr type="w" for="ch" forName="cycle" refType="h" refFor="ch" refForName="cycle" fact="0.26"/>
-                <dgm:constr type="l" for="ch" forName="cycle"/>
-                <dgm:constr type="ctrY" for="ch" forName="cycle" refType="h" fact="0.5"/>
-                <dgm:constr type="diam" for="ch" forName="cycle" refType="h" fact="1.344"/>
-                <dgm:constr type="h" for="ch" forName="accent_1" refType="h" fact="0.3571"/>
-                <dgm:constr type="w" for="ch" forName="accent_1" refType="h" refFor="ch" refForName="accent_1" op="equ"/>
-                <dgm:constr type="ctrY" for="ch" forName="accent_1" refType="h" fact="0.2857"/>
-                <dgm:constr type="ctrX" for="ch" forName="accent_1" refType="h" fact="0.1891"/>
-                <dgm:constr type="l" for="ch" forName="text_1" refType="ctrX" refFor="ch" refForName="accent_1"/>
-                <dgm:constr type="r" for="ch" forName="text_1" refType="w"/>
-                <dgm:constr type="w" for="ch" forName="text_1" refType="h" refFor="ch" refForName="text_1" op="gte"/>
-                <dgm:constr type="h" for="ch" forName="text_1" refType="h" refFor="ch" refForName="accent_1" fact="0.8"/>
-                <dgm:constr type="ctrY" for="ch" forName="text_1" refType="ctrY" refFor="ch" refForName="accent_1"/>
-                <dgm:constr type="lMarg" for="ch" forName="text_1" refType="w" refFor="ch" refForName="accent_1" fact="1.8"/>
-                <dgm:constr type="h" for="ch" forName="accent_2" refType="h" fact="0.3571"/>
-                <dgm:constr type="w" for="ch" forName="accent_2" refType="h" refFor="ch" refForName="accent_2" op="equ"/>
-                <dgm:constr type="ctrY" for="ch" forName="accent_2" refType="h" fact="0.7143"/>
-                <dgm:constr type="ctrX" for="ch" forName="accent_2" refType="h" fact="0.1891"/>
-                <dgm:constr type="l" for="ch" forName="text_2" refType="ctrX" refFor="ch" refForName="accent_2"/>
-                <dgm:constr type="r" for="ch" forName="text_2" refType="w"/>
-                <dgm:constr type="w" for="ch" forName="text_2" refType="h" refFor="ch" refForName="text_2" op="gte"/>
-                <dgm:constr type="h" for="ch" forName="text_2" refType="h" refFor="ch" refForName="accent_2" fact="0.8"/>
-                <dgm:constr type="ctrY" for="ch" forName="text_2" refType="ctrY" refFor="ch" refForName="accent_2"/>
-                <dgm:constr type="lMarg" for="ch" forName="text_2" refType="w" refFor="ch" refForName="accent_2" fact="1.8"/>
-                <dgm:constr type="primFontSz" for="ch" ptType="node" op="equ" val="65"/>
-              </dgm:constrLst>
-            </dgm:if>
-            <dgm:if name="Name7" axis="ch" ptType="node" func="cnt" op="equ" val="3">
-              <dgm:constrLst>
-                <dgm:constr type="h" for="ch" forName="cycle" refType="h"/>
-                <dgm:constr type="w" for="ch" forName="cycle" refType="h" refFor="ch" refForName="cycle" fact="0.26"/>
-                <dgm:constr type="l" for="ch" forName="cycle"/>
-                <dgm:constr type="ctrY" for="ch" forName="cycle" refType="h" fact="0.5"/>
-                <dgm:constr type="diam" for="ch" forName="cycle" refType="h" fact="1.344"/>
-                <dgm:constr type="h" for="ch" forName="accent_1" refType="h" fact="0.25"/>
-                <dgm:constr type="w" for="ch" forName="accent_1" refType="h" refFor="ch" refForName="accent_1" op="equ"/>
-                <dgm:constr type="ctrY" for="ch" forName="accent_1" refType="h" fact="0.2"/>
-                <dgm:constr type="ctrX" for="ch" forName="accent_1" refType="h" fact="0.1526"/>
-                <dgm:constr type="l" for="ch" forName="text_1" refType="ctrX" refFor="ch" refForName="accent_1"/>
-                <dgm:constr type="r" for="ch" forName="text_1" refType="w"/>
-                <dgm:constr type="w" for="ch" forName="text_1" refType="h" refFor="ch" refForName="text_1" op="gte"/>
-                <dgm:constr type="h" for="ch" forName="text_1" refType="h" refFor="ch" refForName="accent_1" fact="0.8"/>
-                <dgm:constr type="ctrY" for="ch" forName="text_1" refType="ctrY" refFor="ch" refForName="accent_1"/>
-                <dgm:constr type="lMarg" for="ch" forName="text_1" refType="w" refFor="ch" refForName="accent_1" fact="1.8"/>
-                <dgm:constr type="h" for="ch" forName="accent_2" refType="h" fact="0.25"/>
-                <dgm:constr type="w" for="ch" forName="accent_2" refType="h" refFor="ch" refForName="accent_2" op="equ"/>
-                <dgm:constr type="ctrY" for="ch" forName="accent_2" refType="h" fact="0.5"/>
-                <dgm:constr type="ctrX" for="ch" forName="accent_2" refType="h" fact="0.2253"/>
-                <dgm:constr type="l" for="ch" forName="text_2" refType="ctrX" refFor="ch" refForName="accent_2"/>
-                <dgm:constr type="r" for="ch" forName="text_2" refType="w"/>
-                <dgm:constr type="w" for="ch" forName="text_2" refType="h" refFor="ch" refForName="text_2" op="gte"/>
-                <dgm:constr type="h" for="ch" forName="text_2" refType="h" refFor="ch" refForName="accent_2" fact="0.8"/>
-                <dgm:constr type="ctrY" for="ch" forName="text_2" refType="ctrY" refFor="ch" refForName="accent_2"/>
-                <dgm:constr type="lMarg" for="ch" forName="text_2" refType="w" refFor="ch" refForName="accent_2" fact="1.8"/>
-                <dgm:constr type="h" for="ch" forName="accent_3" refType="h" fact="0.25"/>
-                <dgm:constr type="w" for="ch" forName="accent_3" refType="h" refFor="ch" refForName="accent_3" op="equ"/>
-                <dgm:constr type="ctrY" for="ch" forName="accent_3" refType="h" fact="0.8"/>
-                <dgm:constr type="ctrX" for="ch" forName="accent_3" refType="h" fact="0.1526"/>
-                <dgm:constr type="l" for="ch" forName="text_3" refType="ctrX" refFor="ch" refForName="accent_3"/>
-                <dgm:constr type="r" for="ch" forName="text_3" refType="w"/>
-                <dgm:constr type="w" for="ch" forName="text_3" refType="h" refFor="ch" refForName="text_3" op="gte"/>
-                <dgm:constr type="h" for="ch" forName="text_3" refType="h" refFor="ch" refForName="accent_3" fact="0.8"/>
-                <dgm:constr type="ctrY" for="ch" forName="text_3" refType="ctrY" refFor="ch" refForName="accent_3"/>
-                <dgm:constr type="lMarg" for="ch" forName="text_3" refType="w" refFor="ch" refForName="accent_3" fact="1.8"/>
-                <dgm:constr type="primFontSz" for="ch" ptType="node" op="equ" val="65"/>
-              </dgm:constrLst>
-            </dgm:if>
-            <dgm:if name="Name8" axis="ch" ptType="node" func="cnt" op="equ" val="4">
-              <dgm:constrLst>
-                <dgm:constr type="h" for="ch" forName="cycle" refType="h"/>
-                <dgm:constr type="w" for="ch" forName="cycle" refType="h" refFor="ch" refForName="cycle" fact="0.26"/>
-                <dgm:constr type="l" for="ch" forName="cycle"/>
-                <dgm:constr type="ctrY" for="ch" forName="cycle" refType="h" fact="0.5"/>
-                <dgm:constr type="diam" for="ch" forName="cycle" refType="h" fact="1.344"/>
-                <dgm:constr type="h" for="ch" forName="accent_1" refType="h" fact="0.1923"/>
-                <dgm:constr type="w" for="ch" forName="accent_1" refType="h" refFor="ch" refForName="accent_1" op="equ"/>
-                <dgm:constr type="ctrY" for="ch" forName="accent_1" refType="h" fact="0.1538"/>
-                <dgm:constr type="ctrX" for="ch" forName="accent_1" refType="h" fact="0.1268"/>
-                <dgm:constr type="l" for="ch" forName="text_1" refType="ctrX" refFor="ch" refForName="accent_1"/>
-                <dgm:constr type="r" for="ch" forName="text_1" refType="w"/>
-                <dgm:constr type="w" for="ch" forName="text_1" refType="h" refFor="ch" refForName="text_1" op="gte"/>
-                <dgm:constr type="h" for="ch" forName="text_1" refType="h" refFor="ch" refForName="accent_1" fact="0.8"/>
-                <dgm:constr type="ctrY" for="ch" forName="text_1" refType="ctrY" refFor="ch" refForName="accent_1"/>
-                <dgm:constr type="lMarg" for="ch" forName="text_1" refType="w" refFor="ch" refForName="accent_1" fact="1.8"/>
-                <dgm:constr type="h" for="ch" forName="accent_2" refType="h" fact="0.1923"/>
-                <dgm:constr type="w" for="ch" forName="accent_2" refType="h" refFor="ch" refForName="accent_2" op="equ"/>
-                <dgm:constr type="ctrY" for="ch" forName="accent_2" refType="h" fact="0.3846"/>
-                <dgm:constr type="ctrX" for="ch" forName="accent_2" refType="h" fact="0.215"/>
-                <dgm:constr type="l" for="ch" forName="text_2" refType="ctrX" refFor="ch" refForName="accent_2"/>
-                <dgm:constr type="r" for="ch" forName="text_2" refType="w"/>
-                <dgm:constr type="w" for="ch" forName="text_2" refType="h" refFor="ch" refForName="text_2" op="gte"/>
-                <dgm:constr type="h" for="ch" forName="text_2" refType="h" refFor="ch" refForName="accent_2" fact="0.8"/>
-                <dgm:constr type="ctrY" for="ch" forName="text_2" refType="ctrY" refFor="ch" refForName="accent_2"/>
-                <dgm:constr type="lMarg" for="ch" forName="text_2" refType="w" refFor="ch" refForName="accent_2" fact="1.8"/>
-                <dgm:constr type="h" for="ch" forName="accent_3" refType="h" fact="0.1923"/>
-                <dgm:constr type="w" for="ch" forName="accent_3" refType="h" refFor="ch" refForName="accent_3" op="equ"/>
-                <dgm:constr type="ctrY" for="ch" forName="accent_3" refType="h" fact="0.6154"/>
-                <dgm:constr type="ctrX" for="ch" forName="accent_3" refType="h" fact="0.215"/>
-                <dgm:constr type="l" for="ch" forName="text_3" refType="ctrX" refFor="ch" refForName="accent_3"/>
-                <dgm:constr type="r" for="ch" forName="text_3" refType="w"/>
-                <dgm:constr type="w" for="ch" forName="text_3" refType="h" refFor="ch" refForName="text_3" op="gte"/>
-                <dgm:constr type="h" for="ch" forName="text_3" refType="h" refFor="ch" refForName="accent_3" fact="0.8"/>
-                <dgm:constr type="ctrY" for="ch" forName="text_3" refType="ctrY" refFor="ch" refForName="accent_3"/>
-                <dgm:constr type="lMarg" for="ch" forName="text_3" refType="w" refFor="ch" refForName="accent_3" fact="1.8"/>
-                <dgm:constr type="h" for="ch" forName="accent_4" refType="h" fact="0.1923"/>
-                <dgm:constr type="w" for="ch" forName="accent_4" refType="h" refFor="ch" refForName="accent_4" op="equ"/>
-                <dgm:constr type="ctrY" for="ch" forName="accent_4" refType="h" fact="0.8462"/>
-                <dgm:constr type="ctrX" for="ch" forName="accent_4" refType="h" fact="0.1268"/>
-                <dgm:constr type="l" for="ch" forName="text_4" refType="ctrX" refFor="ch" refForName="accent_4"/>
-                <dgm:constr type="r" for="ch" forName="text_4" refType="w"/>
-                <dgm:constr type="w" for="ch" forName="text_4" refType="h" refFor="ch" refForName="text_4" op="gte"/>
-                <dgm:constr type="h" for="ch" forName="text_4" refType="h" refFor="ch" refForName="accent_4" fact="0.8"/>
-                <dgm:constr type="ctrY" for="ch" forName="text_4" refType="ctrY" refFor="ch" refForName="accent_4"/>
-                <dgm:constr type="lMarg" for="ch" forName="text_4" refType="w" refFor="ch" refForName="accent_4" fact="1.8"/>
-                <dgm:constr type="primFontSz" for="ch" ptType="node" op="equ" val="65"/>
-              </dgm:constrLst>
-            </dgm:if>
-            <dgm:if name="Name9" axis="ch" ptType="node" func="cnt" op="equ" val="5">
-              <dgm:constrLst>
-                <dgm:constr type="h" for="ch" forName="cycle" refType="h"/>
-                <dgm:constr type="w" for="ch" forName="cycle" refType="h" refFor="ch" refForName="cycle" fact="0.26"/>
-                <dgm:constr type="l" for="ch" forName="cycle"/>
-                <dgm:constr type="ctrY" for="ch" forName="cycle" refType="h" fact="0.5"/>
-                <dgm:constr type="diam" for="ch" forName="cycle" refType="h" fact="1.344"/>
-                <dgm:constr type="h" for="ch" forName="accent_1" refType="h" fact="0.1563"/>
-                <dgm:constr type="w" for="ch" forName="accent_1" refType="h" refFor="ch" refForName="accent_1" op="equ"/>
-                <dgm:constr type="ctrY" for="ch" forName="accent_1" refType="h" fact="0.125"/>
-                <dgm:constr type="ctrX" for="ch" forName="accent_1" refType="h" fact="0.1082"/>
-                <dgm:constr type="l" for="ch" forName="text_1" refType="ctrX" refFor="ch" refForName="accent_1"/>
-                <dgm:constr type="r" for="ch" forName="text_1" refType="w"/>
-                <dgm:constr type="w" for="ch" forName="text_1" refType="h" refFor="ch" refForName="text_1" op="gte"/>
-                <dgm:constr type="h" for="ch" forName="text_1" refType="h" refFor="ch" refForName="accent_1" fact="0.8"/>
-                <dgm:constr type="ctrY" for="ch" forName="text_1" refType="ctrY" refFor="ch" refForName="accent_1"/>
-                <dgm:constr type="lMarg" for="ch" forName="text_1" refType="w" refFor="ch" refForName="accent_1" fact="1.8"/>
-                <dgm:constr type="h" for="ch" forName="accent_2" refType="h" fact="0.1563"/>
-                <dgm:constr type="w" for="ch" forName="accent_2" refType="h" refFor="ch" refForName="accent_2" op="equ"/>
-                <dgm:constr type="ctrY" for="ch" forName="accent_2" refType="h" fact="0.3125"/>
-                <dgm:constr type="ctrX" for="ch" forName="accent_2" refType="h" fact="0.1978"/>
-                <dgm:constr type="l" for="ch" forName="text_2" refType="ctrX" refFor="ch" refForName="accent_2"/>
-                <dgm:constr type="r" for="ch" forName="text_2" refType="w"/>
-                <dgm:constr type="w" for="ch" forName="text_2" refType="h" refFor="ch" refForName="text_2" op="gte"/>
-                <dgm:constr type="h" for="ch" forName="text_2" refType="h" refFor="ch" refForName="accent_2" fact="0.8"/>
-                <dgm:constr type="ctrY" for="ch" forName="text_2" refType="ctrY" refFor="ch" refForName="accent_2"/>
-                <dgm:constr type="lMarg" for="ch" forName="text_2" refType="w" refFor="ch" refForName="accent_2" fact="1.8"/>
-                <dgm:constr type="h" for="ch" forName="accent_3" refType="h" fact="0.1563"/>
-                <dgm:constr type="w" for="ch" forName="accent_3" refType="h" refFor="ch" refForName="accent_3" op="equ"/>
-                <dgm:constr type="ctrY" for="ch" forName="accent_3" refType="h" fact="0.5"/>
-                <dgm:constr type="ctrX" for="ch" forName="accent_3" refType="h" fact="0.2253"/>
-                <dgm:constr type="l" for="ch" forName="text_3" refType="ctrX" refFor="ch" refForName="accent_3"/>
-                <dgm:constr type="r" for="ch" forName="text_3" refType="w"/>
-                <dgm:constr type="w" for="ch" forName="text_3" refType="h" refFor="ch" refForName="text_3" op="gte"/>
-                <dgm:constr type="h" for="ch" forName="text_3" refType="h" refFor="ch" refForName="accent_3" fact="0.8"/>
-                <dgm:constr type="ctrY" for="ch" forName="text_3" refType="ctrY" refFor="ch" refForName="accent_3"/>
-                <dgm:constr type="lMarg" for="ch" forName="text_3" refType="w" refFor="ch" refForName="accent_3" fact="1.8"/>
-                <dgm:constr type="h" for="ch" forName="accent_4" refType="h" fact="0.1563"/>
-                <dgm:constr type="w" for="ch" forName="accent_4" refType="h" refFor="ch" refForName="accent_4" op="equ"/>
-                <dgm:constr type="ctrY" for="ch" forName="accent_4" refType="h" fact="0.6875"/>
-                <dgm:constr type="ctrX" for="ch" forName="accent_4" refType="h" fact="0.1978"/>
-                <dgm:constr type="l" for="ch" forName="text_4" refType="ctrX" refFor="ch" refForName="accent_4"/>
-                <dgm:constr type="r" for="ch" forName="text_4" refType="w"/>
-                <dgm:constr type="w" for="ch" forName="text_4" refType="h" refFor="ch" refForName="text_4" op="gte"/>
-                <dgm:constr type="h" for="ch" forName="text_4" refType="h" refFor="ch" refForName="accent_4" fact="0.8"/>
-                <dgm:constr type="ctrY" for="ch" forName="text_4" refType="ctrY" refFor="ch" refForName="accent_4"/>
-                <dgm:constr type="lMarg" for="ch" forName="text_4" refType="w" refFor="ch" refForName="accent_4" fact="1.8"/>
-                <dgm:constr type="h" for="ch" forName="accent_5" refType="h" fact="0.1563"/>
-                <dgm:constr type="w" for="ch" forName="accent_5" refType="h" refFor="ch" refForName="accent_5" op="equ"/>
-                <dgm:constr type="ctrY" for="ch" forName="accent_5" refType="h" fact="0.875"/>
-                <dgm:constr type="ctrX" for="ch" forName="accent_5" refType="h" fact="0.1082"/>
-                <dgm:constr type="l" for="ch" forName="text_5" refType="ctrX" refFor="ch" refForName="accent_5"/>
-                <dgm:constr type="r" for="ch" forName="text_5" refType="w"/>
-                <dgm:constr type="w" for="ch" forName="text_5" refType="h" refFor="ch" refForName="text_5" op="gte"/>
-                <dgm:constr type="h" for="ch" forName="text_5" refType="h" refFor="ch" refForName="accent_5" fact="0.8"/>
-                <dgm:constr type="ctrY" for="ch" forName="text_5" refType="ctrY" refFor="ch" refForName="accent_5"/>
-                <dgm:constr type="lMarg" for="ch" forName="text_5" refType="w" refFor="ch" refForName="accent_5" fact="1.8"/>
-                <dgm:constr type="primFontSz" for="ch" ptType="node" op="equ" val="65"/>
-              </dgm:constrLst>
-            </dgm:if>
-            <dgm:if name="Name10" axis="ch" ptType="node" func="cnt" op="equ" val="6">
-              <dgm:constrLst>
-                <dgm:constr type="h" for="ch" forName="cycle" refType="h"/>
-                <dgm:constr type="w" for="ch" forName="cycle" refType="h" refFor="ch" refForName="cycle" fact="0.26"/>
-                <dgm:constr type="l" for="ch" forName="cycle"/>
-                <dgm:constr type="ctrY" for="ch" forName="cycle" refType="h" fact="0.5"/>
-                <dgm:constr type="diam" for="ch" forName="cycle" refType="h" fact="1.344"/>
-                <dgm:constr type="h" for="ch" forName="accent_1" refType="h" fact="0.1316"/>
-                <dgm:constr type="w" for="ch" forName="accent_1" refType="h" refFor="ch" refForName="accent_1" op="equ"/>
-                <dgm:constr type="ctrY" for="ch" forName="accent_1" refType="h" fact="0.1053"/>
-                <dgm:constr type="ctrX" for="ch" forName="accent_1" refType="h" fact="0.0943"/>
-                <dgm:constr type="l" for="ch" forName="text_1" refType="ctrX" refFor="ch" refForName="accent_1"/>
-                <dgm:constr type="r" for="ch" forName="text_1" refType="w"/>
-                <dgm:constr type="w" for="ch" forName="text_1" refType="h" refFor="ch" refForName="text_1" op="gte"/>
-                <dgm:constr type="h" for="ch" forName="text_1" refType="h" refFor="ch" refForName="accent_1" fact="0.8"/>
-                <dgm:constr type="ctrY" for="ch" forName="text_1" refType="ctrY" refFor="ch" refForName="accent_1"/>
-                <dgm:constr type="lMarg" for="ch" forName="text_1" refType="w" refFor="ch" refForName="accent_1" fact="1.8"/>
-                <dgm:constr type="h" for="ch" forName="accent_2" refType="h" fact="0.1316"/>
-                <dgm:constr type="w" for="ch" forName="accent_2" refType="h" refFor="ch" refForName="accent_2" op="equ"/>
-                <dgm:constr type="ctrY" for="ch" forName="accent_2" refType="h" fact="0.2632"/>
-                <dgm:constr type="ctrX" for="ch" forName="accent_2" refType="h" fact="0.1809"/>
-                <dgm:constr type="l" for="ch" forName="text_2" refType="ctrX" refFor="ch" refForName="accent_2"/>
-                <dgm:constr type="r" for="ch" forName="text_2" refType="w"/>
-                <dgm:constr type="w" for="ch" forName="text_2" refType="h" refFor="ch" refForName="text_2" op="gte"/>
-                <dgm:constr type="h" for="ch" forName="text_2" refType="h" refFor="ch" refForName="accent_2" fact="0.8"/>
-                <dgm:constr type="ctrY" for="ch" forName="text_2" refType="ctrY" refFor="ch" refForName="accent_2"/>
-                <dgm:constr type="lMarg" for="ch" forName="text_2" refType="w" refFor="ch" refForName="accent_2" fact="1.8"/>
-                <dgm:constr type="h" for="ch" forName="accent_3" refType="h" fact="0.1316"/>
-                <dgm:constr type="w" for="ch" forName="accent_3" refType="h" refFor="ch" refForName="accent_3" op="equ"/>
-                <dgm:constr type="ctrY" for="ch" forName="accent_3" refType="h" fact="0.4211"/>
-                <dgm:constr type="ctrX" for="ch" forName="accent_3" refType="h" fact="0.2205"/>
-                <dgm:constr type="l" for="ch" forName="text_3" refType="ctrX" refFor="ch" refForName="accent_3"/>
-                <dgm:constr type="r" for="ch" forName="text_3" refType="w"/>
-                <dgm:constr type="w" for="ch" forName="text_3" refType="h" refFor="ch" refForName="text_3" op="gte"/>
-                <dgm:constr type="h" for="ch" forName="text_3" refType="h" refFor="ch" refForName="accent_3" fact="0.8"/>
-                <dgm:constr type="ctrY" for="ch" forName="text_3" refType="ctrY" refFor="ch" refForName="accent_3"/>
-                <dgm:constr type="lMarg" for="ch" forName="text_3" refType="w" refFor="ch" refForName="accent_3" fact="1.8"/>
-                <dgm:constr type="h" for="ch" forName="accent_4" refType="h" fact="0.1316"/>
-                <dgm:constr type="w" for="ch" forName="accent_4" refType="h" refFor="ch" refForName="accent_4" op="equ"/>
-                <dgm:constr type="ctrY" for="ch" forName="accent_4" refType="h" fact="0.5789"/>
-                <dgm:constr type="ctrX" for="ch" forName="accent_4" refType="h" fact="0.2205"/>
-                <dgm:constr type="l" for="ch" forName="text_4" refType="ctrX" refFor="ch" refForName="accent_4"/>
-                <dgm:constr type="r" for="ch" forName="text_4" refType="w"/>
-                <dgm:constr type="w" for="ch" forName="text_4" refType="h" refFor="ch" refForName="text_4" op="gte"/>
-                <dgm:constr type="h" for="ch" forName="text_4" refType="h" refFor="ch" refForName="accent_4" fact="0.8"/>
-                <dgm:constr type="ctrY" for="ch" forName="text_4" refType="ctrY" refFor="ch" refForName="accent_4"/>
-                <dgm:constr type="lMarg" for="ch" forName="text_4" refType="w" refFor="ch" refForName="accent_4" fact="1.8"/>
-                <dgm:constr type="h" for="ch" forName="accent_5" refType="h" fact="0.1316"/>
-                <dgm:constr type="w" for="ch" forName="accent_5" refType="h" refFor="ch" refForName="accent_5" op="equ"/>
-                <dgm:constr type="ctrY" for="ch" forName="accent_5" refType="h" fact="0.7368"/>
-                <dgm:constr type="ctrX" for="ch" forName="accent_5" refType="h" fact="0.1809"/>
-                <dgm:constr type="l" for="ch" forName="text_5" refType="ctrX" refFor="ch" refForName="accent_5"/>
-                <dgm:constr type="r" for="ch" forName="text_5" refType="w"/>
-                <dgm:constr type="w" for="ch" forName="text_5" refType="h" refFor="ch" refForName="text_5" op="gte"/>
-                <dgm:constr type="h" for="ch" forName="text_5" refType="h" refFor="ch" refForName="accent_5" fact="0.8"/>
-                <dgm:constr type="ctrY" for="ch" forName="text_5" refType="ctrY" refFor="ch" refForName="accent_5"/>
-                <dgm:constr type="lMarg" for="ch" forName="text_5" refType="w" refFor="ch" refForName="accent_5" fact="1.8"/>
-                <dgm:constr type="h" for="ch" forName="accent_6" refType="h" fact="0.1316"/>
-                <dgm:constr type="w" for="ch" forName="accent_6" refType="h" refFor="ch" refForName="accent_6" op="equ"/>
-                <dgm:constr type="ctrY" for="ch" forName="accent_6" refType="h" fact="0.8947"/>
-                <dgm:constr type="ctrX" for="ch" forName="accent_6" refType="h" fact="0.0943"/>
-                <dgm:constr type="l" for="ch" forName="text_6" refType="ctrX" refFor="ch" refForName="accent_6"/>
-                <dgm:constr type="r" for="ch" forName="text_6" refType="w"/>
-                <dgm:constr type="w" for="ch" forName="text_6" refType="h" refFor="ch" refForName="text_6" op="gte"/>
-                <dgm:constr type="h" for="ch" forName="text_6" refType="h" refFor="ch" refForName="accent_6" fact="0.8"/>
-                <dgm:constr type="ctrY" for="ch" forName="text_6" refType="ctrY" refFor="ch" refForName="accent_6"/>
-                <dgm:constr type="lMarg" for="ch" forName="text_6" refType="w" refFor="ch" refForName="accent_6" fact="1.8"/>
-                <dgm:constr type="primFontSz" for="ch" ptType="node" op="equ" val="65"/>
-              </dgm:constrLst>
-            </dgm:if>
-            <dgm:else name="Name11">
-              <dgm:constrLst>
-                <dgm:constr type="h" for="ch" forName="cycle" refType="h"/>
-                <dgm:constr type="w" for="ch" forName="cycle" refType="h" refFor="ch" refForName="cycle" fact="0.26"/>
-                <dgm:constr type="l" for="ch" forName="cycle"/>
-                <dgm:constr type="ctrY" for="ch" forName="cycle" refType="h" fact="0.5"/>
-                <dgm:constr type="diam" for="ch" forName="cycle" refType="h" fact="1.344"/>
-                <dgm:constr type="h" for="ch" forName="accent_1" refType="h" fact="0.1136"/>
-                <dgm:constr type="w" for="ch" forName="accent_1" refType="h" refFor="ch" refForName="accent_1" op="equ"/>
-                <dgm:constr type="ctrY" for="ch" forName="accent_1" refType="h" fact="0.0909"/>
-                <dgm:constr type="ctrX" for="ch" forName="accent_1" refType="h" fact="0.0835"/>
-                <dgm:constr type="l" for="ch" forName="text_1" refType="ctrX" refFor="ch" refForName="accent_1"/>
-                <dgm:constr type="r" for="ch" forName="text_1" refType="w"/>
-                <dgm:constr type="w" for="ch" forName="text_1" refType="h" refFor="ch" refForName="text_1" op="gte"/>
-                <dgm:constr type="h" for="ch" forName="text_1" refType="h" refFor="ch" refForName="accent_1" fact="0.8"/>
-                <dgm:constr type="ctrY" for="ch" forName="text_1" refType="ctrY" refFor="ch" refForName="accent_1"/>
-                <dgm:constr type="lMarg" for="ch" forName="text_1" refType="w" refFor="ch" refForName="accent_1" fact="1.8"/>
-                <dgm:constr type="h" for="ch" forName="accent_2" refType="h" fact="0.1136"/>
-                <dgm:constr type="w" for="ch" forName="accent_2" refType="h" refFor="ch" refForName="accent_2" op="equ"/>
-                <dgm:constr type="ctrY" for="ch" forName="accent_2" refType="h" fact="0.2273"/>
-                <dgm:constr type="ctrX" for="ch" forName="accent_2" refType="h" fact="0.1658"/>
-                <dgm:constr type="l" for="ch" forName="text_2" refType="ctrX" refFor="ch" refForName="accent_2"/>
-                <dgm:constr type="r" for="ch" forName="text_2" refType="w"/>
-                <dgm:constr type="w" for="ch" forName="text_2" refType="h" refFor="ch" refForName="text_2" op="gte"/>
-                <dgm:constr type="h" for="ch" forName="text_2" refType="h" refFor="ch" refForName="accent_2" fact="0.8"/>
-                <dgm:constr type="ctrY" for="ch" forName="text_2" refType="ctrY" refFor="ch" refForName="accent_2"/>
-                <dgm:constr type="lMarg" for="ch" forName="text_2" refType="w" refFor="ch" refForName="accent_2" fact="1.8"/>
-                <dgm:constr type="h" for="ch" forName="accent_3" refType="h" fact="0.1136"/>
-                <dgm:constr type="w" for="ch" forName="accent_3" refType="h" refFor="ch" refForName="accent_3" op="equ"/>
-                <dgm:constr type="ctrY" for="ch" forName="accent_3" refType="h" fact="0.3636"/>
-                <dgm:constr type="ctrX" for="ch" forName="accent_3" refType="h" fact="0.2109"/>
-                <dgm:constr type="l" for="ch" forName="text_3" refType="ctrX" refFor="ch" refForName="accent_3"/>
-                <dgm:constr type="r" for="ch" forName="text_3" refType="w"/>
-                <dgm:constr type="w" for="ch" forName="text_3" refType="h" refFor="ch" refForName="text_3" op="gte"/>
-                <dgm:constr type="h" for="ch" forName="text_3" refType="h" refFor="ch" refForName="accent_3" fact="0.8"/>
-                <dgm:constr type="ctrY" for="ch" forName="text_3" refType="ctrY" refFor="ch" refForName="accent_3"/>
-                <dgm:constr type="lMarg" for="ch" forName="text_3" refType="w" refFor="ch" refForName="accent_3" fact="1.8"/>
-                <dgm:constr type="h" for="ch" forName="accent_4" refType="h" fact="0.1136"/>
-                <dgm:constr type="w" for="ch" forName="accent_4" refType="h" refFor="ch" refForName="accent_4" op="equ"/>
-                <dgm:constr type="ctrY" for="ch" forName="accent_4" refType="h" fact="0.5"/>
-                <dgm:constr type="ctrX" for="ch" forName="accent_4" refType="h" fact="0.2253"/>
-                <dgm:constr type="l" for="ch" forName="text_4" refType="ctrX" refFor="ch" refForName="accent_4"/>
-                <dgm:constr type="r" for="ch" forName="text_4" refType="w"/>
-                <dgm:constr type="w" for="ch" forName="text_4" refType="h" refFor="ch" refForName="text_4" op="gte"/>
-                <dgm:constr type="h" for="ch" forName="text_4" refType="h" refFor="ch" refForName="accent_4" fact="0.8"/>
-                <dgm:constr type="ctrY" for="ch" forName="text_4" refType="ctrY" refFor="ch" refForName="accent_4"/>
-                <dgm:constr type="lMarg" for="ch" forName="text_4" refType="w" refFor="ch" refForName="accent_4" fact="1.8"/>
-                <dgm:constr type="h" for="ch" forName="accent_5" refType="h" fact="0.1136"/>
-                <dgm:constr type="w" for="ch" forName="accent_5" refType="h" refFor="ch" refForName="accent_5" op="equ"/>
-                <dgm:constr type="ctrY" for="ch" forName="accent_5" refType="h" fact="0.6364"/>
-                <dgm:constr type="ctrX" for="ch" forName="accent_5" refType="h" fact="0.2109"/>
-                <dgm:constr type="l" for="ch" forName="text_5" refType="ctrX" refFor="ch" refForName="accent_5"/>
-                <dgm:constr type="r" for="ch" forName="text_5" refType="w"/>
-                <dgm:constr type="w" for="ch" forName="text_5" refType="h" refFor="ch" refForName="text_5" op="gte"/>
-                <dgm:constr type="h" for="ch" forName="text_5" refType="h" refFor="ch" refForName="accent_5" fact="0.8"/>
-                <dgm:constr type="ctrY" for="ch" forName="text_5" refType="ctrY" refFor="ch" refForName="accent_5"/>
-                <dgm:constr type="lMarg" for="ch" forName="text_5" refType="w" refFor="ch" refForName="accent_5" fact="1.8"/>
-                <dgm:constr type="h" for="ch" forName="accent_6" refType="h" fact="0.1136"/>
-                <dgm:constr type="w" for="ch" forName="accent_6" refType="h" refFor="ch" refForName="accent_6" op="equ"/>
-                <dgm:constr type="ctrY" for="ch" forName="accent_6" refType="h" fact="0.7727"/>
-                <dgm:constr type="ctrX" for="ch" forName="accent_6" refType="h" fact="0.1658"/>
-                <dgm:constr type="l" for="ch" forName="text_6" refType="ctrX" refFor="ch" refForName="accent_6"/>
-                <dgm:constr type="r" for="ch" forName="text_6" refType="w"/>
-                <dgm:constr type="w" for="ch" forName="text_6" refType="h" refFor="ch" refForName="text_6" op="gte"/>
-                <dgm:constr type="h" for="ch" forName="text_6" refType="h" refFor="ch" refForName="accent_6" fact="0.8"/>
-                <dgm:constr type="ctrY" for="ch" forName="text_6" refType="ctrY" refFor="ch" refForName="accent_6"/>
-                <dgm:constr type="lMarg" for="ch" forName="text_6" refType="w" refFor="ch" refForName="accent_6" fact="1.8"/>
-                <dgm:constr type="h" for="ch" forName="accent_7" refType="h" fact="0.1136"/>
-                <dgm:constr type="w" for="ch" forName="accent_7" refType="h" refFor="ch" refForName="accent_7" op="equ"/>
-                <dgm:constr type="ctrY" for="ch" forName="accent_7" refType="h" fact="0.9091"/>
-                <dgm:constr type="ctrX" for="ch" forName="accent_7" refType="h" fact="0.0835"/>
-                <dgm:constr type="l" for="ch" forName="text_7" refType="ctrX" refFor="ch" refForName="accent_7"/>
-                <dgm:constr type="r" for="ch" forName="text_7" refType="w"/>
-                <dgm:constr type="w" for="ch" forName="text_7" refType="h" refFor="ch" refForName="text_7" op="gte"/>
-                <dgm:constr type="h" for="ch" forName="text_7" refType="h" refFor="ch" refForName="accent_7" fact="0.8"/>
-                <dgm:constr type="ctrY" for="ch" forName="text_7" refType="ctrY" refFor="ch" refForName="accent_7"/>
-                <dgm:constr type="lMarg" for="ch" forName="text_7" refType="w" refFor="ch" refForName="accent_7" fact="1.8"/>
-                <dgm:constr type="primFontSz" for="ch" ptType="node" op="equ" val="65"/>
-              </dgm:constrLst>
-            </dgm:else>
-          </dgm:choose>
-        </dgm:if>
-        <dgm:else name="Name12">
-          <dgm:choose name="Name13">
-            <dgm:if name="Name14" axis="ch" ptType="node" func="cnt" op="equ" val="1">
-              <dgm:constrLst>
-                <dgm:constr type="h" for="ch" forName="cycle" refType="h"/>
-                <dgm:constr type="w" for="ch" forName="cycle" refType="h" refFor="ch" refForName="cycle" fact="0.26"/>
-                <dgm:constr type="r" for="ch" forName="cycle" refType="w"/>
-                <dgm:constr type="ctrY" for="ch" forName="cycle" refType="h" fact="0.5"/>
-                <dgm:constr type="diam" for="ch" forName="cycle" refType="h" fact="1.344"/>
-                <dgm:constr type="h" for="ch" forName="accent_1" refType="h" fact="0.625"/>
-                <dgm:constr type="w" for="ch" forName="accent_1" refType="h" refFor="ch" refForName="accent_1" op="equ"/>
-                <dgm:constr type="ctrY" for="ch" forName="accent_1" refType="h" fact="0.5"/>
-                <dgm:constr type="ctrX" for="ch" forName="accent_1" refType="w"/>
-                <dgm:constr type="ctrXOff" for="ch" forName="accent_1" refType="h" fact="-0.2253"/>
-                <dgm:constr type="r" for="ch" forName="text_1" refType="ctrX" refFor="ch" refForName="accent_1"/>
-                <dgm:constr type="rOff" for="ch" forName="text_1" refType="ctrXOff" refFor="ch" refForName="accent_1"/>
-                <dgm:constr type="l" for="ch" forName="text_1"/>
-                <dgm:constr type="w" for="ch" forName="text_1" refType="h" refFor="ch" refForName="text_1" op="gte"/>
-                <dgm:constr type="h" for="ch" forName="text_1" refType="h" refFor="ch" refForName="accent_1" fact="0.8"/>
-                <dgm:constr type="ctrY" for="ch" forName="text_1" refType="ctrY" refFor="ch" refForName="accent_1"/>
-                <dgm:constr type="rMarg" for="ch" forName="text_1" refType="w" refFor="ch" refForName="accent_1" fact="1.8"/>
-                <dgm:constr type="primFontSz" for="ch" ptType="node" op="equ" val="65"/>
-              </dgm:constrLst>
-            </dgm:if>
-            <dgm:if name="Name15" axis="ch" ptType="node" func="cnt" op="equ" val="2">
-              <dgm:constrLst>
-                <dgm:constr type="h" for="ch" forName="cycle" refType="h"/>
-                <dgm:constr type="w" for="ch" forName="cycle" refType="h" refFor="ch" refForName="cycle" fact="0.26"/>
-                <dgm:constr type="r" for="ch" forName="cycle" refType="w"/>
-                <dgm:constr type="ctrY" for="ch" forName="cycle" refType="h" fact="0.5"/>
-                <dgm:constr type="diam" for="ch" forName="cycle" refType="h" fact="1.344"/>
-                <dgm:constr type="h" for="ch" forName="accent_1" refType="h" fact="0.3571"/>
-                <dgm:constr type="w" for="ch" forName="accent_1" refType="h" refFor="ch" refForName="accent_1" op="equ"/>
-                <dgm:constr type="ctrY" for="ch" forName="accent_1" refType="h" fact="0.2857"/>
-                <dgm:constr type="ctrX" for="ch" forName="accent_1" refType="w"/>
-                <dgm:constr type="ctrXOff" for="ch" forName="accent_1" refType="h" fact="-0.1891"/>
-                <dgm:constr type="r" for="ch" forName="text_1" refType="ctrX" refFor="ch" refForName="accent_1"/>
-                <dgm:constr type="rOff" for="ch" forName="text_1" refType="ctrXOff" refFor="ch" refForName="accent_1"/>
-                <dgm:constr type="l" for="ch" forName="text_1"/>
-                <dgm:constr type="w" for="ch" forName="text_1" refType="h" refFor="ch" refForName="text_1" op="gte"/>
-                <dgm:constr type="h" for="ch" forName="text_1" refType="h" refFor="ch" refForName="accent_1" fact="0.8"/>
-                <dgm:constr type="ctrY" for="ch" forName="text_1" refType="ctrY" refFor="ch" refForName="accent_1"/>
-                <dgm:constr type="rMarg" for="ch" forName="text_1" refType="w" refFor="ch" refForName="accent_1" fact="1.8"/>
-                <dgm:constr type="h" for="ch" forName="accent_2" refType="h" fact="0.3571"/>
-                <dgm:constr type="w" for="ch" forName="accent_2" refType="h" refFor="ch" refForName="accent_2" op="equ"/>
-                <dgm:constr type="ctrY" for="ch" forName="accent_2" refType="h" fact="0.7143"/>
-                <dgm:constr type="ctrX" for="ch" forName="accent_2" refType="w"/>
-                <dgm:constr type="ctrXOff" for="ch" forName="accent_2" refType="h" fact="-0.1891"/>
-                <dgm:constr type="r" for="ch" forName="text_2" refType="ctrX" refFor="ch" refForName="accent_2"/>
-                <dgm:constr type="rOff" for="ch" forName="text_2" refType="ctrXOff" refFor="ch" refForName="accent_2"/>
-                <dgm:constr type="l" for="ch" forName="text_2"/>
-                <dgm:constr type="w" for="ch" forName="text_2" refType="h" refFor="ch" refForName="text_2" op="gte"/>
-                <dgm:constr type="h" for="ch" forName="text_2" refType="h" refFor="ch" refForName="accent_2" fact="0.8"/>
-                <dgm:constr type="ctrY" for="ch" forName="text_2" refType="ctrY" refFor="ch" refForName="accent_2"/>
-                <dgm:constr type="rMarg" for="ch" forName="text_2" refType="w" refFor="ch" refForName="accent_2" fact="1.8"/>
-                <dgm:constr type="primFontSz" for="ch" ptType="node" op="equ" val="65"/>
-              </dgm:constrLst>
-            </dgm:if>
-            <dgm:if name="Name16" axis="ch" ptType="node" func="cnt" op="equ" val="3">
-              <dgm:constrLst>
-                <dgm:constr type="h" for="ch" forName="cycle" refType="h"/>
-                <dgm:constr type="w" for="ch" forName="cycle" refType="h" refFor="ch" refForName="cycle" fact="0.26"/>
-                <dgm:constr type="r" for="ch" forName="cycle" refType="w"/>
-                <dgm:constr type="ctrY" for="ch" forName="cycle" refType="h" fact="0.5"/>
-                <dgm:constr type="diam" for="ch" forName="cycle" refType="h" fact="1.344"/>
-                <dgm:constr type="h" for="ch" forName="accent_1" refType="h" fact="0.25"/>
-                <dgm:constr type="w" for="ch" forName="accent_1" refType="h" refFor="ch" refForName="accent_1" op="equ"/>
-                <dgm:constr type="ctrY" for="ch" forName="accent_1" refType="h" fact="0.2"/>
-                <dgm:constr type="ctrX" for="ch" forName="accent_1" refType="w"/>
-                <dgm:constr type="ctrXOff" for="ch" forName="accent_1" refType="h" fact="-0.1526"/>
-                <dgm:constr type="r" for="ch" forName="text_1" refType="ctrX" refFor="ch" refForName="accent_1"/>
-                <dgm:constr type="rOff" for="ch" forName="text_1" refType="ctrXOff" refFor="ch" refForName="accent_1"/>
-                <dgm:constr type="l" for="ch" forName="text_1"/>
-                <dgm:constr type="w" for="ch" forName="text_1" refType="h" refFor="ch" refForName="text_1" op="gte"/>
-                <dgm:constr type="h" for="ch" forName="text_1" refType="h" refFor="ch" refForName="accent_1" fact="0.8"/>
-                <dgm:constr type="ctrY" for="ch" forName="text_1" refType="ctrY" refFor="ch" refForName="accent_1"/>
-                <dgm:constr type="rMarg" for="ch" forName="text_1" refType="w" refFor="ch" refForName="accent_1" fact="1.8"/>
-                <dgm:constr type="h" for="ch" forName="accent_2" refType="h" fact="0.25"/>
-                <dgm:constr type="w" for="ch" forName="accent_2" refType="h" refFor="ch" refForName="accent_2" op="equ"/>
-                <dgm:constr type="ctrY" for="ch" forName="accent_2" refType="h" fact="0.5"/>
-                <dgm:constr type="ctrX" for="ch" forName="accent_2" refType="w"/>
-                <dgm:constr type="ctrXOff" for="ch" forName="accent_2" refType="h" fact="-0.2253"/>
-                <dgm:constr type="r" for="ch" forName="text_2" refType="ctrX" refFor="ch" refForName="accent_2"/>
-                <dgm:constr type="rOff" for="ch" forName="text_2" refType="ctrXOff" refFor="ch" refForName="accent_2"/>
-                <dgm:constr type="l" for="ch" forName="text_2"/>
-                <dgm:constr type="w" for="ch" forName="text_2" refType="h" refFor="ch" refForName="text_2" op="gte"/>
-                <dgm:constr type="h" for="ch" forName="text_2" refType="h" refFor="ch" refForName="accent_2" fact="0.8"/>
-                <dgm:constr type="ctrY" for="ch" forName="text_2" refType="ctrY" refFor="ch" refForName="accent_2"/>
-                <dgm:constr type="rMarg" for="ch" forName="text_2" refType="w" refFor="ch" refForName="accent_2" fact="1.8"/>
-                <dgm:constr type="h" for="ch" forName="accent_3" refType="h" fact="0.25"/>
-                <dgm:constr type="w" for="ch" forName="accent_3" refType="h" refFor="ch" refForName="accent_3" op="equ"/>
-                <dgm:constr type="ctrY" for="ch" forName="accent_3" refType="h" fact="0.8"/>
-                <dgm:constr type="ctrX" for="ch" forName="accent_3" refType="w"/>
-                <dgm:constr type="ctrXOff" for="ch" forName="accent_3" refType="h" fact="-0.1526"/>
-                <dgm:constr type="r" for="ch" forName="text_3" refType="ctrX" refFor="ch" refForName="accent_3"/>
-                <dgm:constr type="rOff" for="ch" forName="text_3" refType="ctrXOff" refFor="ch" refForName="accent_3"/>
-                <dgm:constr type="l" for="ch" forName="text_3"/>
-                <dgm:constr type="w" for="ch" forName="text_3" refType="h" refFor="ch" refForName="text_3" op="gte"/>
-                <dgm:constr type="h" for="ch" forName="text_3" refType="h" refFor="ch" refForName="accent_3" fact="0.8"/>
-                <dgm:constr type="ctrY" for="ch" forName="text_3" refType="ctrY" refFor="ch" refForName="accent_3"/>
-                <dgm:constr type="rMarg" for="ch" forName="text_3" refType="w" refFor="ch" refForName="accent_3" fact="1.8"/>
-                <dgm:constr type="primFontSz" for="ch" ptType="node" op="equ" val="65"/>
-              </dgm:constrLst>
-            </dgm:if>
-            <dgm:if name="Name17" axis="ch" ptType="node" func="cnt" op="equ" val="4">
-              <dgm:constrLst>
-                <dgm:constr type="h" for="ch" forName="cycle" refType="h"/>
-                <dgm:constr type="w" for="ch" forName="cycle" refType="h" refFor="ch" refForName="cycle" fact="0.26"/>
-                <dgm:constr type="r" for="ch" forName="cycle" refType="w"/>
-                <dgm:constr type="ctrY" for="ch" forName="cycle" refType="h" fact="0.5"/>
-                <dgm:constr type="diam" for="ch" forName="cycle" refType="h" fact="1.344"/>
-                <dgm:constr type="h" for="ch" forName="accent_1" refType="h" fact="0.1923"/>
-                <dgm:constr type="w" for="ch" forName="accent_1" refType="h" refFor="ch" refForName="accent_1" op="equ"/>
-                <dgm:constr type="ctrY" for="ch" forName="accent_1" refType="h" fact="0.1538"/>
-                <dgm:constr type="ctrX" for="ch" forName="accent_1" refType="w"/>
-                <dgm:constr type="ctrXOff" for="ch" forName="accent_1" refType="h" fact="-0.1268"/>
-                <dgm:constr type="r" for="ch" forName="text_1" refType="ctrX" refFor="ch" refForName="accent_1"/>
-                <dgm:constr type="rOff" for="ch" forName="text_1" refType="ctrXOff" refFor="ch" refForName="accent_1"/>
-                <dgm:constr type="l" for="ch" forName="text_1"/>
-                <dgm:constr type="w" for="ch" forName="text_1" refType="h" refFor="ch" refForName="text_1" op="gte"/>
-                <dgm:constr type="h" for="ch" forName="text_1" refType="h" refFor="ch" refForName="accent_1" fact="0.8"/>
-                <dgm:constr type="ctrY" for="ch" forName="text_1" refType="ctrY" refFor="ch" refForName="accent_1"/>
-                <dgm:constr type="rMarg" for="ch" forName="text_1" refType="w" refFor="ch" refForName="accent_1" fact="1.8"/>
-                <dgm:constr type="h" for="ch" forName="accent_2" refType="h" fact="0.1923"/>
-                <dgm:constr type="w" for="ch" forName="accent_2" refType="h" refFor="ch" refForName="accent_2" op="equ"/>
-                <dgm:constr type="ctrY" for="ch" forName="accent_2" refType="h" fact="0.3846"/>
-                <dgm:constr type="ctrX" for="ch" forName="accent_2" refType="w"/>
-                <dgm:constr type="ctrXOff" for="ch" forName="accent_2" refType="h" fact="-0.215"/>
-                <dgm:constr type="r" for="ch" forName="text_2" refType="ctrX" refFor="ch" refForName="accent_2"/>
-                <dgm:constr type="rOff" for="ch" forName="text_2" refType="ctrXOff" refFor="ch" refForName="accent_2"/>
-                <dgm:constr type="l" for="ch" forName="text_2"/>
-                <dgm:constr type="w" for="ch" forName="text_2" refType="h" refFor="ch" refForName="text_2" op="gte"/>
-                <dgm:constr type="h" for="ch" forName="text_2" refType="h" refFor="ch" refForName="accent_2" fact="0.8"/>
-                <dgm:constr type="ctrY" for="ch" forName="text_2" refType="ctrY" refFor="ch" refForName="accent_2"/>
-                <dgm:constr type="rMarg" for="ch" forName="text_2" refType="w" refFor="ch" refForName="accent_2" fact="1.8"/>
-                <dgm:constr type="h" for="ch" forName="accent_3" refType="h" fact="0.1923"/>
-                <dgm:constr type="w" for="ch" forName="accent_3" refType="h" refFor="ch" refForName="accent_3" op="equ"/>
-                <dgm:constr type="ctrY" for="ch" forName="accent_3" refType="h" fact="0.6154"/>
-                <dgm:constr type="ctrX" for="ch" forName="accent_3" refType="w"/>
-                <dgm:constr type="ctrXOff" for="ch" forName="accent_3" refType="h" fact="-0.215"/>
-                <dgm:constr type="r" for="ch" forName="text_3" refType="ctrX" refFor="ch" refForName="accent_3"/>
-                <dgm:constr type="rOff" for="ch" forName="text_3" refType="ctrXOff" refFor="ch" refForName="accent_3"/>
-                <dgm:constr type="l" for="ch" forName="text_3"/>
-                <dgm:constr type="w" for="ch" forName="text_3" refType="h" refFor="ch" refForName="text_3" op="gte"/>
-                <dgm:constr type="h" for="ch" forName="text_3" refType="h" refFor="ch" refForName="accent_3" fact="0.8"/>
-                <dgm:constr type="ctrY" for="ch" forName="text_3" refType="ctrY" refFor="ch" refForName="accent_3"/>
-                <dgm:constr type="rMarg" for="ch" forName="text_3" refType="w" refFor="ch" refForName="accent_3" fact="1.8"/>
-                <dgm:constr type="h" for="ch" forName="accent_4" refType="h" fact="0.1923"/>
-                <dgm:constr type="w" for="ch" forName="accent_4" refType="h" refFor="ch" refForName="accent_4" op="equ"/>
-                <dgm:constr type="ctrY" for="ch" forName="accent_4" refType="h" fact="0.8462"/>
-                <dgm:constr type="ctrX" for="ch" forName="accent_4" refType="w"/>
-                <dgm:constr type="ctrXOff" for="ch" forName="accent_4" refType="h" fact="-0.1268"/>
-                <dgm:constr type="r" for="ch" forName="text_4" refType="ctrX" refFor="ch" refForName="accent_4"/>
-                <dgm:constr type="rOff" for="ch" forName="text_4" refType="ctrXOff" refFor="ch" refForName="accent_4"/>
-                <dgm:constr type="l" for="ch" forName="text_4"/>
-                <dgm:constr type="w" for="ch" forName="text_4" refType="h" refFor="ch" refForName="text_4" op="gte"/>
-                <dgm:constr type="h" for="ch" forName="text_4" refType="h" refFor="ch" refForName="accent_4" fact="0.8"/>
-                <dgm:constr type="ctrY" for="ch" forName="text_4" refType="ctrY" refFor="ch" refForName="accent_4"/>
-                <dgm:constr type="rMarg" for="ch" forName="text_4" refType="w" refFor="ch" refForName="accent_4" fact="1.8"/>
-                <dgm:constr type="primFontSz" for="ch" ptType="node" op="equ" val="65"/>
-              </dgm:constrLst>
-            </dgm:if>
-            <dgm:if name="Name18" axis="ch" ptType="node" func="cnt" op="equ" val="5">
-              <dgm:constrLst>
-                <dgm:constr type="h" for="ch" forName="cycle" refType="h"/>
-                <dgm:constr type="w" for="ch" forName="cycle" refType="h" refFor="ch" refForName="cycle" fact="0.26"/>
-                <dgm:constr type="r" for="ch" forName="cycle" refType="w"/>
-                <dgm:constr type="ctrY" for="ch" forName="cycle" refType="h" fact="0.5"/>
-                <dgm:constr type="diam" for="ch" forName="cycle" refType="h" fact="1.344"/>
-                <dgm:constr type="h" for="ch" forName="accent_1" refType="h" fact="0.1563"/>
-                <dgm:constr type="w" for="ch" forName="accent_1" refType="h" refFor="ch" refForName="accent_1" op="equ"/>
-                <dgm:constr type="ctrY" for="ch" forName="accent_1" refType="h" fact="0.125"/>
-                <dgm:constr type="ctrX" for="ch" forName="accent_1" refType="w"/>
-                <dgm:constr type="ctrXOff" for="ch" forName="accent_1" refType="h" fact="-0.1082"/>
-                <dgm:constr type="r" for="ch" forName="text_1" refType="ctrX" refFor="ch" refForName="accent_1"/>
-                <dgm:constr type="rOff" for="ch" forName="text_1" refType="ctrXOff" refFor="ch" refForName="accent_1"/>
-                <dgm:constr type="l" for="ch" forName="text_1"/>
-                <dgm:constr type="w" for="ch" forName="text_1" refType="h" refFor="ch" refForName="text_1" op="gte"/>
-                <dgm:constr type="h" for="ch" forName="text_1" refType="h" refFor="ch" refForName="accent_1" fact="0.8"/>
-                <dgm:constr type="ctrY" for="ch" forName="text_1" refType="ctrY" refFor="ch" refForName="accent_1"/>
-                <dgm:constr type="rMarg" for="ch" forName="text_1" refType="w" refFor="ch" refForName="accent_1" fact="1.8"/>
-                <dgm:constr type="h" for="ch" forName="accent_2" refType="h" fact="0.1563"/>
-                <dgm:constr type="w" for="ch" forName="accent_2" refType="h" refFor="ch" refForName="accent_2" op="equ"/>
-                <dgm:constr type="ctrY" for="ch" forName="accent_2" refType="h" fact="0.3125"/>
-                <dgm:constr type="ctrX" for="ch" forName="accent_2" refType="w"/>
-                <dgm:constr type="ctrXOff" for="ch" forName="accent_2" refType="h" fact="-0.1978"/>
-                <dgm:constr type="r" for="ch" forName="text_2" refType="ctrX" refFor="ch" refForName="accent_2"/>
-                <dgm:constr type="rOff" for="ch" forName="text_2" refType="ctrXOff" refFor="ch" refForName="accent_2"/>
-                <dgm:constr type="l" for="ch" forName="text_2"/>
-                <dgm:constr type="w" for="ch" forName="text_2" refType="h" refFor="ch" refForName="text_2" op="gte"/>
-                <dgm:constr type="h" for="ch" forName="text_2" refType="h" refFor="ch" refForName="accent_2" fact="0.8"/>
-                <dgm:constr type="ctrY" for="ch" forName="text_2" refType="ctrY" refFor="ch" refForName="accent_2"/>
-                <dgm:constr type="rMarg" for="ch" forName="text_2" refType="w" refFor="ch" refForName="accent_2" fact="1.8"/>
-                <dgm:constr type="h" for="ch" forName="accent_3" refType="h" fact="0.1563"/>
-                <dgm:constr type="w" for="ch" forName="accent_3" refType="h" refFor="ch" refForName="accent_3" op="equ"/>
-                <dgm:constr type="ctrY" for="ch" forName="accent_3" refType="h" fact="0.5"/>
-                <dgm:constr type="ctrX" for="ch" forName="accent_3" refType="w"/>
-                <dgm:constr type="ctrXOff" for="ch" forName="accent_3" refType="h" fact="-0.2253"/>
-                <dgm:constr type="r" for="ch" forName="text_3" refType="ctrX" refFor="ch" refForName="accent_3"/>
-                <dgm:constr type="rOff" for="ch" forName="text_3" refType="ctrXOff" refFor="ch" refForName="accent_3"/>
-                <dgm:constr type="l" for="ch" forName="text_3"/>
-                <dgm:constr type="w" for="ch" forName="text_3" refType="h" refFor="ch" refForName="text_3" op="gte"/>
-                <dgm:constr type="h" for="ch" forName="text_3" refType="h" refFor="ch" refForName="accent_3" fact="0.8"/>
-                <dgm:constr type="ctrY" for="ch" forName="text_3" refType="ctrY" refFor="ch" refForName="accent_3"/>
-                <dgm:constr type="rMarg" for="ch" forName="text_3" refType="w" refFor="ch" refForName="accent_3" fact="1.8"/>
-                <dgm:constr type="h" for="ch" forName="accent_4" refType="h" fact="0.1563"/>
-                <dgm:constr type="w" for="ch" forName="accent_4" refType="h" refFor="ch" refForName="accent_4" op="equ"/>
-                <dgm:constr type="ctrY" for="ch" forName="accent_4" refType="h" fact="0.6875"/>
-                <dgm:constr type="ctrX" for="ch" forName="accent_4" refType="w"/>
-                <dgm:constr type="ctrXOff" for="ch" forName="accent_4" refType="h" fact="-0.1978"/>
-                <dgm:constr type="r" for="ch" forName="text_4" refType="ctrX" refFor="ch" refForName="accent_4"/>
-                <dgm:constr type="rOff" for="ch" forName="text_4" refType="ctrXOff" refFor="ch" refForName="accent_4"/>
-                <dgm:constr type="l" for="ch" forName="text_4"/>
-                <dgm:constr type="w" for="ch" forName="text_4" refType="h" refFor="ch" refForName="text_4" op="gte"/>
-                <dgm:constr type="h" for="ch" forName="text_4" refType="h" refFor="ch" refForName="accent_4" fact="0.8"/>
-                <dgm:constr type="ctrY" for="ch" forName="text_4" refType="ctrY" refFor="ch" refForName="accent_4"/>
-                <dgm:constr type="rMarg" for="ch" forName="text_4" refType="w" refFor="ch" refForName="accent_4" fact="1.8"/>
-                <dgm:constr type="h" for="ch" forName="accent_5" refType="h" fact="0.1563"/>
-                <dgm:constr type="w" for="ch" forName="accent_5" refType="h" refFor="ch" refForName="accent_5" op="equ"/>
-                <dgm:constr type="ctrY" for="ch" forName="accent_5" refType="h" fact="0.875"/>
-                <dgm:constr type="ctrX" for="ch" forName="accent_5" refType="w"/>
-                <dgm:constr type="ctrXOff" for="ch" forName="accent_5" refType="h" fact="-0.1082"/>
-                <dgm:constr type="r" for="ch" forName="text_5" refType="ctrX" refFor="ch" refForName="accent_5"/>
-                <dgm:constr type="rOff" for="ch" forName="text_5" refType="ctrXOff" refFor="ch" refForName="accent_5"/>
-                <dgm:constr type="l" for="ch" forName="text_5"/>
-                <dgm:constr type="w" for="ch" forName="text_5" refType="h" refFor="ch" refForName="text_5" op="gte"/>
-                <dgm:constr type="h" for="ch" forName="text_5" refType="h" refFor="ch" refForName="accent_5" fact="0.8"/>
-                <dgm:constr type="ctrY" for="ch" forName="text_5" refType="ctrY" refFor="ch" refForName="accent_5"/>
-                <dgm:constr type="rMarg" for="ch" forName="text_5" refType="w" refFor="ch" refForName="accent_5" fact="1.8"/>
-                <dgm:constr type="primFontSz" for="ch" ptType="node" op="equ" val="65"/>
-              </dgm:constrLst>
-            </dgm:if>
-            <dgm:if name="Name19" axis="ch" ptType="node" func="cnt" op="equ" val="6">
-              <dgm:constrLst>
-                <dgm:constr type="h" for="ch" forName="cycle" refType="h"/>
-                <dgm:constr type="w" for="ch" forName="cycle" refType="h" refFor="ch" refForName="cycle" fact="0.26"/>
-                <dgm:constr type="r" for="ch" forName="cycle" refType="w"/>
-                <dgm:constr type="ctrY" for="ch" forName="cycle" refType="h" fact="0.5"/>
-                <dgm:constr type="diam" for="ch" forName="cycle" refType="h" fact="1.344"/>
-                <dgm:constr type="h" for="ch" forName="accent_1" refType="h" fact="0.1316"/>
-                <dgm:constr type="w" for="ch" forName="accent_1" refType="h" refFor="ch" refForName="accent_1" op="equ"/>
-                <dgm:constr type="ctrY" for="ch" forName="accent_1" refType="h" fact="0.1053"/>
-                <dgm:constr type="ctrX" for="ch" forName="accent_1" refType="w"/>
-                <dgm:constr type="ctrXOff" for="ch" forName="accent_1" refType="h" fact="-0.0943"/>
-                <dgm:constr type="r" for="ch" forName="text_1" refType="ctrX" refFor="ch" refForName="accent_1"/>
-                <dgm:constr type="rOff" for="ch" forName="text_1" refType="ctrXOff" refFor="ch" refForName="accent_1"/>
-                <dgm:constr type="l" for="ch" forName="text_1"/>
-                <dgm:constr type="w" for="ch" forName="text_1" refType="h" refFor="ch" refForName="text_1" op="gte"/>
-                <dgm:constr type="h" for="ch" forName="text_1" refType="h" refFor="ch" refForName="accent_1" fact="0.8"/>
-                <dgm:constr type="ctrY" for="ch" forName="text_1" refType="ctrY" refFor="ch" refForName="accent_1"/>
-                <dgm:constr type="rMarg" for="ch" forName="text_1" refType="w" refFor="ch" refForName="accent_1" fact="1.8"/>
-                <dgm:constr type="h" for="ch" forName="accent_2" refType="h" fact="0.1316"/>
-                <dgm:constr type="w" for="ch" forName="accent_2" refType="h" refFor="ch" refForName="accent_2" op="equ"/>
-                <dgm:constr type="ctrY" for="ch" forName="accent_2" refType="h" fact="0.2632"/>
-                <dgm:constr type="ctrX" for="ch" forName="accent_2" refType="w"/>
-                <dgm:constr type="ctrXOff" for="ch" forName="accent_2" refType="h" fact="-0.1809"/>
-                <dgm:constr type="r" for="ch" forName="text_2" refType="ctrX" refFor="ch" refForName="accent_2"/>
-                <dgm:constr type="rOff" for="ch" forName="text_2" refType="ctrXOff" refFor="ch" refForName="accent_2"/>
-                <dgm:constr type="l" for="ch" forName="text_2"/>
-                <dgm:constr type="w" for="ch" forName="text_2" refType="h" refFor="ch" refForName="text_2" op="gte"/>
-                <dgm:constr type="h" for="ch" forName="text_2" refType="h" refFor="ch" refForName="accent_2" fact="0.8"/>
-                <dgm:constr type="ctrY" for="ch" forName="text_2" refType="ctrY" refFor="ch" refForName="accent_2"/>
-                <dgm:constr type="rMarg" for="ch" forName="text_2" refType="w" refFor="ch" refForName="accent_2" fact="1.8"/>
-                <dgm:constr type="h" for="ch" forName="accent_3" refType="h" fact="0.1316"/>
-                <dgm:constr type="w" for="ch" forName="accent_3" refType="h" refFor="ch" refForName="accent_3" op="equ"/>
-                <dgm:constr type="ctrY" for="ch" forName="accent_3" refType="h" fact="0.4211"/>
-                <dgm:constr type="ctrX" for="ch" forName="accent_3" refType="w"/>
-                <dgm:constr type="ctrXOff" for="ch" forName="accent_3" refType="h" fact="-0.2205"/>
-                <dgm:constr type="r" for="ch" forName="text_3" refType="ctrX" refFor="ch" refForName="accent_3"/>
-                <dgm:constr type="rOff" for="ch" forName="text_3" refType="ctrXOff" refFor="ch" refForName="accent_3"/>
-                <dgm:constr type="l" for="ch" forName="text_3"/>
-                <dgm:constr type="w" for="ch" forName="text_3" refType="h" refFor="ch" refForName="text_3" op="gte"/>
-                <dgm:constr type="h" for="ch" forName="text_3" refType="h" refFor="ch" refForName="accent_3" fact="0.8"/>
-                <dgm:constr type="ctrY" for="ch" forName="text_3" refType="ctrY" refFor="ch" refForName="accent_3"/>
-                <dgm:constr type="rMarg" for="ch" forName="text_3" refType="w" refFor="ch" refForName="accent_3" fact="1.8"/>
-                <dgm:constr type="h" for="ch" forName="accent_4" refType="h" fact="0.1316"/>
-                <dgm:constr type="w" for="ch" forName="accent_4" refType="h" refFor="ch" refForName="accent_4" op="equ"/>
-                <dgm:constr type="ctrY" for="ch" forName="accent_4" refType="h" fact="0.5789"/>
-                <dgm:constr type="ctrX" for="ch" forName="accent_4" refType="w"/>
-                <dgm:constr type="ctrXOff" for="ch" forName="accent_4" refType="h" fact="-0.2205"/>
-                <dgm:constr type="r" for="ch" forName="text_4" refType="ctrX" refFor="ch" refForName="accent_4"/>
-                <dgm:constr type="rOff" for="ch" forName="text_4" refType="ctrXOff" refFor="ch" refForName="accent_4"/>
-                <dgm:constr type="l" for="ch" forName="text_4"/>
-                <dgm:constr type="w" for="ch" forName="text_4" refType="h" refFor="ch" refForName="text_4" op="gte"/>
-                <dgm:constr type="h" for="ch" forName="text_4" refType="h" refFor="ch" refForName="accent_4" fact="0.8"/>
-                <dgm:constr type="ctrY" for="ch" forName="text_4" refType="ctrY" refFor="ch" refForName="accent_4"/>
-                <dgm:constr type="rMarg" for="ch" forName="text_4" refType="w" refFor="ch" refForName="accent_4" fact="1.8"/>
-                <dgm:constr type="h" for="ch" forName="accent_5" refType="h" fact="0.1316"/>
-                <dgm:constr type="w" for="ch" forName="accent_5" refType="h" refFor="ch" refForName="accent_5" op="equ"/>
-                <dgm:constr type="ctrY" for="ch" forName="accent_5" refType="h" fact="0.7368"/>
-                <dgm:constr type="ctrX" for="ch" forName="accent_5" refType="w"/>
-                <dgm:constr type="ctrXOff" for="ch" forName="accent_5" refType="h" fact="-0.1809"/>
-                <dgm:constr type="r" for="ch" forName="text_5" refType="ctrX" refFor="ch" refForName="accent_5"/>
-                <dgm:constr type="rOff" for="ch" forName="text_5" refType="ctrXOff" refFor="ch" refForName="accent_5"/>
-                <dgm:constr type="l" for="ch" forName="text_5"/>
-                <dgm:constr type="w" for="ch" forName="text_5" refType="h" refFor="ch" refForName="text_5" op="gte"/>
-                <dgm:constr type="h" for="ch" forName="text_5" refType="h" refFor="ch" refForName="accent_5" fact="0.8"/>
-                <dgm:constr type="ctrY" for="ch" forName="text_5" refType="ctrY" refFor="ch" refForName="accent_5"/>
-                <dgm:constr type="rMarg" for="ch" forName="text_5" refType="w" refFor="ch" refForName="accent_5" fact="1.8"/>
-                <dgm:constr type="h" for="ch" forName="accent_6" refType="h" fact="0.1316"/>
-                <dgm:constr type="w" for="ch" forName="accent_6" refType="h" refFor="ch" refForName="accent_6" op="equ"/>
-                <dgm:constr type="ctrY" for="ch" forName="accent_6" refType="h" fact="0.8947"/>
-                <dgm:constr type="ctrX" for="ch" forName="accent_6" refType="w"/>
-                <dgm:constr type="ctrXOff" for="ch" forName="accent_6" refType="h" fact="-0.0943"/>
-                <dgm:constr type="r" for="ch" forName="text_6" refType="ctrX" refFor="ch" refForName="accent_6"/>
-                <dgm:constr type="rOff" for="ch" forName="text_6" refType="ctrXOff" refFor="ch" refForName="accent_6"/>
-                <dgm:constr type="l" for="ch" forName="text_6"/>
-                <dgm:constr type="w" for="ch" forName="text_6" refType="h" refFor="ch" refForName="text_6" op="gte"/>
-                <dgm:constr type="h" for="ch" forName="text_6" refType="h" refFor="ch" refForName="accent_6" fact="0.8"/>
-                <dgm:constr type="ctrY" for="ch" forName="text_6" refType="ctrY" refFor="ch" refForName="accent_6"/>
-                <dgm:constr type="rMarg" for="ch" forName="text_6" refType="w" refFor="ch" refForName="accent_6" fact="1.8"/>
-                <dgm:constr type="primFontSz" for="ch" ptType="node" op="equ" val="65"/>
-              </dgm:constrLst>
-            </dgm:if>
-            <dgm:else name="Name20">
-              <dgm:constrLst>
-                <dgm:constr type="h" for="ch" forName="cycle" refType="h"/>
-                <dgm:constr type="w" for="ch" forName="cycle" refType="h" refFor="ch" refForName="cycle" fact="0.26"/>
-                <dgm:constr type="r" for="ch" forName="cycle" refType="w"/>
-                <dgm:constr type="ctrY" for="ch" forName="cycle" refType="h" fact="0.5"/>
-                <dgm:constr type="diam" for="ch" forName="cycle" refType="h" fact="1.344"/>
-                <dgm:constr type="h" for="ch" forName="accent_1" refType="h" fact="0.1136"/>
-                <dgm:constr type="w" for="ch" forName="accent_1" refType="h" refFor="ch" refForName="accent_1" op="equ"/>
-                <dgm:constr type="ctrY" for="ch" forName="accent_1" refType="h" fact="0.0909"/>
-                <dgm:constr type="ctrX" for="ch" forName="accent_1" refType="w"/>
-                <dgm:constr type="ctrXOff" for="ch" forName="accent_1" refType="h" fact="-0.0835"/>
-                <dgm:constr type="r" for="ch" forName="text_1" refType="ctrX" refFor="ch" refForName="accent_1"/>
-                <dgm:constr type="rOff" for="ch" forName="text_1" refType="ctrXOff" refFor="ch" refForName="accent_1"/>
-                <dgm:constr type="l" for="ch" forName="text_1"/>
-                <dgm:constr type="w" for="ch" forName="text_1" refType="h" refFor="ch" refForName="text_1" op="gte"/>
-                <dgm:constr type="h" for="ch" forName="text_1" refType="h" refFor="ch" refForName="accent_1" fact="0.8"/>
-                <dgm:constr type="ctrY" for="ch" forName="text_1" refType="ctrY" refFor="ch" refForName="accent_1"/>
-                <dgm:constr type="rMarg" for="ch" forName="text_1" refType="w" refFor="ch" refForName="accent_1" fact="1.8"/>
-                <dgm:constr type="h" for="ch" forName="accent_2" refType="h" fact="0.1136"/>
-                <dgm:constr type="w" for="ch" forName="accent_2" refType="h" refFor="ch" refForName="accent_2" op="equ"/>
-                <dgm:constr type="ctrY" for="ch" forName="accent_2" refType="h" fact="0.2273"/>
-                <dgm:constr type="ctrX" for="ch" forName="accent_2" refType="w"/>
-                <dgm:constr type="ctrXOff" for="ch" forName="accent_2" refType="h" fact="-0.1658"/>
-                <dgm:constr type="r" for="ch" forName="text_2" refType="ctrX" refFor="ch" refForName="accent_2"/>
-                <dgm:constr type="rOff" for="ch" forName="text_2" refType="ctrXOff" refFor="ch" refForName="accent_2"/>
-                <dgm:constr type="l" for="ch" forName="text_2"/>
-                <dgm:constr type="w" for="ch" forName="text_2" refType="h" refFor="ch" refForName="text_2" op="gte"/>
-                <dgm:constr type="h" for="ch" forName="text_2" refType="h" refFor="ch" refForName="accent_2" fact="0.8"/>
-                <dgm:constr type="ctrY" for="ch" forName="text_2" refType="ctrY" refFor="ch" refForName="accent_2"/>
-                <dgm:constr type="rMarg" for="ch" forName="text_2" refType="w" refFor="ch" refForName="accent_2" fact="1.8"/>
-                <dgm:constr type="h" for="ch" forName="accent_3" refType="h" fact="0.1136"/>
-                <dgm:constr type="w" for="ch" forName="accent_3" refType="h" refFor="ch" refForName="accent_3" op="equ"/>
-                <dgm:constr type="ctrY" for="ch" forName="accent_3" refType="h" fact="0.3636"/>
-                <dgm:constr type="ctrX" for="ch" forName="accent_3" refType="w"/>
-                <dgm:constr type="ctrXOff" for="ch" forName="accent_3" refType="h" fact="-0.2109"/>
-                <dgm:constr type="r" for="ch" forName="text_3" refType="ctrX" refFor="ch" refForName="accent_3"/>
-                <dgm:constr type="rOff" for="ch" forName="text_3" refType="ctrXOff" refFor="ch" refForName="accent_3"/>
-                <dgm:constr type="l" for="ch" forName="text_3"/>
-                <dgm:constr type="w" for="ch" forName="text_3" refType="h" refFor="ch" refForName="text_3" op="gte"/>
-                <dgm:constr type="h" for="ch" forName="text_3" refType="h" refFor="ch" refForName="accent_3" fact="0.8"/>
-                <dgm:constr type="ctrY" for="ch" forName="text_3" refType="ctrY" refFor="ch" refForName="accent_3"/>
-                <dgm:constr type="rMarg" for="ch" forName="text_3" refType="w" refFor="ch" refForName="accent_3" fact="1.8"/>
-                <dgm:constr type="h" for="ch" forName="accent_4" refType="h" fact="0.1136"/>
-                <dgm:constr type="w" for="ch" forName="accent_4" refType="h" refFor="ch" refForName="accent_4" op="equ"/>
-                <dgm:constr type="ctrY" for="ch" forName="accent_4" refType="h" fact="0.5"/>
-                <dgm:constr type="ctrX" for="ch" forName="accent_4" refType="w"/>
-                <dgm:constr type="ctrXOff" for="ch" forName="accent_4" refType="h" fact="-0.2253"/>
-                <dgm:constr type="r" for="ch" forName="text_4" refType="ctrX" refFor="ch" refForName="accent_4"/>
-                <dgm:constr type="rOff" for="ch" forName="text_4" refType="ctrXOff" refFor="ch" refForName="accent_4"/>
-                <dgm:constr type="l" for="ch" forName="text_4"/>
-                <dgm:constr type="w" for="ch" forName="text_4" refType="h" refFor="ch" refForName="text_4" op="gte"/>
-                <dgm:constr type="h" for="ch" forName="text_4" refType="h" refFor="ch" refForName="accent_4" fact="0.8"/>
-                <dgm:constr type="ctrY" for="ch" forName="text_4" refType="ctrY" refFor="ch" refForName="accent_4"/>
-                <dgm:constr type="rMarg" for="ch" forName="text_4" refType="w" refFor="ch" refForName="accent_4" fact="1.8"/>
-                <dgm:constr type="h" for="ch" forName="accent_5" refType="h" fact="0.1136"/>
-                <dgm:constr type="w" for="ch" forName="accent_5" refType="h" refFor="ch" refForName="accent_5" op="equ"/>
-                <dgm:constr type="ctrY" for="ch" forName="accent_5" refType="h" fact="0.6364"/>
-                <dgm:constr type="ctrX" for="ch" forName="accent_5" refType="w"/>
-                <dgm:constr type="ctrXOff" for="ch" forName="accent_5" refType="h" fact="-0.2109"/>
-                <dgm:constr type="r" for="ch" forName="text_5" refType="ctrX" refFor="ch" refForName="accent_5"/>
-                <dgm:constr type="rOff" for="ch" forName="text_5" refType="ctrXOff" refFor="ch" refForName="accent_5"/>
-                <dgm:constr type="l" for="ch" forName="text_5"/>
-                <dgm:constr type="w" for="ch" forName="text_5" refType="h" refFor="ch" refForName="text_5" op="gte"/>
-                <dgm:constr type="h" for="ch" forName="text_5" refType="h" refFor="ch" refForName="accent_5" fact="0.8"/>
-                <dgm:constr type="ctrY" for="ch" forName="text_5" refType="ctrY" refFor="ch" refForName="accent_5"/>
-                <dgm:constr type="rMarg" for="ch" forName="text_5" refType="w" refFor="ch" refForName="accent_5" fact="1.8"/>
-                <dgm:constr type="h" for="ch" forName="accent_6" refType="h" fact="0.1136"/>
-                <dgm:constr type="w" for="ch" forName="accent_6" refType="h" refFor="ch" refForName="accent_6" op="equ"/>
-                <dgm:constr type="ctrY" for="ch" forName="accent_6" refType="h" fact="0.7727"/>
-                <dgm:constr type="ctrX" for="ch" forName="accent_6" refType="w"/>
-                <dgm:constr type="ctrXOff" for="ch" forName="accent_6" refType="h" fact="-0.1658"/>
-                <dgm:constr type="r" for="ch" forName="text_6" refType="ctrX" refFor="ch" refForName="accent_6"/>
-                <dgm:constr type="rOff" for="ch" forName="text_6" refType="ctrXOff" refFor="ch" refForName="accent_6"/>
-                <dgm:constr type="l" for="ch" forName="text_6"/>
-                <dgm:constr type="w" for="ch" forName="text_6" refType="h" refFor="ch" refForName="text_6" op="gte"/>
-                <dgm:constr type="h" for="ch" forName="text_6" refType="h" refFor="ch" refForName="accent_6" fact="0.8"/>
-                <dgm:constr type="ctrY" for="ch" forName="text_6" refType="ctrY" refFor="ch" refForName="accent_6"/>
-                <dgm:constr type="rMarg" for="ch" forName="text_6" refType="w" refFor="ch" refForName="accent_6" fact="1.8"/>
-                <dgm:constr type="h" for="ch" forName="accent_7" refType="h" fact="0.1136"/>
-                <dgm:constr type="w" for="ch" forName="accent_7" refType="h" refFor="ch" refForName="accent_7" op="equ"/>
-                <dgm:constr type="ctrY" for="ch" forName="accent_7" refType="h" fact="0.9091"/>
-                <dgm:constr type="ctrX" for="ch" forName="accent_7" refType="w"/>
-                <dgm:constr type="ctrXOff" for="ch" forName="accent_7" refType="h" fact="-0.0835"/>
-                <dgm:constr type="r" for="ch" forName="text_7" refType="ctrX" refFor="ch" refForName="accent_7"/>
-                <dgm:constr type="rOff" for="ch" forName="text_7" refType="ctrXOff" refFor="ch" refForName="accent_7"/>
-                <dgm:constr type="l" for="ch" forName="text_7"/>
-                <dgm:constr type="w" for="ch" forName="text_7" refType="h" refFor="ch" refForName="text_7" op="gte"/>
-                <dgm:constr type="h" for="ch" forName="text_7" refType="h" refFor="ch" refForName="accent_7" fact="0.8"/>
-                <dgm:constr type="ctrY" for="ch" forName="text_7" refType="ctrY" refFor="ch" refForName="accent_7"/>
-                <dgm:constr type="rMarg" for="ch" forName="text_7" refType="w" refFor="ch" refForName="accent_7" fact="1.8"/>
-                <dgm:constr type="primFontSz" for="ch" ptType="node" op="equ" val="65"/>
-              </dgm:constrLst>
-            </dgm:else>
-          </dgm:choose>
-        </dgm:else>
-      </dgm:choose>
-      <dgm:layoutNode name="cycle">
-        <dgm:choose name="Name21">
-          <dgm:if name="Name22" func="var" arg="dir" op="equ" val="norm">
-            <dgm:alg type="cycle">
-              <dgm:param type="stAng" val="45"/>
-              <dgm:param type="spanAng" val="90"/>
-            </dgm:alg>
-          </dgm:if>
-          <dgm:else name="Name23">
-            <dgm:alg type="cycle">
-              <dgm:param type="stAng" val="225"/>
-              <dgm:param type="spanAng" val="90"/>
-            </dgm:alg>
-          </dgm:else>
-        </dgm:choose>
-        <dgm:shape xmlns:r="http://schemas.openxmlformats.org/officeDocument/2006/relationships" r:blip="">
-          <dgm:adjLst/>
-        </dgm:shape>
-        <dgm:presOf/>
-        <dgm:constrLst>
-          <dgm:constr type="w" for="ch" val="1"/>
-          <dgm:constr type="h" for="ch" val="1"/>
-          <dgm:constr type="diam" for="ch" forName="conn" refType="diam"/>
-        </dgm:constrLst>
-        <dgm:layoutNode name="srcNode">
-          <dgm:alg type="sp"/>
-          <dgm:shape xmlns:r="http://schemas.openxmlformats.org/officeDocument/2006/relationships" type="rect" r:blip="" hideGeom="1">
-            <dgm:adjLst/>
-          </dgm:shape>
-          <dgm:presOf/>
-        </dgm:layoutNode>
-        <dgm:layoutNode name="conn" styleLbl="parChTrans1D2">
-          <dgm:alg type="conn">
-            <dgm:param type="connRout" val="curve"/>
-            <dgm:param type="srcNode" val="srcNode"/>
-            <dgm:param type="dstNode" val="dstNode"/>
-            <dgm:param type="begPts" val="ctr"/>
-            <dgm:param type="endPts" val="ctr"/>
-            <dgm:param type="endSty" val="noArr"/>
-          </dgm:alg>
-          <dgm:shape xmlns:r="http://schemas.openxmlformats.org/officeDocument/2006/relationships" type="conn" r:blip="">
-            <dgm:adjLst/>
-          </dgm:shape>
-          <dgm:presOf axis="desOrSelf" ptType="sibTrans" hideLastTrans="0" st="0" cnt="1"/>
-          <dgm:constrLst>
-            <dgm:constr type="begPad"/>
-            <dgm:constr type="endPad"/>
-          </dgm:constrLst>
-        </dgm:layoutNode>
-        <dgm:layoutNode name="extraNode">
-          <dgm:alg type="sp"/>
-          <dgm:shape xmlns:r="http://schemas.openxmlformats.org/officeDocument/2006/relationships" type="rect" r:blip="" hideGeom="1">
-            <dgm:adjLst/>
-          </dgm:shape>
-          <dgm:presOf/>
-        </dgm:layoutNode>
-        <dgm:layoutNode name="dstNode">
-          <dgm:alg type="sp"/>
-          <dgm:shape xmlns:r="http://schemas.openxmlformats.org/officeDocument/2006/relationships" type="rect" r:blip="" hideGeom="1">
-            <dgm:adjLst/>
-          </dgm:shape>
-          <dgm:presOf/>
-        </dgm:layoutNode>
-      </dgm:layoutNode>
-      <dgm:forEach name="wrapper" axis="self" ptType="parTrans">
-        <dgm:forEach name="wrapper2" axis="self" ptType="sibTrans" st="2">
-          <dgm:forEach name="accentRepeat" axis="self">
-            <dgm:layoutNode name="accentRepeatNode" styleLbl="solidFgAcc1">
-              <dgm:alg type="sp"/>
-              <dgm:shape xmlns:r="http://schemas.openxmlformats.org/officeDocument/2006/relationships" type="ellipse" r:blip="">
-                <dgm:adjLst/>
-              </dgm:shape>
-              <dgm:presOf/>
-            </dgm:layoutNode>
-          </dgm:forEach>
-        </dgm:forEach>
-      </dgm:forEach>
-      <dgm:forEach name="Name24" axis="ch" ptType="node" cnt="1">
-        <dgm:layoutNode name="text_1" styleLbl="node1">
-          <dgm:varLst>
-            <dgm:bulletEnabled val="1"/>
-          </dgm:varLst>
-          <dgm:choose name="Name25">
-            <dgm:if name="Name26" func="var" arg="dir" op="equ" val="norm">
-              <dgm:alg type="tx">
-                <dgm:param type="parTxLTRAlign" val="l"/>
-                <dgm:param type="shpTxLTRAlignCh" val="l"/>
-                <dgm:param type="parTxRTLAlign" val="l"/>
-                <dgm:param type="shpTxRTLAlignCh" val="l"/>
-              </dgm:alg>
-            </dgm:if>
-            <dgm:else name="Name27">
-              <dgm:alg type="tx">
-                <dgm:param type="parTxLTRAlign" val="r"/>
-                <dgm:param type="shpTxLTRAlignCh" val="r"/>
-                <dgm:param type="parTxRTLAlign" val="r"/>
-                <dgm:param type="shpTxRTLAlignCh" val="r"/>
-              </dgm:alg>
-            </dgm:else>
-          </dgm:choose>
-          <dgm:shape xmlns:r="http://schemas.openxmlformats.org/officeDocument/2006/relationships" type="rect" r:blip="">
-            <dgm:adjLst/>
-          </dgm:shape>
-          <dgm:presOf axis="desOrSelf" ptType="node"/>
-          <dgm:constrLst>
-            <dgm:constr type="primFontSz" val="65"/>
-            <dgm:constr type="lMarg" refType="primFontSz" fact="0.2"/>
-            <dgm:constr type="rMarg" refType="primFontSz" fact="0.2"/>
-            <dgm:constr type="tMarg" refType="primFontSz" fact="0.2"/>
-            <dgm:constr type="bMarg" refType="primFontSz" fact="0.2"/>
-          </dgm:constrLst>
-          <dgm:ruleLst>
-            <dgm:rule type="primFontSz" val="5" fact="NaN" max="NaN"/>
-          </dgm:ruleLst>
-        </dgm:layoutNode>
-        <dgm:layoutNode name="accent_1">
-          <dgm:alg type="sp"/>
-          <dgm:shape xmlns:r="http://schemas.openxmlformats.org/officeDocument/2006/relationships" r:blip="">
-            <dgm:adjLst/>
-          </dgm:shape>
-          <dgm:presOf/>
-          <dgm:constrLst/>
-          <dgm:forEach name="Name28" ref="accentRepeat"/>
-        </dgm:layoutNode>
-      </dgm:forEach>
-      <dgm:forEach name="Name29" axis="ch" ptType="node" st="2" cnt="1">
-        <dgm:layoutNode name="text_2" styleLbl="node1">
-          <dgm:varLst>
-            <dgm:bulletEnabled val="1"/>
-          </dgm:varLst>
-          <dgm:choose name="Name30">
-            <dgm:if name="Name31" func="var" arg="dir" op="equ" val="norm">
-              <dgm:alg type="tx">
-                <dgm:param type="parTxLTRAlign" val="l"/>
-                <dgm:param type="shpTxLTRAlignCh" val="l"/>
-                <dgm:param type="parTxRTLAlign" val="l"/>
-                <dgm:param type="shpTxRTLAlignCh" val="l"/>
-              </dgm:alg>
-            </dgm:if>
-            <dgm:else name="Name32">
-              <dgm:alg type="tx">
-                <dgm:param type="parTxLTRAlign" val="r"/>
-                <dgm:param type="shpTxLTRAlignCh" val="r"/>
-                <dgm:param type="parTxRTLAlign" val="r"/>
-                <dgm:param type="shpTxRTLAlignCh" val="r"/>
-              </dgm:alg>
-            </dgm:else>
-          </dgm:choose>
-          <dgm:shape xmlns:r="http://schemas.openxmlformats.org/officeDocument/2006/relationships" type="rect" r:blip="">
-            <dgm:adjLst/>
-          </dgm:shape>
-          <dgm:presOf axis="desOrSelf" ptType="node"/>
-          <dgm:constrLst>
-            <dgm:constr type="primFontSz" val="65"/>
-            <dgm:constr type="lMarg" refType="primFontSz" fact="0.2"/>
-            <dgm:constr type="rMarg" refType="primFontSz" fact="0.2"/>
-            <dgm:constr type="tMarg" refType="primFontSz" fact="0.2"/>
-            <dgm:constr type="bMarg" refType="primFontSz" fact="0.2"/>
-          </dgm:constrLst>
-          <dgm:ruleLst>
-            <dgm:rule type="primFontSz" val="5" fact="NaN" max="NaN"/>
-          </dgm:ruleLst>
-        </dgm:layoutNode>
-        <dgm:layoutNode name="accent_2">
-          <dgm:alg type="sp"/>
-          <dgm:shape xmlns:r="http://schemas.openxmlformats.org/officeDocument/2006/relationships" r:blip="">
-            <dgm:adjLst/>
-          </dgm:shape>
-          <dgm:presOf/>
-          <dgm:constrLst/>
-          <dgm:forEach name="Name33" ref="accentRepeat"/>
-        </dgm:layoutNode>
-      </dgm:forEach>
-      <dgm:forEach name="Name34" axis="ch" ptType="node" st="3" cnt="1">
-        <dgm:layoutNode name="text_3" styleLbl="node1">
-          <dgm:varLst>
-            <dgm:bulletEnabled val="1"/>
-          </dgm:varLst>
-          <dgm:choose name="Name35">
-            <dgm:if name="Name36" func="var" arg="dir" op="equ" val="norm">
-              <dgm:alg type="tx">
-                <dgm:param type="parTxLTRAlign" val="l"/>
-                <dgm:param type="shpTxLTRAlignCh" val="l"/>
-                <dgm:param type="parTxRTLAlign" val="l"/>
-                <dgm:param type="shpTxRTLAlignCh" val="l"/>
-              </dgm:alg>
-            </dgm:if>
-            <dgm:else name="Name37">
-              <dgm:alg type="tx">
-                <dgm:param type="parTxLTRAlign" val="r"/>
-                <dgm:param type="shpTxLTRAlignCh" val="r"/>
-                <dgm:param type="parTxRTLAlign" val="r"/>
-                <dgm:param type="shpTxRTLAlignCh" val="r"/>
-              </dgm:alg>
-            </dgm:else>
-          </dgm:choose>
-          <dgm:shape xmlns:r="http://schemas.openxmlformats.org/officeDocument/2006/relationships" type="rect" r:blip="">
-            <dgm:adjLst/>
-          </dgm:shape>
-          <dgm:presOf axis="desOrSelf" ptType="node"/>
-          <dgm:constrLst>
-            <dgm:constr type="primFontSz" val="65"/>
-            <dgm:constr type="lMarg" refType="primFontSz" fact="0.2"/>
-            <dgm:constr type="rMarg" refType="primFontSz" fact="0.2"/>
-            <dgm:constr type="tMarg" refType="primFontSz" fact="0.2"/>
-            <dgm:constr type="bMarg" refType="primFontSz" fact="0.2"/>
-          </dgm:constrLst>
-          <dgm:ruleLst>
-            <dgm:rule type="primFontSz" val="5" fact="NaN" max="NaN"/>
-          </dgm:ruleLst>
-        </dgm:layoutNode>
-        <dgm:layoutNode name="accent_3">
-          <dgm:alg type="sp"/>
-          <dgm:shape xmlns:r="http://schemas.openxmlformats.org/officeDocument/2006/relationships" r:blip="">
-            <dgm:adjLst/>
-          </dgm:shape>
-          <dgm:presOf/>
-          <dgm:constrLst/>
-          <dgm:forEach name="Name38" ref="accentRepeat"/>
-        </dgm:layoutNode>
-      </dgm:forEach>
-      <dgm:forEach name="Name39" axis="ch" ptType="node" st="4" cnt="1">
-        <dgm:layoutNode name="text_4" styleLbl="node1">
-          <dgm:varLst>
-            <dgm:bulletEnabled val="1"/>
-          </dgm:varLst>
-          <dgm:choose name="Name40">
-            <dgm:if name="Name41" func="var" arg="dir" op="equ" val="norm">
-              <dgm:alg type="tx">
-                <dgm:param type="parTxLTRAlign" val="l"/>
-                <dgm:param type="shpTxLTRAlignCh" val="l"/>
-                <dgm:param type="parTxRTLAlign" val="l"/>
-                <dgm:param type="shpTxRTLAlignCh" val="l"/>
-              </dgm:alg>
-            </dgm:if>
-            <dgm:else name="Name42">
-              <dgm:alg type="tx">
-                <dgm:param type="parTxLTRAlign" val="r"/>
-                <dgm:param type="shpTxLTRAlignCh" val="r"/>
-                <dgm:param type="parTxRTLAlign" val="r"/>
-                <dgm:param type="shpTxRTLAlignCh" val="r"/>
-              </dgm:alg>
-            </dgm:else>
-          </dgm:choose>
-          <dgm:shape xmlns:r="http://schemas.openxmlformats.org/officeDocument/2006/relationships" type="rect" r:blip="">
-            <dgm:adjLst/>
-          </dgm:shape>
-          <dgm:presOf axis="desOrSelf" ptType="node"/>
-          <dgm:constrLst>
-            <dgm:constr type="primFontSz" val="65"/>
-            <dgm:constr type="lMarg" refType="primFontSz" fact="0.2"/>
-            <dgm:constr type="rMarg" refType="primFontSz" fact="0.2"/>
-            <dgm:constr type="tMarg" refType="primFontSz" fact="0.2"/>
-            <dgm:constr type="bMarg" refType="primFontSz" fact="0.2"/>
-          </dgm:constrLst>
-          <dgm:ruleLst>
-            <dgm:rule type="primFontSz" val="5" fact="NaN" max="NaN"/>
-          </dgm:ruleLst>
-        </dgm:layoutNode>
-        <dgm:layoutNode name="accent_4">
-          <dgm:alg type="sp"/>
-          <dgm:shape xmlns:r="http://schemas.openxmlformats.org/officeDocument/2006/relationships" r:blip="">
-            <dgm:adjLst/>
-          </dgm:shape>
-          <dgm:presOf/>
-          <dgm:constrLst/>
-          <dgm:forEach name="Name43" ref="accentRepeat"/>
-        </dgm:layoutNode>
-      </dgm:forEach>
-      <dgm:forEach name="Name44" axis="ch" ptType="node" st="5" cnt="1">
-        <dgm:layoutNode name="text_5" styleLbl="node1">
-          <dgm:varLst>
-            <dgm:bulletEnabled val="1"/>
-          </dgm:varLst>
-          <dgm:choose name="Name45">
-            <dgm:if name="Name46" func="var" arg="dir" op="equ" val="norm">
-              <dgm:alg type="tx">
-                <dgm:param type="parTxLTRAlign" val="l"/>
-                <dgm:param type="shpTxLTRAlignCh" val="l"/>
-                <dgm:param type="parTxRTLAlign" val="l"/>
-                <dgm:param type="shpTxRTLAlignCh" val="l"/>
-              </dgm:alg>
-            </dgm:if>
-            <dgm:else name="Name47">
-              <dgm:alg type="tx">
-                <dgm:param type="parTxLTRAlign" val="r"/>
-                <dgm:param type="shpTxLTRAlignCh" val="r"/>
-                <dgm:param type="parTxRTLAlign" val="r"/>
-                <dgm:param type="shpTxRTLAlignCh" val="r"/>
-              </dgm:alg>
-            </dgm:else>
-          </dgm:choose>
-          <dgm:shape xmlns:r="http://schemas.openxmlformats.org/officeDocument/2006/relationships" type="rect" r:blip="">
-            <dgm:adjLst/>
-          </dgm:shape>
-          <dgm:presOf axis="desOrSelf" ptType="node"/>
-          <dgm:constrLst>
-            <dgm:constr type="primFontSz" val="65"/>
-            <dgm:constr type="lMarg" refType="primFontSz" fact="0.2"/>
-            <dgm:constr type="rMarg" refType="primFontSz" fact="0.2"/>
-            <dgm:constr type="tMarg" refType="primFontSz" fact="0.2"/>
-            <dgm:constr type="bMarg" refType="primFontSz" fact="0.2"/>
-          </dgm:constrLst>
-          <dgm:ruleLst>
-            <dgm:rule type="primFontSz" val="5" fact="NaN" max="NaN"/>
-          </dgm:ruleLst>
-        </dgm:layoutNode>
-        <dgm:layoutNode name="accent_5">
-          <dgm:alg type="sp"/>
-          <dgm:shape xmlns:r="http://schemas.openxmlformats.org/officeDocument/2006/relationships" r:blip="">
-            <dgm:adjLst/>
-          </dgm:shape>
-          <dgm:presOf/>
-          <dgm:constrLst/>
-          <dgm:forEach name="Name48" ref="accentRepeat"/>
-        </dgm:layoutNode>
-      </dgm:forEach>
-      <dgm:forEach name="Name49" axis="ch" ptType="node" st="6" cnt="1">
-        <dgm:layoutNode name="text_6" styleLbl="node1">
-          <dgm:varLst>
-            <dgm:bulletEnabled val="1"/>
-          </dgm:varLst>
-          <dgm:choose name="Name50">
-            <dgm:if name="Name51" func="var" arg="dir" op="equ" val="norm">
-              <dgm:alg type="tx">
-                <dgm:param type="parTxLTRAlign" val="l"/>
-                <dgm:param type="shpTxLTRAlignCh" val="l"/>
-                <dgm:param type="parTxRTLAlign" val="l"/>
-                <dgm:param type="shpTxRTLAlignCh" val="l"/>
-              </dgm:alg>
-            </dgm:if>
-            <dgm:else name="Name52">
-              <dgm:alg type="tx">
-                <dgm:param type="parTxLTRAlign" val="r"/>
-                <dgm:param type="shpTxLTRAlignCh" val="r"/>
-                <dgm:param type="parTxRTLAlign" val="r"/>
-                <dgm:param type="shpTxRTLAlignCh" val="r"/>
-              </dgm:alg>
-            </dgm:else>
-          </dgm:choose>
-          <dgm:shape xmlns:r="http://schemas.openxmlformats.org/officeDocument/2006/relationships" type="rect" r:blip="">
-            <dgm:adjLst/>
-          </dgm:shape>
-          <dgm:presOf axis="desOrSelf" ptType="node"/>
-          <dgm:constrLst>
-            <dgm:constr type="primFontSz" val="65"/>
-            <dgm:constr type="lMarg" refType="primFontSz" fact="0.2"/>
-            <dgm:constr type="rMarg" refType="primFontSz" fact="0.2"/>
-            <dgm:constr type="tMarg" refType="primFontSz" fact="0.2"/>
-            <dgm:constr type="bMarg" refType="primFontSz" fact="0.2"/>
-          </dgm:constrLst>
-          <dgm:ruleLst>
-            <dgm:rule type="primFontSz" val="5" fact="NaN" max="NaN"/>
-          </dgm:ruleLst>
-        </dgm:layoutNode>
-        <dgm:layoutNode name="accent_6">
-          <dgm:alg type="sp"/>
-          <dgm:shape xmlns:r="http://schemas.openxmlformats.org/officeDocument/2006/relationships" r:blip="">
-            <dgm:adjLst/>
-          </dgm:shape>
-          <dgm:presOf/>
-          <dgm:constrLst/>
-          <dgm:forEach name="Name53" ref="accentRepeat"/>
-        </dgm:layoutNode>
-      </dgm:forEach>
-      <dgm:forEach name="Name54" axis="ch" ptType="node" st="7" cnt="1">
-        <dgm:layoutNode name="text_7" styleLbl="node1">
-          <dgm:varLst>
-            <dgm:bulletEnabled val="1"/>
-          </dgm:varLst>
-          <dgm:choose name="Name55">
-            <dgm:if name="Name56" func="var" arg="dir" op="equ" val="norm">
-              <dgm:alg type="tx">
-                <dgm:param type="parTxLTRAlign" val="l"/>
-                <dgm:param type="shpTxLTRAlignCh" val="l"/>
-                <dgm:param type="parTxRTLAlign" val="l"/>
-                <dgm:param type="shpTxRTLAlignCh" val="l"/>
-              </dgm:alg>
-            </dgm:if>
-            <dgm:else name="Name57">
-              <dgm:alg type="tx">
-                <dgm:param type="parTxLTRAlign" val="r"/>
-                <dgm:param type="shpTxLTRAlignCh" val="r"/>
-                <dgm:param type="parTxRTLAlign" val="r"/>
-                <dgm:param type="shpTxRTLAlignCh" val="r"/>
-              </dgm:alg>
-            </dgm:else>
-          </dgm:choose>
-          <dgm:shape xmlns:r="http://schemas.openxmlformats.org/officeDocument/2006/relationships" type="rect" r:blip="">
-            <dgm:adjLst/>
-          </dgm:shape>
-          <dgm:presOf axis="desOrSelf" ptType="node"/>
-          <dgm:constrLst>
-            <dgm:constr type="primFontSz" val="65"/>
-            <dgm:constr type="lMarg" refType="primFontSz" fact="0.2"/>
-            <dgm:constr type="rMarg" refType="primFontSz" fact="0.2"/>
-            <dgm:constr type="tMarg" refType="primFontSz" fact="0.2"/>
-            <dgm:constr type="bMarg" refType="primFontSz" fact="0.2"/>
-          </dgm:constrLst>
-          <dgm:ruleLst>
-            <dgm:rule type="primFontSz" val="5" fact="NaN" max="NaN"/>
-          </dgm:ruleLst>
-        </dgm:layoutNode>
-        <dgm:layoutNode name="accent_7">
-          <dgm:alg type="sp"/>
-          <dgm:shape xmlns:r="http://schemas.openxmlformats.org/officeDocument/2006/relationships" r:blip="">
-            <dgm:adjLst/>
-          </dgm:shape>
-          <dgm:presOf/>
-          <dgm:constrLst/>
-          <dgm:forEach name="Name58" ref="accentRepeat"/>
-        </dgm:layoutNode>
-      </dgm:forEach>
-    </dgm:layoutNode>
-  </dgm:layoutNode>
-</dgm:layoutDef>
-</file>
-
 <file path=ppt/diagrams/quickStyle1.xml><?xml version="1.0" encoding="utf-8"?>
 <dgm:styleDef xmlns:dgm="http://schemas.openxmlformats.org/drawingml/2006/diagram" xmlns:a="http://schemas.openxmlformats.org/drawingml/2006/main" uniqueId="urn:microsoft.com/office/officeart/2005/8/quickstyle/simple1">
   <dgm:title val=""/>
@@ -5467,1040 +2715,6 @@
         <a:scrgbClr r="0" g="0" b="0"/>
       </a:fillRef>
       <a:effectRef idx="0">
-        <a:scrgbClr r="0" g="0" b="0"/>
-      </a:effectRef>
-      <a:fontRef idx="minor"/>
-    </dgm:style>
-  </dgm:styleLbl>
-  <dgm:styleLbl name="revTx">
-    <dgm:scene3d>
-      <a:camera prst="orthographicFront"/>
-      <a:lightRig rig="threePt" dir="t"/>
-    </dgm:scene3d>
-    <dgm:sp3d/>
-    <dgm:txPr/>
-    <dgm:style>
-      <a:lnRef idx="0">
-        <a:scrgbClr r="0" g="0" b="0"/>
-      </a:lnRef>
-      <a:fillRef idx="0">
-        <a:scrgbClr r="0" g="0" b="0"/>
-      </a:fillRef>
-      <a:effectRef idx="0">
-        <a:scrgbClr r="0" g="0" b="0"/>
-      </a:effectRef>
-      <a:fontRef idx="minor"/>
-    </dgm:style>
-  </dgm:styleLbl>
-</dgm:styleDef>
-</file>
-
-<file path=ppt/diagrams/quickStyle2.xml><?xml version="1.0" encoding="utf-8"?>
-<dgm:styleDef xmlns:dgm="http://schemas.openxmlformats.org/drawingml/2006/diagram" xmlns:a="http://schemas.openxmlformats.org/drawingml/2006/main" uniqueId="urn:microsoft.com/office/officeart/2005/8/quickstyle/simple4">
-  <dgm:title val=""/>
-  <dgm:desc val=""/>
-  <dgm:catLst>
-    <dgm:cat type="simple" pri="10400"/>
-  </dgm:catLst>
-  <dgm:scene3d>
-    <a:camera prst="orthographicFront"/>
-    <a:lightRig rig="threePt" dir="t"/>
-  </dgm:scene3d>
-  <dgm:styleLbl name="node0">
-    <dgm:scene3d>
-      <a:camera prst="orthographicFront"/>
-      <a:lightRig rig="threePt" dir="t"/>
-    </dgm:scene3d>
-    <dgm:sp3d/>
-    <dgm:txPr/>
-    <dgm:style>
-      <a:lnRef idx="0">
-        <a:scrgbClr r="0" g="0" b="0"/>
-      </a:lnRef>
-      <a:fillRef idx="3">
-        <a:scrgbClr r="0" g="0" b="0"/>
-      </a:fillRef>
-      <a:effectRef idx="2">
-        <a:scrgbClr r="0" g="0" b="0"/>
-      </a:effectRef>
-      <a:fontRef idx="minor">
-        <a:schemeClr val="lt1"/>
-      </a:fontRef>
-    </dgm:style>
-  </dgm:styleLbl>
-  <dgm:styleLbl name="lnNode1">
-    <dgm:scene3d>
-      <a:camera prst="orthographicFront"/>
-      <a:lightRig rig="threePt" dir="t"/>
-    </dgm:scene3d>
-    <dgm:sp3d/>
-    <dgm:txPr/>
-    <dgm:style>
-      <a:lnRef idx="1">
-        <a:scrgbClr r="0" g="0" b="0"/>
-      </a:lnRef>
-      <a:fillRef idx="3">
-        <a:scrgbClr r="0" g="0" b="0"/>
-      </a:fillRef>
-      <a:effectRef idx="2">
-        <a:scrgbClr r="0" g="0" b="0"/>
-      </a:effectRef>
-      <a:fontRef idx="minor">
-        <a:schemeClr val="lt1"/>
-      </a:fontRef>
-    </dgm:style>
-  </dgm:styleLbl>
-  <dgm:styleLbl name="vennNode1">
-    <dgm:scene3d>
-      <a:camera prst="orthographicFront"/>
-      <a:lightRig rig="threePt" dir="t"/>
-    </dgm:scene3d>
-    <dgm:sp3d/>
-    <dgm:txPr/>
-    <dgm:style>
-      <a:lnRef idx="0">
-        <a:scrgbClr r="0" g="0" b="0"/>
-      </a:lnRef>
-      <a:fillRef idx="3">
-        <a:scrgbClr r="0" g="0" b="0"/>
-      </a:fillRef>
-      <a:effectRef idx="0">
-        <a:scrgbClr r="0" g="0" b="0"/>
-      </a:effectRef>
-      <a:fontRef idx="minor">
-        <a:schemeClr val="tx1"/>
-      </a:fontRef>
-    </dgm:style>
-  </dgm:styleLbl>
-  <dgm:styleLbl name="alignNode1">
-    <dgm:scene3d>
-      <a:camera prst="orthographicFront"/>
-      <a:lightRig rig="threePt" dir="t"/>
-    </dgm:scene3d>
-    <dgm:sp3d/>
-    <dgm:txPr/>
-    <dgm:style>
-      <a:lnRef idx="1">
-        <a:scrgbClr r="0" g="0" b="0"/>
-      </a:lnRef>
-      <a:fillRef idx="3">
-        <a:scrgbClr r="0" g="0" b="0"/>
-      </a:fillRef>
-      <a:effectRef idx="2">
-        <a:scrgbClr r="0" g="0" b="0"/>
-      </a:effectRef>
-      <a:fontRef idx="minor">
-        <a:schemeClr val="lt1"/>
-      </a:fontRef>
-    </dgm:style>
-  </dgm:styleLbl>
-  <dgm:styleLbl name="node1">
-    <dgm:scene3d>
-      <a:camera prst="orthographicFront"/>
-      <a:lightRig rig="threePt" dir="t"/>
-    </dgm:scene3d>
-    <dgm:sp3d/>
-    <dgm:txPr/>
-    <dgm:style>
-      <a:lnRef idx="0">
-        <a:scrgbClr r="0" g="0" b="0"/>
-      </a:lnRef>
-      <a:fillRef idx="3">
-        <a:scrgbClr r="0" g="0" b="0"/>
-      </a:fillRef>
-      <a:effectRef idx="2">
-        <a:scrgbClr r="0" g="0" b="0"/>
-      </a:effectRef>
-      <a:fontRef idx="minor">
-        <a:schemeClr val="lt1"/>
-      </a:fontRef>
-    </dgm:style>
-  </dgm:styleLbl>
-  <dgm:styleLbl name="node2">
-    <dgm:scene3d>
-      <a:camera prst="orthographicFront"/>
-      <a:lightRig rig="threePt" dir="t"/>
-    </dgm:scene3d>
-    <dgm:sp3d/>
-    <dgm:txPr/>
-    <dgm:style>
-      <a:lnRef idx="0">
-        <a:scrgbClr r="0" g="0" b="0"/>
-      </a:lnRef>
-      <a:fillRef idx="3">
-        <a:scrgbClr r="0" g="0" b="0"/>
-      </a:fillRef>
-      <a:effectRef idx="2">
-        <a:scrgbClr r="0" g="0" b="0"/>
-      </a:effectRef>
-      <a:fontRef idx="minor">
-        <a:schemeClr val="lt1"/>
-      </a:fontRef>
-    </dgm:style>
-  </dgm:styleLbl>
-  <dgm:styleLbl name="node3">
-    <dgm:scene3d>
-      <a:camera prst="orthographicFront"/>
-      <a:lightRig rig="threePt" dir="t"/>
-    </dgm:scene3d>
-    <dgm:sp3d/>
-    <dgm:txPr/>
-    <dgm:style>
-      <a:lnRef idx="0">
-        <a:scrgbClr r="0" g="0" b="0"/>
-      </a:lnRef>
-      <a:fillRef idx="3">
-        <a:scrgbClr r="0" g="0" b="0"/>
-      </a:fillRef>
-      <a:effectRef idx="2">
-        <a:scrgbClr r="0" g="0" b="0"/>
-      </a:effectRef>
-      <a:fontRef idx="minor">
-        <a:schemeClr val="lt1"/>
-      </a:fontRef>
-    </dgm:style>
-  </dgm:styleLbl>
-  <dgm:styleLbl name="node4">
-    <dgm:scene3d>
-      <a:camera prst="orthographicFront"/>
-      <a:lightRig rig="threePt" dir="t"/>
-    </dgm:scene3d>
-    <dgm:sp3d/>
-    <dgm:txPr/>
-    <dgm:style>
-      <a:lnRef idx="0">
-        <a:scrgbClr r="0" g="0" b="0"/>
-      </a:lnRef>
-      <a:fillRef idx="3">
-        <a:scrgbClr r="0" g="0" b="0"/>
-      </a:fillRef>
-      <a:effectRef idx="2">
-        <a:scrgbClr r="0" g="0" b="0"/>
-      </a:effectRef>
-      <a:fontRef idx="minor">
-        <a:schemeClr val="lt1"/>
-      </a:fontRef>
-    </dgm:style>
-  </dgm:styleLbl>
-  <dgm:styleLbl name="fgImgPlace1">
-    <dgm:scene3d>
-      <a:camera prst="orthographicFront"/>
-      <a:lightRig rig="threePt" dir="t"/>
-    </dgm:scene3d>
-    <dgm:sp3d/>
-    <dgm:txPr/>
-    <dgm:style>
-      <a:lnRef idx="0">
-        <a:scrgbClr r="0" g="0" b="0"/>
-      </a:lnRef>
-      <a:fillRef idx="1">
-        <a:scrgbClr r="0" g="0" b="0"/>
-      </a:fillRef>
-      <a:effectRef idx="2">
-        <a:scrgbClr r="0" g="0" b="0"/>
-      </a:effectRef>
-      <a:fontRef idx="minor"/>
-    </dgm:style>
-  </dgm:styleLbl>
-  <dgm:styleLbl name="alignImgPlace1">
-    <dgm:scene3d>
-      <a:camera prst="orthographicFront"/>
-      <a:lightRig rig="threePt" dir="t"/>
-    </dgm:scene3d>
-    <dgm:sp3d/>
-    <dgm:txPr/>
-    <dgm:style>
-      <a:lnRef idx="0">
-        <a:scrgbClr r="0" g="0" b="0"/>
-      </a:lnRef>
-      <a:fillRef idx="1">
-        <a:scrgbClr r="0" g="0" b="0"/>
-      </a:fillRef>
-      <a:effectRef idx="2">
-        <a:scrgbClr r="0" g="0" b="0"/>
-      </a:effectRef>
-      <a:fontRef idx="minor"/>
-    </dgm:style>
-  </dgm:styleLbl>
-  <dgm:styleLbl name="bgImgPlace1">
-    <dgm:scene3d>
-      <a:camera prst="orthographicFront"/>
-      <a:lightRig rig="threePt" dir="t"/>
-    </dgm:scene3d>
-    <dgm:sp3d/>
-    <dgm:txPr/>
-    <dgm:style>
-      <a:lnRef idx="0">
-        <a:scrgbClr r="0" g="0" b="0"/>
-      </a:lnRef>
-      <a:fillRef idx="1">
-        <a:scrgbClr r="0" g="0" b="0"/>
-      </a:fillRef>
-      <a:effectRef idx="2">
-        <a:scrgbClr r="0" g="0" b="0"/>
-      </a:effectRef>
-      <a:fontRef idx="minor"/>
-    </dgm:style>
-  </dgm:styleLbl>
-  <dgm:styleLbl name="sibTrans2D1">
-    <dgm:scene3d>
-      <a:camera prst="orthographicFront"/>
-      <a:lightRig rig="threePt" dir="t"/>
-    </dgm:scene3d>
-    <dgm:sp3d/>
-    <dgm:txPr/>
-    <dgm:style>
-      <a:lnRef idx="0">
-        <a:scrgbClr r="0" g="0" b="0"/>
-      </a:lnRef>
-      <a:fillRef idx="3">
-        <a:scrgbClr r="0" g="0" b="0"/>
-      </a:fillRef>
-      <a:effectRef idx="2">
-        <a:scrgbClr r="0" g="0" b="0"/>
-      </a:effectRef>
-      <a:fontRef idx="minor">
-        <a:schemeClr val="lt1"/>
-      </a:fontRef>
-    </dgm:style>
-  </dgm:styleLbl>
-  <dgm:styleLbl name="fgSibTrans2D1">
-    <dgm:scene3d>
-      <a:camera prst="orthographicFront"/>
-      <a:lightRig rig="threePt" dir="t"/>
-    </dgm:scene3d>
-    <dgm:sp3d/>
-    <dgm:txPr/>
-    <dgm:style>
-      <a:lnRef idx="0">
-        <a:scrgbClr r="0" g="0" b="0"/>
-      </a:lnRef>
-      <a:fillRef idx="3">
-        <a:scrgbClr r="0" g="0" b="0"/>
-      </a:fillRef>
-      <a:effectRef idx="2">
-        <a:scrgbClr r="0" g="0" b="0"/>
-      </a:effectRef>
-      <a:fontRef idx="minor">
-        <a:schemeClr val="lt1"/>
-      </a:fontRef>
-    </dgm:style>
-  </dgm:styleLbl>
-  <dgm:styleLbl name="bgSibTrans2D1">
-    <dgm:scene3d>
-      <a:camera prst="orthographicFront"/>
-      <a:lightRig rig="threePt" dir="t"/>
-    </dgm:scene3d>
-    <dgm:sp3d/>
-    <dgm:txPr/>
-    <dgm:style>
-      <a:lnRef idx="0">
-        <a:scrgbClr r="0" g="0" b="0"/>
-      </a:lnRef>
-      <a:fillRef idx="3">
-        <a:scrgbClr r="0" g="0" b="0"/>
-      </a:fillRef>
-      <a:effectRef idx="2">
-        <a:scrgbClr r="0" g="0" b="0"/>
-      </a:effectRef>
-      <a:fontRef idx="minor">
-        <a:schemeClr val="lt1"/>
-      </a:fontRef>
-    </dgm:style>
-  </dgm:styleLbl>
-  <dgm:styleLbl name="sibTrans1D1">
-    <dgm:scene3d>
-      <a:camera prst="orthographicFront"/>
-      <a:lightRig rig="threePt" dir="t"/>
-    </dgm:scene3d>
-    <dgm:sp3d/>
-    <dgm:txPr/>
-    <dgm:style>
-      <a:lnRef idx="1">
-        <a:scrgbClr r="0" g="0" b="0"/>
-      </a:lnRef>
-      <a:fillRef idx="0">
-        <a:scrgbClr r="0" g="0" b="0"/>
-      </a:fillRef>
-      <a:effectRef idx="0">
-        <a:scrgbClr r="0" g="0" b="0"/>
-      </a:effectRef>
-      <a:fontRef idx="minor"/>
-    </dgm:style>
-  </dgm:styleLbl>
-  <dgm:styleLbl name="callout">
-    <dgm:scene3d>
-      <a:camera prst="orthographicFront"/>
-      <a:lightRig rig="threePt" dir="t"/>
-    </dgm:scene3d>
-    <dgm:sp3d/>
-    <dgm:txPr/>
-    <dgm:style>
-      <a:lnRef idx="2">
-        <a:scrgbClr r="0" g="0" b="0"/>
-      </a:lnRef>
-      <a:fillRef idx="1">
-        <a:scrgbClr r="0" g="0" b="0"/>
-      </a:fillRef>
-      <a:effectRef idx="1">
-        <a:scrgbClr r="0" g="0" b="0"/>
-      </a:effectRef>
-      <a:fontRef idx="minor"/>
-    </dgm:style>
-  </dgm:styleLbl>
-  <dgm:styleLbl name="asst0">
-    <dgm:scene3d>
-      <a:camera prst="orthographicFront"/>
-      <a:lightRig rig="threePt" dir="t"/>
-    </dgm:scene3d>
-    <dgm:sp3d/>
-    <dgm:txPr/>
-    <dgm:style>
-      <a:lnRef idx="0">
-        <a:scrgbClr r="0" g="0" b="0"/>
-      </a:lnRef>
-      <a:fillRef idx="3">
-        <a:scrgbClr r="0" g="0" b="0"/>
-      </a:fillRef>
-      <a:effectRef idx="2">
-        <a:scrgbClr r="0" g="0" b="0"/>
-      </a:effectRef>
-      <a:fontRef idx="minor">
-        <a:schemeClr val="lt1"/>
-      </a:fontRef>
-    </dgm:style>
-  </dgm:styleLbl>
-  <dgm:styleLbl name="asst1">
-    <dgm:scene3d>
-      <a:camera prst="orthographicFront"/>
-      <a:lightRig rig="threePt" dir="t"/>
-    </dgm:scene3d>
-    <dgm:sp3d/>
-    <dgm:txPr/>
-    <dgm:style>
-      <a:lnRef idx="0">
-        <a:scrgbClr r="0" g="0" b="0"/>
-      </a:lnRef>
-      <a:fillRef idx="3">
-        <a:scrgbClr r="0" g="0" b="0"/>
-      </a:fillRef>
-      <a:effectRef idx="2">
-        <a:scrgbClr r="0" g="0" b="0"/>
-      </a:effectRef>
-      <a:fontRef idx="minor">
-        <a:schemeClr val="lt1"/>
-      </a:fontRef>
-    </dgm:style>
-  </dgm:styleLbl>
-  <dgm:styleLbl name="asst2">
-    <dgm:scene3d>
-      <a:camera prst="orthographicFront"/>
-      <a:lightRig rig="threePt" dir="t"/>
-    </dgm:scene3d>
-    <dgm:sp3d/>
-    <dgm:txPr/>
-    <dgm:style>
-      <a:lnRef idx="0">
-        <a:scrgbClr r="0" g="0" b="0"/>
-      </a:lnRef>
-      <a:fillRef idx="3">
-        <a:scrgbClr r="0" g="0" b="0"/>
-      </a:fillRef>
-      <a:effectRef idx="2">
-        <a:scrgbClr r="0" g="0" b="0"/>
-      </a:effectRef>
-      <a:fontRef idx="minor">
-        <a:schemeClr val="lt1"/>
-      </a:fontRef>
-    </dgm:style>
-  </dgm:styleLbl>
-  <dgm:styleLbl name="asst3">
-    <dgm:scene3d>
-      <a:camera prst="orthographicFront"/>
-      <a:lightRig rig="threePt" dir="t"/>
-    </dgm:scene3d>
-    <dgm:sp3d/>
-    <dgm:txPr/>
-    <dgm:style>
-      <a:lnRef idx="0">
-        <a:scrgbClr r="0" g="0" b="0"/>
-      </a:lnRef>
-      <a:fillRef idx="3">
-        <a:scrgbClr r="0" g="0" b="0"/>
-      </a:fillRef>
-      <a:effectRef idx="2">
-        <a:scrgbClr r="0" g="0" b="0"/>
-      </a:effectRef>
-      <a:fontRef idx="minor">
-        <a:schemeClr val="lt1"/>
-      </a:fontRef>
-    </dgm:style>
-  </dgm:styleLbl>
-  <dgm:styleLbl name="asst4">
-    <dgm:scene3d>
-      <a:camera prst="orthographicFront"/>
-      <a:lightRig rig="threePt" dir="t"/>
-    </dgm:scene3d>
-    <dgm:sp3d/>
-    <dgm:txPr/>
-    <dgm:style>
-      <a:lnRef idx="0">
-        <a:scrgbClr r="0" g="0" b="0"/>
-      </a:lnRef>
-      <a:fillRef idx="3">
-        <a:scrgbClr r="0" g="0" b="0"/>
-      </a:fillRef>
-      <a:effectRef idx="2">
-        <a:scrgbClr r="0" g="0" b="0"/>
-      </a:effectRef>
-      <a:fontRef idx="minor">
-        <a:schemeClr val="lt1"/>
-      </a:fontRef>
-    </dgm:style>
-  </dgm:styleLbl>
-  <dgm:styleLbl name="parChTrans2D1">
-    <dgm:scene3d>
-      <a:camera prst="orthographicFront"/>
-      <a:lightRig rig="threePt" dir="t"/>
-    </dgm:scene3d>
-    <dgm:sp3d/>
-    <dgm:txPr/>
-    <dgm:style>
-      <a:lnRef idx="0">
-        <a:scrgbClr r="0" g="0" b="0"/>
-      </a:lnRef>
-      <a:fillRef idx="3">
-        <a:scrgbClr r="0" g="0" b="0"/>
-      </a:fillRef>
-      <a:effectRef idx="2">
-        <a:scrgbClr r="0" g="0" b="0"/>
-      </a:effectRef>
-      <a:fontRef idx="minor">
-        <a:schemeClr val="lt1"/>
-      </a:fontRef>
-    </dgm:style>
-  </dgm:styleLbl>
-  <dgm:styleLbl name="parChTrans2D2">
-    <dgm:scene3d>
-      <a:camera prst="orthographicFront"/>
-      <a:lightRig rig="threePt" dir="t"/>
-    </dgm:scene3d>
-    <dgm:sp3d/>
-    <dgm:txPr/>
-    <dgm:style>
-      <a:lnRef idx="0">
-        <a:scrgbClr r="0" g="0" b="0"/>
-      </a:lnRef>
-      <a:fillRef idx="3">
-        <a:scrgbClr r="0" g="0" b="0"/>
-      </a:fillRef>
-      <a:effectRef idx="2">
-        <a:scrgbClr r="0" g="0" b="0"/>
-      </a:effectRef>
-      <a:fontRef idx="minor">
-        <a:schemeClr val="lt1"/>
-      </a:fontRef>
-    </dgm:style>
-  </dgm:styleLbl>
-  <dgm:styleLbl name="parChTrans2D3">
-    <dgm:scene3d>
-      <a:camera prst="orthographicFront"/>
-      <a:lightRig rig="threePt" dir="t"/>
-    </dgm:scene3d>
-    <dgm:sp3d/>
-    <dgm:txPr/>
-    <dgm:style>
-      <a:lnRef idx="1">
-        <a:scrgbClr r="0" g="0" b="0"/>
-      </a:lnRef>
-      <a:fillRef idx="3">
-        <a:scrgbClr r="0" g="0" b="0"/>
-      </a:fillRef>
-      <a:effectRef idx="2">
-        <a:scrgbClr r="0" g="0" b="0"/>
-      </a:effectRef>
-      <a:fontRef idx="minor">
-        <a:schemeClr val="lt1"/>
-      </a:fontRef>
-    </dgm:style>
-  </dgm:styleLbl>
-  <dgm:styleLbl name="parChTrans2D4">
-    <dgm:scene3d>
-      <a:camera prst="orthographicFront"/>
-      <a:lightRig rig="threePt" dir="t"/>
-    </dgm:scene3d>
-    <dgm:sp3d/>
-    <dgm:txPr/>
-    <dgm:style>
-      <a:lnRef idx="1">
-        <a:scrgbClr r="0" g="0" b="0"/>
-      </a:lnRef>
-      <a:fillRef idx="3">
-        <a:scrgbClr r="0" g="0" b="0"/>
-      </a:fillRef>
-      <a:effectRef idx="2">
-        <a:scrgbClr r="0" g="0" b="0"/>
-      </a:effectRef>
-      <a:fontRef idx="minor">
-        <a:schemeClr val="lt1"/>
-      </a:fontRef>
-    </dgm:style>
-  </dgm:styleLbl>
-  <dgm:styleLbl name="parChTrans1D1">
-    <dgm:scene3d>
-      <a:camera prst="orthographicFront"/>
-      <a:lightRig rig="threePt" dir="t"/>
-    </dgm:scene3d>
-    <dgm:sp3d/>
-    <dgm:txPr/>
-    <dgm:style>
-      <a:lnRef idx="1">
-        <a:scrgbClr r="0" g="0" b="0"/>
-      </a:lnRef>
-      <a:fillRef idx="0">
-        <a:scrgbClr r="0" g="0" b="0"/>
-      </a:fillRef>
-      <a:effectRef idx="0">
-        <a:scrgbClr r="0" g="0" b="0"/>
-      </a:effectRef>
-      <a:fontRef idx="minor"/>
-    </dgm:style>
-  </dgm:styleLbl>
-  <dgm:styleLbl name="parChTrans1D2">
-    <dgm:scene3d>
-      <a:camera prst="orthographicFront"/>
-      <a:lightRig rig="threePt" dir="t"/>
-    </dgm:scene3d>
-    <dgm:sp3d/>
-    <dgm:txPr/>
-    <dgm:style>
-      <a:lnRef idx="1">
-        <a:scrgbClr r="0" g="0" b="0"/>
-      </a:lnRef>
-      <a:fillRef idx="0">
-        <a:scrgbClr r="0" g="0" b="0"/>
-      </a:fillRef>
-      <a:effectRef idx="0">
-        <a:scrgbClr r="0" g="0" b="0"/>
-      </a:effectRef>
-      <a:fontRef idx="minor"/>
-    </dgm:style>
-  </dgm:styleLbl>
-  <dgm:styleLbl name="parChTrans1D3">
-    <dgm:scene3d>
-      <a:camera prst="orthographicFront"/>
-      <a:lightRig rig="threePt" dir="t"/>
-    </dgm:scene3d>
-    <dgm:sp3d/>
-    <dgm:txPr/>
-    <dgm:style>
-      <a:lnRef idx="1">
-        <a:scrgbClr r="0" g="0" b="0"/>
-      </a:lnRef>
-      <a:fillRef idx="0">
-        <a:scrgbClr r="0" g="0" b="0"/>
-      </a:fillRef>
-      <a:effectRef idx="0">
-        <a:scrgbClr r="0" g="0" b="0"/>
-      </a:effectRef>
-      <a:fontRef idx="minor"/>
-    </dgm:style>
-  </dgm:styleLbl>
-  <dgm:styleLbl name="parChTrans1D4">
-    <dgm:scene3d>
-      <a:camera prst="orthographicFront"/>
-      <a:lightRig rig="threePt" dir="t"/>
-    </dgm:scene3d>
-    <dgm:sp3d/>
-    <dgm:txPr/>
-    <dgm:style>
-      <a:lnRef idx="1">
-        <a:scrgbClr r="0" g="0" b="0"/>
-      </a:lnRef>
-      <a:fillRef idx="0">
-        <a:scrgbClr r="0" g="0" b="0"/>
-      </a:fillRef>
-      <a:effectRef idx="0">
-        <a:scrgbClr r="0" g="0" b="0"/>
-      </a:effectRef>
-      <a:fontRef idx="minor"/>
-    </dgm:style>
-  </dgm:styleLbl>
-  <dgm:styleLbl name="fgAcc1">
-    <dgm:scene3d>
-      <a:camera prst="orthographicFront"/>
-      <a:lightRig rig="threePt" dir="t"/>
-    </dgm:scene3d>
-    <dgm:sp3d/>
-    <dgm:txPr/>
-    <dgm:style>
-      <a:lnRef idx="1">
-        <a:scrgbClr r="0" g="0" b="0"/>
-      </a:lnRef>
-      <a:fillRef idx="1">
-        <a:scrgbClr r="0" g="0" b="0"/>
-      </a:fillRef>
-      <a:effectRef idx="0">
-        <a:scrgbClr r="0" g="0" b="0"/>
-      </a:effectRef>
-      <a:fontRef idx="minor"/>
-    </dgm:style>
-  </dgm:styleLbl>
-  <dgm:styleLbl name="conFgAcc1">
-    <dgm:scene3d>
-      <a:camera prst="orthographicFront"/>
-      <a:lightRig rig="threePt" dir="t"/>
-    </dgm:scene3d>
-    <dgm:sp3d/>
-    <dgm:txPr/>
-    <dgm:style>
-      <a:lnRef idx="1">
-        <a:scrgbClr r="0" g="0" b="0"/>
-      </a:lnRef>
-      <a:fillRef idx="1">
-        <a:scrgbClr r="0" g="0" b="0"/>
-      </a:fillRef>
-      <a:effectRef idx="0">
-        <a:scrgbClr r="0" g="0" b="0"/>
-      </a:effectRef>
-      <a:fontRef idx="minor"/>
-    </dgm:style>
-  </dgm:styleLbl>
-  <dgm:styleLbl name="alignAcc1">
-    <dgm:scene3d>
-      <a:camera prst="orthographicFront"/>
-      <a:lightRig rig="threePt" dir="t"/>
-    </dgm:scene3d>
-    <dgm:sp3d/>
-    <dgm:txPr/>
-    <dgm:style>
-      <a:lnRef idx="1">
-        <a:scrgbClr r="0" g="0" b="0"/>
-      </a:lnRef>
-      <a:fillRef idx="1">
-        <a:scrgbClr r="0" g="0" b="0"/>
-      </a:fillRef>
-      <a:effectRef idx="0">
-        <a:scrgbClr r="0" g="0" b="0"/>
-      </a:effectRef>
-      <a:fontRef idx="minor"/>
-    </dgm:style>
-  </dgm:styleLbl>
-  <dgm:styleLbl name="trAlignAcc1">
-    <dgm:scene3d>
-      <a:camera prst="orthographicFront"/>
-      <a:lightRig rig="threePt" dir="t"/>
-    </dgm:scene3d>
-    <dgm:sp3d/>
-    <dgm:txPr/>
-    <dgm:style>
-      <a:lnRef idx="1">
-        <a:scrgbClr r="0" g="0" b="0"/>
-      </a:lnRef>
-      <a:fillRef idx="1">
-        <a:scrgbClr r="0" g="0" b="0"/>
-      </a:fillRef>
-      <a:effectRef idx="0">
-        <a:scrgbClr r="0" g="0" b="0"/>
-      </a:effectRef>
-      <a:fontRef idx="minor"/>
-    </dgm:style>
-  </dgm:styleLbl>
-  <dgm:styleLbl name="bgAcc1">
-    <dgm:scene3d>
-      <a:camera prst="orthographicFront"/>
-      <a:lightRig rig="threePt" dir="t"/>
-    </dgm:scene3d>
-    <dgm:sp3d/>
-    <dgm:txPr/>
-    <dgm:style>
-      <a:lnRef idx="1">
-        <a:scrgbClr r="0" g="0" b="0"/>
-      </a:lnRef>
-      <a:fillRef idx="1">
-        <a:scrgbClr r="0" g="0" b="0"/>
-      </a:fillRef>
-      <a:effectRef idx="0">
-        <a:scrgbClr r="0" g="0" b="0"/>
-      </a:effectRef>
-      <a:fontRef idx="minor"/>
-    </dgm:style>
-  </dgm:styleLbl>
-  <dgm:styleLbl name="solidFgAcc1">
-    <dgm:scene3d>
-      <a:camera prst="orthographicFront"/>
-      <a:lightRig rig="threePt" dir="t"/>
-    </dgm:scene3d>
-    <dgm:sp3d/>
-    <dgm:txPr/>
-    <dgm:style>
-      <a:lnRef idx="1">
-        <a:scrgbClr r="0" g="0" b="0"/>
-      </a:lnRef>
-      <a:fillRef idx="1">
-        <a:scrgbClr r="0" g="0" b="0"/>
-      </a:fillRef>
-      <a:effectRef idx="0">
-        <a:scrgbClr r="0" g="0" b="0"/>
-      </a:effectRef>
-      <a:fontRef idx="minor"/>
-    </dgm:style>
-  </dgm:styleLbl>
-  <dgm:styleLbl name="solidAlignAcc1">
-    <dgm:scene3d>
-      <a:camera prst="orthographicFront"/>
-      <a:lightRig rig="threePt" dir="t"/>
-    </dgm:scene3d>
-    <dgm:sp3d/>
-    <dgm:txPr/>
-    <dgm:style>
-      <a:lnRef idx="1">
-        <a:scrgbClr r="0" g="0" b="0"/>
-      </a:lnRef>
-      <a:fillRef idx="1">
-        <a:scrgbClr r="0" g="0" b="0"/>
-      </a:fillRef>
-      <a:effectRef idx="0">
-        <a:scrgbClr r="0" g="0" b="0"/>
-      </a:effectRef>
-      <a:fontRef idx="minor"/>
-    </dgm:style>
-  </dgm:styleLbl>
-  <dgm:styleLbl name="solidBgAcc1">
-    <dgm:scene3d>
-      <a:camera prst="orthographicFront"/>
-      <a:lightRig rig="threePt" dir="t"/>
-    </dgm:scene3d>
-    <dgm:sp3d/>
-    <dgm:txPr/>
-    <dgm:style>
-      <a:lnRef idx="1">
-        <a:scrgbClr r="0" g="0" b="0"/>
-      </a:lnRef>
-      <a:fillRef idx="1">
-        <a:scrgbClr r="0" g="0" b="0"/>
-      </a:fillRef>
-      <a:effectRef idx="0">
-        <a:scrgbClr r="0" g="0" b="0"/>
-      </a:effectRef>
-      <a:fontRef idx="minor"/>
-    </dgm:style>
-  </dgm:styleLbl>
-  <dgm:styleLbl name="fgAccFollowNode1">
-    <dgm:scene3d>
-      <a:camera prst="orthographicFront"/>
-      <a:lightRig rig="threePt" dir="t"/>
-    </dgm:scene3d>
-    <dgm:sp3d/>
-    <dgm:txPr/>
-    <dgm:style>
-      <a:lnRef idx="1">
-        <a:scrgbClr r="0" g="0" b="0"/>
-      </a:lnRef>
-      <a:fillRef idx="1">
-        <a:scrgbClr r="0" g="0" b="0"/>
-      </a:fillRef>
-      <a:effectRef idx="0">
-        <a:scrgbClr r="0" g="0" b="0"/>
-      </a:effectRef>
-      <a:fontRef idx="minor"/>
-    </dgm:style>
-  </dgm:styleLbl>
-  <dgm:styleLbl name="alignAccFollowNode1">
-    <dgm:scene3d>
-      <a:camera prst="orthographicFront"/>
-      <a:lightRig rig="threePt" dir="t"/>
-    </dgm:scene3d>
-    <dgm:sp3d/>
-    <dgm:txPr/>
-    <dgm:style>
-      <a:lnRef idx="1">
-        <a:scrgbClr r="0" g="0" b="0"/>
-      </a:lnRef>
-      <a:fillRef idx="1">
-        <a:scrgbClr r="0" g="0" b="0"/>
-      </a:fillRef>
-      <a:effectRef idx="0">
-        <a:scrgbClr r="0" g="0" b="0"/>
-      </a:effectRef>
-      <a:fontRef idx="minor"/>
-    </dgm:style>
-  </dgm:styleLbl>
-  <dgm:styleLbl name="bgAccFollowNode1">
-    <dgm:scene3d>
-      <a:camera prst="orthographicFront"/>
-      <a:lightRig rig="threePt" dir="t"/>
-    </dgm:scene3d>
-    <dgm:sp3d/>
-    <dgm:txPr/>
-    <dgm:style>
-      <a:lnRef idx="1">
-        <a:scrgbClr r="0" g="0" b="0"/>
-      </a:lnRef>
-      <a:fillRef idx="1">
-        <a:scrgbClr r="0" g="0" b="0"/>
-      </a:fillRef>
-      <a:effectRef idx="0">
-        <a:scrgbClr r="0" g="0" b="0"/>
-      </a:effectRef>
-      <a:fontRef idx="minor"/>
-    </dgm:style>
-  </dgm:styleLbl>
-  <dgm:styleLbl name="fgAcc0">
-    <dgm:scene3d>
-      <a:camera prst="orthographicFront"/>
-      <a:lightRig rig="threePt" dir="t"/>
-    </dgm:scene3d>
-    <dgm:sp3d/>
-    <dgm:txPr/>
-    <dgm:style>
-      <a:lnRef idx="1">
-        <a:scrgbClr r="0" g="0" b="0"/>
-      </a:lnRef>
-      <a:fillRef idx="1">
-        <a:scrgbClr r="0" g="0" b="0"/>
-      </a:fillRef>
-      <a:effectRef idx="0">
-        <a:scrgbClr r="0" g="0" b="0"/>
-      </a:effectRef>
-      <a:fontRef idx="minor"/>
-    </dgm:style>
-  </dgm:styleLbl>
-  <dgm:styleLbl name="fgAcc2">
-    <dgm:scene3d>
-      <a:camera prst="orthographicFront"/>
-      <a:lightRig rig="threePt" dir="t"/>
-    </dgm:scene3d>
-    <dgm:sp3d/>
-    <dgm:txPr/>
-    <dgm:style>
-      <a:lnRef idx="1">
-        <a:scrgbClr r="0" g="0" b="0"/>
-      </a:lnRef>
-      <a:fillRef idx="1">
-        <a:scrgbClr r="0" g="0" b="0"/>
-      </a:fillRef>
-      <a:effectRef idx="0">
-        <a:scrgbClr r="0" g="0" b="0"/>
-      </a:effectRef>
-      <a:fontRef idx="minor"/>
-    </dgm:style>
-  </dgm:styleLbl>
-  <dgm:styleLbl name="fgAcc3">
-    <dgm:scene3d>
-      <a:camera prst="orthographicFront"/>
-      <a:lightRig rig="threePt" dir="t"/>
-    </dgm:scene3d>
-    <dgm:sp3d/>
-    <dgm:txPr/>
-    <dgm:style>
-      <a:lnRef idx="1">
-        <a:scrgbClr r="0" g="0" b="0"/>
-      </a:lnRef>
-      <a:fillRef idx="1">
-        <a:scrgbClr r="0" g="0" b="0"/>
-      </a:fillRef>
-      <a:effectRef idx="0">
-        <a:scrgbClr r="0" g="0" b="0"/>
-      </a:effectRef>
-      <a:fontRef idx="minor"/>
-    </dgm:style>
-  </dgm:styleLbl>
-  <dgm:styleLbl name="fgAcc4">
-    <dgm:scene3d>
-      <a:camera prst="orthographicFront"/>
-      <a:lightRig rig="threePt" dir="t"/>
-    </dgm:scene3d>
-    <dgm:sp3d/>
-    <dgm:txPr/>
-    <dgm:style>
-      <a:lnRef idx="1">
-        <a:scrgbClr r="0" g="0" b="0"/>
-      </a:lnRef>
-      <a:fillRef idx="1">
-        <a:scrgbClr r="0" g="0" b="0"/>
-      </a:fillRef>
-      <a:effectRef idx="0">
-        <a:scrgbClr r="0" g="0" b="0"/>
-      </a:effectRef>
-      <a:fontRef idx="minor"/>
-    </dgm:style>
-  </dgm:styleLbl>
-  <dgm:styleLbl name="bgShp">
-    <dgm:scene3d>
-      <a:camera prst="orthographicFront"/>
-      <a:lightRig rig="threePt" dir="t"/>
-    </dgm:scene3d>
-    <dgm:sp3d/>
-    <dgm:txPr/>
-    <dgm:style>
-      <a:lnRef idx="0">
-        <a:scrgbClr r="0" g="0" b="0"/>
-      </a:lnRef>
-      <a:fillRef idx="1">
-        <a:scrgbClr r="0" g="0" b="0"/>
-      </a:fillRef>
-      <a:effectRef idx="2">
-        <a:scrgbClr r="0" g="0" b="0"/>
-      </a:effectRef>
-      <a:fontRef idx="minor"/>
-    </dgm:style>
-  </dgm:styleLbl>
-  <dgm:styleLbl name="dkBgShp">
-    <dgm:scene3d>
-      <a:camera prst="orthographicFront"/>
-      <a:lightRig rig="threePt" dir="t"/>
-    </dgm:scene3d>
-    <dgm:sp3d/>
-    <dgm:txPr/>
-    <dgm:style>
-      <a:lnRef idx="0">
-        <a:scrgbClr r="0" g="0" b="0"/>
-      </a:lnRef>
-      <a:fillRef idx="1">
-        <a:scrgbClr r="0" g="0" b="0"/>
-      </a:fillRef>
-      <a:effectRef idx="2">
-        <a:scrgbClr r="0" g="0" b="0"/>
-      </a:effectRef>
-      <a:fontRef idx="minor"/>
-    </dgm:style>
-  </dgm:styleLbl>
-  <dgm:styleLbl name="trBgShp">
-    <dgm:scene3d>
-      <a:camera prst="orthographicFront"/>
-      <a:lightRig rig="threePt" dir="t"/>
-    </dgm:scene3d>
-    <dgm:sp3d/>
-    <dgm:txPr/>
-    <dgm:style>
-      <a:lnRef idx="0">
-        <a:scrgbClr r="0" g="0" b="0"/>
-      </a:lnRef>
-      <a:fillRef idx="1">
-        <a:scrgbClr r="0" g="0" b="0"/>
-      </a:fillRef>
-      <a:effectRef idx="0">
-        <a:scrgbClr r="0" g="0" b="0"/>
-      </a:effectRef>
-      <a:fontRef idx="minor"/>
-    </dgm:style>
-  </dgm:styleLbl>
-  <dgm:styleLbl name="fgShp">
-    <dgm:scene3d>
-      <a:camera prst="orthographicFront"/>
-      <a:lightRig rig="threePt" dir="t"/>
-    </dgm:scene3d>
-    <dgm:sp3d/>
-    <dgm:txPr/>
-    <dgm:style>
-      <a:lnRef idx="0">
-        <a:scrgbClr r="0" g="0" b="0"/>
-      </a:lnRef>
-      <a:fillRef idx="3">
-        <a:scrgbClr r="0" g="0" b="0"/>
-      </a:fillRef>
-      <a:effectRef idx="2">
         <a:scrgbClr r="0" g="0" b="0"/>
       </a:effectRef>
       <a:fontRef idx="minor"/>
@@ -6623,7 +2837,7 @@
           <a:p>
             <a:fld id="{AF869721-F543-4A6C-BF9D-65D7CC540427}" type="datetimeFigureOut">
               <a:rPr lang="en-US" smtClean="0"/>
-              <a:t>11/28/2022</a:t>
+              <a:t>11/30/2022</a:t>
             </a:fld>
             <a:endParaRPr lang="en-US" dirty="0"/>
           </a:p>
@@ -6800,7 +3014,7 @@
           <a:p>
             <a:fld id="{C732326A-4C88-4AFB-AA5B-5919D81DFF5B}" type="datetimeFigureOut">
               <a:rPr lang="en-US" smtClean="0"/>
-              <a:t>11/28/2022</a:t>
+              <a:t>11/30/2022</a:t>
             </a:fld>
             <a:endParaRPr lang="en-US" dirty="0"/>
           </a:p>
@@ -7300,91 +3514,7 @@
           <a:p>
             <a:fld id="{C6B3AB32-59DF-41F1-9618-EDFBF5049629}" type="slidenum">
               <a:rPr lang="en-US" smtClean="0"/>
-              <a:t>4</a:t>
-            </a:fld>
-            <a:endParaRPr lang="en-US" dirty="0"/>
-          </a:p>
-        </p:txBody>
-      </p:sp>
-    </p:spTree>
-    <p:extLst>
-      <p:ext uri="{BB962C8B-B14F-4D97-AF65-F5344CB8AC3E}">
-        <p14:creationId xmlns:p14="http://schemas.microsoft.com/office/powerpoint/2010/main" val="3505115597"/>
-      </p:ext>
-    </p:extLst>
-  </p:cSld>
-  <p:clrMapOvr>
-    <a:masterClrMapping/>
-  </p:clrMapOvr>
-</p:notes>
-</file>
-
-<file path=ppt/notesSlides/notesSlide4.xml><?xml version="1.0" encoding="utf-8"?>
-<p:notes xmlns:a="http://schemas.openxmlformats.org/drawingml/2006/main" xmlns:r="http://schemas.openxmlformats.org/officeDocument/2006/relationships" xmlns:p="http://schemas.openxmlformats.org/presentationml/2006/main">
-  <p:cSld>
-    <p:spTree>
-      <p:nvGrpSpPr>
-        <p:cNvPr id="1" name=""/>
-        <p:cNvGrpSpPr/>
-        <p:nvPr/>
-      </p:nvGrpSpPr>
-      <p:grpSpPr>
-        <a:xfrm>
-          <a:off x="0" y="0"/>
-          <a:ext cx="0" cy="0"/>
-          <a:chOff x="0" y="0"/>
-          <a:chExt cx="0" cy="0"/>
-        </a:xfrm>
-      </p:grpSpPr>
-      <p:sp>
-        <p:nvSpPr>
-          <p:cNvPr id="2" name="Slide Image Placeholder 1"/>
-          <p:cNvSpPr>
-            <a:spLocks noGrp="1" noRot="1" noChangeAspect="1"/>
-          </p:cNvSpPr>
-          <p:nvPr>
-            <p:ph type="sldImg"/>
-          </p:nvPr>
-        </p:nvSpPr>
-        <p:spPr/>
-      </p:sp>
-      <p:sp>
-        <p:nvSpPr>
-          <p:cNvPr id="3" name="Notes Placeholder 2"/>
-          <p:cNvSpPr>
-            <a:spLocks noGrp="1"/>
-          </p:cNvSpPr>
-          <p:nvPr>
-            <p:ph type="body" idx="1"/>
-          </p:nvPr>
-        </p:nvSpPr>
-        <p:spPr/>
-        <p:txBody>
-          <a:bodyPr/>
-          <a:lstStyle/>
-          <a:p>
-            <a:endParaRPr lang="en-US" dirty="0"/>
-          </a:p>
-        </p:txBody>
-      </p:sp>
-      <p:sp>
-        <p:nvSpPr>
-          <p:cNvPr id="4" name="Slide Number Placeholder 3"/>
-          <p:cNvSpPr>
-            <a:spLocks noGrp="1"/>
-          </p:cNvSpPr>
-          <p:nvPr>
-            <p:ph type="sldNum" sz="quarter" idx="5"/>
-          </p:nvPr>
-        </p:nvSpPr>
-        <p:spPr/>
-        <p:txBody>
-          <a:bodyPr/>
-          <a:lstStyle/>
-          <a:p>
-            <a:fld id="{C6B3AB32-59DF-41F1-9618-EDFBF5049629}" type="slidenum">
-              <a:rPr lang="en-US" smtClean="0"/>
-              <a:t>5</a:t>
+              <a:t>7</a:t>
             </a:fld>
             <a:endParaRPr lang="en-US" dirty="0"/>
           </a:p>
@@ -7649,7 +3779,7 @@
             <a:fld id="{B61BEF0D-F0BB-DE4B-95CE-6DB70DBA9567}" type="datetimeFigureOut">
               <a:rPr lang="en-US" smtClean="0"/>
               <a:pPr/>
-              <a:t>11/28/2022</a:t>
+              <a:t>11/30/2022</a:t>
             </a:fld>
             <a:endParaRPr lang="en-US" dirty="0"/>
           </a:p>
@@ -7913,7 +4043,7 @@
             <a:fld id="{B61BEF0D-F0BB-DE4B-95CE-6DB70DBA9567}" type="datetimeFigureOut">
               <a:rPr lang="en-US" smtClean="0"/>
               <a:pPr/>
-              <a:t>11/28/2022</a:t>
+              <a:t>11/30/2022</a:t>
             </a:fld>
             <a:endParaRPr lang="en-US" dirty="0"/>
           </a:p>
@@ -8150,7 +4280,7 @@
             <a:fld id="{B61BEF0D-F0BB-DE4B-95CE-6DB70DBA9567}" type="datetimeFigureOut">
               <a:rPr lang="en-US" smtClean="0"/>
               <a:pPr/>
-              <a:t>11/28/2022</a:t>
+              <a:t>11/30/2022</a:t>
             </a:fld>
             <a:endParaRPr lang="en-US" dirty="0"/>
           </a:p>
@@ -8392,7 +4522,7 @@
             <a:fld id="{B61BEF0D-F0BB-DE4B-95CE-6DB70DBA9567}" type="datetimeFigureOut">
               <a:rPr lang="en-US" smtClean="0"/>
               <a:pPr/>
-              <a:t>11/28/2022</a:t>
+              <a:t>11/30/2022</a:t>
             </a:fld>
             <a:endParaRPr lang="en-US" dirty="0"/>
           </a:p>
@@ -8701,7 +4831,7 @@
             <a:fld id="{B61BEF0D-F0BB-DE4B-95CE-6DB70DBA9567}" type="datetimeFigureOut">
               <a:rPr lang="en-US" smtClean="0"/>
               <a:pPr/>
-              <a:t>11/28/2022</a:t>
+              <a:t>11/30/2022</a:t>
             </a:fld>
             <a:endParaRPr lang="en-US" dirty="0"/>
           </a:p>
@@ -9005,7 +5135,7 @@
             <a:fld id="{B61BEF0D-F0BB-DE4B-95CE-6DB70DBA9567}" type="datetimeFigureOut">
               <a:rPr lang="en-US" smtClean="0"/>
               <a:pPr/>
-              <a:t>11/28/2022</a:t>
+              <a:t>11/30/2022</a:t>
             </a:fld>
             <a:endParaRPr lang="en-US" dirty="0"/>
           </a:p>
@@ -9429,7 +5559,7 @@
             <a:fld id="{B61BEF0D-F0BB-DE4B-95CE-6DB70DBA9567}" type="datetimeFigureOut">
               <a:rPr lang="en-US" smtClean="0"/>
               <a:pPr/>
-              <a:t>11/28/2022</a:t>
+              <a:t>11/30/2022</a:t>
             </a:fld>
             <a:endParaRPr lang="en-US" dirty="0"/>
           </a:p>
@@ -9526,7 +5656,7 @@
             <a:fld id="{B61BEF0D-F0BB-DE4B-95CE-6DB70DBA9567}" type="datetimeFigureOut">
               <a:rPr lang="en-US" smtClean="0"/>
               <a:pPr/>
-              <a:t>11/28/2022</a:t>
+              <a:t>11/30/2022</a:t>
             </a:fld>
             <a:endParaRPr lang="en-US" dirty="0"/>
           </a:p>
@@ -9690,7 +5820,7 @@
             <a:fld id="{B61BEF0D-F0BB-DE4B-95CE-6DB70DBA9567}" type="datetimeFigureOut">
               <a:rPr lang="en-US" smtClean="0"/>
               <a:pPr/>
-              <a:t>11/28/2022</a:t>
+              <a:t>11/30/2022</a:t>
             </a:fld>
             <a:endParaRPr lang="en-US" dirty="0"/>
           </a:p>
@@ -10070,7 +6200,7 @@
             <a:fld id="{B61BEF0D-F0BB-DE4B-95CE-6DB70DBA9567}" type="datetimeFigureOut">
               <a:rPr lang="en-US" smtClean="0"/>
               <a:pPr/>
-              <a:t>11/28/2022</a:t>
+              <a:t>11/30/2022</a:t>
             </a:fld>
             <a:endParaRPr lang="en-US" dirty="0"/>
           </a:p>
@@ -10361,7 +6491,7 @@
             <a:fld id="{B61BEF0D-F0BB-DE4B-95CE-6DB70DBA9567}" type="datetimeFigureOut">
               <a:rPr lang="en-US" smtClean="0"/>
               <a:pPr/>
-              <a:t>11/28/2022</a:t>
+              <a:t>11/30/2022</a:t>
             </a:fld>
             <a:endParaRPr lang="en-US" dirty="0"/>
           </a:p>
@@ -10574,7 +6704,7 @@
             <a:fld id="{B61BEF0D-F0BB-DE4B-95CE-6DB70DBA9567}" type="datetimeFigureOut">
               <a:rPr lang="en-US" smtClean="0"/>
               <a:pPr/>
-              <a:t>11/28/2022</a:t>
+              <a:t>11/30/2022</a:t>
             </a:fld>
             <a:endParaRPr lang="en-US" dirty="0"/>
           </a:p>
@@ -11787,7 +7917,7 @@
                   <a:srgbClr val="FFFEFF"/>
                 </a:solidFill>
               </a:rPr>
-              <a:t>Tech Requirements</a:t>
+              <a:t>Planned Attack</a:t>
             </a:r>
           </a:p>
         </p:txBody>
@@ -11858,6 +7988,255 @@
           <p:cNvPr id="2" name="Title 1">
             <a:extLst>
               <a:ext uri="{FF2B5EF4-FFF2-40B4-BE49-F238E27FC236}">
+                <a16:creationId xmlns:a16="http://schemas.microsoft.com/office/drawing/2014/main" id="{A974010B-DACD-16F8-FA7D-BA4BCB879D2D}"/>
+              </a:ext>
+            </a:extLst>
+          </p:cNvPr>
+          <p:cNvSpPr>
+            <a:spLocks noGrp="1"/>
+          </p:cNvSpPr>
+          <p:nvPr>
+            <p:ph type="title"/>
+          </p:nvPr>
+        </p:nvSpPr>
+        <p:spPr/>
+        <p:txBody>
+          <a:bodyPr/>
+          <a:lstStyle/>
+          <a:p>
+            <a:r>
+              <a:rPr lang="en-US" dirty="0"/>
+              <a:t>VHDL Code</a:t>
+            </a:r>
+          </a:p>
+        </p:txBody>
+      </p:sp>
+      <p:sp>
+        <p:nvSpPr>
+          <p:cNvPr id="3" name="Content Placeholder 2">
+            <a:extLst>
+              <a:ext uri="{FF2B5EF4-FFF2-40B4-BE49-F238E27FC236}">
+                <a16:creationId xmlns:a16="http://schemas.microsoft.com/office/drawing/2014/main" id="{20B56294-AF23-AE13-9173-642BF73A603E}"/>
+              </a:ext>
+            </a:extLst>
+          </p:cNvPr>
+          <p:cNvSpPr>
+            <a:spLocks noGrp="1"/>
+          </p:cNvSpPr>
+          <p:nvPr>
+            <p:ph idx="1"/>
+          </p:nvPr>
+        </p:nvSpPr>
+        <p:spPr/>
+        <p:txBody>
+          <a:bodyPr/>
+          <a:lstStyle/>
+          <a:p>
+            <a:endParaRPr lang="en-US"/>
+          </a:p>
+        </p:txBody>
+      </p:sp>
+    </p:spTree>
+    <p:extLst>
+      <p:ext uri="{BB962C8B-B14F-4D97-AF65-F5344CB8AC3E}">
+        <p14:creationId xmlns:p14="http://schemas.microsoft.com/office/powerpoint/2010/main" val="3945190855"/>
+      </p:ext>
+    </p:extLst>
+  </p:cSld>
+  <p:clrMapOvr>
+    <a:masterClrMapping/>
+  </p:clrMapOvr>
+</p:sld>
+</file>
+
+<file path=ppt/slides/slide4.xml><?xml version="1.0" encoding="utf-8"?>
+<p:sld xmlns:a="http://schemas.openxmlformats.org/drawingml/2006/main" xmlns:r="http://schemas.openxmlformats.org/officeDocument/2006/relationships" xmlns:p="http://schemas.openxmlformats.org/presentationml/2006/main">
+  <p:cSld>
+    <p:spTree>
+      <p:nvGrpSpPr>
+        <p:cNvPr id="1" name=""/>
+        <p:cNvGrpSpPr/>
+        <p:nvPr/>
+      </p:nvGrpSpPr>
+      <p:grpSpPr>
+        <a:xfrm>
+          <a:off x="0" y="0"/>
+          <a:ext cx="0" cy="0"/>
+          <a:chOff x="0" y="0"/>
+          <a:chExt cx="0" cy="0"/>
+        </a:xfrm>
+      </p:grpSpPr>
+      <p:sp>
+        <p:nvSpPr>
+          <p:cNvPr id="2" name="Title 1">
+            <a:extLst>
+              <a:ext uri="{FF2B5EF4-FFF2-40B4-BE49-F238E27FC236}">
+                <a16:creationId xmlns:a16="http://schemas.microsoft.com/office/drawing/2014/main" id="{B06401E3-B4F3-35A2-CB11-2811F66E3CBC}"/>
+              </a:ext>
+            </a:extLst>
+          </p:cNvPr>
+          <p:cNvSpPr>
+            <a:spLocks noGrp="1"/>
+          </p:cNvSpPr>
+          <p:nvPr>
+            <p:ph type="title"/>
+          </p:nvPr>
+        </p:nvSpPr>
+        <p:spPr/>
+        <p:txBody>
+          <a:bodyPr/>
+          <a:lstStyle/>
+          <a:p>
+            <a:r>
+              <a:rPr lang="en-US" dirty="0"/>
+              <a:t>Converting to CPP</a:t>
+            </a:r>
+          </a:p>
+        </p:txBody>
+      </p:sp>
+      <p:sp>
+        <p:nvSpPr>
+          <p:cNvPr id="3" name="Content Placeholder 2">
+            <a:extLst>
+              <a:ext uri="{FF2B5EF4-FFF2-40B4-BE49-F238E27FC236}">
+                <a16:creationId xmlns:a16="http://schemas.microsoft.com/office/drawing/2014/main" id="{80EBEBAF-B9B4-8946-6BA9-D53095135F40}"/>
+              </a:ext>
+            </a:extLst>
+          </p:cNvPr>
+          <p:cNvSpPr>
+            <a:spLocks noGrp="1"/>
+          </p:cNvSpPr>
+          <p:nvPr>
+            <p:ph idx="1"/>
+          </p:nvPr>
+        </p:nvSpPr>
+        <p:spPr/>
+        <p:txBody>
+          <a:bodyPr/>
+          <a:lstStyle/>
+          <a:p>
+            <a:endParaRPr lang="en-US"/>
+          </a:p>
+        </p:txBody>
+      </p:sp>
+    </p:spTree>
+    <p:extLst>
+      <p:ext uri="{BB962C8B-B14F-4D97-AF65-F5344CB8AC3E}">
+        <p14:creationId xmlns:p14="http://schemas.microsoft.com/office/powerpoint/2010/main" val="1000843520"/>
+      </p:ext>
+    </p:extLst>
+  </p:cSld>
+  <p:clrMapOvr>
+    <a:masterClrMapping/>
+  </p:clrMapOvr>
+</p:sld>
+</file>
+
+<file path=ppt/slides/slide5.xml><?xml version="1.0" encoding="utf-8"?>
+<p:sld xmlns:a="http://schemas.openxmlformats.org/drawingml/2006/main" xmlns:r="http://schemas.openxmlformats.org/officeDocument/2006/relationships" xmlns:p="http://schemas.openxmlformats.org/presentationml/2006/main">
+  <p:cSld>
+    <p:spTree>
+      <p:nvGrpSpPr>
+        <p:cNvPr id="1" name=""/>
+        <p:cNvGrpSpPr/>
+        <p:nvPr/>
+      </p:nvGrpSpPr>
+      <p:grpSpPr>
+        <a:xfrm>
+          <a:off x="0" y="0"/>
+          <a:ext cx="0" cy="0"/>
+          <a:chOff x="0" y="0"/>
+          <a:chExt cx="0" cy="0"/>
+        </a:xfrm>
+      </p:grpSpPr>
+      <p:sp>
+        <p:nvSpPr>
+          <p:cNvPr id="2" name="Title 1">
+            <a:extLst>
+              <a:ext uri="{FF2B5EF4-FFF2-40B4-BE49-F238E27FC236}">
+                <a16:creationId xmlns:a16="http://schemas.microsoft.com/office/drawing/2014/main" id="{F1E0E816-777F-AE13-A1BA-7FCA41767BEC}"/>
+              </a:ext>
+            </a:extLst>
+          </p:cNvPr>
+          <p:cNvSpPr>
+            <a:spLocks noGrp="1"/>
+          </p:cNvSpPr>
+          <p:nvPr>
+            <p:ph type="title"/>
+          </p:nvPr>
+        </p:nvSpPr>
+        <p:spPr/>
+        <p:txBody>
+          <a:bodyPr/>
+          <a:lstStyle/>
+          <a:p>
+            <a:r>
+              <a:rPr lang="en-US" dirty="0"/>
+              <a:t>Assembly Code Result</a:t>
+            </a:r>
+          </a:p>
+        </p:txBody>
+      </p:sp>
+      <p:sp>
+        <p:nvSpPr>
+          <p:cNvPr id="3" name="Content Placeholder 2">
+            <a:extLst>
+              <a:ext uri="{FF2B5EF4-FFF2-40B4-BE49-F238E27FC236}">
+                <a16:creationId xmlns:a16="http://schemas.microsoft.com/office/drawing/2014/main" id="{250C7C14-A039-3336-F390-7010F092655A}"/>
+              </a:ext>
+            </a:extLst>
+          </p:cNvPr>
+          <p:cNvSpPr>
+            <a:spLocks noGrp="1"/>
+          </p:cNvSpPr>
+          <p:nvPr>
+            <p:ph idx="1"/>
+          </p:nvPr>
+        </p:nvSpPr>
+        <p:spPr/>
+        <p:txBody>
+          <a:bodyPr/>
+          <a:lstStyle/>
+          <a:p>
+            <a:endParaRPr lang="en-US"/>
+          </a:p>
+        </p:txBody>
+      </p:sp>
+    </p:spTree>
+    <p:extLst>
+      <p:ext uri="{BB962C8B-B14F-4D97-AF65-F5344CB8AC3E}">
+        <p14:creationId xmlns:p14="http://schemas.microsoft.com/office/powerpoint/2010/main" val="3163729531"/>
+      </p:ext>
+    </p:extLst>
+  </p:cSld>
+  <p:clrMapOvr>
+    <a:masterClrMapping/>
+  </p:clrMapOvr>
+</p:sld>
+</file>
+
+<file path=ppt/slides/slide6.xml><?xml version="1.0" encoding="utf-8"?>
+<p:sld xmlns:a="http://schemas.openxmlformats.org/drawingml/2006/main" xmlns:r="http://schemas.openxmlformats.org/officeDocument/2006/relationships" xmlns:p="http://schemas.openxmlformats.org/presentationml/2006/main">
+  <p:cSld>
+    <p:spTree>
+      <p:nvGrpSpPr>
+        <p:cNvPr id="1" name=""/>
+        <p:cNvGrpSpPr/>
+        <p:nvPr/>
+      </p:nvGrpSpPr>
+      <p:grpSpPr>
+        <a:xfrm>
+          <a:off x="0" y="0"/>
+          <a:ext cx="0" cy="0"/>
+          <a:chOff x="0" y="0"/>
+          <a:chExt cx="0" cy="0"/>
+        </a:xfrm>
+      </p:grpSpPr>
+      <p:sp>
+        <p:nvSpPr>
+          <p:cNvPr id="2" name="Title 1">
+            <a:extLst>
+              <a:ext uri="{FF2B5EF4-FFF2-40B4-BE49-F238E27FC236}">
                 <a16:creationId xmlns:a16="http://schemas.microsoft.com/office/drawing/2014/main" id="{921633EB-7DCB-4DDC-80AF-C885A3EE1245}"/>
               </a:ext>
             </a:extLst>
@@ -11876,7 +8255,7 @@
           <a:p>
             <a:r>
               <a:rPr lang="en-US" dirty="0"/>
-              <a:t>Competitive Landscape</a:t>
+              <a:t>Struggles and Learning things</a:t>
             </a:r>
           </a:p>
         </p:txBody>
@@ -11959,397 +8338,7 @@
 </p:sld>
 </file>
 
-<file path=ppt/slides/slide4.xml><?xml version="1.0" encoding="utf-8"?>
-<p:sld xmlns:a="http://schemas.openxmlformats.org/drawingml/2006/main" xmlns:r="http://schemas.openxmlformats.org/officeDocument/2006/relationships" xmlns:p="http://schemas.openxmlformats.org/presentationml/2006/main">
-  <p:cSld>
-    <p:bg>
-      <p:bgPr>
-        <a:solidFill>
-          <a:schemeClr val="bg1"/>
-        </a:solidFill>
-        <a:effectLst/>
-      </p:bgPr>
-    </p:bg>
-    <p:spTree>
-      <p:nvGrpSpPr>
-        <p:cNvPr id="1" name=""/>
-        <p:cNvGrpSpPr/>
-        <p:nvPr/>
-      </p:nvGrpSpPr>
-      <p:grpSpPr>
-        <a:xfrm>
-          <a:off x="0" y="0"/>
-          <a:ext cx="0" cy="0"/>
-          <a:chOff x="0" y="0"/>
-          <a:chExt cx="0" cy="0"/>
-        </a:xfrm>
-      </p:grpSpPr>
-      <p:sp useBgFill="1">
-        <p:nvSpPr>
-          <p:cNvPr id="13" name="Rectangle 12">
-            <a:extLst>
-              <a:ext uri="{FF2B5EF4-FFF2-40B4-BE49-F238E27FC236}">
-                <a16:creationId xmlns:a16="http://schemas.microsoft.com/office/drawing/2014/main" id="{4AE9D071-98CF-435C-BD2B-976514544DC5}"/>
-              </a:ext>
-              <a:ext uri="{C183D7F6-B498-43B3-948B-1728B52AA6E4}">
-                <adec:decorative xmlns:adec="http://schemas.microsoft.com/office/drawing/2017/decorative" val="1"/>
-              </a:ext>
-            </a:extLst>
-          </p:cNvPr>
-          <p:cNvSpPr>
-            <a:spLocks noGrp="1" noRot="1" noChangeAspect="1" noMove="1" noResize="1" noEditPoints="1" noAdjustHandles="1" noChangeArrowheads="1" noChangeShapeType="1" noTextEdit="1"/>
-          </p:cNvSpPr>
-          <p:nvPr>
-            <p:extLst>
-              <p:ext uri="{386F3935-93C4-4BCD-93E2-E3B085C9AB24}">
-                <p16:designElem xmlns:p16="http://schemas.microsoft.com/office/powerpoint/2015/main" val="1"/>
-              </p:ext>
-            </p:extLst>
-          </p:nvPr>
-        </p:nvSpPr>
-        <p:spPr>
-          <a:xfrm>
-            <a:off x="0" y="0"/>
-            <a:ext cx="12192000" cy="6858000"/>
-          </a:xfrm>
-          <a:prstGeom prst="rect">
-            <a:avLst/>
-          </a:prstGeom>
-          <a:ln>
-            <a:noFill/>
-          </a:ln>
-        </p:spPr>
-        <p:style>
-          <a:lnRef idx="2">
-            <a:schemeClr val="accent1">
-              <a:shade val="50000"/>
-            </a:schemeClr>
-          </a:lnRef>
-          <a:fillRef idx="1">
-            <a:schemeClr val="accent1"/>
-          </a:fillRef>
-          <a:effectRef idx="0">
-            <a:schemeClr val="accent1"/>
-          </a:effectRef>
-          <a:fontRef idx="minor">
-            <a:schemeClr val="lt1"/>
-          </a:fontRef>
-        </p:style>
-        <p:txBody>
-          <a:bodyPr rtlCol="0" anchor="ctr"/>
-          <a:lstStyle/>
-          <a:p>
-            <a:pPr algn="ctr"/>
-            <a:endParaRPr lang="en-US" dirty="0"/>
-          </a:p>
-        </p:txBody>
-      </p:sp>
-      <p:pic>
-        <p:nvPicPr>
-          <p:cNvPr id="8" name="Content Placeholder 4" descr="Digital Numbers">
-            <a:extLst>
-              <a:ext uri="{FF2B5EF4-FFF2-40B4-BE49-F238E27FC236}">
-                <a16:creationId xmlns:a16="http://schemas.microsoft.com/office/drawing/2014/main" id="{EA70616B-E344-4856-8DF9-707C26236613}"/>
-              </a:ext>
-            </a:extLst>
-          </p:cNvPr>
-          <p:cNvPicPr>
-            <a:picLocks noChangeAspect="1"/>
-          </p:cNvPicPr>
-          <p:nvPr/>
-        </p:nvPicPr>
-        <p:blipFill rotWithShape="1">
-          <a:blip r:embed="rId3" cstate="screen">
-            <a:extLst>
-              <a:ext uri="{28A0092B-C50C-407E-A947-70E740481C1C}">
-                <a14:useLocalDpi xmlns:a14="http://schemas.microsoft.com/office/drawing/2010/main"/>
-              </a:ext>
-            </a:extLst>
-          </a:blip>
-          <a:srcRect t="10681" r="9091" b="12711"/>
-          <a:stretch/>
-        </p:blipFill>
-        <p:spPr>
-          <a:xfrm>
-            <a:off x="20" y="10"/>
-            <a:ext cx="12191980" cy="6857990"/>
-          </a:xfrm>
-          <a:prstGeom prst="rect">
-            <a:avLst/>
-          </a:prstGeom>
-        </p:spPr>
-      </p:pic>
-      <p:grpSp>
-        <p:nvGrpSpPr>
-          <p:cNvPr id="15" name="Group 14">
-            <a:extLst>
-              <a:ext uri="{FF2B5EF4-FFF2-40B4-BE49-F238E27FC236}">
-                <a16:creationId xmlns:a16="http://schemas.microsoft.com/office/drawing/2014/main" id="{D619FC33-16ED-4246-9596-BEFEB55E4CF6}"/>
-              </a:ext>
-              <a:ext uri="{C183D7F6-B498-43B3-948B-1728B52AA6E4}">
-                <adec:decorative xmlns:adec="http://schemas.microsoft.com/office/drawing/2017/decorative" val="1"/>
-              </a:ext>
-            </a:extLst>
-          </p:cNvPr>
-          <p:cNvGrpSpPr>
-            <a:grpSpLocks noGrp="1" noUngrp="1" noRot="1" noChangeAspect="1" noMove="1" noResize="1"/>
-          </p:cNvGrpSpPr>
-          <p:nvPr>
-            <p:extLst>
-              <p:ext uri="{386F3935-93C4-4BCD-93E2-E3B085C9AB24}">
-                <p16:designElem xmlns:p16="http://schemas.microsoft.com/office/powerpoint/2015/main" val="1"/>
-              </p:ext>
-            </p:extLst>
-          </p:nvPr>
-        </p:nvGrpSpPr>
-        <p:grpSpPr>
-          <a:xfrm>
-            <a:off x="438067" y="457200"/>
-            <a:ext cx="7507083" cy="5935132"/>
-            <a:chOff x="438067" y="457200"/>
-            <a:chExt cx="7507083" cy="5935132"/>
-          </a:xfrm>
-        </p:grpSpPr>
-        <p:sp>
-          <p:nvSpPr>
-            <p:cNvPr id="16" name="Rectangle 15">
-              <a:extLst>
-                <a:ext uri="{FF2B5EF4-FFF2-40B4-BE49-F238E27FC236}">
-                  <a16:creationId xmlns:a16="http://schemas.microsoft.com/office/drawing/2014/main" id="{2EEA80E1-F99F-4009-837F-2F72F8A5D580}"/>
-                </a:ext>
-                <a:ext uri="{C183D7F6-B498-43B3-948B-1728B52AA6E4}">
-                  <adec:decorative xmlns:adec="http://schemas.microsoft.com/office/drawing/2017/decorative" val="1"/>
-                </a:ext>
-              </a:extLst>
-            </p:cNvPr>
-            <p:cNvSpPr/>
-            <p:nvPr>
-              <p:extLst>
-                <p:ext uri="{386F3935-93C4-4BCD-93E2-E3B085C9AB24}">
-                  <p16:designElem xmlns:p16="http://schemas.microsoft.com/office/powerpoint/2015/main" val="1"/>
-                </p:ext>
-              </p:extLst>
-            </p:nvPr>
-          </p:nvSpPr>
-          <p:spPr>
-            <a:xfrm>
-              <a:off x="438067" y="618067"/>
-              <a:ext cx="7503665" cy="5774265"/>
-            </a:xfrm>
-            <a:prstGeom prst="rect">
-              <a:avLst/>
-            </a:prstGeom>
-            <a:solidFill>
-              <a:schemeClr val="accent1">
-                <a:alpha val="97000"/>
-              </a:schemeClr>
-            </a:solidFill>
-            <a:ln w="6350" cmpd="sng">
-              <a:noFill/>
-            </a:ln>
-            <a:effectLst/>
-          </p:spPr>
-          <p:style>
-            <a:lnRef idx="1">
-              <a:schemeClr val="accent1"/>
-            </a:lnRef>
-            <a:fillRef idx="3">
-              <a:schemeClr val="accent1"/>
-            </a:fillRef>
-            <a:effectRef idx="2">
-              <a:schemeClr val="accent1"/>
-            </a:effectRef>
-            <a:fontRef idx="minor">
-              <a:schemeClr val="lt1"/>
-            </a:fontRef>
-          </p:style>
-        </p:sp>
-        <p:sp>
-          <p:nvSpPr>
-            <p:cNvPr id="17" name="Rectangle 16">
-              <a:extLst>
-                <a:ext uri="{FF2B5EF4-FFF2-40B4-BE49-F238E27FC236}">
-                  <a16:creationId xmlns:a16="http://schemas.microsoft.com/office/drawing/2014/main" id="{0230AF9A-4641-4BD8-9F95-9607CD304039}"/>
-                </a:ext>
-                <a:ext uri="{C183D7F6-B498-43B3-948B-1728B52AA6E4}">
-                  <adec:decorative xmlns:adec="http://schemas.microsoft.com/office/drawing/2017/decorative" val="1"/>
-                </a:ext>
-              </a:extLst>
-            </p:cNvPr>
-            <p:cNvSpPr/>
-            <p:nvPr>
-              <p:extLst>
-                <p:ext uri="{386F3935-93C4-4BCD-93E2-E3B085C9AB24}">
-                  <p16:designElem xmlns:p16="http://schemas.microsoft.com/office/powerpoint/2015/main" val="1"/>
-                </p:ext>
-              </p:extLst>
-            </p:nvPr>
-          </p:nvSpPr>
-          <p:spPr>
-            <a:xfrm>
-              <a:off x="438068" y="457200"/>
-              <a:ext cx="3703320" cy="94997"/>
-            </a:xfrm>
-            <a:prstGeom prst="rect">
-              <a:avLst/>
-            </a:prstGeom>
-            <a:solidFill>
-              <a:schemeClr val="accent1"/>
-            </a:solidFill>
-            <a:ln>
-              <a:noFill/>
-            </a:ln>
-            <a:effectLst/>
-          </p:spPr>
-          <p:style>
-            <a:lnRef idx="1">
-              <a:schemeClr val="accent1"/>
-            </a:lnRef>
-            <a:fillRef idx="3">
-              <a:schemeClr val="accent1"/>
-            </a:fillRef>
-            <a:effectRef idx="2">
-              <a:schemeClr val="accent1"/>
-            </a:effectRef>
-            <a:fontRef idx="minor">
-              <a:schemeClr val="lt1"/>
-            </a:fontRef>
-          </p:style>
-        </p:sp>
-        <p:sp>
-          <p:nvSpPr>
-            <p:cNvPr id="18" name="Rectangle 17">
-              <a:extLst>
-                <a:ext uri="{FF2B5EF4-FFF2-40B4-BE49-F238E27FC236}">
-                  <a16:creationId xmlns:a16="http://schemas.microsoft.com/office/drawing/2014/main" id="{8703D4EC-9389-41B6-B88B-B6FDC8CD3330}"/>
-                </a:ext>
-                <a:ext uri="{C183D7F6-B498-43B3-948B-1728B52AA6E4}">
-                  <adec:decorative xmlns:adec="http://schemas.microsoft.com/office/drawing/2017/decorative" val="1"/>
-                </a:ext>
-              </a:extLst>
-            </p:cNvPr>
-            <p:cNvSpPr/>
-            <p:nvPr>
-              <p:extLst>
-                <p:ext uri="{386F3935-93C4-4BCD-93E2-E3B085C9AB24}">
-                  <p16:designElem xmlns:p16="http://schemas.microsoft.com/office/powerpoint/2015/main" val="1"/>
-                </p:ext>
-              </p:extLst>
-            </p:nvPr>
-          </p:nvSpPr>
-          <p:spPr>
-            <a:xfrm>
-              <a:off x="4241830" y="457200"/>
-              <a:ext cx="3703320" cy="91440"/>
-            </a:xfrm>
-            <a:prstGeom prst="rect">
-              <a:avLst/>
-            </a:prstGeom>
-            <a:solidFill>
-              <a:schemeClr val="accent2"/>
-            </a:solidFill>
-            <a:ln>
-              <a:noFill/>
-            </a:ln>
-            <a:effectLst/>
-          </p:spPr>
-          <p:style>
-            <a:lnRef idx="1">
-              <a:schemeClr val="accent1"/>
-            </a:lnRef>
-            <a:fillRef idx="3">
-              <a:schemeClr val="accent1"/>
-            </a:fillRef>
-            <a:effectRef idx="2">
-              <a:schemeClr val="accent1"/>
-            </a:effectRef>
-            <a:fontRef idx="minor">
-              <a:schemeClr val="lt1"/>
-            </a:fontRef>
-          </p:style>
-        </p:sp>
-      </p:grpSp>
-      <p:sp>
-        <p:nvSpPr>
-          <p:cNvPr id="2" name="Title 1">
-            <a:extLst>
-              <a:ext uri="{FF2B5EF4-FFF2-40B4-BE49-F238E27FC236}">
-                <a16:creationId xmlns:a16="http://schemas.microsoft.com/office/drawing/2014/main" id="{7F2616EE-270D-4F4C-BA1F-2708D387B800}"/>
-              </a:ext>
-            </a:extLst>
-          </p:cNvPr>
-          <p:cNvSpPr>
-            <a:spLocks noGrp="1"/>
-          </p:cNvSpPr>
-          <p:nvPr>
-            <p:ph type="title"/>
-          </p:nvPr>
-        </p:nvSpPr>
-        <p:spPr>
-          <a:xfrm>
-            <a:off x="584200" y="1006956"/>
-            <a:ext cx="7213600" cy="1121871"/>
-          </a:xfrm>
-        </p:spPr>
-        <p:txBody>
-          <a:bodyPr anchor="ctr">
-            <a:normAutofit/>
-          </a:bodyPr>
-          <a:lstStyle/>
-          <a:p>
-            <a:pPr algn="ctr"/>
-            <a:r>
-              <a:rPr lang="en-US" dirty="0"/>
-              <a:t>Digital Communications</a:t>
-            </a:r>
-          </a:p>
-        </p:txBody>
-      </p:sp>
-      <p:graphicFrame>
-        <p:nvGraphicFramePr>
-          <p:cNvPr id="6" name="Content Placeholder 5" descr="SmartArt">
-            <a:extLst>
-              <a:ext uri="{FF2B5EF4-FFF2-40B4-BE49-F238E27FC236}">
-                <a16:creationId xmlns:a16="http://schemas.microsoft.com/office/drawing/2014/main" id="{BF629521-FFD2-45DA-9D1D-A5F09BD5A2D9}"/>
-              </a:ext>
-            </a:extLst>
-          </p:cNvPr>
-          <p:cNvGraphicFramePr>
-            <a:graphicFrameLocks noGrp="1"/>
-          </p:cNvGraphicFramePr>
-          <p:nvPr>
-            <p:ph idx="1"/>
-            <p:extLst>
-              <p:ext uri="{D42A27DB-BD31-4B8C-83A1-F6EECF244321}">
-                <p14:modId xmlns:p14="http://schemas.microsoft.com/office/powerpoint/2010/main" val="3961337641"/>
-              </p:ext>
-            </p:extLst>
-          </p:nvPr>
-        </p:nvGraphicFramePr>
-        <p:xfrm>
-          <a:off x="719571" y="2198254"/>
-          <a:ext cx="6854248" cy="3563938"/>
-        </p:xfrm>
-        <a:graphic>
-          <a:graphicData uri="http://schemas.openxmlformats.org/drawingml/2006/diagram">
-            <dgm:relIds xmlns:dgm="http://schemas.openxmlformats.org/drawingml/2006/diagram" xmlns:r="http://schemas.openxmlformats.org/officeDocument/2006/relationships" r:dm="rId4" r:lo="rId5" r:qs="rId6" r:cs="rId7"/>
-          </a:graphicData>
-        </a:graphic>
-      </p:graphicFrame>
-    </p:spTree>
-    <p:extLst>
-      <p:ext uri="{BB962C8B-B14F-4D97-AF65-F5344CB8AC3E}">
-        <p14:creationId xmlns:p14="http://schemas.microsoft.com/office/powerpoint/2010/main" val="4209322005"/>
-      </p:ext>
-    </p:extLst>
-  </p:cSld>
-  <p:clrMapOvr>
-    <a:masterClrMapping/>
-  </p:clrMapOvr>
-</p:sld>
-</file>
-
-<file path=ppt/slides/slide5.xml><?xml version="1.0" encoding="utf-8"?>
+<file path=ppt/slides/slide7.xml><?xml version="1.0" encoding="utf-8"?>
 <p:sld xmlns:a="http://schemas.openxmlformats.org/drawingml/2006/main" xmlns:r="http://schemas.openxmlformats.org/officeDocument/2006/relationships" xmlns:p="http://schemas.openxmlformats.org/presentationml/2006/main">
   <p:cSld>
     <p:bg>
@@ -12744,20 +8733,21 @@
           <a:lstStyle/>
           <a:p>
             <a:r>
-              <a:rPr lang="en-US" dirty="0">
+              <a:rPr lang="en-US" dirty="0" err="1">
                 <a:solidFill>
                   <a:schemeClr val="bg2"/>
                 </a:solidFill>
               </a:rPr>
-              <a:t>someone@example.com</a:t>
+              <a:t>Github</a:t>
             </a:r>
-          </a:p>
-          <a:p>
-            <a:endParaRPr lang="en-US" dirty="0">
-              <a:solidFill>
-                <a:schemeClr val="bg2"/>
-              </a:solidFill>
-            </a:endParaRPr>
+            <a:r>
+              <a:rPr lang="en-US">
+                <a:solidFill>
+                  <a:schemeClr val="bg2"/>
+                </a:solidFill>
+              </a:rPr>
+              <a:t> Link:</a:t>
+            </a:r>
           </a:p>
           <a:p>
             <a:endParaRPr lang="en-US" dirty="0">

--- a/CS301_ProjectPresentation.pptx
+++ b/CS301_ProjectPresentation.pptx
@@ -5,19 +5,26 @@
     <p:sldMasterId id="2147483672" r:id="rId1"/>
   </p:sldMasterIdLst>
   <p:notesMasterIdLst>
-    <p:notesMasterId r:id="rId9"/>
+    <p:notesMasterId r:id="rId16"/>
   </p:notesMasterIdLst>
   <p:handoutMasterIdLst>
-    <p:handoutMasterId r:id="rId10"/>
+    <p:handoutMasterId r:id="rId17"/>
   </p:handoutMasterIdLst>
   <p:sldIdLst>
     <p:sldId id="256" r:id="rId2"/>
     <p:sldId id="261" r:id="rId3"/>
-    <p:sldId id="262" r:id="rId4"/>
-    <p:sldId id="263" r:id="rId5"/>
-    <p:sldId id="264" r:id="rId6"/>
-    <p:sldId id="258" r:id="rId7"/>
-    <p:sldId id="260" r:id="rId8"/>
+    <p:sldId id="269" r:id="rId4"/>
+    <p:sldId id="262" r:id="rId5"/>
+    <p:sldId id="265" r:id="rId6"/>
+    <p:sldId id="266" r:id="rId7"/>
+    <p:sldId id="267" r:id="rId8"/>
+    <p:sldId id="268" r:id="rId9"/>
+    <p:sldId id="270" r:id="rId10"/>
+    <p:sldId id="271" r:id="rId11"/>
+    <p:sldId id="272" r:id="rId12"/>
+    <p:sldId id="264" r:id="rId13"/>
+    <p:sldId id="258" r:id="rId14"/>
+    <p:sldId id="260" r:id="rId15"/>
   </p:sldIdLst>
   <p:sldSz cx="12192000" cy="6858000"/>
   <p:notesSz cx="6858000" cy="9144000"/>
@@ -117,6 +124,44 @@
     </a:lvl9pPr>
   </p:defaultTextStyle>
   <p:extLst>
+    <p:ext uri="{521415D9-36F7-43E2-AB2F-B90AF26B5E84}">
+      <p14:sectionLst xmlns:p14="http://schemas.microsoft.com/office/powerpoint/2010/main">
+        <p14:section name="Opening" id="{57D58DE4-B922-442F-92BA-4F7BFE7EA6A0}">
+          <p14:sldIdLst>
+            <p14:sldId id="256"/>
+            <p14:sldId id="261"/>
+          </p14:sldIdLst>
+        </p14:section>
+        <p14:section name="VHDL" id="{39B876E6-7F45-4B2B-A6B3-A5F2CA254478}">
+          <p14:sldIdLst>
+            <p14:sldId id="269"/>
+            <p14:sldId id="262"/>
+            <p14:sldId id="265"/>
+            <p14:sldId id="266"/>
+            <p14:sldId id="267"/>
+          </p14:sldIdLst>
+        </p14:section>
+        <p14:section name="Cpp" id="{0FD9219D-E24D-4570-8CBD-5CD9D434A4E7}">
+          <p14:sldIdLst>
+            <p14:sldId id="268"/>
+            <p14:sldId id="270"/>
+            <p14:sldId id="271"/>
+          </p14:sldIdLst>
+        </p14:section>
+        <p14:section name="Assembly" id="{C8A274F9-86F2-423C-B537-AEDA5C9419EC}">
+          <p14:sldIdLst>
+            <p14:sldId id="272"/>
+            <p14:sldId id="264"/>
+          </p14:sldIdLst>
+        </p14:section>
+        <p14:section name="Conclusions" id="{BFA735B3-B075-4E2A-B46D-AF3DE647852C}">
+          <p14:sldIdLst>
+            <p14:sldId id="258"/>
+            <p14:sldId id="260"/>
+          </p14:sldIdLst>
+        </p14:section>
+      </p14:sectionLst>
+    </p:ext>
     <p:ext uri="{EFAFB233-063F-42B5-8137-9DF3F51BA10A}">
       <p15:sldGuideLst xmlns:p15="http://schemas.microsoft.com/office/powerpoint/2012/main"/>
     </p:ext>
@@ -128,7 +173,7 @@
 </file>
 
 <file path=ppt/diagrams/colors1.xml><?xml version="1.0" encoding="utf-8"?>
-<dgm:colorsDef xmlns:dgm="http://schemas.openxmlformats.org/drawingml/2006/diagram" xmlns:a="http://schemas.openxmlformats.org/drawingml/2006/main" uniqueId="urn:microsoft.com/office/officeart/2018/5/colors/Iconchunking_neutralbg_accent2_2">
+<dgm:colorsDef xmlns:dgm="http://schemas.openxmlformats.org/drawingml/2006/diagram" xmlns:a="http://schemas.openxmlformats.org/drawingml/2006/main" uniqueId="urn:microsoft.com/office/officeart/2005/8/colors/accent2_2">
   <dgm:title val=""/>
   <dgm:desc val=""/>
   <dgm:catLst>
@@ -151,9 +196,7 @@
       <a:schemeClr val="accent2"/>
     </dgm:fillClrLst>
     <dgm:linClrLst meth="repeat">
-      <a:schemeClr val="lt1">
-        <a:alpha val="0"/>
-      </a:schemeClr>
+      <a:schemeClr val="lt1"/>
     </dgm:linClrLst>
     <dgm:effectClrLst/>
     <dgm:txLinClrLst/>
@@ -792,8 +835,8 @@
   </dgm:styleLbl>
   <dgm:styleLbl name="bgShp">
     <dgm:fillClrLst meth="repeat">
-      <a:schemeClr val="bg1">
-        <a:lumMod val="95000"/>
+      <a:schemeClr val="accent2">
+        <a:tint val="40000"/>
       </a:schemeClr>
     </dgm:fillClrLst>
     <dgm:linClrLst meth="repeat">
@@ -880,7 +923,7 @@
 <dgm:dataModel xmlns:dgm="http://schemas.openxmlformats.org/drawingml/2006/diagram" xmlns:a="http://schemas.openxmlformats.org/drawingml/2006/main">
   <dgm:ptLst>
     <dgm:pt modelId="{7D9C16A6-8C48-4165-8DAF-8C957C12A8FA}" type="doc">
-      <dgm:prSet loTypeId="urn:microsoft.com/office/officeart/2018/2/layout/IconLabelList" loCatId="icon" qsTypeId="urn:microsoft.com/office/officeart/2005/8/quickstyle/simple1" qsCatId="simple" csTypeId="urn:microsoft.com/office/officeart/2018/5/colors/Iconchunking_neutralbg_accent2_2" csCatId="accent2" phldr="1"/>
+      <dgm:prSet loTypeId="urn:microsoft.com/office/officeart/2005/8/layout/vProcess5" loCatId="process" qsTypeId="urn:microsoft.com/office/officeart/2005/8/quickstyle/simple1" qsCatId="simple" csTypeId="urn:microsoft.com/office/officeart/2005/8/colors/accent2_2" csCatId="accent2" phldr="1"/>
       <dgm:spPr/>
     </dgm:pt>
     <dgm:pt modelId="{701D68F5-42F8-47BC-8FED-84C50F595DF0}">
@@ -892,7 +935,7 @@
         <a:p>
           <a:r>
             <a:rPr lang="en-ZA" dirty="0"/>
-            <a:t>Network</a:t>
+            <a:t>VHDL</a:t>
           </a:r>
           <a:endParaRPr lang="en-US" dirty="0"/>
         </a:p>
@@ -921,7 +964,22 @@
       </dgm:t>
     </dgm:pt>
     <dgm:pt modelId="{91A66877-AC1C-46D9-BF2C-6024B638DEA9}">
-      <dgm:prSet phldrT="[Text]"/>
+      <dgm:prSet phldrT="[Text]">
+        <dgm:style>
+          <a:lnRef idx="3">
+            <a:schemeClr val="lt1"/>
+          </a:lnRef>
+          <a:fillRef idx="1">
+            <a:schemeClr val="accent3"/>
+          </a:fillRef>
+          <a:effectRef idx="1">
+            <a:schemeClr val="accent3"/>
+          </a:effectRef>
+          <a:fontRef idx="minor">
+            <a:schemeClr val="lt1"/>
+          </a:fontRef>
+        </dgm:style>
+      </dgm:prSet>
       <dgm:spPr/>
       <dgm:t>
         <a:bodyPr/>
@@ -929,7 +987,7 @@
         <a:p>
           <a:r>
             <a:rPr lang="en-US" dirty="0"/>
-            <a:t>Satellite</a:t>
+            <a:t>C++/C</a:t>
           </a:r>
         </a:p>
       </dgm:t>
@@ -957,7 +1015,22 @@
       </dgm:t>
     </dgm:pt>
     <dgm:pt modelId="{76CC3289-2662-43F0-A3C6-BA04A135F08C}">
-      <dgm:prSet phldrT="[Text]"/>
+      <dgm:prSet phldrT="[Text]">
+        <dgm:style>
+          <a:lnRef idx="3">
+            <a:schemeClr val="lt1"/>
+          </a:lnRef>
+          <a:fillRef idx="1">
+            <a:schemeClr val="accent4"/>
+          </a:fillRef>
+          <a:effectRef idx="1">
+            <a:schemeClr val="accent4"/>
+          </a:effectRef>
+          <a:fontRef idx="minor">
+            <a:schemeClr val="lt1"/>
+          </a:fontRef>
+        </dgm:style>
+      </dgm:prSet>
       <dgm:spPr/>
       <dgm:t>
         <a:bodyPr/>
@@ -965,7 +1038,7 @@
         <a:p>
           <a:r>
             <a:rPr lang="en-US" dirty="0"/>
-            <a:t>Link</a:t>
+            <a:t>Assembly</a:t>
           </a:r>
         </a:p>
       </dgm:t>
@@ -992,180 +1065,109 @@
         </a:p>
       </dgm:t>
     </dgm:pt>
-    <dgm:pt modelId="{8994D886-A75F-411A-A9D7-D31991FF12BD}" type="pres">
-      <dgm:prSet presAssocID="{7D9C16A6-8C48-4165-8DAF-8C957C12A8FA}" presName="root" presStyleCnt="0">
+    <dgm:pt modelId="{D6D1E9E5-4281-4921-9B1F-0FD56CE101B6}" type="pres">
+      <dgm:prSet presAssocID="{7D9C16A6-8C48-4165-8DAF-8C957C12A8FA}" presName="outerComposite" presStyleCnt="0">
         <dgm:presLayoutVars>
+          <dgm:chMax val="5"/>
           <dgm:dir/>
           <dgm:resizeHandles val="exact"/>
         </dgm:presLayoutVars>
       </dgm:prSet>
       <dgm:spPr/>
     </dgm:pt>
-    <dgm:pt modelId="{E1DBA6D5-BD14-4CD2-A0CC-80F867FEFA81}" type="pres">
-      <dgm:prSet presAssocID="{701D68F5-42F8-47BC-8FED-84C50F595DF0}" presName="compNode" presStyleCnt="0"/>
+    <dgm:pt modelId="{2B51E5F3-005C-400D-9AD7-AAD15B5473F5}" type="pres">
+      <dgm:prSet presAssocID="{7D9C16A6-8C48-4165-8DAF-8C957C12A8FA}" presName="dummyMaxCanvas" presStyleCnt="0">
+        <dgm:presLayoutVars/>
+      </dgm:prSet>
       <dgm:spPr/>
     </dgm:pt>
-    <dgm:pt modelId="{19A8DC21-3E65-409D-AD53-DA51BB9198A0}" type="pres">
-      <dgm:prSet presAssocID="{701D68F5-42F8-47BC-8FED-84C50F595DF0}" presName="iconRect" presStyleLbl="node1" presStyleIdx="0" presStyleCnt="3" custScaleX="157625" custScaleY="157625"/>
-      <dgm:spPr>
-        <a:blipFill>
-          <a:blip xmlns:r="http://schemas.openxmlformats.org/officeDocument/2006/relationships" r:embed="rId1">
-            <a:extLst>
-              <a:ext uri="{96DAC541-7B7A-43D3-8B79-37D633B846F1}">
-                <asvg:svgBlip xmlns:asvg="http://schemas.microsoft.com/office/drawing/2016/SVG/main" r:embed="rId2"/>
-              </a:ext>
-            </a:extLst>
-          </a:blip>
-          <a:srcRect/>
-          <a:stretch>
-            <a:fillRect/>
-          </a:stretch>
-        </a:blipFill>
-        <a:ln>
-          <a:noFill/>
-        </a:ln>
-      </dgm:spPr>
-      <dgm:extLst>
-        <a:ext uri="{E40237B7-FDA0-4F09-8148-C483321AD2D9}">
-          <dgm14:cNvPr xmlns:dgm14="http://schemas.microsoft.com/office/drawing/2010/diagram" id="0" name="" descr="Network"/>
-        </a:ext>
-      </dgm:extLst>
-    </dgm:pt>
-    <dgm:pt modelId="{B9F90A48-FF94-4C94-A587-0190406F6FD3}" type="pres">
-      <dgm:prSet presAssocID="{701D68F5-42F8-47BC-8FED-84C50F595DF0}" presName="spaceRect" presStyleCnt="0"/>
-      <dgm:spPr/>
-    </dgm:pt>
-    <dgm:pt modelId="{A99B5DD6-89E9-4537-B415-4205CEB9323A}" type="pres">
-      <dgm:prSet presAssocID="{701D68F5-42F8-47BC-8FED-84C50F595DF0}" presName="textRect" presStyleLbl="revTx" presStyleIdx="0" presStyleCnt="3">
+    <dgm:pt modelId="{19F0A0B6-ABD1-4BE9-8D06-AFE701FF58CA}" type="pres">
+      <dgm:prSet presAssocID="{7D9C16A6-8C48-4165-8DAF-8C957C12A8FA}" presName="ThreeNodes_1" presStyleLbl="node1" presStyleIdx="0" presStyleCnt="3">
         <dgm:presLayoutVars>
-          <dgm:chMax val="1"/>
-          <dgm:chPref val="1"/>
+          <dgm:bulletEnabled val="1"/>
         </dgm:presLayoutVars>
       </dgm:prSet>
       <dgm:spPr/>
     </dgm:pt>
-    <dgm:pt modelId="{8B391436-B9B0-45BD-A57F-792D6376D868}" type="pres">
-      <dgm:prSet presAssocID="{0C95B389-AC0C-4055-9AA3-38815EFC8B0A}" presName="sibTrans" presStyleCnt="0"/>
-      <dgm:spPr/>
-    </dgm:pt>
-    <dgm:pt modelId="{95872155-C45D-46D3-874C-D838089A06F8}" type="pres">
-      <dgm:prSet presAssocID="{91A66877-AC1C-46D9-BF2C-6024B638DEA9}" presName="compNode" presStyleCnt="0"/>
-      <dgm:spPr/>
-    </dgm:pt>
-    <dgm:pt modelId="{CE9DF0E8-B0DE-4E1E-9FF4-6006AD8428DB}" type="pres">
-      <dgm:prSet presAssocID="{91A66877-AC1C-46D9-BF2C-6024B638DEA9}" presName="iconRect" presStyleLbl="node1" presStyleIdx="1" presStyleCnt="3" custScaleX="157625" custScaleY="157625"/>
-      <dgm:spPr>
-        <a:blipFill>
-          <a:blip xmlns:r="http://schemas.openxmlformats.org/officeDocument/2006/relationships" r:embed="rId3">
-            <a:extLst>
-              <a:ext uri="{28A0092B-C50C-407E-A947-70E740481C1C}">
-                <a14:useLocalDpi xmlns:a14="http://schemas.microsoft.com/office/drawing/2010/main" val="0"/>
-              </a:ext>
-              <a:ext uri="{96DAC541-7B7A-43D3-8B79-37D633B846F1}">
-                <asvg:svgBlip xmlns:asvg="http://schemas.microsoft.com/office/drawing/2016/SVG/main" r:embed="rId4"/>
-              </a:ext>
-            </a:extLst>
-          </a:blip>
-          <a:stretch>
-            <a:fillRect/>
-          </a:stretch>
-        </a:blipFill>
-        <a:ln>
-          <a:noFill/>
-        </a:ln>
-      </dgm:spPr>
-      <dgm:extLst>
-        <a:ext uri="{E40237B7-FDA0-4F09-8148-C483321AD2D9}">
-          <dgm14:cNvPr xmlns:dgm14="http://schemas.microsoft.com/office/drawing/2010/diagram" id="0" name="" descr="Satellite"/>
-        </a:ext>
-      </dgm:extLst>
-    </dgm:pt>
-    <dgm:pt modelId="{AA0423A1-55B2-45E9-BFE7-3FBE5BDA65ED}" type="pres">
-      <dgm:prSet presAssocID="{91A66877-AC1C-46D9-BF2C-6024B638DEA9}" presName="spaceRect" presStyleCnt="0"/>
-      <dgm:spPr/>
-    </dgm:pt>
-    <dgm:pt modelId="{55120873-6F5C-4053-8EAD-6287A7F1097E}" type="pres">
-      <dgm:prSet presAssocID="{91A66877-AC1C-46D9-BF2C-6024B638DEA9}" presName="textRect" presStyleLbl="revTx" presStyleIdx="1" presStyleCnt="3">
+    <dgm:pt modelId="{BDC45F92-9718-40E5-84A4-90F786AED45B}" type="pres">
+      <dgm:prSet presAssocID="{7D9C16A6-8C48-4165-8DAF-8C957C12A8FA}" presName="ThreeNodes_2" presStyleLbl="node1" presStyleIdx="1" presStyleCnt="3" custLinFactNeighborX="0" custLinFactNeighborY="-3525">
         <dgm:presLayoutVars>
-          <dgm:chMax val="1"/>
-          <dgm:chPref val="1"/>
+          <dgm:bulletEnabled val="1"/>
         </dgm:presLayoutVars>
       </dgm:prSet>
       <dgm:spPr/>
     </dgm:pt>
-    <dgm:pt modelId="{F679C986-30E4-4F0A-A3A6-CAE528BFED76}" type="pres">
-      <dgm:prSet presAssocID="{BFCE4A28-C381-46FF-935A-B11534EF7D87}" presName="sibTrans" presStyleCnt="0"/>
+    <dgm:pt modelId="{CBF535BC-DA7B-4C0A-8F93-6B41A1D8B5B9}" type="pres">
+      <dgm:prSet presAssocID="{7D9C16A6-8C48-4165-8DAF-8C957C12A8FA}" presName="ThreeNodes_3" presStyleLbl="node1" presStyleIdx="2" presStyleCnt="3">
+        <dgm:presLayoutVars>
+          <dgm:bulletEnabled val="1"/>
+        </dgm:presLayoutVars>
+      </dgm:prSet>
       <dgm:spPr/>
     </dgm:pt>
-    <dgm:pt modelId="{2EC2FDE3-8908-45C7-A3FD-EB370213FE69}" type="pres">
-      <dgm:prSet presAssocID="{76CC3289-2662-43F0-A3C6-BA04A135F08C}" presName="compNode" presStyleCnt="0"/>
+    <dgm:pt modelId="{2AADCE55-CDE4-4175-9D80-44C4AF4A5C2D}" type="pres">
+      <dgm:prSet presAssocID="{7D9C16A6-8C48-4165-8DAF-8C957C12A8FA}" presName="ThreeConn_1-2" presStyleLbl="fgAccFollowNode1" presStyleIdx="0" presStyleCnt="2">
+        <dgm:presLayoutVars>
+          <dgm:bulletEnabled val="1"/>
+        </dgm:presLayoutVars>
+      </dgm:prSet>
       <dgm:spPr/>
     </dgm:pt>
-    <dgm:pt modelId="{6DB1FE51-13D0-4A38-AD6E-48D4371A1AF3}" type="pres">
-      <dgm:prSet presAssocID="{76CC3289-2662-43F0-A3C6-BA04A135F08C}" presName="iconRect" presStyleLbl="node1" presStyleIdx="2" presStyleCnt="3" custScaleX="157625" custScaleY="157625"/>
-      <dgm:spPr>
-        <a:blipFill>
-          <a:blip xmlns:r="http://schemas.openxmlformats.org/officeDocument/2006/relationships" r:embed="rId5">
-            <a:extLst>
-              <a:ext uri="{28A0092B-C50C-407E-A947-70E740481C1C}">
-                <a14:useLocalDpi xmlns:a14="http://schemas.microsoft.com/office/drawing/2010/main" val="0"/>
-              </a:ext>
-              <a:ext uri="{96DAC541-7B7A-43D3-8B79-37D633B846F1}">
-                <asvg:svgBlip xmlns:asvg="http://schemas.microsoft.com/office/drawing/2016/SVG/main" r:embed="rId6"/>
-              </a:ext>
-            </a:extLst>
-          </a:blip>
-          <a:srcRect/>
-          <a:stretch>
-            <a:fillRect/>
-          </a:stretch>
-        </a:blipFill>
-        <a:ln>
-          <a:noFill/>
-        </a:ln>
-      </dgm:spPr>
-      <dgm:extLst>
-        <a:ext uri="{E40237B7-FDA0-4F09-8148-C483321AD2D9}">
-          <dgm14:cNvPr xmlns:dgm14="http://schemas.microsoft.com/office/drawing/2010/diagram" id="0" name="" descr="Link"/>
-        </a:ext>
-      </dgm:extLst>
-    </dgm:pt>
-    <dgm:pt modelId="{0928538A-05CC-4A79-BD5D-92F985D1EEE5}" type="pres">
-      <dgm:prSet presAssocID="{76CC3289-2662-43F0-A3C6-BA04A135F08C}" presName="spaceRect" presStyleCnt="0"/>
+    <dgm:pt modelId="{EE00C03E-9167-4A52-8F13-7A8398E6F18B}" type="pres">
+      <dgm:prSet presAssocID="{7D9C16A6-8C48-4165-8DAF-8C957C12A8FA}" presName="ThreeConn_2-3" presStyleLbl="fgAccFollowNode1" presStyleIdx="1" presStyleCnt="2">
+        <dgm:presLayoutVars>
+          <dgm:bulletEnabled val="1"/>
+        </dgm:presLayoutVars>
+      </dgm:prSet>
       <dgm:spPr/>
     </dgm:pt>
-    <dgm:pt modelId="{133097FC-B1F8-4953-B0AB-E8E73D968D1C}" type="pres">
-      <dgm:prSet presAssocID="{76CC3289-2662-43F0-A3C6-BA04A135F08C}" presName="textRect" presStyleLbl="revTx" presStyleIdx="2" presStyleCnt="3">
+    <dgm:pt modelId="{1657B0C8-A75B-4245-99CE-C0925ACCF8BB}" type="pres">
+      <dgm:prSet presAssocID="{7D9C16A6-8C48-4165-8DAF-8C957C12A8FA}" presName="ThreeNodes_1_text" presStyleLbl="node1" presStyleIdx="2" presStyleCnt="3">
         <dgm:presLayoutVars>
-          <dgm:chMax val="1"/>
-          <dgm:chPref val="1"/>
+          <dgm:bulletEnabled val="1"/>
+        </dgm:presLayoutVars>
+      </dgm:prSet>
+      <dgm:spPr/>
+    </dgm:pt>
+    <dgm:pt modelId="{9305F8DD-2FCE-4DCF-8F15-A7EF97FD16FA}" type="pres">
+      <dgm:prSet presAssocID="{7D9C16A6-8C48-4165-8DAF-8C957C12A8FA}" presName="ThreeNodes_2_text" presStyleLbl="node1" presStyleIdx="2" presStyleCnt="3">
+        <dgm:presLayoutVars>
+          <dgm:bulletEnabled val="1"/>
+        </dgm:presLayoutVars>
+      </dgm:prSet>
+      <dgm:spPr/>
+    </dgm:pt>
+    <dgm:pt modelId="{111903CF-388A-4B50-86FE-41EE983E86CE}" type="pres">
+      <dgm:prSet presAssocID="{7D9C16A6-8C48-4165-8DAF-8C957C12A8FA}" presName="ThreeNodes_3_text" presStyleLbl="node1" presStyleIdx="2" presStyleCnt="3">
+        <dgm:presLayoutVars>
+          <dgm:bulletEnabled val="1"/>
         </dgm:presLayoutVars>
       </dgm:prSet>
       <dgm:spPr/>
     </dgm:pt>
   </dgm:ptLst>
   <dgm:cxnLst>
-    <dgm:cxn modelId="{1B8CB22C-9648-419B-97E9-4AA6C3555723}" type="presOf" srcId="{701D68F5-42F8-47BC-8FED-84C50F595DF0}" destId="{A99B5DD6-89E9-4537-B415-4205CEB9323A}" srcOrd="0" destOrd="0" presId="urn:microsoft.com/office/officeart/2018/2/layout/IconLabelList"/>
+    <dgm:cxn modelId="{4D0C2F30-F273-4F09-A9C6-83DC1D8A20B1}" type="presOf" srcId="{76CC3289-2662-43F0-A3C6-BA04A135F08C}" destId="{CBF535BC-DA7B-4C0A-8F93-6B41A1D8B5B9}" srcOrd="0" destOrd="0" presId="urn:microsoft.com/office/officeart/2005/8/layout/vProcess5"/>
     <dgm:cxn modelId="{C4BA385D-31ED-40EF-A5D6-98DFBA64E71A}" srcId="{7D9C16A6-8C48-4165-8DAF-8C957C12A8FA}" destId="{701D68F5-42F8-47BC-8FED-84C50F595DF0}" srcOrd="0" destOrd="0" parTransId="{9617668C-C38C-4017-8DDF-37855B15D110}" sibTransId="{0C95B389-AC0C-4055-9AA3-38815EFC8B0A}"/>
-    <dgm:cxn modelId="{5574CC64-4BF2-43BE-BABC-6DF1E58A4C74}" type="presOf" srcId="{7D9C16A6-8C48-4165-8DAF-8C957C12A8FA}" destId="{8994D886-A75F-411A-A9D7-D31991FF12BD}" srcOrd="0" destOrd="0" presId="urn:microsoft.com/office/officeart/2018/2/layout/IconLabelList"/>
     <dgm:cxn modelId="{0400886E-8A1A-44C2-95A7-DB0EF4911494}" srcId="{7D9C16A6-8C48-4165-8DAF-8C957C12A8FA}" destId="{76CC3289-2662-43F0-A3C6-BA04A135F08C}" srcOrd="2" destOrd="0" parTransId="{D46DB4DA-1442-4ECE-89FE-BBB1E3489E3D}" sibTransId="{FA28C9D6-476E-43CD-BA23-D6D990FD78D0}"/>
+    <dgm:cxn modelId="{86DB6C6F-324B-4151-9988-78444DBAFA2E}" type="presOf" srcId="{91A66877-AC1C-46D9-BF2C-6024B638DEA9}" destId="{BDC45F92-9718-40E5-84A4-90F786AED45B}" srcOrd="0" destOrd="0" presId="urn:microsoft.com/office/officeart/2005/8/layout/vProcess5"/>
     <dgm:cxn modelId="{7F0DAB6F-9257-4F2D-B31A-3418F73F6952}" srcId="{7D9C16A6-8C48-4165-8DAF-8C957C12A8FA}" destId="{91A66877-AC1C-46D9-BF2C-6024B638DEA9}" srcOrd="1" destOrd="0" parTransId="{913FED05-DF41-48A7-B1F8-81937A468EF9}" sibTransId="{BFCE4A28-C381-46FF-935A-B11534EF7D87}"/>
-    <dgm:cxn modelId="{EC5C6E85-C523-4B60-976B-342F12E3A6CB}" type="presOf" srcId="{91A66877-AC1C-46D9-BF2C-6024B638DEA9}" destId="{55120873-6F5C-4053-8EAD-6287A7F1097E}" srcOrd="0" destOrd="0" presId="urn:microsoft.com/office/officeart/2018/2/layout/IconLabelList"/>
-    <dgm:cxn modelId="{6E31C6AB-C9E6-448F-A8CC-566A63619D4D}" type="presOf" srcId="{76CC3289-2662-43F0-A3C6-BA04A135F08C}" destId="{133097FC-B1F8-4953-B0AB-E8E73D968D1C}" srcOrd="0" destOrd="0" presId="urn:microsoft.com/office/officeart/2018/2/layout/IconLabelList"/>
-    <dgm:cxn modelId="{2AD6E781-3ED2-484E-B438-73386D2C583D}" type="presParOf" srcId="{8994D886-A75F-411A-A9D7-D31991FF12BD}" destId="{E1DBA6D5-BD14-4CD2-A0CC-80F867FEFA81}" srcOrd="0" destOrd="0" presId="urn:microsoft.com/office/officeart/2018/2/layout/IconLabelList"/>
-    <dgm:cxn modelId="{10B2B212-528C-471D-ABD0-D66ED992B833}" type="presParOf" srcId="{E1DBA6D5-BD14-4CD2-A0CC-80F867FEFA81}" destId="{19A8DC21-3E65-409D-AD53-DA51BB9198A0}" srcOrd="0" destOrd="0" presId="urn:microsoft.com/office/officeart/2018/2/layout/IconLabelList"/>
-    <dgm:cxn modelId="{2A8FB3D0-F98B-4F5A-BACA-4315E38776FB}" type="presParOf" srcId="{E1DBA6D5-BD14-4CD2-A0CC-80F867FEFA81}" destId="{B9F90A48-FF94-4C94-A587-0190406F6FD3}" srcOrd="1" destOrd="0" presId="urn:microsoft.com/office/officeart/2018/2/layout/IconLabelList"/>
-    <dgm:cxn modelId="{95FEF629-9884-451C-89B4-41B897ABE3D6}" type="presParOf" srcId="{E1DBA6D5-BD14-4CD2-A0CC-80F867FEFA81}" destId="{A99B5DD6-89E9-4537-B415-4205CEB9323A}" srcOrd="2" destOrd="0" presId="urn:microsoft.com/office/officeart/2018/2/layout/IconLabelList"/>
-    <dgm:cxn modelId="{0FE6827F-DE80-4F8A-8E9D-7F88C0F7EF29}" type="presParOf" srcId="{8994D886-A75F-411A-A9D7-D31991FF12BD}" destId="{8B391436-B9B0-45BD-A57F-792D6376D868}" srcOrd="1" destOrd="0" presId="urn:microsoft.com/office/officeart/2018/2/layout/IconLabelList"/>
-    <dgm:cxn modelId="{4857BE3A-D518-473D-AC79-7B9BF18B9824}" type="presParOf" srcId="{8994D886-A75F-411A-A9D7-D31991FF12BD}" destId="{95872155-C45D-46D3-874C-D838089A06F8}" srcOrd="2" destOrd="0" presId="urn:microsoft.com/office/officeart/2018/2/layout/IconLabelList"/>
-    <dgm:cxn modelId="{B4B325C4-81F2-4B3E-8CBF-4532B0BFA343}" type="presParOf" srcId="{95872155-C45D-46D3-874C-D838089A06F8}" destId="{CE9DF0E8-B0DE-4E1E-9FF4-6006AD8428DB}" srcOrd="0" destOrd="0" presId="urn:microsoft.com/office/officeart/2018/2/layout/IconLabelList"/>
-    <dgm:cxn modelId="{0AE6D335-6E55-47E1-BAD8-0368620AB8F6}" type="presParOf" srcId="{95872155-C45D-46D3-874C-D838089A06F8}" destId="{AA0423A1-55B2-45E9-BFE7-3FBE5BDA65ED}" srcOrd="1" destOrd="0" presId="urn:microsoft.com/office/officeart/2018/2/layout/IconLabelList"/>
-    <dgm:cxn modelId="{AFEE8CCD-97FE-4EFA-A584-DF6AFDAD2B20}" type="presParOf" srcId="{95872155-C45D-46D3-874C-D838089A06F8}" destId="{55120873-6F5C-4053-8EAD-6287A7F1097E}" srcOrd="2" destOrd="0" presId="urn:microsoft.com/office/officeart/2018/2/layout/IconLabelList"/>
-    <dgm:cxn modelId="{26649F18-C204-4047-8300-905486AB3755}" type="presParOf" srcId="{8994D886-A75F-411A-A9D7-D31991FF12BD}" destId="{F679C986-30E4-4F0A-A3A6-CAE528BFED76}" srcOrd="3" destOrd="0" presId="urn:microsoft.com/office/officeart/2018/2/layout/IconLabelList"/>
-    <dgm:cxn modelId="{898D629F-DA37-435F-A0B2-0617605D711A}" type="presParOf" srcId="{8994D886-A75F-411A-A9D7-D31991FF12BD}" destId="{2EC2FDE3-8908-45C7-A3FD-EB370213FE69}" srcOrd="4" destOrd="0" presId="urn:microsoft.com/office/officeart/2018/2/layout/IconLabelList"/>
-    <dgm:cxn modelId="{2BDADB1C-15B1-4763-9B35-3792147F8F87}" type="presParOf" srcId="{2EC2FDE3-8908-45C7-A3FD-EB370213FE69}" destId="{6DB1FE51-13D0-4A38-AD6E-48D4371A1AF3}" srcOrd="0" destOrd="0" presId="urn:microsoft.com/office/officeart/2018/2/layout/IconLabelList"/>
-    <dgm:cxn modelId="{F692F1E6-C6EC-4391-8432-EB6C34194240}" type="presParOf" srcId="{2EC2FDE3-8908-45C7-A3FD-EB370213FE69}" destId="{0928538A-05CC-4A79-BD5D-92F985D1EEE5}" srcOrd="1" destOrd="0" presId="urn:microsoft.com/office/officeart/2018/2/layout/IconLabelList"/>
-    <dgm:cxn modelId="{0E6AF6C4-A4E5-4234-9E16-F9F2334264CD}" type="presParOf" srcId="{2EC2FDE3-8908-45C7-A3FD-EB370213FE69}" destId="{133097FC-B1F8-4953-B0AB-E8E73D968D1C}" srcOrd="2" destOrd="0" presId="urn:microsoft.com/office/officeart/2018/2/layout/IconLabelList"/>
+    <dgm:cxn modelId="{952C3694-C2C0-4823-83E5-5BE8D669D00D}" type="presOf" srcId="{7D9C16A6-8C48-4165-8DAF-8C957C12A8FA}" destId="{D6D1E9E5-4281-4921-9B1F-0FD56CE101B6}" srcOrd="0" destOrd="0" presId="urn:microsoft.com/office/officeart/2005/8/layout/vProcess5"/>
+    <dgm:cxn modelId="{C53F6DA8-F6DE-456B-AA54-CA8AE5BE8199}" type="presOf" srcId="{701D68F5-42F8-47BC-8FED-84C50F595DF0}" destId="{19F0A0B6-ABD1-4BE9-8D06-AFE701FF58CA}" srcOrd="0" destOrd="0" presId="urn:microsoft.com/office/officeart/2005/8/layout/vProcess5"/>
+    <dgm:cxn modelId="{C2F3C9A9-94C0-460A-9D4B-7B3A45517682}" type="presOf" srcId="{0C95B389-AC0C-4055-9AA3-38815EFC8B0A}" destId="{2AADCE55-CDE4-4175-9D80-44C4AF4A5C2D}" srcOrd="0" destOrd="0" presId="urn:microsoft.com/office/officeart/2005/8/layout/vProcess5"/>
+    <dgm:cxn modelId="{58593DBD-DA60-4E9E-961C-725DEA68FD7E}" type="presOf" srcId="{BFCE4A28-C381-46FF-935A-B11534EF7D87}" destId="{EE00C03E-9167-4A52-8F13-7A8398E6F18B}" srcOrd="0" destOrd="0" presId="urn:microsoft.com/office/officeart/2005/8/layout/vProcess5"/>
+    <dgm:cxn modelId="{B6ADDDC2-539E-4A46-BDD3-471C74AE66FC}" type="presOf" srcId="{76CC3289-2662-43F0-A3C6-BA04A135F08C}" destId="{111903CF-388A-4B50-86FE-41EE983E86CE}" srcOrd="1" destOrd="0" presId="urn:microsoft.com/office/officeart/2005/8/layout/vProcess5"/>
+    <dgm:cxn modelId="{7040E3C3-2B4E-442E-865F-8EF88212E337}" type="presOf" srcId="{91A66877-AC1C-46D9-BF2C-6024B638DEA9}" destId="{9305F8DD-2FCE-4DCF-8F15-A7EF97FD16FA}" srcOrd="1" destOrd="0" presId="urn:microsoft.com/office/officeart/2005/8/layout/vProcess5"/>
+    <dgm:cxn modelId="{080491F0-82DD-4C77-886F-16A955D937C0}" type="presOf" srcId="{701D68F5-42F8-47BC-8FED-84C50F595DF0}" destId="{1657B0C8-A75B-4245-99CE-C0925ACCF8BB}" srcOrd="1" destOrd="0" presId="urn:microsoft.com/office/officeart/2005/8/layout/vProcess5"/>
+    <dgm:cxn modelId="{7B699257-553F-489A-A589-A9962E9FBB3E}" type="presParOf" srcId="{D6D1E9E5-4281-4921-9B1F-0FD56CE101B6}" destId="{2B51E5F3-005C-400D-9AD7-AAD15B5473F5}" srcOrd="0" destOrd="0" presId="urn:microsoft.com/office/officeart/2005/8/layout/vProcess5"/>
+    <dgm:cxn modelId="{94D072FD-DE65-4D96-A584-E48878FE6260}" type="presParOf" srcId="{D6D1E9E5-4281-4921-9B1F-0FD56CE101B6}" destId="{19F0A0B6-ABD1-4BE9-8D06-AFE701FF58CA}" srcOrd="1" destOrd="0" presId="urn:microsoft.com/office/officeart/2005/8/layout/vProcess5"/>
+    <dgm:cxn modelId="{1452418B-2D3F-4C00-A791-8E68F268DBD9}" type="presParOf" srcId="{D6D1E9E5-4281-4921-9B1F-0FD56CE101B6}" destId="{BDC45F92-9718-40E5-84A4-90F786AED45B}" srcOrd="2" destOrd="0" presId="urn:microsoft.com/office/officeart/2005/8/layout/vProcess5"/>
+    <dgm:cxn modelId="{8862A416-16E1-43EA-BCD6-9008F7319DD4}" type="presParOf" srcId="{D6D1E9E5-4281-4921-9B1F-0FD56CE101B6}" destId="{CBF535BC-DA7B-4C0A-8F93-6B41A1D8B5B9}" srcOrd="3" destOrd="0" presId="urn:microsoft.com/office/officeart/2005/8/layout/vProcess5"/>
+    <dgm:cxn modelId="{9128BCB5-E953-4CA5-A0A1-25224CBFC4FC}" type="presParOf" srcId="{D6D1E9E5-4281-4921-9B1F-0FD56CE101B6}" destId="{2AADCE55-CDE4-4175-9D80-44C4AF4A5C2D}" srcOrd="4" destOrd="0" presId="urn:microsoft.com/office/officeart/2005/8/layout/vProcess5"/>
+    <dgm:cxn modelId="{28C83992-509F-45BC-BDE4-1623FDAA555B}" type="presParOf" srcId="{D6D1E9E5-4281-4921-9B1F-0FD56CE101B6}" destId="{EE00C03E-9167-4A52-8F13-7A8398E6F18B}" srcOrd="5" destOrd="0" presId="urn:microsoft.com/office/officeart/2005/8/layout/vProcess5"/>
+    <dgm:cxn modelId="{BB742ED4-98EC-47FE-98C9-3D150EA93089}" type="presParOf" srcId="{D6D1E9E5-4281-4921-9B1F-0FD56CE101B6}" destId="{1657B0C8-A75B-4245-99CE-C0925ACCF8BB}" srcOrd="6" destOrd="0" presId="urn:microsoft.com/office/officeart/2005/8/layout/vProcess5"/>
+    <dgm:cxn modelId="{5F42B198-BF88-44C4-8770-353F3BFED593}" type="presParOf" srcId="{D6D1E9E5-4281-4921-9B1F-0FD56CE101B6}" destId="{9305F8DD-2FCE-4DCF-8F15-A7EF97FD16FA}" srcOrd="7" destOrd="0" presId="urn:microsoft.com/office/officeart/2005/8/layout/vProcess5"/>
+    <dgm:cxn modelId="{11655F95-58D1-46BF-8F9A-13397814CC7D}" type="presParOf" srcId="{D6D1E9E5-4281-4921-9B1F-0FD56CE101B6}" destId="{111903CF-388A-4B50-86FE-41EE983E86CE}" srcOrd="8" destOrd="0" presId="urn:microsoft.com/office/officeart/2005/8/layout/vProcess5"/>
   </dgm:cxnLst>
   <dgm:bg/>
   <dgm:whole/>
@@ -1188,34 +1190,38 @@
       <dsp:cNvGrpSpPr/>
     </dsp:nvGrpSpPr>
     <dsp:grpSpPr/>
-    <dsp:sp modelId="{19A8DC21-3E65-409D-AD53-DA51BB9198A0}">
+    <dsp:sp modelId="{19F0A0B6-ABD1-4BE9-8D06-AFE701FF58CA}">
       <dsp:nvSpPr>
         <dsp:cNvPr id="0" name=""/>
         <dsp:cNvSpPr/>
       </dsp:nvSpPr>
       <dsp:spPr>
         <a:xfrm>
-          <a:off x="523237" y="494935"/>
-          <a:ext cx="2285995" cy="2285995"/>
+          <a:off x="0" y="0"/>
+          <a:ext cx="9375172" cy="1103490"/>
         </a:xfrm>
-        <a:prstGeom prst="rect">
-          <a:avLst/>
+        <a:prstGeom prst="roundRect">
+          <a:avLst>
+            <a:gd name="adj" fmla="val 10000"/>
+          </a:avLst>
         </a:prstGeom>
-        <a:blipFill>
-          <a:blip xmlns:r="http://schemas.openxmlformats.org/officeDocument/2006/relationships" r:embed="rId1">
-            <a:extLst>
-              <a:ext uri="{96DAC541-7B7A-43D3-8B79-37D633B846F1}">
-                <asvg:svgBlip xmlns:asvg="http://schemas.microsoft.com/office/drawing/2016/SVG/main" r:embed="rId2"/>
-              </a:ext>
-            </a:extLst>
-          </a:blip>
-          <a:srcRect/>
-          <a:stretch>
-            <a:fillRect/>
-          </a:stretch>
-        </a:blipFill>
+        <a:solidFill>
+          <a:schemeClr val="accent2">
+            <a:hueOff val="0"/>
+            <a:satOff val="0"/>
+            <a:lumOff val="0"/>
+            <a:alphaOff val="0"/>
+          </a:schemeClr>
+        </a:solidFill>
         <a:ln w="22225" cap="rnd" cmpd="sng" algn="ctr">
-          <a:noFill/>
+          <a:solidFill>
+            <a:schemeClr val="lt1">
+              <a:hueOff val="0"/>
+              <a:satOff val="0"/>
+              <a:lumOff val="0"/>
+              <a:alphaOff val="0"/>
+            </a:schemeClr>
+          </a:solidFill>
           <a:prstDash val="solid"/>
         </a:ln>
         <a:effectLst/>
@@ -1234,45 +1240,13 @@
           <a:schemeClr val="lt1"/>
         </a:fontRef>
       </dsp:style>
-    </dsp:sp>
-    <dsp:sp modelId="{A99B5DD6-89E9-4537-B415-4205CEB9323A}">
-      <dsp:nvSpPr>
-        <dsp:cNvPr id="0" name=""/>
-        <dsp:cNvSpPr/>
-      </dsp:nvSpPr>
-      <dsp:spPr>
-        <a:xfrm>
-          <a:off x="54818" y="2746269"/>
-          <a:ext cx="3222832" cy="720000"/>
-        </a:xfrm>
-        <a:prstGeom prst="rect">
-          <a:avLst/>
-        </a:prstGeom>
-        <a:noFill/>
-        <a:ln>
-          <a:noFill/>
-        </a:ln>
-        <a:effectLst/>
-      </dsp:spPr>
-      <dsp:style>
-        <a:lnRef idx="0">
-          <a:scrgbClr r="0" g="0" b="0"/>
-        </a:lnRef>
-        <a:fillRef idx="0">
-          <a:scrgbClr r="0" g="0" b="0"/>
-        </a:fillRef>
-        <a:effectRef idx="0">
-          <a:scrgbClr r="0" g="0" b="0"/>
-        </a:effectRef>
-        <a:fontRef idx="minor"/>
-      </dsp:style>
       <dsp:txBody>
-        <a:bodyPr spcFirstLastPara="0" vert="horz" wrap="square" lIns="0" tIns="0" rIns="0" bIns="0" numCol="1" spcCol="1270" anchor="t" anchorCtr="0">
+        <a:bodyPr spcFirstLastPara="0" vert="horz" wrap="square" lIns="186690" tIns="186690" rIns="186690" bIns="186690" numCol="1" spcCol="1270" anchor="ctr" anchorCtr="0">
           <a:noAutofit/>
         </a:bodyPr>
         <a:lstStyle/>
         <a:p>
-          <a:pPr marL="0" lvl="0" indent="0" algn="ctr" defTabSz="1600200">
+          <a:pPr marL="0" lvl="0" indent="0" algn="l" defTabSz="2178050">
             <a:lnSpc>
               <a:spcPct val="90000"/>
             </a:lnSpc>
@@ -1285,47 +1259,192 @@
             <a:buNone/>
           </a:pPr>
           <a:r>
-            <a:rPr lang="en-ZA" sz="3600" kern="1200" dirty="0"/>
-            <a:t>Network</a:t>
+            <a:rPr lang="en-ZA" sz="4900" kern="1200" dirty="0"/>
+            <a:t>VHDL</a:t>
           </a:r>
-          <a:endParaRPr lang="en-US" sz="3600" kern="1200" dirty="0"/>
+          <a:endParaRPr lang="en-US" sz="4900" kern="1200" dirty="0"/>
         </a:p>
       </dsp:txBody>
       <dsp:txXfrm>
-        <a:off x="54818" y="2746269"/>
-        <a:ext cx="3222832" cy="720000"/>
+        <a:off x="32320" y="32320"/>
+        <a:ext cx="8184420" cy="1038850"/>
       </dsp:txXfrm>
     </dsp:sp>
-    <dsp:sp modelId="{CE9DF0E8-B0DE-4E1E-9FF4-6006AD8428DB}">
+    <dsp:sp modelId="{BDC45F92-9718-40E5-84A4-90F786AED45B}">
       <dsp:nvSpPr>
         <dsp:cNvPr id="0" name=""/>
         <dsp:cNvSpPr/>
       </dsp:nvSpPr>
       <dsp:spPr>
         <a:xfrm>
-          <a:off x="4310064" y="494935"/>
-          <a:ext cx="2285995" cy="2285995"/>
+          <a:off x="827221" y="1248507"/>
+          <a:ext cx="9375172" cy="1103490"/>
         </a:xfrm>
-        <a:prstGeom prst="rect">
-          <a:avLst/>
+        <a:prstGeom prst="roundRect">
+          <a:avLst>
+            <a:gd name="adj" fmla="val 10000"/>
+          </a:avLst>
         </a:prstGeom>
-        <a:blipFill>
-          <a:blip xmlns:r="http://schemas.openxmlformats.org/officeDocument/2006/relationships" r:embed="rId3">
-            <a:extLst>
-              <a:ext uri="{28A0092B-C50C-407E-A947-70E740481C1C}">
-                <a14:useLocalDpi xmlns:a14="http://schemas.microsoft.com/office/drawing/2010/main" val="0"/>
-              </a:ext>
-              <a:ext uri="{96DAC541-7B7A-43D3-8B79-37D633B846F1}">
-                <asvg:svgBlip xmlns:asvg="http://schemas.microsoft.com/office/drawing/2016/SVG/main" r:embed="rId4"/>
-              </a:ext>
-            </a:extLst>
-          </a:blip>
-          <a:stretch>
-            <a:fillRect/>
-          </a:stretch>
-        </a:blipFill>
+        <a:solidFill>
+          <a:schemeClr val="accent3"/>
+        </a:solidFill>
+        <a:ln w="25400" cap="rnd" cmpd="sng" algn="ctr">
+          <a:solidFill>
+            <a:schemeClr val="lt1"/>
+          </a:solidFill>
+          <a:prstDash val="solid"/>
+        </a:ln>
+        <a:effectLst/>
+      </dsp:spPr>
+      <dsp:style>
+        <a:lnRef idx="3">
+          <a:schemeClr val="lt1"/>
+        </a:lnRef>
+        <a:fillRef idx="1">
+          <a:schemeClr val="accent3"/>
+        </a:fillRef>
+        <a:effectRef idx="1">
+          <a:schemeClr val="accent3"/>
+        </a:effectRef>
+        <a:fontRef idx="minor">
+          <a:schemeClr val="lt1"/>
+        </a:fontRef>
+      </dsp:style>
+      <dsp:txBody>
+        <a:bodyPr spcFirstLastPara="0" vert="horz" wrap="square" lIns="186690" tIns="186690" rIns="186690" bIns="186690" numCol="1" spcCol="1270" anchor="ctr" anchorCtr="0">
+          <a:noAutofit/>
+        </a:bodyPr>
+        <a:lstStyle/>
+        <a:p>
+          <a:pPr marL="0" lvl="0" indent="0" algn="l" defTabSz="2178050">
+            <a:lnSpc>
+              <a:spcPct val="90000"/>
+            </a:lnSpc>
+            <a:spcBef>
+              <a:spcPct val="0"/>
+            </a:spcBef>
+            <a:spcAft>
+              <a:spcPct val="35000"/>
+            </a:spcAft>
+            <a:buNone/>
+          </a:pPr>
+          <a:r>
+            <a:rPr lang="en-US" sz="4900" kern="1200" dirty="0"/>
+            <a:t>C++/C</a:t>
+          </a:r>
+        </a:p>
+      </dsp:txBody>
+      <dsp:txXfrm>
+        <a:off x="859541" y="1280827"/>
+        <a:ext cx="7766042" cy="1038850"/>
+      </dsp:txXfrm>
+    </dsp:sp>
+    <dsp:sp modelId="{CBF535BC-DA7B-4C0A-8F93-6B41A1D8B5B9}">
+      <dsp:nvSpPr>
+        <dsp:cNvPr id="0" name=""/>
+        <dsp:cNvSpPr/>
+      </dsp:nvSpPr>
+      <dsp:spPr>
+        <a:xfrm>
+          <a:off x="1654442" y="2574812"/>
+          <a:ext cx="9375172" cy="1103490"/>
+        </a:xfrm>
+        <a:prstGeom prst="roundRect">
+          <a:avLst>
+            <a:gd name="adj" fmla="val 10000"/>
+          </a:avLst>
+        </a:prstGeom>
+        <a:solidFill>
+          <a:schemeClr val="accent4"/>
+        </a:solidFill>
+        <a:ln w="25400" cap="rnd" cmpd="sng" algn="ctr">
+          <a:solidFill>
+            <a:schemeClr val="lt1"/>
+          </a:solidFill>
+          <a:prstDash val="solid"/>
+        </a:ln>
+        <a:effectLst/>
+      </dsp:spPr>
+      <dsp:style>
+        <a:lnRef idx="3">
+          <a:schemeClr val="lt1"/>
+        </a:lnRef>
+        <a:fillRef idx="1">
+          <a:schemeClr val="accent4"/>
+        </a:fillRef>
+        <a:effectRef idx="1">
+          <a:schemeClr val="accent4"/>
+        </a:effectRef>
+        <a:fontRef idx="minor">
+          <a:schemeClr val="lt1"/>
+        </a:fontRef>
+      </dsp:style>
+      <dsp:txBody>
+        <a:bodyPr spcFirstLastPara="0" vert="horz" wrap="square" lIns="186690" tIns="186690" rIns="186690" bIns="186690" numCol="1" spcCol="1270" anchor="ctr" anchorCtr="0">
+          <a:noAutofit/>
+        </a:bodyPr>
+        <a:lstStyle/>
+        <a:p>
+          <a:pPr marL="0" lvl="0" indent="0" algn="l" defTabSz="2178050">
+            <a:lnSpc>
+              <a:spcPct val="90000"/>
+            </a:lnSpc>
+            <a:spcBef>
+              <a:spcPct val="0"/>
+            </a:spcBef>
+            <a:spcAft>
+              <a:spcPct val="35000"/>
+            </a:spcAft>
+            <a:buNone/>
+          </a:pPr>
+          <a:r>
+            <a:rPr lang="en-US" sz="4900" kern="1200" dirty="0"/>
+            <a:t>Assembly</a:t>
+          </a:r>
+        </a:p>
+      </dsp:txBody>
+      <dsp:txXfrm>
+        <a:off x="1686762" y="2607132"/>
+        <a:ext cx="7766042" cy="1038850"/>
+      </dsp:txXfrm>
+    </dsp:sp>
+    <dsp:sp modelId="{2AADCE55-CDE4-4175-9D80-44C4AF4A5C2D}">
+      <dsp:nvSpPr>
+        <dsp:cNvPr id="0" name=""/>
+        <dsp:cNvSpPr/>
+      </dsp:nvSpPr>
+      <dsp:spPr>
+        <a:xfrm>
+          <a:off x="8657903" y="836813"/>
+          <a:ext cx="717269" cy="717269"/>
+        </a:xfrm>
+        <a:prstGeom prst="downArrow">
+          <a:avLst>
+            <a:gd name="adj1" fmla="val 55000"/>
+            <a:gd name="adj2" fmla="val 45000"/>
+          </a:avLst>
+        </a:prstGeom>
+        <a:solidFill>
+          <a:schemeClr val="accent2">
+            <a:alpha val="90000"/>
+            <a:tint val="40000"/>
+            <a:hueOff val="0"/>
+            <a:satOff val="0"/>
+            <a:lumOff val="0"/>
+            <a:alphaOff val="0"/>
+          </a:schemeClr>
+        </a:solidFill>
         <a:ln w="22225" cap="rnd" cmpd="sng" algn="ctr">
-          <a:noFill/>
+          <a:solidFill>
+            <a:schemeClr val="accent2">
+              <a:alpha val="90000"/>
+              <a:tint val="40000"/>
+              <a:hueOff val="0"/>
+              <a:satOff val="0"/>
+              <a:lumOff val="0"/>
+              <a:alphaOff val="0"/>
+            </a:schemeClr>
+          </a:solidFill>
           <a:prstDash val="solid"/>
         </a:ln>
         <a:effectLst/>
@@ -1340,49 +1459,15 @@
         <a:effectRef idx="0">
           <a:scrgbClr r="0" g="0" b="0"/>
         </a:effectRef>
-        <a:fontRef idx="minor">
-          <a:schemeClr val="lt1"/>
-        </a:fontRef>
-      </dsp:style>
-    </dsp:sp>
-    <dsp:sp modelId="{55120873-6F5C-4053-8EAD-6287A7F1097E}">
-      <dsp:nvSpPr>
-        <dsp:cNvPr id="0" name=""/>
-        <dsp:cNvSpPr/>
-      </dsp:nvSpPr>
-      <dsp:spPr>
-        <a:xfrm>
-          <a:off x="3841646" y="2746269"/>
-          <a:ext cx="3222832" cy="720000"/>
-        </a:xfrm>
-        <a:prstGeom prst="rect">
-          <a:avLst/>
-        </a:prstGeom>
-        <a:noFill/>
-        <a:ln>
-          <a:noFill/>
-        </a:ln>
-        <a:effectLst/>
-      </dsp:spPr>
-      <dsp:style>
-        <a:lnRef idx="0">
-          <a:scrgbClr r="0" g="0" b="0"/>
-        </a:lnRef>
-        <a:fillRef idx="0">
-          <a:scrgbClr r="0" g="0" b="0"/>
-        </a:fillRef>
-        <a:effectRef idx="0">
-          <a:scrgbClr r="0" g="0" b="0"/>
-        </a:effectRef>
         <a:fontRef idx="minor"/>
       </dsp:style>
       <dsp:txBody>
-        <a:bodyPr spcFirstLastPara="0" vert="horz" wrap="square" lIns="0" tIns="0" rIns="0" bIns="0" numCol="1" spcCol="1270" anchor="t" anchorCtr="0">
+        <a:bodyPr spcFirstLastPara="0" vert="horz" wrap="square" lIns="43180" tIns="43180" rIns="43180" bIns="43180" numCol="1" spcCol="1270" anchor="ctr" anchorCtr="0">
           <a:noAutofit/>
         </a:bodyPr>
         <a:lstStyle/>
         <a:p>
-          <a:pPr marL="0" lvl="0" indent="0" algn="ctr" defTabSz="1600200">
+          <a:pPr marL="0" lvl="0" indent="0" algn="ctr" defTabSz="1511300">
             <a:lnSpc>
               <a:spcPct val="90000"/>
             </a:lnSpc>
@@ -1394,48 +1479,51 @@
             </a:spcAft>
             <a:buNone/>
           </a:pPr>
-          <a:r>
-            <a:rPr lang="en-US" sz="3600" kern="1200" dirty="0"/>
-            <a:t>Satellite</a:t>
-          </a:r>
+          <a:endParaRPr lang="en-US" sz="3400" kern="1200"/>
         </a:p>
       </dsp:txBody>
       <dsp:txXfrm>
-        <a:off x="3841646" y="2746269"/>
-        <a:ext cx="3222832" cy="720000"/>
+        <a:off x="8819289" y="836813"/>
+        <a:ext cx="394497" cy="539745"/>
       </dsp:txXfrm>
     </dsp:sp>
-    <dsp:sp modelId="{6DB1FE51-13D0-4A38-AD6E-48D4371A1AF3}">
+    <dsp:sp modelId="{EE00C03E-9167-4A52-8F13-7A8398E6F18B}">
       <dsp:nvSpPr>
         <dsp:cNvPr id="0" name=""/>
         <dsp:cNvSpPr/>
       </dsp:nvSpPr>
       <dsp:spPr>
         <a:xfrm>
-          <a:off x="8096892" y="494935"/>
-          <a:ext cx="2285995" cy="2285995"/>
+          <a:off x="9485124" y="2116863"/>
+          <a:ext cx="717269" cy="717269"/>
         </a:xfrm>
-        <a:prstGeom prst="rect">
-          <a:avLst/>
+        <a:prstGeom prst="downArrow">
+          <a:avLst>
+            <a:gd name="adj1" fmla="val 55000"/>
+            <a:gd name="adj2" fmla="val 45000"/>
+          </a:avLst>
         </a:prstGeom>
-        <a:blipFill>
-          <a:blip xmlns:r="http://schemas.openxmlformats.org/officeDocument/2006/relationships" r:embed="rId5">
-            <a:extLst>
-              <a:ext uri="{28A0092B-C50C-407E-A947-70E740481C1C}">
-                <a14:useLocalDpi xmlns:a14="http://schemas.microsoft.com/office/drawing/2010/main" val="0"/>
-              </a:ext>
-              <a:ext uri="{96DAC541-7B7A-43D3-8B79-37D633B846F1}">
-                <asvg:svgBlip xmlns:asvg="http://schemas.microsoft.com/office/drawing/2016/SVG/main" r:embed="rId6"/>
-              </a:ext>
-            </a:extLst>
-          </a:blip>
-          <a:srcRect/>
-          <a:stretch>
-            <a:fillRect/>
-          </a:stretch>
-        </a:blipFill>
+        <a:solidFill>
+          <a:schemeClr val="accent2">
+            <a:alpha val="90000"/>
+            <a:tint val="40000"/>
+            <a:hueOff val="0"/>
+            <a:satOff val="0"/>
+            <a:lumOff val="0"/>
+            <a:alphaOff val="0"/>
+          </a:schemeClr>
+        </a:solidFill>
         <a:ln w="22225" cap="rnd" cmpd="sng" algn="ctr">
-          <a:noFill/>
+          <a:solidFill>
+            <a:schemeClr val="accent2">
+              <a:alpha val="90000"/>
+              <a:tint val="40000"/>
+              <a:hueOff val="0"/>
+              <a:satOff val="0"/>
+              <a:lumOff val="0"/>
+              <a:alphaOff val="0"/>
+            </a:schemeClr>
+          </a:solidFill>
           <a:prstDash val="solid"/>
         </a:ln>
         <a:effectLst/>
@@ -1450,49 +1538,15 @@
         <a:effectRef idx="0">
           <a:scrgbClr r="0" g="0" b="0"/>
         </a:effectRef>
-        <a:fontRef idx="minor">
-          <a:schemeClr val="lt1"/>
-        </a:fontRef>
-      </dsp:style>
-    </dsp:sp>
-    <dsp:sp modelId="{133097FC-B1F8-4953-B0AB-E8E73D968D1C}">
-      <dsp:nvSpPr>
-        <dsp:cNvPr id="0" name=""/>
-        <dsp:cNvSpPr/>
-      </dsp:nvSpPr>
-      <dsp:spPr>
-        <a:xfrm>
-          <a:off x="7628474" y="2746269"/>
-          <a:ext cx="3222832" cy="720000"/>
-        </a:xfrm>
-        <a:prstGeom prst="rect">
-          <a:avLst/>
-        </a:prstGeom>
-        <a:noFill/>
-        <a:ln>
-          <a:noFill/>
-        </a:ln>
-        <a:effectLst/>
-      </dsp:spPr>
-      <dsp:style>
-        <a:lnRef idx="0">
-          <a:scrgbClr r="0" g="0" b="0"/>
-        </a:lnRef>
-        <a:fillRef idx="0">
-          <a:scrgbClr r="0" g="0" b="0"/>
-        </a:fillRef>
-        <a:effectRef idx="0">
-          <a:scrgbClr r="0" g="0" b="0"/>
-        </a:effectRef>
         <a:fontRef idx="minor"/>
       </dsp:style>
       <dsp:txBody>
-        <a:bodyPr spcFirstLastPara="0" vert="horz" wrap="square" lIns="0" tIns="0" rIns="0" bIns="0" numCol="1" spcCol="1270" anchor="t" anchorCtr="0">
+        <a:bodyPr spcFirstLastPara="0" vert="horz" wrap="square" lIns="43180" tIns="43180" rIns="43180" bIns="43180" numCol="1" spcCol="1270" anchor="ctr" anchorCtr="0">
           <a:noAutofit/>
         </a:bodyPr>
         <a:lstStyle/>
         <a:p>
-          <a:pPr marL="0" lvl="0" indent="0" algn="ctr" defTabSz="1600200">
+          <a:pPr marL="0" lvl="0" indent="0" algn="ctr" defTabSz="1511300">
             <a:lnSpc>
               <a:spcPct val="90000"/>
             </a:lnSpc>
@@ -1504,15 +1558,12 @@
             </a:spcAft>
             <a:buNone/>
           </a:pPr>
-          <a:r>
-            <a:rPr lang="en-US" sz="3600" kern="1200" dirty="0"/>
-            <a:t>Link</a:t>
-          </a:r>
+          <a:endParaRPr lang="en-US" sz="3400" kern="1200"/>
         </a:p>
       </dsp:txBody>
       <dsp:txXfrm>
-        <a:off x="7628474" y="2746269"/>
-        <a:ext cx="3222832" cy="720000"/>
+        <a:off x="9646510" y="2116863"/>
+        <a:ext cx="394497" cy="539745"/>
       </dsp:txXfrm>
     </dsp:sp>
   </dsp:spTree>
@@ -1520,192 +1571,1228 @@
 </file>
 
 <file path=ppt/diagrams/layout1.xml><?xml version="1.0" encoding="utf-8"?>
-<dgm:layoutDef xmlns:dgm="http://schemas.openxmlformats.org/drawingml/2006/diagram" xmlns:a="http://schemas.openxmlformats.org/drawingml/2006/main" uniqueId="urn:microsoft.com/office/officeart/2018/2/layout/IconLabelList">
-  <dgm:title val="Icon Label List"/>
-  <dgm:desc val="Use to show non-sequential or grouped chunks of information accompanied by a related visuals. Works best with icons or small pictures with short text captions."/>
+<dgm:layoutDef xmlns:dgm="http://schemas.openxmlformats.org/drawingml/2006/diagram" xmlns:a="http://schemas.openxmlformats.org/drawingml/2006/main" uniqueId="urn:microsoft.com/office/officeart/2005/8/layout/vProcess5">
+  <dgm:title val=""/>
+  <dgm:desc val=""/>
   <dgm:catLst>
-    <dgm:cat type="icon" pri="500"/>
+    <dgm:cat type="process" pri="14000"/>
   </dgm:catLst>
-  <dgm:sampData useDef="1">
+  <dgm:sampData>
     <dgm:dataModel>
-      <dgm:ptLst/>
+      <dgm:ptLst>
+        <dgm:pt modelId="0" type="doc"/>
+        <dgm:pt modelId="1">
+          <dgm:prSet phldr="1"/>
+        </dgm:pt>
+        <dgm:pt modelId="2">
+          <dgm:prSet phldr="1"/>
+        </dgm:pt>
+        <dgm:pt modelId="3">
+          <dgm:prSet phldr="1"/>
+        </dgm:pt>
+      </dgm:ptLst>
+      <dgm:cxnLst>
+        <dgm:cxn modelId="5" srcId="0" destId="1" srcOrd="0" destOrd="0"/>
+        <dgm:cxn modelId="6" srcId="0" destId="2" srcOrd="1" destOrd="0"/>
+        <dgm:cxn modelId="7" srcId="0" destId="3" srcOrd="2" destOrd="0"/>
+      </dgm:cxnLst>
       <dgm:bg/>
       <dgm:whole/>
     </dgm:dataModel>
   </dgm:sampData>
-  <dgm:styleData useDef="1">
+  <dgm:styleData>
     <dgm:dataModel>
-      <dgm:ptLst/>
+      <dgm:ptLst>
+        <dgm:pt modelId="0" type="doc"/>
+        <dgm:pt modelId="1"/>
+        <dgm:pt modelId="2"/>
+      </dgm:ptLst>
+      <dgm:cxnLst>
+        <dgm:cxn modelId="3" srcId="0" destId="1" srcOrd="0" destOrd="0"/>
+        <dgm:cxn modelId="4" srcId="0" destId="2" srcOrd="1" destOrd="0"/>
+      </dgm:cxnLst>
       <dgm:bg/>
       <dgm:whole/>
     </dgm:dataModel>
   </dgm:styleData>
-  <dgm:clrData useDef="1">
+  <dgm:clrData>
     <dgm:dataModel>
-      <dgm:ptLst/>
+      <dgm:ptLst>
+        <dgm:pt modelId="0" type="doc"/>
+        <dgm:pt modelId="1"/>
+        <dgm:pt modelId="2"/>
+        <dgm:pt modelId="3"/>
+        <dgm:pt modelId="4"/>
+      </dgm:ptLst>
+      <dgm:cxnLst>
+        <dgm:cxn modelId="6" srcId="0" destId="1" srcOrd="0" destOrd="0"/>
+        <dgm:cxn modelId="7" srcId="0" destId="2" srcOrd="1" destOrd="0"/>
+        <dgm:cxn modelId="8" srcId="0" destId="3" srcOrd="2" destOrd="0"/>
+        <dgm:cxn modelId="9" srcId="0" destId="4" srcOrd="3" destOrd="0"/>
+      </dgm:cxnLst>
       <dgm:bg/>
       <dgm:whole/>
     </dgm:dataModel>
   </dgm:clrData>
-  <dgm:layoutNode name="root">
+  <dgm:layoutNode name="outerComposite">
     <dgm:varLst>
+      <dgm:chMax val="5"/>
       <dgm:dir/>
       <dgm:resizeHandles val="exact"/>
     </dgm:varLst>
-    <dgm:choose name="Name0">
-      <dgm:if name="Name1" axis="self" func="var" arg="dir" op="equ" val="norm">
-        <dgm:alg type="snake">
-          <dgm:param type="grDir" val="tL"/>
-          <dgm:param type="flowDir" val="row"/>
-          <dgm:param type="contDir" val="sameDir"/>
-          <dgm:param type="off" val="ctr"/>
-          <dgm:param type="vertAlign" val="mid"/>
-          <dgm:param type="horzAlign" val="ctr"/>
-        </dgm:alg>
-      </dgm:if>
-      <dgm:else name="Name2">
-        <dgm:alg type="snake">
-          <dgm:param type="grDir" val="tR"/>
-          <dgm:param type="flowDir" val="row"/>
-          <dgm:param type="contDir" val="sameDir"/>
-          <dgm:param type="off" val="ctr"/>
-          <dgm:param type="vertAlign" val="mid"/>
-          <dgm:param type="horzAlign" val="ctr"/>
-        </dgm:alg>
-      </dgm:else>
-    </dgm:choose>
+    <dgm:alg type="composite"/>
     <dgm:shape xmlns:r="http://schemas.openxmlformats.org/officeDocument/2006/relationships" r:blip="">
       <dgm:adjLst/>
     </dgm:shape>
     <dgm:presOf/>
-    <dgm:choose name="Name3">
-      <dgm:if name="Name4" axis="ch" ptType="node" func="cnt" op="lte" val="2">
+    <dgm:choose name="Name0">
+      <dgm:if name="Name1" func="var" arg="dir" op="equ" val="norm">
         <dgm:constrLst>
-          <dgm:constr type="h" for="ch" forName="compNode" refType="h" fact="0.4"/>
-          <dgm:constr type="w" for="ch" forName="compNode" val="120"/>
-          <dgm:constr type="w" for="ch" forName="sibTrans" refType="w" refFor="ch" refForName="compNode" fact="0.175"/>
-          <dgm:constr type="sp" refType="w" refFor="ch" refForName="compNode" op="equ" fact="0.25"/>
-          <dgm:constr type="primFontSz" for="des" ptType="node" op="equ" val="50"/>
-          <dgm:constr type="h" for="des" forName="compNode" op="equ"/>
-          <dgm:constr type="h" for="des" forName="textRect" op="equ"/>
+          <dgm:constr type="primFontSz" for="ch" ptType="node" op="equ" val="65"/>
+          <dgm:constr type="w" for="ch" forName="dummyMaxCanvas" refType="w"/>
+          <dgm:constr type="h" for="ch" forName="dummyMaxCanvas" refType="h"/>
+          <dgm:constr type="w" for="ch" forName="OneNode_1" refType="w"/>
+          <dgm:constr type="h" for="ch" forName="OneNode_1" refType="h" fact="0.5"/>
+          <dgm:constr type="ctrY" for="ch" forName="OneNode_1" refType="h" fact="0.5"/>
+          <dgm:constr type="w" for="ch" forName="TwoNodes_1" refType="w" fact="0.85"/>
+          <dgm:constr type="h" for="ch" forName="TwoNodes_1" refType="h" fact="0.45"/>
+          <dgm:constr type="t" for="ch" forName="TwoNodes_1"/>
+          <dgm:constr type="l" for="ch" forName="TwoNodes_1"/>
+          <dgm:constr type="w" for="ch" forName="TwoNodes_2" refType="w" fact="0.85"/>
+          <dgm:constr type="h" for="ch" forName="TwoNodes_2" refType="h" fact="0.45"/>
+          <dgm:constr type="b" for="ch" forName="TwoNodes_2" refType="h"/>
+          <dgm:constr type="r" for="ch" forName="TwoNodes_2" refType="w"/>
+          <dgm:constr type="w" for="ch" forName="TwoConn_1-2" refType="h" refFor="ch" refForName="TwoNodes_1" fact="0.65"/>
+          <dgm:constr type="h" for="ch" forName="TwoConn_1-2" refType="h" refFor="ch" refForName="TwoNodes_1" fact="0.65"/>
+          <dgm:constr type="ctrY" for="ch" forName="TwoConn_1-2" refType="h" fact="0.5"/>
+          <dgm:constr type="r" for="ch" forName="TwoConn_1-2" refType="r" refFor="ch" refForName="TwoNodes_1"/>
+          <dgm:constr type="r" for="ch" forName="TwoNodes_1_text" refType="l" refFor="ch" refForName="TwoConn_1-2"/>
+          <dgm:constr type="rOff" for="ch" forName="TwoNodes_1_text" refType="w" refFor="ch" refForName="TwoConn_1-2" fact="-0.5"/>
+          <dgm:constr type="t" for="ch" forName="TwoNodes_1_text" refType="t" refFor="ch" refForName="TwoNodes_1"/>
+          <dgm:constr type="b" for="ch" forName="TwoNodes_1_text" refType="b" refFor="ch" refForName="TwoNodes_1"/>
+          <dgm:constr type="l" for="ch" forName="TwoNodes_1_text" refType="l" refFor="ch" refForName="TwoNodes_1"/>
+          <dgm:constr type="r" for="ch" forName="TwoNodes_2_text" refType="l" refFor="ch" refForName="TwoConn_1-2"/>
+          <dgm:constr type="t" for="ch" forName="TwoNodes_2_text" refType="t" refFor="ch" refForName="TwoNodes_2"/>
+          <dgm:constr type="b" for="ch" forName="TwoNodes_2_text" refType="b" refFor="ch" refForName="TwoNodes_2"/>
+          <dgm:constr type="l" for="ch" forName="TwoNodes_2_text" refType="l" refFor="ch" refForName="TwoNodes_2"/>
+          <dgm:constr type="w" for="ch" forName="ThreeNodes_1" refType="w" fact="0.85"/>
+          <dgm:constr type="h" for="ch" forName="ThreeNodes_1" refType="h" fact="0.3"/>
+          <dgm:constr type="t" for="ch" forName="ThreeNodes_1"/>
+          <dgm:constr type="l" for="ch" forName="ThreeNodes_1"/>
+          <dgm:constr type="w" for="ch" forName="ThreeNodes_2" refType="w" fact="0.85"/>
+          <dgm:constr type="h" for="ch" forName="ThreeNodes_2" refType="h" fact="0.3"/>
+          <dgm:constr type="ctrY" for="ch" forName="ThreeNodes_2" refType="h" fact="0.5"/>
+          <dgm:constr type="ctrX" for="ch" forName="ThreeNodes_2" refType="w" fact="0.5"/>
+          <dgm:constr type="w" for="ch" forName="ThreeNodes_3" refType="w" fact="0.85"/>
+          <dgm:constr type="h" for="ch" forName="ThreeNodes_3" refType="h" fact="0.3"/>
+          <dgm:constr type="b" for="ch" forName="ThreeNodes_3" refType="h"/>
+          <dgm:constr type="r" for="ch" forName="ThreeNodes_3" refType="w"/>
+          <dgm:constr type="w" for="ch" forName="ThreeConn_1-2" refType="h" refFor="ch" refForName="ThreeNodes_1" fact="0.65"/>
+          <dgm:constr type="h" for="ch" forName="ThreeConn_1-2" refType="h" refFor="ch" refForName="ThreeNodes_1" fact="0.65"/>
+          <dgm:constr type="ctrY" for="ch" forName="ThreeConn_1-2" refType="h" fact="0.325"/>
+          <dgm:constr type="r" for="ch" forName="ThreeConn_1-2" refType="r" refFor="ch" refForName="ThreeNodes_1"/>
+          <dgm:constr type="w" for="ch" forName="ThreeConn_2-3" refType="h" refFor="ch" refForName="ThreeNodes_2" fact="0.65"/>
+          <dgm:constr type="h" for="ch" forName="ThreeConn_2-3" refType="h" refFor="ch" refForName="ThreeNodes_2" fact="0.65"/>
+          <dgm:constr type="ctrY" for="ch" forName="ThreeConn_2-3" refType="h" fact="0.673"/>
+          <dgm:constr type="r" for="ch" forName="ThreeConn_2-3" refType="r" refFor="ch" refForName="ThreeNodes_2"/>
+          <dgm:constr type="r" for="ch" forName="ThreeNodes_1_text" refType="l" refFor="ch" refForName="ThreeConn_1-2"/>
+          <dgm:constr type="rOff" for="ch" forName="ThreeNodes_1_text" refType="w" refFor="ch" refForName="ThreeConn_1-2" fact="-0.57"/>
+          <dgm:constr type="t" for="ch" forName="ThreeNodes_1_text" refType="t" refFor="ch" refForName="ThreeNodes_1"/>
+          <dgm:constr type="b" for="ch" forName="ThreeNodes_1_text" refType="b" refFor="ch" refForName="ThreeNodes_1"/>
+          <dgm:constr type="l" for="ch" forName="ThreeNodes_1_text" refType="l" refFor="ch" refForName="ThreeNodes_1"/>
+          <dgm:constr type="r" for="ch" forName="ThreeNodes_2_text" refType="l" refFor="ch" refForName="ThreeConn_1-2"/>
+          <dgm:constr type="t" for="ch" forName="ThreeNodes_2_text" refType="t" refFor="ch" refForName="ThreeNodes_2"/>
+          <dgm:constr type="b" for="ch" forName="ThreeNodes_2_text" refType="b" refFor="ch" refForName="ThreeNodes_2"/>
+          <dgm:constr type="l" for="ch" forName="ThreeNodes_2_text" refType="l" refFor="ch" refForName="ThreeNodes_2"/>
+          <dgm:constr type="r" for="ch" forName="ThreeNodes_3_text" refType="l" refFor="ch" refForName="ThreeConn_2-3"/>
+          <dgm:constr type="t" for="ch" forName="ThreeNodes_3_text" refType="t" refFor="ch" refForName="ThreeNodes_3"/>
+          <dgm:constr type="b" for="ch" forName="ThreeNodes_3_text" refType="b" refFor="ch" refForName="ThreeNodes_3"/>
+          <dgm:constr type="l" for="ch" forName="ThreeNodes_3_text" refType="l" refFor="ch" refForName="ThreeNodes_3"/>
+          <dgm:constr type="w" for="ch" forName="FourNodes_1" refType="w" fact="0.8"/>
+          <dgm:constr type="h" for="ch" forName="FourNodes_1" refType="h" fact="0.22"/>
+          <dgm:constr type="t" for="ch" forName="FourNodes_1"/>
+          <dgm:constr type="l" for="ch" forName="FourNodes_1"/>
+          <dgm:constr type="w" for="ch" forName="FourNodes_2" refType="w" fact="0.8"/>
+          <dgm:constr type="h" for="ch" forName="FourNodes_2" refType="h" fact="0.22"/>
+          <dgm:constr type="ctrY" for="ch" forName="FourNodes_2" refType="h" fact="0.37"/>
+          <dgm:constr type="ctrX" for="ch" forName="FourNodes_2" refType="w" fact="0.467"/>
+          <dgm:constr type="w" for="ch" forName="FourNodes_3" refType="w" fact="0.8"/>
+          <dgm:constr type="h" for="ch" forName="FourNodes_3" refType="h" fact="0.22"/>
+          <dgm:constr type="ctrY" for="ch" forName="FourNodes_3" refType="h" fact="0.63"/>
+          <dgm:constr type="ctrX" for="ch" forName="FourNodes_3" refType="w" fact="0.533"/>
+          <dgm:constr type="w" for="ch" forName="FourNodes_4" refType="w" fact="0.8"/>
+          <dgm:constr type="h" for="ch" forName="FourNodes_4" refType="h" fact="0.22"/>
+          <dgm:constr type="b" for="ch" forName="FourNodes_4" refType="h"/>
+          <dgm:constr type="r" for="ch" forName="FourNodes_4" refType="w"/>
+          <dgm:constr type="w" for="ch" forName="FourConn_1-2" refType="h" refFor="ch" refForName="FourNodes_1" fact="0.65"/>
+          <dgm:constr type="h" for="ch" forName="FourConn_1-2" refType="h" refFor="ch" refForName="FourNodes_1" fact="0.65"/>
+          <dgm:constr type="ctrY" for="ch" forName="FourConn_1-2" refType="h" fact="0.24"/>
+          <dgm:constr type="r" for="ch" forName="FourConn_1-2" refType="r" refFor="ch" refForName="FourNodes_1"/>
+          <dgm:constr type="w" for="ch" forName="FourConn_2-3" refType="h" refFor="ch" refForName="FourNodes_2" fact="0.65"/>
+          <dgm:constr type="h" for="ch" forName="FourConn_2-3" refType="h" refFor="ch" refForName="FourNodes_2" fact="0.65"/>
+          <dgm:constr type="ctrY" for="ch" forName="FourConn_2-3" refType="h" fact="0.5"/>
+          <dgm:constr type="r" for="ch" forName="FourConn_2-3" refType="r" refFor="ch" refForName="FourNodes_2"/>
+          <dgm:constr type="w" for="ch" forName="FourConn_3-4" refType="h" refFor="ch" refForName="FourNodes_3" fact="0.65"/>
+          <dgm:constr type="h" for="ch" forName="FourConn_3-4" refType="h" refFor="ch" refForName="FourNodes_3" fact="0.65"/>
+          <dgm:constr type="ctrY" for="ch" forName="FourConn_3-4" refType="h" fact="0.76"/>
+          <dgm:constr type="r" for="ch" forName="FourConn_3-4" refType="r" refFor="ch" refForName="FourNodes_3"/>
+          <dgm:constr type="r" for="ch" forName="FourNodes_1_text" refType="l" refFor="ch" refForName="FourConn_1-2"/>
+          <dgm:constr type="rOff" for="ch" forName="FourNodes_1_text" refType="w" refFor="ch" refForName="FourConn_1-2" fact="-0.7"/>
+          <dgm:constr type="t" for="ch" forName="FourNodes_1_text" refType="t" refFor="ch" refForName="FourNodes_1"/>
+          <dgm:constr type="b" for="ch" forName="FourNodes_1_text" refType="b" refFor="ch" refForName="FourNodes_1"/>
+          <dgm:constr type="l" for="ch" forName="FourNodes_1_text" refType="l" refFor="ch" refForName="FourNodes_1"/>
+          <dgm:constr type="r" for="ch" forName="FourNodes_2_text" refType="l" refFor="ch" refForName="FourConn_1-2"/>
+          <dgm:constr type="t" for="ch" forName="FourNodes_2_text" refType="t" refFor="ch" refForName="FourNodes_2"/>
+          <dgm:constr type="b" for="ch" forName="FourNodes_2_text" refType="b" refFor="ch" refForName="FourNodes_2"/>
+          <dgm:constr type="l" for="ch" forName="FourNodes_2_text" refType="l" refFor="ch" refForName="FourNodes_2"/>
+          <dgm:constr type="r" for="ch" forName="FourNodes_3_text" refType="l" refFor="ch" refForName="FourConn_2-3"/>
+          <dgm:constr type="t" for="ch" forName="FourNodes_3_text" refType="t" refFor="ch" refForName="FourNodes_3"/>
+          <dgm:constr type="b" for="ch" forName="FourNodes_3_text" refType="b" refFor="ch" refForName="FourNodes_3"/>
+          <dgm:constr type="l" for="ch" forName="FourNodes_3_text" refType="l" refFor="ch" refForName="FourNodes_3"/>
+          <dgm:constr type="r" for="ch" forName="FourNodes_4_text" refType="l" refFor="ch" refForName="FourConn_3-4"/>
+          <dgm:constr type="t" for="ch" forName="FourNodes_4_text" refType="t" refFor="ch" refForName="FourNodes_4"/>
+          <dgm:constr type="b" for="ch" forName="FourNodes_4_text" refType="b" refFor="ch" refForName="FourNodes_4"/>
+          <dgm:constr type="l" for="ch" forName="FourNodes_4_text" refType="l" refFor="ch" refForName="FourNodes_4"/>
+          <dgm:constr type="w" for="ch" forName="FiveNodes_1" refType="w" fact="0.77"/>
+          <dgm:constr type="h" for="ch" forName="FiveNodes_1" refType="h" fact="0.18"/>
+          <dgm:constr type="t" for="ch" forName="FiveNodes_1"/>
+          <dgm:constr type="l" for="ch" forName="FiveNodes_1"/>
+          <dgm:constr type="w" for="ch" forName="FiveNodes_2" refType="w" fact="0.77"/>
+          <dgm:constr type="h" for="ch" forName="FiveNodes_2" refType="h" fact="0.18"/>
+          <dgm:constr type="ctrY" for="ch" forName="FiveNodes_2" refType="h" fact="0.295"/>
+          <dgm:constr type="ctrX" for="ch" forName="FiveNodes_2" refType="w" fact="0.4425"/>
+          <dgm:constr type="w" for="ch" forName="FiveNodes_3" refType="w" fact="0.77"/>
+          <dgm:constr type="h" for="ch" forName="FiveNodes_3" refType="h" fact="0.18"/>
+          <dgm:constr type="ctrY" for="ch" forName="FiveNodes_3" refType="h" fact="0.5"/>
+          <dgm:constr type="ctrX" for="ch" forName="FiveNodes_3" refType="w" fact="0.5"/>
+          <dgm:constr type="w" for="ch" forName="FiveNodes_4" refType="w" fact="0.77"/>
+          <dgm:constr type="h" for="ch" forName="FiveNodes_4" refType="h" fact="0.18"/>
+          <dgm:constr type="ctrY" for="ch" forName="FiveNodes_4" refType="h" fact="0.705"/>
+          <dgm:constr type="ctrX" for="ch" forName="FiveNodes_4" refType="w" fact="0.5575"/>
+          <dgm:constr type="w" for="ch" forName="FiveNodes_5" refType="w" fact="0.77"/>
+          <dgm:constr type="h" for="ch" forName="FiveNodes_5" refType="h" fact="0.18"/>
+          <dgm:constr type="b" for="ch" forName="FiveNodes_5" refType="h"/>
+          <dgm:constr type="r" for="ch" forName="FiveNodes_5" refType="w"/>
+          <dgm:constr type="w" for="ch" forName="FiveConn_1-2" refType="h" refFor="ch" refForName="FiveNodes_1" fact="0.65"/>
+          <dgm:constr type="h" for="ch" forName="FiveConn_1-2" refType="h" refFor="ch" refForName="FiveNodes_1" fact="0.65"/>
+          <dgm:constr type="ctrY" for="ch" forName="FiveConn_1-2" refType="h" fact="0.19"/>
+          <dgm:constr type="r" for="ch" forName="FiveConn_1-2" refType="r" refFor="ch" refForName="FiveNodes_1"/>
+          <dgm:constr type="w" for="ch" forName="FiveConn_2-3" refType="h" refFor="ch" refForName="FiveNodes_2" fact="0.65"/>
+          <dgm:constr type="h" for="ch" forName="FiveConn_2-3" refType="h" refFor="ch" refForName="FiveNodes_2" fact="0.65"/>
+          <dgm:constr type="ctrY" for="ch" forName="FiveConn_2-3" refType="h" fact="0.395"/>
+          <dgm:constr type="r" for="ch" forName="FiveConn_2-3" refType="r" refFor="ch" refForName="FiveNodes_2"/>
+          <dgm:constr type="w" for="ch" forName="FiveConn_3-4" refType="h" refFor="ch" refForName="FiveNodes_3" fact="0.65"/>
+          <dgm:constr type="h" for="ch" forName="FiveConn_3-4" refType="h" refFor="ch" refForName="FiveNodes_3" fact="0.65"/>
+          <dgm:constr type="ctrY" for="ch" forName="FiveConn_3-4" refType="h" fact="0.597"/>
+          <dgm:constr type="r" for="ch" forName="FiveConn_3-4" refType="r" refFor="ch" refForName="FiveNodes_3"/>
+          <dgm:constr type="w" for="ch" forName="FiveConn_4-5" refType="h" refFor="ch" refForName="FiveNodes_4" fact="0.65"/>
+          <dgm:constr type="h" for="ch" forName="FiveConn_4-5" refType="h" refFor="ch" refForName="FiveNodes_4" fact="0.65"/>
+          <dgm:constr type="ctrY" for="ch" forName="FiveConn_4-5" refType="h" fact="0.804"/>
+          <dgm:constr type="r" for="ch" forName="FiveConn_4-5" refType="r" refFor="ch" refForName="FiveNodes_4"/>
+          <dgm:constr type="r" for="ch" forName="FiveNodes_1_text" refType="l" refFor="ch" refForName="FiveConn_1-2"/>
+          <dgm:constr type="rOff" for="ch" forName="FiveNodes_1_text" refType="w" refFor="ch" refForName="FiveConn_1-2" fact="-0.75"/>
+          <dgm:constr type="t" for="ch" forName="FiveNodes_1_text" refType="t" refFor="ch" refForName="FiveNodes_1"/>
+          <dgm:constr type="b" for="ch" forName="FiveNodes_1_text" refType="b" refFor="ch" refForName="FiveNodes_1"/>
+          <dgm:constr type="l" for="ch" forName="FiveNodes_1_text" refType="l" refFor="ch" refForName="FiveNodes_1"/>
+          <dgm:constr type="r" for="ch" forName="FiveNodes_2_text" refType="l" refFor="ch" refForName="FiveConn_1-2"/>
+          <dgm:constr type="t" for="ch" forName="FiveNodes_2_text" refType="t" refFor="ch" refForName="FiveNodes_2"/>
+          <dgm:constr type="b" for="ch" forName="FiveNodes_2_text" refType="b" refFor="ch" refForName="FiveNodes_2"/>
+          <dgm:constr type="l" for="ch" forName="FiveNodes_2_text" refType="l" refFor="ch" refForName="FiveNodes_2"/>
+          <dgm:constr type="r" for="ch" forName="FiveNodes_3_text" refType="l" refFor="ch" refForName="FiveConn_2-3"/>
+          <dgm:constr type="t" for="ch" forName="FiveNodes_3_text" refType="t" refFor="ch" refForName="FiveNodes_3"/>
+          <dgm:constr type="b" for="ch" forName="FiveNodes_3_text" refType="b" refFor="ch" refForName="FiveNodes_3"/>
+          <dgm:constr type="l" for="ch" forName="FiveNodes_3_text" refType="l" refFor="ch" refForName="FiveNodes_3"/>
+          <dgm:constr type="r" for="ch" forName="FiveNodes_4_text" refType="l" refFor="ch" refForName="FiveConn_3-4"/>
+          <dgm:constr type="t" for="ch" forName="FiveNodes_4_text" refType="t" refFor="ch" refForName="FiveNodes_4"/>
+          <dgm:constr type="b" for="ch" forName="FiveNodes_4_text" refType="b" refFor="ch" refForName="FiveNodes_4"/>
+          <dgm:constr type="l" for="ch" forName="FiveNodes_4_text" refType="l" refFor="ch" refForName="FiveNodes_4"/>
+          <dgm:constr type="r" for="ch" forName="FiveNodes_5_text" refType="l" refFor="ch" refForName="FiveConn_4-5"/>
+          <dgm:constr type="t" for="ch" forName="FiveNodes_5_text" refType="t" refFor="ch" refForName="FiveNodes_5"/>
+          <dgm:constr type="b" for="ch" forName="FiveNodes_5_text" refType="b" refFor="ch" refForName="FiveNodes_5"/>
+          <dgm:constr type="l" for="ch" forName="FiveNodes_5_text" refType="l" refFor="ch" refForName="FiveNodes_5"/>
         </dgm:constrLst>
       </dgm:if>
-      <dgm:if name="Name5" axis="ch" ptType="node" func="cnt" op="lte" val="4">
+      <dgm:else name="Name2">
         <dgm:constrLst>
-          <dgm:constr type="h" for="ch" forName="compNode" refType="h" fact="0.4"/>
-          <dgm:constr type="w" for="ch" forName="compNode" refType="w"/>
-          <dgm:constr type="w" for="ch" forName="sibTrans" refType="w" refFor="ch" refForName="compNode" fact="0.175"/>
-          <dgm:constr type="sp" refType="w" refFor="ch" refForName="compNode" op="equ" fact="0.25"/>
-          <dgm:constr type="primFontSz" for="des" ptType="node" op="equ" val="36"/>
-          <dgm:constr type="h" for="des" forName="compNode" op="equ"/>
-          <dgm:constr type="h" for="des" forName="textRect" op="equ"/>
-        </dgm:constrLst>
-      </dgm:if>
-      <dgm:else name="Name6">
-        <dgm:constrLst>
-          <dgm:constr type="h" for="ch" forName="compNode" refType="h" fact="0.4"/>
-          <dgm:constr type="w" for="ch" forName="compNode" refType="w"/>
-          <dgm:constr type="w" for="ch" forName="sibTrans" refType="w" refFor="ch" refForName="compNode" fact="0.175"/>
-          <dgm:constr type="sp" refType="w" refFor="ch" refForName="compNode" op="equ" fact="0.25"/>
-          <dgm:constr type="primFontSz" for="des" ptType="node" op="equ" val="24"/>
-          <dgm:constr type="h" for="des" forName="compNode" op="equ"/>
-          <dgm:constr type="h" for="des" forName="textRect" op="equ"/>
+          <dgm:constr type="primFontSz" for="ch" ptType="node" op="equ" val="65"/>
+          <dgm:constr type="w" for="ch" forName="dummyMaxCanvas" refType="w"/>
+          <dgm:constr type="h" for="ch" forName="dummyMaxCanvas" refType="h"/>
+          <dgm:constr type="w" for="ch" forName="OneNode_1" refType="w"/>
+          <dgm:constr type="h" for="ch" forName="OneNode_1" refType="h" fact="0.5"/>
+          <dgm:constr type="ctrY" for="ch" forName="OneNode_1" refType="h" fact="0.5"/>
+          <dgm:constr type="w" for="ch" forName="TwoNodes_1" refType="w" fact="0.85"/>
+          <dgm:constr type="h" for="ch" forName="TwoNodes_1" refType="h" fact="0.45"/>
+          <dgm:constr type="t" for="ch" forName="TwoNodes_1"/>
+          <dgm:constr type="r" for="ch" forName="TwoNodes_1" refType="w"/>
+          <dgm:constr type="w" for="ch" forName="TwoNodes_2" refType="w" fact="0.85"/>
+          <dgm:constr type="h" for="ch" forName="TwoNodes_2" refType="h" fact="0.45"/>
+          <dgm:constr type="b" for="ch" forName="TwoNodes_2" refType="h"/>
+          <dgm:constr type="l" for="ch" forName="TwoNodes_2"/>
+          <dgm:constr type="w" for="ch" forName="TwoConn_1-2" refType="h" refFor="ch" refForName="TwoNodes_1" fact="0.65"/>
+          <dgm:constr type="h" for="ch" forName="TwoConn_1-2" refType="h" refFor="ch" refForName="TwoNodes_1" fact="0.65"/>
+          <dgm:constr type="ctrY" for="ch" forName="TwoConn_1-2" refType="h" fact="0.5"/>
+          <dgm:constr type="l" for="ch" forName="TwoConn_1-2" refType="l" refFor="ch" refForName="TwoNodes_1"/>
+          <dgm:constr type="l" for="ch" forName="TwoNodes_1_text" refType="r" refFor="ch" refForName="TwoConn_1-2"/>
+          <dgm:constr type="lOff" for="ch" forName="TwoNodes_1_text" refType="w" refFor="ch" refForName="TwoConn_1-2" fact="0.5"/>
+          <dgm:constr type="t" for="ch" forName="TwoNodes_1_text" refType="t" refFor="ch" refForName="TwoNodes_1"/>
+          <dgm:constr type="b" for="ch" forName="TwoNodes_1_text" refType="b" refFor="ch" refForName="TwoNodes_1"/>
+          <dgm:constr type="r" for="ch" forName="TwoNodes_1_text" refType="r" refFor="ch" refForName="TwoNodes_1"/>
+          <dgm:constr type="l" for="ch" forName="TwoNodes_2_text" refType="r" refFor="ch" refForName="TwoConn_1-2"/>
+          <dgm:constr type="t" for="ch" forName="TwoNodes_2_text" refType="t" refFor="ch" refForName="TwoNodes_2"/>
+          <dgm:constr type="b" for="ch" forName="TwoNodes_2_text" refType="b" refFor="ch" refForName="TwoNodes_2"/>
+          <dgm:constr type="r" for="ch" forName="TwoNodes_2_text" refType="r" refFor="ch" refForName="TwoNodes_2"/>
+          <dgm:constr type="w" for="ch" forName="ThreeNodes_1" refType="w" fact="0.85"/>
+          <dgm:constr type="h" for="ch" forName="ThreeNodes_1" refType="h" fact="0.3"/>
+          <dgm:constr type="t" for="ch" forName="ThreeNodes_1"/>
+          <dgm:constr type="r" for="ch" forName="ThreeNodes_1" refType="w"/>
+          <dgm:constr type="w" for="ch" forName="ThreeNodes_2" refType="w" fact="0.85"/>
+          <dgm:constr type="h" for="ch" forName="ThreeNodes_2" refType="h" fact="0.3"/>
+          <dgm:constr type="ctrY" for="ch" forName="ThreeNodes_2" refType="h" fact="0.5"/>
+          <dgm:constr type="ctrX" for="ch" forName="ThreeNodes_2" refType="w" fact="0.5"/>
+          <dgm:constr type="w" for="ch" forName="ThreeNodes_3" refType="w" fact="0.85"/>
+          <dgm:constr type="h" for="ch" forName="ThreeNodes_3" refType="h" fact="0.3"/>
+          <dgm:constr type="b" for="ch" forName="ThreeNodes_3" refType="h"/>
+          <dgm:constr type="l" for="ch" forName="ThreeNodes_3"/>
+          <dgm:constr type="w" for="ch" forName="ThreeConn_1-2" refType="h" refFor="ch" refForName="ThreeNodes_1" fact="0.65"/>
+          <dgm:constr type="h" for="ch" forName="ThreeConn_1-2" refType="h" refFor="ch" refForName="ThreeNodes_1" fact="0.65"/>
+          <dgm:constr type="ctrY" for="ch" forName="ThreeConn_1-2" refType="h" fact="0.325"/>
+          <dgm:constr type="l" for="ch" forName="ThreeConn_1-2" refType="l" refFor="ch" refForName="ThreeNodes_1"/>
+          <dgm:constr type="w" for="ch" forName="ThreeConn_2-3" refType="h" refFor="ch" refForName="ThreeNodes_2" fact="0.65"/>
+          <dgm:constr type="h" for="ch" forName="ThreeConn_2-3" refType="h" refFor="ch" refForName="ThreeNodes_2" fact="0.65"/>
+          <dgm:constr type="ctrY" for="ch" forName="ThreeConn_2-3" refType="h" fact="0.673"/>
+          <dgm:constr type="l" for="ch" forName="ThreeConn_2-3" refType="l" refFor="ch" refForName="ThreeNodes_2"/>
+          <dgm:constr type="l" for="ch" forName="ThreeNodes_1_text" refType="r" refFor="ch" refForName="ThreeConn_1-2"/>
+          <dgm:constr type="lOff" for="ch" forName="ThreeNodes_1_text" refType="w" refFor="ch" refForName="ThreeConn_1-2" fact="0.55"/>
+          <dgm:constr type="t" for="ch" forName="ThreeNodes_1_text" refType="t" refFor="ch" refForName="ThreeNodes_1"/>
+          <dgm:constr type="b" for="ch" forName="ThreeNodes_1_text" refType="b" refFor="ch" refForName="ThreeNodes_1"/>
+          <dgm:constr type="r" for="ch" forName="ThreeNodes_1_text" refType="r" refFor="ch" refForName="ThreeNodes_1"/>
+          <dgm:constr type="l" for="ch" forName="ThreeNodes_2_text" refType="r" refFor="ch" refForName="ThreeConn_1-2"/>
+          <dgm:constr type="t" for="ch" forName="ThreeNodes_2_text" refType="t" refFor="ch" refForName="ThreeNodes_2"/>
+          <dgm:constr type="b" for="ch" forName="ThreeNodes_2_text" refType="b" refFor="ch" refForName="ThreeNodes_2"/>
+          <dgm:constr type="r" for="ch" forName="ThreeNodes_2_text" refType="r" refFor="ch" refForName="ThreeNodes_2"/>
+          <dgm:constr type="l" for="ch" forName="ThreeNodes_3_text" refType="r" refFor="ch" refForName="ThreeConn_2-3"/>
+          <dgm:constr type="t" for="ch" forName="ThreeNodes_3_text" refType="t" refFor="ch" refForName="ThreeNodes_3"/>
+          <dgm:constr type="b" for="ch" forName="ThreeNodes_3_text" refType="b" refFor="ch" refForName="ThreeNodes_3"/>
+          <dgm:constr type="r" for="ch" forName="ThreeNodes_3_text" refType="r" refFor="ch" refForName="ThreeNodes_3"/>
+          <dgm:constr type="w" for="ch" forName="FourNodes_1" refType="w" fact="0.8"/>
+          <dgm:constr type="h" for="ch" forName="FourNodes_1" refType="h" fact="0.22"/>
+          <dgm:constr type="t" for="ch" forName="FourNodes_1"/>
+          <dgm:constr type="r" for="ch" forName="FourNodes_1" refType="w"/>
+          <dgm:constr type="w" for="ch" forName="FourNodes_2" refType="w" fact="0.8"/>
+          <dgm:constr type="h" for="ch" forName="FourNodes_2" refType="h" fact="0.22"/>
+          <dgm:constr type="ctrY" for="ch" forName="FourNodes_2" refType="h" fact="0.37"/>
+          <dgm:constr type="ctrX" for="ch" forName="FourNodes_2" refType="w" fact="0.533"/>
+          <dgm:constr type="w" for="ch" forName="FourNodes_3" refType="w" fact="0.8"/>
+          <dgm:constr type="h" for="ch" forName="FourNodes_3" refType="h" fact="0.22"/>
+          <dgm:constr type="ctrY" for="ch" forName="FourNodes_3" refType="h" fact="0.63"/>
+          <dgm:constr type="ctrX" for="ch" forName="FourNodes_3" refType="w" fact="0.467"/>
+          <dgm:constr type="w" for="ch" forName="FourNodes_4" refType="w" fact="0.8"/>
+          <dgm:constr type="h" for="ch" forName="FourNodes_4" refType="h" fact="0.22"/>
+          <dgm:constr type="b" for="ch" forName="FourNodes_4" refType="h"/>
+          <dgm:constr type="l" for="ch" forName="FourNodes_4"/>
+          <dgm:constr type="w" for="ch" forName="FourConn_1-2" refType="h" refFor="ch" refForName="FourNodes_1" fact="0.65"/>
+          <dgm:constr type="h" for="ch" forName="FourConn_1-2" refType="h" refFor="ch" refForName="FourNodes_1" fact="0.65"/>
+          <dgm:constr type="ctrY" for="ch" forName="FourConn_1-2" refType="h" fact="0.24"/>
+          <dgm:constr type="l" for="ch" forName="FourConn_1-2" refType="l" refFor="ch" refForName="FourNodes_1"/>
+          <dgm:constr type="w" for="ch" forName="FourConn_2-3" refType="h" refFor="ch" refForName="FourNodes_2" fact="0.65"/>
+          <dgm:constr type="h" for="ch" forName="FourConn_2-3" refType="h" refFor="ch" refForName="FourNodes_2" fact="0.65"/>
+          <dgm:constr type="ctrY" for="ch" forName="FourConn_2-3" refType="h" fact="0.5"/>
+          <dgm:constr type="l" for="ch" forName="FourConn_2-3" refType="l" refFor="ch" refForName="FourNodes_2"/>
+          <dgm:constr type="w" for="ch" forName="FourConn_3-4" refType="h" refFor="ch" refForName="FourNodes_3" fact="0.65"/>
+          <dgm:constr type="h" for="ch" forName="FourConn_3-4" refType="h" refFor="ch" refForName="FourNodes_3" fact="0.65"/>
+          <dgm:constr type="ctrY" for="ch" forName="FourConn_3-4" refType="h" fact="0.76"/>
+          <dgm:constr type="l" for="ch" forName="FourConn_3-4" refType="l" refFor="ch" refForName="FourNodes_3"/>
+          <dgm:constr type="l" for="ch" forName="FourNodes_1_text" refType="r" refFor="ch" refForName="FourConn_1-2"/>
+          <dgm:constr type="lOff" for="ch" forName="FourNodes_1_text" refType="w" refFor="ch" refForName="FourConn_1-2" fact="0.69"/>
+          <dgm:constr type="t" for="ch" forName="FourNodes_1_text" refType="t" refFor="ch" refForName="FourNodes_1"/>
+          <dgm:constr type="b" for="ch" forName="FourNodes_1_text" refType="b" refFor="ch" refForName="FourNodes_1"/>
+          <dgm:constr type="r" for="ch" forName="FourNodes_1_text" refType="r" refFor="ch" refForName="FourNodes_1"/>
+          <dgm:constr type="l" for="ch" forName="FourNodes_2_text" refType="r" refFor="ch" refForName="FourConn_1-2"/>
+          <dgm:constr type="t" for="ch" forName="FourNodes_2_text" refType="t" refFor="ch" refForName="FourNodes_2"/>
+          <dgm:constr type="b" for="ch" forName="FourNodes_2_text" refType="b" refFor="ch" refForName="FourNodes_2"/>
+          <dgm:constr type="r" for="ch" forName="FourNodes_2_text" refType="r" refFor="ch" refForName="FourNodes_2"/>
+          <dgm:constr type="l" for="ch" forName="FourNodes_3_text" refType="r" refFor="ch" refForName="FourConn_2-3"/>
+          <dgm:constr type="t" for="ch" forName="FourNodes_3_text" refType="t" refFor="ch" refForName="FourNodes_3"/>
+          <dgm:constr type="b" for="ch" forName="FourNodes_3_text" refType="b" refFor="ch" refForName="FourNodes_3"/>
+          <dgm:constr type="r" for="ch" forName="FourNodes_3_text" refType="r" refFor="ch" refForName="FourNodes_3"/>
+          <dgm:constr type="l" for="ch" forName="FourNodes_4_text" refType="r" refFor="ch" refForName="FourConn_3-4"/>
+          <dgm:constr type="t" for="ch" forName="FourNodes_4_text" refType="t" refFor="ch" refForName="FourNodes_4"/>
+          <dgm:constr type="b" for="ch" forName="FourNodes_4_text" refType="b" refFor="ch" refForName="FourNodes_4"/>
+          <dgm:constr type="r" for="ch" forName="FourNodes_4_text" refType="r" refFor="ch" refForName="FourNodes_4"/>
+          <dgm:constr type="w" for="ch" forName="FiveNodes_1" refType="w" fact="0.77"/>
+          <dgm:constr type="h" for="ch" forName="FiveNodes_1" refType="h" fact="0.18"/>
+          <dgm:constr type="t" for="ch" forName="FiveNodes_1"/>
+          <dgm:constr type="r" for="ch" forName="FiveNodes_1" refType="w"/>
+          <dgm:constr type="w" for="ch" forName="FiveNodes_2" refType="w" fact="0.77"/>
+          <dgm:constr type="h" for="ch" forName="FiveNodes_2" refType="h" fact="0.18"/>
+          <dgm:constr type="ctrY" for="ch" forName="FiveNodes_2" refType="h" fact="0.295"/>
+          <dgm:constr type="ctrX" for="ch" forName="FiveNodes_2" refType="w" fact="0.5575"/>
+          <dgm:constr type="w" for="ch" forName="FiveNodes_3" refType="w" fact="0.77"/>
+          <dgm:constr type="h" for="ch" forName="FiveNodes_3" refType="h" fact="0.18"/>
+          <dgm:constr type="ctrY" for="ch" forName="FiveNodes_3" refType="h" fact="0.5"/>
+          <dgm:constr type="ctrX" for="ch" forName="FiveNodes_3" refType="w" fact="0.5"/>
+          <dgm:constr type="w" for="ch" forName="FiveNodes_4" refType="w" fact="0.77"/>
+          <dgm:constr type="h" for="ch" forName="FiveNodes_4" refType="h" fact="0.18"/>
+          <dgm:constr type="ctrY" for="ch" forName="FiveNodes_4" refType="h" fact="0.705"/>
+          <dgm:constr type="ctrX" for="ch" forName="FiveNodes_4" refType="w" fact="0.4425"/>
+          <dgm:constr type="w" for="ch" forName="FiveNodes_5" refType="w" fact="0.77"/>
+          <dgm:constr type="h" for="ch" forName="FiveNodes_5" refType="h" fact="0.18"/>
+          <dgm:constr type="b" for="ch" forName="FiveNodes_5" refType="h"/>
+          <dgm:constr type="l" for="ch" forName="FiveNodes_5"/>
+          <dgm:constr type="w" for="ch" forName="FiveConn_1-2" refType="h" refFor="ch" refForName="FiveNodes_1" fact="0.65"/>
+          <dgm:constr type="h" for="ch" forName="FiveConn_1-2" refType="h" refFor="ch" refForName="FiveNodes_1" fact="0.65"/>
+          <dgm:constr type="ctrY" for="ch" forName="FiveConn_1-2" refType="h" fact="0.19"/>
+          <dgm:constr type="l" for="ch" forName="FiveConn_1-2" refType="l" refFor="ch" refForName="FiveNodes_1"/>
+          <dgm:constr type="w" for="ch" forName="FiveConn_2-3" refType="h" refFor="ch" refForName="FiveNodes_2" fact="0.65"/>
+          <dgm:constr type="h" for="ch" forName="FiveConn_2-3" refType="h" refFor="ch" refForName="FiveNodes_2" fact="0.65"/>
+          <dgm:constr type="ctrY" for="ch" forName="FiveConn_2-3" refType="h" fact="0.395"/>
+          <dgm:constr type="l" for="ch" forName="FiveConn_2-3" refType="l" refFor="ch" refForName="FiveNodes_2"/>
+          <dgm:constr type="w" for="ch" forName="FiveConn_3-4" refType="h" refFor="ch" refForName="FiveNodes_3" fact="0.65"/>
+          <dgm:constr type="h" for="ch" forName="FiveConn_3-4" refType="h" refFor="ch" refForName="FiveNodes_3" fact="0.65"/>
+          <dgm:constr type="ctrY" for="ch" forName="FiveConn_3-4" refType="h" fact="0.597"/>
+          <dgm:constr type="l" for="ch" forName="FiveConn_3-4" refType="l" refFor="ch" refForName="FiveNodes_3"/>
+          <dgm:constr type="w" for="ch" forName="FiveConn_4-5" refType="h" refFor="ch" refForName="FiveNodes_4" fact="0.65"/>
+          <dgm:constr type="h" for="ch" forName="FiveConn_4-5" refType="h" refFor="ch" refForName="FiveNodes_4" fact="0.65"/>
+          <dgm:constr type="ctrY" for="ch" forName="FiveConn_4-5" refType="h" fact="0.804"/>
+          <dgm:constr type="l" for="ch" forName="FiveConn_4-5" refType="l" refFor="ch" refForName="FiveNodes_4"/>
+          <dgm:constr type="l" for="ch" forName="FiveNodes_1_text" refType="r" refFor="ch" refForName="FiveConn_1-2"/>
+          <dgm:constr type="lOff" for="ch" forName="FiveNodes_1_text" refType="w" refFor="ch" refForName="FiveConn_1-2" fact="0.73"/>
+          <dgm:constr type="t" for="ch" forName="FiveNodes_1_text" refType="t" refFor="ch" refForName="FiveNodes_1"/>
+          <dgm:constr type="b" for="ch" forName="FiveNodes_1_text" refType="b" refFor="ch" refForName="FiveNodes_1"/>
+          <dgm:constr type="r" for="ch" forName="FiveNodes_1_text" refType="r" refFor="ch" refForName="FiveNodes_1"/>
+          <dgm:constr type="l" for="ch" forName="FiveNodes_2_text" refType="r" refFor="ch" refForName="FiveConn_1-2"/>
+          <dgm:constr type="t" for="ch" forName="FiveNodes_2_text" refType="t" refFor="ch" refForName="FiveNodes_2"/>
+          <dgm:constr type="b" for="ch" forName="FiveNodes_2_text" refType="b" refFor="ch" refForName="FiveNodes_2"/>
+          <dgm:constr type="r" for="ch" forName="FiveNodes_2_text" refType="r" refFor="ch" refForName="FiveNodes_2"/>
+          <dgm:constr type="l" for="ch" forName="FiveNodes_3_text" refType="r" refFor="ch" refForName="FiveConn_2-3"/>
+          <dgm:constr type="t" for="ch" forName="FiveNodes_3_text" refType="t" refFor="ch" refForName="FiveNodes_3"/>
+          <dgm:constr type="b" for="ch" forName="FiveNodes_3_text" refType="b" refFor="ch" refForName="FiveNodes_3"/>
+          <dgm:constr type="r" for="ch" forName="FiveNodes_3_text" refType="r" refFor="ch" refForName="FiveNodes_3"/>
+          <dgm:constr type="l" for="ch" forName="FiveNodes_4_text" refType="r" refFor="ch" refForName="FiveConn_3-4"/>
+          <dgm:constr type="t" for="ch" forName="FiveNodes_4_text" refType="t" refFor="ch" refForName="FiveNodes_4"/>
+          <dgm:constr type="b" for="ch" forName="FiveNodes_4_text" refType="b" refFor="ch" refForName="FiveNodes_4"/>
+          <dgm:constr type="r" for="ch" forName="FiveNodes_4_text" refType="r" refFor="ch" refForName="FiveNodes_4"/>
+          <dgm:constr type="l" for="ch" forName="FiveNodes_5_text" refType="r" refFor="ch" refForName="FiveConn_4-5"/>
+          <dgm:constr type="t" for="ch" forName="FiveNodes_5_text" refType="t" refFor="ch" refForName="FiveNodes_5"/>
+          <dgm:constr type="b" for="ch" forName="FiveNodes_5_text" refType="b" refFor="ch" refForName="FiveNodes_5"/>
+          <dgm:constr type="r" for="ch" forName="FiveNodes_5_text" refType="r" refFor="ch" refForName="FiveNodes_5"/>
         </dgm:constrLst>
       </dgm:else>
     </dgm:choose>
-    <dgm:ruleLst>
-      <dgm:rule type="w" for="ch" forName="compNode" val="50" fact="NaN" max="NaN"/>
-    </dgm:ruleLst>
-    <dgm:forEach name="Name7" axis="ch" ptType="node">
-      <dgm:layoutNode name="compNode">
-        <dgm:alg type="composite"/>
-        <dgm:shape xmlns:r="http://schemas.openxmlformats.org/officeDocument/2006/relationships" r:blip="">
-          <dgm:adjLst/>
-        </dgm:shape>
-        <dgm:presOf axis="self"/>
-        <dgm:constrLst>
-          <dgm:constr type="w" for="ch" forName="iconRect" refType="w" fact="0.45"/>
-          <dgm:constr type="h" for="ch" forName="iconRect" refType="w" refFor="ch" refForName="iconRect"/>
-          <dgm:constr type="ctrX" for="ch" forName="iconRect" refType="w" fact="0.5"/>
-          <dgm:constr type="t" for="ch" forName="iconRect"/>
-          <dgm:constr type="h" for="ch" forName="spaceRect" refType="h" fact="0.15"/>
-          <dgm:constr type="w" for="ch" forName="spaceRect" refType="w"/>
-          <dgm:constr type="l" for="ch" forName="spaceRect"/>
-          <dgm:constr type="t" for="ch" forName="spaceRect" refType="b" refFor="ch" refForName="iconRect"/>
-          <dgm:constr type="h" for="ch" forName="textRect" val="20"/>
-          <dgm:constr type="w" for="ch" forName="textRect" refType="w"/>
-          <dgm:constr type="l" for="ch" forName="textRect"/>
-          <dgm:constr type="t" for="ch" forName="textRect" refType="b" refFor="ch" refForName="spaceRect"/>
-        </dgm:constrLst>
-        <dgm:ruleLst>
-          <dgm:rule type="h" val="INF" fact="NaN" max="NaN"/>
-        </dgm:ruleLst>
-        <dgm:layoutNode name="iconRect" styleLbl="node1">
-          <dgm:alg type="sp"/>
-          <dgm:shape xmlns:r="http://schemas.openxmlformats.org/officeDocument/2006/relationships" type="rect" r:blip="" blipPhldr="1">
-            <dgm:adjLst/>
+    <dgm:ruleLst/>
+    <dgm:layoutNode name="dummyMaxCanvas">
+      <dgm:varLst/>
+      <dgm:alg type="sp"/>
+      <dgm:shape xmlns:r="http://schemas.openxmlformats.org/officeDocument/2006/relationships" r:blip="">
+        <dgm:adjLst/>
+      </dgm:shape>
+      <dgm:presOf/>
+      <dgm:constrLst/>
+      <dgm:ruleLst/>
+    </dgm:layoutNode>
+    <dgm:choose name="Name3">
+      <dgm:if name="Name4" axis="ch" ptType="node" func="cnt" op="equ" val="1">
+        <dgm:layoutNode name="OneNode_1">
+          <dgm:varLst>
+            <dgm:bulletEnabled val="1"/>
+          </dgm:varLst>
+          <dgm:alg type="tx"/>
+          <dgm:shape xmlns:r="http://schemas.openxmlformats.org/officeDocument/2006/relationships" type="roundRect" r:blip="">
+            <dgm:adjLst>
+              <dgm:adj idx="1" val="0.1"/>
+            </dgm:adjLst>
           </dgm:shape>
-          <dgm:presOf/>
-          <dgm:constrLst/>
-          <dgm:ruleLst/>
-        </dgm:layoutNode>
-        <dgm:layoutNode name="spaceRect">
-          <dgm:alg type="sp"/>
-          <dgm:shape xmlns:r="http://schemas.openxmlformats.org/officeDocument/2006/relationships" r:blip="">
-            <dgm:adjLst/>
-          </dgm:shape>
-          <dgm:presOf/>
-          <dgm:constrLst/>
-          <dgm:ruleLst/>
-        </dgm:layoutNode>
-        <dgm:layoutNode name="textRect" styleLbl="revTx">
-          <dgm:varLst>
-            <dgm:chMax val="1"/>
-            <dgm:chPref val="1"/>
-          </dgm:varLst>
-          <dgm:alg type="tx">
-            <dgm:param type="txAnchorVert" val="t"/>
-          </dgm:alg>
-          <dgm:shape xmlns:r="http://schemas.openxmlformats.org/officeDocument/2006/relationships" type="rect" r:blip="">
-            <dgm:adjLst/>
-          </dgm:shape>
-          <dgm:presOf axis="self" ptType="node"/>
+          <dgm:presOf axis="ch desOrSelf" ptType="node node" st="1 1" cnt="1 0"/>
           <dgm:constrLst>
-            <dgm:constr type="lMarg"/>
-            <dgm:constr type="rMarg"/>
-            <dgm:constr type="tMarg"/>
-            <dgm:constr type="bMarg"/>
+            <dgm:constr type="lMarg" refType="primFontSz" fact="0.3"/>
+            <dgm:constr type="rMarg" refType="primFontSz" fact="0.3"/>
+            <dgm:constr type="tMarg" refType="primFontSz" fact="0.3"/>
+            <dgm:constr type="bMarg" refType="primFontSz" fact="0.3"/>
           </dgm:constrLst>
           <dgm:ruleLst>
-            <dgm:rule type="primFontSz" val="11" fact="NaN" max="NaN"/>
-            <dgm:rule type="h" val="INF" fact="NaN" max="NaN"/>
+            <dgm:rule type="primFontSz" val="5" fact="NaN" max="NaN"/>
           </dgm:ruleLst>
         </dgm:layoutNode>
-      </dgm:layoutNode>
-      <dgm:forEach name="Name8" axis="followSib" ptType="sibTrans" cnt="1">
-        <dgm:layoutNode name="sibTrans">
-          <dgm:alg type="sp"/>
-          <dgm:shape xmlns:r="http://schemas.openxmlformats.org/officeDocument/2006/relationships" r:blip="">
-            <dgm:adjLst/>
-          </dgm:shape>
-          <dgm:presOf axis="self"/>
-          <dgm:constrLst/>
-          <dgm:ruleLst/>
-        </dgm:layoutNode>
-      </dgm:forEach>
-    </dgm:forEach>
+      </dgm:if>
+      <dgm:else name="Name5">
+        <dgm:choose name="Name6">
+          <dgm:if name="Name7" axis="ch" ptType="node" func="cnt" op="equ" val="2">
+            <dgm:layoutNode name="TwoNodes_1">
+              <dgm:varLst>
+                <dgm:bulletEnabled val="1"/>
+              </dgm:varLst>
+              <dgm:alg type="sp"/>
+              <dgm:shape xmlns:r="http://schemas.openxmlformats.org/officeDocument/2006/relationships" type="roundRect" r:blip="">
+                <dgm:adjLst>
+                  <dgm:adj idx="1" val="0.1"/>
+                </dgm:adjLst>
+              </dgm:shape>
+              <dgm:presOf axis="ch desOrSelf" ptType="node node" st="1 1" cnt="1 0"/>
+              <dgm:constrLst/>
+              <dgm:ruleLst/>
+            </dgm:layoutNode>
+            <dgm:layoutNode name="TwoNodes_2">
+              <dgm:varLst>
+                <dgm:bulletEnabled val="1"/>
+              </dgm:varLst>
+              <dgm:alg type="sp"/>
+              <dgm:shape xmlns:r="http://schemas.openxmlformats.org/officeDocument/2006/relationships" type="roundRect" r:blip="">
+                <dgm:adjLst>
+                  <dgm:adj idx="1" val="0.1"/>
+                </dgm:adjLst>
+              </dgm:shape>
+              <dgm:presOf axis="ch desOrSelf" ptType="node node" st="2 1" cnt="1 0"/>
+              <dgm:constrLst/>
+              <dgm:ruleLst/>
+            </dgm:layoutNode>
+            <dgm:layoutNode name="TwoConn_1-2" styleLbl="fgAccFollowNode1">
+              <dgm:varLst>
+                <dgm:bulletEnabled val="1"/>
+              </dgm:varLst>
+              <dgm:alg type="tx"/>
+              <dgm:shape xmlns:r="http://schemas.openxmlformats.org/officeDocument/2006/relationships" type="downArrow" r:blip="">
+                <dgm:adjLst>
+                  <dgm:adj idx="1" val="0.55"/>
+                  <dgm:adj idx="2" val="0.45"/>
+                </dgm:adjLst>
+              </dgm:shape>
+              <dgm:presOf axis="ch" ptType="sibTrans" cnt="1"/>
+              <dgm:constrLst>
+                <dgm:constr type="lMarg" refType="primFontSz" fact="0.1"/>
+                <dgm:constr type="rMarg" refType="primFontSz" fact="0.1"/>
+                <dgm:constr type="tMarg" refType="primFontSz" fact="0.1"/>
+                <dgm:constr type="bMarg" refType="primFontSz" fact="0.1"/>
+              </dgm:constrLst>
+              <dgm:ruleLst>
+                <dgm:rule type="primFontSz" val="5" fact="NaN" max="NaN"/>
+              </dgm:ruleLst>
+            </dgm:layoutNode>
+            <dgm:layoutNode name="TwoNodes_1_text">
+              <dgm:varLst>
+                <dgm:bulletEnabled val="1"/>
+              </dgm:varLst>
+              <dgm:alg type="tx">
+                <dgm:param type="parTxLTRAlign" val="l"/>
+                <dgm:param type="txAnchorVertCh" val="mid"/>
+              </dgm:alg>
+              <dgm:shape xmlns:r="http://schemas.openxmlformats.org/officeDocument/2006/relationships" type="roundRect" r:blip="" hideGeom="1">
+                <dgm:adjLst>
+                  <dgm:adj idx="1" val="0.1"/>
+                </dgm:adjLst>
+              </dgm:shape>
+              <dgm:presOf axis="ch desOrSelf" ptType="node node" st="1 1" cnt="1 0"/>
+              <dgm:constrLst>
+                <dgm:constr type="lMarg" refType="primFontSz" fact="0.3"/>
+                <dgm:constr type="rMarg" refType="primFontSz" fact="0.3"/>
+                <dgm:constr type="tMarg" refType="primFontSz" fact="0.3"/>
+                <dgm:constr type="bMarg" refType="primFontSz" fact="0.3"/>
+              </dgm:constrLst>
+              <dgm:ruleLst>
+                <dgm:rule type="primFontSz" val="5" fact="NaN" max="NaN"/>
+              </dgm:ruleLst>
+            </dgm:layoutNode>
+            <dgm:layoutNode name="TwoNodes_2_text">
+              <dgm:varLst>
+                <dgm:bulletEnabled val="1"/>
+              </dgm:varLst>
+              <dgm:alg type="tx">
+                <dgm:param type="parTxLTRAlign" val="l"/>
+                <dgm:param type="txAnchorVertCh" val="mid"/>
+              </dgm:alg>
+              <dgm:shape xmlns:r="http://schemas.openxmlformats.org/officeDocument/2006/relationships" type="roundRect" r:blip="" hideGeom="1">
+                <dgm:adjLst>
+                  <dgm:adj idx="1" val="0.1"/>
+                </dgm:adjLst>
+              </dgm:shape>
+              <dgm:presOf axis="ch desOrSelf" ptType="node node" st="2 1" cnt="1 0"/>
+              <dgm:constrLst>
+                <dgm:constr type="lMarg" refType="primFontSz" fact="0.3"/>
+                <dgm:constr type="rMarg" refType="primFontSz" fact="0.3"/>
+                <dgm:constr type="tMarg" refType="primFontSz" fact="0.3"/>
+                <dgm:constr type="bMarg" refType="primFontSz" fact="0.3"/>
+              </dgm:constrLst>
+              <dgm:ruleLst>
+                <dgm:rule type="primFontSz" val="5" fact="NaN" max="NaN"/>
+              </dgm:ruleLst>
+            </dgm:layoutNode>
+          </dgm:if>
+          <dgm:else name="Name8">
+            <dgm:choose name="Name9">
+              <dgm:if name="Name10" axis="ch" ptType="node" func="cnt" op="equ" val="3">
+                <dgm:layoutNode name="ThreeNodes_1">
+                  <dgm:varLst>
+                    <dgm:bulletEnabled val="1"/>
+                  </dgm:varLst>
+                  <dgm:alg type="sp"/>
+                  <dgm:shape xmlns:r="http://schemas.openxmlformats.org/officeDocument/2006/relationships" type="roundRect" r:blip="">
+                    <dgm:adjLst>
+                      <dgm:adj idx="1" val="0.1"/>
+                    </dgm:adjLst>
+                  </dgm:shape>
+                  <dgm:presOf axis="ch desOrSelf" ptType="node node" st="1 1" cnt="1 0"/>
+                  <dgm:constrLst/>
+                  <dgm:ruleLst/>
+                </dgm:layoutNode>
+                <dgm:layoutNode name="ThreeNodes_2">
+                  <dgm:varLst>
+                    <dgm:bulletEnabled val="1"/>
+                  </dgm:varLst>
+                  <dgm:alg type="sp"/>
+                  <dgm:shape xmlns:r="http://schemas.openxmlformats.org/officeDocument/2006/relationships" type="roundRect" r:blip="">
+                    <dgm:adjLst>
+                      <dgm:adj idx="1" val="0.1"/>
+                    </dgm:adjLst>
+                  </dgm:shape>
+                  <dgm:presOf axis="ch desOrSelf" ptType="node node" st="2 1" cnt="1 0"/>
+                  <dgm:constrLst/>
+                  <dgm:ruleLst/>
+                </dgm:layoutNode>
+                <dgm:layoutNode name="ThreeNodes_3">
+                  <dgm:varLst>
+                    <dgm:bulletEnabled val="1"/>
+                  </dgm:varLst>
+                  <dgm:alg type="sp"/>
+                  <dgm:shape xmlns:r="http://schemas.openxmlformats.org/officeDocument/2006/relationships" type="roundRect" r:blip="">
+                    <dgm:adjLst>
+                      <dgm:adj idx="1" val="0.1"/>
+                    </dgm:adjLst>
+                  </dgm:shape>
+                  <dgm:presOf axis="ch desOrSelf" ptType="node node" st="3 1" cnt="1 0"/>
+                  <dgm:constrLst/>
+                  <dgm:ruleLst/>
+                </dgm:layoutNode>
+                <dgm:layoutNode name="ThreeConn_1-2" styleLbl="fgAccFollowNode1">
+                  <dgm:varLst>
+                    <dgm:bulletEnabled val="1"/>
+                  </dgm:varLst>
+                  <dgm:alg type="tx"/>
+                  <dgm:shape xmlns:r="http://schemas.openxmlformats.org/officeDocument/2006/relationships" type="downArrow" r:blip="">
+                    <dgm:adjLst>
+                      <dgm:adj idx="1" val="0.55"/>
+                      <dgm:adj idx="2" val="0.45"/>
+                    </dgm:adjLst>
+                  </dgm:shape>
+                  <dgm:presOf axis="ch" ptType="sibTrans" cnt="1"/>
+                  <dgm:constrLst>
+                    <dgm:constr type="lMarg" refType="primFontSz" fact="0.1"/>
+                    <dgm:constr type="rMarg" refType="primFontSz" fact="0.1"/>
+                    <dgm:constr type="tMarg" refType="primFontSz" fact="0.1"/>
+                    <dgm:constr type="bMarg" refType="primFontSz" fact="0.1"/>
+                  </dgm:constrLst>
+                  <dgm:ruleLst>
+                    <dgm:rule type="primFontSz" val="5" fact="NaN" max="NaN"/>
+                  </dgm:ruleLst>
+                </dgm:layoutNode>
+                <dgm:layoutNode name="ThreeConn_2-3" styleLbl="fgAccFollowNode1">
+                  <dgm:varLst>
+                    <dgm:bulletEnabled val="1"/>
+                  </dgm:varLst>
+                  <dgm:alg type="tx"/>
+                  <dgm:shape xmlns:r="http://schemas.openxmlformats.org/officeDocument/2006/relationships" type="downArrow" r:blip="">
+                    <dgm:adjLst>
+                      <dgm:adj idx="1" val="0.55"/>
+                      <dgm:adj idx="2" val="0.45"/>
+                    </dgm:adjLst>
+                  </dgm:shape>
+                  <dgm:presOf axis="ch" ptType="sibTrans" st="2" cnt="1"/>
+                  <dgm:constrLst>
+                    <dgm:constr type="lMarg" refType="primFontSz" fact="0.1"/>
+                    <dgm:constr type="rMarg" refType="primFontSz" fact="0.1"/>
+                    <dgm:constr type="tMarg" refType="primFontSz" fact="0.1"/>
+                    <dgm:constr type="bMarg" refType="primFontSz" fact="0.1"/>
+                  </dgm:constrLst>
+                  <dgm:ruleLst>
+                    <dgm:rule type="primFontSz" val="5" fact="NaN" max="NaN"/>
+                  </dgm:ruleLst>
+                </dgm:layoutNode>
+                <dgm:layoutNode name="ThreeNodes_1_text">
+                  <dgm:varLst>
+                    <dgm:bulletEnabled val="1"/>
+                  </dgm:varLst>
+                  <dgm:alg type="tx">
+                    <dgm:param type="parTxLTRAlign" val="l"/>
+                    <dgm:param type="txAnchorVertCh" val="mid"/>
+                  </dgm:alg>
+                  <dgm:shape xmlns:r="http://schemas.openxmlformats.org/officeDocument/2006/relationships" type="roundRect" r:blip="" hideGeom="1">
+                    <dgm:adjLst>
+                      <dgm:adj idx="1" val="0.1"/>
+                    </dgm:adjLst>
+                  </dgm:shape>
+                  <dgm:presOf axis="ch desOrSelf" ptType="node node" st="1 1" cnt="1 0"/>
+                  <dgm:constrLst>
+                    <dgm:constr type="lMarg" refType="primFontSz" fact="0.3"/>
+                    <dgm:constr type="rMarg" refType="primFontSz" fact="0.3"/>
+                    <dgm:constr type="tMarg" refType="primFontSz" fact="0.3"/>
+                    <dgm:constr type="bMarg" refType="primFontSz" fact="0.3"/>
+                  </dgm:constrLst>
+                  <dgm:ruleLst>
+                    <dgm:rule type="primFontSz" val="5" fact="NaN" max="NaN"/>
+                  </dgm:ruleLst>
+                </dgm:layoutNode>
+                <dgm:layoutNode name="ThreeNodes_2_text">
+                  <dgm:varLst>
+                    <dgm:bulletEnabled val="1"/>
+                  </dgm:varLst>
+                  <dgm:alg type="tx">
+                    <dgm:param type="parTxLTRAlign" val="l"/>
+                    <dgm:param type="txAnchorVertCh" val="mid"/>
+                  </dgm:alg>
+                  <dgm:shape xmlns:r="http://schemas.openxmlformats.org/officeDocument/2006/relationships" type="roundRect" r:blip="" hideGeom="1">
+                    <dgm:adjLst>
+                      <dgm:adj idx="1" val="0.1"/>
+                    </dgm:adjLst>
+                  </dgm:shape>
+                  <dgm:presOf axis="ch desOrSelf" ptType="node node" st="2 1" cnt="1 0"/>
+                  <dgm:constrLst>
+                    <dgm:constr type="lMarg" refType="primFontSz" fact="0.3"/>
+                    <dgm:constr type="rMarg" refType="primFontSz" fact="0.3"/>
+                    <dgm:constr type="tMarg" refType="primFontSz" fact="0.3"/>
+                    <dgm:constr type="bMarg" refType="primFontSz" fact="0.3"/>
+                  </dgm:constrLst>
+                  <dgm:ruleLst>
+                    <dgm:rule type="primFontSz" val="5" fact="NaN" max="NaN"/>
+                  </dgm:ruleLst>
+                </dgm:layoutNode>
+                <dgm:layoutNode name="ThreeNodes_3_text">
+                  <dgm:varLst>
+                    <dgm:bulletEnabled val="1"/>
+                  </dgm:varLst>
+                  <dgm:alg type="tx">
+                    <dgm:param type="parTxLTRAlign" val="l"/>
+                    <dgm:param type="txAnchorVertCh" val="mid"/>
+                  </dgm:alg>
+                  <dgm:shape xmlns:r="http://schemas.openxmlformats.org/officeDocument/2006/relationships" type="roundRect" r:blip="" hideGeom="1">
+                    <dgm:adjLst>
+                      <dgm:adj idx="1" val="0.1"/>
+                    </dgm:adjLst>
+                  </dgm:shape>
+                  <dgm:presOf axis="ch desOrSelf" ptType="node node" st="3 1" cnt="1 0"/>
+                  <dgm:constrLst>
+                    <dgm:constr type="lMarg" refType="primFontSz" fact="0.3"/>
+                    <dgm:constr type="rMarg" refType="primFontSz" fact="0.3"/>
+                    <dgm:constr type="tMarg" refType="primFontSz" fact="0.3"/>
+                    <dgm:constr type="bMarg" refType="primFontSz" fact="0.3"/>
+                  </dgm:constrLst>
+                  <dgm:ruleLst>
+                    <dgm:rule type="primFontSz" val="5" fact="NaN" max="NaN"/>
+                  </dgm:ruleLst>
+                </dgm:layoutNode>
+              </dgm:if>
+              <dgm:else name="Name11">
+                <dgm:choose name="Name12">
+                  <dgm:if name="Name13" axis="ch" ptType="node" func="cnt" op="equ" val="4">
+                    <dgm:layoutNode name="FourNodes_1">
+                      <dgm:varLst>
+                        <dgm:bulletEnabled val="1"/>
+                      </dgm:varLst>
+                      <dgm:alg type="sp"/>
+                      <dgm:shape xmlns:r="http://schemas.openxmlformats.org/officeDocument/2006/relationships" type="roundRect" r:blip="">
+                        <dgm:adjLst>
+                          <dgm:adj idx="1" val="0.1"/>
+                        </dgm:adjLst>
+                      </dgm:shape>
+                      <dgm:presOf axis="ch desOrSelf" ptType="node node" st="1 1" cnt="1 0"/>
+                      <dgm:constrLst/>
+                      <dgm:ruleLst/>
+                    </dgm:layoutNode>
+                    <dgm:layoutNode name="FourNodes_2">
+                      <dgm:varLst>
+                        <dgm:bulletEnabled val="1"/>
+                      </dgm:varLst>
+                      <dgm:alg type="sp"/>
+                      <dgm:shape xmlns:r="http://schemas.openxmlformats.org/officeDocument/2006/relationships" type="roundRect" r:blip="">
+                        <dgm:adjLst>
+                          <dgm:adj idx="1" val="0.1"/>
+                        </dgm:adjLst>
+                      </dgm:shape>
+                      <dgm:presOf axis="ch desOrSelf" ptType="node node" st="2 1" cnt="1 0"/>
+                      <dgm:constrLst/>
+                      <dgm:ruleLst/>
+                    </dgm:layoutNode>
+                    <dgm:layoutNode name="FourNodes_3">
+                      <dgm:varLst>
+                        <dgm:bulletEnabled val="1"/>
+                      </dgm:varLst>
+                      <dgm:alg type="sp"/>
+                      <dgm:shape xmlns:r="http://schemas.openxmlformats.org/officeDocument/2006/relationships" type="roundRect" r:blip="">
+                        <dgm:adjLst>
+                          <dgm:adj idx="1" val="0.1"/>
+                        </dgm:adjLst>
+                      </dgm:shape>
+                      <dgm:presOf axis="ch desOrSelf" ptType="node node" st="3 1" cnt="1 0"/>
+                      <dgm:constrLst/>
+                      <dgm:ruleLst/>
+                    </dgm:layoutNode>
+                    <dgm:layoutNode name="FourNodes_4">
+                      <dgm:varLst>
+                        <dgm:bulletEnabled val="1"/>
+                      </dgm:varLst>
+                      <dgm:alg type="sp"/>
+                      <dgm:shape xmlns:r="http://schemas.openxmlformats.org/officeDocument/2006/relationships" type="roundRect" r:blip="">
+                        <dgm:adjLst>
+                          <dgm:adj idx="1" val="0.1"/>
+                        </dgm:adjLst>
+                      </dgm:shape>
+                      <dgm:presOf axis="ch desOrSelf" ptType="node node" st="4 1" cnt="1 0"/>
+                      <dgm:constrLst/>
+                      <dgm:ruleLst/>
+                    </dgm:layoutNode>
+                    <dgm:layoutNode name="FourConn_1-2" styleLbl="fgAccFollowNode1">
+                      <dgm:varLst>
+                        <dgm:bulletEnabled val="1"/>
+                      </dgm:varLst>
+                      <dgm:alg type="tx"/>
+                      <dgm:shape xmlns:r="http://schemas.openxmlformats.org/officeDocument/2006/relationships" type="downArrow" r:blip="">
+                        <dgm:adjLst>
+                          <dgm:adj idx="1" val="0.55"/>
+                          <dgm:adj idx="2" val="0.45"/>
+                        </dgm:adjLst>
+                      </dgm:shape>
+                      <dgm:presOf axis="ch" ptType="sibTrans" cnt="1"/>
+                      <dgm:constrLst>
+                        <dgm:constr type="lMarg" refType="primFontSz" fact="0.1"/>
+                        <dgm:constr type="rMarg" refType="primFontSz" fact="0.1"/>
+                        <dgm:constr type="tMarg" refType="primFontSz" fact="0.1"/>
+                        <dgm:constr type="bMarg" refType="primFontSz" fact="0.1"/>
+                      </dgm:constrLst>
+                      <dgm:ruleLst>
+                        <dgm:rule type="primFontSz" val="5" fact="NaN" max="NaN"/>
+                      </dgm:ruleLst>
+                    </dgm:layoutNode>
+                    <dgm:layoutNode name="FourConn_2-3" styleLbl="fgAccFollowNode1">
+                      <dgm:varLst>
+                        <dgm:bulletEnabled val="1"/>
+                      </dgm:varLst>
+                      <dgm:alg type="tx"/>
+                      <dgm:shape xmlns:r="http://schemas.openxmlformats.org/officeDocument/2006/relationships" type="downArrow" r:blip="">
+                        <dgm:adjLst>
+                          <dgm:adj idx="1" val="0.55"/>
+                          <dgm:adj idx="2" val="0.45"/>
+                        </dgm:adjLst>
+                      </dgm:shape>
+                      <dgm:presOf axis="ch" ptType="sibTrans" st="2" cnt="1"/>
+                      <dgm:constrLst>
+                        <dgm:constr type="lMarg" refType="primFontSz" fact="0.1"/>
+                        <dgm:constr type="rMarg" refType="primFontSz" fact="0.1"/>
+                        <dgm:constr type="tMarg" refType="primFontSz" fact="0.1"/>
+                        <dgm:constr type="bMarg" refType="primFontSz" fact="0.1"/>
+                      </dgm:constrLst>
+                      <dgm:ruleLst>
+                        <dgm:rule type="primFontSz" val="5" fact="NaN" max="NaN"/>
+                      </dgm:ruleLst>
+                    </dgm:layoutNode>
+                    <dgm:layoutNode name="FourConn_3-4" styleLbl="fgAccFollowNode1">
+                      <dgm:varLst>
+                        <dgm:bulletEnabled val="1"/>
+                      </dgm:varLst>
+                      <dgm:alg type="tx"/>
+                      <dgm:shape xmlns:r="http://schemas.openxmlformats.org/officeDocument/2006/relationships" type="downArrow" r:blip="">
+                        <dgm:adjLst>
+                          <dgm:adj idx="1" val="0.55"/>
+                          <dgm:adj idx="2" val="0.45"/>
+                        </dgm:adjLst>
+                      </dgm:shape>
+                      <dgm:presOf axis="ch" ptType="sibTrans" st="3" cnt="1"/>
+                      <dgm:constrLst>
+                        <dgm:constr type="lMarg" refType="primFontSz" fact="0.1"/>
+                        <dgm:constr type="rMarg" refType="primFontSz" fact="0.1"/>
+                        <dgm:constr type="tMarg" refType="primFontSz" fact="0.1"/>
+                        <dgm:constr type="bMarg" refType="primFontSz" fact="0.1"/>
+                      </dgm:constrLst>
+                      <dgm:ruleLst>
+                        <dgm:rule type="primFontSz" val="5" fact="NaN" max="NaN"/>
+                      </dgm:ruleLst>
+                    </dgm:layoutNode>
+                    <dgm:layoutNode name="FourNodes_1_text">
+                      <dgm:varLst>
+                        <dgm:bulletEnabled val="1"/>
+                      </dgm:varLst>
+                      <dgm:alg type="tx">
+                        <dgm:param type="parTxLTRAlign" val="l"/>
+                        <dgm:param type="txAnchorVertCh" val="mid"/>
+                      </dgm:alg>
+                      <dgm:shape xmlns:r="http://schemas.openxmlformats.org/officeDocument/2006/relationships" type="roundRect" r:blip="" hideGeom="1">
+                        <dgm:adjLst>
+                          <dgm:adj idx="1" val="0.1"/>
+                        </dgm:adjLst>
+                      </dgm:shape>
+                      <dgm:presOf axis="ch desOrSelf" ptType="node node" st="1 1" cnt="1 0"/>
+                      <dgm:constrLst>
+                        <dgm:constr type="lMarg" refType="primFontSz" fact="0.3"/>
+                        <dgm:constr type="rMarg" refType="primFontSz" fact="0.3"/>
+                        <dgm:constr type="tMarg" refType="primFontSz" fact="0.3"/>
+                        <dgm:constr type="bMarg" refType="primFontSz" fact="0.3"/>
+                      </dgm:constrLst>
+                      <dgm:ruleLst>
+                        <dgm:rule type="primFontSz" val="5" fact="NaN" max="NaN"/>
+                      </dgm:ruleLst>
+                    </dgm:layoutNode>
+                    <dgm:layoutNode name="FourNodes_2_text">
+                      <dgm:varLst>
+                        <dgm:bulletEnabled val="1"/>
+                      </dgm:varLst>
+                      <dgm:alg type="tx">
+                        <dgm:param type="parTxLTRAlign" val="l"/>
+                        <dgm:param type="txAnchorVertCh" val="mid"/>
+                      </dgm:alg>
+                      <dgm:shape xmlns:r="http://schemas.openxmlformats.org/officeDocument/2006/relationships" type="roundRect" r:blip="" hideGeom="1">
+                        <dgm:adjLst>
+                          <dgm:adj idx="1" val="0.1"/>
+                        </dgm:adjLst>
+                      </dgm:shape>
+                      <dgm:presOf axis="ch desOrSelf" ptType="node node" st="2 1" cnt="1 0"/>
+                      <dgm:constrLst>
+                        <dgm:constr type="lMarg" refType="primFontSz" fact="0.3"/>
+                        <dgm:constr type="rMarg" refType="primFontSz" fact="0.3"/>
+                        <dgm:constr type="tMarg" refType="primFontSz" fact="0.3"/>
+                        <dgm:constr type="bMarg" refType="primFontSz" fact="0.3"/>
+                      </dgm:constrLst>
+                      <dgm:ruleLst>
+                        <dgm:rule type="primFontSz" val="5" fact="NaN" max="NaN"/>
+                      </dgm:ruleLst>
+                    </dgm:layoutNode>
+                    <dgm:layoutNode name="FourNodes_3_text">
+                      <dgm:varLst>
+                        <dgm:bulletEnabled val="1"/>
+                      </dgm:varLst>
+                      <dgm:alg type="tx">
+                        <dgm:param type="parTxLTRAlign" val="l"/>
+                        <dgm:param type="txAnchorVertCh" val="mid"/>
+                      </dgm:alg>
+                      <dgm:shape xmlns:r="http://schemas.openxmlformats.org/officeDocument/2006/relationships" type="roundRect" r:blip="" hideGeom="1">
+                        <dgm:adjLst>
+                          <dgm:adj idx="1" val="0.1"/>
+                        </dgm:adjLst>
+                      </dgm:shape>
+                      <dgm:presOf axis="ch desOrSelf" ptType="node node" st="3 1" cnt="1 0"/>
+                      <dgm:constrLst>
+                        <dgm:constr type="lMarg" refType="primFontSz" fact="0.3"/>
+                        <dgm:constr type="rMarg" refType="primFontSz" fact="0.3"/>
+                        <dgm:constr type="tMarg" refType="primFontSz" fact="0.3"/>
+                        <dgm:constr type="bMarg" refType="primFontSz" fact="0.3"/>
+                      </dgm:constrLst>
+                      <dgm:ruleLst>
+                        <dgm:rule type="primFontSz" val="5" fact="NaN" max="NaN"/>
+                      </dgm:ruleLst>
+                    </dgm:layoutNode>
+                    <dgm:layoutNode name="FourNodes_4_text">
+                      <dgm:varLst>
+                        <dgm:bulletEnabled val="1"/>
+                      </dgm:varLst>
+                      <dgm:alg type="tx">
+                        <dgm:param type="parTxLTRAlign" val="l"/>
+                        <dgm:param type="txAnchorVertCh" val="mid"/>
+                      </dgm:alg>
+                      <dgm:shape xmlns:r="http://schemas.openxmlformats.org/officeDocument/2006/relationships" type="roundRect" r:blip="" hideGeom="1">
+                        <dgm:adjLst>
+                          <dgm:adj idx="1" val="0.1"/>
+                        </dgm:adjLst>
+                      </dgm:shape>
+                      <dgm:presOf axis="ch desOrSelf" ptType="node node" st="4 1" cnt="1 0"/>
+                      <dgm:constrLst>
+                        <dgm:constr type="lMarg" refType="primFontSz" fact="0.3"/>
+                        <dgm:constr type="rMarg" refType="primFontSz" fact="0.3"/>
+                        <dgm:constr type="tMarg" refType="primFontSz" fact="0.3"/>
+                        <dgm:constr type="bMarg" refType="primFontSz" fact="0.3"/>
+                      </dgm:constrLst>
+                      <dgm:ruleLst>
+                        <dgm:rule type="primFontSz" val="5" fact="NaN" max="NaN"/>
+                      </dgm:ruleLst>
+                    </dgm:layoutNode>
+                  </dgm:if>
+                  <dgm:else name="Name14">
+                    <dgm:choose name="Name15">
+                      <dgm:if name="Name16" axis="ch" ptType="node" func="cnt" op="gte" val="5">
+                        <dgm:layoutNode name="FiveNodes_1">
+                          <dgm:varLst>
+                            <dgm:bulletEnabled val="1"/>
+                          </dgm:varLst>
+                          <dgm:alg type="sp"/>
+                          <dgm:shape xmlns:r="http://schemas.openxmlformats.org/officeDocument/2006/relationships" type="roundRect" r:blip="">
+                            <dgm:adjLst>
+                              <dgm:adj idx="1" val="0.1"/>
+                            </dgm:adjLst>
+                          </dgm:shape>
+                          <dgm:presOf axis="ch desOrSelf" ptType="node node" st="1 1" cnt="1 0"/>
+                          <dgm:constrLst/>
+                          <dgm:ruleLst/>
+                        </dgm:layoutNode>
+                        <dgm:layoutNode name="FiveNodes_2">
+                          <dgm:varLst>
+                            <dgm:bulletEnabled val="1"/>
+                          </dgm:varLst>
+                          <dgm:alg type="sp"/>
+                          <dgm:shape xmlns:r="http://schemas.openxmlformats.org/officeDocument/2006/relationships" type="roundRect" r:blip="">
+                            <dgm:adjLst>
+                              <dgm:adj idx="1" val="0.1"/>
+                            </dgm:adjLst>
+                          </dgm:shape>
+                          <dgm:presOf axis="ch desOrSelf" ptType="node node" st="2 1" cnt="1 0"/>
+                          <dgm:constrLst/>
+                          <dgm:ruleLst/>
+                        </dgm:layoutNode>
+                        <dgm:layoutNode name="FiveNodes_3">
+                          <dgm:varLst>
+                            <dgm:bulletEnabled val="1"/>
+                          </dgm:varLst>
+                          <dgm:alg type="sp"/>
+                          <dgm:shape xmlns:r="http://schemas.openxmlformats.org/officeDocument/2006/relationships" type="roundRect" r:blip="">
+                            <dgm:adjLst>
+                              <dgm:adj idx="1" val="0.1"/>
+                            </dgm:adjLst>
+                          </dgm:shape>
+                          <dgm:presOf axis="ch desOrSelf" ptType="node node" st="3 1" cnt="1 0"/>
+                          <dgm:constrLst/>
+                          <dgm:ruleLst/>
+                        </dgm:layoutNode>
+                        <dgm:layoutNode name="FiveNodes_4">
+                          <dgm:varLst>
+                            <dgm:bulletEnabled val="1"/>
+                          </dgm:varLst>
+                          <dgm:alg type="sp"/>
+                          <dgm:shape xmlns:r="http://schemas.openxmlformats.org/officeDocument/2006/relationships" type="roundRect" r:blip="">
+                            <dgm:adjLst>
+                              <dgm:adj idx="1" val="0.1"/>
+                            </dgm:adjLst>
+                          </dgm:shape>
+                          <dgm:presOf axis="ch desOrSelf" ptType="node node" st="4 1" cnt="1 0"/>
+                          <dgm:constrLst/>
+                          <dgm:ruleLst/>
+                        </dgm:layoutNode>
+                        <dgm:layoutNode name="FiveNodes_5">
+                          <dgm:varLst>
+                            <dgm:bulletEnabled val="1"/>
+                          </dgm:varLst>
+                          <dgm:alg type="sp"/>
+                          <dgm:shape xmlns:r="http://schemas.openxmlformats.org/officeDocument/2006/relationships" type="roundRect" r:blip="">
+                            <dgm:adjLst>
+                              <dgm:adj idx="1" val="0.1"/>
+                            </dgm:adjLst>
+                          </dgm:shape>
+                          <dgm:presOf axis="ch desOrSelf" ptType="node node" st="5 1" cnt="1 0"/>
+                          <dgm:constrLst/>
+                          <dgm:ruleLst/>
+                        </dgm:layoutNode>
+                        <dgm:layoutNode name="FiveConn_1-2" styleLbl="fgAccFollowNode1">
+                          <dgm:varLst>
+                            <dgm:bulletEnabled val="1"/>
+                          </dgm:varLst>
+                          <dgm:alg type="tx"/>
+                          <dgm:shape xmlns:r="http://schemas.openxmlformats.org/officeDocument/2006/relationships" type="downArrow" r:blip="">
+                            <dgm:adjLst>
+                              <dgm:adj idx="1" val="0.55"/>
+                              <dgm:adj idx="2" val="0.45"/>
+                            </dgm:adjLst>
+                          </dgm:shape>
+                          <dgm:presOf axis="ch" ptType="sibTrans" cnt="1"/>
+                          <dgm:constrLst>
+                            <dgm:constr type="lMarg" refType="primFontSz" fact="0.1"/>
+                            <dgm:constr type="rMarg" refType="primFontSz" fact="0.1"/>
+                            <dgm:constr type="tMarg" refType="primFontSz" fact="0.1"/>
+                            <dgm:constr type="bMarg" refType="primFontSz" fact="0.1"/>
+                          </dgm:constrLst>
+                          <dgm:ruleLst>
+                            <dgm:rule type="primFontSz" val="5" fact="NaN" max="NaN"/>
+                          </dgm:ruleLst>
+                        </dgm:layoutNode>
+                        <dgm:layoutNode name="FiveConn_2-3" styleLbl="fgAccFollowNode1">
+                          <dgm:varLst>
+                            <dgm:bulletEnabled val="1"/>
+                          </dgm:varLst>
+                          <dgm:alg type="tx"/>
+                          <dgm:shape xmlns:r="http://schemas.openxmlformats.org/officeDocument/2006/relationships" type="downArrow" r:blip="">
+                            <dgm:adjLst>
+                              <dgm:adj idx="1" val="0.55"/>
+                              <dgm:adj idx="2" val="0.45"/>
+                            </dgm:adjLst>
+                          </dgm:shape>
+                          <dgm:presOf axis="ch" ptType="sibTrans" st="2" cnt="1"/>
+                          <dgm:constrLst>
+                            <dgm:constr type="lMarg" refType="primFontSz" fact="0.1"/>
+                            <dgm:constr type="rMarg" refType="primFontSz" fact="0.1"/>
+                            <dgm:constr type="tMarg" refType="primFontSz" fact="0.1"/>
+                            <dgm:constr type="bMarg" refType="primFontSz" fact="0.1"/>
+                          </dgm:constrLst>
+                          <dgm:ruleLst>
+                            <dgm:rule type="primFontSz" val="5" fact="NaN" max="NaN"/>
+                          </dgm:ruleLst>
+                        </dgm:layoutNode>
+                        <dgm:layoutNode name="FiveConn_3-4" styleLbl="fgAccFollowNode1">
+                          <dgm:varLst>
+                            <dgm:bulletEnabled val="1"/>
+                          </dgm:varLst>
+                          <dgm:alg type="tx"/>
+                          <dgm:shape xmlns:r="http://schemas.openxmlformats.org/officeDocument/2006/relationships" type="downArrow" r:blip="">
+                            <dgm:adjLst>
+                              <dgm:adj idx="1" val="0.55"/>
+                              <dgm:adj idx="2" val="0.45"/>
+                            </dgm:adjLst>
+                          </dgm:shape>
+                          <dgm:presOf axis="ch" ptType="sibTrans" st="3" cnt="1"/>
+                          <dgm:constrLst>
+                            <dgm:constr type="lMarg" refType="primFontSz" fact="0.1"/>
+                            <dgm:constr type="rMarg" refType="primFontSz" fact="0.1"/>
+                            <dgm:constr type="tMarg" refType="primFontSz" fact="0.1"/>
+                            <dgm:constr type="bMarg" refType="primFontSz" fact="0.1"/>
+                          </dgm:constrLst>
+                          <dgm:ruleLst>
+                            <dgm:rule type="primFontSz" val="5" fact="NaN" max="NaN"/>
+                          </dgm:ruleLst>
+                        </dgm:layoutNode>
+                        <dgm:layoutNode name="FiveConn_4-5" styleLbl="fgAccFollowNode1">
+                          <dgm:varLst>
+                            <dgm:bulletEnabled val="1"/>
+                          </dgm:varLst>
+                          <dgm:alg type="tx"/>
+                          <dgm:shape xmlns:r="http://schemas.openxmlformats.org/officeDocument/2006/relationships" type="downArrow" r:blip="">
+                            <dgm:adjLst>
+                              <dgm:adj idx="1" val="0.55"/>
+                              <dgm:adj idx="2" val="0.45"/>
+                            </dgm:adjLst>
+                          </dgm:shape>
+                          <dgm:presOf axis="ch" ptType="sibTrans" st="4" cnt="1"/>
+                          <dgm:constrLst>
+                            <dgm:constr type="lMarg" refType="primFontSz" fact="0.1"/>
+                            <dgm:constr type="rMarg" refType="primFontSz" fact="0.1"/>
+                            <dgm:constr type="tMarg" refType="primFontSz" fact="0.1"/>
+                            <dgm:constr type="bMarg" refType="primFontSz" fact="0.1"/>
+                          </dgm:constrLst>
+                          <dgm:ruleLst>
+                            <dgm:rule type="primFontSz" val="5" fact="NaN" max="NaN"/>
+                          </dgm:ruleLst>
+                        </dgm:layoutNode>
+                        <dgm:layoutNode name="FiveNodes_1_text">
+                          <dgm:varLst>
+                            <dgm:bulletEnabled val="1"/>
+                          </dgm:varLst>
+                          <dgm:alg type="tx">
+                            <dgm:param type="parTxLTRAlign" val="l"/>
+                            <dgm:param type="txAnchorVertCh" val="mid"/>
+                          </dgm:alg>
+                          <dgm:shape xmlns:r="http://schemas.openxmlformats.org/officeDocument/2006/relationships" type="roundRect" r:blip="" hideGeom="1">
+                            <dgm:adjLst>
+                              <dgm:adj idx="1" val="0.1"/>
+                            </dgm:adjLst>
+                          </dgm:shape>
+                          <dgm:presOf axis="ch desOrSelf" ptType="node node" st="1 1" cnt="1 0"/>
+                          <dgm:constrLst>
+                            <dgm:constr type="lMarg" refType="primFontSz" fact="0.3"/>
+                            <dgm:constr type="rMarg" refType="primFontSz" fact="0.3"/>
+                            <dgm:constr type="tMarg" refType="primFontSz" fact="0.3"/>
+                            <dgm:constr type="bMarg" refType="primFontSz" fact="0.3"/>
+                          </dgm:constrLst>
+                          <dgm:ruleLst>
+                            <dgm:rule type="primFontSz" val="5" fact="NaN" max="NaN"/>
+                          </dgm:ruleLst>
+                        </dgm:layoutNode>
+                        <dgm:layoutNode name="FiveNodes_2_text">
+                          <dgm:varLst>
+                            <dgm:bulletEnabled val="1"/>
+                          </dgm:varLst>
+                          <dgm:alg type="tx">
+                            <dgm:param type="parTxLTRAlign" val="l"/>
+                            <dgm:param type="txAnchorVertCh" val="mid"/>
+                          </dgm:alg>
+                          <dgm:shape xmlns:r="http://schemas.openxmlformats.org/officeDocument/2006/relationships" type="roundRect" r:blip="" hideGeom="1">
+                            <dgm:adjLst>
+                              <dgm:adj idx="1" val="0.1"/>
+                            </dgm:adjLst>
+                          </dgm:shape>
+                          <dgm:presOf axis="ch desOrSelf" ptType="node node" st="2 1" cnt="1 0"/>
+                          <dgm:constrLst>
+                            <dgm:constr type="lMarg" refType="primFontSz" fact="0.3"/>
+                            <dgm:constr type="rMarg" refType="primFontSz" fact="0.3"/>
+                            <dgm:constr type="tMarg" refType="primFontSz" fact="0.3"/>
+                            <dgm:constr type="bMarg" refType="primFontSz" fact="0.3"/>
+                          </dgm:constrLst>
+                          <dgm:ruleLst>
+                            <dgm:rule type="primFontSz" val="5" fact="NaN" max="NaN"/>
+                          </dgm:ruleLst>
+                        </dgm:layoutNode>
+                        <dgm:layoutNode name="FiveNodes_3_text">
+                          <dgm:varLst>
+                            <dgm:bulletEnabled val="1"/>
+                          </dgm:varLst>
+                          <dgm:alg type="tx">
+                            <dgm:param type="parTxLTRAlign" val="l"/>
+                            <dgm:param type="txAnchorVertCh" val="mid"/>
+                          </dgm:alg>
+                          <dgm:shape xmlns:r="http://schemas.openxmlformats.org/officeDocument/2006/relationships" type="roundRect" r:blip="" hideGeom="1">
+                            <dgm:adjLst>
+                              <dgm:adj idx="1" val="0.1"/>
+                            </dgm:adjLst>
+                          </dgm:shape>
+                          <dgm:presOf axis="ch desOrSelf" ptType="node node" st="3 1" cnt="1 0"/>
+                          <dgm:constrLst>
+                            <dgm:constr type="lMarg" refType="primFontSz" fact="0.3"/>
+                            <dgm:constr type="rMarg" refType="primFontSz" fact="0.3"/>
+                            <dgm:constr type="tMarg" refType="primFontSz" fact="0.3"/>
+                            <dgm:constr type="bMarg" refType="primFontSz" fact="0.3"/>
+                          </dgm:constrLst>
+                          <dgm:ruleLst>
+                            <dgm:rule type="primFontSz" val="5" fact="NaN" max="NaN"/>
+                          </dgm:ruleLst>
+                        </dgm:layoutNode>
+                        <dgm:layoutNode name="FiveNodes_4_text">
+                          <dgm:varLst>
+                            <dgm:bulletEnabled val="1"/>
+                          </dgm:varLst>
+                          <dgm:alg type="tx">
+                            <dgm:param type="parTxLTRAlign" val="l"/>
+                            <dgm:param type="txAnchorVertCh" val="mid"/>
+                          </dgm:alg>
+                          <dgm:shape xmlns:r="http://schemas.openxmlformats.org/officeDocument/2006/relationships" type="roundRect" r:blip="" hideGeom="1">
+                            <dgm:adjLst>
+                              <dgm:adj idx="1" val="0.1"/>
+                            </dgm:adjLst>
+                          </dgm:shape>
+                          <dgm:presOf axis="ch desOrSelf" ptType="node node" st="4 1" cnt="1 0"/>
+                          <dgm:constrLst>
+                            <dgm:constr type="lMarg" refType="primFontSz" fact="0.3"/>
+                            <dgm:constr type="rMarg" refType="primFontSz" fact="0.3"/>
+                            <dgm:constr type="tMarg" refType="primFontSz" fact="0.3"/>
+                            <dgm:constr type="bMarg" refType="primFontSz" fact="0.3"/>
+                          </dgm:constrLst>
+                          <dgm:ruleLst>
+                            <dgm:rule type="primFontSz" val="5" fact="NaN" max="NaN"/>
+                          </dgm:ruleLst>
+                        </dgm:layoutNode>
+                        <dgm:layoutNode name="FiveNodes_5_text">
+                          <dgm:varLst>
+                            <dgm:bulletEnabled val="1"/>
+                          </dgm:varLst>
+                          <dgm:alg type="tx">
+                            <dgm:param type="parTxLTRAlign" val="l"/>
+                            <dgm:param type="txAnchorVertCh" val="mid"/>
+                          </dgm:alg>
+                          <dgm:shape xmlns:r="http://schemas.openxmlformats.org/officeDocument/2006/relationships" type="roundRect" r:blip="" hideGeom="1">
+                            <dgm:adjLst>
+                              <dgm:adj idx="1" val="0.1"/>
+                            </dgm:adjLst>
+                          </dgm:shape>
+                          <dgm:presOf axis="ch desOrSelf" ptType="node node" st="5 1" cnt="1 0"/>
+                          <dgm:constrLst>
+                            <dgm:constr type="lMarg" refType="primFontSz" fact="0.3"/>
+                            <dgm:constr type="rMarg" refType="primFontSz" fact="0.3"/>
+                            <dgm:constr type="tMarg" refType="primFontSz" fact="0.3"/>
+                            <dgm:constr type="bMarg" refType="primFontSz" fact="0.3"/>
+                          </dgm:constrLst>
+                          <dgm:ruleLst>
+                            <dgm:rule type="primFontSz" val="5" fact="NaN" max="NaN"/>
+                          </dgm:ruleLst>
+                        </dgm:layoutNode>
+                      </dgm:if>
+                      <dgm:else name="Name17"/>
+                    </dgm:choose>
+                  </dgm:else>
+                </dgm:choose>
+              </dgm:else>
+            </dgm:choose>
+          </dgm:else>
+        </dgm:choose>
+      </dgm:else>
+    </dgm:choose>
   </dgm:layoutNode>
-  <dgm:extLst>
-    <a:ext uri="{68A01E43-0DF5-4B5B-8FA6-DAF915123BFB}">
-      <dgm1612:lstStyle xmlns:dgm1612="http://schemas.microsoft.com/office/drawing/2016/12/diagram">
-        <a:lvl1pPr>
-          <a:lnSpc>
-            <a:spcPct val="100000"/>
-          </a:lnSpc>
-        </a:lvl1pPr>
-      </dgm1612:lstStyle>
-    </a:ext>
-  </dgm:extLst>
 </dgm:layoutDef>
 </file>
 
@@ -2837,7 +3924,7 @@
           <a:p>
             <a:fld id="{AF869721-F543-4A6C-BF9D-65D7CC540427}" type="datetimeFigureOut">
               <a:rPr lang="en-US" smtClean="0"/>
-              <a:t>11/30/2022</a:t>
+              <a:t>12/3/2022</a:t>
             </a:fld>
             <a:endParaRPr lang="en-US" dirty="0"/>
           </a:p>
@@ -3014,7 +4101,7 @@
           <a:p>
             <a:fld id="{C732326A-4C88-4AFB-AA5B-5919D81DFF5B}" type="datetimeFigureOut">
               <a:rPr lang="en-US" smtClean="0"/>
-              <a:t>11/30/2022</a:t>
+              <a:t>12/3/2022</a:t>
             </a:fld>
             <a:endParaRPr lang="en-US" dirty="0"/>
           </a:p>
@@ -3514,7 +4601,7 @@
           <a:p>
             <a:fld id="{C6B3AB32-59DF-41F1-9618-EDFBF5049629}" type="slidenum">
               <a:rPr lang="en-US" smtClean="0"/>
-              <a:t>7</a:t>
+              <a:t>14</a:t>
             </a:fld>
             <a:endParaRPr lang="en-US" dirty="0"/>
           </a:p>
@@ -3779,7 +4866,7 @@
             <a:fld id="{B61BEF0D-F0BB-DE4B-95CE-6DB70DBA9567}" type="datetimeFigureOut">
               <a:rPr lang="en-US" smtClean="0"/>
               <a:pPr/>
-              <a:t>11/30/2022</a:t>
+              <a:t>12/3/2022</a:t>
             </a:fld>
             <a:endParaRPr lang="en-US" dirty="0"/>
           </a:p>
@@ -4043,7 +5130,7 @@
             <a:fld id="{B61BEF0D-F0BB-DE4B-95CE-6DB70DBA9567}" type="datetimeFigureOut">
               <a:rPr lang="en-US" smtClean="0"/>
               <a:pPr/>
-              <a:t>11/30/2022</a:t>
+              <a:t>12/3/2022</a:t>
             </a:fld>
             <a:endParaRPr lang="en-US" dirty="0"/>
           </a:p>
@@ -4280,7 +5367,7 @@
             <a:fld id="{B61BEF0D-F0BB-DE4B-95CE-6DB70DBA9567}" type="datetimeFigureOut">
               <a:rPr lang="en-US" smtClean="0"/>
               <a:pPr/>
-              <a:t>11/30/2022</a:t>
+              <a:t>12/3/2022</a:t>
             </a:fld>
             <a:endParaRPr lang="en-US" dirty="0"/>
           </a:p>
@@ -4522,7 +5609,7 @@
             <a:fld id="{B61BEF0D-F0BB-DE4B-95CE-6DB70DBA9567}" type="datetimeFigureOut">
               <a:rPr lang="en-US" smtClean="0"/>
               <a:pPr/>
-              <a:t>11/30/2022</a:t>
+              <a:t>12/3/2022</a:t>
             </a:fld>
             <a:endParaRPr lang="en-US" dirty="0"/>
           </a:p>
@@ -4831,7 +5918,7 @@
             <a:fld id="{B61BEF0D-F0BB-DE4B-95CE-6DB70DBA9567}" type="datetimeFigureOut">
               <a:rPr lang="en-US" smtClean="0"/>
               <a:pPr/>
-              <a:t>11/30/2022</a:t>
+              <a:t>12/3/2022</a:t>
             </a:fld>
             <a:endParaRPr lang="en-US" dirty="0"/>
           </a:p>
@@ -5135,7 +6222,7 @@
             <a:fld id="{B61BEF0D-F0BB-DE4B-95CE-6DB70DBA9567}" type="datetimeFigureOut">
               <a:rPr lang="en-US" smtClean="0"/>
               <a:pPr/>
-              <a:t>11/30/2022</a:t>
+              <a:t>12/3/2022</a:t>
             </a:fld>
             <a:endParaRPr lang="en-US" dirty="0"/>
           </a:p>
@@ -5559,7 +6646,7 @@
             <a:fld id="{B61BEF0D-F0BB-DE4B-95CE-6DB70DBA9567}" type="datetimeFigureOut">
               <a:rPr lang="en-US" smtClean="0"/>
               <a:pPr/>
-              <a:t>11/30/2022</a:t>
+              <a:t>12/3/2022</a:t>
             </a:fld>
             <a:endParaRPr lang="en-US" dirty="0"/>
           </a:p>
@@ -5656,7 +6743,7 @@
             <a:fld id="{B61BEF0D-F0BB-DE4B-95CE-6DB70DBA9567}" type="datetimeFigureOut">
               <a:rPr lang="en-US" smtClean="0"/>
               <a:pPr/>
-              <a:t>11/30/2022</a:t>
+              <a:t>12/3/2022</a:t>
             </a:fld>
             <a:endParaRPr lang="en-US" dirty="0"/>
           </a:p>
@@ -5820,7 +6907,7 @@
             <a:fld id="{B61BEF0D-F0BB-DE4B-95CE-6DB70DBA9567}" type="datetimeFigureOut">
               <a:rPr lang="en-US" smtClean="0"/>
               <a:pPr/>
-              <a:t>11/30/2022</a:t>
+              <a:t>12/3/2022</a:t>
             </a:fld>
             <a:endParaRPr lang="en-US" dirty="0"/>
           </a:p>
@@ -6200,7 +7287,7 @@
             <a:fld id="{B61BEF0D-F0BB-DE4B-95CE-6DB70DBA9567}" type="datetimeFigureOut">
               <a:rPr lang="en-US" smtClean="0"/>
               <a:pPr/>
-              <a:t>11/30/2022</a:t>
+              <a:t>12/3/2022</a:t>
             </a:fld>
             <a:endParaRPr lang="en-US" dirty="0"/>
           </a:p>
@@ -6491,7 +7578,7 @@
             <a:fld id="{B61BEF0D-F0BB-DE4B-95CE-6DB70DBA9567}" type="datetimeFigureOut">
               <a:rPr lang="en-US" smtClean="0"/>
               <a:pPr/>
-              <a:t>11/30/2022</a:t>
+              <a:t>12/3/2022</a:t>
             </a:fld>
             <a:endParaRPr lang="en-US" dirty="0"/>
           </a:p>
@@ -6704,7 +7791,7 @@
             <a:fld id="{B61BEF0D-F0BB-DE4B-95CE-6DB70DBA9567}" type="datetimeFigureOut">
               <a:rPr lang="en-US" smtClean="0"/>
               <a:pPr/>
-              <a:t>11/30/2022</a:t>
+              <a:t>12/3/2022</a:t>
             </a:fld>
             <a:endParaRPr lang="en-US" dirty="0"/>
           </a:p>
@@ -7687,7 +8774,7 @@
                   <a:schemeClr val="bg1"/>
                 </a:solidFill>
               </a:rPr>
-              <a:t>4 bit multiplier in Assembly</a:t>
+              <a:t>4 bit multiplier Circuit</a:t>
             </a:r>
           </a:p>
         </p:txBody>
@@ -7744,229 +8831,7 @@
 </p:sld>
 </file>
 
-<file path=ppt/slides/slide2.xml><?xml version="1.0" encoding="utf-8"?>
-<p:sld xmlns:a="http://schemas.openxmlformats.org/drawingml/2006/main" xmlns:r="http://schemas.openxmlformats.org/officeDocument/2006/relationships" xmlns:p="http://schemas.openxmlformats.org/presentationml/2006/main">
-  <p:cSld>
-    <p:bg>
-      <p:bgPr>
-        <a:solidFill>
-          <a:schemeClr val="bg1"/>
-        </a:solidFill>
-        <a:effectLst/>
-      </p:bgPr>
-    </p:bg>
-    <p:spTree>
-      <p:nvGrpSpPr>
-        <p:cNvPr id="1" name=""/>
-        <p:cNvGrpSpPr/>
-        <p:nvPr/>
-      </p:nvGrpSpPr>
-      <p:grpSpPr>
-        <a:xfrm>
-          <a:off x="0" y="0"/>
-          <a:ext cx="0" cy="0"/>
-          <a:chOff x="0" y="0"/>
-          <a:chExt cx="0" cy="0"/>
-        </a:xfrm>
-      </p:grpSpPr>
-      <p:sp useBgFill="1">
-        <p:nvSpPr>
-          <p:cNvPr id="29" name="Rectangle 28">
-            <a:extLst>
-              <a:ext uri="{FF2B5EF4-FFF2-40B4-BE49-F238E27FC236}">
-                <a16:creationId xmlns:a16="http://schemas.microsoft.com/office/drawing/2014/main" id="{BFDA9692-ECDC-4B59-86B2-8C90FDE1A055}"/>
-              </a:ext>
-              <a:ext uri="{C183D7F6-B498-43B3-948B-1728B52AA6E4}">
-                <adec:decorative xmlns:adec="http://schemas.microsoft.com/office/drawing/2017/decorative" val="1"/>
-              </a:ext>
-            </a:extLst>
-          </p:cNvPr>
-          <p:cNvSpPr>
-            <a:spLocks noGrp="1" noRot="1" noChangeAspect="1" noMove="1" noResize="1" noEditPoints="1" noAdjustHandles="1" noChangeArrowheads="1" noChangeShapeType="1" noTextEdit="1"/>
-          </p:cNvSpPr>
-          <p:nvPr>
-            <p:extLst>
-              <p:ext uri="{386F3935-93C4-4BCD-93E2-E3B085C9AB24}">
-                <p16:designElem xmlns:p16="http://schemas.microsoft.com/office/powerpoint/2015/main" val="1"/>
-              </p:ext>
-            </p:extLst>
-          </p:nvPr>
-        </p:nvSpPr>
-        <p:spPr>
-          <a:xfrm>
-            <a:off x="0" y="536712"/>
-            <a:ext cx="12192000" cy="6321287"/>
-          </a:xfrm>
-          <a:prstGeom prst="rect">
-            <a:avLst/>
-          </a:prstGeom>
-          <a:ln>
-            <a:noFill/>
-          </a:ln>
-        </p:spPr>
-        <p:style>
-          <a:lnRef idx="2">
-            <a:schemeClr val="accent1">
-              <a:shade val="50000"/>
-            </a:schemeClr>
-          </a:lnRef>
-          <a:fillRef idx="1">
-            <a:schemeClr val="accent1"/>
-          </a:fillRef>
-          <a:effectRef idx="0">
-            <a:schemeClr val="accent1"/>
-          </a:effectRef>
-          <a:fontRef idx="minor">
-            <a:schemeClr val="lt1"/>
-          </a:fontRef>
-        </p:style>
-        <p:txBody>
-          <a:bodyPr rtlCol="0" anchor="ctr"/>
-          <a:lstStyle/>
-          <a:p>
-            <a:pPr algn="ctr"/>
-            <a:endParaRPr lang="en-US" dirty="0"/>
-          </a:p>
-        </p:txBody>
-      </p:sp>
-      <p:sp>
-        <p:nvSpPr>
-          <p:cNvPr id="31" name="Rectangle 30">
-            <a:extLst>
-              <a:ext uri="{FF2B5EF4-FFF2-40B4-BE49-F238E27FC236}">
-                <a16:creationId xmlns:a16="http://schemas.microsoft.com/office/drawing/2014/main" id="{12C05506-42A1-49C0-9D87-081CCD9023D6}"/>
-              </a:ext>
-              <a:ext uri="{C183D7F6-B498-43B3-948B-1728B52AA6E4}">
-                <adec:decorative xmlns:adec="http://schemas.microsoft.com/office/drawing/2017/decorative" val="1"/>
-              </a:ext>
-            </a:extLst>
-          </p:cNvPr>
-          <p:cNvSpPr>
-            <a:spLocks noGrp="1" noRot="1" noChangeAspect="1" noMove="1" noResize="1" noEditPoints="1" noAdjustHandles="1" noChangeArrowheads="1" noChangeShapeType="1" noTextEdit="1"/>
-          </p:cNvSpPr>
-          <p:nvPr>
-            <p:extLst>
-              <p:ext uri="{386F3935-93C4-4BCD-93E2-E3B085C9AB24}">
-                <p16:designElem xmlns:p16="http://schemas.microsoft.com/office/powerpoint/2015/main" val="1"/>
-              </p:ext>
-            </p:extLst>
-          </p:nvPr>
-        </p:nvSpPr>
-        <p:spPr>
-          <a:xfrm>
-            <a:off x="447817" y="5141974"/>
-            <a:ext cx="11290860" cy="1258827"/>
-          </a:xfrm>
-          <a:prstGeom prst="rect">
-            <a:avLst/>
-          </a:prstGeom>
-          <a:solidFill>
-            <a:schemeClr val="accent1"/>
-          </a:solidFill>
-          <a:ln>
-            <a:noFill/>
-          </a:ln>
-          <a:effectLst/>
-        </p:spPr>
-        <p:style>
-          <a:lnRef idx="1">
-            <a:schemeClr val="accent1"/>
-          </a:lnRef>
-          <a:fillRef idx="3">
-            <a:schemeClr val="accent1"/>
-          </a:fillRef>
-          <a:effectRef idx="2">
-            <a:schemeClr val="accent1"/>
-          </a:effectRef>
-          <a:fontRef idx="minor">
-            <a:schemeClr val="lt1"/>
-          </a:fontRef>
-        </p:style>
-      </p:sp>
-      <p:sp>
-        <p:nvSpPr>
-          <p:cNvPr id="2" name="Title 1">
-            <a:extLst>
-              <a:ext uri="{FF2B5EF4-FFF2-40B4-BE49-F238E27FC236}">
-                <a16:creationId xmlns:a16="http://schemas.microsoft.com/office/drawing/2014/main" id="{5B040558-A365-4CCE-92FA-5A48CD98F9C9}"/>
-              </a:ext>
-            </a:extLst>
-          </p:cNvPr>
-          <p:cNvSpPr>
-            <a:spLocks noGrp="1"/>
-          </p:cNvSpPr>
-          <p:nvPr>
-            <p:ph type="title"/>
-          </p:nvPr>
-        </p:nvSpPr>
-        <p:spPr>
-          <a:xfrm>
-            <a:off x="581192" y="5264487"/>
-            <a:ext cx="11029616" cy="718870"/>
-          </a:xfrm>
-        </p:spPr>
-        <p:txBody>
-          <a:bodyPr>
-            <a:normAutofit/>
-          </a:bodyPr>
-          <a:lstStyle/>
-          <a:p>
-            <a:r>
-              <a:rPr lang="en-US" dirty="0">
-                <a:solidFill>
-                  <a:srgbClr val="FFFEFF"/>
-                </a:solidFill>
-              </a:rPr>
-              <a:t>Planned Attack</a:t>
-            </a:r>
-          </a:p>
-        </p:txBody>
-      </p:sp>
-      <p:graphicFrame>
-        <p:nvGraphicFramePr>
-          <p:cNvPr id="4" name="Content Placeholder 3" descr="icon SmartArt graphic">
-            <a:extLst>
-              <a:ext uri="{FF2B5EF4-FFF2-40B4-BE49-F238E27FC236}">
-                <a16:creationId xmlns:a16="http://schemas.microsoft.com/office/drawing/2014/main" id="{81E592E1-99DF-4294-A2E9-EF46299BD3F4}"/>
-              </a:ext>
-            </a:extLst>
-          </p:cNvPr>
-          <p:cNvGraphicFramePr>
-            <a:graphicFrameLocks noGrp="1"/>
-          </p:cNvGraphicFramePr>
-          <p:nvPr>
-            <p:ph idx="1"/>
-            <p:extLst>
-              <p:ext uri="{D42A27DB-BD31-4B8C-83A1-F6EECF244321}">
-                <p14:modId xmlns:p14="http://schemas.microsoft.com/office/powerpoint/2010/main" val="1541187836"/>
-              </p:ext>
-            </p:extLst>
-          </p:nvPr>
-        </p:nvGraphicFramePr>
-        <p:xfrm>
-          <a:off x="642938" y="858445"/>
-          <a:ext cx="10906125" cy="3961205"/>
-        </p:xfrm>
-        <a:graphic>
-          <a:graphicData uri="http://schemas.openxmlformats.org/drawingml/2006/diagram">
-            <dgm:relIds xmlns:dgm="http://schemas.openxmlformats.org/drawingml/2006/diagram" xmlns:r="http://schemas.openxmlformats.org/officeDocument/2006/relationships" r:dm="rId3" r:lo="rId4" r:qs="rId5" r:cs="rId6"/>
-          </a:graphicData>
-        </a:graphic>
-      </p:graphicFrame>
-    </p:spTree>
-    <p:extLst>
-      <p:ext uri="{BB962C8B-B14F-4D97-AF65-F5344CB8AC3E}">
-        <p14:creationId xmlns:p14="http://schemas.microsoft.com/office/powerpoint/2010/main" val="1703342593"/>
-      </p:ext>
-    </p:extLst>
-  </p:cSld>
-  <p:clrMapOvr>
-    <a:masterClrMapping/>
-  </p:clrMapOvr>
-</p:sld>
-</file>
-
-<file path=ppt/slides/slide3.xml><?xml version="1.0" encoding="utf-8"?>
+<file path=ppt/slides/slide10.xml><?xml version="1.0" encoding="utf-8"?>
 <p:sld xmlns:a="http://schemas.openxmlformats.org/drawingml/2006/main" xmlns:r="http://schemas.openxmlformats.org/officeDocument/2006/relationships" xmlns:p="http://schemas.openxmlformats.org/presentationml/2006/main">
   <p:cSld>
     <p:spTree>
@@ -7988,7 +8853,7 @@
           <p:cNvPr id="2" name="Title 1">
             <a:extLst>
               <a:ext uri="{FF2B5EF4-FFF2-40B4-BE49-F238E27FC236}">
-                <a16:creationId xmlns:a16="http://schemas.microsoft.com/office/drawing/2014/main" id="{A974010B-DACD-16F8-FA7D-BA4BCB879D2D}"/>
+                <a16:creationId xmlns:a16="http://schemas.microsoft.com/office/drawing/2014/main" id="{2F2001E0-2F6F-2FDB-193E-2D0EB079D226}"/>
               </a:ext>
             </a:extLst>
           </p:cNvPr>
@@ -8006,7 +8871,7 @@
           <a:p>
             <a:r>
               <a:rPr lang="en-US" dirty="0"/>
-              <a:t>VHDL Code</a:t>
+              <a:t>Preliminary Issues</a:t>
             </a:r>
           </a:p>
         </p:txBody>
@@ -8016,7 +8881,7 @@
           <p:cNvPr id="3" name="Content Placeholder 2">
             <a:extLst>
               <a:ext uri="{FF2B5EF4-FFF2-40B4-BE49-F238E27FC236}">
-                <a16:creationId xmlns:a16="http://schemas.microsoft.com/office/drawing/2014/main" id="{20B56294-AF23-AE13-9173-642BF73A603E}"/>
+                <a16:creationId xmlns:a16="http://schemas.microsoft.com/office/drawing/2014/main" id="{BD3F66E3-AE94-D9E2-CFD8-F6DC2C05A09B}"/>
               </a:ext>
             </a:extLst>
           </p:cNvPr>
@@ -8032,14 +8897,25 @@
           <a:bodyPr/>
           <a:lstStyle/>
           <a:p>
-            <a:endParaRPr lang="en-US"/>
+            <a:r>
+              <a:rPr lang="en-US" dirty="0"/>
+              <a:t>Display the main circuit image and discuss how the </a:t>
+            </a:r>
+            <a:r>
+              <a:rPr lang="en-US" dirty="0" err="1"/>
+              <a:t>prelimilary</a:t>
+            </a:r>
+            <a:r>
+              <a:rPr lang="en-US" dirty="0"/>
+              <a:t> values ( and zoom into the interior arrow between the boxes) and explain the issues I had with figuring out how to display this in a way that would work in all cases and still act as buffers or in VHDL terms, “Signals”</a:t>
+            </a:r>
           </a:p>
         </p:txBody>
       </p:sp>
     </p:spTree>
     <p:extLst>
       <p:ext uri="{BB962C8B-B14F-4D97-AF65-F5344CB8AC3E}">
-        <p14:creationId xmlns:p14="http://schemas.microsoft.com/office/powerpoint/2010/main" val="3945190855"/>
+        <p14:creationId xmlns:p14="http://schemas.microsoft.com/office/powerpoint/2010/main" val="849658660"/>
       </p:ext>
     </p:extLst>
   </p:cSld>
@@ -8049,7 +8925,7 @@
 </p:sld>
 </file>
 
-<file path=ppt/slides/slide4.xml><?xml version="1.0" encoding="utf-8"?>
+<file path=ppt/slides/slide11.xml><?xml version="1.0" encoding="utf-8"?>
 <p:sld xmlns:a="http://schemas.openxmlformats.org/drawingml/2006/main" xmlns:r="http://schemas.openxmlformats.org/officeDocument/2006/relationships" xmlns:p="http://schemas.openxmlformats.org/presentationml/2006/main">
   <p:cSld>
     <p:spTree>
@@ -8071,7 +8947,7 @@
           <p:cNvPr id="2" name="Title 1">
             <a:extLst>
               <a:ext uri="{FF2B5EF4-FFF2-40B4-BE49-F238E27FC236}">
-                <a16:creationId xmlns:a16="http://schemas.microsoft.com/office/drawing/2014/main" id="{B06401E3-B4F3-35A2-CB11-2811F66E3CBC}"/>
+                <a16:creationId xmlns:a16="http://schemas.microsoft.com/office/drawing/2014/main" id="{6A1924A2-4368-1A45-FF99-27A959DA459F}"/>
               </a:ext>
             </a:extLst>
           </p:cNvPr>
@@ -8079,50 +8955,65 @@
             <a:spLocks noGrp="1"/>
           </p:cNvSpPr>
           <p:nvPr>
-            <p:ph type="title"/>
-          </p:nvPr>
-        </p:nvSpPr>
-        <p:spPr/>
+            <p:ph type="ctrTitle"/>
+          </p:nvPr>
+        </p:nvSpPr>
+        <p:spPr>
+          <a:xfrm>
+            <a:off x="581191" y="1020431"/>
+            <a:ext cx="10993549" cy="1475013"/>
+          </a:xfrm>
+        </p:spPr>
+        <p:txBody>
+          <a:bodyPr anchor="b">
+            <a:normAutofit/>
+          </a:bodyPr>
+          <a:lstStyle/>
+          <a:p>
+            <a:r>
+              <a:rPr lang="en-US" dirty="0"/>
+              <a:t>Attempting Assembly</a:t>
+            </a:r>
+          </a:p>
+        </p:txBody>
+      </p:sp>
+      <p:sp>
+        <p:nvSpPr>
+          <p:cNvPr id="8" name="Subtitle 2">
+            <a:extLst>
+              <a:ext uri="{FF2B5EF4-FFF2-40B4-BE49-F238E27FC236}">
+                <a16:creationId xmlns:a16="http://schemas.microsoft.com/office/drawing/2014/main" id="{023C12A2-DEE4-5936-2F77-D3A40301C83E}"/>
+              </a:ext>
+            </a:extLst>
+          </p:cNvPr>
+          <p:cNvSpPr>
+            <a:spLocks noGrp="1"/>
+          </p:cNvSpPr>
+          <p:nvPr>
+            <p:ph type="subTitle" idx="1"/>
+          </p:nvPr>
+        </p:nvSpPr>
+        <p:spPr>
+          <a:xfrm>
+            <a:off x="581194" y="2495445"/>
+            <a:ext cx="10993546" cy="590321"/>
+          </a:xfrm>
+        </p:spPr>
         <p:txBody>
           <a:bodyPr/>
           <a:lstStyle/>
           <a:p>
             <a:r>
               <a:rPr lang="en-US" dirty="0"/>
-              <a:t>Converting to CPP</a:t>
+              <a:t> </a:t>
             </a:r>
-          </a:p>
-        </p:txBody>
-      </p:sp>
-      <p:sp>
-        <p:nvSpPr>
-          <p:cNvPr id="3" name="Content Placeholder 2">
-            <a:extLst>
-              <a:ext uri="{FF2B5EF4-FFF2-40B4-BE49-F238E27FC236}">
-                <a16:creationId xmlns:a16="http://schemas.microsoft.com/office/drawing/2014/main" id="{80EBEBAF-B9B4-8946-6BA9-D53095135F40}"/>
-              </a:ext>
-            </a:extLst>
-          </p:cNvPr>
-          <p:cNvSpPr>
-            <a:spLocks noGrp="1"/>
-          </p:cNvSpPr>
-          <p:nvPr>
-            <p:ph idx="1"/>
-          </p:nvPr>
-        </p:nvSpPr>
-        <p:spPr/>
-        <p:txBody>
-          <a:bodyPr/>
-          <a:lstStyle/>
-          <a:p>
-            <a:endParaRPr lang="en-US"/>
           </a:p>
         </p:txBody>
       </p:sp>
     </p:spTree>
     <p:extLst>
       <p:ext uri="{BB962C8B-B14F-4D97-AF65-F5344CB8AC3E}">
-        <p14:creationId xmlns:p14="http://schemas.microsoft.com/office/powerpoint/2010/main" val="1000843520"/>
+        <p14:creationId xmlns:p14="http://schemas.microsoft.com/office/powerpoint/2010/main" val="3432526895"/>
       </p:ext>
     </p:extLst>
   </p:cSld>
@@ -8132,7 +9023,7 @@
 </p:sld>
 </file>
 
-<file path=ppt/slides/slide5.xml><?xml version="1.0" encoding="utf-8"?>
+<file path=ppt/slides/slide12.xml><?xml version="1.0" encoding="utf-8"?>
 <p:sld xmlns:a="http://schemas.openxmlformats.org/drawingml/2006/main" xmlns:r="http://schemas.openxmlformats.org/officeDocument/2006/relationships" xmlns:p="http://schemas.openxmlformats.org/presentationml/2006/main">
   <p:cSld>
     <p:spTree>
@@ -8172,7 +9063,7 @@
           <a:p>
             <a:r>
               <a:rPr lang="en-US" dirty="0"/>
-              <a:t>Assembly Code Result</a:t>
+              <a:t>Assembly Code</a:t>
             </a:r>
           </a:p>
         </p:txBody>
@@ -8215,7 +9106,7 @@
 </p:sld>
 </file>
 
-<file path=ppt/slides/slide6.xml><?xml version="1.0" encoding="utf-8"?>
+<file path=ppt/slides/slide13.xml><?xml version="1.0" encoding="utf-8"?>
 <p:sld xmlns:a="http://schemas.openxmlformats.org/drawingml/2006/main" xmlns:r="http://schemas.openxmlformats.org/officeDocument/2006/relationships" xmlns:p="http://schemas.openxmlformats.org/presentationml/2006/main">
   <p:cSld>
     <p:spTree>
@@ -8338,7 +9229,7 @@
 </p:sld>
 </file>
 
-<file path=ppt/slides/slide7.xml><?xml version="1.0" encoding="utf-8"?>
+<file path=ppt/slides/slide14.xml><?xml version="1.0" encoding="utf-8"?>
 <p:sld xmlns:a="http://schemas.openxmlformats.org/drawingml/2006/main" xmlns:r="http://schemas.openxmlformats.org/officeDocument/2006/relationships" xmlns:p="http://schemas.openxmlformats.org/presentationml/2006/main">
   <p:cSld>
     <p:bg>
@@ -8797,6 +9688,1019 @@
     <p:extLst>
       <p:ext uri="{BB962C8B-B14F-4D97-AF65-F5344CB8AC3E}">
         <p14:creationId xmlns:p14="http://schemas.microsoft.com/office/powerpoint/2010/main" val="3501347425"/>
+      </p:ext>
+    </p:extLst>
+  </p:cSld>
+  <p:clrMapOvr>
+    <a:masterClrMapping/>
+  </p:clrMapOvr>
+</p:sld>
+</file>
+
+<file path=ppt/slides/slide2.xml><?xml version="1.0" encoding="utf-8"?>
+<p:sld xmlns:a="http://schemas.openxmlformats.org/drawingml/2006/main" xmlns:r="http://schemas.openxmlformats.org/officeDocument/2006/relationships" xmlns:p="http://schemas.openxmlformats.org/presentationml/2006/main">
+  <p:cSld>
+    <p:spTree>
+      <p:nvGrpSpPr>
+        <p:cNvPr id="1" name=""/>
+        <p:cNvGrpSpPr/>
+        <p:nvPr/>
+      </p:nvGrpSpPr>
+      <p:grpSpPr>
+        <a:xfrm>
+          <a:off x="0" y="0"/>
+          <a:ext cx="0" cy="0"/>
+          <a:chOff x="0" y="0"/>
+          <a:chExt cx="0" cy="0"/>
+        </a:xfrm>
+      </p:grpSpPr>
+      <p:sp>
+        <p:nvSpPr>
+          <p:cNvPr id="2" name="Title 1">
+            <a:extLst>
+              <a:ext uri="{FF2B5EF4-FFF2-40B4-BE49-F238E27FC236}">
+                <a16:creationId xmlns:a16="http://schemas.microsoft.com/office/drawing/2014/main" id="{5B040558-A365-4CCE-92FA-5A48CD98F9C9}"/>
+              </a:ext>
+            </a:extLst>
+          </p:cNvPr>
+          <p:cNvSpPr>
+            <a:spLocks noGrp="1"/>
+          </p:cNvSpPr>
+          <p:nvPr>
+            <p:ph type="title"/>
+          </p:nvPr>
+        </p:nvSpPr>
+        <p:spPr>
+          <a:xfrm>
+            <a:off x="581192" y="702156"/>
+            <a:ext cx="11029616" cy="1013800"/>
+          </a:xfrm>
+        </p:spPr>
+        <p:txBody>
+          <a:bodyPr anchor="b">
+            <a:normAutofit/>
+          </a:bodyPr>
+          <a:lstStyle/>
+          <a:p>
+            <a:r>
+              <a:rPr lang="en-US"/>
+              <a:t>Planned Attack</a:t>
+            </a:r>
+          </a:p>
+        </p:txBody>
+      </p:sp>
+      <p:graphicFrame>
+        <p:nvGraphicFramePr>
+          <p:cNvPr id="4" name="Content Placeholder 3" descr="icon SmartArt graphic">
+            <a:extLst>
+              <a:ext uri="{FF2B5EF4-FFF2-40B4-BE49-F238E27FC236}">
+                <a16:creationId xmlns:a16="http://schemas.microsoft.com/office/drawing/2014/main" id="{81E592E1-99DF-4294-A2E9-EF46299BD3F4}"/>
+              </a:ext>
+            </a:extLst>
+          </p:cNvPr>
+          <p:cNvGraphicFramePr>
+            <a:graphicFrameLocks noGrp="1"/>
+          </p:cNvGraphicFramePr>
+          <p:nvPr>
+            <p:ph idx="1"/>
+            <p:extLst>
+              <p:ext uri="{D42A27DB-BD31-4B8C-83A1-F6EECF244321}">
+                <p14:modId xmlns:p14="http://schemas.microsoft.com/office/powerpoint/2010/main" val="1081614500"/>
+              </p:ext>
+            </p:extLst>
+          </p:nvPr>
+        </p:nvGraphicFramePr>
+        <p:xfrm>
+          <a:off x="581192" y="2180496"/>
+          <a:ext cx="11029615" cy="3678303"/>
+        </p:xfrm>
+        <a:graphic>
+          <a:graphicData uri="http://schemas.openxmlformats.org/drawingml/2006/diagram">
+            <dgm:relIds xmlns:dgm="http://schemas.openxmlformats.org/drawingml/2006/diagram" xmlns:r="http://schemas.openxmlformats.org/officeDocument/2006/relationships" r:dm="rId3" r:lo="rId4" r:qs="rId5" r:cs="rId6"/>
+          </a:graphicData>
+        </a:graphic>
+      </p:graphicFrame>
+    </p:spTree>
+    <p:extLst>
+      <p:ext uri="{BB962C8B-B14F-4D97-AF65-F5344CB8AC3E}">
+        <p14:creationId xmlns:p14="http://schemas.microsoft.com/office/powerpoint/2010/main" val="1703342593"/>
+      </p:ext>
+    </p:extLst>
+  </p:cSld>
+  <p:clrMapOvr>
+    <a:masterClrMapping/>
+  </p:clrMapOvr>
+</p:sld>
+</file>
+
+<file path=ppt/slides/slide3.xml><?xml version="1.0" encoding="utf-8"?>
+<p:sld xmlns:a="http://schemas.openxmlformats.org/drawingml/2006/main" xmlns:r="http://schemas.openxmlformats.org/officeDocument/2006/relationships" xmlns:p="http://schemas.openxmlformats.org/presentationml/2006/main">
+  <p:cSld>
+    <p:spTree>
+      <p:nvGrpSpPr>
+        <p:cNvPr id="1" name=""/>
+        <p:cNvGrpSpPr/>
+        <p:nvPr/>
+      </p:nvGrpSpPr>
+      <p:grpSpPr>
+        <a:xfrm>
+          <a:off x="0" y="0"/>
+          <a:ext cx="0" cy="0"/>
+          <a:chOff x="0" y="0"/>
+          <a:chExt cx="0" cy="0"/>
+        </a:xfrm>
+      </p:grpSpPr>
+      <p:sp>
+        <p:nvSpPr>
+          <p:cNvPr id="2" name="Title 1">
+            <a:extLst>
+              <a:ext uri="{FF2B5EF4-FFF2-40B4-BE49-F238E27FC236}">
+                <a16:creationId xmlns:a16="http://schemas.microsoft.com/office/drawing/2014/main" id="{8CB04644-5920-C185-7B98-BA659418D97F}"/>
+              </a:ext>
+            </a:extLst>
+          </p:cNvPr>
+          <p:cNvSpPr>
+            <a:spLocks noGrp="1"/>
+          </p:cNvSpPr>
+          <p:nvPr>
+            <p:ph type="ctrTitle"/>
+          </p:nvPr>
+        </p:nvSpPr>
+        <p:spPr>
+          <a:xfrm>
+            <a:off x="581191" y="1020431"/>
+            <a:ext cx="10993549" cy="1475013"/>
+          </a:xfrm>
+        </p:spPr>
+        <p:txBody>
+          <a:bodyPr anchor="b">
+            <a:normAutofit/>
+          </a:bodyPr>
+          <a:lstStyle/>
+          <a:p>
+            <a:r>
+              <a:rPr lang="en-US" dirty="0"/>
+              <a:t>Starting with VHDL</a:t>
+            </a:r>
+          </a:p>
+        </p:txBody>
+      </p:sp>
+      <p:sp>
+        <p:nvSpPr>
+          <p:cNvPr id="8" name="Subtitle 2">
+            <a:extLst>
+              <a:ext uri="{FF2B5EF4-FFF2-40B4-BE49-F238E27FC236}">
+                <a16:creationId xmlns:a16="http://schemas.microsoft.com/office/drawing/2014/main" id="{06344E37-3750-304F-BB6C-57E70F722CEB}"/>
+              </a:ext>
+            </a:extLst>
+          </p:cNvPr>
+          <p:cNvSpPr>
+            <a:spLocks noGrp="1"/>
+          </p:cNvSpPr>
+          <p:nvPr>
+            <p:ph type="subTitle" idx="1"/>
+          </p:nvPr>
+        </p:nvSpPr>
+        <p:spPr>
+          <a:xfrm>
+            <a:off x="581194" y="2495445"/>
+            <a:ext cx="10993546" cy="590321"/>
+          </a:xfrm>
+        </p:spPr>
+        <p:txBody>
+          <a:bodyPr/>
+          <a:lstStyle/>
+          <a:p>
+            <a:r>
+              <a:rPr lang="en-US" dirty="0"/>
+              <a:t> </a:t>
+            </a:r>
+          </a:p>
+        </p:txBody>
+      </p:sp>
+    </p:spTree>
+    <p:extLst>
+      <p:ext uri="{BB962C8B-B14F-4D97-AF65-F5344CB8AC3E}">
+        <p14:creationId xmlns:p14="http://schemas.microsoft.com/office/powerpoint/2010/main" val="1656036238"/>
+      </p:ext>
+    </p:extLst>
+  </p:cSld>
+  <p:clrMapOvr>
+    <a:masterClrMapping/>
+  </p:clrMapOvr>
+</p:sld>
+</file>
+
+<file path=ppt/slides/slide4.xml><?xml version="1.0" encoding="utf-8"?>
+<p:sld xmlns:a="http://schemas.openxmlformats.org/drawingml/2006/main" xmlns:r="http://schemas.openxmlformats.org/officeDocument/2006/relationships" xmlns:p="http://schemas.openxmlformats.org/presentationml/2006/main">
+  <p:cSld>
+    <p:spTree>
+      <p:nvGrpSpPr>
+        <p:cNvPr id="1" name=""/>
+        <p:cNvGrpSpPr/>
+        <p:nvPr/>
+      </p:nvGrpSpPr>
+      <p:grpSpPr>
+        <a:xfrm>
+          <a:off x="0" y="0"/>
+          <a:ext cx="0" cy="0"/>
+          <a:chOff x="0" y="0"/>
+          <a:chExt cx="0" cy="0"/>
+        </a:xfrm>
+      </p:grpSpPr>
+      <p:pic>
+        <p:nvPicPr>
+          <p:cNvPr id="12" name="Content Placeholder 6" descr="Diagram&#10;&#10;Description automatically generated">
+            <a:extLst>
+              <a:ext uri="{FF2B5EF4-FFF2-40B4-BE49-F238E27FC236}">
+                <a16:creationId xmlns:a16="http://schemas.microsoft.com/office/drawing/2014/main" id="{D6C56955-4E5B-F30F-6916-BAB329F241C3}"/>
+              </a:ext>
+            </a:extLst>
+          </p:cNvPr>
+          <p:cNvPicPr>
+            <a:picLocks noChangeAspect="1"/>
+          </p:cNvPicPr>
+          <p:nvPr/>
+        </p:nvPicPr>
+        <p:blipFill rotWithShape="1">
+          <a:blip r:embed="rId2"/>
+          <a:srcRect l="20852" t="9491" r="19814" b="6549"/>
+          <a:stretch/>
+        </p:blipFill>
+        <p:spPr>
+          <a:xfrm rot="16200000">
+            <a:off x="3723385" y="22831"/>
+            <a:ext cx="4459275" cy="8118158"/>
+          </a:xfrm>
+          <a:prstGeom prst="rect">
+            <a:avLst/>
+          </a:prstGeom>
+        </p:spPr>
+      </p:pic>
+      <p:sp>
+        <p:nvSpPr>
+          <p:cNvPr id="2" name="Title 1">
+            <a:extLst>
+              <a:ext uri="{FF2B5EF4-FFF2-40B4-BE49-F238E27FC236}">
+                <a16:creationId xmlns:a16="http://schemas.microsoft.com/office/drawing/2014/main" id="{A974010B-DACD-16F8-FA7D-BA4BCB879D2D}"/>
+              </a:ext>
+            </a:extLst>
+          </p:cNvPr>
+          <p:cNvSpPr>
+            <a:spLocks noGrp="1"/>
+          </p:cNvSpPr>
+          <p:nvPr>
+            <p:ph type="title"/>
+          </p:nvPr>
+        </p:nvSpPr>
+        <p:spPr>
+          <a:xfrm>
+            <a:off x="581192" y="702156"/>
+            <a:ext cx="11029616" cy="1013800"/>
+          </a:xfrm>
+        </p:spPr>
+        <p:txBody>
+          <a:bodyPr anchor="b">
+            <a:normAutofit/>
+          </a:bodyPr>
+          <a:lstStyle/>
+          <a:p>
+            <a:r>
+              <a:rPr lang="en-US" dirty="0"/>
+              <a:t>VHDL Code and Circuits</a:t>
+            </a:r>
+          </a:p>
+        </p:txBody>
+      </p:sp>
+      <p:pic>
+        <p:nvPicPr>
+          <p:cNvPr id="11" name="Content Placeholder 10" descr="Diagram, schematic&#10;&#10;Description automatically generated">
+            <a:extLst>
+              <a:ext uri="{FF2B5EF4-FFF2-40B4-BE49-F238E27FC236}">
+                <a16:creationId xmlns:a16="http://schemas.microsoft.com/office/drawing/2014/main" id="{9F396F64-7688-B65F-3A08-EF3784B6E2D2}"/>
+              </a:ext>
+            </a:extLst>
+          </p:cNvPr>
+          <p:cNvPicPr>
+            <a:picLocks noGrp="1" noChangeAspect="1"/>
+          </p:cNvPicPr>
+          <p:nvPr>
+            <p:ph idx="1"/>
+          </p:nvPr>
+        </p:nvPicPr>
+        <p:blipFill rotWithShape="1">
+          <a:blip r:embed="rId3"/>
+          <a:srcRect l="5646" r="6617" b="-949"/>
+          <a:stretch/>
+        </p:blipFill>
+        <p:spPr>
+          <a:xfrm rot="5400000">
+            <a:off x="3702417" y="43797"/>
+            <a:ext cx="4501210" cy="8118160"/>
+          </a:xfrm>
+          <a:prstGeom prst="rect">
+            <a:avLst/>
+          </a:prstGeom>
+        </p:spPr>
+      </p:pic>
+    </p:spTree>
+    <p:extLst>
+      <p:ext uri="{BB962C8B-B14F-4D97-AF65-F5344CB8AC3E}">
+        <p14:creationId xmlns:p14="http://schemas.microsoft.com/office/powerpoint/2010/main" val="3945190855"/>
+      </p:ext>
+    </p:extLst>
+  </p:cSld>
+  <p:clrMapOvr>
+    <a:masterClrMapping/>
+  </p:clrMapOvr>
+  <p:timing>
+    <p:tnLst>
+      <p:par>
+        <p:cTn id="1" dur="indefinite" restart="never" nodeType="tmRoot">
+          <p:childTnLst>
+            <p:seq concurrent="1" nextAc="seek">
+              <p:cTn id="2" dur="indefinite" nodeType="mainSeq">
+                <p:childTnLst>
+                  <p:par>
+                    <p:cTn id="3" fill="hold">
+                      <p:stCondLst>
+                        <p:cond delay="indefinite"/>
+                      </p:stCondLst>
+                      <p:childTnLst>
+                        <p:par>
+                          <p:cTn id="4" fill="hold">
+                            <p:stCondLst>
+                              <p:cond delay="0"/>
+                            </p:stCondLst>
+                            <p:childTnLst>
+                              <p:par>
+                                <p:cTn id="5" presetID="1" presetClass="exit" presetSubtype="0" fill="hold" nodeType="clickEffect">
+                                  <p:stCondLst>
+                                    <p:cond delay="0"/>
+                                  </p:stCondLst>
+                                  <p:childTnLst>
+                                    <p:set>
+                                      <p:cBhvr>
+                                        <p:cTn id="6" dur="1" fill="hold">
+                                          <p:stCondLst>
+                                            <p:cond delay="0"/>
+                                          </p:stCondLst>
+                                        </p:cTn>
+                                        <p:tgtEl>
+                                          <p:spTgt spid="11"/>
+                                        </p:tgtEl>
+                                        <p:attrNameLst>
+                                          <p:attrName>style.visibility</p:attrName>
+                                        </p:attrNameLst>
+                                      </p:cBhvr>
+                                      <p:to>
+                                        <p:strVal val="hidden"/>
+                                      </p:to>
+                                    </p:set>
+                                  </p:childTnLst>
+                                </p:cTn>
+                              </p:par>
+                            </p:childTnLst>
+                          </p:cTn>
+                        </p:par>
+                      </p:childTnLst>
+                    </p:cTn>
+                  </p:par>
+                </p:childTnLst>
+              </p:cTn>
+              <p:prevCondLst>
+                <p:cond evt="onPrev" delay="0">
+                  <p:tgtEl>
+                    <p:sldTgt/>
+                  </p:tgtEl>
+                </p:cond>
+              </p:prevCondLst>
+              <p:nextCondLst>
+                <p:cond evt="onNext" delay="0">
+                  <p:tgtEl>
+                    <p:sldTgt/>
+                  </p:tgtEl>
+                </p:cond>
+              </p:nextCondLst>
+            </p:seq>
+          </p:childTnLst>
+        </p:cTn>
+      </p:par>
+    </p:tnLst>
+  </p:timing>
+</p:sld>
+</file>
+
+<file path=ppt/slides/slide5.xml><?xml version="1.0" encoding="utf-8"?>
+<p:sld xmlns:a="http://schemas.openxmlformats.org/drawingml/2006/main" xmlns:r="http://schemas.openxmlformats.org/officeDocument/2006/relationships" xmlns:p="http://schemas.openxmlformats.org/presentationml/2006/main">
+  <p:cSld>
+    <p:spTree>
+      <p:nvGrpSpPr>
+        <p:cNvPr id="1" name=""/>
+        <p:cNvGrpSpPr/>
+        <p:nvPr/>
+      </p:nvGrpSpPr>
+      <p:grpSpPr>
+        <a:xfrm>
+          <a:off x="0" y="0"/>
+          <a:ext cx="0" cy="0"/>
+          <a:chOff x="0" y="0"/>
+          <a:chExt cx="0" cy="0"/>
+        </a:xfrm>
+      </p:grpSpPr>
+      <p:sp>
+        <p:nvSpPr>
+          <p:cNvPr id="2" name="Title 1">
+            <a:extLst>
+              <a:ext uri="{FF2B5EF4-FFF2-40B4-BE49-F238E27FC236}">
+                <a16:creationId xmlns:a16="http://schemas.microsoft.com/office/drawing/2014/main" id="{47F16390-D392-4BA4-BD3E-19354CA95820}"/>
+              </a:ext>
+            </a:extLst>
+          </p:cNvPr>
+          <p:cNvSpPr>
+            <a:spLocks noGrp="1"/>
+          </p:cNvSpPr>
+          <p:nvPr>
+            <p:ph type="title"/>
+          </p:nvPr>
+        </p:nvSpPr>
+        <p:spPr>
+          <a:xfrm>
+            <a:off x="581192" y="702156"/>
+            <a:ext cx="11029616" cy="1013800"/>
+          </a:xfrm>
+        </p:spPr>
+        <p:txBody>
+          <a:bodyPr anchor="b">
+            <a:normAutofit/>
+          </a:bodyPr>
+          <a:lstStyle/>
+          <a:p>
+            <a:r>
+              <a:rPr lang="en-US" dirty="0"/>
+              <a:t>VHDL Subcircuits</a:t>
+            </a:r>
+          </a:p>
+        </p:txBody>
+      </p:sp>
+      <p:pic>
+        <p:nvPicPr>
+          <p:cNvPr id="7" name="Content Placeholder 6" descr="Diagram&#10;&#10;Description automatically generated">
+            <a:extLst>
+              <a:ext uri="{FF2B5EF4-FFF2-40B4-BE49-F238E27FC236}">
+                <a16:creationId xmlns:a16="http://schemas.microsoft.com/office/drawing/2014/main" id="{4255A70E-59E3-909B-1821-31EFE1004EC5}"/>
+              </a:ext>
+            </a:extLst>
+          </p:cNvPr>
+          <p:cNvPicPr>
+            <a:picLocks noGrp="1" noChangeAspect="1"/>
+          </p:cNvPicPr>
+          <p:nvPr>
+            <p:ph idx="1"/>
+          </p:nvPr>
+        </p:nvPicPr>
+        <p:blipFill>
+          <a:blip r:embed="rId2"/>
+          <a:stretch>
+            <a:fillRect/>
+          </a:stretch>
+        </p:blipFill>
+        <p:spPr>
+          <a:xfrm rot="5400000">
+            <a:off x="4102694" y="684660"/>
+            <a:ext cx="3986611" cy="6955757"/>
+          </a:xfrm>
+        </p:spPr>
+      </p:pic>
+      <p:sp>
+        <p:nvSpPr>
+          <p:cNvPr id="8" name="Arrow: Right 7">
+            <a:extLst>
+              <a:ext uri="{FF2B5EF4-FFF2-40B4-BE49-F238E27FC236}">
+                <a16:creationId xmlns:a16="http://schemas.microsoft.com/office/drawing/2014/main" id="{A28DB260-4A17-7208-D30B-24277F80E07A}"/>
+              </a:ext>
+            </a:extLst>
+          </p:cNvPr>
+          <p:cNvSpPr/>
+          <p:nvPr/>
+        </p:nvSpPr>
+        <p:spPr>
+          <a:xfrm>
+            <a:off x="2188736" y="4276845"/>
+            <a:ext cx="858769" cy="428263"/>
+          </a:xfrm>
+          <a:prstGeom prst="rightArrow">
+            <a:avLst/>
+          </a:prstGeom>
+        </p:spPr>
+        <p:style>
+          <a:lnRef idx="2">
+            <a:schemeClr val="accent2">
+              <a:shade val="50000"/>
+            </a:schemeClr>
+          </a:lnRef>
+          <a:fillRef idx="1">
+            <a:schemeClr val="accent2"/>
+          </a:fillRef>
+          <a:effectRef idx="0">
+            <a:schemeClr val="accent2"/>
+          </a:effectRef>
+          <a:fontRef idx="minor">
+            <a:schemeClr val="lt1"/>
+          </a:fontRef>
+        </p:style>
+        <p:txBody>
+          <a:bodyPr rtlCol="0" anchor="ctr"/>
+          <a:lstStyle/>
+          <a:p>
+            <a:pPr algn="ctr"/>
+            <a:endParaRPr lang="en-US"/>
+          </a:p>
+        </p:txBody>
+      </p:sp>
+      <p:sp>
+        <p:nvSpPr>
+          <p:cNvPr id="11" name="Arrow: Right 10">
+            <a:extLst>
+              <a:ext uri="{FF2B5EF4-FFF2-40B4-BE49-F238E27FC236}">
+                <a16:creationId xmlns:a16="http://schemas.microsoft.com/office/drawing/2014/main" id="{201F34D6-335C-5A0F-116C-1D0053C06776}"/>
+              </a:ext>
+            </a:extLst>
+          </p:cNvPr>
+          <p:cNvSpPr/>
+          <p:nvPr/>
+        </p:nvSpPr>
+        <p:spPr>
+          <a:xfrm rot="10800000">
+            <a:off x="8715109" y="4276845"/>
+            <a:ext cx="858769" cy="428263"/>
+          </a:xfrm>
+          <a:prstGeom prst="rightArrow">
+            <a:avLst/>
+          </a:prstGeom>
+        </p:spPr>
+        <p:style>
+          <a:lnRef idx="2">
+            <a:schemeClr val="accent2">
+              <a:shade val="50000"/>
+            </a:schemeClr>
+          </a:lnRef>
+          <a:fillRef idx="1">
+            <a:schemeClr val="accent2"/>
+          </a:fillRef>
+          <a:effectRef idx="0">
+            <a:schemeClr val="accent2"/>
+          </a:effectRef>
+          <a:fontRef idx="minor">
+            <a:schemeClr val="lt1"/>
+          </a:fontRef>
+        </p:style>
+        <p:txBody>
+          <a:bodyPr rtlCol="0" anchor="ctr"/>
+          <a:lstStyle/>
+          <a:p>
+            <a:pPr algn="ctr"/>
+            <a:endParaRPr lang="en-US"/>
+          </a:p>
+        </p:txBody>
+      </p:sp>
+      <p:sp>
+        <p:nvSpPr>
+          <p:cNvPr id="12" name="TextBox 11">
+            <a:extLst>
+              <a:ext uri="{FF2B5EF4-FFF2-40B4-BE49-F238E27FC236}">
+                <a16:creationId xmlns:a16="http://schemas.microsoft.com/office/drawing/2014/main" id="{B9B086B0-A7E6-D01D-667C-CF5FC9CF911D}"/>
+              </a:ext>
+            </a:extLst>
+          </p:cNvPr>
+          <p:cNvSpPr txBox="1"/>
+          <p:nvPr/>
+        </p:nvSpPr>
+        <p:spPr>
+          <a:xfrm>
+            <a:off x="955472" y="4058777"/>
+            <a:ext cx="1018572" cy="646331"/>
+          </a:xfrm>
+          <a:prstGeom prst="rect">
+            <a:avLst/>
+          </a:prstGeom>
+          <a:noFill/>
+        </p:spPr>
+        <p:txBody>
+          <a:bodyPr wrap="square" rtlCol="0">
+            <a:spAutoFit/>
+          </a:bodyPr>
+          <a:lstStyle/>
+          <a:p>
+            <a:r>
+              <a:rPr lang="en-US" dirty="0"/>
+              <a:t>Top Row Boxes</a:t>
+            </a:r>
+          </a:p>
+        </p:txBody>
+      </p:sp>
+      <p:sp>
+        <p:nvSpPr>
+          <p:cNvPr id="13" name="TextBox 12">
+            <a:extLst>
+              <a:ext uri="{FF2B5EF4-FFF2-40B4-BE49-F238E27FC236}">
+                <a16:creationId xmlns:a16="http://schemas.microsoft.com/office/drawing/2014/main" id="{E6106DFC-898D-EEFC-3CDE-F7E8C25D8D92}"/>
+              </a:ext>
+            </a:extLst>
+          </p:cNvPr>
+          <p:cNvSpPr txBox="1"/>
+          <p:nvPr/>
+        </p:nvSpPr>
+        <p:spPr>
+          <a:xfrm>
+            <a:off x="9870715" y="4101139"/>
+            <a:ext cx="1365813" cy="923330"/>
+          </a:xfrm>
+          <a:prstGeom prst="rect">
+            <a:avLst/>
+          </a:prstGeom>
+          <a:noFill/>
+        </p:spPr>
+        <p:txBody>
+          <a:bodyPr wrap="square" rtlCol="0">
+            <a:spAutoFit/>
+          </a:bodyPr>
+          <a:lstStyle/>
+          <a:p>
+            <a:r>
+              <a:rPr lang="en-US" dirty="0"/>
+              <a:t>Second and Third Row Boxes</a:t>
+            </a:r>
+          </a:p>
+        </p:txBody>
+      </p:sp>
+    </p:spTree>
+    <p:extLst>
+      <p:ext uri="{BB962C8B-B14F-4D97-AF65-F5344CB8AC3E}">
+        <p14:creationId xmlns:p14="http://schemas.microsoft.com/office/powerpoint/2010/main" val="3652733440"/>
+      </p:ext>
+    </p:extLst>
+  </p:cSld>
+  <p:clrMapOvr>
+    <a:masterClrMapping/>
+  </p:clrMapOvr>
+</p:sld>
+</file>
+
+<file path=ppt/slides/slide6.xml><?xml version="1.0" encoding="utf-8"?>
+<p:sld xmlns:a="http://schemas.openxmlformats.org/drawingml/2006/main" xmlns:r="http://schemas.openxmlformats.org/officeDocument/2006/relationships" xmlns:p="http://schemas.openxmlformats.org/presentationml/2006/main">
+  <p:cSld>
+    <p:spTree>
+      <p:nvGrpSpPr>
+        <p:cNvPr id="1" name=""/>
+        <p:cNvGrpSpPr/>
+        <p:nvPr/>
+      </p:nvGrpSpPr>
+      <p:grpSpPr>
+        <a:xfrm>
+          <a:off x="0" y="0"/>
+          <a:ext cx="0" cy="0"/>
+          <a:chOff x="0" y="0"/>
+          <a:chExt cx="0" cy="0"/>
+        </a:xfrm>
+      </p:grpSpPr>
+      <p:sp>
+        <p:nvSpPr>
+          <p:cNvPr id="2" name="Title 1">
+            <a:extLst>
+              <a:ext uri="{FF2B5EF4-FFF2-40B4-BE49-F238E27FC236}">
+                <a16:creationId xmlns:a16="http://schemas.microsoft.com/office/drawing/2014/main" id="{CA3E2F94-C5B0-2905-A2E1-0D227FA463D5}"/>
+              </a:ext>
+            </a:extLst>
+          </p:cNvPr>
+          <p:cNvSpPr>
+            <a:spLocks noGrp="1"/>
+          </p:cNvSpPr>
+          <p:nvPr>
+            <p:ph type="title"/>
+          </p:nvPr>
+        </p:nvSpPr>
+        <p:spPr/>
+        <p:txBody>
+          <a:bodyPr/>
+          <a:lstStyle/>
+          <a:p>
+            <a:r>
+              <a:rPr lang="en-US" dirty="0"/>
+              <a:t>VHDL Full  Adder Subcircuit</a:t>
+            </a:r>
+          </a:p>
+        </p:txBody>
+      </p:sp>
+      <p:pic>
+        <p:nvPicPr>
+          <p:cNvPr id="5" name="Content Placeholder 4" descr="Diagram&#10;&#10;Description automatically generated">
+            <a:extLst>
+              <a:ext uri="{FF2B5EF4-FFF2-40B4-BE49-F238E27FC236}">
+                <a16:creationId xmlns:a16="http://schemas.microsoft.com/office/drawing/2014/main" id="{823E7577-264F-B381-5E56-DA3259AD4FB1}"/>
+              </a:ext>
+            </a:extLst>
+          </p:cNvPr>
+          <p:cNvPicPr>
+            <a:picLocks noGrp="1" noChangeAspect="1"/>
+          </p:cNvPicPr>
+          <p:nvPr>
+            <p:ph idx="1"/>
+          </p:nvPr>
+        </p:nvPicPr>
+        <p:blipFill>
+          <a:blip r:embed="rId2"/>
+          <a:stretch>
+            <a:fillRect/>
+          </a:stretch>
+        </p:blipFill>
+        <p:spPr>
+          <a:xfrm>
+            <a:off x="1879378" y="2181225"/>
+            <a:ext cx="8433243" cy="3678238"/>
+          </a:xfrm>
+        </p:spPr>
+      </p:pic>
+    </p:spTree>
+    <p:extLst>
+      <p:ext uri="{BB962C8B-B14F-4D97-AF65-F5344CB8AC3E}">
+        <p14:creationId xmlns:p14="http://schemas.microsoft.com/office/powerpoint/2010/main" val="564608567"/>
+      </p:ext>
+    </p:extLst>
+  </p:cSld>
+  <p:clrMapOvr>
+    <a:masterClrMapping/>
+  </p:clrMapOvr>
+</p:sld>
+</file>
+
+<file path=ppt/slides/slide7.xml><?xml version="1.0" encoding="utf-8"?>
+<p:sld xmlns:a="http://schemas.openxmlformats.org/drawingml/2006/main" xmlns:r="http://schemas.openxmlformats.org/officeDocument/2006/relationships" xmlns:p="http://schemas.openxmlformats.org/presentationml/2006/main">
+  <p:cSld>
+    <p:spTree>
+      <p:nvGrpSpPr>
+        <p:cNvPr id="1" name=""/>
+        <p:cNvGrpSpPr/>
+        <p:nvPr/>
+      </p:nvGrpSpPr>
+      <p:grpSpPr>
+        <a:xfrm>
+          <a:off x="0" y="0"/>
+          <a:ext cx="0" cy="0"/>
+          <a:chOff x="0" y="0"/>
+          <a:chExt cx="0" cy="0"/>
+        </a:xfrm>
+      </p:grpSpPr>
+      <p:sp>
+        <p:nvSpPr>
+          <p:cNvPr id="2" name="Title 1">
+            <a:extLst>
+              <a:ext uri="{FF2B5EF4-FFF2-40B4-BE49-F238E27FC236}">
+                <a16:creationId xmlns:a16="http://schemas.microsoft.com/office/drawing/2014/main" id="{25F6B485-E13B-20CB-916F-2C6CF1C15624}"/>
+              </a:ext>
+            </a:extLst>
+          </p:cNvPr>
+          <p:cNvSpPr>
+            <a:spLocks noGrp="1"/>
+          </p:cNvSpPr>
+          <p:nvPr>
+            <p:ph type="title"/>
+          </p:nvPr>
+        </p:nvSpPr>
+        <p:spPr/>
+        <p:txBody>
+          <a:bodyPr/>
+          <a:lstStyle/>
+          <a:p>
+            <a:r>
+              <a:rPr lang="en-US" dirty="0"/>
+              <a:t>Code Slide</a:t>
+            </a:r>
+          </a:p>
+        </p:txBody>
+      </p:sp>
+      <p:sp>
+        <p:nvSpPr>
+          <p:cNvPr id="3" name="Content Placeholder 2">
+            <a:extLst>
+              <a:ext uri="{FF2B5EF4-FFF2-40B4-BE49-F238E27FC236}">
+                <a16:creationId xmlns:a16="http://schemas.microsoft.com/office/drawing/2014/main" id="{494DA8BF-F4C1-4885-EE26-E9D83B61BB43}"/>
+              </a:ext>
+            </a:extLst>
+          </p:cNvPr>
+          <p:cNvSpPr>
+            <a:spLocks noGrp="1"/>
+          </p:cNvSpPr>
+          <p:nvPr>
+            <p:ph idx="1"/>
+          </p:nvPr>
+        </p:nvSpPr>
+        <p:spPr/>
+        <p:txBody>
+          <a:bodyPr/>
+          <a:lstStyle/>
+          <a:p>
+            <a:endParaRPr lang="en-US"/>
+          </a:p>
+        </p:txBody>
+      </p:sp>
+    </p:spTree>
+    <p:extLst>
+      <p:ext uri="{BB962C8B-B14F-4D97-AF65-F5344CB8AC3E}">
+        <p14:creationId xmlns:p14="http://schemas.microsoft.com/office/powerpoint/2010/main" val="1803756769"/>
+      </p:ext>
+    </p:extLst>
+  </p:cSld>
+  <p:clrMapOvr>
+    <a:masterClrMapping/>
+  </p:clrMapOvr>
+</p:sld>
+</file>
+
+<file path=ppt/slides/slide8.xml><?xml version="1.0" encoding="utf-8"?>
+<p:sld xmlns:a="http://schemas.openxmlformats.org/drawingml/2006/main" xmlns:r="http://schemas.openxmlformats.org/officeDocument/2006/relationships" xmlns:p="http://schemas.openxmlformats.org/presentationml/2006/main">
+  <p:cSld>
+    <p:spTree>
+      <p:nvGrpSpPr>
+        <p:cNvPr id="1" name=""/>
+        <p:cNvGrpSpPr/>
+        <p:nvPr/>
+      </p:nvGrpSpPr>
+      <p:grpSpPr>
+        <a:xfrm>
+          <a:off x="0" y="0"/>
+          <a:ext cx="0" cy="0"/>
+          <a:chOff x="0" y="0"/>
+          <a:chExt cx="0" cy="0"/>
+        </a:xfrm>
+      </p:grpSpPr>
+      <p:sp>
+        <p:nvSpPr>
+          <p:cNvPr id="5" name="Title 4">
+            <a:extLst>
+              <a:ext uri="{FF2B5EF4-FFF2-40B4-BE49-F238E27FC236}">
+                <a16:creationId xmlns:a16="http://schemas.microsoft.com/office/drawing/2014/main" id="{F9F53D6F-B9DD-F9A8-B1CE-989A5EA390D4}"/>
+              </a:ext>
+            </a:extLst>
+          </p:cNvPr>
+          <p:cNvSpPr>
+            <a:spLocks noGrp="1"/>
+          </p:cNvSpPr>
+          <p:nvPr>
+            <p:ph type="ctrTitle"/>
+          </p:nvPr>
+        </p:nvSpPr>
+        <p:spPr>
+          <a:xfrm>
+            <a:off x="581191" y="1020431"/>
+            <a:ext cx="10993549" cy="1475013"/>
+          </a:xfrm>
+        </p:spPr>
+        <p:txBody>
+          <a:bodyPr anchor="b">
+            <a:normAutofit/>
+          </a:bodyPr>
+          <a:lstStyle/>
+          <a:p>
+            <a:r>
+              <a:rPr lang="en-US" dirty="0"/>
+              <a:t>C++ Conversion</a:t>
+            </a:r>
+          </a:p>
+        </p:txBody>
+      </p:sp>
+      <p:sp>
+        <p:nvSpPr>
+          <p:cNvPr id="6" name="Content Placeholder 5">
+            <a:extLst>
+              <a:ext uri="{FF2B5EF4-FFF2-40B4-BE49-F238E27FC236}">
+                <a16:creationId xmlns:a16="http://schemas.microsoft.com/office/drawing/2014/main" id="{A00ABC4D-6490-1439-2817-ECBAF6560BF2}"/>
+              </a:ext>
+            </a:extLst>
+          </p:cNvPr>
+          <p:cNvSpPr>
+            <a:spLocks noGrp="1"/>
+          </p:cNvSpPr>
+          <p:nvPr>
+            <p:ph type="subTitle" idx="1"/>
+          </p:nvPr>
+        </p:nvSpPr>
+        <p:spPr>
+          <a:xfrm>
+            <a:off x="581194" y="2495445"/>
+            <a:ext cx="10993546" cy="590321"/>
+          </a:xfrm>
+        </p:spPr>
+        <p:txBody>
+          <a:bodyPr anchor="t">
+            <a:normAutofit/>
+          </a:bodyPr>
+          <a:lstStyle/>
+          <a:p>
+            <a:pPr marL="0" indent="0">
+              <a:buNone/>
+            </a:pPr>
+            <a:r>
+              <a:rPr lang="en-US" dirty="0"/>
+              <a:t> </a:t>
+            </a:r>
+          </a:p>
+        </p:txBody>
+      </p:sp>
+    </p:spTree>
+    <p:extLst>
+      <p:ext uri="{BB962C8B-B14F-4D97-AF65-F5344CB8AC3E}">
+        <p14:creationId xmlns:p14="http://schemas.microsoft.com/office/powerpoint/2010/main" val="454088712"/>
+      </p:ext>
+    </p:extLst>
+  </p:cSld>
+  <p:clrMapOvr>
+    <a:masterClrMapping/>
+  </p:clrMapOvr>
+</p:sld>
+</file>
+
+<file path=ppt/slides/slide9.xml><?xml version="1.0" encoding="utf-8"?>
+<p:sld xmlns:a="http://schemas.openxmlformats.org/drawingml/2006/main" xmlns:r="http://schemas.openxmlformats.org/officeDocument/2006/relationships" xmlns:p="http://schemas.openxmlformats.org/presentationml/2006/main">
+  <p:cSld>
+    <p:spTree>
+      <p:nvGrpSpPr>
+        <p:cNvPr id="1" name=""/>
+        <p:cNvGrpSpPr/>
+        <p:nvPr/>
+      </p:nvGrpSpPr>
+      <p:grpSpPr>
+        <a:xfrm>
+          <a:off x="0" y="0"/>
+          <a:ext cx="0" cy="0"/>
+          <a:chOff x="0" y="0"/>
+          <a:chExt cx="0" cy="0"/>
+        </a:xfrm>
+      </p:grpSpPr>
+      <p:sp>
+        <p:nvSpPr>
+          <p:cNvPr id="2" name="Title 1">
+            <a:extLst>
+              <a:ext uri="{FF2B5EF4-FFF2-40B4-BE49-F238E27FC236}">
+                <a16:creationId xmlns:a16="http://schemas.microsoft.com/office/drawing/2014/main" id="{D70D932D-D833-E8CB-5781-6B0999D7E46C}"/>
+              </a:ext>
+            </a:extLst>
+          </p:cNvPr>
+          <p:cNvSpPr>
+            <a:spLocks noGrp="1"/>
+          </p:cNvSpPr>
+          <p:nvPr>
+            <p:ph type="title"/>
+          </p:nvPr>
+        </p:nvSpPr>
+        <p:spPr/>
+        <p:txBody>
+          <a:bodyPr/>
+          <a:lstStyle/>
+          <a:p>
+            <a:r>
+              <a:rPr lang="en-US" dirty="0"/>
+              <a:t>Started with Functions for each subcircuit:</a:t>
+            </a:r>
+          </a:p>
+        </p:txBody>
+      </p:sp>
+      <p:sp>
+        <p:nvSpPr>
+          <p:cNvPr id="3" name="Content Placeholder 2">
+            <a:extLst>
+              <a:ext uri="{FF2B5EF4-FFF2-40B4-BE49-F238E27FC236}">
+                <a16:creationId xmlns:a16="http://schemas.microsoft.com/office/drawing/2014/main" id="{EAB2EAED-D734-7258-F88E-89E94A067B53}"/>
+              </a:ext>
+            </a:extLst>
+          </p:cNvPr>
+          <p:cNvSpPr>
+            <a:spLocks noGrp="1"/>
+          </p:cNvSpPr>
+          <p:nvPr>
+            <p:ph idx="1"/>
+          </p:nvPr>
+        </p:nvSpPr>
+        <p:spPr/>
+        <p:txBody>
+          <a:bodyPr/>
+          <a:lstStyle/>
+          <a:p>
+            <a:r>
+              <a:rPr lang="en-US" dirty="0" err="1"/>
+              <a:t>Inlcude</a:t>
+            </a:r>
+            <a:r>
+              <a:rPr lang="en-US" dirty="0"/>
+              <a:t> an image of the VHDL circuit and the attempted code for each one….Might only begin with the Adder and one of the subcircuits.</a:t>
+            </a:r>
+          </a:p>
+        </p:txBody>
+      </p:sp>
+    </p:spTree>
+    <p:extLst>
+      <p:ext uri="{BB962C8B-B14F-4D97-AF65-F5344CB8AC3E}">
+        <p14:creationId xmlns:p14="http://schemas.microsoft.com/office/powerpoint/2010/main" val="1016368722"/>
       </p:ext>
     </p:extLst>
   </p:cSld>

--- a/CS301_ProjectPresentation.pptx
+++ b/CS301_ProjectPresentation.pptx
@@ -885,6 +885,753 @@
   <dgm:styleLbl name="fgShp">
     <dgm:fillClrLst meth="repeat">
       <a:schemeClr val="accent2">
+        <a:tint val="60000"/>
+      </a:schemeClr>
+    </dgm:fillClrLst>
+    <dgm:linClrLst meth="repeat">
+      <a:schemeClr val="lt1"/>
+    </dgm:linClrLst>
+    <dgm:effectClrLst/>
+    <dgm:txLinClrLst/>
+    <dgm:txFillClrLst meth="repeat">
+      <a:schemeClr val="dk1"/>
+    </dgm:txFillClrLst>
+    <dgm:txEffectClrLst/>
+  </dgm:styleLbl>
+  <dgm:styleLbl name="revTx">
+    <dgm:fillClrLst meth="repeat">
+      <a:schemeClr val="lt1">
+        <a:alpha val="0"/>
+      </a:schemeClr>
+    </dgm:fillClrLst>
+    <dgm:linClrLst meth="repeat">
+      <a:schemeClr val="dk1">
+        <a:alpha val="0"/>
+      </a:schemeClr>
+    </dgm:linClrLst>
+    <dgm:effectClrLst/>
+    <dgm:txLinClrLst/>
+    <dgm:txFillClrLst meth="repeat">
+      <a:schemeClr val="tx1"/>
+    </dgm:txFillClrLst>
+    <dgm:txEffectClrLst/>
+  </dgm:styleLbl>
+</dgm:colorsDef>
+</file>
+
+<file path=ppt/diagrams/colors2.xml><?xml version="1.0" encoding="utf-8"?>
+<dgm:colorsDef xmlns:dgm="http://schemas.openxmlformats.org/drawingml/2006/diagram" xmlns:a="http://schemas.openxmlformats.org/drawingml/2006/main" uniqueId="urn:microsoft.com/office/officeart/2005/8/colors/accent1_2">
+  <dgm:title val=""/>
+  <dgm:desc val=""/>
+  <dgm:catLst>
+    <dgm:cat type="accent1" pri="11200"/>
+  </dgm:catLst>
+  <dgm:styleLbl name="node0">
+    <dgm:fillClrLst meth="repeat">
+      <a:schemeClr val="accent1"/>
+    </dgm:fillClrLst>
+    <dgm:linClrLst meth="repeat">
+      <a:schemeClr val="lt1"/>
+    </dgm:linClrLst>
+    <dgm:effectClrLst/>
+    <dgm:txLinClrLst/>
+    <dgm:txFillClrLst/>
+    <dgm:txEffectClrLst/>
+  </dgm:styleLbl>
+  <dgm:styleLbl name="alignNode1">
+    <dgm:fillClrLst meth="repeat">
+      <a:schemeClr val="accent1"/>
+    </dgm:fillClrLst>
+    <dgm:linClrLst meth="repeat">
+      <a:schemeClr val="accent1"/>
+    </dgm:linClrLst>
+    <dgm:effectClrLst/>
+    <dgm:txLinClrLst/>
+    <dgm:txFillClrLst/>
+    <dgm:txEffectClrLst/>
+  </dgm:styleLbl>
+  <dgm:styleLbl name="node1">
+    <dgm:fillClrLst meth="repeat">
+      <a:schemeClr val="accent1"/>
+    </dgm:fillClrLst>
+    <dgm:linClrLst meth="repeat">
+      <a:schemeClr val="lt1"/>
+    </dgm:linClrLst>
+    <dgm:effectClrLst/>
+    <dgm:txLinClrLst/>
+    <dgm:txFillClrLst/>
+    <dgm:txEffectClrLst/>
+  </dgm:styleLbl>
+  <dgm:styleLbl name="lnNode1">
+    <dgm:fillClrLst meth="repeat">
+      <a:schemeClr val="accent1"/>
+    </dgm:fillClrLst>
+    <dgm:linClrLst meth="repeat">
+      <a:schemeClr val="lt1"/>
+    </dgm:linClrLst>
+    <dgm:effectClrLst/>
+    <dgm:txLinClrLst/>
+    <dgm:txFillClrLst/>
+    <dgm:txEffectClrLst/>
+  </dgm:styleLbl>
+  <dgm:styleLbl name="vennNode1">
+    <dgm:fillClrLst meth="repeat">
+      <a:schemeClr val="accent1">
+        <a:alpha val="50000"/>
+      </a:schemeClr>
+    </dgm:fillClrLst>
+    <dgm:linClrLst meth="repeat">
+      <a:schemeClr val="lt1"/>
+    </dgm:linClrLst>
+    <dgm:effectClrLst/>
+    <dgm:txLinClrLst/>
+    <dgm:txFillClrLst/>
+    <dgm:txEffectClrLst/>
+  </dgm:styleLbl>
+  <dgm:styleLbl name="node2">
+    <dgm:fillClrLst meth="repeat">
+      <a:schemeClr val="accent1"/>
+    </dgm:fillClrLst>
+    <dgm:linClrLst meth="repeat">
+      <a:schemeClr val="lt1"/>
+    </dgm:linClrLst>
+    <dgm:effectClrLst/>
+    <dgm:txLinClrLst/>
+    <dgm:txFillClrLst/>
+    <dgm:txEffectClrLst/>
+  </dgm:styleLbl>
+  <dgm:styleLbl name="node3">
+    <dgm:fillClrLst meth="repeat">
+      <a:schemeClr val="accent1"/>
+    </dgm:fillClrLst>
+    <dgm:linClrLst meth="repeat">
+      <a:schemeClr val="lt1"/>
+    </dgm:linClrLst>
+    <dgm:effectClrLst/>
+    <dgm:txLinClrLst/>
+    <dgm:txFillClrLst/>
+    <dgm:txEffectClrLst/>
+  </dgm:styleLbl>
+  <dgm:styleLbl name="node4">
+    <dgm:fillClrLst meth="repeat">
+      <a:schemeClr val="accent1"/>
+    </dgm:fillClrLst>
+    <dgm:linClrLst meth="repeat">
+      <a:schemeClr val="lt1"/>
+    </dgm:linClrLst>
+    <dgm:effectClrLst/>
+    <dgm:txLinClrLst/>
+    <dgm:txFillClrLst/>
+    <dgm:txEffectClrLst/>
+  </dgm:styleLbl>
+  <dgm:styleLbl name="fgImgPlace1">
+    <dgm:fillClrLst meth="repeat">
+      <a:schemeClr val="accent1">
+        <a:tint val="50000"/>
+      </a:schemeClr>
+    </dgm:fillClrLst>
+    <dgm:linClrLst meth="repeat">
+      <a:schemeClr val="lt1"/>
+    </dgm:linClrLst>
+    <dgm:effectClrLst/>
+    <dgm:txLinClrLst/>
+    <dgm:txFillClrLst meth="repeat">
+      <a:schemeClr val="lt1"/>
+    </dgm:txFillClrLst>
+    <dgm:txEffectClrLst/>
+  </dgm:styleLbl>
+  <dgm:styleLbl name="alignImgPlace1">
+    <dgm:fillClrLst meth="repeat">
+      <a:schemeClr val="accent1">
+        <a:tint val="50000"/>
+      </a:schemeClr>
+    </dgm:fillClrLst>
+    <dgm:linClrLst meth="repeat">
+      <a:schemeClr val="lt1"/>
+    </dgm:linClrLst>
+    <dgm:effectClrLst/>
+    <dgm:txLinClrLst/>
+    <dgm:txFillClrLst meth="repeat">
+      <a:schemeClr val="lt1"/>
+    </dgm:txFillClrLst>
+    <dgm:txEffectClrLst/>
+  </dgm:styleLbl>
+  <dgm:styleLbl name="bgImgPlace1">
+    <dgm:fillClrLst meth="repeat">
+      <a:schemeClr val="accent1">
+        <a:tint val="50000"/>
+      </a:schemeClr>
+    </dgm:fillClrLst>
+    <dgm:linClrLst meth="repeat">
+      <a:schemeClr val="lt1"/>
+    </dgm:linClrLst>
+    <dgm:effectClrLst/>
+    <dgm:txLinClrLst/>
+    <dgm:txFillClrLst meth="repeat">
+      <a:schemeClr val="lt1"/>
+    </dgm:txFillClrLst>
+    <dgm:txEffectClrLst/>
+  </dgm:styleLbl>
+  <dgm:styleLbl name="sibTrans2D1">
+    <dgm:fillClrLst meth="repeat">
+      <a:schemeClr val="accent1">
+        <a:tint val="60000"/>
+      </a:schemeClr>
+    </dgm:fillClrLst>
+    <dgm:linClrLst meth="repeat">
+      <a:schemeClr val="accent1">
+        <a:tint val="60000"/>
+      </a:schemeClr>
+    </dgm:linClrLst>
+    <dgm:effectClrLst/>
+    <dgm:txLinClrLst/>
+    <dgm:txFillClrLst/>
+    <dgm:txEffectClrLst/>
+  </dgm:styleLbl>
+  <dgm:styleLbl name="fgSibTrans2D1">
+    <dgm:fillClrLst meth="repeat">
+      <a:schemeClr val="accent1">
+        <a:tint val="60000"/>
+      </a:schemeClr>
+    </dgm:fillClrLst>
+    <dgm:linClrLst meth="repeat">
+      <a:schemeClr val="accent1">
+        <a:tint val="60000"/>
+      </a:schemeClr>
+    </dgm:linClrLst>
+    <dgm:effectClrLst/>
+    <dgm:txLinClrLst/>
+    <dgm:txFillClrLst/>
+    <dgm:txEffectClrLst/>
+  </dgm:styleLbl>
+  <dgm:styleLbl name="bgSibTrans2D1">
+    <dgm:fillClrLst meth="repeat">
+      <a:schemeClr val="accent1">
+        <a:tint val="60000"/>
+      </a:schemeClr>
+    </dgm:fillClrLst>
+    <dgm:linClrLst meth="repeat">
+      <a:schemeClr val="accent1">
+        <a:tint val="60000"/>
+      </a:schemeClr>
+    </dgm:linClrLst>
+    <dgm:effectClrLst/>
+    <dgm:txLinClrLst/>
+    <dgm:txFillClrLst/>
+    <dgm:txEffectClrLst/>
+  </dgm:styleLbl>
+  <dgm:styleLbl name="sibTrans1D1">
+    <dgm:fillClrLst meth="repeat">
+      <a:schemeClr val="accent1"/>
+    </dgm:fillClrLst>
+    <dgm:linClrLst meth="repeat">
+      <a:schemeClr val="accent1"/>
+    </dgm:linClrLst>
+    <dgm:effectClrLst/>
+    <dgm:txLinClrLst/>
+    <dgm:txFillClrLst meth="repeat">
+      <a:schemeClr val="tx1"/>
+    </dgm:txFillClrLst>
+    <dgm:txEffectClrLst/>
+  </dgm:styleLbl>
+  <dgm:styleLbl name="callout">
+    <dgm:fillClrLst meth="repeat">
+      <a:schemeClr val="accent1"/>
+    </dgm:fillClrLst>
+    <dgm:linClrLst meth="repeat">
+      <a:schemeClr val="accent1">
+        <a:tint val="50000"/>
+      </a:schemeClr>
+    </dgm:linClrLst>
+    <dgm:effectClrLst/>
+    <dgm:txLinClrLst/>
+    <dgm:txFillClrLst meth="repeat">
+      <a:schemeClr val="tx1"/>
+    </dgm:txFillClrLst>
+    <dgm:txEffectClrLst/>
+  </dgm:styleLbl>
+  <dgm:styleLbl name="asst0">
+    <dgm:fillClrLst meth="repeat">
+      <a:schemeClr val="accent1"/>
+    </dgm:fillClrLst>
+    <dgm:linClrLst meth="repeat">
+      <a:schemeClr val="lt1"/>
+    </dgm:linClrLst>
+    <dgm:effectClrLst/>
+    <dgm:txLinClrLst/>
+    <dgm:txFillClrLst/>
+    <dgm:txEffectClrLst/>
+  </dgm:styleLbl>
+  <dgm:styleLbl name="asst1">
+    <dgm:fillClrLst meth="repeat">
+      <a:schemeClr val="accent1"/>
+    </dgm:fillClrLst>
+    <dgm:linClrLst meth="repeat">
+      <a:schemeClr val="lt1"/>
+    </dgm:linClrLst>
+    <dgm:effectClrLst/>
+    <dgm:txLinClrLst/>
+    <dgm:txFillClrLst/>
+    <dgm:txEffectClrLst/>
+  </dgm:styleLbl>
+  <dgm:styleLbl name="asst2">
+    <dgm:fillClrLst meth="repeat">
+      <a:schemeClr val="accent1"/>
+    </dgm:fillClrLst>
+    <dgm:linClrLst meth="repeat">
+      <a:schemeClr val="lt1"/>
+    </dgm:linClrLst>
+    <dgm:effectClrLst/>
+    <dgm:txLinClrLst/>
+    <dgm:txFillClrLst/>
+    <dgm:txEffectClrLst/>
+  </dgm:styleLbl>
+  <dgm:styleLbl name="asst3">
+    <dgm:fillClrLst meth="repeat">
+      <a:schemeClr val="accent1"/>
+    </dgm:fillClrLst>
+    <dgm:linClrLst meth="repeat">
+      <a:schemeClr val="lt1"/>
+    </dgm:linClrLst>
+    <dgm:effectClrLst/>
+    <dgm:txLinClrLst/>
+    <dgm:txFillClrLst/>
+    <dgm:txEffectClrLst/>
+  </dgm:styleLbl>
+  <dgm:styleLbl name="asst4">
+    <dgm:fillClrLst meth="repeat">
+      <a:schemeClr val="accent1"/>
+    </dgm:fillClrLst>
+    <dgm:linClrLst meth="repeat">
+      <a:schemeClr val="lt1"/>
+    </dgm:linClrLst>
+    <dgm:effectClrLst/>
+    <dgm:txLinClrLst/>
+    <dgm:txFillClrLst/>
+    <dgm:txEffectClrLst/>
+  </dgm:styleLbl>
+  <dgm:styleLbl name="parChTrans2D1">
+    <dgm:fillClrLst meth="repeat">
+      <a:schemeClr val="accent1">
+        <a:tint val="60000"/>
+      </a:schemeClr>
+    </dgm:fillClrLst>
+    <dgm:linClrLst meth="repeat">
+      <a:schemeClr val="accent1">
+        <a:tint val="60000"/>
+      </a:schemeClr>
+    </dgm:linClrLst>
+    <dgm:effectClrLst/>
+    <dgm:txLinClrLst/>
+    <dgm:txFillClrLst meth="repeat">
+      <a:schemeClr val="lt1"/>
+    </dgm:txFillClrLst>
+    <dgm:txEffectClrLst/>
+  </dgm:styleLbl>
+  <dgm:styleLbl name="parChTrans2D2">
+    <dgm:fillClrLst meth="repeat">
+      <a:schemeClr val="accent1"/>
+    </dgm:fillClrLst>
+    <dgm:linClrLst meth="repeat">
+      <a:schemeClr val="accent1"/>
+    </dgm:linClrLst>
+    <dgm:effectClrLst/>
+    <dgm:txLinClrLst/>
+    <dgm:txFillClrLst meth="repeat">
+      <a:schemeClr val="lt1"/>
+    </dgm:txFillClrLst>
+    <dgm:txEffectClrLst/>
+  </dgm:styleLbl>
+  <dgm:styleLbl name="parChTrans2D3">
+    <dgm:fillClrLst meth="repeat">
+      <a:schemeClr val="accent1"/>
+    </dgm:fillClrLst>
+    <dgm:linClrLst meth="repeat">
+      <a:schemeClr val="accent1"/>
+    </dgm:linClrLst>
+    <dgm:effectClrLst/>
+    <dgm:txLinClrLst/>
+    <dgm:txFillClrLst meth="repeat">
+      <a:schemeClr val="lt1"/>
+    </dgm:txFillClrLst>
+    <dgm:txEffectClrLst/>
+  </dgm:styleLbl>
+  <dgm:styleLbl name="parChTrans2D4">
+    <dgm:fillClrLst meth="repeat">
+      <a:schemeClr val="accent1"/>
+    </dgm:fillClrLst>
+    <dgm:linClrLst meth="repeat">
+      <a:schemeClr val="accent1"/>
+    </dgm:linClrLst>
+    <dgm:effectClrLst/>
+    <dgm:txLinClrLst/>
+    <dgm:txFillClrLst meth="repeat">
+      <a:schemeClr val="lt1"/>
+    </dgm:txFillClrLst>
+    <dgm:txEffectClrLst/>
+  </dgm:styleLbl>
+  <dgm:styleLbl name="parChTrans1D1">
+    <dgm:fillClrLst meth="repeat">
+      <a:schemeClr val="accent1"/>
+    </dgm:fillClrLst>
+    <dgm:linClrLst meth="repeat">
+      <a:schemeClr val="accent1">
+        <a:shade val="60000"/>
+      </a:schemeClr>
+    </dgm:linClrLst>
+    <dgm:effectClrLst/>
+    <dgm:txLinClrLst/>
+    <dgm:txFillClrLst meth="repeat">
+      <a:schemeClr val="tx1"/>
+    </dgm:txFillClrLst>
+    <dgm:txEffectClrLst/>
+  </dgm:styleLbl>
+  <dgm:styleLbl name="parChTrans1D2">
+    <dgm:fillClrLst meth="repeat">
+      <a:schemeClr val="accent1"/>
+    </dgm:fillClrLst>
+    <dgm:linClrLst meth="repeat">
+      <a:schemeClr val="accent1">
+        <a:shade val="60000"/>
+      </a:schemeClr>
+    </dgm:linClrLst>
+    <dgm:effectClrLst/>
+    <dgm:txLinClrLst/>
+    <dgm:txFillClrLst meth="repeat">
+      <a:schemeClr val="tx1"/>
+    </dgm:txFillClrLst>
+    <dgm:txEffectClrLst/>
+  </dgm:styleLbl>
+  <dgm:styleLbl name="parChTrans1D3">
+    <dgm:fillClrLst meth="repeat">
+      <a:schemeClr val="accent1"/>
+    </dgm:fillClrLst>
+    <dgm:linClrLst meth="repeat">
+      <a:schemeClr val="accent1">
+        <a:shade val="80000"/>
+      </a:schemeClr>
+    </dgm:linClrLst>
+    <dgm:effectClrLst/>
+    <dgm:txLinClrLst/>
+    <dgm:txFillClrLst meth="repeat">
+      <a:schemeClr val="tx1"/>
+    </dgm:txFillClrLst>
+    <dgm:txEffectClrLst/>
+  </dgm:styleLbl>
+  <dgm:styleLbl name="parChTrans1D4">
+    <dgm:fillClrLst meth="repeat">
+      <a:schemeClr val="accent1"/>
+    </dgm:fillClrLst>
+    <dgm:linClrLst meth="repeat">
+      <a:schemeClr val="accent1">
+        <a:shade val="80000"/>
+      </a:schemeClr>
+    </dgm:linClrLst>
+    <dgm:effectClrLst/>
+    <dgm:txLinClrLst/>
+    <dgm:txFillClrLst meth="repeat">
+      <a:schemeClr val="tx1"/>
+    </dgm:txFillClrLst>
+    <dgm:txEffectClrLst/>
+  </dgm:styleLbl>
+  <dgm:styleLbl name="fgAcc1">
+    <dgm:fillClrLst meth="repeat">
+      <a:schemeClr val="lt1">
+        <a:alpha val="90000"/>
+      </a:schemeClr>
+    </dgm:fillClrLst>
+    <dgm:linClrLst meth="repeat">
+      <a:schemeClr val="accent1"/>
+    </dgm:linClrLst>
+    <dgm:effectClrLst/>
+    <dgm:txLinClrLst/>
+    <dgm:txFillClrLst meth="repeat">
+      <a:schemeClr val="dk1"/>
+    </dgm:txFillClrLst>
+    <dgm:txEffectClrLst/>
+  </dgm:styleLbl>
+  <dgm:styleLbl name="conFgAcc1">
+    <dgm:fillClrLst meth="repeat">
+      <a:schemeClr val="lt1">
+        <a:alpha val="90000"/>
+      </a:schemeClr>
+    </dgm:fillClrLst>
+    <dgm:linClrLst meth="repeat">
+      <a:schemeClr val="accent1"/>
+    </dgm:linClrLst>
+    <dgm:effectClrLst/>
+    <dgm:txLinClrLst/>
+    <dgm:txFillClrLst meth="repeat">
+      <a:schemeClr val="dk1"/>
+    </dgm:txFillClrLst>
+    <dgm:txEffectClrLst/>
+  </dgm:styleLbl>
+  <dgm:styleLbl name="alignAcc1">
+    <dgm:fillClrLst meth="repeat">
+      <a:schemeClr val="lt1">
+        <a:alpha val="90000"/>
+      </a:schemeClr>
+    </dgm:fillClrLst>
+    <dgm:linClrLst meth="repeat">
+      <a:schemeClr val="accent1"/>
+    </dgm:linClrLst>
+    <dgm:effectClrLst/>
+    <dgm:txLinClrLst/>
+    <dgm:txFillClrLst meth="repeat">
+      <a:schemeClr val="dk1"/>
+    </dgm:txFillClrLst>
+    <dgm:txEffectClrLst/>
+  </dgm:styleLbl>
+  <dgm:styleLbl name="trAlignAcc1">
+    <dgm:fillClrLst meth="repeat">
+      <a:schemeClr val="lt1">
+        <a:alpha val="40000"/>
+      </a:schemeClr>
+    </dgm:fillClrLst>
+    <dgm:linClrLst meth="repeat">
+      <a:schemeClr val="accent1"/>
+    </dgm:linClrLst>
+    <dgm:effectClrLst/>
+    <dgm:txLinClrLst/>
+    <dgm:txFillClrLst meth="repeat">
+      <a:schemeClr val="dk1"/>
+    </dgm:txFillClrLst>
+    <dgm:txEffectClrLst/>
+  </dgm:styleLbl>
+  <dgm:styleLbl name="bgAcc1">
+    <dgm:fillClrLst meth="repeat">
+      <a:schemeClr val="lt1">
+        <a:alpha val="90000"/>
+      </a:schemeClr>
+    </dgm:fillClrLst>
+    <dgm:linClrLst meth="repeat">
+      <a:schemeClr val="accent1"/>
+    </dgm:linClrLst>
+    <dgm:effectClrLst/>
+    <dgm:txLinClrLst/>
+    <dgm:txFillClrLst meth="repeat">
+      <a:schemeClr val="dk1"/>
+    </dgm:txFillClrLst>
+    <dgm:txEffectClrLst/>
+  </dgm:styleLbl>
+  <dgm:styleLbl name="solidFgAcc1">
+    <dgm:fillClrLst meth="repeat">
+      <a:schemeClr val="lt1"/>
+    </dgm:fillClrLst>
+    <dgm:linClrLst meth="repeat">
+      <a:schemeClr val="accent1"/>
+    </dgm:linClrLst>
+    <dgm:effectClrLst/>
+    <dgm:txLinClrLst/>
+    <dgm:txFillClrLst meth="repeat">
+      <a:schemeClr val="dk1"/>
+    </dgm:txFillClrLst>
+    <dgm:txEffectClrLst/>
+  </dgm:styleLbl>
+  <dgm:styleLbl name="solidAlignAcc1">
+    <dgm:fillClrLst meth="repeat">
+      <a:schemeClr val="lt1"/>
+    </dgm:fillClrLst>
+    <dgm:linClrLst meth="repeat">
+      <a:schemeClr val="accent1"/>
+    </dgm:linClrLst>
+    <dgm:effectClrLst/>
+    <dgm:txLinClrLst/>
+    <dgm:txFillClrLst meth="repeat">
+      <a:schemeClr val="dk1"/>
+    </dgm:txFillClrLst>
+    <dgm:txEffectClrLst/>
+  </dgm:styleLbl>
+  <dgm:styleLbl name="solidBgAcc1">
+    <dgm:fillClrLst meth="repeat">
+      <a:schemeClr val="lt1"/>
+    </dgm:fillClrLst>
+    <dgm:linClrLst meth="repeat">
+      <a:schemeClr val="accent1"/>
+    </dgm:linClrLst>
+    <dgm:effectClrLst/>
+    <dgm:txLinClrLst/>
+    <dgm:txFillClrLst meth="repeat">
+      <a:schemeClr val="dk1"/>
+    </dgm:txFillClrLst>
+    <dgm:txEffectClrLst/>
+  </dgm:styleLbl>
+  <dgm:styleLbl name="fgAccFollowNode1">
+    <dgm:fillClrLst meth="repeat">
+      <a:schemeClr val="accent1">
+        <a:alpha val="90000"/>
+        <a:tint val="40000"/>
+      </a:schemeClr>
+    </dgm:fillClrLst>
+    <dgm:linClrLst meth="repeat">
+      <a:schemeClr val="accent1">
+        <a:alpha val="90000"/>
+        <a:tint val="40000"/>
+      </a:schemeClr>
+    </dgm:linClrLst>
+    <dgm:effectClrLst/>
+    <dgm:txLinClrLst/>
+    <dgm:txFillClrLst meth="repeat">
+      <a:schemeClr val="dk1"/>
+    </dgm:txFillClrLst>
+    <dgm:txEffectClrLst/>
+  </dgm:styleLbl>
+  <dgm:styleLbl name="alignAccFollowNode1">
+    <dgm:fillClrLst meth="repeat">
+      <a:schemeClr val="accent1">
+        <a:alpha val="90000"/>
+        <a:tint val="40000"/>
+      </a:schemeClr>
+    </dgm:fillClrLst>
+    <dgm:linClrLst meth="repeat">
+      <a:schemeClr val="accent1">
+        <a:alpha val="90000"/>
+        <a:tint val="40000"/>
+      </a:schemeClr>
+    </dgm:linClrLst>
+    <dgm:effectClrLst/>
+    <dgm:txLinClrLst/>
+    <dgm:txFillClrLst meth="repeat">
+      <a:schemeClr val="dk1"/>
+    </dgm:txFillClrLst>
+    <dgm:txEffectClrLst/>
+  </dgm:styleLbl>
+  <dgm:styleLbl name="bgAccFollowNode1">
+    <dgm:fillClrLst meth="repeat">
+      <a:schemeClr val="accent1">
+        <a:alpha val="90000"/>
+        <a:tint val="40000"/>
+      </a:schemeClr>
+    </dgm:fillClrLst>
+    <dgm:linClrLst meth="repeat">
+      <a:schemeClr val="accent1">
+        <a:alpha val="90000"/>
+        <a:tint val="40000"/>
+      </a:schemeClr>
+    </dgm:linClrLst>
+    <dgm:effectClrLst/>
+    <dgm:txLinClrLst/>
+    <dgm:txFillClrLst meth="repeat">
+      <a:schemeClr val="dk1"/>
+    </dgm:txFillClrLst>
+    <dgm:txEffectClrLst/>
+  </dgm:styleLbl>
+  <dgm:styleLbl name="fgAcc0">
+    <dgm:fillClrLst meth="repeat">
+      <a:schemeClr val="lt1">
+        <a:alpha val="90000"/>
+      </a:schemeClr>
+    </dgm:fillClrLst>
+    <dgm:linClrLst meth="repeat">
+      <a:schemeClr val="accent1"/>
+    </dgm:linClrLst>
+    <dgm:effectClrLst/>
+    <dgm:txLinClrLst/>
+    <dgm:txFillClrLst meth="repeat">
+      <a:schemeClr val="dk1"/>
+    </dgm:txFillClrLst>
+    <dgm:txEffectClrLst/>
+  </dgm:styleLbl>
+  <dgm:styleLbl name="fgAcc2">
+    <dgm:fillClrLst meth="repeat">
+      <a:schemeClr val="lt1">
+        <a:alpha val="90000"/>
+      </a:schemeClr>
+    </dgm:fillClrLst>
+    <dgm:linClrLst meth="repeat">
+      <a:schemeClr val="accent1"/>
+    </dgm:linClrLst>
+    <dgm:effectClrLst/>
+    <dgm:txLinClrLst/>
+    <dgm:txFillClrLst meth="repeat">
+      <a:schemeClr val="dk1"/>
+    </dgm:txFillClrLst>
+    <dgm:txEffectClrLst/>
+  </dgm:styleLbl>
+  <dgm:styleLbl name="fgAcc3">
+    <dgm:fillClrLst meth="repeat">
+      <a:schemeClr val="lt1">
+        <a:alpha val="90000"/>
+      </a:schemeClr>
+    </dgm:fillClrLst>
+    <dgm:linClrLst meth="repeat">
+      <a:schemeClr val="accent1"/>
+    </dgm:linClrLst>
+    <dgm:effectClrLst/>
+    <dgm:txLinClrLst/>
+    <dgm:txFillClrLst meth="repeat">
+      <a:schemeClr val="dk1"/>
+    </dgm:txFillClrLst>
+    <dgm:txEffectClrLst/>
+  </dgm:styleLbl>
+  <dgm:styleLbl name="fgAcc4">
+    <dgm:fillClrLst meth="repeat">
+      <a:schemeClr val="lt1">
+        <a:alpha val="90000"/>
+      </a:schemeClr>
+    </dgm:fillClrLst>
+    <dgm:linClrLst meth="repeat">
+      <a:schemeClr val="accent1"/>
+    </dgm:linClrLst>
+    <dgm:effectClrLst/>
+    <dgm:txLinClrLst/>
+    <dgm:txFillClrLst meth="repeat">
+      <a:schemeClr val="dk1"/>
+    </dgm:txFillClrLst>
+    <dgm:txEffectClrLst/>
+  </dgm:styleLbl>
+  <dgm:styleLbl name="bgShp">
+    <dgm:fillClrLst meth="repeat">
+      <a:schemeClr val="accent1">
+        <a:tint val="40000"/>
+      </a:schemeClr>
+    </dgm:fillClrLst>
+    <dgm:linClrLst meth="repeat">
+      <a:schemeClr val="accent1"/>
+    </dgm:linClrLst>
+    <dgm:effectClrLst/>
+    <dgm:txLinClrLst/>
+    <dgm:txFillClrLst meth="repeat">
+      <a:schemeClr val="dk1"/>
+    </dgm:txFillClrLst>
+    <dgm:txEffectClrLst/>
+  </dgm:styleLbl>
+  <dgm:styleLbl name="dkBgShp">
+    <dgm:fillClrLst meth="repeat">
+      <a:schemeClr val="accent1">
+        <a:shade val="80000"/>
+      </a:schemeClr>
+    </dgm:fillClrLst>
+    <dgm:linClrLst meth="repeat">
+      <a:schemeClr val="accent1"/>
+    </dgm:linClrLst>
+    <dgm:effectClrLst/>
+    <dgm:txLinClrLst/>
+    <dgm:txFillClrLst meth="repeat">
+      <a:schemeClr val="lt1"/>
+    </dgm:txFillClrLst>
+    <dgm:txEffectClrLst/>
+  </dgm:styleLbl>
+  <dgm:styleLbl name="trBgShp">
+    <dgm:fillClrLst meth="repeat">
+      <a:schemeClr val="accent1">
+        <a:tint val="50000"/>
+        <a:alpha val="40000"/>
+      </a:schemeClr>
+    </dgm:fillClrLst>
+    <dgm:linClrLst meth="repeat">
+      <a:schemeClr val="accent1"/>
+    </dgm:linClrLst>
+    <dgm:effectClrLst/>
+    <dgm:txLinClrLst/>
+    <dgm:txFillClrLst meth="repeat">
+      <a:schemeClr val="lt1"/>
+    </dgm:txFillClrLst>
+    <dgm:txEffectClrLst/>
+  </dgm:styleLbl>
+  <dgm:styleLbl name="fgShp">
+    <dgm:fillClrLst meth="repeat">
+      <a:schemeClr val="accent1">
         <a:tint val="60000"/>
       </a:schemeClr>
     </dgm:fillClrLst>
@@ -1177,6 +1924,281 @@
     </a:ext>
     <a:ext uri="{C62137D5-CB1D-491B-B009-E17868A290BF}">
       <dgm14:recolorImg xmlns:dgm14="http://schemas.microsoft.com/office/drawing/2010/diagram" val="1"/>
+    </a:ext>
+  </dgm:extLst>
+</dgm:dataModel>
+</file>
+
+<file path=ppt/diagrams/data2.xml><?xml version="1.0" encoding="utf-8"?>
+<dgm:dataModel xmlns:dgm="http://schemas.openxmlformats.org/drawingml/2006/diagram" xmlns:a="http://schemas.openxmlformats.org/drawingml/2006/main">
+  <dgm:ptLst>
+    <dgm:pt modelId="{B1E87E9E-22D7-47E6-B491-976962FCD849}" type="doc">
+      <dgm:prSet loTypeId="urn:microsoft.com/office/officeart/2016/7/layout/LinearBlockProcessNumbered" loCatId="process" qsTypeId="urn:microsoft.com/office/officeart/2005/8/quickstyle/simple1" qsCatId="simple" csTypeId="urn:microsoft.com/office/officeart/2005/8/colors/accent1_2" csCatId="accent1" phldr="1"/>
+      <dgm:spPr/>
+      <dgm:t>
+        <a:bodyPr/>
+        <a:lstStyle/>
+        <a:p>
+          <a:endParaRPr lang="en-US"/>
+        </a:p>
+      </dgm:t>
+    </dgm:pt>
+    <dgm:pt modelId="{6BC717B5-B07B-4267-B7B9-29FB49581B5A}">
+      <dgm:prSet/>
+      <dgm:spPr/>
+      <dgm:t>
+        <a:bodyPr/>
+        <a:lstStyle/>
+        <a:p>
+          <a:r>
+            <a:rPr lang="en-US"/>
+            <a:t>Try a different approach</a:t>
+          </a:r>
+        </a:p>
+      </dgm:t>
+    </dgm:pt>
+    <dgm:pt modelId="{7C78C378-CD97-49AD-A4C3-A003C14A558D}" type="parTrans" cxnId="{4078CCA5-A06F-46C2-9F2E-69508109E2F8}">
+      <dgm:prSet/>
+      <dgm:spPr/>
+      <dgm:t>
+        <a:bodyPr/>
+        <a:lstStyle/>
+        <a:p>
+          <a:endParaRPr lang="en-US"/>
+        </a:p>
+      </dgm:t>
+    </dgm:pt>
+    <dgm:pt modelId="{418D9B4B-AD14-4060-BB71-34F80663641E}" type="sibTrans" cxnId="{4078CCA5-A06F-46C2-9F2E-69508109E2F8}">
+      <dgm:prSet phldrT="01"/>
+      <dgm:spPr/>
+      <dgm:t>
+        <a:bodyPr/>
+        <a:lstStyle/>
+        <a:p>
+          <a:r>
+            <a:rPr lang="en-US"/>
+            <a:t>01</a:t>
+          </a:r>
+        </a:p>
+      </dgm:t>
+    </dgm:pt>
+    <dgm:pt modelId="{C03CD5E2-65DB-43F1-9DF1-DB8A29AB8614}">
+      <dgm:prSet/>
+      <dgm:spPr/>
+      <dgm:t>
+        <a:bodyPr/>
+        <a:lstStyle/>
+        <a:p>
+          <a:r>
+            <a:rPr lang="en-US"/>
+            <a:t>Make my own templates that allow for various values input and output and preliminary</a:t>
+          </a:r>
+        </a:p>
+      </dgm:t>
+    </dgm:pt>
+    <dgm:pt modelId="{919DBA78-A0BE-40DA-B775-DA28480A47C3}" type="parTrans" cxnId="{80954B53-DC4E-45C8-AE67-6F8DB24775BF}">
+      <dgm:prSet/>
+      <dgm:spPr/>
+      <dgm:t>
+        <a:bodyPr/>
+        <a:lstStyle/>
+        <a:p>
+          <a:endParaRPr lang="en-US"/>
+        </a:p>
+      </dgm:t>
+    </dgm:pt>
+    <dgm:pt modelId="{8BE9A8E8-BD55-4529-AF48-4A39246F6F7E}" type="sibTrans" cxnId="{80954B53-DC4E-45C8-AE67-6F8DB24775BF}">
+      <dgm:prSet phldrT="02"/>
+      <dgm:spPr/>
+      <dgm:t>
+        <a:bodyPr/>
+        <a:lstStyle/>
+        <a:p>
+          <a:r>
+            <a:rPr lang="en-US"/>
+            <a:t>02</a:t>
+          </a:r>
+        </a:p>
+      </dgm:t>
+    </dgm:pt>
+    <dgm:pt modelId="{CAA14526-0FC7-4882-8B92-EB03EE38A55C}">
+      <dgm:prSet/>
+      <dgm:spPr/>
+      <dgm:t>
+        <a:bodyPr/>
+        <a:lstStyle/>
+        <a:p>
+          <a:r>
+            <a:rPr lang="en-US"/>
+            <a:t>In assembly, write in a way that is more straight forward…. Or rewrite mul to be specific to binary four digit values</a:t>
+          </a:r>
+        </a:p>
+      </dgm:t>
+    </dgm:pt>
+    <dgm:pt modelId="{842C1728-30D2-4D24-AC69-3F924B96BCFC}" type="parTrans" cxnId="{C285E104-47F9-46F6-AAA4-037A69DBBD39}">
+      <dgm:prSet/>
+      <dgm:spPr/>
+      <dgm:t>
+        <a:bodyPr/>
+        <a:lstStyle/>
+        <a:p>
+          <a:endParaRPr lang="en-US"/>
+        </a:p>
+      </dgm:t>
+    </dgm:pt>
+    <dgm:pt modelId="{101F4E20-3E40-434A-B1EC-75A1DD24B13D}" type="sibTrans" cxnId="{C285E104-47F9-46F6-AAA4-037A69DBBD39}">
+      <dgm:prSet phldrT="03"/>
+      <dgm:spPr/>
+      <dgm:t>
+        <a:bodyPr/>
+        <a:lstStyle/>
+        <a:p>
+          <a:r>
+            <a:rPr lang="en-US"/>
+            <a:t>03</a:t>
+          </a:r>
+        </a:p>
+      </dgm:t>
+    </dgm:pt>
+    <dgm:pt modelId="{A612B656-50A4-4268-B22E-F9F480D94C61}" type="pres">
+      <dgm:prSet presAssocID="{B1E87E9E-22D7-47E6-B491-976962FCD849}" presName="Name0" presStyleCnt="0">
+        <dgm:presLayoutVars>
+          <dgm:animLvl val="lvl"/>
+          <dgm:resizeHandles val="exact"/>
+        </dgm:presLayoutVars>
+      </dgm:prSet>
+      <dgm:spPr/>
+    </dgm:pt>
+    <dgm:pt modelId="{67B218EB-A0FA-478E-8640-50DB22EB0581}" type="pres">
+      <dgm:prSet presAssocID="{6BC717B5-B07B-4267-B7B9-29FB49581B5A}" presName="compositeNode" presStyleCnt="0">
+        <dgm:presLayoutVars>
+          <dgm:bulletEnabled val="1"/>
+        </dgm:presLayoutVars>
+      </dgm:prSet>
+      <dgm:spPr/>
+    </dgm:pt>
+    <dgm:pt modelId="{85762FA8-93C2-44F2-8231-63FC7A6373BD}" type="pres">
+      <dgm:prSet presAssocID="{6BC717B5-B07B-4267-B7B9-29FB49581B5A}" presName="bgRect" presStyleLbl="alignNode1" presStyleIdx="0" presStyleCnt="3"/>
+      <dgm:spPr/>
+    </dgm:pt>
+    <dgm:pt modelId="{23E1DF95-D83E-44B2-979B-283C65F1B0DA}" type="pres">
+      <dgm:prSet presAssocID="{418D9B4B-AD14-4060-BB71-34F80663641E}" presName="sibTransNodeRect" presStyleLbl="alignNode1" presStyleIdx="0" presStyleCnt="3">
+        <dgm:presLayoutVars>
+          <dgm:chMax val="0"/>
+          <dgm:bulletEnabled val="1"/>
+        </dgm:presLayoutVars>
+      </dgm:prSet>
+      <dgm:spPr/>
+    </dgm:pt>
+    <dgm:pt modelId="{DD925C07-EEE7-461A-9338-B22BD08C2B4A}" type="pres">
+      <dgm:prSet presAssocID="{6BC717B5-B07B-4267-B7B9-29FB49581B5A}" presName="nodeRect" presStyleLbl="alignNode1" presStyleIdx="0" presStyleCnt="3">
+        <dgm:presLayoutVars>
+          <dgm:bulletEnabled val="1"/>
+        </dgm:presLayoutVars>
+      </dgm:prSet>
+      <dgm:spPr/>
+    </dgm:pt>
+    <dgm:pt modelId="{CEA9F539-9AAB-450C-827D-744A0B8166AB}" type="pres">
+      <dgm:prSet presAssocID="{418D9B4B-AD14-4060-BB71-34F80663641E}" presName="sibTrans" presStyleCnt="0"/>
+      <dgm:spPr/>
+    </dgm:pt>
+    <dgm:pt modelId="{D29199D1-BE6A-4BF7-B185-AC3E0EBE4785}" type="pres">
+      <dgm:prSet presAssocID="{C03CD5E2-65DB-43F1-9DF1-DB8A29AB8614}" presName="compositeNode" presStyleCnt="0">
+        <dgm:presLayoutVars>
+          <dgm:bulletEnabled val="1"/>
+        </dgm:presLayoutVars>
+      </dgm:prSet>
+      <dgm:spPr/>
+    </dgm:pt>
+    <dgm:pt modelId="{2648C1AA-02C7-4563-8134-E8E25419880A}" type="pres">
+      <dgm:prSet presAssocID="{C03CD5E2-65DB-43F1-9DF1-DB8A29AB8614}" presName="bgRect" presStyleLbl="alignNode1" presStyleIdx="1" presStyleCnt="3"/>
+      <dgm:spPr/>
+    </dgm:pt>
+    <dgm:pt modelId="{8B4D5215-D9EA-4FB6-AD7F-AA4A437BB21D}" type="pres">
+      <dgm:prSet presAssocID="{8BE9A8E8-BD55-4529-AF48-4A39246F6F7E}" presName="sibTransNodeRect" presStyleLbl="alignNode1" presStyleIdx="1" presStyleCnt="3">
+        <dgm:presLayoutVars>
+          <dgm:chMax val="0"/>
+          <dgm:bulletEnabled val="1"/>
+        </dgm:presLayoutVars>
+      </dgm:prSet>
+      <dgm:spPr/>
+    </dgm:pt>
+    <dgm:pt modelId="{7B83772F-4A47-42F1-9E41-EBCE329BC4F0}" type="pres">
+      <dgm:prSet presAssocID="{C03CD5E2-65DB-43F1-9DF1-DB8A29AB8614}" presName="nodeRect" presStyleLbl="alignNode1" presStyleIdx="1" presStyleCnt="3">
+        <dgm:presLayoutVars>
+          <dgm:bulletEnabled val="1"/>
+        </dgm:presLayoutVars>
+      </dgm:prSet>
+      <dgm:spPr/>
+    </dgm:pt>
+    <dgm:pt modelId="{C0E95D7E-60E7-46F7-AF70-42298CE329BB}" type="pres">
+      <dgm:prSet presAssocID="{8BE9A8E8-BD55-4529-AF48-4A39246F6F7E}" presName="sibTrans" presStyleCnt="0"/>
+      <dgm:spPr/>
+    </dgm:pt>
+    <dgm:pt modelId="{7D297E13-445B-48E2-AA36-D9ECD3B99F83}" type="pres">
+      <dgm:prSet presAssocID="{CAA14526-0FC7-4882-8B92-EB03EE38A55C}" presName="compositeNode" presStyleCnt="0">
+        <dgm:presLayoutVars>
+          <dgm:bulletEnabled val="1"/>
+        </dgm:presLayoutVars>
+      </dgm:prSet>
+      <dgm:spPr/>
+    </dgm:pt>
+    <dgm:pt modelId="{3CF068BE-8B62-4217-B134-7565C79B50E9}" type="pres">
+      <dgm:prSet presAssocID="{CAA14526-0FC7-4882-8B92-EB03EE38A55C}" presName="bgRect" presStyleLbl="alignNode1" presStyleIdx="2" presStyleCnt="3"/>
+      <dgm:spPr/>
+    </dgm:pt>
+    <dgm:pt modelId="{23FAD6FC-8DF9-4D08-9E20-96F37CB51A22}" type="pres">
+      <dgm:prSet presAssocID="{101F4E20-3E40-434A-B1EC-75A1DD24B13D}" presName="sibTransNodeRect" presStyleLbl="alignNode1" presStyleIdx="2" presStyleCnt="3">
+        <dgm:presLayoutVars>
+          <dgm:chMax val="0"/>
+          <dgm:bulletEnabled val="1"/>
+        </dgm:presLayoutVars>
+      </dgm:prSet>
+      <dgm:spPr/>
+    </dgm:pt>
+    <dgm:pt modelId="{554467F3-81E4-4DE6-BDD7-C655B3F91B0E}" type="pres">
+      <dgm:prSet presAssocID="{CAA14526-0FC7-4882-8B92-EB03EE38A55C}" presName="nodeRect" presStyleLbl="alignNode1" presStyleIdx="2" presStyleCnt="3">
+        <dgm:presLayoutVars>
+          <dgm:bulletEnabled val="1"/>
+        </dgm:presLayoutVars>
+      </dgm:prSet>
+      <dgm:spPr/>
+    </dgm:pt>
+  </dgm:ptLst>
+  <dgm:cxnLst>
+    <dgm:cxn modelId="{C285E104-47F9-46F6-AAA4-037A69DBBD39}" srcId="{B1E87E9E-22D7-47E6-B491-976962FCD849}" destId="{CAA14526-0FC7-4882-8B92-EB03EE38A55C}" srcOrd="2" destOrd="0" parTransId="{842C1728-30D2-4D24-AC69-3F924B96BCFC}" sibTransId="{101F4E20-3E40-434A-B1EC-75A1DD24B13D}"/>
+    <dgm:cxn modelId="{A303643E-46F2-4282-9F6E-4AF418E49D59}" type="presOf" srcId="{C03CD5E2-65DB-43F1-9DF1-DB8A29AB8614}" destId="{2648C1AA-02C7-4563-8134-E8E25419880A}" srcOrd="0" destOrd="0" presId="urn:microsoft.com/office/officeart/2016/7/layout/LinearBlockProcessNumbered"/>
+    <dgm:cxn modelId="{74DC375C-17FD-42D5-8983-E236FCADABFD}" type="presOf" srcId="{6BC717B5-B07B-4267-B7B9-29FB49581B5A}" destId="{DD925C07-EEE7-461A-9338-B22BD08C2B4A}" srcOrd="1" destOrd="0" presId="urn:microsoft.com/office/officeart/2016/7/layout/LinearBlockProcessNumbered"/>
+    <dgm:cxn modelId="{DE5C6B65-06B9-4C32-AB7A-6E699BDD3B43}" type="presOf" srcId="{CAA14526-0FC7-4882-8B92-EB03EE38A55C}" destId="{554467F3-81E4-4DE6-BDD7-C655B3F91B0E}" srcOrd="1" destOrd="0" presId="urn:microsoft.com/office/officeart/2016/7/layout/LinearBlockProcessNumbered"/>
+    <dgm:cxn modelId="{CBF1A249-D310-4152-A4E3-B7F16CA66092}" type="presOf" srcId="{8BE9A8E8-BD55-4529-AF48-4A39246F6F7E}" destId="{8B4D5215-D9EA-4FB6-AD7F-AA4A437BB21D}" srcOrd="0" destOrd="0" presId="urn:microsoft.com/office/officeart/2016/7/layout/LinearBlockProcessNumbered"/>
+    <dgm:cxn modelId="{80954B53-DC4E-45C8-AE67-6F8DB24775BF}" srcId="{B1E87E9E-22D7-47E6-B491-976962FCD849}" destId="{C03CD5E2-65DB-43F1-9DF1-DB8A29AB8614}" srcOrd="1" destOrd="0" parTransId="{919DBA78-A0BE-40DA-B775-DA28480A47C3}" sibTransId="{8BE9A8E8-BD55-4529-AF48-4A39246F6F7E}"/>
+    <dgm:cxn modelId="{71FA728A-CEE9-49DB-BD37-2811B302F36B}" type="presOf" srcId="{418D9B4B-AD14-4060-BB71-34F80663641E}" destId="{23E1DF95-D83E-44B2-979B-283C65F1B0DA}" srcOrd="0" destOrd="0" presId="urn:microsoft.com/office/officeart/2016/7/layout/LinearBlockProcessNumbered"/>
+    <dgm:cxn modelId="{31EB728B-0B76-4A48-AD5A-EB97C5274CF3}" type="presOf" srcId="{CAA14526-0FC7-4882-8B92-EB03EE38A55C}" destId="{3CF068BE-8B62-4217-B134-7565C79B50E9}" srcOrd="0" destOrd="0" presId="urn:microsoft.com/office/officeart/2016/7/layout/LinearBlockProcessNumbered"/>
+    <dgm:cxn modelId="{64243290-2839-4109-AA5B-3CFD241895F6}" type="presOf" srcId="{6BC717B5-B07B-4267-B7B9-29FB49581B5A}" destId="{85762FA8-93C2-44F2-8231-63FC7A6373BD}" srcOrd="0" destOrd="0" presId="urn:microsoft.com/office/officeart/2016/7/layout/LinearBlockProcessNumbered"/>
+    <dgm:cxn modelId="{D5511C91-73D3-410F-934C-80C5BBEE1609}" type="presOf" srcId="{101F4E20-3E40-434A-B1EC-75A1DD24B13D}" destId="{23FAD6FC-8DF9-4D08-9E20-96F37CB51A22}" srcOrd="0" destOrd="0" presId="urn:microsoft.com/office/officeart/2016/7/layout/LinearBlockProcessNumbered"/>
+    <dgm:cxn modelId="{4078CCA5-A06F-46C2-9F2E-69508109E2F8}" srcId="{B1E87E9E-22D7-47E6-B491-976962FCD849}" destId="{6BC717B5-B07B-4267-B7B9-29FB49581B5A}" srcOrd="0" destOrd="0" parTransId="{7C78C378-CD97-49AD-A4C3-A003C14A558D}" sibTransId="{418D9B4B-AD14-4060-BB71-34F80663641E}"/>
+    <dgm:cxn modelId="{A35487BA-FF76-42AC-A8A9-2F0878B231D9}" type="presOf" srcId="{C03CD5E2-65DB-43F1-9DF1-DB8A29AB8614}" destId="{7B83772F-4A47-42F1-9E41-EBCE329BC4F0}" srcOrd="1" destOrd="0" presId="urn:microsoft.com/office/officeart/2016/7/layout/LinearBlockProcessNumbered"/>
+    <dgm:cxn modelId="{C438D3BE-3D55-4A62-9A6F-122E824803A7}" type="presOf" srcId="{B1E87E9E-22D7-47E6-B491-976962FCD849}" destId="{A612B656-50A4-4268-B22E-F9F480D94C61}" srcOrd="0" destOrd="0" presId="urn:microsoft.com/office/officeart/2016/7/layout/LinearBlockProcessNumbered"/>
+    <dgm:cxn modelId="{C2B317A1-5BE1-4E35-8A9B-46DB0873B893}" type="presParOf" srcId="{A612B656-50A4-4268-B22E-F9F480D94C61}" destId="{67B218EB-A0FA-478E-8640-50DB22EB0581}" srcOrd="0" destOrd="0" presId="urn:microsoft.com/office/officeart/2016/7/layout/LinearBlockProcessNumbered"/>
+    <dgm:cxn modelId="{9F75F62F-472A-448D-AD9E-5B43CA3222CB}" type="presParOf" srcId="{67B218EB-A0FA-478E-8640-50DB22EB0581}" destId="{85762FA8-93C2-44F2-8231-63FC7A6373BD}" srcOrd="0" destOrd="0" presId="urn:microsoft.com/office/officeart/2016/7/layout/LinearBlockProcessNumbered"/>
+    <dgm:cxn modelId="{DBA221AA-89B9-44B3-8543-13B99939B0D7}" type="presParOf" srcId="{67B218EB-A0FA-478E-8640-50DB22EB0581}" destId="{23E1DF95-D83E-44B2-979B-283C65F1B0DA}" srcOrd="1" destOrd="0" presId="urn:microsoft.com/office/officeart/2016/7/layout/LinearBlockProcessNumbered"/>
+    <dgm:cxn modelId="{03174521-C4AF-4509-9433-185644E021AA}" type="presParOf" srcId="{67B218EB-A0FA-478E-8640-50DB22EB0581}" destId="{DD925C07-EEE7-461A-9338-B22BD08C2B4A}" srcOrd="2" destOrd="0" presId="urn:microsoft.com/office/officeart/2016/7/layout/LinearBlockProcessNumbered"/>
+    <dgm:cxn modelId="{9D8F95B3-53BB-45B8-BD8F-38B7EFB26684}" type="presParOf" srcId="{A612B656-50A4-4268-B22E-F9F480D94C61}" destId="{CEA9F539-9AAB-450C-827D-744A0B8166AB}" srcOrd="1" destOrd="0" presId="urn:microsoft.com/office/officeart/2016/7/layout/LinearBlockProcessNumbered"/>
+    <dgm:cxn modelId="{8E35C3F1-16D4-4ED2-BCA2-41E823464D54}" type="presParOf" srcId="{A612B656-50A4-4268-B22E-F9F480D94C61}" destId="{D29199D1-BE6A-4BF7-B185-AC3E0EBE4785}" srcOrd="2" destOrd="0" presId="urn:microsoft.com/office/officeart/2016/7/layout/LinearBlockProcessNumbered"/>
+    <dgm:cxn modelId="{93F49CA9-D38B-46A6-928F-A730DE3D0B09}" type="presParOf" srcId="{D29199D1-BE6A-4BF7-B185-AC3E0EBE4785}" destId="{2648C1AA-02C7-4563-8134-E8E25419880A}" srcOrd="0" destOrd="0" presId="urn:microsoft.com/office/officeart/2016/7/layout/LinearBlockProcessNumbered"/>
+    <dgm:cxn modelId="{64E7B596-37B1-4879-9F5E-CD1E5FCF5D16}" type="presParOf" srcId="{D29199D1-BE6A-4BF7-B185-AC3E0EBE4785}" destId="{8B4D5215-D9EA-4FB6-AD7F-AA4A437BB21D}" srcOrd="1" destOrd="0" presId="urn:microsoft.com/office/officeart/2016/7/layout/LinearBlockProcessNumbered"/>
+    <dgm:cxn modelId="{3F23069B-CA87-433D-B1FC-EC193CB84E40}" type="presParOf" srcId="{D29199D1-BE6A-4BF7-B185-AC3E0EBE4785}" destId="{7B83772F-4A47-42F1-9E41-EBCE329BC4F0}" srcOrd="2" destOrd="0" presId="urn:microsoft.com/office/officeart/2016/7/layout/LinearBlockProcessNumbered"/>
+    <dgm:cxn modelId="{2EC625D7-F9E3-4BFB-81E5-0474613D9E7C}" type="presParOf" srcId="{A612B656-50A4-4268-B22E-F9F480D94C61}" destId="{C0E95D7E-60E7-46F7-AF70-42298CE329BB}" srcOrd="3" destOrd="0" presId="urn:microsoft.com/office/officeart/2016/7/layout/LinearBlockProcessNumbered"/>
+    <dgm:cxn modelId="{28B57A10-8DB7-4A3C-AD2B-6D12BA2C28C9}" type="presParOf" srcId="{A612B656-50A4-4268-B22E-F9F480D94C61}" destId="{7D297E13-445B-48E2-AA36-D9ECD3B99F83}" srcOrd="4" destOrd="0" presId="urn:microsoft.com/office/officeart/2016/7/layout/LinearBlockProcessNumbered"/>
+    <dgm:cxn modelId="{D89D475E-A3CD-40E8-86BB-2B9886D3F827}" type="presParOf" srcId="{7D297E13-445B-48E2-AA36-D9ECD3B99F83}" destId="{3CF068BE-8B62-4217-B134-7565C79B50E9}" srcOrd="0" destOrd="0" presId="urn:microsoft.com/office/officeart/2016/7/layout/LinearBlockProcessNumbered"/>
+    <dgm:cxn modelId="{1494EC0A-3989-41CA-85B2-E70E1BFF65F5}" type="presParOf" srcId="{7D297E13-445B-48E2-AA36-D9ECD3B99F83}" destId="{23FAD6FC-8DF9-4D08-9E20-96F37CB51A22}" srcOrd="1" destOrd="0" presId="urn:microsoft.com/office/officeart/2016/7/layout/LinearBlockProcessNumbered"/>
+    <dgm:cxn modelId="{9E670DF7-AEE5-44B4-9C22-E588CA7920E7}" type="presParOf" srcId="{7D297E13-445B-48E2-AA36-D9ECD3B99F83}" destId="{554467F3-81E4-4DE6-BDD7-C655B3F91B0E}" srcOrd="2" destOrd="0" presId="urn:microsoft.com/office/officeart/2016/7/layout/LinearBlockProcessNumbered"/>
+  </dgm:cxnLst>
+  <dgm:bg/>
+  <dgm:whole/>
+  <dgm:extLst>
+    <a:ext uri="http://schemas.microsoft.com/office/drawing/2008/diagram">
+      <dsp:dataModelExt xmlns:dsp="http://schemas.microsoft.com/office/drawing/2008/diagram" relId="rId6" minVer="http://schemas.openxmlformats.org/drawingml/2006/diagram"/>
     </a:ext>
   </dgm:extLst>
 </dgm:dataModel>
@@ -1564,6 +2586,441 @@
       <dsp:txXfrm>
         <a:off x="9646510" y="2116863"/>
         <a:ext cx="394497" cy="539745"/>
+      </dsp:txXfrm>
+    </dsp:sp>
+  </dsp:spTree>
+</dsp:drawing>
+</file>
+
+<file path=ppt/diagrams/drawing2.xml><?xml version="1.0" encoding="utf-8"?>
+<dsp:drawing xmlns:dgm="http://schemas.openxmlformats.org/drawingml/2006/diagram" xmlns:dsp="http://schemas.microsoft.com/office/drawing/2008/diagram" xmlns:a="http://schemas.openxmlformats.org/drawingml/2006/main">
+  <dsp:spTree>
+    <dsp:nvGrpSpPr>
+      <dsp:cNvPr id="0" name=""/>
+      <dsp:cNvGrpSpPr/>
+    </dsp:nvGrpSpPr>
+    <dsp:grpSpPr/>
+    <dsp:sp modelId="{85762FA8-93C2-44F2-8231-63FC7A6373BD}">
+      <dsp:nvSpPr>
+        <dsp:cNvPr id="0" name=""/>
+        <dsp:cNvSpPr/>
+      </dsp:nvSpPr>
+      <dsp:spPr>
+        <a:xfrm>
+          <a:off x="861" y="0"/>
+          <a:ext cx="3489945" cy="3678238"/>
+        </a:xfrm>
+        <a:prstGeom prst="rect">
+          <a:avLst/>
+        </a:prstGeom>
+        <a:solidFill>
+          <a:schemeClr val="accent1">
+            <a:hueOff val="0"/>
+            <a:satOff val="0"/>
+            <a:lumOff val="0"/>
+            <a:alphaOff val="0"/>
+          </a:schemeClr>
+        </a:solidFill>
+        <a:ln w="22225" cap="rnd" cmpd="sng" algn="ctr">
+          <a:solidFill>
+            <a:schemeClr val="accent1">
+              <a:hueOff val="0"/>
+              <a:satOff val="0"/>
+              <a:lumOff val="0"/>
+              <a:alphaOff val="0"/>
+            </a:schemeClr>
+          </a:solidFill>
+          <a:prstDash val="solid"/>
+        </a:ln>
+        <a:effectLst/>
+      </dsp:spPr>
+      <dsp:style>
+        <a:lnRef idx="2">
+          <a:scrgbClr r="0" g="0" b="0"/>
+        </a:lnRef>
+        <a:fillRef idx="1">
+          <a:scrgbClr r="0" g="0" b="0"/>
+        </a:fillRef>
+        <a:effectRef idx="0">
+          <a:scrgbClr r="0" g="0" b="0"/>
+        </a:effectRef>
+        <a:fontRef idx="minor">
+          <a:schemeClr val="lt1"/>
+        </a:fontRef>
+      </dsp:style>
+      <dsp:txBody>
+        <a:bodyPr spcFirstLastPara="0" vert="horz" wrap="square" lIns="344729" tIns="0" rIns="344729" bIns="330200" numCol="1" spcCol="1270" anchor="t" anchorCtr="0">
+          <a:noAutofit/>
+        </a:bodyPr>
+        <a:lstStyle/>
+        <a:p>
+          <a:pPr marL="0" lvl="0" indent="0" algn="l" defTabSz="1022350">
+            <a:lnSpc>
+              <a:spcPct val="90000"/>
+            </a:lnSpc>
+            <a:spcBef>
+              <a:spcPct val="0"/>
+            </a:spcBef>
+            <a:spcAft>
+              <a:spcPct val="35000"/>
+            </a:spcAft>
+            <a:buNone/>
+          </a:pPr>
+          <a:r>
+            <a:rPr lang="en-US" sz="2300" kern="1200"/>
+            <a:t>Try a different approach</a:t>
+          </a:r>
+        </a:p>
+      </dsp:txBody>
+      <dsp:txXfrm>
+        <a:off x="861" y="1471295"/>
+        <a:ext cx="3489945" cy="2206942"/>
+      </dsp:txXfrm>
+    </dsp:sp>
+    <dsp:sp modelId="{23E1DF95-D83E-44B2-979B-283C65F1B0DA}">
+      <dsp:nvSpPr>
+        <dsp:cNvPr id="0" name=""/>
+        <dsp:cNvSpPr/>
+      </dsp:nvSpPr>
+      <dsp:spPr>
+        <a:xfrm>
+          <a:off x="861" y="0"/>
+          <a:ext cx="3489945" cy="1471295"/>
+        </a:xfrm>
+        <a:prstGeom prst="rect">
+          <a:avLst/>
+        </a:prstGeom>
+        <a:noFill/>
+        <a:ln w="22225" cap="rnd" cmpd="sng" algn="ctr">
+          <a:noFill/>
+          <a:prstDash val="solid"/>
+        </a:ln>
+        <a:effectLst/>
+        <a:sp3d/>
+      </dsp:spPr>
+      <dsp:style>
+        <a:lnRef idx="2">
+          <a:scrgbClr r="0" g="0" b="0"/>
+        </a:lnRef>
+        <a:fillRef idx="1">
+          <a:scrgbClr r="0" g="0" b="0"/>
+        </a:fillRef>
+        <a:effectRef idx="0">
+          <a:scrgbClr r="0" g="0" b="0"/>
+        </a:effectRef>
+        <a:fontRef idx="minor">
+          <a:schemeClr val="lt1"/>
+        </a:fontRef>
+      </dsp:style>
+      <dsp:txBody>
+        <a:bodyPr spcFirstLastPara="0" vert="horz" wrap="square" lIns="344729" tIns="165100" rIns="344729" bIns="165100" numCol="1" spcCol="1270" anchor="ctr" anchorCtr="0">
+          <a:noAutofit/>
+        </a:bodyPr>
+        <a:lstStyle/>
+        <a:p>
+          <a:pPr marL="0" lvl="0" indent="0" algn="l" defTabSz="2933700">
+            <a:lnSpc>
+              <a:spcPct val="90000"/>
+            </a:lnSpc>
+            <a:spcBef>
+              <a:spcPct val="0"/>
+            </a:spcBef>
+            <a:spcAft>
+              <a:spcPct val="35000"/>
+            </a:spcAft>
+            <a:buNone/>
+          </a:pPr>
+          <a:r>
+            <a:rPr lang="en-US" sz="6600" kern="1200"/>
+            <a:t>01</a:t>
+          </a:r>
+        </a:p>
+      </dsp:txBody>
+      <dsp:txXfrm>
+        <a:off x="861" y="0"/>
+        <a:ext cx="3489945" cy="1471295"/>
+      </dsp:txXfrm>
+    </dsp:sp>
+    <dsp:sp modelId="{2648C1AA-02C7-4563-8134-E8E25419880A}">
+      <dsp:nvSpPr>
+        <dsp:cNvPr id="0" name=""/>
+        <dsp:cNvSpPr/>
+      </dsp:nvSpPr>
+      <dsp:spPr>
+        <a:xfrm>
+          <a:off x="3770002" y="0"/>
+          <a:ext cx="3489945" cy="3678238"/>
+        </a:xfrm>
+        <a:prstGeom prst="rect">
+          <a:avLst/>
+        </a:prstGeom>
+        <a:solidFill>
+          <a:schemeClr val="accent1">
+            <a:hueOff val="0"/>
+            <a:satOff val="0"/>
+            <a:lumOff val="0"/>
+            <a:alphaOff val="0"/>
+          </a:schemeClr>
+        </a:solidFill>
+        <a:ln w="22225" cap="rnd" cmpd="sng" algn="ctr">
+          <a:solidFill>
+            <a:schemeClr val="accent1">
+              <a:hueOff val="0"/>
+              <a:satOff val="0"/>
+              <a:lumOff val="0"/>
+              <a:alphaOff val="0"/>
+            </a:schemeClr>
+          </a:solidFill>
+          <a:prstDash val="solid"/>
+        </a:ln>
+        <a:effectLst/>
+      </dsp:spPr>
+      <dsp:style>
+        <a:lnRef idx="2">
+          <a:scrgbClr r="0" g="0" b="0"/>
+        </a:lnRef>
+        <a:fillRef idx="1">
+          <a:scrgbClr r="0" g="0" b="0"/>
+        </a:fillRef>
+        <a:effectRef idx="0">
+          <a:scrgbClr r="0" g="0" b="0"/>
+        </a:effectRef>
+        <a:fontRef idx="minor">
+          <a:schemeClr val="lt1"/>
+        </a:fontRef>
+      </dsp:style>
+      <dsp:txBody>
+        <a:bodyPr spcFirstLastPara="0" vert="horz" wrap="square" lIns="344729" tIns="0" rIns="344729" bIns="330200" numCol="1" spcCol="1270" anchor="t" anchorCtr="0">
+          <a:noAutofit/>
+        </a:bodyPr>
+        <a:lstStyle/>
+        <a:p>
+          <a:pPr marL="0" lvl="0" indent="0" algn="l" defTabSz="1022350">
+            <a:lnSpc>
+              <a:spcPct val="90000"/>
+            </a:lnSpc>
+            <a:spcBef>
+              <a:spcPct val="0"/>
+            </a:spcBef>
+            <a:spcAft>
+              <a:spcPct val="35000"/>
+            </a:spcAft>
+            <a:buNone/>
+          </a:pPr>
+          <a:r>
+            <a:rPr lang="en-US" sz="2300" kern="1200"/>
+            <a:t>Make my own templates that allow for various values input and output and preliminary</a:t>
+          </a:r>
+        </a:p>
+      </dsp:txBody>
+      <dsp:txXfrm>
+        <a:off x="3770002" y="1471295"/>
+        <a:ext cx="3489945" cy="2206942"/>
+      </dsp:txXfrm>
+    </dsp:sp>
+    <dsp:sp modelId="{8B4D5215-D9EA-4FB6-AD7F-AA4A437BB21D}">
+      <dsp:nvSpPr>
+        <dsp:cNvPr id="0" name=""/>
+        <dsp:cNvSpPr/>
+      </dsp:nvSpPr>
+      <dsp:spPr>
+        <a:xfrm>
+          <a:off x="3770002" y="0"/>
+          <a:ext cx="3489945" cy="1471295"/>
+        </a:xfrm>
+        <a:prstGeom prst="rect">
+          <a:avLst/>
+        </a:prstGeom>
+        <a:noFill/>
+        <a:ln w="22225" cap="rnd" cmpd="sng" algn="ctr">
+          <a:noFill/>
+          <a:prstDash val="solid"/>
+        </a:ln>
+        <a:effectLst/>
+        <a:sp3d/>
+      </dsp:spPr>
+      <dsp:style>
+        <a:lnRef idx="2">
+          <a:scrgbClr r="0" g="0" b="0"/>
+        </a:lnRef>
+        <a:fillRef idx="1">
+          <a:scrgbClr r="0" g="0" b="0"/>
+        </a:fillRef>
+        <a:effectRef idx="0">
+          <a:scrgbClr r="0" g="0" b="0"/>
+        </a:effectRef>
+        <a:fontRef idx="minor">
+          <a:schemeClr val="lt1"/>
+        </a:fontRef>
+      </dsp:style>
+      <dsp:txBody>
+        <a:bodyPr spcFirstLastPara="0" vert="horz" wrap="square" lIns="344729" tIns="165100" rIns="344729" bIns="165100" numCol="1" spcCol="1270" anchor="ctr" anchorCtr="0">
+          <a:noAutofit/>
+        </a:bodyPr>
+        <a:lstStyle/>
+        <a:p>
+          <a:pPr marL="0" lvl="0" indent="0" algn="l" defTabSz="2933700">
+            <a:lnSpc>
+              <a:spcPct val="90000"/>
+            </a:lnSpc>
+            <a:spcBef>
+              <a:spcPct val="0"/>
+            </a:spcBef>
+            <a:spcAft>
+              <a:spcPct val="35000"/>
+            </a:spcAft>
+            <a:buNone/>
+          </a:pPr>
+          <a:r>
+            <a:rPr lang="en-US" sz="6600" kern="1200"/>
+            <a:t>02</a:t>
+          </a:r>
+        </a:p>
+      </dsp:txBody>
+      <dsp:txXfrm>
+        <a:off x="3770002" y="0"/>
+        <a:ext cx="3489945" cy="1471295"/>
+      </dsp:txXfrm>
+    </dsp:sp>
+    <dsp:sp modelId="{3CF068BE-8B62-4217-B134-7565C79B50E9}">
+      <dsp:nvSpPr>
+        <dsp:cNvPr id="0" name=""/>
+        <dsp:cNvSpPr/>
+      </dsp:nvSpPr>
+      <dsp:spPr>
+        <a:xfrm>
+          <a:off x="7539143" y="0"/>
+          <a:ext cx="3489945" cy="3678238"/>
+        </a:xfrm>
+        <a:prstGeom prst="rect">
+          <a:avLst/>
+        </a:prstGeom>
+        <a:solidFill>
+          <a:schemeClr val="accent1">
+            <a:hueOff val="0"/>
+            <a:satOff val="0"/>
+            <a:lumOff val="0"/>
+            <a:alphaOff val="0"/>
+          </a:schemeClr>
+        </a:solidFill>
+        <a:ln w="22225" cap="rnd" cmpd="sng" algn="ctr">
+          <a:solidFill>
+            <a:schemeClr val="accent1">
+              <a:hueOff val="0"/>
+              <a:satOff val="0"/>
+              <a:lumOff val="0"/>
+              <a:alphaOff val="0"/>
+            </a:schemeClr>
+          </a:solidFill>
+          <a:prstDash val="solid"/>
+        </a:ln>
+        <a:effectLst/>
+      </dsp:spPr>
+      <dsp:style>
+        <a:lnRef idx="2">
+          <a:scrgbClr r="0" g="0" b="0"/>
+        </a:lnRef>
+        <a:fillRef idx="1">
+          <a:scrgbClr r="0" g="0" b="0"/>
+        </a:fillRef>
+        <a:effectRef idx="0">
+          <a:scrgbClr r="0" g="0" b="0"/>
+        </a:effectRef>
+        <a:fontRef idx="minor">
+          <a:schemeClr val="lt1"/>
+        </a:fontRef>
+      </dsp:style>
+      <dsp:txBody>
+        <a:bodyPr spcFirstLastPara="0" vert="horz" wrap="square" lIns="344729" tIns="0" rIns="344729" bIns="330200" numCol="1" spcCol="1270" anchor="t" anchorCtr="0">
+          <a:noAutofit/>
+        </a:bodyPr>
+        <a:lstStyle/>
+        <a:p>
+          <a:pPr marL="0" lvl="0" indent="0" algn="l" defTabSz="1022350">
+            <a:lnSpc>
+              <a:spcPct val="90000"/>
+            </a:lnSpc>
+            <a:spcBef>
+              <a:spcPct val="0"/>
+            </a:spcBef>
+            <a:spcAft>
+              <a:spcPct val="35000"/>
+            </a:spcAft>
+            <a:buNone/>
+          </a:pPr>
+          <a:r>
+            <a:rPr lang="en-US" sz="2300" kern="1200"/>
+            <a:t>In assembly, write in a way that is more straight forward…. Or rewrite mul to be specific to binary four digit values</a:t>
+          </a:r>
+        </a:p>
+      </dsp:txBody>
+      <dsp:txXfrm>
+        <a:off x="7539143" y="1471295"/>
+        <a:ext cx="3489945" cy="2206942"/>
+      </dsp:txXfrm>
+    </dsp:sp>
+    <dsp:sp modelId="{23FAD6FC-8DF9-4D08-9E20-96F37CB51A22}">
+      <dsp:nvSpPr>
+        <dsp:cNvPr id="0" name=""/>
+        <dsp:cNvSpPr/>
+      </dsp:nvSpPr>
+      <dsp:spPr>
+        <a:xfrm>
+          <a:off x="7539143" y="0"/>
+          <a:ext cx="3489945" cy="1471295"/>
+        </a:xfrm>
+        <a:prstGeom prst="rect">
+          <a:avLst/>
+        </a:prstGeom>
+        <a:noFill/>
+        <a:ln w="22225" cap="rnd" cmpd="sng" algn="ctr">
+          <a:noFill/>
+          <a:prstDash val="solid"/>
+        </a:ln>
+        <a:effectLst/>
+        <a:sp3d/>
+      </dsp:spPr>
+      <dsp:style>
+        <a:lnRef idx="2">
+          <a:scrgbClr r="0" g="0" b="0"/>
+        </a:lnRef>
+        <a:fillRef idx="1">
+          <a:scrgbClr r="0" g="0" b="0"/>
+        </a:fillRef>
+        <a:effectRef idx="0">
+          <a:scrgbClr r="0" g="0" b="0"/>
+        </a:effectRef>
+        <a:fontRef idx="minor">
+          <a:schemeClr val="lt1"/>
+        </a:fontRef>
+      </dsp:style>
+      <dsp:txBody>
+        <a:bodyPr spcFirstLastPara="0" vert="horz" wrap="square" lIns="344729" tIns="165100" rIns="344729" bIns="165100" numCol="1" spcCol="1270" anchor="ctr" anchorCtr="0">
+          <a:noAutofit/>
+        </a:bodyPr>
+        <a:lstStyle/>
+        <a:p>
+          <a:pPr marL="0" lvl="0" indent="0" algn="l" defTabSz="2933700">
+            <a:lnSpc>
+              <a:spcPct val="90000"/>
+            </a:lnSpc>
+            <a:spcBef>
+              <a:spcPct val="0"/>
+            </a:spcBef>
+            <a:spcAft>
+              <a:spcPct val="35000"/>
+            </a:spcAft>
+            <a:buNone/>
+          </a:pPr>
+          <a:r>
+            <a:rPr lang="en-US" sz="6600" kern="1200"/>
+            <a:t>03</a:t>
+          </a:r>
+        </a:p>
+      </dsp:txBody>
+      <dsp:txXfrm>
+        <a:off x="7539143" y="0"/>
+        <a:ext cx="3489945" cy="1471295"/>
       </dsp:txXfrm>
     </dsp:sp>
   </dsp:spTree>
@@ -2796,7 +4253,1307 @@
 </dgm:layoutDef>
 </file>
 
+<file path=ppt/diagrams/layout2.xml><?xml version="1.0" encoding="utf-8"?>
+<dgm:layoutDef xmlns:dgm="http://schemas.openxmlformats.org/drawingml/2006/diagram" xmlns:a="http://schemas.openxmlformats.org/drawingml/2006/main" uniqueId="urn:microsoft.com/office/officeart/2016/7/layout/LinearBlockProcessNumbered">
+  <dgm:title val="Linear Block Process Numbered"/>
+  <dgm:desc val="Used to show a progression; a timeline; sequential steps in a task, process, or workflow; or to emphasize movement or direction. Automatic numbers have been introduced to show the steps of the process. Level 1 text and Level 2 text both appears in a rectangle."/>
+  <dgm:catLst>
+    <dgm:cat type="process" pri="500"/>
+  </dgm:catLst>
+  <dgm:sampData>
+    <dgm:dataModel>
+      <dgm:ptLst>
+        <dgm:pt modelId="0" type="doc"/>
+        <dgm:pt modelId="1">
+          <dgm:prSet phldr="1"/>
+        </dgm:pt>
+        <dgm:pt modelId="11">
+          <dgm:prSet phldr="1"/>
+        </dgm:pt>
+        <dgm:pt modelId="2">
+          <dgm:prSet phldr="1"/>
+        </dgm:pt>
+        <dgm:pt modelId="21">
+          <dgm:prSet phldr="1"/>
+        </dgm:pt>
+        <dgm:pt modelId="3">
+          <dgm:prSet phldr="1"/>
+        </dgm:pt>
+        <dgm:pt modelId="31">
+          <dgm:prSet phldr="1"/>
+        </dgm:pt>
+        <dgm:pt modelId="101" type="sibTrans" cxnId="4">
+          <dgm:prSet phldrT="1"/>
+          <dgm:t>
+            <a:bodyPr/>
+            <a:lstStyle/>
+            <a:p>
+              <a:r>
+                <a:t>01</a:t>
+              </a:r>
+            </a:p>
+          </dgm:t>
+        </dgm:pt>
+        <dgm:pt modelId="201" type="sibTrans" cxnId="5">
+          <dgm:prSet phldrT="2"/>
+          <dgm:t>
+            <a:bodyPr/>
+            <a:lstStyle/>
+            <a:p>
+              <a:r>
+                <a:t>02</a:t>
+              </a:r>
+            </a:p>
+          </dgm:t>
+        </dgm:pt>
+        <dgm:pt modelId="301" type="sibTrans" cxnId="6">
+          <dgm:prSet phldrT="3"/>
+          <dgm:t>
+            <a:bodyPr/>
+            <a:lstStyle/>
+            <a:p>
+              <a:r>
+                <a:t>03</a:t>
+              </a:r>
+            </a:p>
+          </dgm:t>
+        </dgm:pt>
+      </dgm:ptLst>
+      <dgm:cxnLst>
+        <dgm:cxn modelId="4" srcId="0" destId="1" srcOrd="0" destOrd="0" sibTransId="101"/>
+        <dgm:cxn modelId="5" srcId="0" destId="2" srcOrd="1" destOrd="0" sibTransId="201"/>
+        <dgm:cxn modelId="6" srcId="0" destId="3" srcOrd="2" destOrd="0" sibTransId="301"/>
+        <dgm:cxn modelId="13" srcId="1" destId="11" srcOrd="0" destOrd="0"/>
+        <dgm:cxn modelId="23" srcId="2" destId="21" srcOrd="0" destOrd="0"/>
+        <dgm:cxn modelId="33" srcId="3" destId="31" srcOrd="0" destOrd="0"/>
+      </dgm:cxnLst>
+      <dgm:bg/>
+      <dgm:whole/>
+    </dgm:dataModel>
+  </dgm:sampData>
+  <dgm:styleData>
+    <dgm:dataModel>
+      <dgm:ptLst>
+        <dgm:pt modelId="0" type="doc"/>
+        <dgm:pt modelId="1"/>
+        <dgm:pt modelId="11"/>
+        <dgm:pt modelId="2"/>
+        <dgm:pt modelId="21"/>
+      </dgm:ptLst>
+      <dgm:cxnLst>
+        <dgm:cxn modelId="4" srcId="0" destId="1" srcOrd="0" destOrd="0"/>
+        <dgm:cxn modelId="5" srcId="0" destId="2" srcOrd="1" destOrd="0"/>
+        <dgm:cxn modelId="13" srcId="1" destId="11" srcOrd="0" destOrd="0"/>
+        <dgm:cxn modelId="23" srcId="2" destId="21" srcOrd="0" destOrd="0"/>
+      </dgm:cxnLst>
+      <dgm:bg/>
+      <dgm:whole/>
+    </dgm:dataModel>
+  </dgm:styleData>
+  <dgm:clrData>
+    <dgm:dataModel>
+      <dgm:ptLst>
+        <dgm:pt modelId="0" type="doc"/>
+        <dgm:pt modelId="1"/>
+        <dgm:pt modelId="11"/>
+        <dgm:pt modelId="2"/>
+        <dgm:pt modelId="21"/>
+        <dgm:pt modelId="3"/>
+        <dgm:pt modelId="31"/>
+        <dgm:pt modelId="4"/>
+        <dgm:pt modelId="41"/>
+      </dgm:ptLst>
+      <dgm:cxnLst>
+        <dgm:cxn modelId="5" srcId="0" destId="1" srcOrd="0" destOrd="0"/>
+        <dgm:cxn modelId="6" srcId="0" destId="2" srcOrd="1" destOrd="0"/>
+        <dgm:cxn modelId="7" srcId="0" destId="3" srcOrd="2" destOrd="0"/>
+        <dgm:cxn modelId="8" srcId="0" destId="4" srcOrd="3" destOrd="0"/>
+        <dgm:cxn modelId="13" srcId="1" destId="11" srcOrd="0" destOrd="0"/>
+        <dgm:cxn modelId="23" srcId="2" destId="21" srcOrd="0" destOrd="0"/>
+        <dgm:cxn modelId="33" srcId="3" destId="31" srcOrd="0" destOrd="0"/>
+        <dgm:cxn modelId="43" srcId="4" destId="41" srcOrd="0" destOrd="0"/>
+      </dgm:cxnLst>
+      <dgm:bg/>
+      <dgm:whole/>
+    </dgm:dataModel>
+  </dgm:clrData>
+  <dgm:layoutNode name="Name0">
+    <dgm:varLst>
+      <dgm:animLvl val="lvl"/>
+      <dgm:resizeHandles val="exact"/>
+    </dgm:varLst>
+    <dgm:alg type="lin">
+      <dgm:param type="linDir" val="fromL"/>
+      <dgm:param type="nodeVertAlign" val="t"/>
+    </dgm:alg>
+    <dgm:shape xmlns:r="http://schemas.openxmlformats.org/officeDocument/2006/relationships" r:blip="">
+      <dgm:adjLst/>
+    </dgm:shape>
+    <dgm:presOf/>
+    <dgm:constrLst>
+      <dgm:constr type="h" for="ch" forName="compositeNode" refType="h"/>
+      <dgm:constr type="w" for="ch" forName="compositeNode" refType="w"/>
+      <dgm:constr type="w" for="des" forName="simulatedConn" refType="w" refFor="ch" refForName="compositeNode" fact="0.15"/>
+      <dgm:constr type="h" for="des" forName="simulatedConn" refType="w" refFor="des" refForName="simulatedConn"/>
+      <dgm:constr type="h" for="des" forName="vSp1" refType="w" refFor="ch" refForName="compositeNode" fact="0.8"/>
+      <dgm:constr type="h" for="des" forName="vSp2" refType="w" refFor="ch" refForName="compositeNode" fact="0.07"/>
+      <dgm:constr type="w" for="ch" forName="vProcSp" refType="w" refFor="des" refForName="simulatedConn" op="equ"/>
+      <dgm:constr type="h" for="ch" forName="vProcSp" refType="h" refFor="ch" refForName="compositeNode" op="equ"/>
+      <dgm:constr type="w" for="ch" forName="sibTrans" refType="w" refFor="ch" refForName="compositeNode" fact="0.08"/>
+      <dgm:constr type="primFontSz" for="des" forName="sibTransNodeRect" op="equ"/>
+      <dgm:constr type="primFontSz" for="des" forName="nodeRect" op="equ"/>
+    </dgm:constrLst>
+    <dgm:ruleLst/>
+    <dgm:forEach name="Name4" axis="ch" ptType="node">
+      <dgm:layoutNode name="compositeNode">
+        <dgm:varLst>
+          <dgm:bulletEnabled val="1"/>
+        </dgm:varLst>
+        <dgm:alg type="composite"/>
+        <dgm:constrLst>
+          <dgm:constr type="h" refType="w" op="lte" fact="1.2"/>
+          <dgm:constr type="w" for="ch" forName="bgRect" refType="w"/>
+          <dgm:constr type="h" for="ch" forName="bgRect" refType="h"/>
+          <dgm:constr type="t" for="ch" forName="bgRect"/>
+          <dgm:constr type="l" for="ch" forName="bgRect"/>
+          <dgm:constr type="w" for="ch" forName="sibTransNodeRect" refType="w" refFor="ch" refForName="bgRect"/>
+          <dgm:constr type="h" for="ch" forName="sibTransNodeRect" refType="h" refFor="ch" refForName="bgRect" fact="0.4"/>
+          <dgm:constr type="t" for="ch" forName="sibTransNodeRect"/>
+          <dgm:constr type="l" for="ch" forName="sibTransNodeRect"/>
+          <dgm:constr type="r" for="ch" forName="nodeRect" refType="r" refFor="ch" refForName="bgRect"/>
+          <dgm:constr type="h" for="ch" forName="nodeRect" refType="h" refFor="ch" refForName="bgRect" fact="0.6"/>
+          <dgm:constr type="t" for="ch" forName="nodeRect" refType="b" refFor="ch" refForName="sibTransNodeRect"/>
+          <dgm:constr type="l" for="ch" forName="nodeRect" refType="l" refFor="ch" refForName="bgRect"/>
+        </dgm:constrLst>
+        <dgm:ruleLst>
+          <dgm:rule type="w" for="ch" forName="nodeRect" val="NaN" fact="NaN" max="30"/>
+        </dgm:ruleLst>
+        <dgm:layoutNode name="bgRect" styleLbl="alignNode1">
+          <dgm:alg type="sp"/>
+          <dgm:shape xmlns:r="http://schemas.openxmlformats.org/officeDocument/2006/relationships" type="rect" r:blip="">
+            <dgm:adjLst>
+              <dgm:adj idx="1" val="0.05"/>
+            </dgm:adjLst>
+          </dgm:shape>
+          <dgm:presOf axis="self"/>
+          <dgm:constrLst/>
+          <dgm:ruleLst/>
+        </dgm:layoutNode>
+        <dgm:forEach name="Name19" axis="followSib" ptType="sibTrans" hideLastTrans="0" cnt="1">
+          <dgm:layoutNode name="sibTransNodeRect" styleLbl="alignNode1">
+            <dgm:varLst>
+              <dgm:chMax val="0"/>
+              <dgm:bulletEnabled val="1"/>
+            </dgm:varLst>
+            <dgm:presOf axis="self"/>
+            <dgm:alg type="tx">
+              <dgm:param type="parTxLTRAlign" val="l"/>
+              <dgm:param type="parTxRTLAlign" val="l"/>
+            </dgm:alg>
+            <dgm:shape xmlns:r="http://schemas.openxmlformats.org/officeDocument/2006/relationships" type="rect" r:blip="" hideGeom="1">
+              <dgm:adjLst/>
+            </dgm:shape>
+            <dgm:constrLst>
+              <dgm:constr type="primFontSz" val="66"/>
+              <dgm:constr type="tMarg" val="13"/>
+              <dgm:constr type="lMarg" refType="w" fact="0.28"/>
+              <dgm:constr type="rMarg" refType="w" fact="0.28"/>
+              <dgm:constr type="bMarg" val="13"/>
+            </dgm:constrLst>
+            <dgm:ruleLst>
+              <dgm:rule type="primFontSz" val="14" fact="NaN" max="NaN"/>
+              <dgm:rule type="tMarg" val="13" fact="NaN" max="NaN"/>
+            </dgm:ruleLst>
+          </dgm:layoutNode>
+        </dgm:forEach>
+        <dgm:layoutNode name="nodeRect" styleLbl="alignNode1" moveWith="bgRect">
+          <dgm:varLst>
+            <dgm:bulletEnabled val="1"/>
+          </dgm:varLst>
+          <dgm:alg type="tx">
+            <dgm:param type="parTxLTRAlign" val="l"/>
+            <dgm:param type="parTxRTLAlign" val="r"/>
+            <dgm:param type="txAnchorVert" val="t"/>
+            <dgm:param type="stBulletLvl" val="2"/>
+          </dgm:alg>
+          <dgm:shape xmlns:r="http://schemas.openxmlformats.org/officeDocument/2006/relationships" type="rect" r:blip="" hideGeom="1">
+            <dgm:adjLst/>
+          </dgm:shape>
+          <dgm:presOf axis="desOrSelf" ptType="node"/>
+          <dgm:constrLst>
+            <dgm:constr type="primFontSz" val="26"/>
+            <dgm:constr type="tMarg"/>
+            <dgm:constr type="lMarg" refType="w" fact="0.28"/>
+            <dgm:constr type="rMarg" refType="w" fact="0.28"/>
+            <dgm:constr type="bMarg" val="26"/>
+          </dgm:constrLst>
+          <dgm:ruleLst>
+            <dgm:rule type="primFontSz" val="11" fact="NaN" max="NaN"/>
+          </dgm:ruleLst>
+        </dgm:layoutNode>
+      </dgm:layoutNode>
+      <dgm:forEach name="Name14" axis="followSib" ptType="sibTrans" cnt="1">
+        <dgm:layoutNode name="sibTrans">
+          <dgm:alg type="sp"/>
+          <dgm:shape xmlns:r="http://schemas.openxmlformats.org/officeDocument/2006/relationships" r:blip="">
+            <dgm:adjLst/>
+          </dgm:shape>
+          <dgm:presOf/>
+          <dgm:constrLst/>
+          <dgm:ruleLst/>
+        </dgm:layoutNode>
+      </dgm:forEach>
+    </dgm:forEach>
+  </dgm:layoutNode>
+  <dgm:extLst>
+    <a:ext uri="{4F341089-5ED1-44EC-B178-C955D00A3D55}">
+      <dgm1611:autoBuNodeInfoLst xmlns:dgm1611="http://schemas.microsoft.com/office/drawing/2016/11/diagram">
+        <dgm1611:autoBuNodeInfo lvl="1" ptType="sibTrans">
+          <dgm1611:buPr prefix="" leadZeros="1">
+            <a:buAutoNum type="arabicParenBoth"/>
+          </dgm1611:buPr>
+        </dgm1611:autoBuNodeInfo>
+      </dgm1611:autoBuNodeInfoLst>
+    </a:ext>
+  </dgm:extLst>
+</dgm:layoutDef>
+</file>
+
 <file path=ppt/diagrams/quickStyle1.xml><?xml version="1.0" encoding="utf-8"?>
+<dgm:styleDef xmlns:dgm="http://schemas.openxmlformats.org/drawingml/2006/diagram" xmlns:a="http://schemas.openxmlformats.org/drawingml/2006/main" uniqueId="urn:microsoft.com/office/officeart/2005/8/quickstyle/simple1">
+  <dgm:title val=""/>
+  <dgm:desc val=""/>
+  <dgm:catLst>
+    <dgm:cat type="simple" pri="10100"/>
+  </dgm:catLst>
+  <dgm:scene3d>
+    <a:camera prst="orthographicFront"/>
+    <a:lightRig rig="threePt" dir="t"/>
+  </dgm:scene3d>
+  <dgm:styleLbl name="node0">
+    <dgm:scene3d>
+      <a:camera prst="orthographicFront"/>
+      <a:lightRig rig="threePt" dir="t"/>
+    </dgm:scene3d>
+    <dgm:sp3d/>
+    <dgm:txPr/>
+    <dgm:style>
+      <a:lnRef idx="2">
+        <a:scrgbClr r="0" g="0" b="0"/>
+      </a:lnRef>
+      <a:fillRef idx="1">
+        <a:scrgbClr r="0" g="0" b="0"/>
+      </a:fillRef>
+      <a:effectRef idx="0">
+        <a:scrgbClr r="0" g="0" b="0"/>
+      </a:effectRef>
+      <a:fontRef idx="minor">
+        <a:schemeClr val="lt1"/>
+      </a:fontRef>
+    </dgm:style>
+  </dgm:styleLbl>
+  <dgm:styleLbl name="lnNode1">
+    <dgm:scene3d>
+      <a:camera prst="orthographicFront"/>
+      <a:lightRig rig="threePt" dir="t"/>
+    </dgm:scene3d>
+    <dgm:sp3d/>
+    <dgm:txPr/>
+    <dgm:style>
+      <a:lnRef idx="2">
+        <a:scrgbClr r="0" g="0" b="0"/>
+      </a:lnRef>
+      <a:fillRef idx="1">
+        <a:scrgbClr r="0" g="0" b="0"/>
+      </a:fillRef>
+      <a:effectRef idx="0">
+        <a:scrgbClr r="0" g="0" b="0"/>
+      </a:effectRef>
+      <a:fontRef idx="minor">
+        <a:schemeClr val="lt1"/>
+      </a:fontRef>
+    </dgm:style>
+  </dgm:styleLbl>
+  <dgm:styleLbl name="vennNode1">
+    <dgm:scene3d>
+      <a:camera prst="orthographicFront"/>
+      <a:lightRig rig="threePt" dir="t"/>
+    </dgm:scene3d>
+    <dgm:sp3d/>
+    <dgm:txPr/>
+    <dgm:style>
+      <a:lnRef idx="2">
+        <a:scrgbClr r="0" g="0" b="0"/>
+      </a:lnRef>
+      <a:fillRef idx="1">
+        <a:scrgbClr r="0" g="0" b="0"/>
+      </a:fillRef>
+      <a:effectRef idx="0">
+        <a:scrgbClr r="0" g="0" b="0"/>
+      </a:effectRef>
+      <a:fontRef idx="minor">
+        <a:schemeClr val="tx1"/>
+      </a:fontRef>
+    </dgm:style>
+  </dgm:styleLbl>
+  <dgm:styleLbl name="alignNode1">
+    <dgm:scene3d>
+      <a:camera prst="orthographicFront"/>
+      <a:lightRig rig="threePt" dir="t"/>
+    </dgm:scene3d>
+    <dgm:sp3d/>
+    <dgm:txPr/>
+    <dgm:style>
+      <a:lnRef idx="2">
+        <a:scrgbClr r="0" g="0" b="0"/>
+      </a:lnRef>
+      <a:fillRef idx="1">
+        <a:scrgbClr r="0" g="0" b="0"/>
+      </a:fillRef>
+      <a:effectRef idx="0">
+        <a:scrgbClr r="0" g="0" b="0"/>
+      </a:effectRef>
+      <a:fontRef idx="minor">
+        <a:schemeClr val="lt1"/>
+      </a:fontRef>
+    </dgm:style>
+  </dgm:styleLbl>
+  <dgm:styleLbl name="node1">
+    <dgm:scene3d>
+      <a:camera prst="orthographicFront"/>
+      <a:lightRig rig="threePt" dir="t"/>
+    </dgm:scene3d>
+    <dgm:sp3d/>
+    <dgm:txPr/>
+    <dgm:style>
+      <a:lnRef idx="2">
+        <a:scrgbClr r="0" g="0" b="0"/>
+      </a:lnRef>
+      <a:fillRef idx="1">
+        <a:scrgbClr r="0" g="0" b="0"/>
+      </a:fillRef>
+      <a:effectRef idx="0">
+        <a:scrgbClr r="0" g="0" b="0"/>
+      </a:effectRef>
+      <a:fontRef idx="minor">
+        <a:schemeClr val="lt1"/>
+      </a:fontRef>
+    </dgm:style>
+  </dgm:styleLbl>
+  <dgm:styleLbl name="node2">
+    <dgm:scene3d>
+      <a:camera prst="orthographicFront"/>
+      <a:lightRig rig="threePt" dir="t"/>
+    </dgm:scene3d>
+    <dgm:sp3d/>
+    <dgm:txPr/>
+    <dgm:style>
+      <a:lnRef idx="2">
+        <a:scrgbClr r="0" g="0" b="0"/>
+      </a:lnRef>
+      <a:fillRef idx="1">
+        <a:scrgbClr r="0" g="0" b="0"/>
+      </a:fillRef>
+      <a:effectRef idx="0">
+        <a:scrgbClr r="0" g="0" b="0"/>
+      </a:effectRef>
+      <a:fontRef idx="minor">
+        <a:schemeClr val="lt1"/>
+      </a:fontRef>
+    </dgm:style>
+  </dgm:styleLbl>
+  <dgm:styleLbl name="node3">
+    <dgm:scene3d>
+      <a:camera prst="orthographicFront"/>
+      <a:lightRig rig="threePt" dir="t"/>
+    </dgm:scene3d>
+    <dgm:sp3d/>
+    <dgm:txPr/>
+    <dgm:style>
+      <a:lnRef idx="2">
+        <a:scrgbClr r="0" g="0" b="0"/>
+      </a:lnRef>
+      <a:fillRef idx="1">
+        <a:scrgbClr r="0" g="0" b="0"/>
+      </a:fillRef>
+      <a:effectRef idx="0">
+        <a:scrgbClr r="0" g="0" b="0"/>
+      </a:effectRef>
+      <a:fontRef idx="minor">
+        <a:schemeClr val="lt1"/>
+      </a:fontRef>
+    </dgm:style>
+  </dgm:styleLbl>
+  <dgm:styleLbl name="node4">
+    <dgm:scene3d>
+      <a:camera prst="orthographicFront"/>
+      <a:lightRig rig="threePt" dir="t"/>
+    </dgm:scene3d>
+    <dgm:sp3d/>
+    <dgm:txPr/>
+    <dgm:style>
+      <a:lnRef idx="2">
+        <a:scrgbClr r="0" g="0" b="0"/>
+      </a:lnRef>
+      <a:fillRef idx="1">
+        <a:scrgbClr r="0" g="0" b="0"/>
+      </a:fillRef>
+      <a:effectRef idx="0">
+        <a:scrgbClr r="0" g="0" b="0"/>
+      </a:effectRef>
+      <a:fontRef idx="minor">
+        <a:schemeClr val="lt1"/>
+      </a:fontRef>
+    </dgm:style>
+  </dgm:styleLbl>
+  <dgm:styleLbl name="fgImgPlace1">
+    <dgm:scene3d>
+      <a:camera prst="orthographicFront"/>
+      <a:lightRig rig="threePt" dir="t"/>
+    </dgm:scene3d>
+    <dgm:sp3d/>
+    <dgm:txPr/>
+    <dgm:style>
+      <a:lnRef idx="2">
+        <a:scrgbClr r="0" g="0" b="0"/>
+      </a:lnRef>
+      <a:fillRef idx="1">
+        <a:scrgbClr r="0" g="0" b="0"/>
+      </a:fillRef>
+      <a:effectRef idx="0">
+        <a:scrgbClr r="0" g="0" b="0"/>
+      </a:effectRef>
+      <a:fontRef idx="minor"/>
+    </dgm:style>
+  </dgm:styleLbl>
+  <dgm:styleLbl name="alignImgPlace1">
+    <dgm:scene3d>
+      <a:camera prst="orthographicFront"/>
+      <a:lightRig rig="threePt" dir="t"/>
+    </dgm:scene3d>
+    <dgm:sp3d/>
+    <dgm:txPr/>
+    <dgm:style>
+      <a:lnRef idx="2">
+        <a:scrgbClr r="0" g="0" b="0"/>
+      </a:lnRef>
+      <a:fillRef idx="1">
+        <a:scrgbClr r="0" g="0" b="0"/>
+      </a:fillRef>
+      <a:effectRef idx="0">
+        <a:scrgbClr r="0" g="0" b="0"/>
+      </a:effectRef>
+      <a:fontRef idx="minor"/>
+    </dgm:style>
+  </dgm:styleLbl>
+  <dgm:styleLbl name="bgImgPlace1">
+    <dgm:scene3d>
+      <a:camera prst="orthographicFront"/>
+      <a:lightRig rig="threePt" dir="t"/>
+    </dgm:scene3d>
+    <dgm:sp3d/>
+    <dgm:txPr/>
+    <dgm:style>
+      <a:lnRef idx="2">
+        <a:scrgbClr r="0" g="0" b="0"/>
+      </a:lnRef>
+      <a:fillRef idx="1">
+        <a:scrgbClr r="0" g="0" b="0"/>
+      </a:fillRef>
+      <a:effectRef idx="0">
+        <a:scrgbClr r="0" g="0" b="0"/>
+      </a:effectRef>
+      <a:fontRef idx="minor"/>
+    </dgm:style>
+  </dgm:styleLbl>
+  <dgm:styleLbl name="sibTrans2D1">
+    <dgm:scene3d>
+      <a:camera prst="orthographicFront"/>
+      <a:lightRig rig="threePt" dir="t"/>
+    </dgm:scene3d>
+    <dgm:sp3d/>
+    <dgm:txPr/>
+    <dgm:style>
+      <a:lnRef idx="0">
+        <a:scrgbClr r="0" g="0" b="0"/>
+      </a:lnRef>
+      <a:fillRef idx="1">
+        <a:scrgbClr r="0" g="0" b="0"/>
+      </a:fillRef>
+      <a:effectRef idx="0">
+        <a:scrgbClr r="0" g="0" b="0"/>
+      </a:effectRef>
+      <a:fontRef idx="minor">
+        <a:schemeClr val="lt1"/>
+      </a:fontRef>
+    </dgm:style>
+  </dgm:styleLbl>
+  <dgm:styleLbl name="fgSibTrans2D1">
+    <dgm:scene3d>
+      <a:camera prst="orthographicFront"/>
+      <a:lightRig rig="threePt" dir="t"/>
+    </dgm:scene3d>
+    <dgm:sp3d/>
+    <dgm:txPr/>
+    <dgm:style>
+      <a:lnRef idx="0">
+        <a:scrgbClr r="0" g="0" b="0"/>
+      </a:lnRef>
+      <a:fillRef idx="1">
+        <a:scrgbClr r="0" g="0" b="0"/>
+      </a:fillRef>
+      <a:effectRef idx="0">
+        <a:scrgbClr r="0" g="0" b="0"/>
+      </a:effectRef>
+      <a:fontRef idx="minor">
+        <a:schemeClr val="lt1"/>
+      </a:fontRef>
+    </dgm:style>
+  </dgm:styleLbl>
+  <dgm:styleLbl name="bgSibTrans2D1">
+    <dgm:scene3d>
+      <a:camera prst="orthographicFront"/>
+      <a:lightRig rig="threePt" dir="t"/>
+    </dgm:scene3d>
+    <dgm:sp3d/>
+    <dgm:txPr/>
+    <dgm:style>
+      <a:lnRef idx="0">
+        <a:scrgbClr r="0" g="0" b="0"/>
+      </a:lnRef>
+      <a:fillRef idx="1">
+        <a:scrgbClr r="0" g="0" b="0"/>
+      </a:fillRef>
+      <a:effectRef idx="0">
+        <a:scrgbClr r="0" g="0" b="0"/>
+      </a:effectRef>
+      <a:fontRef idx="minor">
+        <a:schemeClr val="lt1"/>
+      </a:fontRef>
+    </dgm:style>
+  </dgm:styleLbl>
+  <dgm:styleLbl name="sibTrans1D1">
+    <dgm:scene3d>
+      <a:camera prst="orthographicFront"/>
+      <a:lightRig rig="threePt" dir="t"/>
+    </dgm:scene3d>
+    <dgm:sp3d/>
+    <dgm:txPr/>
+    <dgm:style>
+      <a:lnRef idx="1">
+        <a:scrgbClr r="0" g="0" b="0"/>
+      </a:lnRef>
+      <a:fillRef idx="0">
+        <a:scrgbClr r="0" g="0" b="0"/>
+      </a:fillRef>
+      <a:effectRef idx="0">
+        <a:scrgbClr r="0" g="0" b="0"/>
+      </a:effectRef>
+      <a:fontRef idx="minor"/>
+    </dgm:style>
+  </dgm:styleLbl>
+  <dgm:styleLbl name="callout">
+    <dgm:scene3d>
+      <a:camera prst="orthographicFront"/>
+      <a:lightRig rig="threePt" dir="t"/>
+    </dgm:scene3d>
+    <dgm:sp3d/>
+    <dgm:txPr/>
+    <dgm:style>
+      <a:lnRef idx="2">
+        <a:scrgbClr r="0" g="0" b="0"/>
+      </a:lnRef>
+      <a:fillRef idx="1">
+        <a:scrgbClr r="0" g="0" b="0"/>
+      </a:fillRef>
+      <a:effectRef idx="0">
+        <a:scrgbClr r="0" g="0" b="0"/>
+      </a:effectRef>
+      <a:fontRef idx="minor"/>
+    </dgm:style>
+  </dgm:styleLbl>
+  <dgm:styleLbl name="asst0">
+    <dgm:scene3d>
+      <a:camera prst="orthographicFront"/>
+      <a:lightRig rig="threePt" dir="t"/>
+    </dgm:scene3d>
+    <dgm:sp3d/>
+    <dgm:txPr/>
+    <dgm:style>
+      <a:lnRef idx="2">
+        <a:scrgbClr r="0" g="0" b="0"/>
+      </a:lnRef>
+      <a:fillRef idx="1">
+        <a:scrgbClr r="0" g="0" b="0"/>
+      </a:fillRef>
+      <a:effectRef idx="0">
+        <a:scrgbClr r="0" g="0" b="0"/>
+      </a:effectRef>
+      <a:fontRef idx="minor">
+        <a:schemeClr val="lt1"/>
+      </a:fontRef>
+    </dgm:style>
+  </dgm:styleLbl>
+  <dgm:styleLbl name="asst1">
+    <dgm:scene3d>
+      <a:camera prst="orthographicFront"/>
+      <a:lightRig rig="threePt" dir="t"/>
+    </dgm:scene3d>
+    <dgm:sp3d/>
+    <dgm:txPr/>
+    <dgm:style>
+      <a:lnRef idx="2">
+        <a:scrgbClr r="0" g="0" b="0"/>
+      </a:lnRef>
+      <a:fillRef idx="1">
+        <a:scrgbClr r="0" g="0" b="0"/>
+      </a:fillRef>
+      <a:effectRef idx="0">
+        <a:scrgbClr r="0" g="0" b="0"/>
+      </a:effectRef>
+      <a:fontRef idx="minor">
+        <a:schemeClr val="lt1"/>
+      </a:fontRef>
+    </dgm:style>
+  </dgm:styleLbl>
+  <dgm:styleLbl name="asst2">
+    <dgm:scene3d>
+      <a:camera prst="orthographicFront"/>
+      <a:lightRig rig="threePt" dir="t"/>
+    </dgm:scene3d>
+    <dgm:sp3d/>
+    <dgm:txPr/>
+    <dgm:style>
+      <a:lnRef idx="2">
+        <a:scrgbClr r="0" g="0" b="0"/>
+      </a:lnRef>
+      <a:fillRef idx="1">
+        <a:scrgbClr r="0" g="0" b="0"/>
+      </a:fillRef>
+      <a:effectRef idx="0">
+        <a:scrgbClr r="0" g="0" b="0"/>
+      </a:effectRef>
+      <a:fontRef idx="minor">
+        <a:schemeClr val="lt1"/>
+      </a:fontRef>
+    </dgm:style>
+  </dgm:styleLbl>
+  <dgm:styleLbl name="asst3">
+    <dgm:scene3d>
+      <a:camera prst="orthographicFront"/>
+      <a:lightRig rig="threePt" dir="t"/>
+    </dgm:scene3d>
+    <dgm:sp3d/>
+    <dgm:txPr/>
+    <dgm:style>
+      <a:lnRef idx="2">
+        <a:scrgbClr r="0" g="0" b="0"/>
+      </a:lnRef>
+      <a:fillRef idx="1">
+        <a:scrgbClr r="0" g="0" b="0"/>
+      </a:fillRef>
+      <a:effectRef idx="0">
+        <a:scrgbClr r="0" g="0" b="0"/>
+      </a:effectRef>
+      <a:fontRef idx="minor">
+        <a:schemeClr val="lt1"/>
+      </a:fontRef>
+    </dgm:style>
+  </dgm:styleLbl>
+  <dgm:styleLbl name="asst4">
+    <dgm:scene3d>
+      <a:camera prst="orthographicFront"/>
+      <a:lightRig rig="threePt" dir="t"/>
+    </dgm:scene3d>
+    <dgm:sp3d/>
+    <dgm:txPr/>
+    <dgm:style>
+      <a:lnRef idx="2">
+        <a:scrgbClr r="0" g="0" b="0"/>
+      </a:lnRef>
+      <a:fillRef idx="1">
+        <a:scrgbClr r="0" g="0" b="0"/>
+      </a:fillRef>
+      <a:effectRef idx="0">
+        <a:scrgbClr r="0" g="0" b="0"/>
+      </a:effectRef>
+      <a:fontRef idx="minor">
+        <a:schemeClr val="lt1"/>
+      </a:fontRef>
+    </dgm:style>
+  </dgm:styleLbl>
+  <dgm:styleLbl name="parChTrans2D1">
+    <dgm:scene3d>
+      <a:camera prst="orthographicFront"/>
+      <a:lightRig rig="threePt" dir="t"/>
+    </dgm:scene3d>
+    <dgm:sp3d/>
+    <dgm:txPr/>
+    <dgm:style>
+      <a:lnRef idx="2">
+        <a:scrgbClr r="0" g="0" b="0"/>
+      </a:lnRef>
+      <a:fillRef idx="1">
+        <a:scrgbClr r="0" g="0" b="0"/>
+      </a:fillRef>
+      <a:effectRef idx="0">
+        <a:scrgbClr r="0" g="0" b="0"/>
+      </a:effectRef>
+      <a:fontRef idx="minor">
+        <a:schemeClr val="lt1"/>
+      </a:fontRef>
+    </dgm:style>
+  </dgm:styleLbl>
+  <dgm:styleLbl name="parChTrans2D2">
+    <dgm:scene3d>
+      <a:camera prst="orthographicFront"/>
+      <a:lightRig rig="threePt" dir="t"/>
+    </dgm:scene3d>
+    <dgm:sp3d/>
+    <dgm:txPr/>
+    <dgm:style>
+      <a:lnRef idx="2">
+        <a:scrgbClr r="0" g="0" b="0"/>
+      </a:lnRef>
+      <a:fillRef idx="1">
+        <a:scrgbClr r="0" g="0" b="0"/>
+      </a:fillRef>
+      <a:effectRef idx="0">
+        <a:scrgbClr r="0" g="0" b="0"/>
+      </a:effectRef>
+      <a:fontRef idx="minor">
+        <a:schemeClr val="lt1"/>
+      </a:fontRef>
+    </dgm:style>
+  </dgm:styleLbl>
+  <dgm:styleLbl name="parChTrans2D3">
+    <dgm:scene3d>
+      <a:camera prst="orthographicFront"/>
+      <a:lightRig rig="threePt" dir="t"/>
+    </dgm:scene3d>
+    <dgm:sp3d/>
+    <dgm:txPr/>
+    <dgm:style>
+      <a:lnRef idx="2">
+        <a:scrgbClr r="0" g="0" b="0"/>
+      </a:lnRef>
+      <a:fillRef idx="1">
+        <a:scrgbClr r="0" g="0" b="0"/>
+      </a:fillRef>
+      <a:effectRef idx="0">
+        <a:scrgbClr r="0" g="0" b="0"/>
+      </a:effectRef>
+      <a:fontRef idx="minor">
+        <a:schemeClr val="lt1"/>
+      </a:fontRef>
+    </dgm:style>
+  </dgm:styleLbl>
+  <dgm:styleLbl name="parChTrans2D4">
+    <dgm:scene3d>
+      <a:camera prst="orthographicFront"/>
+      <a:lightRig rig="threePt" dir="t"/>
+    </dgm:scene3d>
+    <dgm:sp3d/>
+    <dgm:txPr/>
+    <dgm:style>
+      <a:lnRef idx="2">
+        <a:scrgbClr r="0" g="0" b="0"/>
+      </a:lnRef>
+      <a:fillRef idx="1">
+        <a:scrgbClr r="0" g="0" b="0"/>
+      </a:fillRef>
+      <a:effectRef idx="0">
+        <a:scrgbClr r="0" g="0" b="0"/>
+      </a:effectRef>
+      <a:fontRef idx="minor">
+        <a:schemeClr val="lt1"/>
+      </a:fontRef>
+    </dgm:style>
+  </dgm:styleLbl>
+  <dgm:styleLbl name="parChTrans1D1">
+    <dgm:scene3d>
+      <a:camera prst="orthographicFront"/>
+      <a:lightRig rig="threePt" dir="t"/>
+    </dgm:scene3d>
+    <dgm:sp3d/>
+    <dgm:txPr/>
+    <dgm:style>
+      <a:lnRef idx="2">
+        <a:scrgbClr r="0" g="0" b="0"/>
+      </a:lnRef>
+      <a:fillRef idx="0">
+        <a:scrgbClr r="0" g="0" b="0"/>
+      </a:fillRef>
+      <a:effectRef idx="0">
+        <a:scrgbClr r="0" g="0" b="0"/>
+      </a:effectRef>
+      <a:fontRef idx="minor"/>
+    </dgm:style>
+  </dgm:styleLbl>
+  <dgm:styleLbl name="parChTrans1D2">
+    <dgm:scene3d>
+      <a:camera prst="orthographicFront"/>
+      <a:lightRig rig="threePt" dir="t"/>
+    </dgm:scene3d>
+    <dgm:sp3d/>
+    <dgm:txPr/>
+    <dgm:style>
+      <a:lnRef idx="2">
+        <a:scrgbClr r="0" g="0" b="0"/>
+      </a:lnRef>
+      <a:fillRef idx="0">
+        <a:scrgbClr r="0" g="0" b="0"/>
+      </a:fillRef>
+      <a:effectRef idx="0">
+        <a:scrgbClr r="0" g="0" b="0"/>
+      </a:effectRef>
+      <a:fontRef idx="minor"/>
+    </dgm:style>
+  </dgm:styleLbl>
+  <dgm:styleLbl name="parChTrans1D3">
+    <dgm:scene3d>
+      <a:camera prst="orthographicFront"/>
+      <a:lightRig rig="threePt" dir="t"/>
+    </dgm:scene3d>
+    <dgm:sp3d/>
+    <dgm:txPr/>
+    <dgm:style>
+      <a:lnRef idx="2">
+        <a:scrgbClr r="0" g="0" b="0"/>
+      </a:lnRef>
+      <a:fillRef idx="0">
+        <a:scrgbClr r="0" g="0" b="0"/>
+      </a:fillRef>
+      <a:effectRef idx="0">
+        <a:scrgbClr r="0" g="0" b="0"/>
+      </a:effectRef>
+      <a:fontRef idx="minor"/>
+    </dgm:style>
+  </dgm:styleLbl>
+  <dgm:styleLbl name="parChTrans1D4">
+    <dgm:scene3d>
+      <a:camera prst="orthographicFront"/>
+      <a:lightRig rig="threePt" dir="t"/>
+    </dgm:scene3d>
+    <dgm:sp3d/>
+    <dgm:txPr/>
+    <dgm:style>
+      <a:lnRef idx="2">
+        <a:scrgbClr r="0" g="0" b="0"/>
+      </a:lnRef>
+      <a:fillRef idx="0">
+        <a:scrgbClr r="0" g="0" b="0"/>
+      </a:fillRef>
+      <a:effectRef idx="0">
+        <a:scrgbClr r="0" g="0" b="0"/>
+      </a:effectRef>
+      <a:fontRef idx="minor"/>
+    </dgm:style>
+  </dgm:styleLbl>
+  <dgm:styleLbl name="fgAcc1">
+    <dgm:scene3d>
+      <a:camera prst="orthographicFront"/>
+      <a:lightRig rig="threePt" dir="t"/>
+    </dgm:scene3d>
+    <dgm:sp3d/>
+    <dgm:txPr/>
+    <dgm:style>
+      <a:lnRef idx="2">
+        <a:scrgbClr r="0" g="0" b="0"/>
+      </a:lnRef>
+      <a:fillRef idx="1">
+        <a:scrgbClr r="0" g="0" b="0"/>
+      </a:fillRef>
+      <a:effectRef idx="0">
+        <a:scrgbClr r="0" g="0" b="0"/>
+      </a:effectRef>
+      <a:fontRef idx="minor"/>
+    </dgm:style>
+  </dgm:styleLbl>
+  <dgm:styleLbl name="conFgAcc1">
+    <dgm:scene3d>
+      <a:camera prst="orthographicFront"/>
+      <a:lightRig rig="threePt" dir="t"/>
+    </dgm:scene3d>
+    <dgm:sp3d/>
+    <dgm:txPr/>
+    <dgm:style>
+      <a:lnRef idx="2">
+        <a:scrgbClr r="0" g="0" b="0"/>
+      </a:lnRef>
+      <a:fillRef idx="1">
+        <a:scrgbClr r="0" g="0" b="0"/>
+      </a:fillRef>
+      <a:effectRef idx="0">
+        <a:scrgbClr r="0" g="0" b="0"/>
+      </a:effectRef>
+      <a:fontRef idx="minor"/>
+    </dgm:style>
+  </dgm:styleLbl>
+  <dgm:styleLbl name="alignAcc1">
+    <dgm:scene3d>
+      <a:camera prst="orthographicFront"/>
+      <a:lightRig rig="threePt" dir="t"/>
+    </dgm:scene3d>
+    <dgm:sp3d/>
+    <dgm:txPr/>
+    <dgm:style>
+      <a:lnRef idx="2">
+        <a:scrgbClr r="0" g="0" b="0"/>
+      </a:lnRef>
+      <a:fillRef idx="1">
+        <a:scrgbClr r="0" g="0" b="0"/>
+      </a:fillRef>
+      <a:effectRef idx="0">
+        <a:scrgbClr r="0" g="0" b="0"/>
+      </a:effectRef>
+      <a:fontRef idx="minor"/>
+    </dgm:style>
+  </dgm:styleLbl>
+  <dgm:styleLbl name="trAlignAcc1">
+    <dgm:scene3d>
+      <a:camera prst="orthographicFront"/>
+      <a:lightRig rig="threePt" dir="t"/>
+    </dgm:scene3d>
+    <dgm:sp3d/>
+    <dgm:txPr/>
+    <dgm:style>
+      <a:lnRef idx="1">
+        <a:scrgbClr r="0" g="0" b="0"/>
+      </a:lnRef>
+      <a:fillRef idx="1">
+        <a:scrgbClr r="0" g="0" b="0"/>
+      </a:fillRef>
+      <a:effectRef idx="0">
+        <a:scrgbClr r="0" g="0" b="0"/>
+      </a:effectRef>
+      <a:fontRef idx="minor"/>
+    </dgm:style>
+  </dgm:styleLbl>
+  <dgm:styleLbl name="bgAcc1">
+    <dgm:scene3d>
+      <a:camera prst="orthographicFront"/>
+      <a:lightRig rig="threePt" dir="t"/>
+    </dgm:scene3d>
+    <dgm:sp3d/>
+    <dgm:txPr/>
+    <dgm:style>
+      <a:lnRef idx="2">
+        <a:scrgbClr r="0" g="0" b="0"/>
+      </a:lnRef>
+      <a:fillRef idx="1">
+        <a:scrgbClr r="0" g="0" b="0"/>
+      </a:fillRef>
+      <a:effectRef idx="0">
+        <a:scrgbClr r="0" g="0" b="0"/>
+      </a:effectRef>
+      <a:fontRef idx="minor"/>
+    </dgm:style>
+  </dgm:styleLbl>
+  <dgm:styleLbl name="solidFgAcc1">
+    <dgm:scene3d>
+      <a:camera prst="orthographicFront"/>
+      <a:lightRig rig="threePt" dir="t"/>
+    </dgm:scene3d>
+    <dgm:sp3d/>
+    <dgm:txPr/>
+    <dgm:style>
+      <a:lnRef idx="2">
+        <a:scrgbClr r="0" g="0" b="0"/>
+      </a:lnRef>
+      <a:fillRef idx="1">
+        <a:scrgbClr r="0" g="0" b="0"/>
+      </a:fillRef>
+      <a:effectRef idx="0">
+        <a:scrgbClr r="0" g="0" b="0"/>
+      </a:effectRef>
+      <a:fontRef idx="minor"/>
+    </dgm:style>
+  </dgm:styleLbl>
+  <dgm:styleLbl name="solidAlignAcc1">
+    <dgm:scene3d>
+      <a:camera prst="orthographicFront"/>
+      <a:lightRig rig="threePt" dir="t"/>
+    </dgm:scene3d>
+    <dgm:sp3d/>
+    <dgm:txPr/>
+    <dgm:style>
+      <a:lnRef idx="2">
+        <a:scrgbClr r="0" g="0" b="0"/>
+      </a:lnRef>
+      <a:fillRef idx="1">
+        <a:scrgbClr r="0" g="0" b="0"/>
+      </a:fillRef>
+      <a:effectRef idx="0">
+        <a:scrgbClr r="0" g="0" b="0"/>
+      </a:effectRef>
+      <a:fontRef idx="minor"/>
+    </dgm:style>
+  </dgm:styleLbl>
+  <dgm:styleLbl name="solidBgAcc1">
+    <dgm:scene3d>
+      <a:camera prst="orthographicFront"/>
+      <a:lightRig rig="threePt" dir="t"/>
+    </dgm:scene3d>
+    <dgm:sp3d/>
+    <dgm:txPr/>
+    <dgm:style>
+      <a:lnRef idx="2">
+        <a:scrgbClr r="0" g="0" b="0"/>
+      </a:lnRef>
+      <a:fillRef idx="1">
+        <a:scrgbClr r="0" g="0" b="0"/>
+      </a:fillRef>
+      <a:effectRef idx="0">
+        <a:scrgbClr r="0" g="0" b="0"/>
+      </a:effectRef>
+      <a:fontRef idx="minor"/>
+    </dgm:style>
+  </dgm:styleLbl>
+  <dgm:styleLbl name="fgAccFollowNode1">
+    <dgm:scene3d>
+      <a:camera prst="orthographicFront"/>
+      <a:lightRig rig="threePt" dir="t"/>
+    </dgm:scene3d>
+    <dgm:sp3d/>
+    <dgm:txPr/>
+    <dgm:style>
+      <a:lnRef idx="2">
+        <a:scrgbClr r="0" g="0" b="0"/>
+      </a:lnRef>
+      <a:fillRef idx="1">
+        <a:scrgbClr r="0" g="0" b="0"/>
+      </a:fillRef>
+      <a:effectRef idx="0">
+        <a:scrgbClr r="0" g="0" b="0"/>
+      </a:effectRef>
+      <a:fontRef idx="minor"/>
+    </dgm:style>
+  </dgm:styleLbl>
+  <dgm:styleLbl name="alignAccFollowNode1">
+    <dgm:scene3d>
+      <a:camera prst="orthographicFront"/>
+      <a:lightRig rig="threePt" dir="t"/>
+    </dgm:scene3d>
+    <dgm:sp3d/>
+    <dgm:txPr/>
+    <dgm:style>
+      <a:lnRef idx="2">
+        <a:scrgbClr r="0" g="0" b="0"/>
+      </a:lnRef>
+      <a:fillRef idx="1">
+        <a:scrgbClr r="0" g="0" b="0"/>
+      </a:fillRef>
+      <a:effectRef idx="0">
+        <a:scrgbClr r="0" g="0" b="0"/>
+      </a:effectRef>
+      <a:fontRef idx="minor"/>
+    </dgm:style>
+  </dgm:styleLbl>
+  <dgm:styleLbl name="bgAccFollowNode1">
+    <dgm:scene3d>
+      <a:camera prst="orthographicFront"/>
+      <a:lightRig rig="threePt" dir="t"/>
+    </dgm:scene3d>
+    <dgm:sp3d/>
+    <dgm:txPr/>
+    <dgm:style>
+      <a:lnRef idx="2">
+        <a:scrgbClr r="0" g="0" b="0"/>
+      </a:lnRef>
+      <a:fillRef idx="1">
+        <a:scrgbClr r="0" g="0" b="0"/>
+      </a:fillRef>
+      <a:effectRef idx="0">
+        <a:scrgbClr r="0" g="0" b="0"/>
+      </a:effectRef>
+      <a:fontRef idx="minor"/>
+    </dgm:style>
+  </dgm:styleLbl>
+  <dgm:styleLbl name="fgAcc0">
+    <dgm:scene3d>
+      <a:camera prst="orthographicFront"/>
+      <a:lightRig rig="threePt" dir="t"/>
+    </dgm:scene3d>
+    <dgm:sp3d/>
+    <dgm:txPr/>
+    <dgm:style>
+      <a:lnRef idx="2">
+        <a:scrgbClr r="0" g="0" b="0"/>
+      </a:lnRef>
+      <a:fillRef idx="1">
+        <a:scrgbClr r="0" g="0" b="0"/>
+      </a:fillRef>
+      <a:effectRef idx="0">
+        <a:scrgbClr r="0" g="0" b="0"/>
+      </a:effectRef>
+      <a:fontRef idx="minor"/>
+    </dgm:style>
+  </dgm:styleLbl>
+  <dgm:styleLbl name="fgAcc2">
+    <dgm:scene3d>
+      <a:camera prst="orthographicFront"/>
+      <a:lightRig rig="threePt" dir="t"/>
+    </dgm:scene3d>
+    <dgm:sp3d/>
+    <dgm:txPr/>
+    <dgm:style>
+      <a:lnRef idx="2">
+        <a:scrgbClr r="0" g="0" b="0"/>
+      </a:lnRef>
+      <a:fillRef idx="1">
+        <a:scrgbClr r="0" g="0" b="0"/>
+      </a:fillRef>
+      <a:effectRef idx="0">
+        <a:scrgbClr r="0" g="0" b="0"/>
+      </a:effectRef>
+      <a:fontRef idx="minor"/>
+    </dgm:style>
+  </dgm:styleLbl>
+  <dgm:styleLbl name="fgAcc3">
+    <dgm:scene3d>
+      <a:camera prst="orthographicFront"/>
+      <a:lightRig rig="threePt" dir="t"/>
+    </dgm:scene3d>
+    <dgm:sp3d/>
+    <dgm:txPr/>
+    <dgm:style>
+      <a:lnRef idx="2">
+        <a:scrgbClr r="0" g="0" b="0"/>
+      </a:lnRef>
+      <a:fillRef idx="1">
+        <a:scrgbClr r="0" g="0" b="0"/>
+      </a:fillRef>
+      <a:effectRef idx="0">
+        <a:scrgbClr r="0" g="0" b="0"/>
+      </a:effectRef>
+      <a:fontRef idx="minor"/>
+    </dgm:style>
+  </dgm:styleLbl>
+  <dgm:styleLbl name="fgAcc4">
+    <dgm:scene3d>
+      <a:camera prst="orthographicFront"/>
+      <a:lightRig rig="threePt" dir="t"/>
+    </dgm:scene3d>
+    <dgm:sp3d/>
+    <dgm:txPr/>
+    <dgm:style>
+      <a:lnRef idx="2">
+        <a:scrgbClr r="0" g="0" b="0"/>
+      </a:lnRef>
+      <a:fillRef idx="1">
+        <a:scrgbClr r="0" g="0" b="0"/>
+      </a:fillRef>
+      <a:effectRef idx="0">
+        <a:scrgbClr r="0" g="0" b="0"/>
+      </a:effectRef>
+      <a:fontRef idx="minor"/>
+    </dgm:style>
+  </dgm:styleLbl>
+  <dgm:styleLbl name="bgShp">
+    <dgm:scene3d>
+      <a:camera prst="orthographicFront"/>
+      <a:lightRig rig="threePt" dir="t"/>
+    </dgm:scene3d>
+    <dgm:sp3d/>
+    <dgm:txPr/>
+    <dgm:style>
+      <a:lnRef idx="0">
+        <a:scrgbClr r="0" g="0" b="0"/>
+      </a:lnRef>
+      <a:fillRef idx="1">
+        <a:scrgbClr r="0" g="0" b="0"/>
+      </a:fillRef>
+      <a:effectRef idx="0">
+        <a:scrgbClr r="0" g="0" b="0"/>
+      </a:effectRef>
+      <a:fontRef idx="minor"/>
+    </dgm:style>
+  </dgm:styleLbl>
+  <dgm:styleLbl name="dkBgShp">
+    <dgm:scene3d>
+      <a:camera prst="orthographicFront"/>
+      <a:lightRig rig="threePt" dir="t"/>
+    </dgm:scene3d>
+    <dgm:sp3d/>
+    <dgm:txPr/>
+    <dgm:style>
+      <a:lnRef idx="0">
+        <a:scrgbClr r="0" g="0" b="0"/>
+      </a:lnRef>
+      <a:fillRef idx="1">
+        <a:scrgbClr r="0" g="0" b="0"/>
+      </a:fillRef>
+      <a:effectRef idx="0">
+        <a:scrgbClr r="0" g="0" b="0"/>
+      </a:effectRef>
+      <a:fontRef idx="minor"/>
+    </dgm:style>
+  </dgm:styleLbl>
+  <dgm:styleLbl name="trBgShp">
+    <dgm:scene3d>
+      <a:camera prst="orthographicFront"/>
+      <a:lightRig rig="threePt" dir="t"/>
+    </dgm:scene3d>
+    <dgm:sp3d/>
+    <dgm:txPr/>
+    <dgm:style>
+      <a:lnRef idx="0">
+        <a:scrgbClr r="0" g="0" b="0"/>
+      </a:lnRef>
+      <a:fillRef idx="1">
+        <a:scrgbClr r="0" g="0" b="0"/>
+      </a:fillRef>
+      <a:effectRef idx="0">
+        <a:scrgbClr r="0" g="0" b="0"/>
+      </a:effectRef>
+      <a:fontRef idx="minor"/>
+    </dgm:style>
+  </dgm:styleLbl>
+  <dgm:styleLbl name="fgShp">
+    <dgm:scene3d>
+      <a:camera prst="orthographicFront"/>
+      <a:lightRig rig="threePt" dir="t"/>
+    </dgm:scene3d>
+    <dgm:sp3d/>
+    <dgm:txPr/>
+    <dgm:style>
+      <a:lnRef idx="2">
+        <a:scrgbClr r="0" g="0" b="0"/>
+      </a:lnRef>
+      <a:fillRef idx="1">
+        <a:scrgbClr r="0" g="0" b="0"/>
+      </a:fillRef>
+      <a:effectRef idx="0">
+        <a:scrgbClr r="0" g="0" b="0"/>
+      </a:effectRef>
+      <a:fontRef idx="minor"/>
+    </dgm:style>
+  </dgm:styleLbl>
+  <dgm:styleLbl name="revTx">
+    <dgm:scene3d>
+      <a:camera prst="orthographicFront"/>
+      <a:lightRig rig="threePt" dir="t"/>
+    </dgm:scene3d>
+    <dgm:sp3d/>
+    <dgm:txPr/>
+    <dgm:style>
+      <a:lnRef idx="0">
+        <a:scrgbClr r="0" g="0" b="0"/>
+      </a:lnRef>
+      <a:fillRef idx="0">
+        <a:scrgbClr r="0" g="0" b="0"/>
+      </a:fillRef>
+      <a:effectRef idx="0">
+        <a:scrgbClr r="0" g="0" b="0"/>
+      </a:effectRef>
+      <a:fontRef idx="minor"/>
+    </dgm:style>
+  </dgm:styleLbl>
+</dgm:styleDef>
+</file>
+
+<file path=ppt/diagrams/quickStyle2.xml><?xml version="1.0" encoding="utf-8"?>
 <dgm:styleDef xmlns:dgm="http://schemas.openxmlformats.org/drawingml/2006/diagram" xmlns:a="http://schemas.openxmlformats.org/drawingml/2006/main" uniqueId="urn:microsoft.com/office/officeart/2005/8/quickstyle/simple1">
   <dgm:title val=""/>
   <dgm:desc val=""/>
@@ -3924,7 +6681,7 @@
           <a:p>
             <a:fld id="{AF869721-F543-4A6C-BF9D-65D7CC540427}" type="datetimeFigureOut">
               <a:rPr lang="en-US" smtClean="0"/>
-              <a:t>12/3/2022</a:t>
+              <a:t>12/5/2022</a:t>
             </a:fld>
             <a:endParaRPr lang="en-US" dirty="0"/>
           </a:p>
@@ -4101,7 +6858,7 @@
           <a:p>
             <a:fld id="{C732326A-4C88-4AFB-AA5B-5919D81DFF5B}" type="datetimeFigureOut">
               <a:rPr lang="en-US" smtClean="0"/>
-              <a:t>12/3/2022</a:t>
+              <a:t>12/5/2022</a:t>
             </a:fld>
             <a:endParaRPr lang="en-US" dirty="0"/>
           </a:p>
@@ -4866,7 +7623,7 @@
             <a:fld id="{B61BEF0D-F0BB-DE4B-95CE-6DB70DBA9567}" type="datetimeFigureOut">
               <a:rPr lang="en-US" smtClean="0"/>
               <a:pPr/>
-              <a:t>12/3/2022</a:t>
+              <a:t>12/5/2022</a:t>
             </a:fld>
             <a:endParaRPr lang="en-US" dirty="0"/>
           </a:p>
@@ -5130,7 +7887,7 @@
             <a:fld id="{B61BEF0D-F0BB-DE4B-95CE-6DB70DBA9567}" type="datetimeFigureOut">
               <a:rPr lang="en-US" smtClean="0"/>
               <a:pPr/>
-              <a:t>12/3/2022</a:t>
+              <a:t>12/5/2022</a:t>
             </a:fld>
             <a:endParaRPr lang="en-US" dirty="0"/>
           </a:p>
@@ -5367,7 +8124,7 @@
             <a:fld id="{B61BEF0D-F0BB-DE4B-95CE-6DB70DBA9567}" type="datetimeFigureOut">
               <a:rPr lang="en-US" smtClean="0"/>
               <a:pPr/>
-              <a:t>12/3/2022</a:t>
+              <a:t>12/5/2022</a:t>
             </a:fld>
             <a:endParaRPr lang="en-US" dirty="0"/>
           </a:p>
@@ -5609,7 +8366,7 @@
             <a:fld id="{B61BEF0D-F0BB-DE4B-95CE-6DB70DBA9567}" type="datetimeFigureOut">
               <a:rPr lang="en-US" smtClean="0"/>
               <a:pPr/>
-              <a:t>12/3/2022</a:t>
+              <a:t>12/5/2022</a:t>
             </a:fld>
             <a:endParaRPr lang="en-US" dirty="0"/>
           </a:p>
@@ -5918,7 +8675,7 @@
             <a:fld id="{B61BEF0D-F0BB-DE4B-95CE-6DB70DBA9567}" type="datetimeFigureOut">
               <a:rPr lang="en-US" smtClean="0"/>
               <a:pPr/>
-              <a:t>12/3/2022</a:t>
+              <a:t>12/5/2022</a:t>
             </a:fld>
             <a:endParaRPr lang="en-US" dirty="0"/>
           </a:p>
@@ -6222,7 +8979,7 @@
             <a:fld id="{B61BEF0D-F0BB-DE4B-95CE-6DB70DBA9567}" type="datetimeFigureOut">
               <a:rPr lang="en-US" smtClean="0"/>
               <a:pPr/>
-              <a:t>12/3/2022</a:t>
+              <a:t>12/5/2022</a:t>
             </a:fld>
             <a:endParaRPr lang="en-US" dirty="0"/>
           </a:p>
@@ -6646,7 +9403,7 @@
             <a:fld id="{B61BEF0D-F0BB-DE4B-95CE-6DB70DBA9567}" type="datetimeFigureOut">
               <a:rPr lang="en-US" smtClean="0"/>
               <a:pPr/>
-              <a:t>12/3/2022</a:t>
+              <a:t>12/5/2022</a:t>
             </a:fld>
             <a:endParaRPr lang="en-US" dirty="0"/>
           </a:p>
@@ -6743,7 +9500,7 @@
             <a:fld id="{B61BEF0D-F0BB-DE4B-95CE-6DB70DBA9567}" type="datetimeFigureOut">
               <a:rPr lang="en-US" smtClean="0"/>
               <a:pPr/>
-              <a:t>12/3/2022</a:t>
+              <a:t>12/5/2022</a:t>
             </a:fld>
             <a:endParaRPr lang="en-US" dirty="0"/>
           </a:p>
@@ -6907,7 +9664,7 @@
             <a:fld id="{B61BEF0D-F0BB-DE4B-95CE-6DB70DBA9567}" type="datetimeFigureOut">
               <a:rPr lang="en-US" smtClean="0"/>
               <a:pPr/>
-              <a:t>12/3/2022</a:t>
+              <a:t>12/5/2022</a:t>
             </a:fld>
             <a:endParaRPr lang="en-US" dirty="0"/>
           </a:p>
@@ -7287,7 +10044,7 @@
             <a:fld id="{B61BEF0D-F0BB-DE4B-95CE-6DB70DBA9567}" type="datetimeFigureOut">
               <a:rPr lang="en-US" smtClean="0"/>
               <a:pPr/>
-              <a:t>12/3/2022</a:t>
+              <a:t>12/5/2022</a:t>
             </a:fld>
             <a:endParaRPr lang="en-US" dirty="0"/>
           </a:p>
@@ -7578,7 +10335,7 @@
             <a:fld id="{B61BEF0D-F0BB-DE4B-95CE-6DB70DBA9567}" type="datetimeFigureOut">
               <a:rPr lang="en-US" smtClean="0"/>
               <a:pPr/>
-              <a:t>12/3/2022</a:t>
+              <a:t>12/5/2022</a:t>
             </a:fld>
             <a:endParaRPr lang="en-US" dirty="0"/>
           </a:p>
@@ -7791,7 +10548,7 @@
             <a:fld id="{B61BEF0D-F0BB-DE4B-95CE-6DB70DBA9567}" type="datetimeFigureOut">
               <a:rPr lang="en-US" smtClean="0"/>
               <a:pPr/>
-              <a:t>12/3/2022</a:t>
+              <a:t>12/5/2022</a:t>
             </a:fld>
             <a:endParaRPr lang="en-US" dirty="0"/>
           </a:p>
@@ -9139,9 +11896,16 @@
             <p:ph type="title"/>
           </p:nvPr>
         </p:nvSpPr>
-        <p:spPr/>
+        <p:spPr>
+          <a:xfrm>
+            <a:off x="581192" y="702156"/>
+            <a:ext cx="11029616" cy="1013800"/>
+          </a:xfrm>
+        </p:spPr>
         <p:txBody>
-          <a:bodyPr/>
+          <a:bodyPr anchor="b">
+            <a:normAutofit/>
+          </a:bodyPr>
           <a:lstStyle/>
           <a:p>
             <a:r>
@@ -9151,71 +11915,37 @@
           </a:p>
         </p:txBody>
       </p:sp>
-      <p:pic>
-        <p:nvPicPr>
-          <p:cNvPr id="11" name="Content Placeholder 4" descr="Charts">
+      <p:graphicFrame>
+        <p:nvGraphicFramePr>
+          <p:cNvPr id="6" name="Content Placeholder 3">
             <a:extLst>
               <a:ext uri="{FF2B5EF4-FFF2-40B4-BE49-F238E27FC236}">
-                <a16:creationId xmlns:a16="http://schemas.microsoft.com/office/drawing/2014/main" id="{47D9BE16-119C-43B2-9AE6-18C4A150C0EF}"/>
+                <a16:creationId xmlns:a16="http://schemas.microsoft.com/office/drawing/2014/main" id="{76142F3B-8AB6-D1FC-F954-8744326AB669}"/>
               </a:ext>
             </a:extLst>
           </p:cNvPr>
-          <p:cNvPicPr>
-            <a:picLocks noGrp="1" noChangeAspect="1"/>
-          </p:cNvPicPr>
+          <p:cNvGraphicFramePr>
+            <a:graphicFrameLocks noGrp="1"/>
+          </p:cNvGraphicFramePr>
           <p:nvPr>
-            <p:ph sz="half" idx="1"/>
+            <p:ph idx="1"/>
+            <p:extLst>
+              <p:ext uri="{D42A27DB-BD31-4B8C-83A1-F6EECF244321}">
+                <p14:modId xmlns:p14="http://schemas.microsoft.com/office/powerpoint/2010/main" val="1040266232"/>
+              </p:ext>
+            </p:extLst>
           </p:nvPr>
-        </p:nvPicPr>
-        <p:blipFill rotWithShape="1">
-          <a:blip r:embed="rId2" cstate="screen">
-            <a:extLst>
-              <a:ext uri="{28A0092B-C50C-407E-A947-70E740481C1C}">
-                <a14:useLocalDpi xmlns:a14="http://schemas.microsoft.com/office/drawing/2010/main"/>
-              </a:ext>
-            </a:extLst>
-          </a:blip>
-          <a:stretch/>
-        </p:blipFill>
-        <p:spPr>
-          <a:xfrm>
-            <a:off x="581025" y="2231480"/>
-            <a:ext cx="5422900" cy="3625353"/>
-          </a:xfrm>
-        </p:spPr>
-      </p:pic>
-      <p:pic>
-        <p:nvPicPr>
-          <p:cNvPr id="18" name="Content Placeholder 17" descr="Chart placeholder">
-            <a:extLst>
-              <a:ext uri="{FF2B5EF4-FFF2-40B4-BE49-F238E27FC236}">
-                <a16:creationId xmlns:a16="http://schemas.microsoft.com/office/drawing/2014/main" id="{BFEA8EC1-23A4-4843-A9C3-AE771D73392A}"/>
-              </a:ext>
-            </a:extLst>
-          </p:cNvPr>
-          <p:cNvPicPr>
-            <a:picLocks noGrp="1" noChangeAspect="1"/>
-          </p:cNvPicPr>
-          <p:nvPr>
-            <p:ph sz="half" idx="2"/>
-          </p:nvPr>
-        </p:nvPicPr>
-        <p:blipFill>
-          <a:blip r:embed="rId3"/>
-          <a:stretch>
-            <a:fillRect/>
-          </a:stretch>
-        </p:blipFill>
-        <p:spPr>
-          <a:xfrm>
-            <a:off x="6201811" y="2571845"/>
-            <a:ext cx="5395428" cy="2944623"/>
-          </a:xfrm>
-          <a:prstGeom prst="rect">
-            <a:avLst/>
-          </a:prstGeom>
-        </p:spPr>
-      </p:pic>
+        </p:nvGraphicFramePr>
+        <p:xfrm>
+          <a:off x="581025" y="2181225"/>
+          <a:ext cx="11029950" cy="3678238"/>
+        </p:xfrm>
+        <a:graphic>
+          <a:graphicData uri="http://schemas.openxmlformats.org/drawingml/2006/diagram">
+            <dgm:relIds xmlns:dgm="http://schemas.openxmlformats.org/drawingml/2006/diagram" xmlns:r="http://schemas.openxmlformats.org/officeDocument/2006/relationships" r:dm="rId2" r:lo="rId3" r:qs="rId4" r:cs="rId5"/>
+          </a:graphicData>
+        </a:graphic>
+      </p:graphicFrame>
     </p:spTree>
     <p:extLst>
       <p:ext uri="{BB962C8B-B14F-4D97-AF65-F5344CB8AC3E}">

--- a/CS301_ProjectPresentation.pptx
+++ b/CS301_ProjectPresentation.pptx
@@ -5,26 +5,24 @@
     <p:sldMasterId id="2147483672" r:id="rId1"/>
   </p:sldMasterIdLst>
   <p:notesMasterIdLst>
-    <p:notesMasterId r:id="rId16"/>
+    <p:notesMasterId r:id="rId14"/>
   </p:notesMasterIdLst>
   <p:handoutMasterIdLst>
-    <p:handoutMasterId r:id="rId17"/>
+    <p:handoutMasterId r:id="rId15"/>
   </p:handoutMasterIdLst>
   <p:sldIdLst>
     <p:sldId id="256" r:id="rId2"/>
     <p:sldId id="261" r:id="rId3"/>
-    <p:sldId id="269" r:id="rId4"/>
-    <p:sldId id="262" r:id="rId5"/>
-    <p:sldId id="265" r:id="rId6"/>
+    <p:sldId id="262" r:id="rId4"/>
+    <p:sldId id="265" r:id="rId5"/>
+    <p:sldId id="274" r:id="rId6"/>
     <p:sldId id="266" r:id="rId7"/>
-    <p:sldId id="267" r:id="rId8"/>
-    <p:sldId id="268" r:id="rId9"/>
-    <p:sldId id="270" r:id="rId10"/>
+    <p:sldId id="277" r:id="rId8"/>
+    <p:sldId id="275" r:id="rId9"/>
+    <p:sldId id="276" r:id="rId10"/>
     <p:sldId id="271" r:id="rId11"/>
-    <p:sldId id="272" r:id="rId12"/>
-    <p:sldId id="264" r:id="rId13"/>
-    <p:sldId id="258" r:id="rId14"/>
-    <p:sldId id="260" r:id="rId15"/>
+    <p:sldId id="258" r:id="rId12"/>
+    <p:sldId id="260" r:id="rId13"/>
   </p:sldIdLst>
   <p:sldSz cx="12192000" cy="6858000"/>
   <p:notesSz cx="6858000" cy="9144000"/>
@@ -134,24 +132,18 @@
         </p14:section>
         <p14:section name="VHDL" id="{39B876E6-7F45-4B2B-A6B3-A5F2CA254478}">
           <p14:sldIdLst>
-            <p14:sldId id="269"/>
             <p14:sldId id="262"/>
             <p14:sldId id="265"/>
-            <p14:sldId id="266"/>
-            <p14:sldId id="267"/>
+            <p14:sldId id="274"/>
           </p14:sldIdLst>
         </p14:section>
-        <p14:section name="Cpp" id="{0FD9219D-E24D-4570-8CBD-5CD9D434A4E7}">
+        <p14:section name="Making the Conversion" id="{714C1EDA-49A9-440B-94C0-8D51282BA079}">
           <p14:sldIdLst>
-            <p14:sldId id="268"/>
-            <p14:sldId id="270"/>
+            <p14:sldId id="266"/>
+            <p14:sldId id="277"/>
+            <p14:sldId id="275"/>
+            <p14:sldId id="276"/>
             <p14:sldId id="271"/>
-          </p14:sldIdLst>
-        </p14:section>
-        <p14:section name="Assembly" id="{C8A274F9-86F2-423C-B537-AEDA5C9419EC}">
-          <p14:sldIdLst>
-            <p14:sldId id="272"/>
-            <p14:sldId id="264"/>
           </p14:sldIdLst>
         </p14:section>
         <p14:section name="Conclusions" id="{BFA735B3-B075-4E2A-B46D-AF3DE647852C}">
@@ -1969,7 +1961,7 @@
       </dgm:t>
     </dgm:pt>
     <dgm:pt modelId="{418D9B4B-AD14-4060-BB71-34F80663641E}" type="sibTrans" cxnId="{4078CCA5-A06F-46C2-9F2E-69508109E2F8}">
-      <dgm:prSet phldrT="01"/>
+      <dgm:prSet phldrT="01" phldr="0"/>
       <dgm:spPr/>
       <dgm:t>
         <a:bodyPr/>
@@ -2008,7 +2000,7 @@
       </dgm:t>
     </dgm:pt>
     <dgm:pt modelId="{8BE9A8E8-BD55-4529-AF48-4A39246F6F7E}" type="sibTrans" cxnId="{80954B53-DC4E-45C8-AE67-6F8DB24775BF}">
-      <dgm:prSet phldrT="02"/>
+      <dgm:prSet phldrT="02" phldr="0"/>
       <dgm:spPr/>
       <dgm:t>
         <a:bodyPr/>
@@ -2029,8 +2021,8 @@
         <a:lstStyle/>
         <a:p>
           <a:r>
-            <a:rPr lang="en-US"/>
-            <a:t>In assembly, write in a way that is more straight forward…. Or rewrite mul to be specific to binary four digit values</a:t>
+            <a:rPr lang="en-US" dirty="0"/>
+            <a:t>Maybe try writing my own multiply in assembly</a:t>
           </a:r>
         </a:p>
       </dgm:t>
@@ -2047,7 +2039,7 @@
       </dgm:t>
     </dgm:pt>
     <dgm:pt modelId="{101F4E20-3E40-434A-B1EC-75A1DD24B13D}" type="sibTrans" cxnId="{C285E104-47F9-46F6-AAA4-037A69DBBD39}">
-      <dgm:prSet phldrT="03"/>
+      <dgm:prSet phldrT="03" phldr="0"/>
       <dgm:spPr/>
       <dgm:t>
         <a:bodyPr/>
@@ -2654,7 +2646,7 @@
         </a:bodyPr>
         <a:lstStyle/>
         <a:p>
-          <a:pPr marL="0" lvl="0" indent="0" algn="l" defTabSz="1022350">
+          <a:pPr marL="0" lvl="0" indent="0" algn="l" defTabSz="1155700">
             <a:lnSpc>
               <a:spcPct val="90000"/>
             </a:lnSpc>
@@ -2667,7 +2659,7 @@
             <a:buNone/>
           </a:pPr>
           <a:r>
-            <a:rPr lang="en-US" sz="2300" kern="1200"/>
+            <a:rPr lang="en-US" sz="2600" kern="1200"/>
             <a:t>Try a different approach</a:t>
           </a:r>
         </a:p>
@@ -2795,7 +2787,7 @@
         </a:bodyPr>
         <a:lstStyle/>
         <a:p>
-          <a:pPr marL="0" lvl="0" indent="0" algn="l" defTabSz="1022350">
+          <a:pPr marL="0" lvl="0" indent="0" algn="l" defTabSz="1155700">
             <a:lnSpc>
               <a:spcPct val="90000"/>
             </a:lnSpc>
@@ -2808,7 +2800,7 @@
             <a:buNone/>
           </a:pPr>
           <a:r>
-            <a:rPr lang="en-US" sz="2300" kern="1200"/>
+            <a:rPr lang="en-US" sz="2600" kern="1200"/>
             <a:t>Make my own templates that allow for various values input and output and preliminary</a:t>
           </a:r>
         </a:p>
@@ -2936,7 +2928,7 @@
         </a:bodyPr>
         <a:lstStyle/>
         <a:p>
-          <a:pPr marL="0" lvl="0" indent="0" algn="l" defTabSz="1022350">
+          <a:pPr marL="0" lvl="0" indent="0" algn="l" defTabSz="1155700">
             <a:lnSpc>
               <a:spcPct val="90000"/>
             </a:lnSpc>
@@ -2949,8 +2941,8 @@
             <a:buNone/>
           </a:pPr>
           <a:r>
-            <a:rPr lang="en-US" sz="2300" kern="1200"/>
-            <a:t>In assembly, write in a way that is more straight forward…. Or rewrite mul to be specific to binary four digit values</a:t>
+            <a:rPr lang="en-US" sz="2600" kern="1200" dirty="0"/>
+            <a:t>Maybe try writing my own multiply in assembly</a:t>
           </a:r>
         </a:p>
       </dsp:txBody>
@@ -6681,7 +6673,7 @@
           <a:p>
             <a:fld id="{AF869721-F543-4A6C-BF9D-65D7CC540427}" type="datetimeFigureOut">
               <a:rPr lang="en-US" smtClean="0"/>
-              <a:t>12/5/2022</a:t>
+              <a:t>12/6/2022</a:t>
             </a:fld>
             <a:endParaRPr lang="en-US" dirty="0"/>
           </a:p>
@@ -6858,7 +6850,7 @@
           <a:p>
             <a:fld id="{C732326A-4C88-4AFB-AA5B-5919D81DFF5B}" type="datetimeFigureOut">
               <a:rPr lang="en-US" smtClean="0"/>
-              <a:t>12/5/2022</a:t>
+              <a:t>12/6/2022</a:t>
             </a:fld>
             <a:endParaRPr lang="en-US" dirty="0"/>
           </a:p>
@@ -7358,7 +7350,7 @@
           <a:p>
             <a:fld id="{C6B3AB32-59DF-41F1-9618-EDFBF5049629}" type="slidenum">
               <a:rPr lang="en-US" smtClean="0"/>
-              <a:t>14</a:t>
+              <a:t>12</a:t>
             </a:fld>
             <a:endParaRPr lang="en-US" dirty="0"/>
           </a:p>
@@ -7623,7 +7615,7 @@
             <a:fld id="{B61BEF0D-F0BB-DE4B-95CE-6DB70DBA9567}" type="datetimeFigureOut">
               <a:rPr lang="en-US" smtClean="0"/>
               <a:pPr/>
-              <a:t>12/5/2022</a:t>
+              <a:t>12/6/2022</a:t>
             </a:fld>
             <a:endParaRPr lang="en-US" dirty="0"/>
           </a:p>
@@ -7887,7 +7879,7 @@
             <a:fld id="{B61BEF0D-F0BB-DE4B-95CE-6DB70DBA9567}" type="datetimeFigureOut">
               <a:rPr lang="en-US" smtClean="0"/>
               <a:pPr/>
-              <a:t>12/5/2022</a:t>
+              <a:t>12/6/2022</a:t>
             </a:fld>
             <a:endParaRPr lang="en-US" dirty="0"/>
           </a:p>
@@ -8124,7 +8116,7 @@
             <a:fld id="{B61BEF0D-F0BB-DE4B-95CE-6DB70DBA9567}" type="datetimeFigureOut">
               <a:rPr lang="en-US" smtClean="0"/>
               <a:pPr/>
-              <a:t>12/5/2022</a:t>
+              <a:t>12/6/2022</a:t>
             </a:fld>
             <a:endParaRPr lang="en-US" dirty="0"/>
           </a:p>
@@ -8366,7 +8358,7 @@
             <a:fld id="{B61BEF0D-F0BB-DE4B-95CE-6DB70DBA9567}" type="datetimeFigureOut">
               <a:rPr lang="en-US" smtClean="0"/>
               <a:pPr/>
-              <a:t>12/5/2022</a:t>
+              <a:t>12/6/2022</a:t>
             </a:fld>
             <a:endParaRPr lang="en-US" dirty="0"/>
           </a:p>
@@ -8675,7 +8667,7 @@
             <a:fld id="{B61BEF0D-F0BB-DE4B-95CE-6DB70DBA9567}" type="datetimeFigureOut">
               <a:rPr lang="en-US" smtClean="0"/>
               <a:pPr/>
-              <a:t>12/5/2022</a:t>
+              <a:t>12/6/2022</a:t>
             </a:fld>
             <a:endParaRPr lang="en-US" dirty="0"/>
           </a:p>
@@ -8979,7 +8971,7 @@
             <a:fld id="{B61BEF0D-F0BB-DE4B-95CE-6DB70DBA9567}" type="datetimeFigureOut">
               <a:rPr lang="en-US" smtClean="0"/>
               <a:pPr/>
-              <a:t>12/5/2022</a:t>
+              <a:t>12/6/2022</a:t>
             </a:fld>
             <a:endParaRPr lang="en-US" dirty="0"/>
           </a:p>
@@ -9403,7 +9395,7 @@
             <a:fld id="{B61BEF0D-F0BB-DE4B-95CE-6DB70DBA9567}" type="datetimeFigureOut">
               <a:rPr lang="en-US" smtClean="0"/>
               <a:pPr/>
-              <a:t>12/5/2022</a:t>
+              <a:t>12/6/2022</a:t>
             </a:fld>
             <a:endParaRPr lang="en-US" dirty="0"/>
           </a:p>
@@ -9500,7 +9492,7 @@
             <a:fld id="{B61BEF0D-F0BB-DE4B-95CE-6DB70DBA9567}" type="datetimeFigureOut">
               <a:rPr lang="en-US" smtClean="0"/>
               <a:pPr/>
-              <a:t>12/5/2022</a:t>
+              <a:t>12/6/2022</a:t>
             </a:fld>
             <a:endParaRPr lang="en-US" dirty="0"/>
           </a:p>
@@ -9664,7 +9656,7 @@
             <a:fld id="{B61BEF0D-F0BB-DE4B-95CE-6DB70DBA9567}" type="datetimeFigureOut">
               <a:rPr lang="en-US" smtClean="0"/>
               <a:pPr/>
-              <a:t>12/5/2022</a:t>
+              <a:t>12/6/2022</a:t>
             </a:fld>
             <a:endParaRPr lang="en-US" dirty="0"/>
           </a:p>
@@ -10044,7 +10036,7 @@
             <a:fld id="{B61BEF0D-F0BB-DE4B-95CE-6DB70DBA9567}" type="datetimeFigureOut">
               <a:rPr lang="en-US" smtClean="0"/>
               <a:pPr/>
-              <a:t>12/5/2022</a:t>
+              <a:t>12/6/2022</a:t>
             </a:fld>
             <a:endParaRPr lang="en-US" dirty="0"/>
           </a:p>
@@ -10335,7 +10327,7 @@
             <a:fld id="{B61BEF0D-F0BB-DE4B-95CE-6DB70DBA9567}" type="datetimeFigureOut">
               <a:rPr lang="en-US" smtClean="0"/>
               <a:pPr/>
-              <a:t>12/5/2022</a:t>
+              <a:t>12/6/2022</a:t>
             </a:fld>
             <a:endParaRPr lang="en-US" dirty="0"/>
           </a:p>
@@ -10548,7 +10540,7 @@
             <a:fld id="{B61BEF0D-F0BB-DE4B-95CE-6DB70DBA9567}" type="datetimeFigureOut">
               <a:rPr lang="en-US" smtClean="0"/>
               <a:pPr/>
-              <a:t>12/5/2022</a:t>
+              <a:t>12/6/2022</a:t>
             </a:fld>
             <a:endParaRPr lang="en-US" dirty="0"/>
           </a:p>
@@ -11605,6 +11597,36 @@
           <a:chExt cx="0" cy="0"/>
         </a:xfrm>
       </p:grpSpPr>
+      <p:pic>
+        <p:nvPicPr>
+          <p:cNvPr id="9" name="Picture 8">
+            <a:extLst>
+              <a:ext uri="{FF2B5EF4-FFF2-40B4-BE49-F238E27FC236}">
+                <a16:creationId xmlns:a16="http://schemas.microsoft.com/office/drawing/2014/main" id="{4E3969EA-9363-AA74-FB06-06C0FF0C3A6D}"/>
+              </a:ext>
+            </a:extLst>
+          </p:cNvPr>
+          <p:cNvPicPr>
+            <a:picLocks noChangeAspect="1"/>
+          </p:cNvPicPr>
+          <p:nvPr/>
+        </p:nvPicPr>
+        <p:blipFill>
+          <a:blip r:embed="rId2"/>
+          <a:stretch>
+            <a:fillRect/>
+          </a:stretch>
+        </p:blipFill>
+        <p:spPr>
+          <a:xfrm>
+            <a:off x="2730760" y="2297024"/>
+            <a:ext cx="6491302" cy="3925962"/>
+          </a:xfrm>
+          <a:prstGeom prst="rect">
+            <a:avLst/>
+          </a:prstGeom>
+        </p:spPr>
+      </p:pic>
       <p:sp>
         <p:nvSpPr>
           <p:cNvPr id="2" name="Title 1">
@@ -11628,47 +11650,40 @@
           <a:p>
             <a:r>
               <a:rPr lang="en-US" dirty="0"/>
-              <a:t>Preliminary Issues</a:t>
+              <a:t>Where things went wrong</a:t>
             </a:r>
           </a:p>
         </p:txBody>
       </p:sp>
-      <p:sp>
-        <p:nvSpPr>
-          <p:cNvPr id="3" name="Content Placeholder 2">
+      <p:pic>
+        <p:nvPicPr>
+          <p:cNvPr id="7" name="Content Placeholder 6" descr="Diagram, schematic&#10;&#10;Description automatically generated">
             <a:extLst>
               <a:ext uri="{FF2B5EF4-FFF2-40B4-BE49-F238E27FC236}">
-                <a16:creationId xmlns:a16="http://schemas.microsoft.com/office/drawing/2014/main" id="{BD3F66E3-AE94-D9E2-CFD8-F6DC2C05A09B}"/>
+                <a16:creationId xmlns:a16="http://schemas.microsoft.com/office/drawing/2014/main" id="{3CBF1F62-0D31-1CC4-12B0-E923633B8D29}"/>
               </a:ext>
             </a:extLst>
           </p:cNvPr>
-          <p:cNvSpPr>
-            <a:spLocks noGrp="1"/>
-          </p:cNvSpPr>
+          <p:cNvPicPr>
+            <a:picLocks noGrp="1" noChangeAspect="1"/>
+          </p:cNvPicPr>
           <p:nvPr>
             <p:ph idx="1"/>
           </p:nvPr>
-        </p:nvSpPr>
-        <p:spPr/>
-        <p:txBody>
-          <a:bodyPr/>
-          <a:lstStyle/>
-          <a:p>
-            <a:r>
-              <a:rPr lang="en-US" dirty="0"/>
-              <a:t>Display the main circuit image and discuss how the </a:t>
-            </a:r>
-            <a:r>
-              <a:rPr lang="en-US" dirty="0" err="1"/>
-              <a:t>prelimilary</a:t>
-            </a:r>
-            <a:r>
-              <a:rPr lang="en-US" dirty="0"/>
-              <a:t> values ( and zoom into the interior arrow between the boxes) and explain the issues I had with figuring out how to display this in a way that would work in all cases and still act as buffers or in VHDL terms, “Signals”</a:t>
-            </a:r>
-          </a:p>
-        </p:txBody>
-      </p:sp>
+        </p:nvPicPr>
+        <p:blipFill>
+          <a:blip r:embed="rId3"/>
+          <a:stretch>
+            <a:fillRect/>
+          </a:stretch>
+        </p:blipFill>
+        <p:spPr>
+          <a:xfrm rot="5400000">
+            <a:off x="3682390" y="664115"/>
+            <a:ext cx="4588042" cy="7191780"/>
+          </a:xfrm>
+        </p:spPr>
+      </p:pic>
     </p:spTree>
     <p:extLst>
       <p:ext uri="{BB962C8B-B14F-4D97-AF65-F5344CB8AC3E}">
@@ -11679,191 +11694,85 @@
   <p:clrMapOvr>
     <a:masterClrMapping/>
   </p:clrMapOvr>
+  <p:timing>
+    <p:tnLst>
+      <p:par>
+        <p:cTn id="1" dur="indefinite" restart="never" nodeType="tmRoot">
+          <p:childTnLst>
+            <p:seq concurrent="1" nextAc="seek">
+              <p:cTn id="2" dur="indefinite" nodeType="mainSeq">
+                <p:childTnLst>
+                  <p:par>
+                    <p:cTn id="3" fill="hold">
+                      <p:stCondLst>
+                        <p:cond delay="indefinite"/>
+                      </p:stCondLst>
+                      <p:childTnLst>
+                        <p:par>
+                          <p:cTn id="4" fill="hold">
+                            <p:stCondLst>
+                              <p:cond delay="0"/>
+                            </p:stCondLst>
+                            <p:childTnLst>
+                              <p:par>
+                                <p:cTn id="5" presetID="1" presetClass="exit" presetSubtype="0" fill="hold" nodeType="clickEffect">
+                                  <p:stCondLst>
+                                    <p:cond delay="0"/>
+                                  </p:stCondLst>
+                                  <p:childTnLst>
+                                    <p:set>
+                                      <p:cBhvr>
+                                        <p:cTn id="6" dur="1" fill="hold">
+                                          <p:stCondLst>
+                                            <p:cond delay="0"/>
+                                          </p:stCondLst>
+                                        </p:cTn>
+                                        <p:tgtEl>
+                                          <p:spTgt spid="7"/>
+                                        </p:tgtEl>
+                                        <p:attrNameLst>
+                                          <p:attrName>style.visibility</p:attrName>
+                                        </p:attrNameLst>
+                                      </p:cBhvr>
+                                      <p:to>
+                                        <p:strVal val="hidden"/>
+                                      </p:to>
+                                    </p:set>
+                                  </p:childTnLst>
+                                </p:cTn>
+                              </p:par>
+                            </p:childTnLst>
+                          </p:cTn>
+                        </p:par>
+                      </p:childTnLst>
+                    </p:cTn>
+                  </p:par>
+                </p:childTnLst>
+              </p:cTn>
+              <p:prevCondLst>
+                <p:cond evt="onPrev" delay="0">
+                  <p:tgtEl>
+                    <p:sldTgt/>
+                  </p:tgtEl>
+                </p:cond>
+              </p:prevCondLst>
+              <p:nextCondLst>
+                <p:cond evt="onNext" delay="0">
+                  <p:tgtEl>
+                    <p:sldTgt/>
+                  </p:tgtEl>
+                </p:cond>
+              </p:nextCondLst>
+            </p:seq>
+          </p:childTnLst>
+        </p:cTn>
+      </p:par>
+    </p:tnLst>
+  </p:timing>
 </p:sld>
 </file>
 
 <file path=ppt/slides/slide11.xml><?xml version="1.0" encoding="utf-8"?>
-<p:sld xmlns:a="http://schemas.openxmlformats.org/drawingml/2006/main" xmlns:r="http://schemas.openxmlformats.org/officeDocument/2006/relationships" xmlns:p="http://schemas.openxmlformats.org/presentationml/2006/main">
-  <p:cSld>
-    <p:spTree>
-      <p:nvGrpSpPr>
-        <p:cNvPr id="1" name=""/>
-        <p:cNvGrpSpPr/>
-        <p:nvPr/>
-      </p:nvGrpSpPr>
-      <p:grpSpPr>
-        <a:xfrm>
-          <a:off x="0" y="0"/>
-          <a:ext cx="0" cy="0"/>
-          <a:chOff x="0" y="0"/>
-          <a:chExt cx="0" cy="0"/>
-        </a:xfrm>
-      </p:grpSpPr>
-      <p:sp>
-        <p:nvSpPr>
-          <p:cNvPr id="2" name="Title 1">
-            <a:extLst>
-              <a:ext uri="{FF2B5EF4-FFF2-40B4-BE49-F238E27FC236}">
-                <a16:creationId xmlns:a16="http://schemas.microsoft.com/office/drawing/2014/main" id="{6A1924A2-4368-1A45-FF99-27A959DA459F}"/>
-              </a:ext>
-            </a:extLst>
-          </p:cNvPr>
-          <p:cNvSpPr>
-            <a:spLocks noGrp="1"/>
-          </p:cNvSpPr>
-          <p:nvPr>
-            <p:ph type="ctrTitle"/>
-          </p:nvPr>
-        </p:nvSpPr>
-        <p:spPr>
-          <a:xfrm>
-            <a:off x="581191" y="1020431"/>
-            <a:ext cx="10993549" cy="1475013"/>
-          </a:xfrm>
-        </p:spPr>
-        <p:txBody>
-          <a:bodyPr anchor="b">
-            <a:normAutofit/>
-          </a:bodyPr>
-          <a:lstStyle/>
-          <a:p>
-            <a:r>
-              <a:rPr lang="en-US" dirty="0"/>
-              <a:t>Attempting Assembly</a:t>
-            </a:r>
-          </a:p>
-        </p:txBody>
-      </p:sp>
-      <p:sp>
-        <p:nvSpPr>
-          <p:cNvPr id="8" name="Subtitle 2">
-            <a:extLst>
-              <a:ext uri="{FF2B5EF4-FFF2-40B4-BE49-F238E27FC236}">
-                <a16:creationId xmlns:a16="http://schemas.microsoft.com/office/drawing/2014/main" id="{023C12A2-DEE4-5936-2F77-D3A40301C83E}"/>
-              </a:ext>
-            </a:extLst>
-          </p:cNvPr>
-          <p:cNvSpPr>
-            <a:spLocks noGrp="1"/>
-          </p:cNvSpPr>
-          <p:nvPr>
-            <p:ph type="subTitle" idx="1"/>
-          </p:nvPr>
-        </p:nvSpPr>
-        <p:spPr>
-          <a:xfrm>
-            <a:off x="581194" y="2495445"/>
-            <a:ext cx="10993546" cy="590321"/>
-          </a:xfrm>
-        </p:spPr>
-        <p:txBody>
-          <a:bodyPr/>
-          <a:lstStyle/>
-          <a:p>
-            <a:r>
-              <a:rPr lang="en-US" dirty="0"/>
-              <a:t> </a:t>
-            </a:r>
-          </a:p>
-        </p:txBody>
-      </p:sp>
-    </p:spTree>
-    <p:extLst>
-      <p:ext uri="{BB962C8B-B14F-4D97-AF65-F5344CB8AC3E}">
-        <p14:creationId xmlns:p14="http://schemas.microsoft.com/office/powerpoint/2010/main" val="3432526895"/>
-      </p:ext>
-    </p:extLst>
-  </p:cSld>
-  <p:clrMapOvr>
-    <a:masterClrMapping/>
-  </p:clrMapOvr>
-</p:sld>
-</file>
-
-<file path=ppt/slides/slide12.xml><?xml version="1.0" encoding="utf-8"?>
-<p:sld xmlns:a="http://schemas.openxmlformats.org/drawingml/2006/main" xmlns:r="http://schemas.openxmlformats.org/officeDocument/2006/relationships" xmlns:p="http://schemas.openxmlformats.org/presentationml/2006/main">
-  <p:cSld>
-    <p:spTree>
-      <p:nvGrpSpPr>
-        <p:cNvPr id="1" name=""/>
-        <p:cNvGrpSpPr/>
-        <p:nvPr/>
-      </p:nvGrpSpPr>
-      <p:grpSpPr>
-        <a:xfrm>
-          <a:off x="0" y="0"/>
-          <a:ext cx="0" cy="0"/>
-          <a:chOff x="0" y="0"/>
-          <a:chExt cx="0" cy="0"/>
-        </a:xfrm>
-      </p:grpSpPr>
-      <p:sp>
-        <p:nvSpPr>
-          <p:cNvPr id="2" name="Title 1">
-            <a:extLst>
-              <a:ext uri="{FF2B5EF4-FFF2-40B4-BE49-F238E27FC236}">
-                <a16:creationId xmlns:a16="http://schemas.microsoft.com/office/drawing/2014/main" id="{F1E0E816-777F-AE13-A1BA-7FCA41767BEC}"/>
-              </a:ext>
-            </a:extLst>
-          </p:cNvPr>
-          <p:cNvSpPr>
-            <a:spLocks noGrp="1"/>
-          </p:cNvSpPr>
-          <p:nvPr>
-            <p:ph type="title"/>
-          </p:nvPr>
-        </p:nvSpPr>
-        <p:spPr/>
-        <p:txBody>
-          <a:bodyPr/>
-          <a:lstStyle/>
-          <a:p>
-            <a:r>
-              <a:rPr lang="en-US" dirty="0"/>
-              <a:t>Assembly Code</a:t>
-            </a:r>
-          </a:p>
-        </p:txBody>
-      </p:sp>
-      <p:sp>
-        <p:nvSpPr>
-          <p:cNvPr id="3" name="Content Placeholder 2">
-            <a:extLst>
-              <a:ext uri="{FF2B5EF4-FFF2-40B4-BE49-F238E27FC236}">
-                <a16:creationId xmlns:a16="http://schemas.microsoft.com/office/drawing/2014/main" id="{250C7C14-A039-3336-F390-7010F092655A}"/>
-              </a:ext>
-            </a:extLst>
-          </p:cNvPr>
-          <p:cNvSpPr>
-            <a:spLocks noGrp="1"/>
-          </p:cNvSpPr>
-          <p:nvPr>
-            <p:ph idx="1"/>
-          </p:nvPr>
-        </p:nvSpPr>
-        <p:spPr/>
-        <p:txBody>
-          <a:bodyPr/>
-          <a:lstStyle/>
-          <a:p>
-            <a:endParaRPr lang="en-US"/>
-          </a:p>
-        </p:txBody>
-      </p:sp>
-    </p:spTree>
-    <p:extLst>
-      <p:ext uri="{BB962C8B-B14F-4D97-AF65-F5344CB8AC3E}">
-        <p14:creationId xmlns:p14="http://schemas.microsoft.com/office/powerpoint/2010/main" val="3163729531"/>
-      </p:ext>
-    </p:extLst>
-  </p:cSld>
-  <p:clrMapOvr>
-    <a:masterClrMapping/>
-  </p:clrMapOvr>
-</p:sld>
-</file>
-
-<file path=ppt/slides/slide13.xml><?xml version="1.0" encoding="utf-8"?>
 <p:sld xmlns:a="http://schemas.openxmlformats.org/drawingml/2006/main" xmlns:r="http://schemas.openxmlformats.org/officeDocument/2006/relationships" xmlns:p="http://schemas.openxmlformats.org/presentationml/2006/main">
   <p:cSld>
     <p:spTree>
@@ -11910,7 +11819,7 @@
           <a:p>
             <a:r>
               <a:rPr lang="en-US" dirty="0"/>
-              <a:t>Struggles and Learning things</a:t>
+              <a:t>Future Considerations</a:t>
             </a:r>
           </a:p>
         </p:txBody>
@@ -11931,7 +11840,7 @@
             <p:ph idx="1"/>
             <p:extLst>
               <p:ext uri="{D42A27DB-BD31-4B8C-83A1-F6EECF244321}">
-                <p14:modId xmlns:p14="http://schemas.microsoft.com/office/powerpoint/2010/main" val="1040266232"/>
+                <p14:modId xmlns:p14="http://schemas.microsoft.com/office/powerpoint/2010/main" val="3410183252"/>
               </p:ext>
             </p:extLst>
           </p:nvPr>
@@ -11959,7 +11868,7 @@
 </p:sld>
 </file>
 
-<file path=ppt/slides/slide14.xml><?xml version="1.0" encoding="utf-8"?>
+<file path=ppt/slides/slide12.xml><?xml version="1.0" encoding="utf-8"?>
 <p:sld xmlns:a="http://schemas.openxmlformats.org/drawingml/2006/main" xmlns:r="http://schemas.openxmlformats.org/officeDocument/2006/relationships" xmlns:p="http://schemas.openxmlformats.org/presentationml/2006/main">
   <p:cSld>
     <p:bg>
@@ -12353,24 +12262,6 @@
           </a:bodyPr>
           <a:lstStyle/>
           <a:p>
-            <a:r>
-              <a:rPr lang="en-US" dirty="0" err="1">
-                <a:solidFill>
-                  <a:schemeClr val="bg2"/>
-                </a:solidFill>
-              </a:rPr>
-              <a:t>Github</a:t>
-            </a:r>
-            <a:r>
-              <a:rPr lang="en-US">
-                <a:solidFill>
-                  <a:schemeClr val="bg2"/>
-                </a:solidFill>
-              </a:rPr>
-              <a:t> Link:</a:t>
-            </a:r>
-          </a:p>
-          <a:p>
             <a:endParaRPr lang="en-US" dirty="0">
               <a:solidFill>
                 <a:schemeClr val="bg2"/>
@@ -12524,104 +12415,6 @@
 </file>
 
 <file path=ppt/slides/slide3.xml><?xml version="1.0" encoding="utf-8"?>
-<p:sld xmlns:a="http://schemas.openxmlformats.org/drawingml/2006/main" xmlns:r="http://schemas.openxmlformats.org/officeDocument/2006/relationships" xmlns:p="http://schemas.openxmlformats.org/presentationml/2006/main">
-  <p:cSld>
-    <p:spTree>
-      <p:nvGrpSpPr>
-        <p:cNvPr id="1" name=""/>
-        <p:cNvGrpSpPr/>
-        <p:nvPr/>
-      </p:nvGrpSpPr>
-      <p:grpSpPr>
-        <a:xfrm>
-          <a:off x="0" y="0"/>
-          <a:ext cx="0" cy="0"/>
-          <a:chOff x="0" y="0"/>
-          <a:chExt cx="0" cy="0"/>
-        </a:xfrm>
-      </p:grpSpPr>
-      <p:sp>
-        <p:nvSpPr>
-          <p:cNvPr id="2" name="Title 1">
-            <a:extLst>
-              <a:ext uri="{FF2B5EF4-FFF2-40B4-BE49-F238E27FC236}">
-                <a16:creationId xmlns:a16="http://schemas.microsoft.com/office/drawing/2014/main" id="{8CB04644-5920-C185-7B98-BA659418D97F}"/>
-              </a:ext>
-            </a:extLst>
-          </p:cNvPr>
-          <p:cNvSpPr>
-            <a:spLocks noGrp="1"/>
-          </p:cNvSpPr>
-          <p:nvPr>
-            <p:ph type="ctrTitle"/>
-          </p:nvPr>
-        </p:nvSpPr>
-        <p:spPr>
-          <a:xfrm>
-            <a:off x="581191" y="1020431"/>
-            <a:ext cx="10993549" cy="1475013"/>
-          </a:xfrm>
-        </p:spPr>
-        <p:txBody>
-          <a:bodyPr anchor="b">
-            <a:normAutofit/>
-          </a:bodyPr>
-          <a:lstStyle/>
-          <a:p>
-            <a:r>
-              <a:rPr lang="en-US" dirty="0"/>
-              <a:t>Starting with VHDL</a:t>
-            </a:r>
-          </a:p>
-        </p:txBody>
-      </p:sp>
-      <p:sp>
-        <p:nvSpPr>
-          <p:cNvPr id="8" name="Subtitle 2">
-            <a:extLst>
-              <a:ext uri="{FF2B5EF4-FFF2-40B4-BE49-F238E27FC236}">
-                <a16:creationId xmlns:a16="http://schemas.microsoft.com/office/drawing/2014/main" id="{06344E37-3750-304F-BB6C-57E70F722CEB}"/>
-              </a:ext>
-            </a:extLst>
-          </p:cNvPr>
-          <p:cNvSpPr>
-            <a:spLocks noGrp="1"/>
-          </p:cNvSpPr>
-          <p:nvPr>
-            <p:ph type="subTitle" idx="1"/>
-          </p:nvPr>
-        </p:nvSpPr>
-        <p:spPr>
-          <a:xfrm>
-            <a:off x="581194" y="2495445"/>
-            <a:ext cx="10993546" cy="590321"/>
-          </a:xfrm>
-        </p:spPr>
-        <p:txBody>
-          <a:bodyPr/>
-          <a:lstStyle/>
-          <a:p>
-            <a:r>
-              <a:rPr lang="en-US" dirty="0"/>
-              <a:t> </a:t>
-            </a:r>
-          </a:p>
-        </p:txBody>
-      </p:sp>
-    </p:spTree>
-    <p:extLst>
-      <p:ext uri="{BB962C8B-B14F-4D97-AF65-F5344CB8AC3E}">
-        <p14:creationId xmlns:p14="http://schemas.microsoft.com/office/powerpoint/2010/main" val="1656036238"/>
-      </p:ext>
-    </p:extLst>
-  </p:cSld>
-  <p:clrMapOvr>
-    <a:masterClrMapping/>
-  </p:clrMapOvr>
-</p:sld>
-</file>
-
-<file path=ppt/slides/slide4.xml><?xml version="1.0" encoding="utf-8"?>
 <p:sld xmlns:a="http://schemas.openxmlformats.org/drawingml/2006/main" xmlns:r="http://schemas.openxmlformats.org/officeDocument/2006/relationships" xmlns:p="http://schemas.openxmlformats.org/presentationml/2006/main">
   <p:cSld>
     <p:spTree>
@@ -12821,7 +12614,7 @@
 </p:sld>
 </file>
 
-<file path=ppt/slides/slide5.xml><?xml version="1.0" encoding="utf-8"?>
+<file path=ppt/slides/slide4.xml><?xml version="1.0" encoding="utf-8"?>
 <p:sld xmlns:a="http://schemas.openxmlformats.org/drawingml/2006/main" xmlns:r="http://schemas.openxmlformats.org/officeDocument/2006/relationships" xmlns:p="http://schemas.openxmlformats.org/presentationml/2006/main">
   <p:cSld>
     <p:spTree>
@@ -13008,8 +12801,8 @@
         </p:nvSpPr>
         <p:spPr>
           <a:xfrm>
-            <a:off x="955472" y="4058777"/>
-            <a:ext cx="1018572" cy="646331"/>
+            <a:off x="783771" y="4058777"/>
+            <a:ext cx="1296956" cy="923330"/>
           </a:xfrm>
           <a:prstGeom prst="rect">
             <a:avLst/>
@@ -13025,6 +12818,12 @@
             <a:r>
               <a:rPr lang="en-US" dirty="0"/>
               <a:t>Top Row Boxes</a:t>
+            </a:r>
+          </a:p>
+          <a:p>
+            <a:r>
+              <a:rPr lang="en-US" dirty="0"/>
+              <a:t>U(x) signals</a:t>
             </a:r>
           </a:p>
         </p:txBody>
@@ -13043,8 +12842,8 @@
         </p:nvSpPr>
         <p:spPr>
           <a:xfrm>
-            <a:off x="9870715" y="4101139"/>
-            <a:ext cx="1365813" cy="923330"/>
+            <a:off x="9675845" y="4101139"/>
+            <a:ext cx="1934963" cy="923330"/>
           </a:xfrm>
           <a:prstGeom prst="rect">
             <a:avLst/>
@@ -13062,12 +12861,708 @@
               <a:t>Second and Third Row Boxes</a:t>
             </a:r>
           </a:p>
+          <a:p>
+            <a:r>
+              <a:rPr lang="en-US" dirty="0"/>
+              <a:t>W(x)/N(x) signals</a:t>
+            </a:r>
+          </a:p>
         </p:txBody>
       </p:sp>
     </p:spTree>
     <p:extLst>
       <p:ext uri="{BB962C8B-B14F-4D97-AF65-F5344CB8AC3E}">
         <p14:creationId xmlns:p14="http://schemas.microsoft.com/office/powerpoint/2010/main" val="3652733440"/>
+      </p:ext>
+    </p:extLst>
+  </p:cSld>
+  <p:clrMapOvr>
+    <a:masterClrMapping/>
+  </p:clrMapOvr>
+</p:sld>
+</file>
+
+<file path=ppt/slides/slide5.xml><?xml version="1.0" encoding="utf-8"?>
+<p:sld xmlns:a="http://schemas.openxmlformats.org/drawingml/2006/main" xmlns:r="http://schemas.openxmlformats.org/officeDocument/2006/relationships" xmlns:p="http://schemas.openxmlformats.org/presentationml/2006/main">
+  <p:cSld>
+    <p:spTree>
+      <p:nvGrpSpPr>
+        <p:cNvPr id="1" name=""/>
+        <p:cNvGrpSpPr/>
+        <p:nvPr/>
+      </p:nvGrpSpPr>
+      <p:grpSpPr>
+        <a:xfrm>
+          <a:off x="0" y="0"/>
+          <a:ext cx="0" cy="0"/>
+          <a:chOff x="0" y="0"/>
+          <a:chExt cx="0" cy="0"/>
+        </a:xfrm>
+      </p:grpSpPr>
+      <p:sp>
+        <p:nvSpPr>
+          <p:cNvPr id="2" name="Title 1">
+            <a:extLst>
+              <a:ext uri="{FF2B5EF4-FFF2-40B4-BE49-F238E27FC236}">
+                <a16:creationId xmlns:a16="http://schemas.microsoft.com/office/drawing/2014/main" id="{5BD37BDE-2A47-9645-F73E-4BE6CD4760B2}"/>
+              </a:ext>
+            </a:extLst>
+          </p:cNvPr>
+          <p:cNvSpPr>
+            <a:spLocks noGrp="1"/>
+          </p:cNvSpPr>
+          <p:nvPr>
+            <p:ph type="title"/>
+          </p:nvPr>
+        </p:nvSpPr>
+        <p:spPr/>
+        <p:txBody>
+          <a:bodyPr/>
+          <a:lstStyle/>
+          <a:p>
+            <a:endParaRPr lang="en-US"/>
+          </a:p>
+        </p:txBody>
+      </p:sp>
+      <p:sp>
+        <p:nvSpPr>
+          <p:cNvPr id="3" name="Text Placeholder 2">
+            <a:extLst>
+              <a:ext uri="{FF2B5EF4-FFF2-40B4-BE49-F238E27FC236}">
+                <a16:creationId xmlns:a16="http://schemas.microsoft.com/office/drawing/2014/main" id="{B82EA459-0D4A-9D97-1A37-D29A02D936FA}"/>
+              </a:ext>
+            </a:extLst>
+          </p:cNvPr>
+          <p:cNvSpPr>
+            <a:spLocks noGrp="1"/>
+          </p:cNvSpPr>
+          <p:nvPr>
+            <p:ph type="body" idx="1"/>
+          </p:nvPr>
+        </p:nvSpPr>
+        <p:spPr>
+          <a:xfrm>
+            <a:off x="581192" y="1982889"/>
+            <a:ext cx="5087075" cy="536005"/>
+          </a:xfrm>
+        </p:spPr>
+        <p:txBody>
+          <a:bodyPr/>
+          <a:lstStyle/>
+          <a:p>
+            <a:r>
+              <a:rPr lang="en-US" dirty="0"/>
+              <a:t>Top Row Code	</a:t>
+            </a:r>
+          </a:p>
+        </p:txBody>
+      </p:sp>
+      <p:sp>
+        <p:nvSpPr>
+          <p:cNvPr id="4" name="Content Placeholder 3">
+            <a:extLst>
+              <a:ext uri="{FF2B5EF4-FFF2-40B4-BE49-F238E27FC236}">
+                <a16:creationId xmlns:a16="http://schemas.microsoft.com/office/drawing/2014/main" id="{03210D3B-681E-6AA1-99BC-946F772351CA}"/>
+              </a:ext>
+            </a:extLst>
+          </p:cNvPr>
+          <p:cNvSpPr>
+            <a:spLocks noGrp="1"/>
+          </p:cNvSpPr>
+          <p:nvPr>
+            <p:ph sz="half" idx="2"/>
+          </p:nvPr>
+        </p:nvSpPr>
+        <p:spPr>
+          <a:xfrm>
+            <a:off x="581194" y="2518894"/>
+            <a:ext cx="5393100" cy="3342157"/>
+          </a:xfrm>
+        </p:spPr>
+        <p:txBody>
+          <a:bodyPr>
+            <a:noAutofit/>
+          </a:bodyPr>
+          <a:lstStyle/>
+          <a:p>
+            <a:pPr marL="0" indent="0">
+              <a:buNone/>
+            </a:pPr>
+            <a:r>
+              <a:rPr lang="en-US" sz="900" dirty="0">
+                <a:cs typeface="Aharoni" panose="02010803020104030203" pitchFamily="2" charset="-79"/>
+              </a:rPr>
+              <a:t>ENTITY Fig1B IS</a:t>
+            </a:r>
+          </a:p>
+          <a:p>
+            <a:pPr marL="0" indent="0">
+              <a:buNone/>
+            </a:pPr>
+            <a:r>
+              <a:rPr lang="en-US" sz="900" dirty="0">
+                <a:cs typeface="Aharoni" panose="02010803020104030203" pitchFamily="2" charset="-79"/>
+              </a:rPr>
+              <a:t>	PORT ( M1, M2, Q0, Q1, </a:t>
+            </a:r>
+            <a:r>
+              <a:rPr lang="en-US" sz="900" dirty="0" err="1">
+                <a:cs typeface="Aharoni" panose="02010803020104030203" pitchFamily="2" charset="-79"/>
+              </a:rPr>
+              <a:t>Cin</a:t>
+            </a:r>
+            <a:r>
+              <a:rPr lang="en-US" sz="900" dirty="0">
+                <a:cs typeface="Aharoni" panose="02010803020104030203" pitchFamily="2" charset="-79"/>
+              </a:rPr>
+              <a:t> :In STD_LOGIC;</a:t>
+            </a:r>
+          </a:p>
+          <a:p>
+            <a:pPr marL="0" indent="0">
+              <a:buNone/>
+            </a:pPr>
+            <a:r>
+              <a:rPr lang="en-US" sz="900" dirty="0">
+                <a:cs typeface="Aharoni" panose="02010803020104030203" pitchFamily="2" charset="-79"/>
+              </a:rPr>
+              <a:t>	 </a:t>
+            </a:r>
+            <a:r>
+              <a:rPr lang="en-US" sz="900" dirty="0" err="1">
+                <a:cs typeface="Aharoni" panose="02010803020104030203" pitchFamily="2" charset="-79"/>
+              </a:rPr>
+              <a:t>Cout</a:t>
+            </a:r>
+            <a:r>
+              <a:rPr lang="en-US" sz="900" dirty="0">
+                <a:cs typeface="Aharoni" panose="02010803020104030203" pitchFamily="2" charset="-79"/>
+              </a:rPr>
+              <a:t>, S :OUT STD_LOGIC);</a:t>
+            </a:r>
+          </a:p>
+          <a:p>
+            <a:pPr marL="0" indent="0">
+              <a:buNone/>
+            </a:pPr>
+            <a:r>
+              <a:rPr lang="en-US" sz="900" dirty="0">
+                <a:cs typeface="Aharoni" panose="02010803020104030203" pitchFamily="2" charset="-79"/>
+              </a:rPr>
+              <a:t>END ENTITY;</a:t>
+            </a:r>
+          </a:p>
+          <a:p>
+            <a:pPr marL="0" indent="0">
+              <a:buNone/>
+            </a:pPr>
+            <a:r>
+              <a:rPr lang="en-US" sz="900" dirty="0">
+                <a:cs typeface="Aharoni" panose="02010803020104030203" pitchFamily="2" charset="-79"/>
+              </a:rPr>
+              <a:t>ARCHITECTURE Block1 OF Fig1B IS</a:t>
+            </a:r>
+          </a:p>
+          <a:p>
+            <a:pPr marL="0" indent="0">
+              <a:buNone/>
+            </a:pPr>
+            <a:r>
+              <a:rPr lang="en-US" sz="900" dirty="0">
+                <a:cs typeface="Aharoni" panose="02010803020104030203" pitchFamily="2" charset="-79"/>
+              </a:rPr>
+              <a:t>	COMPONENT Adder IS </a:t>
+            </a:r>
+          </a:p>
+          <a:p>
+            <a:pPr marL="0" indent="0">
+              <a:buNone/>
+            </a:pPr>
+            <a:r>
+              <a:rPr lang="en-US" sz="900" dirty="0">
+                <a:cs typeface="Aharoni" panose="02010803020104030203" pitchFamily="2" charset="-79"/>
+              </a:rPr>
+              <a:t>		PORT (X1, X2, </a:t>
+            </a:r>
+            <a:r>
+              <a:rPr lang="en-US" sz="900" dirty="0" err="1">
+                <a:cs typeface="Aharoni" panose="02010803020104030203" pitchFamily="2" charset="-79"/>
+              </a:rPr>
+              <a:t>Cin</a:t>
+            </a:r>
+            <a:r>
+              <a:rPr lang="en-US" sz="900" dirty="0">
+                <a:cs typeface="Aharoni" panose="02010803020104030203" pitchFamily="2" charset="-79"/>
+              </a:rPr>
+              <a:t> : IN </a:t>
+            </a:r>
+            <a:r>
+              <a:rPr lang="en-US" sz="900" dirty="0" err="1">
+                <a:cs typeface="Aharoni" panose="02010803020104030203" pitchFamily="2" charset="-79"/>
+              </a:rPr>
+              <a:t>STD_Logic</a:t>
+            </a:r>
+            <a:r>
+              <a:rPr lang="en-US" sz="900" dirty="0">
+                <a:cs typeface="Aharoni" panose="02010803020104030203" pitchFamily="2" charset="-79"/>
+              </a:rPr>
+              <a:t> ; --x and y are inputs of the adder</a:t>
+            </a:r>
+          </a:p>
+          <a:p>
+            <a:pPr marL="0" indent="0">
+              <a:buNone/>
+            </a:pPr>
+            <a:r>
+              <a:rPr lang="en-US" sz="900" dirty="0">
+                <a:cs typeface="Aharoni" panose="02010803020104030203" pitchFamily="2" charset="-79"/>
+              </a:rPr>
+              <a:t>			</a:t>
+            </a:r>
+            <a:r>
+              <a:rPr lang="en-US" sz="900" dirty="0" err="1">
+                <a:cs typeface="Aharoni" panose="02010803020104030203" pitchFamily="2" charset="-79"/>
+              </a:rPr>
+              <a:t>Cout</a:t>
+            </a:r>
+            <a:r>
+              <a:rPr lang="en-US" sz="900" dirty="0">
+                <a:cs typeface="Aharoni" panose="02010803020104030203" pitchFamily="2" charset="-79"/>
+              </a:rPr>
+              <a:t>, S :BUFFER </a:t>
+            </a:r>
+            <a:r>
+              <a:rPr lang="en-US" sz="900" dirty="0" err="1">
+                <a:cs typeface="Aharoni" panose="02010803020104030203" pitchFamily="2" charset="-79"/>
+              </a:rPr>
+              <a:t>STD_Logic</a:t>
+            </a:r>
+            <a:r>
+              <a:rPr lang="en-US" sz="900" dirty="0">
+                <a:cs typeface="Aharoni" panose="02010803020104030203" pitchFamily="2" charset="-79"/>
+              </a:rPr>
+              <a:t>); --c is the carry and s is the sum value		</a:t>
+            </a:r>
+          </a:p>
+          <a:p>
+            <a:pPr marL="0" indent="0">
+              <a:buNone/>
+            </a:pPr>
+            <a:r>
+              <a:rPr lang="en-US" sz="900" dirty="0">
+                <a:cs typeface="Aharoni" panose="02010803020104030203" pitchFamily="2" charset="-79"/>
+              </a:rPr>
+              <a:t>	END COMPONENT;</a:t>
+            </a:r>
+          </a:p>
+          <a:p>
+            <a:pPr marL="0" indent="0">
+              <a:buNone/>
+            </a:pPr>
+            <a:r>
+              <a:rPr lang="en-US" sz="900" dirty="0">
+                <a:cs typeface="Aharoni" panose="02010803020104030203" pitchFamily="2" charset="-79"/>
+              </a:rPr>
+              <a:t>		SIGNAL A1, A2, A3 :STD_LOGIC;</a:t>
+            </a:r>
+          </a:p>
+          <a:p>
+            <a:pPr marL="0" indent="0">
+              <a:buNone/>
+            </a:pPr>
+            <a:r>
+              <a:rPr lang="en-US" sz="900" dirty="0">
+                <a:cs typeface="Aharoni" panose="02010803020104030203" pitchFamily="2" charset="-79"/>
+              </a:rPr>
+              <a:t>	BEGIN </a:t>
+            </a:r>
+          </a:p>
+          <a:p>
+            <a:pPr marL="0" indent="0">
+              <a:buNone/>
+            </a:pPr>
+            <a:r>
+              <a:rPr lang="en-US" sz="900" dirty="0">
+                <a:cs typeface="Aharoni" panose="02010803020104030203" pitchFamily="2" charset="-79"/>
+              </a:rPr>
+              <a:t>		 A1 &lt;= M1 AND Q0;</a:t>
+            </a:r>
+          </a:p>
+          <a:p>
+            <a:pPr marL="0" indent="0">
+              <a:buNone/>
+            </a:pPr>
+            <a:r>
+              <a:rPr lang="en-US" sz="900" dirty="0">
+                <a:cs typeface="Aharoni" panose="02010803020104030203" pitchFamily="2" charset="-79"/>
+              </a:rPr>
+              <a:t>		 A2 &lt;= M2 AND Q1;</a:t>
+            </a:r>
+          </a:p>
+          <a:p>
+            <a:pPr marL="0" indent="0">
+              <a:buNone/>
+            </a:pPr>
+            <a:r>
+              <a:rPr lang="en-US" sz="900" dirty="0">
+                <a:cs typeface="Aharoni" panose="02010803020104030203" pitchFamily="2" charset="-79"/>
+              </a:rPr>
+              <a:t>		 A4:Adder PORT MAP (X1 =&gt; A1, X2 =&gt; A2, </a:t>
+            </a:r>
+            <a:r>
+              <a:rPr lang="en-US" sz="900" dirty="0" err="1">
+                <a:cs typeface="Aharoni" panose="02010803020104030203" pitchFamily="2" charset="-79"/>
+              </a:rPr>
+              <a:t>Cin</a:t>
+            </a:r>
+            <a:r>
+              <a:rPr lang="en-US" sz="900" dirty="0">
+                <a:cs typeface="Aharoni" panose="02010803020104030203" pitchFamily="2" charset="-79"/>
+              </a:rPr>
+              <a:t> =&gt; </a:t>
+            </a:r>
+            <a:r>
+              <a:rPr lang="en-US" sz="900" dirty="0" err="1">
+                <a:cs typeface="Aharoni" panose="02010803020104030203" pitchFamily="2" charset="-79"/>
+              </a:rPr>
+              <a:t>Cin</a:t>
+            </a:r>
+            <a:r>
+              <a:rPr lang="en-US" sz="900" dirty="0">
+                <a:cs typeface="Aharoni" panose="02010803020104030203" pitchFamily="2" charset="-79"/>
+              </a:rPr>
+              <a:t>, --INPUTS</a:t>
+            </a:r>
+          </a:p>
+          <a:p>
+            <a:pPr marL="0" indent="0">
+              <a:buNone/>
+            </a:pPr>
+            <a:r>
+              <a:rPr lang="en-US" sz="900" dirty="0">
+                <a:cs typeface="Aharoni" panose="02010803020104030203" pitchFamily="2" charset="-79"/>
+              </a:rPr>
+              <a:t>			</a:t>
+            </a:r>
+            <a:r>
+              <a:rPr lang="en-US" sz="900" dirty="0" err="1">
+                <a:cs typeface="Aharoni" panose="02010803020104030203" pitchFamily="2" charset="-79"/>
+              </a:rPr>
+              <a:t>Cout</a:t>
+            </a:r>
+            <a:r>
+              <a:rPr lang="en-US" sz="900" dirty="0">
+                <a:cs typeface="Aharoni" panose="02010803020104030203" pitchFamily="2" charset="-79"/>
+              </a:rPr>
+              <a:t> =&gt; </a:t>
+            </a:r>
+            <a:r>
+              <a:rPr lang="en-US" sz="900" dirty="0" err="1">
+                <a:cs typeface="Aharoni" panose="02010803020104030203" pitchFamily="2" charset="-79"/>
+              </a:rPr>
+              <a:t>Cout</a:t>
+            </a:r>
+            <a:r>
+              <a:rPr lang="en-US" sz="900" dirty="0">
+                <a:cs typeface="Aharoni" panose="02010803020104030203" pitchFamily="2" charset="-79"/>
+              </a:rPr>
+              <a:t>, S =&gt; s); --OUTPUT VALUES FROM ADDER</a:t>
+            </a:r>
+          </a:p>
+          <a:p>
+            <a:pPr marL="0" indent="0">
+              <a:buNone/>
+            </a:pPr>
+            <a:r>
+              <a:rPr lang="en-US" sz="900" dirty="0">
+                <a:cs typeface="Aharoni" panose="02010803020104030203" pitchFamily="2" charset="-79"/>
+              </a:rPr>
+              <a:t>	END ARCHITECTURE;</a:t>
+            </a:r>
+          </a:p>
+        </p:txBody>
+      </p:sp>
+      <p:sp>
+        <p:nvSpPr>
+          <p:cNvPr id="5" name="Text Placeholder 4">
+            <a:extLst>
+              <a:ext uri="{FF2B5EF4-FFF2-40B4-BE49-F238E27FC236}">
+                <a16:creationId xmlns:a16="http://schemas.microsoft.com/office/drawing/2014/main" id="{A6CD5C79-4065-7A92-3ABF-5A72E271BEAA}"/>
+              </a:ext>
+            </a:extLst>
+          </p:cNvPr>
+          <p:cNvSpPr>
+            <a:spLocks noGrp="1"/>
+          </p:cNvSpPr>
+          <p:nvPr>
+            <p:ph type="body" sz="quarter" idx="3"/>
+          </p:nvPr>
+        </p:nvSpPr>
+        <p:spPr>
+          <a:xfrm>
+            <a:off x="6523735" y="1985102"/>
+            <a:ext cx="5087073" cy="553373"/>
+          </a:xfrm>
+        </p:spPr>
+        <p:txBody>
+          <a:bodyPr/>
+          <a:lstStyle/>
+          <a:p>
+            <a:r>
+              <a:rPr lang="en-US" dirty="0"/>
+              <a:t>Second and Third Row Code</a:t>
+            </a:r>
+          </a:p>
+        </p:txBody>
+      </p:sp>
+      <p:sp>
+        <p:nvSpPr>
+          <p:cNvPr id="6" name="Content Placeholder 5">
+            <a:extLst>
+              <a:ext uri="{FF2B5EF4-FFF2-40B4-BE49-F238E27FC236}">
+                <a16:creationId xmlns:a16="http://schemas.microsoft.com/office/drawing/2014/main" id="{04E97F9F-ACCD-3249-EE8B-C7B1BE9FB052}"/>
+              </a:ext>
+            </a:extLst>
+          </p:cNvPr>
+          <p:cNvSpPr>
+            <a:spLocks noGrp="1"/>
+          </p:cNvSpPr>
+          <p:nvPr>
+            <p:ph sz="quarter" idx="4"/>
+          </p:nvPr>
+        </p:nvSpPr>
+        <p:spPr>
+          <a:xfrm>
+            <a:off x="6217709" y="2518894"/>
+            <a:ext cx="5393100" cy="3342157"/>
+          </a:xfrm>
+        </p:spPr>
+        <p:txBody>
+          <a:bodyPr>
+            <a:normAutofit fontScale="85000" lnSpcReduction="20000"/>
+          </a:bodyPr>
+          <a:lstStyle/>
+          <a:p>
+            <a:pPr marL="0" indent="0">
+              <a:buNone/>
+            </a:pPr>
+            <a:r>
+              <a:rPr lang="en-US" sz="1000" dirty="0"/>
+              <a:t>ENTITY Fig1C IS</a:t>
+            </a:r>
+          </a:p>
+          <a:p>
+            <a:pPr marL="0" indent="0">
+              <a:buNone/>
+            </a:pPr>
+            <a:r>
+              <a:rPr lang="en-US" sz="1000" dirty="0"/>
+              <a:t>	PORT ( M1, cc, Q1, </a:t>
+            </a:r>
+            <a:r>
+              <a:rPr lang="en-US" sz="1000" dirty="0" err="1"/>
+              <a:t>Cin</a:t>
+            </a:r>
+            <a:r>
+              <a:rPr lang="en-US" sz="1000" dirty="0"/>
+              <a:t> :In STD_LOGIC;</a:t>
+            </a:r>
+          </a:p>
+          <a:p>
+            <a:pPr marL="0" indent="0">
+              <a:buNone/>
+            </a:pPr>
+            <a:r>
+              <a:rPr lang="en-US" sz="1000" dirty="0"/>
+              <a:t>		</a:t>
+            </a:r>
+            <a:r>
+              <a:rPr lang="en-US" sz="1000" dirty="0" err="1"/>
+              <a:t>Cout</a:t>
+            </a:r>
+            <a:r>
+              <a:rPr lang="en-US" sz="1000" dirty="0"/>
+              <a:t>, S :OUT STD_LOGIC);</a:t>
+            </a:r>
+          </a:p>
+          <a:p>
+            <a:pPr marL="0" indent="0">
+              <a:buNone/>
+            </a:pPr>
+            <a:r>
+              <a:rPr lang="en-US" sz="1000" dirty="0"/>
+              <a:t>END ENTITY;</a:t>
+            </a:r>
+          </a:p>
+          <a:p>
+            <a:pPr marL="0" indent="0">
+              <a:buNone/>
+            </a:pPr>
+            <a:r>
+              <a:rPr lang="en-US" sz="1000" dirty="0"/>
+              <a:t>ARCHITECTURE Block2 OF Fig1C IS</a:t>
+            </a:r>
+          </a:p>
+          <a:p>
+            <a:pPr marL="0" indent="0">
+              <a:buNone/>
+            </a:pPr>
+            <a:r>
+              <a:rPr lang="en-US" sz="1000" dirty="0"/>
+              <a:t>	COMPONENT Adder IS </a:t>
+            </a:r>
+          </a:p>
+          <a:p>
+            <a:pPr marL="0" indent="0">
+              <a:buNone/>
+            </a:pPr>
+            <a:r>
+              <a:rPr lang="en-US" sz="1000" dirty="0"/>
+              <a:t>		PORT (X1, X2, </a:t>
+            </a:r>
+            <a:r>
+              <a:rPr lang="en-US" sz="1000" dirty="0" err="1"/>
+              <a:t>Cin</a:t>
+            </a:r>
+            <a:r>
+              <a:rPr lang="en-US" sz="1000" dirty="0"/>
+              <a:t> : IN </a:t>
+            </a:r>
+            <a:r>
+              <a:rPr lang="en-US" sz="1000" dirty="0" err="1"/>
+              <a:t>STD_Logic</a:t>
+            </a:r>
+            <a:r>
+              <a:rPr lang="en-US" sz="1000" dirty="0"/>
+              <a:t> ; --x and y are inputs of the adder</a:t>
+            </a:r>
+          </a:p>
+          <a:p>
+            <a:pPr marL="0" indent="0">
+              <a:buNone/>
+            </a:pPr>
+            <a:r>
+              <a:rPr lang="en-US" sz="1000" dirty="0"/>
+              <a:t>			</a:t>
+            </a:r>
+            <a:r>
+              <a:rPr lang="en-US" sz="1000" dirty="0" err="1"/>
+              <a:t>Cout</a:t>
+            </a:r>
+            <a:r>
+              <a:rPr lang="en-US" sz="1000" dirty="0"/>
+              <a:t>, S :BUFFER </a:t>
+            </a:r>
+            <a:r>
+              <a:rPr lang="en-US" sz="1000" dirty="0" err="1"/>
+              <a:t>STD_Logic</a:t>
+            </a:r>
+            <a:r>
+              <a:rPr lang="en-US" sz="1000" dirty="0"/>
+              <a:t>); --c is the carry and s is the sum value		</a:t>
+            </a:r>
+          </a:p>
+          <a:p>
+            <a:pPr marL="0" indent="0">
+              <a:buNone/>
+            </a:pPr>
+            <a:r>
+              <a:rPr lang="en-US" sz="1000" dirty="0"/>
+              <a:t>	END COMPONENT;</a:t>
+            </a:r>
+          </a:p>
+          <a:p>
+            <a:pPr marL="0" indent="0">
+              <a:buNone/>
+            </a:pPr>
+            <a:r>
+              <a:rPr lang="en-US" sz="1000" dirty="0"/>
+              <a:t>		SIGNAL A1 :STD_LOGIC;</a:t>
+            </a:r>
+          </a:p>
+          <a:p>
+            <a:pPr marL="0" indent="0">
+              <a:buNone/>
+            </a:pPr>
+            <a:r>
+              <a:rPr lang="en-US" sz="1000" dirty="0"/>
+              <a:t>	BEGIN	</a:t>
+            </a:r>
+          </a:p>
+          <a:p>
+            <a:pPr marL="0" indent="0">
+              <a:buNone/>
+            </a:pPr>
+            <a:r>
+              <a:rPr lang="en-US" sz="1000" dirty="0"/>
+              <a:t>		 A1 &lt;= M1 AND Q1;</a:t>
+            </a:r>
+          </a:p>
+          <a:p>
+            <a:pPr marL="0" indent="0">
+              <a:buNone/>
+            </a:pPr>
+            <a:r>
+              <a:rPr lang="en-US" sz="1000" dirty="0"/>
+              <a:t>		 A2:Adder PORT MAP (X1 =&gt; A1, X2 =&gt; cc, </a:t>
+            </a:r>
+            <a:r>
+              <a:rPr lang="en-US" sz="1000" dirty="0" err="1"/>
+              <a:t>Cin</a:t>
+            </a:r>
+            <a:r>
+              <a:rPr lang="en-US" sz="1000" dirty="0"/>
+              <a:t> =&gt; </a:t>
+            </a:r>
+            <a:r>
+              <a:rPr lang="en-US" sz="1000" dirty="0" err="1"/>
+              <a:t>Cin</a:t>
+            </a:r>
+            <a:r>
+              <a:rPr lang="en-US" sz="1000" dirty="0"/>
+              <a:t>, --inputs</a:t>
+            </a:r>
+          </a:p>
+          <a:p>
+            <a:pPr marL="0" indent="0">
+              <a:buNone/>
+            </a:pPr>
+            <a:r>
+              <a:rPr lang="en-US" sz="1000" dirty="0"/>
+              <a:t>			</a:t>
+            </a:r>
+            <a:r>
+              <a:rPr lang="en-US" sz="1000" dirty="0" err="1"/>
+              <a:t>Cout</a:t>
+            </a:r>
+            <a:r>
+              <a:rPr lang="en-US" sz="1000" dirty="0"/>
+              <a:t> =&gt; </a:t>
+            </a:r>
+            <a:r>
+              <a:rPr lang="en-US" sz="1000" dirty="0" err="1"/>
+              <a:t>Cout</a:t>
+            </a:r>
+            <a:r>
+              <a:rPr lang="en-US" sz="1000" dirty="0"/>
+              <a:t>, S =&gt; s); --outputs</a:t>
+            </a:r>
+          </a:p>
+          <a:p>
+            <a:pPr marL="0" indent="0">
+              <a:buNone/>
+            </a:pPr>
+            <a:r>
+              <a:rPr lang="en-US" sz="1000" dirty="0"/>
+              <a:t>	END ARCHITECTURE;</a:t>
+            </a:r>
+          </a:p>
+        </p:txBody>
+      </p:sp>
+    </p:spTree>
+    <p:extLst>
+      <p:ext uri="{BB962C8B-B14F-4D97-AF65-F5344CB8AC3E}">
+        <p14:creationId xmlns:p14="http://schemas.microsoft.com/office/powerpoint/2010/main" val="2822728159"/>
       </p:ext>
     </p:extLst>
   </p:cSld>
@@ -13135,7 +13630,7 @@
             <a:picLocks noGrp="1" noChangeAspect="1"/>
           </p:cNvPicPr>
           <p:nvPr>
-            <p:ph idx="1"/>
+            <p:ph sz="half" idx="1"/>
           </p:nvPr>
         </p:nvPicPr>
         <p:blipFill>
@@ -13146,11 +13641,765 @@
         </p:blipFill>
         <p:spPr>
           <a:xfrm>
-            <a:off x="1879378" y="2181225"/>
-            <a:ext cx="8433243" cy="3678238"/>
+            <a:off x="581025" y="2861532"/>
+            <a:ext cx="5422900" cy="2365248"/>
           </a:xfrm>
         </p:spPr>
       </p:pic>
+      <p:sp>
+        <p:nvSpPr>
+          <p:cNvPr id="3" name="Content Placeholder 2">
+            <a:extLst>
+              <a:ext uri="{FF2B5EF4-FFF2-40B4-BE49-F238E27FC236}">
+                <a16:creationId xmlns:a16="http://schemas.microsoft.com/office/drawing/2014/main" id="{36312FE4-140A-2AF2-51F0-E6F47186C3BC}"/>
+              </a:ext>
+            </a:extLst>
+          </p:cNvPr>
+          <p:cNvSpPr>
+            <a:spLocks noGrp="1"/>
+          </p:cNvSpPr>
+          <p:nvPr>
+            <p:ph sz="half" idx="2"/>
+          </p:nvPr>
+        </p:nvSpPr>
+        <p:spPr>
+          <a:xfrm>
+            <a:off x="6188417" y="2675622"/>
+            <a:ext cx="5422392" cy="3633047"/>
+          </a:xfrm>
+        </p:spPr>
+        <p:txBody>
+          <a:bodyPr>
+            <a:noAutofit/>
+          </a:bodyPr>
+          <a:lstStyle/>
+          <a:p>
+            <a:pPr marL="0" indent="0">
+              <a:buNone/>
+            </a:pPr>
+            <a:r>
+              <a:rPr lang="en-US" sz="1050" dirty="0"/>
+              <a:t>Entity Adder IS</a:t>
+            </a:r>
+          </a:p>
+          <a:p>
+            <a:pPr marL="0" indent="0">
+              <a:buNone/>
+            </a:pPr>
+            <a:r>
+              <a:rPr lang="en-US" sz="1050" dirty="0"/>
+              <a:t>	Port (X1, X2, </a:t>
+            </a:r>
+            <a:r>
+              <a:rPr lang="en-US" sz="1050" dirty="0" err="1"/>
+              <a:t>Cin</a:t>
+            </a:r>
+            <a:r>
+              <a:rPr lang="en-US" sz="1050" dirty="0"/>
+              <a:t> : IN </a:t>
+            </a:r>
+            <a:r>
+              <a:rPr lang="en-US" sz="1050" dirty="0" err="1"/>
+              <a:t>STD_Logic</a:t>
+            </a:r>
+            <a:r>
+              <a:rPr lang="en-US" sz="1050" dirty="0"/>
+              <a:t> ; --x and y are inputs of the adder</a:t>
+            </a:r>
+          </a:p>
+          <a:p>
+            <a:pPr marL="0" indent="0">
+              <a:buNone/>
+            </a:pPr>
+            <a:r>
+              <a:rPr lang="en-US" sz="1050" dirty="0"/>
+              <a:t>		</a:t>
+            </a:r>
+            <a:r>
+              <a:rPr lang="en-US" sz="1050" dirty="0" err="1"/>
+              <a:t>Cout,S</a:t>
+            </a:r>
+            <a:r>
+              <a:rPr lang="en-US" sz="1050" dirty="0"/>
+              <a:t> :BUFFER </a:t>
+            </a:r>
+            <a:r>
+              <a:rPr lang="en-US" sz="1050" dirty="0" err="1"/>
+              <a:t>STD_Logic</a:t>
+            </a:r>
+            <a:r>
+              <a:rPr lang="en-US" sz="1050" dirty="0"/>
+              <a:t>); --c is the carry and s is the sum value	</a:t>
+            </a:r>
+          </a:p>
+          <a:p>
+            <a:pPr marL="0" indent="0">
+              <a:buNone/>
+            </a:pPr>
+            <a:r>
+              <a:rPr lang="en-US" sz="1050" dirty="0"/>
+              <a:t>End Adder;</a:t>
+            </a:r>
+          </a:p>
+          <a:p>
+            <a:pPr marL="0" indent="0">
+              <a:buNone/>
+            </a:pPr>
+            <a:r>
+              <a:rPr lang="en-US" sz="1050" dirty="0"/>
+              <a:t>Architecture </a:t>
+            </a:r>
+            <a:r>
+              <a:rPr lang="en-US" sz="1050" dirty="0" err="1"/>
+              <a:t>Adder_Circuit</a:t>
+            </a:r>
+            <a:r>
+              <a:rPr lang="en-US" sz="1050" dirty="0"/>
+              <a:t> Of Adder is </a:t>
+            </a:r>
+          </a:p>
+          <a:p>
+            <a:pPr marL="0" indent="0">
+              <a:buNone/>
+            </a:pPr>
+            <a:r>
+              <a:rPr lang="en-US" sz="1050" dirty="0"/>
+              <a:t>		Signal a1, a2, a3, a4, a5: </a:t>
+            </a:r>
+            <a:r>
+              <a:rPr lang="en-US" sz="1050" dirty="0" err="1"/>
+              <a:t>std_logic</a:t>
+            </a:r>
+            <a:r>
+              <a:rPr lang="en-US" sz="1050" dirty="0"/>
+              <a:t>;	</a:t>
+            </a:r>
+          </a:p>
+          <a:p>
+            <a:pPr marL="0" indent="0">
+              <a:buNone/>
+            </a:pPr>
+            <a:r>
+              <a:rPr lang="en-US" sz="1050" dirty="0"/>
+              <a:t>	Begin</a:t>
+            </a:r>
+          </a:p>
+          <a:p>
+            <a:pPr marL="0" indent="0">
+              <a:buNone/>
+            </a:pPr>
+            <a:r>
+              <a:rPr lang="en-US" sz="1050" dirty="0"/>
+              <a:t>		a1&lt;=X1 XOR X2;</a:t>
+            </a:r>
+          </a:p>
+          <a:p>
+            <a:pPr marL="0" indent="0">
+              <a:buNone/>
+            </a:pPr>
+            <a:r>
+              <a:rPr lang="en-US" sz="1050" dirty="0"/>
+              <a:t>		a2&lt;=x1 </a:t>
+            </a:r>
+            <a:r>
+              <a:rPr lang="en-US" sz="1050" dirty="0" err="1"/>
+              <a:t>XoR</a:t>
+            </a:r>
+            <a:r>
+              <a:rPr lang="en-US" sz="1050" dirty="0"/>
+              <a:t> </a:t>
+            </a:r>
+            <a:r>
+              <a:rPr lang="en-US" sz="1050" dirty="0" err="1"/>
+              <a:t>Cin</a:t>
+            </a:r>
+            <a:r>
+              <a:rPr lang="en-US" sz="1050" dirty="0"/>
+              <a:t>;</a:t>
+            </a:r>
+          </a:p>
+          <a:p>
+            <a:pPr marL="0" indent="0">
+              <a:buNone/>
+            </a:pPr>
+            <a:r>
+              <a:rPr lang="en-US" sz="1050" dirty="0"/>
+              <a:t>		a3&lt;=x1 AND </a:t>
+            </a:r>
+            <a:r>
+              <a:rPr lang="en-US" sz="1050" dirty="0" err="1"/>
+              <a:t>Cin</a:t>
+            </a:r>
+            <a:r>
+              <a:rPr lang="en-US" sz="1050" dirty="0"/>
+              <a:t>;</a:t>
+            </a:r>
+          </a:p>
+          <a:p>
+            <a:pPr marL="0" indent="0">
+              <a:buNone/>
+            </a:pPr>
+            <a:r>
+              <a:rPr lang="en-US" sz="1050" dirty="0"/>
+              <a:t>		a4&lt;= x2 AND </a:t>
+            </a:r>
+            <a:r>
+              <a:rPr lang="en-US" sz="1050" dirty="0" err="1"/>
+              <a:t>Cin</a:t>
+            </a:r>
+            <a:r>
+              <a:rPr lang="en-US" sz="1050" dirty="0"/>
+              <a:t>;</a:t>
+            </a:r>
+          </a:p>
+          <a:p>
+            <a:pPr marL="0" indent="0">
+              <a:buNone/>
+            </a:pPr>
+            <a:r>
+              <a:rPr lang="en-US" sz="1050" dirty="0"/>
+              <a:t>		a5&lt;= x1 AND x2;	</a:t>
+            </a:r>
+          </a:p>
+          <a:p>
+            <a:pPr marL="0" indent="0">
+              <a:buNone/>
+            </a:pPr>
+            <a:r>
+              <a:rPr lang="en-US" sz="1050" dirty="0"/>
+              <a:t>		</a:t>
+            </a:r>
+            <a:r>
+              <a:rPr lang="en-US" sz="1050" dirty="0" err="1"/>
+              <a:t>Cout</a:t>
+            </a:r>
+            <a:r>
+              <a:rPr lang="en-US" sz="1050" dirty="0"/>
+              <a:t> &lt;= a5 or a3 or a4;</a:t>
+            </a:r>
+          </a:p>
+          <a:p>
+            <a:pPr marL="0" indent="0">
+              <a:buNone/>
+            </a:pPr>
+            <a:r>
+              <a:rPr lang="en-US" sz="1050" dirty="0"/>
+              <a:t>		S &lt;= a1 </a:t>
+            </a:r>
+            <a:r>
+              <a:rPr lang="en-US" sz="1050" dirty="0" err="1"/>
+              <a:t>xor</a:t>
+            </a:r>
+            <a:r>
+              <a:rPr lang="en-US" sz="1050" dirty="0"/>
+              <a:t> </a:t>
+            </a:r>
+            <a:r>
+              <a:rPr lang="en-US" sz="1050" dirty="0" err="1"/>
+              <a:t>cin</a:t>
+            </a:r>
+            <a:r>
+              <a:rPr lang="en-US" sz="1050" dirty="0"/>
+              <a:t>;</a:t>
+            </a:r>
+          </a:p>
+          <a:p>
+            <a:pPr marL="0" indent="0">
+              <a:buNone/>
+            </a:pPr>
+            <a:r>
+              <a:rPr lang="en-US" sz="1050" dirty="0"/>
+              <a:t>	End </a:t>
+            </a:r>
+            <a:r>
+              <a:rPr lang="en-US" sz="1050" dirty="0" err="1"/>
+              <a:t>Adder_Circuit</a:t>
+            </a:r>
+            <a:r>
+              <a:rPr lang="en-US" sz="1050" dirty="0"/>
+              <a:t>;</a:t>
+            </a:r>
+          </a:p>
+          <a:p>
+            <a:pPr marL="0" indent="0">
+              <a:buNone/>
+            </a:pPr>
+            <a:r>
+              <a:rPr lang="en-US" sz="1050" dirty="0"/>
+              <a:t>		</a:t>
+            </a:r>
+          </a:p>
+        </p:txBody>
+      </p:sp>
+      <p:sp>
+        <p:nvSpPr>
+          <p:cNvPr id="4" name="TextBox 3">
+            <a:extLst>
+              <a:ext uri="{FF2B5EF4-FFF2-40B4-BE49-F238E27FC236}">
+                <a16:creationId xmlns:a16="http://schemas.microsoft.com/office/drawing/2014/main" id="{204D8B7C-9D77-C01C-7E68-F96A78F444D7}"/>
+              </a:ext>
+            </a:extLst>
+          </p:cNvPr>
+          <p:cNvSpPr txBox="1"/>
+          <p:nvPr/>
+        </p:nvSpPr>
+        <p:spPr>
+          <a:xfrm>
+            <a:off x="6096000" y="1921925"/>
+            <a:ext cx="4989996" cy="400110"/>
+          </a:xfrm>
+          <a:prstGeom prst="rect">
+            <a:avLst/>
+          </a:prstGeom>
+          <a:noFill/>
+        </p:spPr>
+        <p:txBody>
+          <a:bodyPr wrap="square" rtlCol="0">
+            <a:spAutoFit/>
+          </a:bodyPr>
+          <a:lstStyle/>
+          <a:p>
+            <a:r>
+              <a:rPr lang="en-US" sz="2000" dirty="0">
+                <a:solidFill>
+                  <a:schemeClr val="accent2">
+                    <a:lumMod val="75000"/>
+                  </a:schemeClr>
+                </a:solidFill>
+              </a:rPr>
+              <a:t>Adder Code</a:t>
+            </a:r>
+          </a:p>
+        </p:txBody>
+      </p:sp>
+      <p:sp>
+        <p:nvSpPr>
+          <p:cNvPr id="7" name="TextBox 6">
+            <a:extLst>
+              <a:ext uri="{FF2B5EF4-FFF2-40B4-BE49-F238E27FC236}">
+                <a16:creationId xmlns:a16="http://schemas.microsoft.com/office/drawing/2014/main" id="{B6EE12DA-285C-F369-DFD7-E257F40A4773}"/>
+              </a:ext>
+            </a:extLst>
+          </p:cNvPr>
+          <p:cNvSpPr txBox="1"/>
+          <p:nvPr/>
+        </p:nvSpPr>
+        <p:spPr>
+          <a:xfrm>
+            <a:off x="6188077" y="2322035"/>
+            <a:ext cx="6097554" cy="4053417"/>
+          </a:xfrm>
+          <a:prstGeom prst="rect">
+            <a:avLst/>
+          </a:prstGeom>
+          <a:noFill/>
+        </p:spPr>
+        <p:txBody>
+          <a:bodyPr wrap="square">
+            <a:spAutoFit/>
+          </a:bodyPr>
+          <a:lstStyle/>
+          <a:p>
+            <a:pPr>
+              <a:lnSpc>
+                <a:spcPct val="90000"/>
+              </a:lnSpc>
+              <a:spcBef>
+                <a:spcPct val="20000"/>
+              </a:spcBef>
+              <a:spcAft>
+                <a:spcPts val="600"/>
+              </a:spcAft>
+              <a:buClr>
+                <a:schemeClr val="accent2"/>
+              </a:buClr>
+              <a:buSzPct val="92000"/>
+            </a:pPr>
+            <a:r>
+              <a:rPr lang="en-US" sz="1400" dirty="0">
+                <a:solidFill>
+                  <a:schemeClr val="tx2"/>
+                </a:solidFill>
+              </a:rPr>
+              <a:t>void Adder(char x, char y, char </a:t>
+            </a:r>
+            <a:r>
+              <a:rPr lang="en-US" sz="1400" dirty="0" err="1">
+                <a:solidFill>
+                  <a:schemeClr val="tx2"/>
+                </a:solidFill>
+              </a:rPr>
+              <a:t>cin</a:t>
+            </a:r>
+            <a:r>
+              <a:rPr lang="en-US" sz="1400" dirty="0">
+                <a:solidFill>
+                  <a:schemeClr val="tx2"/>
+                </a:solidFill>
+              </a:rPr>
+              <a:t>) {</a:t>
+            </a:r>
+          </a:p>
+          <a:p>
+            <a:pPr>
+              <a:lnSpc>
+                <a:spcPct val="90000"/>
+              </a:lnSpc>
+              <a:spcBef>
+                <a:spcPct val="20000"/>
+              </a:spcBef>
+              <a:spcAft>
+                <a:spcPts val="600"/>
+              </a:spcAft>
+              <a:buClr>
+                <a:schemeClr val="accent2"/>
+              </a:buClr>
+              <a:buSzPct val="92000"/>
+            </a:pPr>
+            <a:r>
+              <a:rPr lang="en-US" sz="1400" dirty="0">
+                <a:solidFill>
+                  <a:schemeClr val="tx2"/>
+                </a:solidFill>
+              </a:rPr>
+              <a:t>	//output integers...</a:t>
+            </a:r>
+          </a:p>
+          <a:p>
+            <a:pPr>
+              <a:lnSpc>
+                <a:spcPct val="90000"/>
+              </a:lnSpc>
+              <a:spcBef>
+                <a:spcPct val="20000"/>
+              </a:spcBef>
+              <a:spcAft>
+                <a:spcPts val="600"/>
+              </a:spcAft>
+              <a:buClr>
+                <a:schemeClr val="accent2"/>
+              </a:buClr>
+              <a:buSzPct val="92000"/>
+            </a:pPr>
+            <a:r>
+              <a:rPr lang="en-US" sz="1400" dirty="0">
+                <a:solidFill>
+                  <a:schemeClr val="tx2"/>
+                </a:solidFill>
+              </a:rPr>
+              <a:t>	char Co;</a:t>
+            </a:r>
+          </a:p>
+          <a:p>
+            <a:pPr>
+              <a:lnSpc>
+                <a:spcPct val="90000"/>
+              </a:lnSpc>
+              <a:spcBef>
+                <a:spcPct val="20000"/>
+              </a:spcBef>
+              <a:spcAft>
+                <a:spcPts val="600"/>
+              </a:spcAft>
+              <a:buClr>
+                <a:schemeClr val="accent2"/>
+              </a:buClr>
+              <a:buSzPct val="92000"/>
+            </a:pPr>
+            <a:r>
+              <a:rPr lang="en-US" sz="1400" dirty="0">
+                <a:solidFill>
+                  <a:schemeClr val="tx2"/>
+                </a:solidFill>
+              </a:rPr>
+              <a:t>	char s;</a:t>
+            </a:r>
+          </a:p>
+          <a:p>
+            <a:pPr>
+              <a:lnSpc>
+                <a:spcPct val="90000"/>
+              </a:lnSpc>
+              <a:spcBef>
+                <a:spcPct val="20000"/>
+              </a:spcBef>
+              <a:spcAft>
+                <a:spcPts val="600"/>
+              </a:spcAft>
+              <a:buClr>
+                <a:schemeClr val="accent2"/>
+              </a:buClr>
+              <a:buSzPct val="92000"/>
+            </a:pPr>
+            <a:endParaRPr lang="en-US" sz="1400" dirty="0">
+              <a:solidFill>
+                <a:schemeClr val="tx2"/>
+              </a:solidFill>
+            </a:endParaRPr>
+          </a:p>
+          <a:p>
+            <a:pPr lvl="1">
+              <a:lnSpc>
+                <a:spcPct val="90000"/>
+              </a:lnSpc>
+              <a:spcBef>
+                <a:spcPct val="20000"/>
+              </a:spcBef>
+              <a:spcAft>
+                <a:spcPts val="600"/>
+              </a:spcAft>
+              <a:buClr>
+                <a:schemeClr val="accent2"/>
+              </a:buClr>
+              <a:buSzPct val="92000"/>
+            </a:pPr>
+            <a:r>
+              <a:rPr lang="en-US" sz="1400" dirty="0">
+                <a:solidFill>
+                  <a:schemeClr val="tx2"/>
+                </a:solidFill>
+              </a:rPr>
+              <a:t>//these give the carry out and sum value for the adder...</a:t>
+            </a:r>
+          </a:p>
+          <a:p>
+            <a:pPr lvl="1">
+              <a:lnSpc>
+                <a:spcPct val="90000"/>
+              </a:lnSpc>
+              <a:spcBef>
+                <a:spcPct val="20000"/>
+              </a:spcBef>
+              <a:spcAft>
+                <a:spcPts val="600"/>
+              </a:spcAft>
+              <a:buClr>
+                <a:schemeClr val="accent2"/>
+              </a:buClr>
+              <a:buSzPct val="92000"/>
+            </a:pPr>
+            <a:r>
+              <a:rPr lang="en-US" sz="1400" dirty="0">
+                <a:solidFill>
+                  <a:schemeClr val="tx2"/>
+                </a:solidFill>
+              </a:rPr>
+              <a:t>//condensed version of the signals</a:t>
+            </a:r>
+          </a:p>
+          <a:p>
+            <a:pPr lvl="1">
+              <a:lnSpc>
+                <a:spcPct val="90000"/>
+              </a:lnSpc>
+              <a:spcBef>
+                <a:spcPct val="20000"/>
+              </a:spcBef>
+              <a:spcAft>
+                <a:spcPts val="600"/>
+              </a:spcAft>
+              <a:buClr>
+                <a:schemeClr val="accent2"/>
+              </a:buClr>
+              <a:buSzPct val="92000"/>
+            </a:pPr>
+            <a:r>
+              <a:rPr lang="en-US" sz="1400" dirty="0">
+                <a:solidFill>
+                  <a:schemeClr val="tx2"/>
+                </a:solidFill>
+              </a:rPr>
+              <a:t>Co = (x &amp; y) | (y &amp; </a:t>
+            </a:r>
+            <a:r>
+              <a:rPr lang="en-US" sz="1400" dirty="0" err="1">
+                <a:solidFill>
+                  <a:schemeClr val="tx2"/>
+                </a:solidFill>
+              </a:rPr>
+              <a:t>cin</a:t>
+            </a:r>
+            <a:r>
+              <a:rPr lang="en-US" sz="1400" dirty="0">
+                <a:solidFill>
+                  <a:schemeClr val="tx2"/>
+                </a:solidFill>
+              </a:rPr>
+              <a:t>) | (x &amp; </a:t>
+            </a:r>
+            <a:r>
+              <a:rPr lang="en-US" sz="1400" dirty="0" err="1">
+                <a:solidFill>
+                  <a:schemeClr val="tx2"/>
+                </a:solidFill>
+              </a:rPr>
+              <a:t>cin</a:t>
+            </a:r>
+            <a:r>
+              <a:rPr lang="en-US" sz="1400" dirty="0">
+                <a:solidFill>
+                  <a:schemeClr val="tx2"/>
+                </a:solidFill>
+              </a:rPr>
+              <a:t>);</a:t>
+            </a:r>
+          </a:p>
+          <a:p>
+            <a:pPr lvl="1">
+              <a:lnSpc>
+                <a:spcPct val="90000"/>
+              </a:lnSpc>
+              <a:spcBef>
+                <a:spcPct val="20000"/>
+              </a:spcBef>
+              <a:spcAft>
+                <a:spcPts val="600"/>
+              </a:spcAft>
+              <a:buClr>
+                <a:schemeClr val="accent2"/>
+              </a:buClr>
+              <a:buSzPct val="92000"/>
+            </a:pPr>
+            <a:r>
+              <a:rPr lang="en-US" sz="1400" dirty="0">
+                <a:solidFill>
+                  <a:schemeClr val="tx2"/>
+                </a:solidFill>
+              </a:rPr>
+              <a:t>s = </a:t>
+            </a:r>
+            <a:r>
+              <a:rPr lang="en-US" sz="1400" dirty="0" err="1">
+                <a:solidFill>
+                  <a:schemeClr val="tx2"/>
+                </a:solidFill>
+              </a:rPr>
+              <a:t>cin</a:t>
+            </a:r>
+            <a:r>
+              <a:rPr lang="en-US" sz="1400" dirty="0">
+                <a:solidFill>
+                  <a:schemeClr val="tx2"/>
+                </a:solidFill>
+              </a:rPr>
+              <a:t> ^ (x ^ y);</a:t>
+            </a:r>
+          </a:p>
+          <a:p>
+            <a:pPr>
+              <a:lnSpc>
+                <a:spcPct val="90000"/>
+              </a:lnSpc>
+              <a:spcBef>
+                <a:spcPct val="20000"/>
+              </a:spcBef>
+              <a:spcAft>
+                <a:spcPts val="600"/>
+              </a:spcAft>
+              <a:buClr>
+                <a:schemeClr val="accent2"/>
+              </a:buClr>
+              <a:buSzPct val="92000"/>
+            </a:pPr>
+            <a:endParaRPr lang="en-US" sz="1400" dirty="0">
+              <a:solidFill>
+                <a:schemeClr val="tx2"/>
+              </a:solidFill>
+            </a:endParaRPr>
+          </a:p>
+          <a:p>
+            <a:pPr lvl="1">
+              <a:lnSpc>
+                <a:spcPct val="90000"/>
+              </a:lnSpc>
+              <a:spcBef>
+                <a:spcPct val="20000"/>
+              </a:spcBef>
+              <a:spcAft>
+                <a:spcPts val="600"/>
+              </a:spcAft>
+              <a:buClr>
+                <a:schemeClr val="accent2"/>
+              </a:buClr>
+              <a:buSzPct val="92000"/>
+            </a:pPr>
+            <a:r>
+              <a:rPr lang="en-US" sz="1400" dirty="0">
+                <a:solidFill>
+                  <a:schemeClr val="tx2"/>
+                </a:solidFill>
+              </a:rPr>
+              <a:t>//test display to verify adder</a:t>
+            </a:r>
+          </a:p>
+          <a:p>
+            <a:pPr lvl="1">
+              <a:lnSpc>
+                <a:spcPct val="90000"/>
+              </a:lnSpc>
+              <a:spcBef>
+                <a:spcPct val="20000"/>
+              </a:spcBef>
+              <a:spcAft>
+                <a:spcPts val="600"/>
+              </a:spcAft>
+              <a:buClr>
+                <a:schemeClr val="accent2"/>
+              </a:buClr>
+              <a:buSzPct val="92000"/>
+            </a:pPr>
+            <a:r>
+              <a:rPr lang="en-US" sz="1400" dirty="0">
+                <a:solidFill>
+                  <a:schemeClr val="tx2"/>
+                </a:solidFill>
+              </a:rPr>
+              <a:t>//std::</a:t>
+            </a:r>
+            <a:r>
+              <a:rPr lang="en-US" sz="1400" dirty="0" err="1">
+                <a:solidFill>
+                  <a:schemeClr val="tx2"/>
+                </a:solidFill>
+              </a:rPr>
+              <a:t>cout</a:t>
+            </a:r>
+            <a:r>
+              <a:rPr lang="en-US" sz="1400" dirty="0">
+                <a:solidFill>
+                  <a:schemeClr val="tx2"/>
+                </a:solidFill>
+              </a:rPr>
+              <a:t> &lt;&lt; Co &lt;&lt; s &lt;&lt; "\n"; //be careful and make sure to check </a:t>
+            </a:r>
+          </a:p>
+          <a:p>
+            <a:pPr>
+              <a:lnSpc>
+                <a:spcPct val="90000"/>
+              </a:lnSpc>
+              <a:spcBef>
+                <a:spcPct val="20000"/>
+              </a:spcBef>
+              <a:spcAft>
+                <a:spcPts val="600"/>
+              </a:spcAft>
+              <a:buClr>
+                <a:schemeClr val="accent2"/>
+              </a:buClr>
+              <a:buSzPct val="92000"/>
+            </a:pPr>
+            <a:r>
+              <a:rPr lang="en-US" sz="1400" dirty="0">
+                <a:solidFill>
+                  <a:schemeClr val="tx2"/>
+                </a:solidFill>
+              </a:rPr>
+              <a:t>};</a:t>
+            </a:r>
+          </a:p>
+        </p:txBody>
+      </p:sp>
     </p:spTree>
     <p:extLst>
       <p:ext uri="{BB962C8B-B14F-4D97-AF65-F5344CB8AC3E}">
@@ -13161,6 +14410,909 @@
   <p:clrMapOvr>
     <a:masterClrMapping/>
   </p:clrMapOvr>
+  <p:timing>
+    <p:tnLst>
+      <p:par>
+        <p:cTn id="1" dur="indefinite" restart="never" nodeType="tmRoot">
+          <p:childTnLst>
+            <p:seq concurrent="1" nextAc="seek">
+              <p:cTn id="2" dur="indefinite" nodeType="mainSeq">
+                <p:childTnLst>
+                  <p:par>
+                    <p:cTn id="3" fill="hold">
+                      <p:stCondLst>
+                        <p:cond delay="indefinite"/>
+                      </p:stCondLst>
+                      <p:childTnLst>
+                        <p:par>
+                          <p:cTn id="4" fill="hold">
+                            <p:stCondLst>
+                              <p:cond delay="0"/>
+                            </p:stCondLst>
+                            <p:childTnLst>
+                              <p:par>
+                                <p:cTn id="5" presetID="1" presetClass="exit" presetSubtype="0" fill="hold" nodeType="clickEffect">
+                                  <p:stCondLst>
+                                    <p:cond delay="0"/>
+                                  </p:stCondLst>
+                                  <p:childTnLst>
+                                    <p:set>
+                                      <p:cBhvr>
+                                        <p:cTn id="6" dur="1" fill="hold">
+                                          <p:stCondLst>
+                                            <p:cond delay="58999"/>
+                                          </p:stCondLst>
+                                        </p:cTn>
+                                        <p:tgtEl>
+                                          <p:spTgt spid="3">
+                                            <p:txEl>
+                                              <p:pRg st="0" end="0"/>
+                                            </p:txEl>
+                                          </p:spTgt>
+                                        </p:tgtEl>
+                                        <p:attrNameLst>
+                                          <p:attrName>style.visibility</p:attrName>
+                                        </p:attrNameLst>
+                                      </p:cBhvr>
+                                      <p:to>
+                                        <p:strVal val="hidden"/>
+                                      </p:to>
+                                    </p:set>
+                                  </p:childTnLst>
+                                </p:cTn>
+                              </p:par>
+                              <p:par>
+                                <p:cTn id="7" presetID="1" presetClass="exit" presetSubtype="0" fill="hold" nodeType="withEffect">
+                                  <p:stCondLst>
+                                    <p:cond delay="0"/>
+                                  </p:stCondLst>
+                                  <p:childTnLst>
+                                    <p:set>
+                                      <p:cBhvr>
+                                        <p:cTn id="8" dur="1" fill="hold">
+                                          <p:stCondLst>
+                                            <p:cond delay="58999"/>
+                                          </p:stCondLst>
+                                        </p:cTn>
+                                        <p:tgtEl>
+                                          <p:spTgt spid="3">
+                                            <p:txEl>
+                                              <p:pRg st="1" end="1"/>
+                                            </p:txEl>
+                                          </p:spTgt>
+                                        </p:tgtEl>
+                                        <p:attrNameLst>
+                                          <p:attrName>style.visibility</p:attrName>
+                                        </p:attrNameLst>
+                                      </p:cBhvr>
+                                      <p:to>
+                                        <p:strVal val="hidden"/>
+                                      </p:to>
+                                    </p:set>
+                                  </p:childTnLst>
+                                </p:cTn>
+                              </p:par>
+                              <p:par>
+                                <p:cTn id="9" presetID="1" presetClass="exit" presetSubtype="0" fill="hold" nodeType="withEffect">
+                                  <p:stCondLst>
+                                    <p:cond delay="0"/>
+                                  </p:stCondLst>
+                                  <p:childTnLst>
+                                    <p:set>
+                                      <p:cBhvr>
+                                        <p:cTn id="10" dur="1" fill="hold">
+                                          <p:stCondLst>
+                                            <p:cond delay="58999"/>
+                                          </p:stCondLst>
+                                        </p:cTn>
+                                        <p:tgtEl>
+                                          <p:spTgt spid="3">
+                                            <p:txEl>
+                                              <p:pRg st="2" end="2"/>
+                                            </p:txEl>
+                                          </p:spTgt>
+                                        </p:tgtEl>
+                                        <p:attrNameLst>
+                                          <p:attrName>style.visibility</p:attrName>
+                                        </p:attrNameLst>
+                                      </p:cBhvr>
+                                      <p:to>
+                                        <p:strVal val="hidden"/>
+                                      </p:to>
+                                    </p:set>
+                                  </p:childTnLst>
+                                </p:cTn>
+                              </p:par>
+                              <p:par>
+                                <p:cTn id="11" presetID="1" presetClass="exit" presetSubtype="0" fill="hold" nodeType="withEffect">
+                                  <p:stCondLst>
+                                    <p:cond delay="0"/>
+                                  </p:stCondLst>
+                                  <p:childTnLst>
+                                    <p:set>
+                                      <p:cBhvr>
+                                        <p:cTn id="12" dur="1" fill="hold">
+                                          <p:stCondLst>
+                                            <p:cond delay="58999"/>
+                                          </p:stCondLst>
+                                        </p:cTn>
+                                        <p:tgtEl>
+                                          <p:spTgt spid="3">
+                                            <p:txEl>
+                                              <p:pRg st="3" end="3"/>
+                                            </p:txEl>
+                                          </p:spTgt>
+                                        </p:tgtEl>
+                                        <p:attrNameLst>
+                                          <p:attrName>style.visibility</p:attrName>
+                                        </p:attrNameLst>
+                                      </p:cBhvr>
+                                      <p:to>
+                                        <p:strVal val="hidden"/>
+                                      </p:to>
+                                    </p:set>
+                                  </p:childTnLst>
+                                </p:cTn>
+                              </p:par>
+                              <p:par>
+                                <p:cTn id="13" presetID="1" presetClass="exit" presetSubtype="0" fill="hold" nodeType="withEffect">
+                                  <p:stCondLst>
+                                    <p:cond delay="0"/>
+                                  </p:stCondLst>
+                                  <p:childTnLst>
+                                    <p:set>
+                                      <p:cBhvr>
+                                        <p:cTn id="14" dur="1" fill="hold">
+                                          <p:stCondLst>
+                                            <p:cond delay="58999"/>
+                                          </p:stCondLst>
+                                        </p:cTn>
+                                        <p:tgtEl>
+                                          <p:spTgt spid="3">
+                                            <p:txEl>
+                                              <p:pRg st="4" end="4"/>
+                                            </p:txEl>
+                                          </p:spTgt>
+                                        </p:tgtEl>
+                                        <p:attrNameLst>
+                                          <p:attrName>style.visibility</p:attrName>
+                                        </p:attrNameLst>
+                                      </p:cBhvr>
+                                      <p:to>
+                                        <p:strVal val="hidden"/>
+                                      </p:to>
+                                    </p:set>
+                                  </p:childTnLst>
+                                </p:cTn>
+                              </p:par>
+                              <p:par>
+                                <p:cTn id="15" presetID="1" presetClass="exit" presetSubtype="0" fill="hold" nodeType="withEffect">
+                                  <p:stCondLst>
+                                    <p:cond delay="0"/>
+                                  </p:stCondLst>
+                                  <p:childTnLst>
+                                    <p:set>
+                                      <p:cBhvr>
+                                        <p:cTn id="16" dur="1" fill="hold">
+                                          <p:stCondLst>
+                                            <p:cond delay="58999"/>
+                                          </p:stCondLst>
+                                        </p:cTn>
+                                        <p:tgtEl>
+                                          <p:spTgt spid="3">
+                                            <p:txEl>
+                                              <p:pRg st="5" end="5"/>
+                                            </p:txEl>
+                                          </p:spTgt>
+                                        </p:tgtEl>
+                                        <p:attrNameLst>
+                                          <p:attrName>style.visibility</p:attrName>
+                                        </p:attrNameLst>
+                                      </p:cBhvr>
+                                      <p:to>
+                                        <p:strVal val="hidden"/>
+                                      </p:to>
+                                    </p:set>
+                                  </p:childTnLst>
+                                </p:cTn>
+                              </p:par>
+                              <p:par>
+                                <p:cTn id="17" presetID="1" presetClass="exit" presetSubtype="0" fill="hold" nodeType="withEffect">
+                                  <p:stCondLst>
+                                    <p:cond delay="0"/>
+                                  </p:stCondLst>
+                                  <p:childTnLst>
+                                    <p:set>
+                                      <p:cBhvr>
+                                        <p:cTn id="18" dur="1" fill="hold">
+                                          <p:stCondLst>
+                                            <p:cond delay="58999"/>
+                                          </p:stCondLst>
+                                        </p:cTn>
+                                        <p:tgtEl>
+                                          <p:spTgt spid="3">
+                                            <p:txEl>
+                                              <p:pRg st="6" end="6"/>
+                                            </p:txEl>
+                                          </p:spTgt>
+                                        </p:tgtEl>
+                                        <p:attrNameLst>
+                                          <p:attrName>style.visibility</p:attrName>
+                                        </p:attrNameLst>
+                                      </p:cBhvr>
+                                      <p:to>
+                                        <p:strVal val="hidden"/>
+                                      </p:to>
+                                    </p:set>
+                                  </p:childTnLst>
+                                </p:cTn>
+                              </p:par>
+                              <p:par>
+                                <p:cTn id="19" presetID="1" presetClass="exit" presetSubtype="0" fill="hold" nodeType="withEffect">
+                                  <p:stCondLst>
+                                    <p:cond delay="0"/>
+                                  </p:stCondLst>
+                                  <p:childTnLst>
+                                    <p:set>
+                                      <p:cBhvr>
+                                        <p:cTn id="20" dur="1" fill="hold">
+                                          <p:stCondLst>
+                                            <p:cond delay="58999"/>
+                                          </p:stCondLst>
+                                        </p:cTn>
+                                        <p:tgtEl>
+                                          <p:spTgt spid="3">
+                                            <p:txEl>
+                                              <p:pRg st="7" end="7"/>
+                                            </p:txEl>
+                                          </p:spTgt>
+                                        </p:tgtEl>
+                                        <p:attrNameLst>
+                                          <p:attrName>style.visibility</p:attrName>
+                                        </p:attrNameLst>
+                                      </p:cBhvr>
+                                      <p:to>
+                                        <p:strVal val="hidden"/>
+                                      </p:to>
+                                    </p:set>
+                                  </p:childTnLst>
+                                </p:cTn>
+                              </p:par>
+                              <p:par>
+                                <p:cTn id="21" presetID="1" presetClass="exit" presetSubtype="0" fill="hold" nodeType="withEffect">
+                                  <p:stCondLst>
+                                    <p:cond delay="0"/>
+                                  </p:stCondLst>
+                                  <p:childTnLst>
+                                    <p:set>
+                                      <p:cBhvr>
+                                        <p:cTn id="22" dur="1" fill="hold">
+                                          <p:stCondLst>
+                                            <p:cond delay="58999"/>
+                                          </p:stCondLst>
+                                        </p:cTn>
+                                        <p:tgtEl>
+                                          <p:spTgt spid="3">
+                                            <p:txEl>
+                                              <p:pRg st="8" end="8"/>
+                                            </p:txEl>
+                                          </p:spTgt>
+                                        </p:tgtEl>
+                                        <p:attrNameLst>
+                                          <p:attrName>style.visibility</p:attrName>
+                                        </p:attrNameLst>
+                                      </p:cBhvr>
+                                      <p:to>
+                                        <p:strVal val="hidden"/>
+                                      </p:to>
+                                    </p:set>
+                                  </p:childTnLst>
+                                </p:cTn>
+                              </p:par>
+                              <p:par>
+                                <p:cTn id="23" presetID="1" presetClass="exit" presetSubtype="0" fill="hold" nodeType="withEffect">
+                                  <p:stCondLst>
+                                    <p:cond delay="0"/>
+                                  </p:stCondLst>
+                                  <p:childTnLst>
+                                    <p:set>
+                                      <p:cBhvr>
+                                        <p:cTn id="24" dur="1" fill="hold">
+                                          <p:stCondLst>
+                                            <p:cond delay="58999"/>
+                                          </p:stCondLst>
+                                        </p:cTn>
+                                        <p:tgtEl>
+                                          <p:spTgt spid="3">
+                                            <p:txEl>
+                                              <p:pRg st="9" end="9"/>
+                                            </p:txEl>
+                                          </p:spTgt>
+                                        </p:tgtEl>
+                                        <p:attrNameLst>
+                                          <p:attrName>style.visibility</p:attrName>
+                                        </p:attrNameLst>
+                                      </p:cBhvr>
+                                      <p:to>
+                                        <p:strVal val="hidden"/>
+                                      </p:to>
+                                    </p:set>
+                                  </p:childTnLst>
+                                </p:cTn>
+                              </p:par>
+                              <p:par>
+                                <p:cTn id="25" presetID="1" presetClass="exit" presetSubtype="0" fill="hold" nodeType="withEffect">
+                                  <p:stCondLst>
+                                    <p:cond delay="0"/>
+                                  </p:stCondLst>
+                                  <p:childTnLst>
+                                    <p:set>
+                                      <p:cBhvr>
+                                        <p:cTn id="26" dur="1" fill="hold">
+                                          <p:stCondLst>
+                                            <p:cond delay="58999"/>
+                                          </p:stCondLst>
+                                        </p:cTn>
+                                        <p:tgtEl>
+                                          <p:spTgt spid="3">
+                                            <p:txEl>
+                                              <p:pRg st="10" end="10"/>
+                                            </p:txEl>
+                                          </p:spTgt>
+                                        </p:tgtEl>
+                                        <p:attrNameLst>
+                                          <p:attrName>style.visibility</p:attrName>
+                                        </p:attrNameLst>
+                                      </p:cBhvr>
+                                      <p:to>
+                                        <p:strVal val="hidden"/>
+                                      </p:to>
+                                    </p:set>
+                                  </p:childTnLst>
+                                </p:cTn>
+                              </p:par>
+                              <p:par>
+                                <p:cTn id="27" presetID="1" presetClass="exit" presetSubtype="0" fill="hold" nodeType="withEffect">
+                                  <p:stCondLst>
+                                    <p:cond delay="0"/>
+                                  </p:stCondLst>
+                                  <p:childTnLst>
+                                    <p:set>
+                                      <p:cBhvr>
+                                        <p:cTn id="28" dur="1" fill="hold">
+                                          <p:stCondLst>
+                                            <p:cond delay="58999"/>
+                                          </p:stCondLst>
+                                        </p:cTn>
+                                        <p:tgtEl>
+                                          <p:spTgt spid="3">
+                                            <p:txEl>
+                                              <p:pRg st="11" end="11"/>
+                                            </p:txEl>
+                                          </p:spTgt>
+                                        </p:tgtEl>
+                                        <p:attrNameLst>
+                                          <p:attrName>style.visibility</p:attrName>
+                                        </p:attrNameLst>
+                                      </p:cBhvr>
+                                      <p:to>
+                                        <p:strVal val="hidden"/>
+                                      </p:to>
+                                    </p:set>
+                                  </p:childTnLst>
+                                </p:cTn>
+                              </p:par>
+                              <p:par>
+                                <p:cTn id="29" presetID="1" presetClass="exit" presetSubtype="0" fill="hold" nodeType="withEffect">
+                                  <p:stCondLst>
+                                    <p:cond delay="0"/>
+                                  </p:stCondLst>
+                                  <p:childTnLst>
+                                    <p:set>
+                                      <p:cBhvr>
+                                        <p:cTn id="30" dur="1" fill="hold">
+                                          <p:stCondLst>
+                                            <p:cond delay="58999"/>
+                                          </p:stCondLst>
+                                        </p:cTn>
+                                        <p:tgtEl>
+                                          <p:spTgt spid="3">
+                                            <p:txEl>
+                                              <p:pRg st="12" end="12"/>
+                                            </p:txEl>
+                                          </p:spTgt>
+                                        </p:tgtEl>
+                                        <p:attrNameLst>
+                                          <p:attrName>style.visibility</p:attrName>
+                                        </p:attrNameLst>
+                                      </p:cBhvr>
+                                      <p:to>
+                                        <p:strVal val="hidden"/>
+                                      </p:to>
+                                    </p:set>
+                                  </p:childTnLst>
+                                </p:cTn>
+                              </p:par>
+                              <p:par>
+                                <p:cTn id="31" presetID="1" presetClass="exit" presetSubtype="0" fill="hold" nodeType="withEffect">
+                                  <p:stCondLst>
+                                    <p:cond delay="0"/>
+                                  </p:stCondLst>
+                                  <p:childTnLst>
+                                    <p:set>
+                                      <p:cBhvr>
+                                        <p:cTn id="32" dur="1" fill="hold">
+                                          <p:stCondLst>
+                                            <p:cond delay="58999"/>
+                                          </p:stCondLst>
+                                        </p:cTn>
+                                        <p:tgtEl>
+                                          <p:spTgt spid="3">
+                                            <p:txEl>
+                                              <p:pRg st="13" end="13"/>
+                                            </p:txEl>
+                                          </p:spTgt>
+                                        </p:tgtEl>
+                                        <p:attrNameLst>
+                                          <p:attrName>style.visibility</p:attrName>
+                                        </p:attrNameLst>
+                                      </p:cBhvr>
+                                      <p:to>
+                                        <p:strVal val="hidden"/>
+                                      </p:to>
+                                    </p:set>
+                                  </p:childTnLst>
+                                </p:cTn>
+                              </p:par>
+                              <p:par>
+                                <p:cTn id="33" presetID="1" presetClass="exit" presetSubtype="0" fill="hold" nodeType="withEffect">
+                                  <p:stCondLst>
+                                    <p:cond delay="0"/>
+                                  </p:stCondLst>
+                                  <p:childTnLst>
+                                    <p:set>
+                                      <p:cBhvr>
+                                        <p:cTn id="34" dur="1" fill="hold">
+                                          <p:stCondLst>
+                                            <p:cond delay="58999"/>
+                                          </p:stCondLst>
+                                        </p:cTn>
+                                        <p:tgtEl>
+                                          <p:spTgt spid="3">
+                                            <p:txEl>
+                                              <p:pRg st="14" end="14"/>
+                                            </p:txEl>
+                                          </p:spTgt>
+                                        </p:tgtEl>
+                                        <p:attrNameLst>
+                                          <p:attrName>style.visibility</p:attrName>
+                                        </p:attrNameLst>
+                                      </p:cBhvr>
+                                      <p:to>
+                                        <p:strVal val="hidden"/>
+                                      </p:to>
+                                    </p:set>
+                                  </p:childTnLst>
+                                </p:cTn>
+                              </p:par>
+                              <p:par>
+                                <p:cTn id="35" presetID="1" presetClass="exit" presetSubtype="0" fill="hold" nodeType="withEffect">
+                                  <p:stCondLst>
+                                    <p:cond delay="0"/>
+                                  </p:stCondLst>
+                                  <p:childTnLst>
+                                    <p:set>
+                                      <p:cBhvr>
+                                        <p:cTn id="36" dur="1" fill="hold">
+                                          <p:stCondLst>
+                                            <p:cond delay="58999"/>
+                                          </p:stCondLst>
+                                        </p:cTn>
+                                        <p:tgtEl>
+                                          <p:spTgt spid="3">
+                                            <p:txEl>
+                                              <p:pRg st="15" end="15"/>
+                                            </p:txEl>
+                                          </p:spTgt>
+                                        </p:tgtEl>
+                                        <p:attrNameLst>
+                                          <p:attrName>style.visibility</p:attrName>
+                                        </p:attrNameLst>
+                                      </p:cBhvr>
+                                      <p:to>
+                                        <p:strVal val="hidden"/>
+                                      </p:to>
+                                    </p:set>
+                                  </p:childTnLst>
+                                </p:cTn>
+                              </p:par>
+                            </p:childTnLst>
+                          </p:cTn>
+                        </p:par>
+                      </p:childTnLst>
+                    </p:cTn>
+                  </p:par>
+                  <p:par>
+                    <p:cTn id="37" fill="hold">
+                      <p:stCondLst>
+                        <p:cond delay="indefinite"/>
+                      </p:stCondLst>
+                      <p:childTnLst>
+                        <p:par>
+                          <p:cTn id="38" fill="hold">
+                            <p:stCondLst>
+                              <p:cond delay="0"/>
+                            </p:stCondLst>
+                            <p:childTnLst>
+                              <p:par>
+                                <p:cTn id="39" presetID="1" presetClass="entr" presetSubtype="0" fill="hold" nodeType="clickEffect">
+                                  <p:stCondLst>
+                                    <p:cond delay="0"/>
+                                  </p:stCondLst>
+                                  <p:childTnLst>
+                                    <p:set>
+                                      <p:cBhvr>
+                                        <p:cTn id="40" dur="1" fill="hold">
+                                          <p:stCondLst>
+                                            <p:cond delay="0"/>
+                                          </p:stCondLst>
+                                        </p:cTn>
+                                        <p:tgtEl>
+                                          <p:spTgt spid="7">
+                                            <p:txEl>
+                                              <p:pRg st="0" end="0"/>
+                                            </p:txEl>
+                                          </p:spTgt>
+                                        </p:tgtEl>
+                                        <p:attrNameLst>
+                                          <p:attrName>style.visibility</p:attrName>
+                                        </p:attrNameLst>
+                                      </p:cBhvr>
+                                      <p:to>
+                                        <p:strVal val="visible"/>
+                                      </p:to>
+                                    </p:set>
+                                  </p:childTnLst>
+                                </p:cTn>
+                              </p:par>
+                              <p:par>
+                                <p:cTn id="41" presetID="1" presetClass="entr" presetSubtype="0" fill="hold" nodeType="withEffect">
+                                  <p:stCondLst>
+                                    <p:cond delay="0"/>
+                                  </p:stCondLst>
+                                  <p:childTnLst>
+                                    <p:set>
+                                      <p:cBhvr>
+                                        <p:cTn id="42" dur="1" fill="hold">
+                                          <p:stCondLst>
+                                            <p:cond delay="0"/>
+                                          </p:stCondLst>
+                                        </p:cTn>
+                                        <p:tgtEl>
+                                          <p:spTgt spid="7">
+                                            <p:txEl>
+                                              <p:pRg st="1" end="1"/>
+                                            </p:txEl>
+                                          </p:spTgt>
+                                        </p:tgtEl>
+                                        <p:attrNameLst>
+                                          <p:attrName>style.visibility</p:attrName>
+                                        </p:attrNameLst>
+                                      </p:cBhvr>
+                                      <p:to>
+                                        <p:strVal val="visible"/>
+                                      </p:to>
+                                    </p:set>
+                                  </p:childTnLst>
+                                </p:cTn>
+                              </p:par>
+                              <p:par>
+                                <p:cTn id="43" presetID="1" presetClass="entr" presetSubtype="0" fill="hold" nodeType="withEffect">
+                                  <p:stCondLst>
+                                    <p:cond delay="0"/>
+                                  </p:stCondLst>
+                                  <p:childTnLst>
+                                    <p:set>
+                                      <p:cBhvr>
+                                        <p:cTn id="44" dur="1" fill="hold">
+                                          <p:stCondLst>
+                                            <p:cond delay="0"/>
+                                          </p:stCondLst>
+                                        </p:cTn>
+                                        <p:tgtEl>
+                                          <p:spTgt spid="7">
+                                            <p:txEl>
+                                              <p:pRg st="2" end="2"/>
+                                            </p:txEl>
+                                          </p:spTgt>
+                                        </p:tgtEl>
+                                        <p:attrNameLst>
+                                          <p:attrName>style.visibility</p:attrName>
+                                        </p:attrNameLst>
+                                      </p:cBhvr>
+                                      <p:to>
+                                        <p:strVal val="visible"/>
+                                      </p:to>
+                                    </p:set>
+                                  </p:childTnLst>
+                                </p:cTn>
+                              </p:par>
+                              <p:par>
+                                <p:cTn id="45" presetID="1" presetClass="entr" presetSubtype="0" fill="hold" nodeType="withEffect">
+                                  <p:stCondLst>
+                                    <p:cond delay="0"/>
+                                  </p:stCondLst>
+                                  <p:childTnLst>
+                                    <p:set>
+                                      <p:cBhvr>
+                                        <p:cTn id="46" dur="1" fill="hold">
+                                          <p:stCondLst>
+                                            <p:cond delay="0"/>
+                                          </p:stCondLst>
+                                        </p:cTn>
+                                        <p:tgtEl>
+                                          <p:spTgt spid="7">
+                                            <p:txEl>
+                                              <p:pRg st="3" end="3"/>
+                                            </p:txEl>
+                                          </p:spTgt>
+                                        </p:tgtEl>
+                                        <p:attrNameLst>
+                                          <p:attrName>style.visibility</p:attrName>
+                                        </p:attrNameLst>
+                                      </p:cBhvr>
+                                      <p:to>
+                                        <p:strVal val="visible"/>
+                                      </p:to>
+                                    </p:set>
+                                  </p:childTnLst>
+                                </p:cTn>
+                              </p:par>
+                              <p:par>
+                                <p:cTn id="47" presetID="1" presetClass="entr" presetSubtype="0" fill="hold" nodeType="withEffect">
+                                  <p:stCondLst>
+                                    <p:cond delay="0"/>
+                                  </p:stCondLst>
+                                  <p:childTnLst>
+                                    <p:set>
+                                      <p:cBhvr>
+                                        <p:cTn id="48" dur="1" fill="hold">
+                                          <p:stCondLst>
+                                            <p:cond delay="0"/>
+                                          </p:stCondLst>
+                                        </p:cTn>
+                                        <p:tgtEl>
+                                          <p:spTgt spid="7">
+                                            <p:txEl>
+                                              <p:pRg st="5" end="5"/>
+                                            </p:txEl>
+                                          </p:spTgt>
+                                        </p:tgtEl>
+                                        <p:attrNameLst>
+                                          <p:attrName>style.visibility</p:attrName>
+                                        </p:attrNameLst>
+                                      </p:cBhvr>
+                                      <p:to>
+                                        <p:strVal val="visible"/>
+                                      </p:to>
+                                    </p:set>
+                                  </p:childTnLst>
+                                </p:cTn>
+                              </p:par>
+                              <p:par>
+                                <p:cTn id="49" presetID="1" presetClass="entr" presetSubtype="0" fill="hold" nodeType="withEffect">
+                                  <p:stCondLst>
+                                    <p:cond delay="0"/>
+                                  </p:stCondLst>
+                                  <p:childTnLst>
+                                    <p:set>
+                                      <p:cBhvr>
+                                        <p:cTn id="50" dur="1" fill="hold">
+                                          <p:stCondLst>
+                                            <p:cond delay="0"/>
+                                          </p:stCondLst>
+                                        </p:cTn>
+                                        <p:tgtEl>
+                                          <p:spTgt spid="7">
+                                            <p:txEl>
+                                              <p:pRg st="6" end="6"/>
+                                            </p:txEl>
+                                          </p:spTgt>
+                                        </p:tgtEl>
+                                        <p:attrNameLst>
+                                          <p:attrName>style.visibility</p:attrName>
+                                        </p:attrNameLst>
+                                      </p:cBhvr>
+                                      <p:to>
+                                        <p:strVal val="visible"/>
+                                      </p:to>
+                                    </p:set>
+                                  </p:childTnLst>
+                                </p:cTn>
+                              </p:par>
+                              <p:par>
+                                <p:cTn id="51" presetID="1" presetClass="entr" presetSubtype="0" fill="hold" nodeType="withEffect">
+                                  <p:stCondLst>
+                                    <p:cond delay="0"/>
+                                  </p:stCondLst>
+                                  <p:childTnLst>
+                                    <p:set>
+                                      <p:cBhvr>
+                                        <p:cTn id="52" dur="1" fill="hold">
+                                          <p:stCondLst>
+                                            <p:cond delay="0"/>
+                                          </p:stCondLst>
+                                        </p:cTn>
+                                        <p:tgtEl>
+                                          <p:spTgt spid="7">
+                                            <p:txEl>
+                                              <p:pRg st="7" end="7"/>
+                                            </p:txEl>
+                                          </p:spTgt>
+                                        </p:tgtEl>
+                                        <p:attrNameLst>
+                                          <p:attrName>style.visibility</p:attrName>
+                                        </p:attrNameLst>
+                                      </p:cBhvr>
+                                      <p:to>
+                                        <p:strVal val="visible"/>
+                                      </p:to>
+                                    </p:set>
+                                  </p:childTnLst>
+                                </p:cTn>
+                              </p:par>
+                              <p:par>
+                                <p:cTn id="53" presetID="1" presetClass="entr" presetSubtype="0" fill="hold" nodeType="withEffect">
+                                  <p:stCondLst>
+                                    <p:cond delay="0"/>
+                                  </p:stCondLst>
+                                  <p:childTnLst>
+                                    <p:set>
+                                      <p:cBhvr>
+                                        <p:cTn id="54" dur="1" fill="hold">
+                                          <p:stCondLst>
+                                            <p:cond delay="0"/>
+                                          </p:stCondLst>
+                                        </p:cTn>
+                                        <p:tgtEl>
+                                          <p:spTgt spid="7">
+                                            <p:txEl>
+                                              <p:pRg st="8" end="8"/>
+                                            </p:txEl>
+                                          </p:spTgt>
+                                        </p:tgtEl>
+                                        <p:attrNameLst>
+                                          <p:attrName>style.visibility</p:attrName>
+                                        </p:attrNameLst>
+                                      </p:cBhvr>
+                                      <p:to>
+                                        <p:strVal val="visible"/>
+                                      </p:to>
+                                    </p:set>
+                                  </p:childTnLst>
+                                </p:cTn>
+                              </p:par>
+                              <p:par>
+                                <p:cTn id="55" presetID="1" presetClass="entr" presetSubtype="0" fill="hold" nodeType="withEffect">
+                                  <p:stCondLst>
+                                    <p:cond delay="0"/>
+                                  </p:stCondLst>
+                                  <p:childTnLst>
+                                    <p:set>
+                                      <p:cBhvr>
+                                        <p:cTn id="56" dur="1" fill="hold">
+                                          <p:stCondLst>
+                                            <p:cond delay="0"/>
+                                          </p:stCondLst>
+                                        </p:cTn>
+                                        <p:tgtEl>
+                                          <p:spTgt spid="7">
+                                            <p:txEl>
+                                              <p:pRg st="10" end="10"/>
+                                            </p:txEl>
+                                          </p:spTgt>
+                                        </p:tgtEl>
+                                        <p:attrNameLst>
+                                          <p:attrName>style.visibility</p:attrName>
+                                        </p:attrNameLst>
+                                      </p:cBhvr>
+                                      <p:to>
+                                        <p:strVal val="visible"/>
+                                      </p:to>
+                                    </p:set>
+                                  </p:childTnLst>
+                                </p:cTn>
+                              </p:par>
+                              <p:par>
+                                <p:cTn id="57" presetID="1" presetClass="entr" presetSubtype="0" fill="hold" nodeType="withEffect">
+                                  <p:stCondLst>
+                                    <p:cond delay="0"/>
+                                  </p:stCondLst>
+                                  <p:childTnLst>
+                                    <p:set>
+                                      <p:cBhvr>
+                                        <p:cTn id="58" dur="1" fill="hold">
+                                          <p:stCondLst>
+                                            <p:cond delay="0"/>
+                                          </p:stCondLst>
+                                        </p:cTn>
+                                        <p:tgtEl>
+                                          <p:spTgt spid="7">
+                                            <p:txEl>
+                                              <p:pRg st="11" end="11"/>
+                                            </p:txEl>
+                                          </p:spTgt>
+                                        </p:tgtEl>
+                                        <p:attrNameLst>
+                                          <p:attrName>style.visibility</p:attrName>
+                                        </p:attrNameLst>
+                                      </p:cBhvr>
+                                      <p:to>
+                                        <p:strVal val="visible"/>
+                                      </p:to>
+                                    </p:set>
+                                  </p:childTnLst>
+                                </p:cTn>
+                              </p:par>
+                              <p:par>
+                                <p:cTn id="59" presetID="1" presetClass="entr" presetSubtype="0" fill="hold" nodeType="withEffect">
+                                  <p:stCondLst>
+                                    <p:cond delay="0"/>
+                                  </p:stCondLst>
+                                  <p:childTnLst>
+                                    <p:set>
+                                      <p:cBhvr>
+                                        <p:cTn id="60" dur="1" fill="hold">
+                                          <p:stCondLst>
+                                            <p:cond delay="0"/>
+                                          </p:stCondLst>
+                                        </p:cTn>
+                                        <p:tgtEl>
+                                          <p:spTgt spid="7">
+                                            <p:txEl>
+                                              <p:pRg st="12" end="12"/>
+                                            </p:txEl>
+                                          </p:spTgt>
+                                        </p:tgtEl>
+                                        <p:attrNameLst>
+                                          <p:attrName>style.visibility</p:attrName>
+                                        </p:attrNameLst>
+                                      </p:cBhvr>
+                                      <p:to>
+                                        <p:strVal val="visible"/>
+                                      </p:to>
+                                    </p:set>
+                                  </p:childTnLst>
+                                </p:cTn>
+                              </p:par>
+                            </p:childTnLst>
+                          </p:cTn>
+                        </p:par>
+                      </p:childTnLst>
+                    </p:cTn>
+                  </p:par>
+                </p:childTnLst>
+              </p:cTn>
+              <p:prevCondLst>
+                <p:cond evt="onPrev" delay="0">
+                  <p:tgtEl>
+                    <p:sldTgt/>
+                  </p:tgtEl>
+                </p:cond>
+              </p:prevCondLst>
+              <p:nextCondLst>
+                <p:cond evt="onNext" delay="0">
+                  <p:tgtEl>
+                    <p:sldTgt/>
+                  </p:tgtEl>
+                </p:cond>
+              </p:nextCondLst>
+            </p:seq>
+          </p:childTnLst>
+        </p:cTn>
+      </p:par>
+    </p:tnLst>
+  </p:timing>
 </p:sld>
 </file>
 
@@ -13186,7 +15338,7 @@
           <p:cNvPr id="2" name="Title 1">
             <a:extLst>
               <a:ext uri="{FF2B5EF4-FFF2-40B4-BE49-F238E27FC236}">
-                <a16:creationId xmlns:a16="http://schemas.microsoft.com/office/drawing/2014/main" id="{25F6B485-E13B-20CB-916F-2C6CF1C15624}"/>
+                <a16:creationId xmlns:a16="http://schemas.microsoft.com/office/drawing/2014/main" id="{CA3E2F94-C5B0-2905-A2E1-0D227FA463D5}"/>
               </a:ext>
             </a:extLst>
           </p:cNvPr>
@@ -13204,40 +15356,266 @@
           <a:p>
             <a:r>
               <a:rPr lang="en-US" dirty="0"/>
-              <a:t>Code Slide</a:t>
+              <a:t>ASM Full  Adder Subcircuit</a:t>
             </a:r>
           </a:p>
         </p:txBody>
       </p:sp>
-      <p:sp>
-        <p:nvSpPr>
-          <p:cNvPr id="3" name="Content Placeholder 2">
+      <p:pic>
+        <p:nvPicPr>
+          <p:cNvPr id="5" name="Content Placeholder 4" descr="Diagram&#10;&#10;Description automatically generated">
             <a:extLst>
               <a:ext uri="{FF2B5EF4-FFF2-40B4-BE49-F238E27FC236}">
-                <a16:creationId xmlns:a16="http://schemas.microsoft.com/office/drawing/2014/main" id="{494DA8BF-F4C1-4885-EE26-E9D83B61BB43}"/>
+                <a16:creationId xmlns:a16="http://schemas.microsoft.com/office/drawing/2014/main" id="{823E7577-264F-B381-5E56-DA3259AD4FB1}"/>
               </a:ext>
             </a:extLst>
           </p:cNvPr>
-          <p:cNvSpPr>
-            <a:spLocks noGrp="1"/>
-          </p:cNvSpPr>
+          <p:cNvPicPr>
+            <a:picLocks noGrp="1" noChangeAspect="1"/>
+          </p:cNvPicPr>
           <p:nvPr>
-            <p:ph idx="1"/>
+            <p:ph sz="half" idx="1"/>
           </p:nvPr>
+        </p:nvPicPr>
+        <p:blipFill>
+          <a:blip r:embed="rId2"/>
+          <a:stretch>
+            <a:fillRect/>
+          </a:stretch>
+        </p:blipFill>
+        <p:spPr>
+          <a:xfrm>
+            <a:off x="5879548" y="2961809"/>
+            <a:ext cx="5422900" cy="2365248"/>
+          </a:xfrm>
+        </p:spPr>
+      </p:pic>
+      <p:sp>
+        <p:nvSpPr>
+          <p:cNvPr id="8" name="TextBox 7">
+            <a:extLst>
+              <a:ext uri="{FF2B5EF4-FFF2-40B4-BE49-F238E27FC236}">
+                <a16:creationId xmlns:a16="http://schemas.microsoft.com/office/drawing/2014/main" id="{34AEA67A-8909-E1CC-3B39-1DFC703C3624}"/>
+              </a:ext>
+            </a:extLst>
+          </p:cNvPr>
+          <p:cNvSpPr txBox="1"/>
+          <p:nvPr/>
         </p:nvSpPr>
-        <p:spPr/>
+        <p:spPr>
+          <a:xfrm>
+            <a:off x="454868" y="2051552"/>
+            <a:ext cx="6097554" cy="3970318"/>
+          </a:xfrm>
+          <a:prstGeom prst="rect">
+            <a:avLst/>
+          </a:prstGeom>
+          <a:noFill/>
+        </p:spPr>
         <p:txBody>
-          <a:bodyPr/>
+          <a:bodyPr wrap="square">
+            <a:spAutoFit/>
+          </a:bodyPr>
           <a:lstStyle/>
           <a:p>
-            <a:endParaRPr lang="en-US"/>
+            <a:r>
+              <a:rPr lang="en-US" sz="1400" dirty="0"/>
+              <a:t>Adder:</a:t>
+            </a:r>
+          </a:p>
+          <a:p>
+            <a:r>
+              <a:rPr lang="en-US" sz="1400" dirty="0"/>
+              <a:t>	;the values for r8 and r9 are given by the </a:t>
+            </a:r>
+            <a:r>
+              <a:rPr lang="en-US" sz="1400" dirty="0" err="1"/>
+              <a:t>the</a:t>
+            </a:r>
+            <a:r>
+              <a:rPr lang="en-US" sz="1400" dirty="0"/>
+              <a:t> other subcircuits values</a:t>
+            </a:r>
+          </a:p>
+          <a:p>
+            <a:r>
+              <a:rPr lang="en-US" sz="1400" dirty="0"/>
+              <a:t>	</a:t>
+            </a:r>
+            <a:r>
+              <a:rPr lang="en-US" sz="1400" dirty="0" err="1"/>
+              <a:t>cmp</a:t>
+            </a:r>
+            <a:r>
+              <a:rPr lang="en-US" sz="1400" dirty="0"/>
+              <a:t> r8, 0</a:t>
+            </a:r>
+          </a:p>
+          <a:p>
+            <a:r>
+              <a:rPr lang="en-US" sz="1400" dirty="0"/>
+              <a:t>		</a:t>
+            </a:r>
+            <a:r>
+              <a:rPr lang="en-US" sz="1400" dirty="0" err="1"/>
+              <a:t>jg</a:t>
+            </a:r>
+            <a:r>
+              <a:rPr lang="en-US" sz="1400" dirty="0"/>
+              <a:t> Sum</a:t>
+            </a:r>
+          </a:p>
+          <a:p>
+            <a:r>
+              <a:rPr lang="en-US" sz="1400" dirty="0"/>
+              <a:t>	</a:t>
+            </a:r>
+            <a:r>
+              <a:rPr lang="en-US" sz="1400" dirty="0" err="1"/>
+              <a:t>cmp</a:t>
+            </a:r>
+            <a:r>
+              <a:rPr lang="en-US" sz="1400" dirty="0"/>
+              <a:t> r9, 0</a:t>
+            </a:r>
+          </a:p>
+          <a:p>
+            <a:r>
+              <a:rPr lang="en-US" sz="1400" dirty="0"/>
+              <a:t>		</a:t>
+            </a:r>
+            <a:r>
+              <a:rPr lang="en-US" sz="1400" dirty="0" err="1"/>
+              <a:t>jg</a:t>
+            </a:r>
+            <a:r>
+              <a:rPr lang="en-US" sz="1400" dirty="0"/>
+              <a:t> Sum</a:t>
+            </a:r>
+          </a:p>
+          <a:p>
+            <a:r>
+              <a:rPr lang="en-US" sz="1400" dirty="0"/>
+              <a:t>	Sum:</a:t>
+            </a:r>
+          </a:p>
+          <a:p>
+            <a:r>
+              <a:rPr lang="en-US" sz="1400" dirty="0"/>
+              <a:t>		</a:t>
+            </a:r>
+            <a:r>
+              <a:rPr lang="en-US" sz="1400" dirty="0" err="1"/>
+              <a:t>cmp</a:t>
+            </a:r>
+            <a:r>
+              <a:rPr lang="en-US" sz="1400" dirty="0"/>
+              <a:t> r8, r9</a:t>
+            </a:r>
+          </a:p>
+          <a:p>
+            <a:r>
+              <a:rPr lang="en-US" sz="1400" dirty="0"/>
+              <a:t>			je Equal</a:t>
+            </a:r>
+          </a:p>
+          <a:p>
+            <a:r>
+              <a:rPr lang="en-US" sz="1400" dirty="0"/>
+              <a:t>			</a:t>
+            </a:r>
+            <a:r>
+              <a:rPr lang="en-US" sz="1400" dirty="0" err="1"/>
+              <a:t>jg</a:t>
+            </a:r>
+            <a:r>
+              <a:rPr lang="en-US" sz="1400" dirty="0"/>
+              <a:t> </a:t>
+            </a:r>
+            <a:r>
+              <a:rPr lang="en-US" sz="1400" dirty="0" err="1"/>
+              <a:t>SumNoCout</a:t>
+            </a:r>
+            <a:endParaRPr lang="en-US" sz="1400" dirty="0"/>
+          </a:p>
+          <a:p>
+            <a:r>
+              <a:rPr lang="en-US" sz="1400" dirty="0"/>
+              <a:t>			</a:t>
+            </a:r>
+            <a:r>
+              <a:rPr lang="en-US" sz="1400" dirty="0" err="1"/>
+              <a:t>jl</a:t>
+            </a:r>
+            <a:r>
+              <a:rPr lang="en-US" sz="1400" dirty="0"/>
+              <a:t> </a:t>
+            </a:r>
+            <a:r>
+              <a:rPr lang="en-US" sz="1400" dirty="0" err="1"/>
+              <a:t>SumNoCout</a:t>
+            </a:r>
+            <a:r>
+              <a:rPr lang="en-US" sz="1400" dirty="0"/>
+              <a:t>	</a:t>
+            </a:r>
+          </a:p>
+          <a:p>
+            <a:r>
+              <a:rPr lang="en-US" sz="1400" dirty="0"/>
+              <a:t>	</a:t>
+            </a:r>
+            <a:r>
+              <a:rPr lang="en-US" sz="1400" dirty="0" err="1"/>
+              <a:t>SumNoCout</a:t>
+            </a:r>
+            <a:r>
+              <a:rPr lang="en-US" sz="1400" dirty="0"/>
+              <a:t>:</a:t>
+            </a:r>
+          </a:p>
+          <a:p>
+            <a:r>
+              <a:rPr lang="en-US" sz="1400" dirty="0"/>
+              <a:t>		mov r10, 1 ; sum value is one</a:t>
+            </a:r>
+          </a:p>
+          <a:p>
+            <a:r>
+              <a:rPr lang="en-US" sz="1400" dirty="0"/>
+              <a:t>		mov r11, 0</a:t>
+            </a:r>
+          </a:p>
+          <a:p>
+            <a:r>
+              <a:rPr lang="en-US" sz="1400" dirty="0"/>
+              <a:t>	Equal:</a:t>
+            </a:r>
+          </a:p>
+          <a:p>
+            <a:r>
+              <a:rPr lang="en-US" sz="1400" dirty="0"/>
+              <a:t>		mov r11, 1 ; this is the carry value, </a:t>
+            </a:r>
+          </a:p>
+          <a:p>
+            <a:r>
+              <a:rPr lang="en-US" sz="1400" dirty="0"/>
+              <a:t>		mov r10, 0 ; and this is the corresponding sum value</a:t>
+            </a:r>
+          </a:p>
+          <a:p>
+            <a:r>
+              <a:rPr lang="en-US" sz="1400" dirty="0"/>
+              <a:t>	</a:t>
+            </a:r>
           </a:p>
         </p:txBody>
       </p:sp>
     </p:spTree>
     <p:extLst>
       <p:ext uri="{BB962C8B-B14F-4D97-AF65-F5344CB8AC3E}">
-        <p14:creationId xmlns:p14="http://schemas.microsoft.com/office/powerpoint/2010/main" val="1803756769"/>
+        <p14:creationId xmlns:p14="http://schemas.microsoft.com/office/powerpoint/2010/main" val="311630338"/>
       </p:ext>
     </p:extLst>
   </p:cSld>
@@ -13266,10 +15644,10 @@
       </p:grpSpPr>
       <p:sp>
         <p:nvSpPr>
-          <p:cNvPr id="5" name="Title 4">
+          <p:cNvPr id="2" name="Title 1">
             <a:extLst>
               <a:ext uri="{FF2B5EF4-FFF2-40B4-BE49-F238E27FC236}">
-                <a16:creationId xmlns:a16="http://schemas.microsoft.com/office/drawing/2014/main" id="{F9F53D6F-B9DD-F9A8-B1CE-989A5EA390D4}"/>
+                <a16:creationId xmlns:a16="http://schemas.microsoft.com/office/drawing/2014/main" id="{28E9167B-05F7-529F-5A27-005E33952D87}"/>
               </a:ext>
             </a:extLst>
           </p:cNvPr>
@@ -13277,34 +15655,66 @@
             <a:spLocks noGrp="1"/>
           </p:cNvSpPr>
           <p:nvPr>
-            <p:ph type="ctrTitle"/>
+            <p:ph type="title"/>
           </p:nvPr>
         </p:nvSpPr>
         <p:spPr>
           <a:xfrm>
-            <a:off x="581191" y="1020431"/>
-            <a:ext cx="10993549" cy="1475013"/>
+            <a:off x="618515" y="738988"/>
+            <a:ext cx="11029616" cy="988332"/>
           </a:xfrm>
         </p:spPr>
         <p:txBody>
-          <a:bodyPr anchor="b">
-            <a:normAutofit/>
-          </a:bodyPr>
+          <a:bodyPr/>
           <a:lstStyle/>
           <a:p>
             <a:r>
               <a:rPr lang="en-US" dirty="0"/>
-              <a:t>C++ Conversion</a:t>
-            </a:r>
+              <a:t>Multiplier Top Circuits in CPP/</a:t>
+            </a:r>
+            <a:r>
+              <a:rPr lang="en-US" dirty="0" err="1"/>
+              <a:t>asm</a:t>
+            </a:r>
+            <a:endParaRPr lang="en-US" dirty="0"/>
           </a:p>
         </p:txBody>
       </p:sp>
+      <p:pic>
+        <p:nvPicPr>
+          <p:cNvPr id="6" name="Content Placeholder 5" descr="Diagram, engineering drawing&#10;&#10;Description automatically generated">
+            <a:extLst>
+              <a:ext uri="{FF2B5EF4-FFF2-40B4-BE49-F238E27FC236}">
+                <a16:creationId xmlns:a16="http://schemas.microsoft.com/office/drawing/2014/main" id="{FEC518BC-09D9-C993-957B-D3E8C13B5666}"/>
+              </a:ext>
+            </a:extLst>
+          </p:cNvPr>
+          <p:cNvPicPr>
+            <a:picLocks noGrp="1" noChangeAspect="1"/>
+          </p:cNvPicPr>
+          <p:nvPr>
+            <p:ph sz="half" idx="1"/>
+          </p:nvPr>
+        </p:nvPicPr>
+        <p:blipFill>
+          <a:blip r:embed="rId2"/>
+          <a:stretch>
+            <a:fillRect/>
+          </a:stretch>
+        </p:blipFill>
+        <p:spPr>
+          <a:xfrm>
+            <a:off x="398936" y="1978973"/>
+            <a:ext cx="2651990" cy="2918713"/>
+          </a:xfrm>
+        </p:spPr>
+      </p:pic>
       <p:sp>
         <p:nvSpPr>
-          <p:cNvPr id="6" name="Content Placeholder 5">
+          <p:cNvPr id="4" name="Content Placeholder 3">
             <a:extLst>
               <a:ext uri="{FF2B5EF4-FFF2-40B4-BE49-F238E27FC236}">
-                <a16:creationId xmlns:a16="http://schemas.microsoft.com/office/drawing/2014/main" id="{A00ABC4D-6490-1439-2817-ECBAF6560BF2}"/>
+                <a16:creationId xmlns:a16="http://schemas.microsoft.com/office/drawing/2014/main" id="{CD252FC4-C8FD-6791-0694-643F1B482A2F}"/>
               </a:ext>
             </a:extLst>
           </p:cNvPr>
@@ -13312,17 +15722,17 @@
             <a:spLocks noGrp="1"/>
           </p:cNvSpPr>
           <p:nvPr>
-            <p:ph type="subTitle" idx="1"/>
+            <p:ph sz="half" idx="2"/>
           </p:nvPr>
         </p:nvSpPr>
         <p:spPr>
           <a:xfrm>
-            <a:off x="581194" y="2495445"/>
-            <a:ext cx="10993546" cy="590321"/>
+            <a:off x="3223104" y="2585463"/>
+            <a:ext cx="3978907" cy="3341414"/>
           </a:xfrm>
         </p:spPr>
         <p:txBody>
-          <a:bodyPr anchor="t">
+          <a:bodyPr>
             <a:normAutofit/>
           </a:bodyPr>
           <a:lstStyle/>
@@ -13331,16 +15741,962 @@
               <a:buNone/>
             </a:pPr>
             <a:r>
-              <a:rPr lang="en-US" dirty="0"/>
+              <a:rPr lang="es-ES" sz="1600" dirty="0" err="1">
+                <a:solidFill>
+                  <a:schemeClr val="tx1"/>
+                </a:solidFill>
+                <a:latin typeface="Cascadia Mono" panose="020B0609020000020004" pitchFamily="49" charset="0"/>
+              </a:rPr>
+              <a:t>void</a:t>
+            </a:r>
+            <a:r>
+              <a:rPr lang="es-ES" sz="1600" dirty="0">
+                <a:solidFill>
+                  <a:schemeClr val="tx1"/>
+                </a:solidFill>
+                <a:latin typeface="Cascadia Mono" panose="020B0609020000020004" pitchFamily="49" charset="0"/>
+              </a:rPr>
+              <a:t> Fig1B(</a:t>
+            </a:r>
+            <a:r>
+              <a:rPr lang="es-ES" sz="1600" dirty="0" err="1">
+                <a:solidFill>
+                  <a:schemeClr val="tx1"/>
+                </a:solidFill>
+                <a:latin typeface="Cascadia Mono" panose="020B0609020000020004" pitchFamily="49" charset="0"/>
+              </a:rPr>
+              <a:t>char</a:t>
+            </a:r>
+            <a:r>
+              <a:rPr lang="es-ES" sz="1600" dirty="0">
+                <a:solidFill>
+                  <a:schemeClr val="tx1"/>
+                </a:solidFill>
+                <a:latin typeface="Cascadia Mono" panose="020B0609020000020004" pitchFamily="49" charset="0"/>
+              </a:rPr>
+              <a:t> x, </a:t>
+            </a:r>
+            <a:r>
+              <a:rPr lang="es-ES" sz="1600" dirty="0" err="1">
+                <a:solidFill>
+                  <a:schemeClr val="tx1"/>
+                </a:solidFill>
+                <a:latin typeface="Cascadia Mono" panose="020B0609020000020004" pitchFamily="49" charset="0"/>
+              </a:rPr>
+              <a:t>char</a:t>
+            </a:r>
+            <a:r>
+              <a:rPr lang="es-ES" sz="1600" dirty="0">
+                <a:solidFill>
+                  <a:schemeClr val="tx1"/>
+                </a:solidFill>
+                <a:latin typeface="Cascadia Mono" panose="020B0609020000020004" pitchFamily="49" charset="0"/>
+              </a:rPr>
+              <a:t> x2, </a:t>
+            </a:r>
+            <a:r>
+              <a:rPr lang="es-ES" sz="1600" dirty="0" err="1">
+                <a:solidFill>
+                  <a:schemeClr val="tx1"/>
+                </a:solidFill>
+                <a:latin typeface="Cascadia Mono" panose="020B0609020000020004" pitchFamily="49" charset="0"/>
+              </a:rPr>
+              <a:t>char</a:t>
+            </a:r>
+            <a:r>
+              <a:rPr lang="es-ES" sz="1600" dirty="0">
+                <a:solidFill>
+                  <a:schemeClr val="tx1"/>
+                </a:solidFill>
+                <a:latin typeface="Cascadia Mono" panose="020B0609020000020004" pitchFamily="49" charset="0"/>
+              </a:rPr>
               <a:t> </a:t>
             </a:r>
+            <a:r>
+              <a:rPr lang="es-ES" sz="1600" dirty="0" err="1">
+                <a:solidFill>
+                  <a:schemeClr val="tx1"/>
+                </a:solidFill>
+                <a:latin typeface="Cascadia Mono" panose="020B0609020000020004" pitchFamily="49" charset="0"/>
+              </a:rPr>
+              <a:t>cin</a:t>
+            </a:r>
+            <a:r>
+              <a:rPr lang="es-ES" sz="1600" dirty="0">
+                <a:solidFill>
+                  <a:schemeClr val="tx1"/>
+                </a:solidFill>
+                <a:latin typeface="Cascadia Mono" panose="020B0609020000020004" pitchFamily="49" charset="0"/>
+              </a:rPr>
+              <a:t>, </a:t>
+            </a:r>
+            <a:r>
+              <a:rPr lang="es-ES" sz="1600" dirty="0" err="1">
+                <a:solidFill>
+                  <a:schemeClr val="tx1"/>
+                </a:solidFill>
+                <a:latin typeface="Cascadia Mono" panose="020B0609020000020004" pitchFamily="49" charset="0"/>
+              </a:rPr>
+              <a:t>char</a:t>
+            </a:r>
+            <a:r>
+              <a:rPr lang="es-ES" sz="1600" dirty="0">
+                <a:solidFill>
+                  <a:schemeClr val="tx1"/>
+                </a:solidFill>
+                <a:latin typeface="Cascadia Mono" panose="020B0609020000020004" pitchFamily="49" charset="0"/>
+              </a:rPr>
+              <a:t> y, </a:t>
+            </a:r>
+            <a:r>
+              <a:rPr lang="es-ES" sz="1600" dirty="0" err="1">
+                <a:solidFill>
+                  <a:schemeClr val="tx1"/>
+                </a:solidFill>
+                <a:latin typeface="Cascadia Mono" panose="020B0609020000020004" pitchFamily="49" charset="0"/>
+              </a:rPr>
+              <a:t>char</a:t>
+            </a:r>
+            <a:r>
+              <a:rPr lang="es-ES" sz="1600" dirty="0">
+                <a:solidFill>
+                  <a:schemeClr val="tx1"/>
+                </a:solidFill>
+                <a:latin typeface="Cascadia Mono" panose="020B0609020000020004" pitchFamily="49" charset="0"/>
+              </a:rPr>
+              <a:t> y2) {</a:t>
+            </a:r>
+            <a:endParaRPr lang="en-US" sz="1600" dirty="0">
+              <a:solidFill>
+                <a:schemeClr val="tx1"/>
+              </a:solidFill>
+              <a:latin typeface="Cascadia Mono" panose="020B0609020000020004" pitchFamily="49" charset="0"/>
+            </a:endParaRPr>
+          </a:p>
+          <a:p>
+            <a:pPr marL="0" indent="0">
+              <a:buNone/>
+            </a:pPr>
+            <a:r>
+              <a:rPr lang="en-US" sz="1600" dirty="0">
+                <a:solidFill>
+                  <a:schemeClr val="tx1"/>
+                </a:solidFill>
+                <a:latin typeface="Cascadia Mono" panose="020B0609020000020004" pitchFamily="49" charset="0"/>
+              </a:rPr>
+              <a:t>//signals</a:t>
+            </a:r>
+          </a:p>
+          <a:p>
+            <a:pPr marL="0" indent="0">
+              <a:buNone/>
+            </a:pPr>
+            <a:r>
+              <a:rPr lang="en-US" sz="1600" dirty="0">
+                <a:solidFill>
+                  <a:schemeClr val="tx1"/>
+                </a:solidFill>
+                <a:latin typeface="Cascadia Mono" panose="020B0609020000020004" pitchFamily="49" charset="0"/>
+              </a:rPr>
+              <a:t>char a1 = x &amp; y;</a:t>
+            </a:r>
+          </a:p>
+          <a:p>
+            <a:pPr marL="0" indent="0">
+              <a:buNone/>
+            </a:pPr>
+            <a:r>
+              <a:rPr lang="en-US" sz="1600" dirty="0">
+                <a:solidFill>
+                  <a:schemeClr val="tx1"/>
+                </a:solidFill>
+                <a:latin typeface="Cascadia Mono" panose="020B0609020000020004" pitchFamily="49" charset="0"/>
+              </a:rPr>
+              <a:t>char a2 = x2 &amp; y2;</a:t>
+            </a:r>
+          </a:p>
+          <a:p>
+            <a:pPr marL="0" indent="0">
+              <a:buNone/>
+            </a:pPr>
+            <a:endParaRPr lang="en-US" sz="1600" dirty="0">
+              <a:solidFill>
+                <a:schemeClr val="tx1"/>
+              </a:solidFill>
+              <a:latin typeface="Cascadia Mono" panose="020B0609020000020004" pitchFamily="49" charset="0"/>
+            </a:endParaRPr>
+          </a:p>
+          <a:p>
+            <a:pPr marL="0" indent="0">
+              <a:buNone/>
+            </a:pPr>
+            <a:r>
+              <a:rPr lang="en-US" sz="1600" dirty="0">
+                <a:solidFill>
+                  <a:schemeClr val="tx1"/>
+                </a:solidFill>
+                <a:latin typeface="Cascadia Mono" panose="020B0609020000020004" pitchFamily="49" charset="0"/>
+              </a:rPr>
+              <a:t>Adder(a1, a2, </a:t>
+            </a:r>
+            <a:r>
+              <a:rPr lang="en-US" sz="1600" dirty="0" err="1">
+                <a:solidFill>
+                  <a:schemeClr val="tx1"/>
+                </a:solidFill>
+                <a:latin typeface="Cascadia Mono" panose="020B0609020000020004" pitchFamily="49" charset="0"/>
+              </a:rPr>
+              <a:t>cin</a:t>
+            </a:r>
+            <a:r>
+              <a:rPr lang="en-US" sz="1600" dirty="0">
+                <a:solidFill>
+                  <a:schemeClr val="tx1"/>
+                </a:solidFill>
+                <a:latin typeface="Cascadia Mono" panose="020B0609020000020004" pitchFamily="49" charset="0"/>
+              </a:rPr>
+              <a:t>);</a:t>
+            </a:r>
+          </a:p>
+          <a:p>
+            <a:pPr marL="0" indent="0">
+              <a:buNone/>
+            </a:pPr>
+            <a:r>
+              <a:rPr lang="en-US" sz="1600" dirty="0">
+                <a:solidFill>
+                  <a:schemeClr val="tx1"/>
+                </a:solidFill>
+                <a:latin typeface="Cascadia Mono" panose="020B0609020000020004" pitchFamily="49" charset="0"/>
+              </a:rPr>
+              <a:t>};</a:t>
+            </a:r>
+            <a:endParaRPr lang="en-US" sz="1600" dirty="0">
+              <a:solidFill>
+                <a:schemeClr val="tx1"/>
+              </a:solidFill>
+            </a:endParaRPr>
+          </a:p>
+        </p:txBody>
+      </p:sp>
+      <p:sp>
+        <p:nvSpPr>
+          <p:cNvPr id="8" name="TextBox 7">
+            <a:extLst>
+              <a:ext uri="{FF2B5EF4-FFF2-40B4-BE49-F238E27FC236}">
+                <a16:creationId xmlns:a16="http://schemas.microsoft.com/office/drawing/2014/main" id="{89B1DA97-4ED1-0CCB-214F-A509FA4E6F81}"/>
+              </a:ext>
+            </a:extLst>
+          </p:cNvPr>
+          <p:cNvSpPr txBox="1"/>
+          <p:nvPr/>
+        </p:nvSpPr>
+        <p:spPr>
+          <a:xfrm>
+            <a:off x="7374189" y="2585463"/>
+            <a:ext cx="4493519" cy="3662541"/>
+          </a:xfrm>
+          <a:prstGeom prst="rect">
+            <a:avLst/>
+          </a:prstGeom>
+          <a:noFill/>
+        </p:spPr>
+        <p:txBody>
+          <a:bodyPr wrap="square">
+            <a:spAutoFit/>
+          </a:bodyPr>
+          <a:lstStyle/>
+          <a:p>
+            <a:pPr marL="0" indent="0">
+              <a:buNone/>
+            </a:pPr>
+            <a:r>
+              <a:rPr lang="es-ES" sz="1600" dirty="0" err="1">
+                <a:solidFill>
+                  <a:schemeClr val="tx1"/>
+                </a:solidFill>
+                <a:latin typeface="Cascadia Mono" panose="020B0609020000020004" pitchFamily="49" charset="0"/>
+              </a:rPr>
+              <a:t>TopRow</a:t>
+            </a:r>
+            <a:r>
+              <a:rPr lang="es-ES" sz="1600" dirty="0">
+                <a:solidFill>
+                  <a:schemeClr val="tx1"/>
+                </a:solidFill>
+                <a:latin typeface="Cascadia Mono" panose="020B0609020000020004" pitchFamily="49" charset="0"/>
+              </a:rPr>
+              <a:t>:;fig1b top </a:t>
+            </a:r>
+            <a:r>
+              <a:rPr lang="es-ES" sz="1600" dirty="0" err="1">
+                <a:solidFill>
+                  <a:schemeClr val="tx1"/>
+                </a:solidFill>
+                <a:latin typeface="Cascadia Mono" panose="020B0609020000020004" pitchFamily="49" charset="0"/>
+              </a:rPr>
+              <a:t>row</a:t>
+            </a:r>
+            <a:r>
+              <a:rPr lang="es-ES" sz="1600" dirty="0">
+                <a:solidFill>
+                  <a:schemeClr val="tx1"/>
+                </a:solidFill>
+                <a:latin typeface="Cascadia Mono" panose="020B0609020000020004" pitchFamily="49" charset="0"/>
+              </a:rPr>
+              <a:t> </a:t>
+            </a:r>
+            <a:r>
+              <a:rPr lang="es-ES" sz="1600" dirty="0" err="1">
+                <a:solidFill>
+                  <a:schemeClr val="tx1"/>
+                </a:solidFill>
+                <a:latin typeface="Cascadia Mono" panose="020B0609020000020004" pitchFamily="49" charset="0"/>
+              </a:rPr>
+              <a:t>values</a:t>
+            </a:r>
+            <a:endParaRPr lang="es-ES" sz="1600" dirty="0">
+              <a:solidFill>
+                <a:schemeClr val="tx1"/>
+              </a:solidFill>
+              <a:latin typeface="Cascadia Mono" panose="020B0609020000020004" pitchFamily="49" charset="0"/>
+            </a:endParaRPr>
+          </a:p>
+          <a:p>
+            <a:pPr marL="0" indent="0">
+              <a:buNone/>
+            </a:pPr>
+            <a:r>
+              <a:rPr lang="es-ES" sz="1600" dirty="0">
+                <a:solidFill>
+                  <a:schemeClr val="tx1"/>
+                </a:solidFill>
+                <a:latin typeface="Cascadia Mono" panose="020B0609020000020004" pitchFamily="49" charset="0"/>
+              </a:rPr>
+              <a:t> 	;</a:t>
+            </a:r>
+            <a:r>
+              <a:rPr lang="es-ES" sz="1600" dirty="0" err="1">
+                <a:solidFill>
+                  <a:schemeClr val="tx1"/>
+                </a:solidFill>
+                <a:latin typeface="Cascadia Mono" panose="020B0609020000020004" pitchFamily="49" charset="0"/>
+              </a:rPr>
+              <a:t>first</a:t>
+            </a:r>
+            <a:r>
+              <a:rPr lang="es-ES" sz="1600" dirty="0">
+                <a:solidFill>
+                  <a:schemeClr val="tx1"/>
+                </a:solidFill>
+                <a:latin typeface="Cascadia Mono" panose="020B0609020000020004" pitchFamily="49" charset="0"/>
+              </a:rPr>
+              <a:t> </a:t>
+            </a:r>
+            <a:r>
+              <a:rPr lang="es-ES" sz="1600" dirty="0" err="1">
+                <a:solidFill>
+                  <a:schemeClr val="tx1"/>
+                </a:solidFill>
+                <a:latin typeface="Cascadia Mono" panose="020B0609020000020004" pitchFamily="49" charset="0"/>
+              </a:rPr>
+              <a:t>two</a:t>
+            </a:r>
+            <a:r>
+              <a:rPr lang="es-ES" sz="1600" dirty="0">
+                <a:solidFill>
+                  <a:schemeClr val="tx1"/>
+                </a:solidFill>
+                <a:latin typeface="Cascadia Mono" panose="020B0609020000020004" pitchFamily="49" charset="0"/>
+              </a:rPr>
+              <a:t> </a:t>
+            </a:r>
+            <a:r>
+              <a:rPr lang="es-ES" sz="1600" dirty="0" err="1">
+                <a:solidFill>
+                  <a:schemeClr val="tx1"/>
+                </a:solidFill>
+                <a:latin typeface="Cascadia Mono" panose="020B0609020000020004" pitchFamily="49" charset="0"/>
+              </a:rPr>
+              <a:t>values</a:t>
+            </a:r>
+            <a:endParaRPr lang="es-ES" sz="1600" dirty="0">
+              <a:solidFill>
+                <a:schemeClr val="tx1"/>
+              </a:solidFill>
+              <a:latin typeface="Cascadia Mono" panose="020B0609020000020004" pitchFamily="49" charset="0"/>
+            </a:endParaRPr>
+          </a:p>
+          <a:p>
+            <a:pPr marL="0" indent="0">
+              <a:buNone/>
+            </a:pPr>
+            <a:r>
+              <a:rPr lang="es-ES" sz="1600" dirty="0">
+                <a:solidFill>
+                  <a:schemeClr val="tx1"/>
+                </a:solidFill>
+                <a:latin typeface="Cascadia Mono" panose="020B0609020000020004" pitchFamily="49" charset="0"/>
+              </a:rPr>
+              <a:t> 	;ADD IN CARRY LATER</a:t>
+            </a:r>
+          </a:p>
+          <a:p>
+            <a:pPr marL="0" indent="0">
+              <a:buNone/>
+            </a:pPr>
+            <a:r>
+              <a:rPr lang="es-ES" sz="1600" dirty="0">
+                <a:solidFill>
+                  <a:schemeClr val="tx1"/>
+                </a:solidFill>
+                <a:latin typeface="Cascadia Mono" panose="020B0609020000020004" pitchFamily="49" charset="0"/>
+              </a:rPr>
+              <a:t> 	</a:t>
+            </a:r>
+            <a:r>
+              <a:rPr lang="es-ES" sz="1600" dirty="0" err="1">
+                <a:solidFill>
+                  <a:schemeClr val="tx1"/>
+                </a:solidFill>
+                <a:latin typeface="Cascadia Mono" panose="020B0609020000020004" pitchFamily="49" charset="0"/>
+              </a:rPr>
+              <a:t>mov</a:t>
+            </a:r>
+            <a:r>
+              <a:rPr lang="es-ES" sz="1600" dirty="0">
+                <a:solidFill>
+                  <a:schemeClr val="tx1"/>
+                </a:solidFill>
+                <a:latin typeface="Cascadia Mono" panose="020B0609020000020004" pitchFamily="49" charset="0"/>
+              </a:rPr>
+              <a:t> </a:t>
+            </a:r>
+            <a:r>
+              <a:rPr lang="es-ES" sz="1600" dirty="0" err="1">
+                <a:solidFill>
+                  <a:schemeClr val="tx1"/>
+                </a:solidFill>
+                <a:latin typeface="Cascadia Mono" panose="020B0609020000020004" pitchFamily="49" charset="0"/>
+              </a:rPr>
+              <a:t>rax</a:t>
+            </a:r>
+            <a:r>
+              <a:rPr lang="es-ES" sz="1600" dirty="0">
+                <a:solidFill>
+                  <a:schemeClr val="tx1"/>
+                </a:solidFill>
+                <a:latin typeface="Cascadia Mono" panose="020B0609020000020004" pitchFamily="49" charset="0"/>
+              </a:rPr>
+              <a:t>, M ;set </a:t>
+            </a:r>
+            <a:r>
+              <a:rPr lang="es-ES" sz="1600" dirty="0" err="1">
+                <a:solidFill>
+                  <a:schemeClr val="tx1"/>
+                </a:solidFill>
+                <a:latin typeface="Cascadia Mono" panose="020B0609020000020004" pitchFamily="49" charset="0"/>
+              </a:rPr>
+              <a:t>to</a:t>
+            </a:r>
+            <a:r>
+              <a:rPr lang="es-ES" sz="1600" dirty="0">
+                <a:solidFill>
+                  <a:schemeClr val="tx1"/>
+                </a:solidFill>
+                <a:latin typeface="Cascadia Mono" panose="020B0609020000020004" pitchFamily="49" charset="0"/>
+              </a:rPr>
+              <a:t> M array 	</a:t>
+            </a:r>
+            <a:r>
+              <a:rPr lang="es-ES" sz="1600" dirty="0" err="1">
+                <a:solidFill>
+                  <a:schemeClr val="tx1"/>
+                </a:solidFill>
+                <a:latin typeface="Cascadia Mono" panose="020B0609020000020004" pitchFamily="49" charset="0"/>
+              </a:rPr>
+              <a:t>mov</a:t>
+            </a:r>
+            <a:r>
+              <a:rPr lang="es-ES" sz="1600" dirty="0">
+                <a:solidFill>
+                  <a:schemeClr val="tx1"/>
+                </a:solidFill>
+                <a:latin typeface="Cascadia Mono" panose="020B0609020000020004" pitchFamily="49" charset="0"/>
+              </a:rPr>
+              <a:t> </a:t>
+            </a:r>
+            <a:r>
+              <a:rPr lang="es-ES" sz="1600" dirty="0" err="1">
+                <a:solidFill>
+                  <a:schemeClr val="tx1"/>
+                </a:solidFill>
+                <a:latin typeface="Cascadia Mono" panose="020B0609020000020004" pitchFamily="49" charset="0"/>
+              </a:rPr>
+              <a:t>rdi</a:t>
+            </a:r>
+            <a:r>
+              <a:rPr lang="es-ES" sz="1600" dirty="0">
+                <a:solidFill>
+                  <a:schemeClr val="tx1"/>
+                </a:solidFill>
+                <a:latin typeface="Cascadia Mono" panose="020B0609020000020004" pitchFamily="49" charset="0"/>
+              </a:rPr>
+              <a:t>, Q ; set </a:t>
+            </a:r>
+            <a:r>
+              <a:rPr lang="es-ES" sz="1600" dirty="0" err="1">
+                <a:solidFill>
+                  <a:schemeClr val="tx1"/>
+                </a:solidFill>
+                <a:latin typeface="Cascadia Mono" panose="020B0609020000020004" pitchFamily="49" charset="0"/>
+              </a:rPr>
+              <a:t>to</a:t>
+            </a:r>
+            <a:r>
+              <a:rPr lang="es-ES" sz="1600" dirty="0">
+                <a:solidFill>
+                  <a:schemeClr val="tx1"/>
+                </a:solidFill>
+                <a:latin typeface="Cascadia Mono" panose="020B0609020000020004" pitchFamily="49" charset="0"/>
+              </a:rPr>
+              <a:t> Q array</a:t>
+            </a:r>
+          </a:p>
+          <a:p>
+            <a:pPr marL="0" indent="0">
+              <a:buNone/>
+            </a:pPr>
+            <a:r>
+              <a:rPr lang="es-ES" sz="1600" dirty="0">
+                <a:solidFill>
+                  <a:schemeClr val="tx1"/>
+                </a:solidFill>
+                <a:latin typeface="Cascadia Mono" panose="020B0609020000020004" pitchFamily="49" charset="0"/>
+              </a:rPr>
+              <a:t>	</a:t>
+            </a:r>
+            <a:r>
+              <a:rPr lang="es-ES" sz="1600" dirty="0" err="1">
+                <a:solidFill>
+                  <a:schemeClr val="tx1"/>
+                </a:solidFill>
+                <a:latin typeface="Cascadia Mono" panose="020B0609020000020004" pitchFamily="49" charset="0"/>
+              </a:rPr>
+              <a:t>mov</a:t>
+            </a:r>
+            <a:r>
+              <a:rPr lang="es-ES" sz="1600" dirty="0">
+                <a:solidFill>
+                  <a:schemeClr val="tx1"/>
+                </a:solidFill>
+                <a:latin typeface="Cascadia Mono" panose="020B0609020000020004" pitchFamily="49" charset="0"/>
+              </a:rPr>
+              <a:t> r8, QWORD[</a:t>
+            </a:r>
+            <a:r>
+              <a:rPr lang="es-ES" sz="1600" dirty="0" err="1">
+                <a:solidFill>
+                  <a:schemeClr val="tx1"/>
+                </a:solidFill>
+                <a:latin typeface="Cascadia Mono" panose="020B0609020000020004" pitchFamily="49" charset="0"/>
+              </a:rPr>
+              <a:t>rcx</a:t>
+            </a:r>
+            <a:r>
+              <a:rPr lang="es-ES" sz="1600" dirty="0">
+                <a:solidFill>
+                  <a:schemeClr val="tx1"/>
+                </a:solidFill>
+                <a:latin typeface="Cascadia Mono" panose="020B0609020000020004" pitchFamily="49" charset="0"/>
+              </a:rPr>
+              <a:t>]</a:t>
+            </a:r>
+          </a:p>
+          <a:p>
+            <a:pPr marL="0" indent="0">
+              <a:buNone/>
+            </a:pPr>
+            <a:r>
+              <a:rPr lang="es-ES" sz="1600" dirty="0">
+                <a:solidFill>
+                  <a:schemeClr val="tx1"/>
+                </a:solidFill>
+                <a:latin typeface="Cascadia Mono" panose="020B0609020000020004" pitchFamily="49" charset="0"/>
+              </a:rPr>
+              <a:t>	</a:t>
+            </a:r>
+            <a:r>
+              <a:rPr lang="es-ES" sz="1600" dirty="0" err="1">
+                <a:solidFill>
+                  <a:schemeClr val="tx1"/>
+                </a:solidFill>
+                <a:latin typeface="Cascadia Mono" panose="020B0609020000020004" pitchFamily="49" charset="0"/>
+              </a:rPr>
+              <a:t>mov</a:t>
+            </a:r>
+            <a:r>
+              <a:rPr lang="es-ES" sz="1600" dirty="0">
+                <a:solidFill>
+                  <a:schemeClr val="tx1"/>
+                </a:solidFill>
+                <a:latin typeface="Cascadia Mono" panose="020B0609020000020004" pitchFamily="49" charset="0"/>
+              </a:rPr>
+              <a:t> r9, QWORD[rcx+16]</a:t>
+            </a:r>
+          </a:p>
+          <a:p>
+            <a:pPr marL="0" indent="0">
+              <a:buNone/>
+            </a:pPr>
+            <a:r>
+              <a:rPr lang="es-ES" sz="1600" dirty="0">
+                <a:solidFill>
+                  <a:schemeClr val="tx1"/>
+                </a:solidFill>
+                <a:latin typeface="Cascadia Mono" panose="020B0609020000020004" pitchFamily="49" charset="0"/>
+              </a:rPr>
+              <a:t>	;</a:t>
+            </a:r>
+            <a:r>
+              <a:rPr lang="es-ES" sz="1600" dirty="0" err="1">
+                <a:solidFill>
+                  <a:schemeClr val="tx1"/>
+                </a:solidFill>
+                <a:latin typeface="Cascadia Mono" panose="020B0609020000020004" pitchFamily="49" charset="0"/>
+              </a:rPr>
+              <a:t>second</a:t>
+            </a:r>
+            <a:r>
+              <a:rPr lang="es-ES" sz="1600" dirty="0">
+                <a:solidFill>
+                  <a:schemeClr val="tx1"/>
+                </a:solidFill>
+                <a:latin typeface="Cascadia Mono" panose="020B0609020000020004" pitchFamily="49" charset="0"/>
+              </a:rPr>
+              <a:t> </a:t>
+            </a:r>
+            <a:r>
+              <a:rPr lang="es-ES" sz="1600" dirty="0" err="1">
+                <a:solidFill>
+                  <a:schemeClr val="tx1"/>
+                </a:solidFill>
+                <a:latin typeface="Cascadia Mono" panose="020B0609020000020004" pitchFamily="49" charset="0"/>
+              </a:rPr>
+              <a:t>two</a:t>
+            </a:r>
+            <a:r>
+              <a:rPr lang="es-ES" sz="1600" dirty="0">
+                <a:solidFill>
+                  <a:schemeClr val="tx1"/>
+                </a:solidFill>
+                <a:latin typeface="Cascadia Mono" panose="020B0609020000020004" pitchFamily="49" charset="0"/>
+              </a:rPr>
+              <a:t> </a:t>
+            </a:r>
+            <a:r>
+              <a:rPr lang="es-ES" sz="1600" dirty="0" err="1">
+                <a:solidFill>
+                  <a:schemeClr val="tx1"/>
+                </a:solidFill>
+                <a:latin typeface="Cascadia Mono" panose="020B0609020000020004" pitchFamily="49" charset="0"/>
+              </a:rPr>
+              <a:t>values</a:t>
+            </a:r>
+            <a:endParaRPr lang="es-ES" sz="1600" dirty="0">
+              <a:solidFill>
+                <a:schemeClr val="tx1"/>
+              </a:solidFill>
+              <a:latin typeface="Cascadia Mono" panose="020B0609020000020004" pitchFamily="49" charset="0"/>
+            </a:endParaRPr>
+          </a:p>
+          <a:p>
+            <a:pPr marL="0" indent="0">
+              <a:buNone/>
+            </a:pPr>
+            <a:r>
+              <a:rPr lang="es-ES" sz="1600" dirty="0">
+                <a:solidFill>
+                  <a:schemeClr val="tx1"/>
+                </a:solidFill>
+                <a:latin typeface="Cascadia Mono" panose="020B0609020000020004" pitchFamily="49" charset="0"/>
+              </a:rPr>
+              <a:t>	</a:t>
+            </a:r>
+            <a:r>
+              <a:rPr lang="es-ES" sz="1600" dirty="0" err="1">
+                <a:solidFill>
+                  <a:schemeClr val="tx1"/>
+                </a:solidFill>
+                <a:latin typeface="Cascadia Mono" panose="020B0609020000020004" pitchFamily="49" charset="0"/>
+              </a:rPr>
+              <a:t>mov</a:t>
+            </a:r>
+            <a:r>
+              <a:rPr lang="es-ES" sz="1600" dirty="0">
+                <a:solidFill>
+                  <a:schemeClr val="tx1"/>
+                </a:solidFill>
+                <a:latin typeface="Cascadia Mono" panose="020B0609020000020004" pitchFamily="49" charset="0"/>
+              </a:rPr>
+              <a:t> r10, QWORD[rdi+24]</a:t>
+            </a:r>
+          </a:p>
+          <a:p>
+            <a:pPr marL="0" indent="0">
+              <a:buNone/>
+            </a:pPr>
+            <a:r>
+              <a:rPr lang="es-ES" sz="1600" dirty="0">
+                <a:solidFill>
+                  <a:schemeClr val="tx1"/>
+                </a:solidFill>
+                <a:latin typeface="Cascadia Mono" panose="020B0609020000020004" pitchFamily="49" charset="0"/>
+              </a:rPr>
+              <a:t>	</a:t>
+            </a:r>
+            <a:r>
+              <a:rPr lang="es-ES" sz="1600" dirty="0" err="1">
+                <a:solidFill>
+                  <a:schemeClr val="tx1"/>
+                </a:solidFill>
+                <a:latin typeface="Cascadia Mono" panose="020B0609020000020004" pitchFamily="49" charset="0"/>
+              </a:rPr>
+              <a:t>mov</a:t>
+            </a:r>
+            <a:r>
+              <a:rPr lang="es-ES" sz="1600" dirty="0">
+                <a:solidFill>
+                  <a:schemeClr val="tx1"/>
+                </a:solidFill>
+                <a:latin typeface="Cascadia Mono" panose="020B0609020000020004" pitchFamily="49" charset="0"/>
+              </a:rPr>
+              <a:t> r11, QWORD[rdi+16]</a:t>
+            </a:r>
+          </a:p>
+          <a:p>
+            <a:pPr marL="0" indent="0">
+              <a:buNone/>
+            </a:pPr>
+            <a:r>
+              <a:rPr lang="es-ES" sz="1600" dirty="0">
+                <a:solidFill>
+                  <a:schemeClr val="tx1"/>
+                </a:solidFill>
+                <a:latin typeface="Cascadia Mono" panose="020B0609020000020004" pitchFamily="49" charset="0"/>
+              </a:rPr>
+              <a:t>	 </a:t>
+            </a:r>
+            <a:r>
+              <a:rPr lang="es-ES" sz="1600" dirty="0" err="1">
+                <a:solidFill>
+                  <a:schemeClr val="tx1"/>
+                </a:solidFill>
+                <a:latin typeface="Cascadia Mono" panose="020B0609020000020004" pitchFamily="49" charset="0"/>
+              </a:rPr>
+              <a:t>cmp</a:t>
+            </a:r>
+            <a:r>
+              <a:rPr lang="es-ES" sz="1600" dirty="0">
+                <a:solidFill>
+                  <a:schemeClr val="tx1"/>
+                </a:solidFill>
+                <a:latin typeface="Cascadia Mono" panose="020B0609020000020004" pitchFamily="49" charset="0"/>
+              </a:rPr>
+              <a:t> r8, r11</a:t>
+            </a:r>
+          </a:p>
+          <a:p>
+            <a:pPr marL="0" indent="0">
+              <a:buNone/>
+            </a:pPr>
+            <a:r>
+              <a:rPr lang="es-ES" sz="1600" dirty="0">
+                <a:solidFill>
+                  <a:schemeClr val="tx1"/>
+                </a:solidFill>
+                <a:latin typeface="Cascadia Mono" panose="020B0609020000020004" pitchFamily="49" charset="0"/>
+              </a:rPr>
+              <a:t>	 	je </a:t>
+            </a:r>
+            <a:r>
+              <a:rPr lang="es-ES" sz="1600" dirty="0" err="1">
+                <a:solidFill>
+                  <a:schemeClr val="tx1"/>
+                </a:solidFill>
+                <a:latin typeface="Cascadia Mono" panose="020B0609020000020004" pitchFamily="49" charset="0"/>
+              </a:rPr>
+              <a:t>Adder</a:t>
+            </a:r>
+            <a:endParaRPr lang="es-ES" sz="1600" dirty="0">
+              <a:solidFill>
+                <a:schemeClr val="tx1"/>
+              </a:solidFill>
+              <a:latin typeface="Cascadia Mono" panose="020B0609020000020004" pitchFamily="49" charset="0"/>
+            </a:endParaRPr>
+          </a:p>
+          <a:p>
+            <a:pPr marL="0" indent="0">
+              <a:buNone/>
+            </a:pPr>
+            <a:r>
+              <a:rPr lang="es-ES" sz="1600" dirty="0">
+                <a:solidFill>
+                  <a:schemeClr val="tx1"/>
+                </a:solidFill>
+                <a:latin typeface="Cascadia Mono" panose="020B0609020000020004" pitchFamily="49" charset="0"/>
+              </a:rPr>
+              <a:t>	 </a:t>
+            </a:r>
+            <a:r>
+              <a:rPr lang="es-ES" sz="1600" dirty="0" err="1">
+                <a:solidFill>
+                  <a:schemeClr val="tx1"/>
+                </a:solidFill>
+                <a:latin typeface="Cascadia Mono" panose="020B0609020000020004" pitchFamily="49" charset="0"/>
+              </a:rPr>
+              <a:t>cmp</a:t>
+            </a:r>
+            <a:r>
+              <a:rPr lang="es-ES" sz="1600" dirty="0">
+                <a:solidFill>
+                  <a:schemeClr val="tx1"/>
+                </a:solidFill>
+                <a:latin typeface="Cascadia Mono" panose="020B0609020000020004" pitchFamily="49" charset="0"/>
+              </a:rPr>
+              <a:t> r9, r10</a:t>
+            </a:r>
+          </a:p>
+          <a:p>
+            <a:pPr marL="0" indent="0">
+              <a:buNone/>
+            </a:pPr>
+            <a:r>
+              <a:rPr lang="es-ES" sz="1600" dirty="0">
+                <a:solidFill>
+                  <a:schemeClr val="tx1"/>
+                </a:solidFill>
+                <a:latin typeface="Cascadia Mono" panose="020B0609020000020004" pitchFamily="49" charset="0"/>
+              </a:rPr>
+              <a:t>	 	je </a:t>
+            </a:r>
+            <a:r>
+              <a:rPr lang="es-ES" sz="1600" dirty="0" err="1">
+                <a:solidFill>
+                  <a:schemeClr val="tx1"/>
+                </a:solidFill>
+                <a:latin typeface="Cascadia Mono" panose="020B0609020000020004" pitchFamily="49" charset="0"/>
+              </a:rPr>
+              <a:t>Adder</a:t>
+            </a:r>
+            <a:endParaRPr lang="en-US" sz="1600" dirty="0">
+              <a:solidFill>
+                <a:schemeClr val="tx1"/>
+              </a:solidFill>
+            </a:endParaRPr>
+          </a:p>
+        </p:txBody>
+      </p:sp>
+      <p:sp>
+        <p:nvSpPr>
+          <p:cNvPr id="9" name="TextBox 8">
+            <a:extLst>
+              <a:ext uri="{FF2B5EF4-FFF2-40B4-BE49-F238E27FC236}">
+                <a16:creationId xmlns:a16="http://schemas.microsoft.com/office/drawing/2014/main" id="{9ACAAB3A-F8EC-37C8-2F3D-8383F9703153}"/>
+              </a:ext>
+            </a:extLst>
+          </p:cNvPr>
+          <p:cNvSpPr txBox="1"/>
+          <p:nvPr/>
+        </p:nvSpPr>
+        <p:spPr>
+          <a:xfrm>
+            <a:off x="4198775" y="2062243"/>
+            <a:ext cx="1744825" cy="523220"/>
+          </a:xfrm>
+          <a:prstGeom prst="rect">
+            <a:avLst/>
+          </a:prstGeom>
+          <a:noFill/>
+        </p:spPr>
+        <p:txBody>
+          <a:bodyPr wrap="square" rtlCol="0">
+            <a:spAutoFit/>
+          </a:bodyPr>
+          <a:lstStyle/>
+          <a:p>
+            <a:r>
+              <a:rPr lang="en-US" sz="2800" dirty="0" err="1">
+                <a:solidFill>
+                  <a:schemeClr val="accent2">
+                    <a:lumMod val="75000"/>
+                  </a:schemeClr>
+                </a:solidFill>
+              </a:rPr>
+              <a:t>Cpp</a:t>
+            </a:r>
+            <a:endParaRPr lang="en-US" dirty="0">
+              <a:solidFill>
+                <a:schemeClr val="accent2">
+                  <a:lumMod val="75000"/>
+                </a:schemeClr>
+              </a:solidFill>
+            </a:endParaRPr>
+          </a:p>
+        </p:txBody>
+      </p:sp>
+      <p:sp>
+        <p:nvSpPr>
+          <p:cNvPr id="11" name="TextBox 10">
+            <a:extLst>
+              <a:ext uri="{FF2B5EF4-FFF2-40B4-BE49-F238E27FC236}">
+                <a16:creationId xmlns:a16="http://schemas.microsoft.com/office/drawing/2014/main" id="{63EBAA9D-B761-F9BC-C8E1-20D3BF8A9EB2}"/>
+              </a:ext>
+            </a:extLst>
+          </p:cNvPr>
+          <p:cNvSpPr txBox="1"/>
+          <p:nvPr/>
+        </p:nvSpPr>
+        <p:spPr>
+          <a:xfrm>
+            <a:off x="8682056" y="2062243"/>
+            <a:ext cx="2381638" cy="523220"/>
+          </a:xfrm>
+          <a:prstGeom prst="rect">
+            <a:avLst/>
+          </a:prstGeom>
+          <a:noFill/>
+        </p:spPr>
+        <p:txBody>
+          <a:bodyPr wrap="square">
+            <a:spAutoFit/>
+          </a:bodyPr>
+          <a:lstStyle/>
+          <a:p>
+            <a:r>
+              <a:rPr lang="en-US" sz="2800" dirty="0">
+                <a:solidFill>
+                  <a:schemeClr val="accent2">
+                    <a:lumMod val="75000"/>
+                  </a:schemeClr>
+                </a:solidFill>
+              </a:rPr>
+              <a:t>ASM</a:t>
+            </a:r>
+            <a:endParaRPr lang="en-US" dirty="0">
+              <a:solidFill>
+                <a:schemeClr val="accent2">
+                  <a:lumMod val="75000"/>
+                </a:schemeClr>
+              </a:solidFill>
+            </a:endParaRPr>
           </a:p>
         </p:txBody>
       </p:sp>
     </p:spTree>
     <p:extLst>
       <p:ext uri="{BB962C8B-B14F-4D97-AF65-F5344CB8AC3E}">
-        <p14:creationId xmlns:p14="http://schemas.microsoft.com/office/powerpoint/2010/main" val="454088712"/>
+        <p14:creationId xmlns:p14="http://schemas.microsoft.com/office/powerpoint/2010/main" val="1263256772"/>
       </p:ext>
     </p:extLst>
   </p:cSld>
@@ -13372,7 +16728,7 @@
           <p:cNvPr id="2" name="Title 1">
             <a:extLst>
               <a:ext uri="{FF2B5EF4-FFF2-40B4-BE49-F238E27FC236}">
-                <a16:creationId xmlns:a16="http://schemas.microsoft.com/office/drawing/2014/main" id="{D70D932D-D833-E8CB-5781-6B0999D7E46C}"/>
+                <a16:creationId xmlns:a16="http://schemas.microsoft.com/office/drawing/2014/main" id="{22EACB97-FCF3-ACC4-436E-84F02313EED6}"/>
               </a:ext>
             </a:extLst>
           </p:cNvPr>
@@ -13390,17 +16746,46 @@
           <a:p>
             <a:r>
               <a:rPr lang="en-US" dirty="0"/>
-              <a:t>Started with Functions for each subcircuit:</a:t>
+              <a:t>Multiplier Other Rows Circuits in CPP/ASM</a:t>
             </a:r>
           </a:p>
         </p:txBody>
       </p:sp>
+      <p:pic>
+        <p:nvPicPr>
+          <p:cNvPr id="6" name="Content Placeholder 5" descr="Diagram&#10;&#10;Description automatically generated">
+            <a:extLst>
+              <a:ext uri="{FF2B5EF4-FFF2-40B4-BE49-F238E27FC236}">
+                <a16:creationId xmlns:a16="http://schemas.microsoft.com/office/drawing/2014/main" id="{7B17D24E-9038-7DDD-DCE4-7371E0BFFF73}"/>
+              </a:ext>
+            </a:extLst>
+          </p:cNvPr>
+          <p:cNvPicPr>
+            <a:picLocks noGrp="1" noChangeAspect="1"/>
+          </p:cNvPicPr>
+          <p:nvPr>
+            <p:ph sz="half" idx="1"/>
+          </p:nvPr>
+        </p:nvPicPr>
+        <p:blipFill>
+          <a:blip r:embed="rId2"/>
+          <a:stretch>
+            <a:fillRect/>
+          </a:stretch>
+        </p:blipFill>
+        <p:spPr>
+          <a:xfrm>
+            <a:off x="308661" y="1954402"/>
+            <a:ext cx="2720576" cy="2949196"/>
+          </a:xfrm>
+        </p:spPr>
+      </p:pic>
       <p:sp>
         <p:nvSpPr>
-          <p:cNvPr id="3" name="Content Placeholder 2">
+          <p:cNvPr id="4" name="Content Placeholder 3">
             <a:extLst>
               <a:ext uri="{FF2B5EF4-FFF2-40B4-BE49-F238E27FC236}">
-                <a16:creationId xmlns:a16="http://schemas.microsoft.com/office/drawing/2014/main" id="{EAB2EAED-D734-7258-F88E-89E94A067B53}"/>
+                <a16:creationId xmlns:a16="http://schemas.microsoft.com/office/drawing/2014/main" id="{CA884B13-2FD5-EF9F-1E5C-C8BF35D6B468}"/>
               </a:ext>
             </a:extLst>
           </p:cNvPr>
@@ -13408,29 +16793,640 @@
             <a:spLocks noGrp="1"/>
           </p:cNvSpPr>
           <p:nvPr>
-            <p:ph idx="1"/>
+            <p:ph sz="half" idx="2"/>
           </p:nvPr>
         </p:nvSpPr>
-        <p:spPr/>
+        <p:spPr>
+          <a:xfrm>
+            <a:off x="3029237" y="2895820"/>
+            <a:ext cx="3972620" cy="2912008"/>
+          </a:xfrm>
+        </p:spPr>
         <p:txBody>
-          <a:bodyPr/>
+          <a:bodyPr>
+            <a:normAutofit/>
+          </a:bodyPr>
           <a:lstStyle/>
           <a:p>
-            <a:r>
-              <a:rPr lang="en-US" dirty="0" err="1"/>
-              <a:t>Inlcude</a:t>
-            </a:r>
-            <a:r>
-              <a:rPr lang="en-US" dirty="0"/>
-              <a:t> an image of the VHDL circuit and the attempted code for each one….Might only begin with the Adder and one of the subcircuits.</a:t>
-            </a:r>
+            <a:pPr marL="0" indent="0">
+              <a:buNone/>
+            </a:pPr>
+            <a:r>
+              <a:rPr lang="en-US" sz="1600" dirty="0">
+                <a:solidFill>
+                  <a:schemeClr val="tx1"/>
+                </a:solidFill>
+                <a:latin typeface="Cascadia Mono" panose="020B0609020000020004" pitchFamily="49" charset="0"/>
+              </a:rPr>
+              <a:t>void Fig1C(char x, char cc, char y, char </a:t>
+            </a:r>
+            <a:r>
+              <a:rPr lang="en-US" sz="1600" dirty="0" err="1">
+                <a:solidFill>
+                  <a:schemeClr val="tx1"/>
+                </a:solidFill>
+                <a:latin typeface="Cascadia Mono" panose="020B0609020000020004" pitchFamily="49" charset="0"/>
+              </a:rPr>
+              <a:t>cin</a:t>
+            </a:r>
+            <a:r>
+              <a:rPr lang="en-US" sz="1600" dirty="0">
+                <a:solidFill>
+                  <a:schemeClr val="tx1"/>
+                </a:solidFill>
+                <a:latin typeface="Cascadia Mono" panose="020B0609020000020004" pitchFamily="49" charset="0"/>
+              </a:rPr>
+              <a:t>) {</a:t>
+            </a:r>
+          </a:p>
+          <a:p>
+            <a:pPr marL="0" indent="0">
+              <a:buNone/>
+            </a:pPr>
+            <a:r>
+              <a:rPr lang="en-US" sz="1600" dirty="0">
+                <a:solidFill>
+                  <a:schemeClr val="tx1"/>
+                </a:solidFill>
+                <a:latin typeface="Cascadia Mono" panose="020B0609020000020004" pitchFamily="49" charset="0"/>
+              </a:rPr>
+              <a:t>//signal again</a:t>
+            </a:r>
+          </a:p>
+          <a:p>
+            <a:pPr marL="0" indent="0">
+              <a:buNone/>
+            </a:pPr>
+            <a:r>
+              <a:rPr lang="en-US" sz="1600" dirty="0">
+                <a:solidFill>
+                  <a:schemeClr val="tx1"/>
+                </a:solidFill>
+                <a:latin typeface="Cascadia Mono" panose="020B0609020000020004" pitchFamily="49" charset="0"/>
+              </a:rPr>
+              <a:t>char a1 = x &amp; y;</a:t>
+            </a:r>
+          </a:p>
+          <a:p>
+            <a:pPr marL="0" indent="0">
+              <a:buNone/>
+            </a:pPr>
+            <a:endParaRPr lang="en-US" sz="1600" dirty="0">
+              <a:solidFill>
+                <a:schemeClr val="tx1"/>
+              </a:solidFill>
+              <a:latin typeface="Cascadia Mono" panose="020B0609020000020004" pitchFamily="49" charset="0"/>
+            </a:endParaRPr>
+          </a:p>
+          <a:p>
+            <a:pPr marL="0" indent="0">
+              <a:buNone/>
+            </a:pPr>
+            <a:r>
+              <a:rPr lang="en-US" sz="1600" dirty="0">
+                <a:solidFill>
+                  <a:schemeClr val="tx1"/>
+                </a:solidFill>
+                <a:latin typeface="Cascadia Mono" panose="020B0609020000020004" pitchFamily="49" charset="0"/>
+              </a:rPr>
+              <a:t>Adder(a1, cc, </a:t>
+            </a:r>
+            <a:r>
+              <a:rPr lang="en-US" sz="1600" dirty="0" err="1">
+                <a:solidFill>
+                  <a:schemeClr val="tx1"/>
+                </a:solidFill>
+                <a:latin typeface="Cascadia Mono" panose="020B0609020000020004" pitchFamily="49" charset="0"/>
+              </a:rPr>
+              <a:t>cin</a:t>
+            </a:r>
+            <a:r>
+              <a:rPr lang="en-US" sz="1600" dirty="0">
+                <a:solidFill>
+                  <a:schemeClr val="tx1"/>
+                </a:solidFill>
+                <a:latin typeface="Cascadia Mono" panose="020B0609020000020004" pitchFamily="49" charset="0"/>
+              </a:rPr>
+              <a:t>);</a:t>
+            </a:r>
+          </a:p>
+          <a:p>
+            <a:pPr marL="0" indent="0">
+              <a:buNone/>
+            </a:pPr>
+            <a:r>
+              <a:rPr lang="en-US" sz="1600" dirty="0">
+                <a:solidFill>
+                  <a:schemeClr val="tx1"/>
+                </a:solidFill>
+                <a:latin typeface="Cascadia Mono" panose="020B0609020000020004" pitchFamily="49" charset="0"/>
+              </a:rPr>
+              <a:t>};</a:t>
+            </a:r>
+            <a:endParaRPr lang="en-US" sz="1600" dirty="0">
+              <a:solidFill>
+                <a:schemeClr val="tx1"/>
+              </a:solidFill>
+            </a:endParaRPr>
+          </a:p>
+        </p:txBody>
+      </p:sp>
+      <p:sp>
+        <p:nvSpPr>
+          <p:cNvPr id="8" name="TextBox 7">
+            <a:extLst>
+              <a:ext uri="{FF2B5EF4-FFF2-40B4-BE49-F238E27FC236}">
+                <a16:creationId xmlns:a16="http://schemas.microsoft.com/office/drawing/2014/main" id="{B1975E39-B7C0-1CE0-0C10-9236CE236216}"/>
+              </a:ext>
+            </a:extLst>
+          </p:cNvPr>
+          <p:cNvSpPr txBox="1"/>
+          <p:nvPr/>
+        </p:nvSpPr>
+        <p:spPr>
+          <a:xfrm>
+            <a:off x="7081935" y="2895820"/>
+            <a:ext cx="4732953" cy="3293209"/>
+          </a:xfrm>
+          <a:prstGeom prst="rect">
+            <a:avLst/>
+          </a:prstGeom>
+          <a:noFill/>
+        </p:spPr>
+        <p:txBody>
+          <a:bodyPr wrap="square">
+            <a:spAutoFit/>
+          </a:bodyPr>
+          <a:lstStyle/>
+          <a:p>
+            <a:pPr marL="0" indent="0">
+              <a:buNone/>
+            </a:pPr>
+            <a:r>
+              <a:rPr lang="en-US" sz="1600" dirty="0" err="1">
+                <a:solidFill>
+                  <a:schemeClr val="tx1"/>
+                </a:solidFill>
+                <a:latin typeface="Cascadia Mono" panose="020B0609020000020004" pitchFamily="49" charset="0"/>
+              </a:rPr>
+              <a:t>SecondRow</a:t>
+            </a:r>
+            <a:r>
+              <a:rPr lang="en-US" sz="1600" dirty="0">
+                <a:solidFill>
+                  <a:schemeClr val="tx1"/>
+                </a:solidFill>
+                <a:latin typeface="Cascadia Mono" panose="020B0609020000020004" pitchFamily="49" charset="0"/>
+              </a:rPr>
+              <a:t>: </a:t>
+            </a:r>
+          </a:p>
+          <a:p>
+            <a:pPr marL="0" indent="0">
+              <a:buNone/>
+            </a:pPr>
+            <a:r>
+              <a:rPr lang="en-US" sz="1600" dirty="0">
+                <a:solidFill>
+                  <a:schemeClr val="tx1"/>
+                </a:solidFill>
+                <a:latin typeface="Cascadia Mono" panose="020B0609020000020004" pitchFamily="49" charset="0"/>
+              </a:rPr>
+              <a:t>	mov </a:t>
+            </a:r>
+            <a:r>
+              <a:rPr lang="en-US" sz="1600" dirty="0" err="1">
+                <a:solidFill>
+                  <a:schemeClr val="tx1"/>
+                </a:solidFill>
+                <a:latin typeface="Cascadia Mono" panose="020B0609020000020004" pitchFamily="49" charset="0"/>
+              </a:rPr>
+              <a:t>rax</a:t>
+            </a:r>
+            <a:r>
+              <a:rPr lang="en-US" sz="1600" dirty="0">
+                <a:solidFill>
+                  <a:schemeClr val="tx1"/>
+                </a:solidFill>
+                <a:latin typeface="Cascadia Mono" panose="020B0609020000020004" pitchFamily="49" charset="0"/>
+              </a:rPr>
+              <a:t>, M</a:t>
+            </a:r>
+          </a:p>
+          <a:p>
+            <a:pPr marL="0" indent="0">
+              <a:buNone/>
+            </a:pPr>
+            <a:r>
+              <a:rPr lang="en-US" sz="1600" dirty="0">
+                <a:solidFill>
+                  <a:schemeClr val="tx1"/>
+                </a:solidFill>
+                <a:latin typeface="Cascadia Mono" panose="020B0609020000020004" pitchFamily="49" charset="0"/>
+              </a:rPr>
+              <a:t> 	mov </a:t>
+            </a:r>
+            <a:r>
+              <a:rPr lang="en-US" sz="1600" dirty="0" err="1">
+                <a:solidFill>
+                  <a:schemeClr val="tx1"/>
+                </a:solidFill>
+                <a:latin typeface="Cascadia Mono" panose="020B0609020000020004" pitchFamily="49" charset="0"/>
+              </a:rPr>
+              <a:t>rdi</a:t>
+            </a:r>
+            <a:r>
+              <a:rPr lang="en-US" sz="1600" dirty="0">
+                <a:solidFill>
+                  <a:schemeClr val="tx1"/>
+                </a:solidFill>
+                <a:latin typeface="Cascadia Mono" panose="020B0609020000020004" pitchFamily="49" charset="0"/>
+              </a:rPr>
+              <a:t>, Q</a:t>
+            </a:r>
+          </a:p>
+          <a:p>
+            <a:pPr marL="0" indent="0">
+              <a:buNone/>
+            </a:pPr>
+            <a:r>
+              <a:rPr lang="en-US" sz="1600" dirty="0">
+                <a:solidFill>
+                  <a:schemeClr val="tx1"/>
+                </a:solidFill>
+                <a:latin typeface="Cascadia Mono" panose="020B0609020000020004" pitchFamily="49" charset="0"/>
+              </a:rPr>
+              <a:t> 	mov </a:t>
+            </a:r>
+            <a:r>
+              <a:rPr lang="en-US" sz="1600" dirty="0" err="1">
+                <a:solidFill>
+                  <a:schemeClr val="tx1"/>
+                </a:solidFill>
+                <a:latin typeface="Cascadia Mono" panose="020B0609020000020004" pitchFamily="49" charset="0"/>
+              </a:rPr>
+              <a:t>rcx</a:t>
+            </a:r>
+            <a:r>
+              <a:rPr lang="en-US" sz="1600" dirty="0">
+                <a:solidFill>
+                  <a:schemeClr val="tx1"/>
+                </a:solidFill>
+                <a:latin typeface="Cascadia Mono" panose="020B0609020000020004" pitchFamily="49" charset="0"/>
+              </a:rPr>
+              <a:t>, </a:t>
+            </a:r>
+            <a:r>
+              <a:rPr lang="en-US" sz="1600" dirty="0" err="1">
+                <a:solidFill>
+                  <a:schemeClr val="tx1"/>
+                </a:solidFill>
+                <a:latin typeface="Cascadia Mono" panose="020B0609020000020004" pitchFamily="49" charset="0"/>
+              </a:rPr>
+              <a:t>Cout</a:t>
+            </a:r>
+            <a:endParaRPr lang="en-US" sz="1600" dirty="0">
+              <a:solidFill>
+                <a:schemeClr val="tx1"/>
+              </a:solidFill>
+              <a:latin typeface="Cascadia Mono" panose="020B0609020000020004" pitchFamily="49" charset="0"/>
+            </a:endParaRPr>
+          </a:p>
+          <a:p>
+            <a:pPr marL="0" indent="0">
+              <a:buNone/>
+            </a:pPr>
+            <a:r>
+              <a:rPr lang="en-US" sz="1600" dirty="0">
+                <a:latin typeface="Cascadia Mono" panose="020B0609020000020004" pitchFamily="49" charset="0"/>
+              </a:rPr>
+              <a:t>		</a:t>
+            </a:r>
+            <a:r>
+              <a:rPr lang="en-US" sz="1600" dirty="0">
+                <a:solidFill>
+                  <a:schemeClr val="tx1"/>
+                </a:solidFill>
+                <a:latin typeface="Cascadia Mono" panose="020B0609020000020004" pitchFamily="49" charset="0"/>
+              </a:rPr>
+              <a:t> ;this is where the carry values 		;come in...so </a:t>
+            </a:r>
+            <a:r>
+              <a:rPr lang="en-US" sz="1600" dirty="0" err="1">
+                <a:solidFill>
+                  <a:schemeClr val="tx1"/>
+                </a:solidFill>
+                <a:latin typeface="Cascadia Mono" panose="020B0609020000020004" pitchFamily="49" charset="0"/>
+              </a:rPr>
+              <a:t>Cout</a:t>
+            </a:r>
+            <a:r>
+              <a:rPr lang="en-US" sz="1600" dirty="0">
+                <a:solidFill>
+                  <a:schemeClr val="tx1"/>
+                </a:solidFill>
+                <a:latin typeface="Cascadia Mono" panose="020B0609020000020004" pitchFamily="49" charset="0"/>
+              </a:rPr>
+              <a:t>, PP1, and PP2</a:t>
+            </a:r>
+          </a:p>
+          <a:p>
+            <a:pPr marL="0" indent="0">
+              <a:buNone/>
+            </a:pPr>
+            <a:r>
+              <a:rPr lang="en-US" sz="1600" dirty="0">
+                <a:solidFill>
+                  <a:schemeClr val="tx1"/>
+                </a:solidFill>
+                <a:latin typeface="Cascadia Mono" panose="020B0609020000020004" pitchFamily="49" charset="0"/>
+              </a:rPr>
+              <a:t> 	mov r8, QWORD[</a:t>
+            </a:r>
+            <a:r>
+              <a:rPr lang="en-US" sz="1600" dirty="0" err="1">
+                <a:solidFill>
+                  <a:schemeClr val="tx1"/>
+                </a:solidFill>
+                <a:latin typeface="Cascadia Mono" panose="020B0609020000020004" pitchFamily="49" charset="0"/>
+              </a:rPr>
+              <a:t>rax</a:t>
+            </a:r>
+            <a:r>
+              <a:rPr lang="en-US" sz="1600" dirty="0">
+                <a:solidFill>
+                  <a:schemeClr val="tx1"/>
+                </a:solidFill>
+                <a:latin typeface="Cascadia Mono" panose="020B0609020000020004" pitchFamily="49" charset="0"/>
+              </a:rPr>
+              <a:t>]</a:t>
+            </a:r>
+          </a:p>
+          <a:p>
+            <a:pPr marL="0" indent="0">
+              <a:buNone/>
+            </a:pPr>
+            <a:r>
+              <a:rPr lang="en-US" sz="1600" dirty="0">
+                <a:solidFill>
+                  <a:schemeClr val="tx1"/>
+                </a:solidFill>
+                <a:latin typeface="Cascadia Mono" panose="020B0609020000020004" pitchFamily="49" charset="0"/>
+              </a:rPr>
+              <a:t> 	mov r9, QWORD[</a:t>
+            </a:r>
+            <a:r>
+              <a:rPr lang="en-US" sz="1600" dirty="0" err="1">
+                <a:solidFill>
+                  <a:schemeClr val="tx1"/>
+                </a:solidFill>
+                <a:latin typeface="Cascadia Mono" panose="020B0609020000020004" pitchFamily="49" charset="0"/>
+              </a:rPr>
+              <a:t>rdi</a:t>
+            </a:r>
+            <a:r>
+              <a:rPr lang="en-US" sz="1600" dirty="0">
+                <a:solidFill>
+                  <a:schemeClr val="tx1"/>
+                </a:solidFill>
+                <a:latin typeface="Cascadia Mono" panose="020B0609020000020004" pitchFamily="49" charset="0"/>
+              </a:rPr>
+              <a:t>]</a:t>
+            </a:r>
+          </a:p>
+          <a:p>
+            <a:pPr marL="0" indent="0">
+              <a:buNone/>
+            </a:pPr>
+            <a:r>
+              <a:rPr lang="en-US" sz="1600" dirty="0">
+                <a:solidFill>
+                  <a:schemeClr val="tx1"/>
+                </a:solidFill>
+                <a:latin typeface="Cascadia Mono" panose="020B0609020000020004" pitchFamily="49" charset="0"/>
+              </a:rPr>
+              <a:t> 	</a:t>
+            </a:r>
+            <a:r>
+              <a:rPr lang="en-US" sz="1600" dirty="0" err="1">
+                <a:solidFill>
+                  <a:schemeClr val="tx1"/>
+                </a:solidFill>
+                <a:latin typeface="Cascadia Mono" panose="020B0609020000020004" pitchFamily="49" charset="0"/>
+              </a:rPr>
+              <a:t>cmp</a:t>
+            </a:r>
+            <a:r>
+              <a:rPr lang="en-US" sz="1600" dirty="0">
+                <a:solidFill>
+                  <a:schemeClr val="tx1"/>
+                </a:solidFill>
+                <a:latin typeface="Cascadia Mono" panose="020B0609020000020004" pitchFamily="49" charset="0"/>
+              </a:rPr>
+              <a:t> r8,r9</a:t>
+            </a:r>
+          </a:p>
+          <a:p>
+            <a:pPr marL="0" indent="0">
+              <a:buNone/>
+            </a:pPr>
+            <a:r>
+              <a:rPr lang="en-US" sz="1600" dirty="0">
+                <a:solidFill>
+                  <a:schemeClr val="tx1"/>
+                </a:solidFill>
+                <a:latin typeface="Cascadia Mono" panose="020B0609020000020004" pitchFamily="49" charset="0"/>
+              </a:rPr>
+              <a:t> 		je A1 ;</a:t>
+            </a:r>
+          </a:p>
+          <a:p>
+            <a:pPr marL="0" indent="0">
+              <a:buNone/>
+            </a:pPr>
+            <a:r>
+              <a:rPr lang="en-US" sz="1600" dirty="0">
+                <a:solidFill>
+                  <a:schemeClr val="tx1"/>
+                </a:solidFill>
+                <a:latin typeface="Cascadia Mono" panose="020B0609020000020004" pitchFamily="49" charset="0"/>
+              </a:rPr>
+              <a:t> 	</a:t>
+            </a:r>
+            <a:r>
+              <a:rPr lang="en-US" sz="1600" dirty="0" err="1">
+                <a:solidFill>
+                  <a:schemeClr val="tx1"/>
+                </a:solidFill>
+                <a:latin typeface="Cascadia Mono" panose="020B0609020000020004" pitchFamily="49" charset="0"/>
+              </a:rPr>
+              <a:t>cmp</a:t>
+            </a:r>
+            <a:r>
+              <a:rPr lang="en-US" sz="1600" dirty="0">
+                <a:solidFill>
+                  <a:schemeClr val="tx1"/>
+                </a:solidFill>
+                <a:latin typeface="Cascadia Mono" panose="020B0609020000020004" pitchFamily="49" charset="0"/>
+              </a:rPr>
+              <a:t> r8, </a:t>
+            </a:r>
+            <a:r>
+              <a:rPr lang="en-US" sz="1600" dirty="0" err="1">
+                <a:solidFill>
+                  <a:schemeClr val="tx1"/>
+                </a:solidFill>
+                <a:latin typeface="Cascadia Mono" panose="020B0609020000020004" pitchFamily="49" charset="0"/>
+              </a:rPr>
+              <a:t>rcx</a:t>
+            </a:r>
+            <a:r>
+              <a:rPr lang="en-US" sz="1600" dirty="0">
+                <a:solidFill>
+                  <a:schemeClr val="tx1"/>
+                </a:solidFill>
+                <a:latin typeface="Cascadia Mono" panose="020B0609020000020004" pitchFamily="49" charset="0"/>
+              </a:rPr>
+              <a:t> ;x1 = M and x2 = </a:t>
+            </a:r>
+            <a:r>
+              <a:rPr lang="en-US" sz="1600" dirty="0" err="1">
+                <a:solidFill>
+                  <a:schemeClr val="tx1"/>
+                </a:solidFill>
+                <a:latin typeface="Cascadia Mono" panose="020B0609020000020004" pitchFamily="49" charset="0"/>
+              </a:rPr>
+              <a:t>cout</a:t>
+            </a:r>
+            <a:r>
+              <a:rPr lang="en-US" sz="1600" dirty="0">
+                <a:solidFill>
+                  <a:schemeClr val="tx1"/>
+                </a:solidFill>
+                <a:latin typeface="Cascadia Mono" panose="020B0609020000020004" pitchFamily="49" charset="0"/>
+              </a:rPr>
+              <a:t> 			</a:t>
+            </a:r>
+            <a:r>
+              <a:rPr lang="en-US" sz="1600" dirty="0" err="1">
+                <a:solidFill>
+                  <a:schemeClr val="tx1"/>
+                </a:solidFill>
+                <a:latin typeface="Cascadia Mono" panose="020B0609020000020004" pitchFamily="49" charset="0"/>
+              </a:rPr>
+              <a:t>jmp</a:t>
+            </a:r>
+            <a:r>
+              <a:rPr lang="en-US" sz="1600" dirty="0">
+                <a:solidFill>
+                  <a:schemeClr val="tx1"/>
+                </a:solidFill>
+                <a:latin typeface="Cascadia Mono" panose="020B0609020000020004" pitchFamily="49" charset="0"/>
+              </a:rPr>
+              <a:t> Adder</a:t>
+            </a:r>
+            <a:endParaRPr lang="en-US" sz="1600" dirty="0">
+              <a:solidFill>
+                <a:schemeClr val="tx1"/>
+              </a:solidFill>
+            </a:endParaRPr>
+          </a:p>
+        </p:txBody>
+      </p:sp>
+      <p:sp>
+        <p:nvSpPr>
+          <p:cNvPr id="9" name="TextBox 8">
+            <a:extLst>
+              <a:ext uri="{FF2B5EF4-FFF2-40B4-BE49-F238E27FC236}">
+                <a16:creationId xmlns:a16="http://schemas.microsoft.com/office/drawing/2014/main" id="{9A4195C4-2CAD-BF70-DDA2-861D8B4F35A2}"/>
+              </a:ext>
+            </a:extLst>
+          </p:cNvPr>
+          <p:cNvSpPr txBox="1"/>
+          <p:nvPr/>
+        </p:nvSpPr>
+        <p:spPr>
+          <a:xfrm>
+            <a:off x="4114800" y="2372600"/>
+            <a:ext cx="798617" cy="523220"/>
+          </a:xfrm>
+          <a:prstGeom prst="rect">
+            <a:avLst/>
+          </a:prstGeom>
+          <a:noFill/>
+        </p:spPr>
+        <p:txBody>
+          <a:bodyPr wrap="none" rtlCol="0">
+            <a:spAutoFit/>
+          </a:bodyPr>
+          <a:lstStyle/>
+          <a:p>
+            <a:r>
+              <a:rPr lang="en-US" sz="2800" dirty="0" err="1">
+                <a:solidFill>
+                  <a:schemeClr val="accent2">
+                    <a:lumMod val="75000"/>
+                  </a:schemeClr>
+                </a:solidFill>
+              </a:rPr>
+              <a:t>Cpp</a:t>
+            </a:r>
+            <a:endParaRPr lang="en-US" sz="2800" dirty="0">
+              <a:solidFill>
+                <a:schemeClr val="accent2">
+                  <a:lumMod val="75000"/>
+                </a:schemeClr>
+              </a:solidFill>
+            </a:endParaRPr>
+          </a:p>
+        </p:txBody>
+      </p:sp>
+      <p:sp>
+        <p:nvSpPr>
+          <p:cNvPr id="11" name="TextBox 10">
+            <a:extLst>
+              <a:ext uri="{FF2B5EF4-FFF2-40B4-BE49-F238E27FC236}">
+                <a16:creationId xmlns:a16="http://schemas.microsoft.com/office/drawing/2014/main" id="{758B219E-E7BF-0103-94F8-1A8C09F65F19}"/>
+              </a:ext>
+            </a:extLst>
+          </p:cNvPr>
+          <p:cNvSpPr txBox="1"/>
+          <p:nvPr/>
+        </p:nvSpPr>
+        <p:spPr>
+          <a:xfrm>
+            <a:off x="8915400" y="2372600"/>
+            <a:ext cx="1066022" cy="523220"/>
+          </a:xfrm>
+          <a:prstGeom prst="rect">
+            <a:avLst/>
+          </a:prstGeom>
+          <a:noFill/>
+        </p:spPr>
+        <p:txBody>
+          <a:bodyPr wrap="square">
+            <a:spAutoFit/>
+          </a:bodyPr>
+          <a:lstStyle/>
+          <a:p>
+            <a:r>
+              <a:rPr lang="en-US" sz="2800" dirty="0">
+                <a:solidFill>
+                  <a:schemeClr val="accent2">
+                    <a:lumMod val="75000"/>
+                  </a:schemeClr>
+                </a:solidFill>
+              </a:rPr>
+              <a:t>ASM</a:t>
+            </a:r>
+            <a:endParaRPr lang="en-US" sz="2800" dirty="0"/>
           </a:p>
         </p:txBody>
       </p:sp>
     </p:spTree>
     <p:extLst>
       <p:ext uri="{BB962C8B-B14F-4D97-AF65-F5344CB8AC3E}">
-        <p14:creationId xmlns:p14="http://schemas.microsoft.com/office/powerpoint/2010/main" val="1016368722"/>
+        <p14:creationId xmlns:p14="http://schemas.microsoft.com/office/powerpoint/2010/main" val="873692758"/>
       </p:ext>
     </p:extLst>
   </p:cSld>

--- a/CS301_ProjectPresentation.pptx
+++ b/CS301_ProjectPresentation.pptx
@@ -5,10 +5,10 @@
     <p:sldMasterId id="2147483672" r:id="rId1"/>
   </p:sldMasterIdLst>
   <p:notesMasterIdLst>
-    <p:notesMasterId r:id="rId14"/>
+    <p:notesMasterId r:id="rId15"/>
   </p:notesMasterIdLst>
   <p:handoutMasterIdLst>
-    <p:handoutMasterId r:id="rId15"/>
+    <p:handoutMasterId r:id="rId16"/>
   </p:handoutMasterIdLst>
   <p:sldIdLst>
     <p:sldId id="256" r:id="rId2"/>
@@ -21,8 +21,9 @@
     <p:sldId id="275" r:id="rId9"/>
     <p:sldId id="276" r:id="rId10"/>
     <p:sldId id="271" r:id="rId11"/>
-    <p:sldId id="258" r:id="rId12"/>
-    <p:sldId id="260" r:id="rId13"/>
+    <p:sldId id="278" r:id="rId12"/>
+    <p:sldId id="258" r:id="rId13"/>
+    <p:sldId id="260" r:id="rId14"/>
   </p:sldIdLst>
   <p:sldSz cx="12192000" cy="6858000"/>
   <p:notesSz cx="6858000" cy="9144000"/>
@@ -144,6 +145,7 @@
             <p14:sldId id="275"/>
             <p14:sldId id="276"/>
             <p14:sldId id="271"/>
+            <p14:sldId id="278"/>
           </p14:sldIdLst>
         </p14:section>
         <p14:section name="Conclusions" id="{BFA735B3-B075-4E2A-B46D-AF3DE647852C}">
@@ -6673,7 +6675,7 @@
           <a:p>
             <a:fld id="{AF869721-F543-4A6C-BF9D-65D7CC540427}" type="datetimeFigureOut">
               <a:rPr lang="en-US" smtClean="0"/>
-              <a:t>12/6/2022</a:t>
+              <a:t>12/7/2022</a:t>
             </a:fld>
             <a:endParaRPr lang="en-US" dirty="0"/>
           </a:p>
@@ -6850,7 +6852,7 @@
           <a:p>
             <a:fld id="{C732326A-4C88-4AFB-AA5B-5919D81DFF5B}" type="datetimeFigureOut">
               <a:rPr lang="en-US" smtClean="0"/>
-              <a:t>12/6/2022</a:t>
+              <a:t>12/7/2022</a:t>
             </a:fld>
             <a:endParaRPr lang="en-US" dirty="0"/>
           </a:p>
@@ -7350,7 +7352,7 @@
           <a:p>
             <a:fld id="{C6B3AB32-59DF-41F1-9618-EDFBF5049629}" type="slidenum">
               <a:rPr lang="en-US" smtClean="0"/>
-              <a:t>12</a:t>
+              <a:t>13</a:t>
             </a:fld>
             <a:endParaRPr lang="en-US" dirty="0"/>
           </a:p>
@@ -7615,7 +7617,7 @@
             <a:fld id="{B61BEF0D-F0BB-DE4B-95CE-6DB70DBA9567}" type="datetimeFigureOut">
               <a:rPr lang="en-US" smtClean="0"/>
               <a:pPr/>
-              <a:t>12/6/2022</a:t>
+              <a:t>12/7/2022</a:t>
             </a:fld>
             <a:endParaRPr lang="en-US" dirty="0"/>
           </a:p>
@@ -7879,7 +7881,7 @@
             <a:fld id="{B61BEF0D-F0BB-DE4B-95CE-6DB70DBA9567}" type="datetimeFigureOut">
               <a:rPr lang="en-US" smtClean="0"/>
               <a:pPr/>
-              <a:t>12/6/2022</a:t>
+              <a:t>12/7/2022</a:t>
             </a:fld>
             <a:endParaRPr lang="en-US" dirty="0"/>
           </a:p>
@@ -8116,7 +8118,7 @@
             <a:fld id="{B61BEF0D-F0BB-DE4B-95CE-6DB70DBA9567}" type="datetimeFigureOut">
               <a:rPr lang="en-US" smtClean="0"/>
               <a:pPr/>
-              <a:t>12/6/2022</a:t>
+              <a:t>12/7/2022</a:t>
             </a:fld>
             <a:endParaRPr lang="en-US" dirty="0"/>
           </a:p>
@@ -8358,7 +8360,7 @@
             <a:fld id="{B61BEF0D-F0BB-DE4B-95CE-6DB70DBA9567}" type="datetimeFigureOut">
               <a:rPr lang="en-US" smtClean="0"/>
               <a:pPr/>
-              <a:t>12/6/2022</a:t>
+              <a:t>12/7/2022</a:t>
             </a:fld>
             <a:endParaRPr lang="en-US" dirty="0"/>
           </a:p>
@@ -8667,7 +8669,7 @@
             <a:fld id="{B61BEF0D-F0BB-DE4B-95CE-6DB70DBA9567}" type="datetimeFigureOut">
               <a:rPr lang="en-US" smtClean="0"/>
               <a:pPr/>
-              <a:t>12/6/2022</a:t>
+              <a:t>12/7/2022</a:t>
             </a:fld>
             <a:endParaRPr lang="en-US" dirty="0"/>
           </a:p>
@@ -8971,7 +8973,7 @@
             <a:fld id="{B61BEF0D-F0BB-DE4B-95CE-6DB70DBA9567}" type="datetimeFigureOut">
               <a:rPr lang="en-US" smtClean="0"/>
               <a:pPr/>
-              <a:t>12/6/2022</a:t>
+              <a:t>12/7/2022</a:t>
             </a:fld>
             <a:endParaRPr lang="en-US" dirty="0"/>
           </a:p>
@@ -9395,7 +9397,7 @@
             <a:fld id="{B61BEF0D-F0BB-DE4B-95CE-6DB70DBA9567}" type="datetimeFigureOut">
               <a:rPr lang="en-US" smtClean="0"/>
               <a:pPr/>
-              <a:t>12/6/2022</a:t>
+              <a:t>12/7/2022</a:t>
             </a:fld>
             <a:endParaRPr lang="en-US" dirty="0"/>
           </a:p>
@@ -9492,7 +9494,7 @@
             <a:fld id="{B61BEF0D-F0BB-DE4B-95CE-6DB70DBA9567}" type="datetimeFigureOut">
               <a:rPr lang="en-US" smtClean="0"/>
               <a:pPr/>
-              <a:t>12/6/2022</a:t>
+              <a:t>12/7/2022</a:t>
             </a:fld>
             <a:endParaRPr lang="en-US" dirty="0"/>
           </a:p>
@@ -9656,7 +9658,7 @@
             <a:fld id="{B61BEF0D-F0BB-DE4B-95CE-6DB70DBA9567}" type="datetimeFigureOut">
               <a:rPr lang="en-US" smtClean="0"/>
               <a:pPr/>
-              <a:t>12/6/2022</a:t>
+              <a:t>12/7/2022</a:t>
             </a:fld>
             <a:endParaRPr lang="en-US" dirty="0"/>
           </a:p>
@@ -10036,7 +10038,7 @@
             <a:fld id="{B61BEF0D-F0BB-DE4B-95CE-6DB70DBA9567}" type="datetimeFigureOut">
               <a:rPr lang="en-US" smtClean="0"/>
               <a:pPr/>
-              <a:t>12/6/2022</a:t>
+              <a:t>12/7/2022</a:t>
             </a:fld>
             <a:endParaRPr lang="en-US" dirty="0"/>
           </a:p>
@@ -10327,7 +10329,7 @@
             <a:fld id="{B61BEF0D-F0BB-DE4B-95CE-6DB70DBA9567}" type="datetimeFigureOut">
               <a:rPr lang="en-US" smtClean="0"/>
               <a:pPr/>
-              <a:t>12/6/2022</a:t>
+              <a:t>12/7/2022</a:t>
             </a:fld>
             <a:endParaRPr lang="en-US" dirty="0"/>
           </a:p>
@@ -10540,7 +10542,7 @@
             <a:fld id="{B61BEF0D-F0BB-DE4B-95CE-6DB70DBA9567}" type="datetimeFigureOut">
               <a:rPr lang="en-US" smtClean="0"/>
               <a:pPr/>
-              <a:t>12/6/2022</a:t>
+              <a:t>12/7/2022</a:t>
             </a:fld>
             <a:endParaRPr lang="en-US" dirty="0"/>
           </a:p>
@@ -11794,6 +11796,1244 @@
           <p:cNvPr id="2" name="Title 1">
             <a:extLst>
               <a:ext uri="{FF2B5EF4-FFF2-40B4-BE49-F238E27FC236}">
+                <a16:creationId xmlns:a16="http://schemas.microsoft.com/office/drawing/2014/main" id="{05E74792-DD5C-A3AB-8892-22310DA37658}"/>
+              </a:ext>
+            </a:extLst>
+          </p:cNvPr>
+          <p:cNvSpPr>
+            <a:spLocks noGrp="1"/>
+          </p:cNvSpPr>
+          <p:nvPr>
+            <p:ph type="title"/>
+          </p:nvPr>
+        </p:nvSpPr>
+        <p:spPr/>
+        <p:txBody>
+          <a:bodyPr/>
+          <a:lstStyle/>
+          <a:p>
+            <a:r>
+              <a:rPr lang="en-US" dirty="0"/>
+              <a:t>VHDL </a:t>
+            </a:r>
+            <a:r>
+              <a:rPr lang="en-US" dirty="0" err="1"/>
+              <a:t>PortMap</a:t>
+            </a:r>
+            <a:endParaRPr lang="en-US" dirty="0"/>
+          </a:p>
+        </p:txBody>
+      </p:sp>
+      <p:sp>
+        <p:nvSpPr>
+          <p:cNvPr id="3" name="Content Placeholder 2">
+            <a:extLst>
+              <a:ext uri="{FF2B5EF4-FFF2-40B4-BE49-F238E27FC236}">
+                <a16:creationId xmlns:a16="http://schemas.microsoft.com/office/drawing/2014/main" id="{4F349CA2-32C7-EABA-EFED-11477FD05846}"/>
+              </a:ext>
+            </a:extLst>
+          </p:cNvPr>
+          <p:cNvSpPr>
+            <a:spLocks noGrp="1"/>
+          </p:cNvSpPr>
+          <p:nvPr>
+            <p:ph sz="half" idx="1"/>
+          </p:nvPr>
+        </p:nvSpPr>
+        <p:spPr/>
+        <p:txBody>
+          <a:bodyPr>
+            <a:noAutofit/>
+          </a:bodyPr>
+          <a:lstStyle/>
+          <a:p>
+            <a:pPr marL="0" indent="0">
+              <a:lnSpc>
+                <a:spcPct val="120000"/>
+              </a:lnSpc>
+              <a:buNone/>
+            </a:pPr>
+            <a:r>
+              <a:rPr lang="en-US" sz="1200" dirty="0"/>
+              <a:t>	u1: Fig1B PORT MAP ( M(0), M(1), Q(1), Q(0), '0</a:t>
+            </a:r>
+            <a:r>
+              <a:rPr lang="en-US" sz="1200" dirty="0">
+                <a:highlight>
+                  <a:srgbClr val="00FFFF"/>
+                </a:highlight>
+              </a:rPr>
+              <a:t>', </a:t>
+            </a:r>
+            <a:r>
+              <a:rPr lang="en-US" sz="1200" dirty="0" err="1">
+                <a:highlight>
+                  <a:srgbClr val="00FFFF"/>
+                </a:highlight>
+              </a:rPr>
+              <a:t>Cout</a:t>
+            </a:r>
+            <a:r>
+              <a:rPr lang="en-US" sz="1200" dirty="0">
+                <a:highlight>
+                  <a:srgbClr val="00FFFF"/>
+                </a:highlight>
+              </a:rPr>
+              <a:t>(0), P(1));</a:t>
+            </a:r>
+            <a:r>
+              <a:rPr lang="en-US" sz="1200" dirty="0"/>
+              <a:t>		</a:t>
+            </a:r>
+          </a:p>
+          <a:p>
+            <a:pPr marL="0" indent="0">
+              <a:lnSpc>
+                <a:spcPct val="120000"/>
+              </a:lnSpc>
+              <a:buNone/>
+            </a:pPr>
+            <a:r>
+              <a:rPr lang="en-US" sz="1200" dirty="0"/>
+              <a:t>	u2: Fig1B PORT MAP ( M(1), M(2), Q(1), Q(0), </a:t>
+            </a:r>
+            <a:r>
+              <a:rPr lang="en-US" sz="1200" dirty="0" err="1">
+                <a:highlight>
+                  <a:srgbClr val="00FFFF"/>
+                </a:highlight>
+              </a:rPr>
+              <a:t>Cout</a:t>
+            </a:r>
+            <a:r>
+              <a:rPr lang="en-US" sz="1200" dirty="0">
+                <a:highlight>
+                  <a:srgbClr val="00FFFF"/>
+                </a:highlight>
+              </a:rPr>
+              <a:t>(0), </a:t>
+            </a:r>
+            <a:r>
+              <a:rPr lang="en-US" sz="1200" dirty="0" err="1">
+                <a:highlight>
+                  <a:srgbClr val="00FFFF"/>
+                </a:highlight>
+              </a:rPr>
+              <a:t>Cout</a:t>
+            </a:r>
+            <a:r>
+              <a:rPr lang="en-US" sz="1200" dirty="0">
+                <a:highlight>
+                  <a:srgbClr val="00FFFF"/>
+                </a:highlight>
+              </a:rPr>
+              <a:t>(1), PP1(2</a:t>
+            </a:r>
+            <a:r>
+              <a:rPr lang="en-US" sz="1200" dirty="0"/>
+              <a:t>));	</a:t>
+            </a:r>
+          </a:p>
+          <a:p>
+            <a:pPr marL="0" indent="0">
+              <a:lnSpc>
+                <a:spcPct val="120000"/>
+              </a:lnSpc>
+              <a:buNone/>
+            </a:pPr>
+            <a:r>
+              <a:rPr lang="en-US" sz="1200" dirty="0"/>
+              <a:t>	u3: Fig1B PORT MAP ( M(2), M(3), Q(1), Q(0</a:t>
+            </a:r>
+            <a:r>
+              <a:rPr lang="en-US" sz="1200" dirty="0">
+                <a:highlight>
+                  <a:srgbClr val="00FFFF"/>
+                </a:highlight>
+              </a:rPr>
+              <a:t>), </a:t>
+            </a:r>
+            <a:r>
+              <a:rPr lang="en-US" sz="1200" dirty="0" err="1">
+                <a:highlight>
+                  <a:srgbClr val="00FFFF"/>
+                </a:highlight>
+              </a:rPr>
+              <a:t>Cout</a:t>
+            </a:r>
+            <a:r>
+              <a:rPr lang="en-US" sz="1200" dirty="0">
+                <a:highlight>
+                  <a:srgbClr val="00FFFF"/>
+                </a:highlight>
+              </a:rPr>
+              <a:t>(1), </a:t>
+            </a:r>
+            <a:r>
+              <a:rPr lang="en-US" sz="1200" dirty="0" err="1">
+                <a:highlight>
+                  <a:srgbClr val="00FFFF"/>
+                </a:highlight>
+              </a:rPr>
+              <a:t>Cout</a:t>
+            </a:r>
+            <a:r>
+              <a:rPr lang="en-US" sz="1200" dirty="0">
+                <a:highlight>
+                  <a:srgbClr val="00FFFF"/>
+                </a:highlight>
+              </a:rPr>
+              <a:t>(2), PP1(3));</a:t>
+            </a:r>
+            <a:r>
+              <a:rPr lang="en-US" sz="1200" dirty="0"/>
+              <a:t>	</a:t>
+            </a:r>
+          </a:p>
+          <a:p>
+            <a:pPr marL="0" indent="0">
+              <a:lnSpc>
+                <a:spcPct val="120000"/>
+              </a:lnSpc>
+              <a:buNone/>
+            </a:pPr>
+            <a:r>
+              <a:rPr lang="en-US" sz="1200" dirty="0"/>
+              <a:t>	u4: Fig1B PORT MAP ( M(3), '0', Q(1), Q(0), </a:t>
+            </a:r>
+            <a:r>
+              <a:rPr lang="en-US" sz="1200" dirty="0" err="1">
+                <a:highlight>
+                  <a:srgbClr val="00FFFF"/>
+                </a:highlight>
+              </a:rPr>
+              <a:t>Cout</a:t>
+            </a:r>
+            <a:r>
+              <a:rPr lang="en-US" sz="1200" dirty="0">
+                <a:highlight>
+                  <a:srgbClr val="00FFFF"/>
+                </a:highlight>
+              </a:rPr>
+              <a:t>(2), PP1(5), PP1(4));</a:t>
+            </a:r>
+            <a:r>
+              <a:rPr lang="en-US" sz="1200" dirty="0"/>
+              <a:t>	</a:t>
+            </a:r>
+          </a:p>
+          <a:p>
+            <a:pPr marL="0" indent="0">
+              <a:lnSpc>
+                <a:spcPct val="120000"/>
+              </a:lnSpc>
+              <a:buNone/>
+            </a:pPr>
+            <a:r>
+              <a:rPr lang="en-US" sz="1200" dirty="0"/>
+              <a:t>--Second row	</a:t>
+            </a:r>
+          </a:p>
+          <a:p>
+            <a:pPr marL="0" indent="0">
+              <a:lnSpc>
+                <a:spcPct val="120000"/>
+              </a:lnSpc>
+              <a:buNone/>
+            </a:pPr>
+            <a:r>
+              <a:rPr lang="en-US" sz="1200" dirty="0"/>
+              <a:t>	w1:Fig1C PORT MAP (M(0),PP1(2),Q(2),'0',</a:t>
+            </a:r>
+            <a:r>
+              <a:rPr lang="en-US" sz="1200" dirty="0">
+                <a:highlight>
+                  <a:srgbClr val="00FFFF"/>
+                </a:highlight>
+              </a:rPr>
+              <a:t>Cout(3),P(2));</a:t>
+            </a:r>
+            <a:r>
+              <a:rPr lang="en-US" sz="1200" dirty="0"/>
+              <a:t>		</a:t>
+            </a:r>
+          </a:p>
+          <a:p>
+            <a:pPr marL="0" indent="0">
+              <a:lnSpc>
+                <a:spcPct val="120000"/>
+              </a:lnSpc>
+              <a:buNone/>
+            </a:pPr>
+            <a:r>
+              <a:rPr lang="en-US" sz="1200" dirty="0"/>
+              <a:t>	w2:Fig1C PORT MAP (M(1),PP1(3),Q(2),</a:t>
+            </a:r>
+            <a:r>
+              <a:rPr lang="en-US" sz="1200" dirty="0" err="1">
+                <a:highlight>
+                  <a:srgbClr val="00FFFF"/>
+                </a:highlight>
+              </a:rPr>
+              <a:t>Cout</a:t>
+            </a:r>
+            <a:r>
+              <a:rPr lang="en-US" sz="1200" dirty="0">
+                <a:highlight>
+                  <a:srgbClr val="00FFFF"/>
+                </a:highlight>
+              </a:rPr>
+              <a:t>(3),</a:t>
+            </a:r>
+            <a:r>
+              <a:rPr lang="en-US" sz="1200" dirty="0" err="1">
+                <a:highlight>
+                  <a:srgbClr val="00FFFF"/>
+                </a:highlight>
+              </a:rPr>
+              <a:t>Cout</a:t>
+            </a:r>
+            <a:r>
+              <a:rPr lang="en-US" sz="1200" dirty="0">
+                <a:highlight>
+                  <a:srgbClr val="00FFFF"/>
+                </a:highlight>
+              </a:rPr>
+              <a:t>(4),PP2(3));</a:t>
+            </a:r>
+          </a:p>
+          <a:p>
+            <a:pPr marL="0" indent="0">
+              <a:lnSpc>
+                <a:spcPct val="120000"/>
+              </a:lnSpc>
+              <a:buNone/>
+            </a:pPr>
+            <a:r>
+              <a:rPr lang="en-US" sz="1200" dirty="0"/>
+              <a:t>	w3:Fig1C PORT MAP (M(2),PP1(4),Q(2),</a:t>
+            </a:r>
+            <a:r>
+              <a:rPr lang="en-US" sz="1200" dirty="0" err="1">
+                <a:highlight>
+                  <a:srgbClr val="00FFFF"/>
+                </a:highlight>
+              </a:rPr>
+              <a:t>Cout</a:t>
+            </a:r>
+            <a:r>
+              <a:rPr lang="en-US" sz="1200" dirty="0">
+                <a:highlight>
+                  <a:srgbClr val="00FFFF"/>
+                </a:highlight>
+              </a:rPr>
+              <a:t>(4),</a:t>
+            </a:r>
+            <a:r>
+              <a:rPr lang="en-US" sz="1200" dirty="0" err="1">
+                <a:highlight>
+                  <a:srgbClr val="00FFFF"/>
+                </a:highlight>
+              </a:rPr>
+              <a:t>Cout</a:t>
+            </a:r>
+            <a:r>
+              <a:rPr lang="en-US" sz="1200" dirty="0">
+                <a:highlight>
+                  <a:srgbClr val="00FFFF"/>
+                </a:highlight>
+              </a:rPr>
+              <a:t>(5),PP2(4));</a:t>
+            </a:r>
+          </a:p>
+          <a:p>
+            <a:pPr marL="0" indent="0">
+              <a:lnSpc>
+                <a:spcPct val="120000"/>
+              </a:lnSpc>
+              <a:buNone/>
+            </a:pPr>
+            <a:r>
+              <a:rPr lang="en-US" sz="1200" dirty="0"/>
+              <a:t>	w4:Fig1C PORT MAP (M(3),PP1(5),Q(2),</a:t>
+            </a:r>
+            <a:r>
+              <a:rPr lang="en-US" sz="1200" dirty="0" err="1">
+                <a:highlight>
+                  <a:srgbClr val="00FFFF"/>
+                </a:highlight>
+              </a:rPr>
+              <a:t>Cout</a:t>
+            </a:r>
+            <a:r>
+              <a:rPr lang="en-US" sz="1200" dirty="0">
+                <a:highlight>
+                  <a:srgbClr val="00FFFF"/>
+                </a:highlight>
+              </a:rPr>
+              <a:t>(5),PP2(6),PP2(5));</a:t>
+            </a:r>
+            <a:r>
+              <a:rPr lang="en-US" sz="1200" dirty="0"/>
+              <a:t>		</a:t>
+            </a:r>
+          </a:p>
+          <a:p>
+            <a:pPr marL="0" indent="0">
+              <a:lnSpc>
+                <a:spcPct val="120000"/>
+              </a:lnSpc>
+              <a:buNone/>
+            </a:pPr>
+            <a:r>
+              <a:rPr lang="en-US" sz="1200" dirty="0"/>
+              <a:t>		</a:t>
+            </a:r>
+          </a:p>
+        </p:txBody>
+      </p:sp>
+      <p:sp>
+        <p:nvSpPr>
+          <p:cNvPr id="4" name="Content Placeholder 3">
+            <a:extLst>
+              <a:ext uri="{FF2B5EF4-FFF2-40B4-BE49-F238E27FC236}">
+                <a16:creationId xmlns:a16="http://schemas.microsoft.com/office/drawing/2014/main" id="{6E8C2022-8284-F06E-8310-54E37026D1F4}"/>
+              </a:ext>
+            </a:extLst>
+          </p:cNvPr>
+          <p:cNvSpPr>
+            <a:spLocks noGrp="1"/>
+          </p:cNvSpPr>
+          <p:nvPr>
+            <p:ph sz="half" idx="2"/>
+          </p:nvPr>
+        </p:nvSpPr>
+        <p:spPr/>
+        <p:txBody>
+          <a:bodyPr>
+            <a:normAutofit/>
+          </a:bodyPr>
+          <a:lstStyle/>
+          <a:p>
+            <a:pPr marL="0" indent="0">
+              <a:lnSpc>
+                <a:spcPct val="120000"/>
+              </a:lnSpc>
+              <a:buNone/>
+            </a:pPr>
+            <a:r>
+              <a:rPr lang="en-US" sz="1200" dirty="0"/>
+              <a:t>--Last line, final output values, P</a:t>
+            </a:r>
+          </a:p>
+          <a:p>
+            <a:pPr marL="0" indent="0">
+              <a:lnSpc>
+                <a:spcPct val="120000"/>
+              </a:lnSpc>
+              <a:buNone/>
+            </a:pPr>
+            <a:r>
+              <a:rPr lang="en-US" sz="1200" dirty="0"/>
+              <a:t>	N1:Fig1C PORT MAP (M(0),PP2(3),Q(3),'0',</a:t>
+            </a:r>
+            <a:r>
+              <a:rPr lang="en-US" sz="1200" dirty="0">
+                <a:highlight>
+                  <a:srgbClr val="00FFFF"/>
+                </a:highlight>
+              </a:rPr>
+              <a:t>Cout(6),P(3)</a:t>
+            </a:r>
+            <a:r>
+              <a:rPr lang="en-US" sz="1200" dirty="0"/>
+              <a:t>);</a:t>
+            </a:r>
+          </a:p>
+          <a:p>
+            <a:pPr marL="0" indent="0">
+              <a:lnSpc>
+                <a:spcPct val="120000"/>
+              </a:lnSpc>
+              <a:buNone/>
+            </a:pPr>
+            <a:r>
+              <a:rPr lang="en-US" sz="1200" dirty="0"/>
+              <a:t>	N2:Fig1C PORT MAP (M(1),PP2(4),Q(3),</a:t>
+            </a:r>
+            <a:r>
+              <a:rPr lang="en-US" sz="1200" dirty="0" err="1">
+                <a:highlight>
+                  <a:srgbClr val="00FFFF"/>
+                </a:highlight>
+              </a:rPr>
+              <a:t>Cout</a:t>
+            </a:r>
+            <a:r>
+              <a:rPr lang="en-US" sz="1200" dirty="0">
+                <a:highlight>
+                  <a:srgbClr val="00FFFF"/>
+                </a:highlight>
+              </a:rPr>
+              <a:t>(6),</a:t>
+            </a:r>
+            <a:r>
+              <a:rPr lang="en-US" sz="1200" dirty="0" err="1">
+                <a:highlight>
+                  <a:srgbClr val="00FFFF"/>
+                </a:highlight>
+              </a:rPr>
+              <a:t>Cout</a:t>
+            </a:r>
+            <a:r>
+              <a:rPr lang="en-US" sz="1200" dirty="0">
+                <a:highlight>
+                  <a:srgbClr val="00FFFF"/>
+                </a:highlight>
+              </a:rPr>
+              <a:t>(7),P(4));</a:t>
+            </a:r>
+          </a:p>
+          <a:p>
+            <a:pPr marL="0" indent="0">
+              <a:lnSpc>
+                <a:spcPct val="120000"/>
+              </a:lnSpc>
+              <a:buNone/>
+            </a:pPr>
+            <a:r>
+              <a:rPr lang="en-US" sz="1200" dirty="0"/>
+              <a:t>	N3:Fig1C PORT MAP (M(2),PP2(5),Q(3),</a:t>
+            </a:r>
+            <a:r>
+              <a:rPr lang="en-US" sz="1200" dirty="0" err="1">
+                <a:highlight>
+                  <a:srgbClr val="00FFFF"/>
+                </a:highlight>
+              </a:rPr>
+              <a:t>Cout</a:t>
+            </a:r>
+            <a:r>
+              <a:rPr lang="en-US" sz="1200" dirty="0">
+                <a:highlight>
+                  <a:srgbClr val="00FFFF"/>
+                </a:highlight>
+              </a:rPr>
+              <a:t>(7),</a:t>
+            </a:r>
+            <a:r>
+              <a:rPr lang="en-US" sz="1200" dirty="0" err="1">
+                <a:highlight>
+                  <a:srgbClr val="00FFFF"/>
+                </a:highlight>
+              </a:rPr>
+              <a:t>Cout</a:t>
+            </a:r>
+            <a:r>
+              <a:rPr lang="en-US" sz="1200" dirty="0">
+                <a:highlight>
+                  <a:srgbClr val="00FFFF"/>
+                </a:highlight>
+              </a:rPr>
+              <a:t>(8),P(5));</a:t>
+            </a:r>
+          </a:p>
+          <a:p>
+            <a:pPr marL="0" indent="0">
+              <a:lnSpc>
+                <a:spcPct val="120000"/>
+              </a:lnSpc>
+              <a:buNone/>
+            </a:pPr>
+            <a:r>
+              <a:rPr lang="en-US" sz="1200" dirty="0"/>
+              <a:t>	N4:Fig1C PORT MAP (M(3),PP2(6),Q(3),</a:t>
+            </a:r>
+            <a:r>
+              <a:rPr lang="en-US" sz="1200" dirty="0" err="1">
+                <a:highlight>
+                  <a:srgbClr val="00FFFF"/>
+                </a:highlight>
+              </a:rPr>
+              <a:t>Cout</a:t>
+            </a:r>
+            <a:r>
+              <a:rPr lang="en-US" sz="1200" dirty="0">
+                <a:highlight>
+                  <a:srgbClr val="00FFFF"/>
+                </a:highlight>
+              </a:rPr>
+              <a:t>(8),P(7),P(6));</a:t>
+            </a:r>
+          </a:p>
+          <a:p>
+            <a:pPr marL="0" indent="0">
+              <a:buNone/>
+            </a:pPr>
+            <a:endParaRPr lang="en-US" sz="1200" dirty="0"/>
+          </a:p>
+        </p:txBody>
+      </p:sp>
+    </p:spTree>
+    <p:extLst>
+      <p:ext uri="{BB962C8B-B14F-4D97-AF65-F5344CB8AC3E}">
+        <p14:creationId xmlns:p14="http://schemas.microsoft.com/office/powerpoint/2010/main" val="584950903"/>
+      </p:ext>
+    </p:extLst>
+  </p:cSld>
+  <p:clrMapOvr>
+    <a:masterClrMapping/>
+  </p:clrMapOvr>
+  <p:timing>
+    <p:tnLst>
+      <p:par>
+        <p:cTn id="1" dur="indefinite" restart="never" nodeType="tmRoot">
+          <p:childTnLst>
+            <p:seq concurrent="1" nextAc="seek">
+              <p:cTn id="2" dur="indefinite" nodeType="mainSeq">
+                <p:childTnLst>
+                  <p:par>
+                    <p:cTn id="3" fill="hold">
+                      <p:stCondLst>
+                        <p:cond delay="indefinite"/>
+                      </p:stCondLst>
+                      <p:childTnLst>
+                        <p:par>
+                          <p:cTn id="4" fill="hold">
+                            <p:stCondLst>
+                              <p:cond delay="0"/>
+                            </p:stCondLst>
+                            <p:childTnLst>
+                              <p:par>
+                                <p:cTn id="5" presetID="10" presetClass="entr" presetSubtype="0" fill="hold" nodeType="clickEffect">
+                                  <p:stCondLst>
+                                    <p:cond delay="0"/>
+                                  </p:stCondLst>
+                                  <p:childTnLst>
+                                    <p:set>
+                                      <p:cBhvr>
+                                        <p:cTn id="6" dur="1" fill="hold">
+                                          <p:stCondLst>
+                                            <p:cond delay="0"/>
+                                          </p:stCondLst>
+                                        </p:cTn>
+                                        <p:tgtEl>
+                                          <p:spTgt spid="3">
+                                            <p:txEl>
+                                              <p:pRg st="1" end="1"/>
+                                            </p:txEl>
+                                          </p:spTgt>
+                                        </p:tgtEl>
+                                        <p:attrNameLst>
+                                          <p:attrName>style.visibility</p:attrName>
+                                        </p:attrNameLst>
+                                      </p:cBhvr>
+                                      <p:to>
+                                        <p:strVal val="visible"/>
+                                      </p:to>
+                                    </p:set>
+                                    <p:animEffect transition="in" filter="fade">
+                                      <p:cBhvr>
+                                        <p:cTn id="7" dur="500"/>
+                                        <p:tgtEl>
+                                          <p:spTgt spid="3">
+                                            <p:txEl>
+                                              <p:pRg st="1" end="1"/>
+                                            </p:txEl>
+                                          </p:spTgt>
+                                        </p:tgtEl>
+                                      </p:cBhvr>
+                                    </p:animEffect>
+                                  </p:childTnLst>
+                                </p:cTn>
+                              </p:par>
+                              <p:par>
+                                <p:cTn id="8" presetID="10" presetClass="entr" presetSubtype="0" fill="hold" nodeType="withEffect">
+                                  <p:stCondLst>
+                                    <p:cond delay="0"/>
+                                  </p:stCondLst>
+                                  <p:childTnLst>
+                                    <p:set>
+                                      <p:cBhvr>
+                                        <p:cTn id="9" dur="1" fill="hold">
+                                          <p:stCondLst>
+                                            <p:cond delay="0"/>
+                                          </p:stCondLst>
+                                        </p:cTn>
+                                        <p:tgtEl>
+                                          <p:spTgt spid="3">
+                                            <p:txEl>
+                                              <p:pRg st="2" end="2"/>
+                                            </p:txEl>
+                                          </p:spTgt>
+                                        </p:tgtEl>
+                                        <p:attrNameLst>
+                                          <p:attrName>style.visibility</p:attrName>
+                                        </p:attrNameLst>
+                                      </p:cBhvr>
+                                      <p:to>
+                                        <p:strVal val="visible"/>
+                                      </p:to>
+                                    </p:set>
+                                    <p:animEffect transition="in" filter="fade">
+                                      <p:cBhvr>
+                                        <p:cTn id="10" dur="500"/>
+                                        <p:tgtEl>
+                                          <p:spTgt spid="3">
+                                            <p:txEl>
+                                              <p:pRg st="2" end="2"/>
+                                            </p:txEl>
+                                          </p:spTgt>
+                                        </p:tgtEl>
+                                      </p:cBhvr>
+                                    </p:animEffect>
+                                  </p:childTnLst>
+                                </p:cTn>
+                              </p:par>
+                              <p:par>
+                                <p:cTn id="11" presetID="10" presetClass="entr" presetSubtype="0" fill="hold" nodeType="withEffect">
+                                  <p:stCondLst>
+                                    <p:cond delay="0"/>
+                                  </p:stCondLst>
+                                  <p:childTnLst>
+                                    <p:set>
+                                      <p:cBhvr>
+                                        <p:cTn id="12" dur="1" fill="hold">
+                                          <p:stCondLst>
+                                            <p:cond delay="0"/>
+                                          </p:stCondLst>
+                                        </p:cTn>
+                                        <p:tgtEl>
+                                          <p:spTgt spid="3">
+                                            <p:txEl>
+                                              <p:pRg st="3" end="3"/>
+                                            </p:txEl>
+                                          </p:spTgt>
+                                        </p:tgtEl>
+                                        <p:attrNameLst>
+                                          <p:attrName>style.visibility</p:attrName>
+                                        </p:attrNameLst>
+                                      </p:cBhvr>
+                                      <p:to>
+                                        <p:strVal val="visible"/>
+                                      </p:to>
+                                    </p:set>
+                                    <p:animEffect transition="in" filter="fade">
+                                      <p:cBhvr>
+                                        <p:cTn id="13" dur="500"/>
+                                        <p:tgtEl>
+                                          <p:spTgt spid="3">
+                                            <p:txEl>
+                                              <p:pRg st="3" end="3"/>
+                                            </p:txEl>
+                                          </p:spTgt>
+                                        </p:tgtEl>
+                                      </p:cBhvr>
+                                    </p:animEffect>
+                                  </p:childTnLst>
+                                </p:cTn>
+                              </p:par>
+                              <p:par>
+                                <p:cTn id="14" presetID="10" presetClass="entr" presetSubtype="0" fill="hold" nodeType="withEffect">
+                                  <p:stCondLst>
+                                    <p:cond delay="0"/>
+                                  </p:stCondLst>
+                                  <p:childTnLst>
+                                    <p:set>
+                                      <p:cBhvr>
+                                        <p:cTn id="15" dur="1" fill="hold">
+                                          <p:stCondLst>
+                                            <p:cond delay="0"/>
+                                          </p:stCondLst>
+                                        </p:cTn>
+                                        <p:tgtEl>
+                                          <p:spTgt spid="3">
+                                            <p:txEl>
+                                              <p:pRg st="4" end="4"/>
+                                            </p:txEl>
+                                          </p:spTgt>
+                                        </p:tgtEl>
+                                        <p:attrNameLst>
+                                          <p:attrName>style.visibility</p:attrName>
+                                        </p:attrNameLst>
+                                      </p:cBhvr>
+                                      <p:to>
+                                        <p:strVal val="visible"/>
+                                      </p:to>
+                                    </p:set>
+                                    <p:animEffect transition="in" filter="fade">
+                                      <p:cBhvr>
+                                        <p:cTn id="16" dur="500"/>
+                                        <p:tgtEl>
+                                          <p:spTgt spid="3">
+                                            <p:txEl>
+                                              <p:pRg st="4" end="4"/>
+                                            </p:txEl>
+                                          </p:spTgt>
+                                        </p:tgtEl>
+                                      </p:cBhvr>
+                                    </p:animEffect>
+                                  </p:childTnLst>
+                                </p:cTn>
+                              </p:par>
+                              <p:par>
+                                <p:cTn id="17" presetID="10" presetClass="entr" presetSubtype="0" fill="hold" nodeType="withEffect">
+                                  <p:stCondLst>
+                                    <p:cond delay="0"/>
+                                  </p:stCondLst>
+                                  <p:childTnLst>
+                                    <p:set>
+                                      <p:cBhvr>
+                                        <p:cTn id="18" dur="1" fill="hold">
+                                          <p:stCondLst>
+                                            <p:cond delay="0"/>
+                                          </p:stCondLst>
+                                        </p:cTn>
+                                        <p:tgtEl>
+                                          <p:spTgt spid="3">
+                                            <p:txEl>
+                                              <p:pRg st="5" end="5"/>
+                                            </p:txEl>
+                                          </p:spTgt>
+                                        </p:tgtEl>
+                                        <p:attrNameLst>
+                                          <p:attrName>style.visibility</p:attrName>
+                                        </p:attrNameLst>
+                                      </p:cBhvr>
+                                      <p:to>
+                                        <p:strVal val="visible"/>
+                                      </p:to>
+                                    </p:set>
+                                    <p:animEffect transition="in" filter="fade">
+                                      <p:cBhvr>
+                                        <p:cTn id="19" dur="500"/>
+                                        <p:tgtEl>
+                                          <p:spTgt spid="3">
+                                            <p:txEl>
+                                              <p:pRg st="5" end="5"/>
+                                            </p:txEl>
+                                          </p:spTgt>
+                                        </p:tgtEl>
+                                      </p:cBhvr>
+                                    </p:animEffect>
+                                  </p:childTnLst>
+                                </p:cTn>
+                              </p:par>
+                              <p:par>
+                                <p:cTn id="20" presetID="10" presetClass="entr" presetSubtype="0" fill="hold" nodeType="withEffect">
+                                  <p:stCondLst>
+                                    <p:cond delay="0"/>
+                                  </p:stCondLst>
+                                  <p:childTnLst>
+                                    <p:set>
+                                      <p:cBhvr>
+                                        <p:cTn id="21" dur="1" fill="hold">
+                                          <p:stCondLst>
+                                            <p:cond delay="0"/>
+                                          </p:stCondLst>
+                                        </p:cTn>
+                                        <p:tgtEl>
+                                          <p:spTgt spid="3">
+                                            <p:txEl>
+                                              <p:pRg st="6" end="6"/>
+                                            </p:txEl>
+                                          </p:spTgt>
+                                        </p:tgtEl>
+                                        <p:attrNameLst>
+                                          <p:attrName>style.visibility</p:attrName>
+                                        </p:attrNameLst>
+                                      </p:cBhvr>
+                                      <p:to>
+                                        <p:strVal val="visible"/>
+                                      </p:to>
+                                    </p:set>
+                                    <p:animEffect transition="in" filter="fade">
+                                      <p:cBhvr>
+                                        <p:cTn id="22" dur="500"/>
+                                        <p:tgtEl>
+                                          <p:spTgt spid="3">
+                                            <p:txEl>
+                                              <p:pRg st="6" end="6"/>
+                                            </p:txEl>
+                                          </p:spTgt>
+                                        </p:tgtEl>
+                                      </p:cBhvr>
+                                    </p:animEffect>
+                                  </p:childTnLst>
+                                </p:cTn>
+                              </p:par>
+                              <p:par>
+                                <p:cTn id="23" presetID="10" presetClass="entr" presetSubtype="0" fill="hold" nodeType="withEffect">
+                                  <p:stCondLst>
+                                    <p:cond delay="0"/>
+                                  </p:stCondLst>
+                                  <p:childTnLst>
+                                    <p:set>
+                                      <p:cBhvr>
+                                        <p:cTn id="24" dur="1" fill="hold">
+                                          <p:stCondLst>
+                                            <p:cond delay="0"/>
+                                          </p:stCondLst>
+                                        </p:cTn>
+                                        <p:tgtEl>
+                                          <p:spTgt spid="3">
+                                            <p:txEl>
+                                              <p:pRg st="7" end="7"/>
+                                            </p:txEl>
+                                          </p:spTgt>
+                                        </p:tgtEl>
+                                        <p:attrNameLst>
+                                          <p:attrName>style.visibility</p:attrName>
+                                        </p:attrNameLst>
+                                      </p:cBhvr>
+                                      <p:to>
+                                        <p:strVal val="visible"/>
+                                      </p:to>
+                                    </p:set>
+                                    <p:animEffect transition="in" filter="fade">
+                                      <p:cBhvr>
+                                        <p:cTn id="25" dur="500"/>
+                                        <p:tgtEl>
+                                          <p:spTgt spid="3">
+                                            <p:txEl>
+                                              <p:pRg st="7" end="7"/>
+                                            </p:txEl>
+                                          </p:spTgt>
+                                        </p:tgtEl>
+                                      </p:cBhvr>
+                                    </p:animEffect>
+                                  </p:childTnLst>
+                                </p:cTn>
+                              </p:par>
+                              <p:par>
+                                <p:cTn id="26" presetID="10" presetClass="entr" presetSubtype="0" fill="hold" nodeType="withEffect">
+                                  <p:stCondLst>
+                                    <p:cond delay="0"/>
+                                  </p:stCondLst>
+                                  <p:childTnLst>
+                                    <p:set>
+                                      <p:cBhvr>
+                                        <p:cTn id="27" dur="1" fill="hold">
+                                          <p:stCondLst>
+                                            <p:cond delay="0"/>
+                                          </p:stCondLst>
+                                        </p:cTn>
+                                        <p:tgtEl>
+                                          <p:spTgt spid="3">
+                                            <p:txEl>
+                                              <p:pRg st="8" end="8"/>
+                                            </p:txEl>
+                                          </p:spTgt>
+                                        </p:tgtEl>
+                                        <p:attrNameLst>
+                                          <p:attrName>style.visibility</p:attrName>
+                                        </p:attrNameLst>
+                                      </p:cBhvr>
+                                      <p:to>
+                                        <p:strVal val="visible"/>
+                                      </p:to>
+                                    </p:set>
+                                    <p:animEffect transition="in" filter="fade">
+                                      <p:cBhvr>
+                                        <p:cTn id="28" dur="500"/>
+                                        <p:tgtEl>
+                                          <p:spTgt spid="3">
+                                            <p:txEl>
+                                              <p:pRg st="8" end="8"/>
+                                            </p:txEl>
+                                          </p:spTgt>
+                                        </p:tgtEl>
+                                      </p:cBhvr>
+                                    </p:animEffect>
+                                  </p:childTnLst>
+                                </p:cTn>
+                              </p:par>
+                            </p:childTnLst>
+                          </p:cTn>
+                        </p:par>
+                      </p:childTnLst>
+                    </p:cTn>
+                  </p:par>
+                  <p:par>
+                    <p:cTn id="29" fill="hold">
+                      <p:stCondLst>
+                        <p:cond delay="indefinite"/>
+                      </p:stCondLst>
+                      <p:childTnLst>
+                        <p:par>
+                          <p:cTn id="30" fill="hold">
+                            <p:stCondLst>
+                              <p:cond delay="0"/>
+                            </p:stCondLst>
+                            <p:childTnLst>
+                              <p:par>
+                                <p:cTn id="31" presetID="10" presetClass="entr" presetSubtype="0" fill="hold" nodeType="clickEffect">
+                                  <p:stCondLst>
+                                    <p:cond delay="0"/>
+                                  </p:stCondLst>
+                                  <p:childTnLst>
+                                    <p:set>
+                                      <p:cBhvr>
+                                        <p:cTn id="32" dur="1" fill="hold">
+                                          <p:stCondLst>
+                                            <p:cond delay="0"/>
+                                          </p:stCondLst>
+                                        </p:cTn>
+                                        <p:tgtEl>
+                                          <p:spTgt spid="4">
+                                            <p:txEl>
+                                              <p:pRg st="0" end="0"/>
+                                            </p:txEl>
+                                          </p:spTgt>
+                                        </p:tgtEl>
+                                        <p:attrNameLst>
+                                          <p:attrName>style.visibility</p:attrName>
+                                        </p:attrNameLst>
+                                      </p:cBhvr>
+                                      <p:to>
+                                        <p:strVal val="visible"/>
+                                      </p:to>
+                                    </p:set>
+                                    <p:animEffect transition="in" filter="fade">
+                                      <p:cBhvr>
+                                        <p:cTn id="33" dur="500"/>
+                                        <p:tgtEl>
+                                          <p:spTgt spid="4">
+                                            <p:txEl>
+                                              <p:pRg st="0" end="0"/>
+                                            </p:txEl>
+                                          </p:spTgt>
+                                        </p:tgtEl>
+                                      </p:cBhvr>
+                                    </p:animEffect>
+                                  </p:childTnLst>
+                                </p:cTn>
+                              </p:par>
+                              <p:par>
+                                <p:cTn id="34" presetID="10" presetClass="entr" presetSubtype="0" fill="hold" nodeType="withEffect">
+                                  <p:stCondLst>
+                                    <p:cond delay="0"/>
+                                  </p:stCondLst>
+                                  <p:childTnLst>
+                                    <p:set>
+                                      <p:cBhvr>
+                                        <p:cTn id="35" dur="1" fill="hold">
+                                          <p:stCondLst>
+                                            <p:cond delay="0"/>
+                                          </p:stCondLst>
+                                        </p:cTn>
+                                        <p:tgtEl>
+                                          <p:spTgt spid="4">
+                                            <p:txEl>
+                                              <p:pRg st="1" end="1"/>
+                                            </p:txEl>
+                                          </p:spTgt>
+                                        </p:tgtEl>
+                                        <p:attrNameLst>
+                                          <p:attrName>style.visibility</p:attrName>
+                                        </p:attrNameLst>
+                                      </p:cBhvr>
+                                      <p:to>
+                                        <p:strVal val="visible"/>
+                                      </p:to>
+                                    </p:set>
+                                    <p:animEffect transition="in" filter="fade">
+                                      <p:cBhvr>
+                                        <p:cTn id="36" dur="500"/>
+                                        <p:tgtEl>
+                                          <p:spTgt spid="4">
+                                            <p:txEl>
+                                              <p:pRg st="1" end="1"/>
+                                            </p:txEl>
+                                          </p:spTgt>
+                                        </p:tgtEl>
+                                      </p:cBhvr>
+                                    </p:animEffect>
+                                  </p:childTnLst>
+                                </p:cTn>
+                              </p:par>
+                              <p:par>
+                                <p:cTn id="37" presetID="10" presetClass="entr" presetSubtype="0" fill="hold" nodeType="withEffect">
+                                  <p:stCondLst>
+                                    <p:cond delay="0"/>
+                                  </p:stCondLst>
+                                  <p:childTnLst>
+                                    <p:set>
+                                      <p:cBhvr>
+                                        <p:cTn id="38" dur="1" fill="hold">
+                                          <p:stCondLst>
+                                            <p:cond delay="0"/>
+                                          </p:stCondLst>
+                                        </p:cTn>
+                                        <p:tgtEl>
+                                          <p:spTgt spid="4">
+                                            <p:txEl>
+                                              <p:pRg st="2" end="2"/>
+                                            </p:txEl>
+                                          </p:spTgt>
+                                        </p:tgtEl>
+                                        <p:attrNameLst>
+                                          <p:attrName>style.visibility</p:attrName>
+                                        </p:attrNameLst>
+                                      </p:cBhvr>
+                                      <p:to>
+                                        <p:strVal val="visible"/>
+                                      </p:to>
+                                    </p:set>
+                                    <p:animEffect transition="in" filter="fade">
+                                      <p:cBhvr>
+                                        <p:cTn id="39" dur="500"/>
+                                        <p:tgtEl>
+                                          <p:spTgt spid="4">
+                                            <p:txEl>
+                                              <p:pRg st="2" end="2"/>
+                                            </p:txEl>
+                                          </p:spTgt>
+                                        </p:tgtEl>
+                                      </p:cBhvr>
+                                    </p:animEffect>
+                                  </p:childTnLst>
+                                </p:cTn>
+                              </p:par>
+                              <p:par>
+                                <p:cTn id="40" presetID="10" presetClass="entr" presetSubtype="0" fill="hold" nodeType="withEffect">
+                                  <p:stCondLst>
+                                    <p:cond delay="0"/>
+                                  </p:stCondLst>
+                                  <p:childTnLst>
+                                    <p:set>
+                                      <p:cBhvr>
+                                        <p:cTn id="41" dur="1" fill="hold">
+                                          <p:stCondLst>
+                                            <p:cond delay="0"/>
+                                          </p:stCondLst>
+                                        </p:cTn>
+                                        <p:tgtEl>
+                                          <p:spTgt spid="4">
+                                            <p:txEl>
+                                              <p:pRg st="3" end="3"/>
+                                            </p:txEl>
+                                          </p:spTgt>
+                                        </p:tgtEl>
+                                        <p:attrNameLst>
+                                          <p:attrName>style.visibility</p:attrName>
+                                        </p:attrNameLst>
+                                      </p:cBhvr>
+                                      <p:to>
+                                        <p:strVal val="visible"/>
+                                      </p:to>
+                                    </p:set>
+                                    <p:animEffect transition="in" filter="fade">
+                                      <p:cBhvr>
+                                        <p:cTn id="42" dur="500"/>
+                                        <p:tgtEl>
+                                          <p:spTgt spid="4">
+                                            <p:txEl>
+                                              <p:pRg st="3" end="3"/>
+                                            </p:txEl>
+                                          </p:spTgt>
+                                        </p:tgtEl>
+                                      </p:cBhvr>
+                                    </p:animEffect>
+                                  </p:childTnLst>
+                                </p:cTn>
+                              </p:par>
+                              <p:par>
+                                <p:cTn id="43" presetID="10" presetClass="entr" presetSubtype="0" fill="hold" nodeType="withEffect">
+                                  <p:stCondLst>
+                                    <p:cond delay="0"/>
+                                  </p:stCondLst>
+                                  <p:childTnLst>
+                                    <p:set>
+                                      <p:cBhvr>
+                                        <p:cTn id="44" dur="1" fill="hold">
+                                          <p:stCondLst>
+                                            <p:cond delay="0"/>
+                                          </p:stCondLst>
+                                        </p:cTn>
+                                        <p:tgtEl>
+                                          <p:spTgt spid="4">
+                                            <p:txEl>
+                                              <p:pRg st="4" end="4"/>
+                                            </p:txEl>
+                                          </p:spTgt>
+                                        </p:tgtEl>
+                                        <p:attrNameLst>
+                                          <p:attrName>style.visibility</p:attrName>
+                                        </p:attrNameLst>
+                                      </p:cBhvr>
+                                      <p:to>
+                                        <p:strVal val="visible"/>
+                                      </p:to>
+                                    </p:set>
+                                    <p:animEffect transition="in" filter="fade">
+                                      <p:cBhvr>
+                                        <p:cTn id="45" dur="500"/>
+                                        <p:tgtEl>
+                                          <p:spTgt spid="4">
+                                            <p:txEl>
+                                              <p:pRg st="4" end="4"/>
+                                            </p:txEl>
+                                          </p:spTgt>
+                                        </p:tgtEl>
+                                      </p:cBhvr>
+                                    </p:animEffect>
+                                  </p:childTnLst>
+                                </p:cTn>
+                              </p:par>
+                            </p:childTnLst>
+                          </p:cTn>
+                        </p:par>
+                      </p:childTnLst>
+                    </p:cTn>
+                  </p:par>
+                </p:childTnLst>
+              </p:cTn>
+              <p:prevCondLst>
+                <p:cond evt="onPrev" delay="0">
+                  <p:tgtEl>
+                    <p:sldTgt/>
+                  </p:tgtEl>
+                </p:cond>
+              </p:prevCondLst>
+              <p:nextCondLst>
+                <p:cond evt="onNext" delay="0">
+                  <p:tgtEl>
+                    <p:sldTgt/>
+                  </p:tgtEl>
+                </p:cond>
+              </p:nextCondLst>
+            </p:seq>
+          </p:childTnLst>
+        </p:cTn>
+      </p:par>
+    </p:tnLst>
+  </p:timing>
+</p:sld>
+</file>
+
+<file path=ppt/slides/slide12.xml><?xml version="1.0" encoding="utf-8"?>
+<p:sld xmlns:a="http://schemas.openxmlformats.org/drawingml/2006/main" xmlns:r="http://schemas.openxmlformats.org/officeDocument/2006/relationships" xmlns:p="http://schemas.openxmlformats.org/presentationml/2006/main">
+  <p:cSld>
+    <p:spTree>
+      <p:nvGrpSpPr>
+        <p:cNvPr id="1" name=""/>
+        <p:cNvGrpSpPr/>
+        <p:nvPr/>
+      </p:nvGrpSpPr>
+      <p:grpSpPr>
+        <a:xfrm>
+          <a:off x="0" y="0"/>
+          <a:ext cx="0" cy="0"/>
+          <a:chOff x="0" y="0"/>
+          <a:chExt cx="0" cy="0"/>
+        </a:xfrm>
+      </p:grpSpPr>
+      <p:sp>
+        <p:nvSpPr>
+          <p:cNvPr id="2" name="Title 1">
+            <a:extLst>
+              <a:ext uri="{FF2B5EF4-FFF2-40B4-BE49-F238E27FC236}">
                 <a16:creationId xmlns:a16="http://schemas.microsoft.com/office/drawing/2014/main" id="{921633EB-7DCB-4DDC-80AF-C885A3EE1245}"/>
               </a:ext>
             </a:extLst>
@@ -11868,7 +13108,7 @@
 </p:sld>
 </file>
 
-<file path=ppt/slides/slide12.xml><?xml version="1.0" encoding="utf-8"?>
+<file path=ppt/slides/slide13.xml><?xml version="1.0" encoding="utf-8"?>
 <p:sld xmlns:a="http://schemas.openxmlformats.org/drawingml/2006/main" xmlns:r="http://schemas.openxmlformats.org/officeDocument/2006/relationships" xmlns:p="http://schemas.openxmlformats.org/presentationml/2006/main">
   <p:cSld>
     <p:bg>
@@ -13071,7 +14311,16 @@
               <a:rPr lang="en-US" sz="900" dirty="0">
                 <a:cs typeface="Aharoni" panose="02010803020104030203" pitchFamily="2" charset="-79"/>
               </a:rPr>
-              <a:t>	COMPONENT Adder IS </a:t>
+              <a:t>	</a:t>
+            </a:r>
+            <a:r>
+              <a:rPr lang="en-US" sz="900" dirty="0">
+                <a:highlight>
+                  <a:srgbClr val="00FFFF"/>
+                </a:highlight>
+                <a:cs typeface="Aharoni" panose="02010803020104030203" pitchFamily="2" charset="-79"/>
+              </a:rPr>
+              <a:t>COMPONENT Adder IS </a:t>
             </a:r>
           </a:p>
           <a:p>
@@ -13080,30 +14329,45 @@
             </a:pPr>
             <a:r>
               <a:rPr lang="en-US" sz="900" dirty="0">
+                <a:highlight>
+                  <a:srgbClr val="00FFFF"/>
+                </a:highlight>
                 <a:cs typeface="Aharoni" panose="02010803020104030203" pitchFamily="2" charset="-79"/>
               </a:rPr>
               <a:t>		PORT (X1, X2, </a:t>
             </a:r>
             <a:r>
               <a:rPr lang="en-US" sz="900" dirty="0" err="1">
+                <a:highlight>
+                  <a:srgbClr val="00FFFF"/>
+                </a:highlight>
                 <a:cs typeface="Aharoni" panose="02010803020104030203" pitchFamily="2" charset="-79"/>
               </a:rPr>
               <a:t>Cin</a:t>
             </a:r>
             <a:r>
               <a:rPr lang="en-US" sz="900" dirty="0">
+                <a:highlight>
+                  <a:srgbClr val="00FFFF"/>
+                </a:highlight>
                 <a:cs typeface="Aharoni" panose="02010803020104030203" pitchFamily="2" charset="-79"/>
               </a:rPr>
               <a:t> : IN </a:t>
             </a:r>
             <a:r>
               <a:rPr lang="en-US" sz="900" dirty="0" err="1">
+                <a:highlight>
+                  <a:srgbClr val="00FFFF"/>
+                </a:highlight>
                 <a:cs typeface="Aharoni" panose="02010803020104030203" pitchFamily="2" charset="-79"/>
               </a:rPr>
               <a:t>STD_Logic</a:t>
             </a:r>
             <a:r>
               <a:rPr lang="en-US" sz="900" dirty="0">
+                <a:highlight>
+                  <a:srgbClr val="00FFFF"/>
+                </a:highlight>
                 <a:cs typeface="Aharoni" panose="02010803020104030203" pitchFamily="2" charset="-79"/>
               </a:rPr>
               <a:t> ; --x and y are inputs of the adder</a:t>
@@ -13115,30 +14379,45 @@
             </a:pPr>
             <a:r>
               <a:rPr lang="en-US" sz="900" dirty="0">
+                <a:highlight>
+                  <a:srgbClr val="00FFFF"/>
+                </a:highlight>
                 <a:cs typeface="Aharoni" panose="02010803020104030203" pitchFamily="2" charset="-79"/>
               </a:rPr>
               <a:t>			</a:t>
             </a:r>
             <a:r>
               <a:rPr lang="en-US" sz="900" dirty="0" err="1">
+                <a:highlight>
+                  <a:srgbClr val="00FFFF"/>
+                </a:highlight>
                 <a:cs typeface="Aharoni" panose="02010803020104030203" pitchFamily="2" charset="-79"/>
               </a:rPr>
               <a:t>Cout</a:t>
             </a:r>
             <a:r>
               <a:rPr lang="en-US" sz="900" dirty="0">
+                <a:highlight>
+                  <a:srgbClr val="00FFFF"/>
+                </a:highlight>
                 <a:cs typeface="Aharoni" panose="02010803020104030203" pitchFamily="2" charset="-79"/>
               </a:rPr>
               <a:t>, S :BUFFER </a:t>
             </a:r>
             <a:r>
               <a:rPr lang="en-US" sz="900" dirty="0" err="1">
+                <a:highlight>
+                  <a:srgbClr val="00FFFF"/>
+                </a:highlight>
                 <a:cs typeface="Aharoni" panose="02010803020104030203" pitchFamily="2" charset="-79"/>
               </a:rPr>
               <a:t>STD_Logic</a:t>
             </a:r>
             <a:r>
               <a:rPr lang="en-US" sz="900" dirty="0">
+                <a:highlight>
+                  <a:srgbClr val="00FFFF"/>
+                </a:highlight>
                 <a:cs typeface="Aharoni" panose="02010803020104030203" pitchFamily="2" charset="-79"/>
               </a:rPr>
               <a:t>); --c is the carry and s is the sum value		</a:t>
@@ -13150,6 +14429,9 @@
             </a:pPr>
             <a:r>
               <a:rPr lang="en-US" sz="900" dirty="0">
+                <a:highlight>
+                  <a:srgbClr val="00FFFF"/>
+                </a:highlight>
                 <a:cs typeface="Aharoni" panose="02010803020104030203" pitchFamily="2" charset="-79"/>
               </a:rPr>
               <a:t>	END COMPONENT;</a:t>
@@ -13163,7 +14445,16 @@
               <a:rPr lang="en-US" sz="900" dirty="0">
                 <a:cs typeface="Aharoni" panose="02010803020104030203" pitchFamily="2" charset="-79"/>
               </a:rPr>
-              <a:t>		SIGNAL A1, A2, A3 :STD_LOGIC;</a:t>
+              <a:t>		</a:t>
+            </a:r>
+            <a:r>
+              <a:rPr lang="en-US" sz="900" dirty="0">
+                <a:highlight>
+                  <a:srgbClr val="C0C0C0"/>
+                </a:highlight>
+                <a:cs typeface="Aharoni" panose="02010803020104030203" pitchFamily="2" charset="-79"/>
+              </a:rPr>
+              <a:t>SIGNAL A1, A2, A3 :STD_LOGIC;</a:t>
             </a:r>
           </a:p>
           <a:p>
@@ -13185,7 +14476,16 @@
               <a:rPr lang="en-US" sz="900" dirty="0">
                 <a:cs typeface="Aharoni" panose="02010803020104030203" pitchFamily="2" charset="-79"/>
               </a:rPr>
-              <a:t>		 A1 &lt;= M1 AND Q0;</a:t>
+              <a:t>		</a:t>
+            </a:r>
+            <a:r>
+              <a:rPr lang="en-US" sz="900" dirty="0">
+                <a:highlight>
+                  <a:srgbClr val="C0C0C0"/>
+                </a:highlight>
+                <a:cs typeface="Aharoni" panose="02010803020104030203" pitchFamily="2" charset="-79"/>
+              </a:rPr>
+              <a:t> A1 &lt;= M1 AND Q0;</a:t>
             </a:r>
           </a:p>
           <a:p>
@@ -13196,7 +14496,16 @@
               <a:rPr lang="en-US" sz="900" dirty="0">
                 <a:cs typeface="Aharoni" panose="02010803020104030203" pitchFamily="2" charset="-79"/>
               </a:rPr>
-              <a:t>		 A2 &lt;= M2 AND Q1;</a:t>
+              <a:t>		</a:t>
+            </a:r>
+            <a:r>
+              <a:rPr lang="en-US" sz="900" dirty="0">
+                <a:highlight>
+                  <a:srgbClr val="C0C0C0"/>
+                </a:highlight>
+                <a:cs typeface="Aharoni" panose="02010803020104030203" pitchFamily="2" charset="-79"/>
+              </a:rPr>
+              <a:t> A2 &lt;= M2 AND Q1;</a:t>
             </a:r>
           </a:p>
           <a:p>
@@ -13207,28 +14516,49 @@
               <a:rPr lang="en-US" sz="900" dirty="0">
                 <a:cs typeface="Aharoni" panose="02010803020104030203" pitchFamily="2" charset="-79"/>
               </a:rPr>
-              <a:t>		 A4:Adder PORT MAP (X1 =&gt; A1, X2 =&gt; A2, </a:t>
+              <a:t>		</a:t>
+            </a:r>
+            <a:r>
+              <a:rPr lang="en-US" sz="900" dirty="0">
+                <a:highlight>
+                  <a:srgbClr val="C0C0C0"/>
+                </a:highlight>
+                <a:cs typeface="Aharoni" panose="02010803020104030203" pitchFamily="2" charset="-79"/>
+              </a:rPr>
+              <a:t> A4:Adder PORT MAP (X1 =&gt; A1, X2 =&gt; A2, </a:t>
             </a:r>
             <a:r>
               <a:rPr lang="en-US" sz="900" dirty="0" err="1">
+                <a:highlight>
+                  <a:srgbClr val="C0C0C0"/>
+                </a:highlight>
                 <a:cs typeface="Aharoni" panose="02010803020104030203" pitchFamily="2" charset="-79"/>
               </a:rPr>
               <a:t>Cin</a:t>
             </a:r>
             <a:r>
               <a:rPr lang="en-US" sz="900" dirty="0">
+                <a:highlight>
+                  <a:srgbClr val="C0C0C0"/>
+                </a:highlight>
                 <a:cs typeface="Aharoni" panose="02010803020104030203" pitchFamily="2" charset="-79"/>
               </a:rPr>
               <a:t> =&gt; </a:t>
             </a:r>
             <a:r>
               <a:rPr lang="en-US" sz="900" dirty="0" err="1">
+                <a:highlight>
+                  <a:srgbClr val="C0C0C0"/>
+                </a:highlight>
                 <a:cs typeface="Aharoni" panose="02010803020104030203" pitchFamily="2" charset="-79"/>
               </a:rPr>
               <a:t>Cin</a:t>
             </a:r>
             <a:r>
               <a:rPr lang="en-US" sz="900" dirty="0">
+                <a:highlight>
+                  <a:srgbClr val="C0C0C0"/>
+                </a:highlight>
                 <a:cs typeface="Aharoni" panose="02010803020104030203" pitchFamily="2" charset="-79"/>
               </a:rPr>
               <a:t>, --INPUTS</a:t>
@@ -13246,24 +14576,36 @@
             </a:r>
             <a:r>
               <a:rPr lang="en-US" sz="900" dirty="0" err="1">
+                <a:highlight>
+                  <a:srgbClr val="C0C0C0"/>
+                </a:highlight>
                 <a:cs typeface="Aharoni" panose="02010803020104030203" pitchFamily="2" charset="-79"/>
               </a:rPr>
               <a:t>Cout</a:t>
             </a:r>
             <a:r>
               <a:rPr lang="en-US" sz="900" dirty="0">
+                <a:highlight>
+                  <a:srgbClr val="C0C0C0"/>
+                </a:highlight>
                 <a:cs typeface="Aharoni" panose="02010803020104030203" pitchFamily="2" charset="-79"/>
               </a:rPr>
               <a:t> =&gt; </a:t>
             </a:r>
             <a:r>
               <a:rPr lang="en-US" sz="900" dirty="0" err="1">
+                <a:highlight>
+                  <a:srgbClr val="C0C0C0"/>
+                </a:highlight>
                 <a:cs typeface="Aharoni" panose="02010803020104030203" pitchFamily="2" charset="-79"/>
               </a:rPr>
               <a:t>Cout</a:t>
             </a:r>
             <a:r>
               <a:rPr lang="en-US" sz="900" dirty="0">
+                <a:highlight>
+                  <a:srgbClr val="C0C0C0"/>
+                </a:highlight>
                 <a:cs typeface="Aharoni" panose="02010803020104030203" pitchFamily="2" charset="-79"/>
               </a:rPr>
               <a:t>, S =&gt; s); --OUTPUT VALUES FROM ADDER</a:t>
@@ -13409,7 +14751,15 @@
             </a:pPr>
             <a:r>
               <a:rPr lang="en-US" sz="1000" dirty="0"/>
-              <a:t>	COMPONENT Adder IS </a:t>
+              <a:t>	</a:t>
+            </a:r>
+            <a:r>
+              <a:rPr lang="en-US" sz="1000" dirty="0">
+                <a:highlight>
+                  <a:srgbClr val="00FFFF"/>
+                </a:highlight>
+              </a:rPr>
+              <a:t>COMPONENT Adder IS </a:t>
             </a:r>
           </a:p>
           <a:p>
@@ -13417,23 +14767,43 @@
               <a:buNone/>
             </a:pPr>
             <a:r>
-              <a:rPr lang="en-US" sz="1000" dirty="0"/>
+              <a:rPr lang="en-US" sz="1000" dirty="0">
+                <a:highlight>
+                  <a:srgbClr val="00FFFF"/>
+                </a:highlight>
+              </a:rPr>
               <a:t>		PORT (X1, X2, </a:t>
             </a:r>
             <a:r>
-              <a:rPr lang="en-US" sz="1000" dirty="0" err="1"/>
+              <a:rPr lang="en-US" sz="1000" dirty="0" err="1">
+                <a:highlight>
+                  <a:srgbClr val="00FFFF"/>
+                </a:highlight>
+              </a:rPr>
               <a:t>Cin</a:t>
             </a:r>
             <a:r>
-              <a:rPr lang="en-US" sz="1000" dirty="0"/>
+              <a:rPr lang="en-US" sz="1000" dirty="0">
+                <a:highlight>
+                  <a:srgbClr val="00FFFF"/>
+                </a:highlight>
+              </a:rPr>
               <a:t> : IN </a:t>
             </a:r>
             <a:r>
-              <a:rPr lang="en-US" sz="1000" dirty="0" err="1"/>
+              <a:rPr lang="en-US" sz="1000" dirty="0" err="1">
+                <a:highlight>
+                  <a:srgbClr val="00FFFF"/>
+                </a:highlight>
+              </a:rPr>
               <a:t>STD_Logic</a:t>
             </a:r>
             <a:r>
-              <a:rPr lang="en-US" sz="1000" dirty="0"/>
+              <a:rPr lang="en-US" sz="1000" dirty="0">
+                <a:highlight>
+                  <a:srgbClr val="00FFFF"/>
+                </a:highlight>
+              </a:rPr>
               <a:t> ; --x and y are inputs of the adder</a:t>
             </a:r>
           </a:p>
@@ -13442,23 +14812,43 @@
               <a:buNone/>
             </a:pPr>
             <a:r>
-              <a:rPr lang="en-US" sz="1000" dirty="0"/>
+              <a:rPr lang="en-US" sz="1000" dirty="0">
+                <a:highlight>
+                  <a:srgbClr val="00FFFF"/>
+                </a:highlight>
+              </a:rPr>
               <a:t>			</a:t>
             </a:r>
             <a:r>
-              <a:rPr lang="en-US" sz="1000" dirty="0" err="1"/>
+              <a:rPr lang="en-US" sz="1000" dirty="0" err="1">
+                <a:highlight>
+                  <a:srgbClr val="00FFFF"/>
+                </a:highlight>
+              </a:rPr>
               <a:t>Cout</a:t>
             </a:r>
             <a:r>
-              <a:rPr lang="en-US" sz="1000" dirty="0"/>
+              <a:rPr lang="en-US" sz="1000" dirty="0">
+                <a:highlight>
+                  <a:srgbClr val="00FFFF"/>
+                </a:highlight>
+              </a:rPr>
               <a:t>, S :BUFFER </a:t>
             </a:r>
             <a:r>
-              <a:rPr lang="en-US" sz="1000" dirty="0" err="1"/>
+              <a:rPr lang="en-US" sz="1000" dirty="0" err="1">
+                <a:highlight>
+                  <a:srgbClr val="00FFFF"/>
+                </a:highlight>
+              </a:rPr>
               <a:t>STD_Logic</a:t>
             </a:r>
             <a:r>
-              <a:rPr lang="en-US" sz="1000" dirty="0"/>
+              <a:rPr lang="en-US" sz="1000" dirty="0">
+                <a:highlight>
+                  <a:srgbClr val="00FFFF"/>
+                </a:highlight>
+              </a:rPr>
               <a:t>); --c is the carry and s is the sum value		</a:t>
             </a:r>
           </a:p>
@@ -13467,7 +14857,11 @@
               <a:buNone/>
             </a:pPr>
             <a:r>
-              <a:rPr lang="en-US" sz="1000" dirty="0"/>
+              <a:rPr lang="en-US" sz="1000" dirty="0">
+                <a:highlight>
+                  <a:srgbClr val="00FFFF"/>
+                </a:highlight>
+              </a:rPr>
               <a:t>	END COMPONENT;</a:t>
             </a:r>
           </a:p>
@@ -13477,7 +14871,15 @@
             </a:pPr>
             <a:r>
               <a:rPr lang="en-US" sz="1000" dirty="0"/>
-              <a:t>		SIGNAL A1 :STD_LOGIC;</a:t>
+              <a:t>		</a:t>
+            </a:r>
+            <a:r>
+              <a:rPr lang="en-US" sz="1000" dirty="0">
+                <a:highlight>
+                  <a:srgbClr val="C0C0C0"/>
+                </a:highlight>
+              </a:rPr>
+              <a:t>SIGNAL A1 :STD_LOGIC;</a:t>
             </a:r>
           </a:p>
           <a:p>
@@ -13495,7 +14897,15 @@
             </a:pPr>
             <a:r>
               <a:rPr lang="en-US" sz="1000" dirty="0"/>
-              <a:t>		 A1 &lt;= M1 AND Q1;</a:t>
+              <a:t>		 </a:t>
+            </a:r>
+            <a:r>
+              <a:rPr lang="en-US" sz="1000" dirty="0">
+                <a:highlight>
+                  <a:srgbClr val="C0C0C0"/>
+                </a:highlight>
+              </a:rPr>
+              <a:t>A1 &lt;= M1 AND Q1;</a:t>
             </a:r>
           </a:p>
           <a:p>
@@ -13504,22 +14914,46 @@
             </a:pPr>
             <a:r>
               <a:rPr lang="en-US" sz="1000" dirty="0"/>
-              <a:t>		 A2:Adder PORT MAP (X1 =&gt; A1, X2 =&gt; cc, </a:t>
-            </a:r>
-            <a:r>
-              <a:rPr lang="en-US" sz="1000" dirty="0" err="1"/>
+              <a:t>		</a:t>
+            </a:r>
+            <a:r>
+              <a:rPr lang="en-US" sz="1000" dirty="0">
+                <a:highlight>
+                  <a:srgbClr val="C0C0C0"/>
+                </a:highlight>
+              </a:rPr>
+              <a:t> A2:Adder PORT MAP (X1 =&gt; A1, X2 =&gt; cc, </a:t>
+            </a:r>
+            <a:r>
+              <a:rPr lang="en-US" sz="1000" dirty="0" err="1">
+                <a:highlight>
+                  <a:srgbClr val="C0C0C0"/>
+                </a:highlight>
+              </a:rPr>
               <a:t>Cin</a:t>
             </a:r>
             <a:r>
-              <a:rPr lang="en-US" sz="1000" dirty="0"/>
+              <a:rPr lang="en-US" sz="1000" dirty="0">
+                <a:highlight>
+                  <a:srgbClr val="C0C0C0"/>
+                </a:highlight>
+              </a:rPr>
               <a:t> =&gt; </a:t>
             </a:r>
             <a:r>
-              <a:rPr lang="en-US" sz="1000" dirty="0" err="1"/>
+              <a:rPr lang="en-US" sz="1000" dirty="0" err="1">
+                <a:highlight>
+                  <a:srgbClr val="C0C0C0"/>
+                </a:highlight>
+              </a:rPr>
               <a:t>Cin</a:t>
             </a:r>
             <a:r>
-              <a:rPr lang="en-US" sz="1000" dirty="0"/>
+              <a:rPr lang="en-US" sz="1000" dirty="0">
+                <a:highlight>
+                  <a:srgbClr val="C0C0C0"/>
+                </a:highlight>
+              </a:rPr>
               <a:t>, --inputs</a:t>
             </a:r>
           </a:p>
@@ -13532,19 +14966,35 @@
               <a:t>			</a:t>
             </a:r>
             <a:r>
-              <a:rPr lang="en-US" sz="1000" dirty="0" err="1"/>
+              <a:rPr lang="en-US" sz="1000" dirty="0" err="1">
+                <a:highlight>
+                  <a:srgbClr val="C0C0C0"/>
+                </a:highlight>
+              </a:rPr>
               <a:t>Cout</a:t>
             </a:r>
             <a:r>
-              <a:rPr lang="en-US" sz="1000" dirty="0"/>
+              <a:rPr lang="en-US" sz="1000" dirty="0">
+                <a:highlight>
+                  <a:srgbClr val="C0C0C0"/>
+                </a:highlight>
+              </a:rPr>
               <a:t> =&gt; </a:t>
             </a:r>
             <a:r>
-              <a:rPr lang="en-US" sz="1000" dirty="0" err="1"/>
+              <a:rPr lang="en-US" sz="1000" dirty="0" err="1">
+                <a:highlight>
+                  <a:srgbClr val="C0C0C0"/>
+                </a:highlight>
+              </a:rPr>
               <a:t>Cout</a:t>
             </a:r>
             <a:r>
-              <a:rPr lang="en-US" sz="1000" dirty="0"/>
+              <a:rPr lang="en-US" sz="1000" dirty="0">
+                <a:highlight>
+                  <a:srgbClr val="C0C0C0"/>
+                </a:highlight>
+              </a:rPr>
               <a:t>, S =&gt; s); --outputs</a:t>
             </a:r>
           </a:p>
